--- a/Wikidocs/pics/pics_2d_graphs.pptx
+++ b/Wikidocs/pics/pics_2d_graphs.pptx
@@ -12,6 +12,8 @@
     <p:sldId id="261" r:id="rId6"/>
     <p:sldId id="262" r:id="rId7"/>
     <p:sldId id="263" r:id="rId8"/>
+    <p:sldId id="264" r:id="rId9"/>
+    <p:sldId id="265" r:id="rId10"/>
   </p:sldIdLst>
   <p:sldSz cx="12192000" cy="6858000"/>
   <p:notesSz cx="6858000" cy="9144000"/>
@@ -267,7 +269,7 @@
           <a:p>
             <a:fld id="{6EC12061-8120-4C07-B2B2-E5EB0BE33944}" type="datetimeFigureOut">
               <a:rPr lang="en-US" smtClean="0"/>
-              <a:t>1/4/2023</a:t>
+              <a:t>1/6/2023</a:t>
             </a:fld>
             <a:endParaRPr lang="en-US"/>
           </a:p>
@@ -467,7 +469,7 @@
           <a:p>
             <a:fld id="{6EC12061-8120-4C07-B2B2-E5EB0BE33944}" type="datetimeFigureOut">
               <a:rPr lang="en-US" smtClean="0"/>
-              <a:t>1/4/2023</a:t>
+              <a:t>1/6/2023</a:t>
             </a:fld>
             <a:endParaRPr lang="en-US"/>
           </a:p>
@@ -677,7 +679,7 @@
           <a:p>
             <a:fld id="{6EC12061-8120-4C07-B2B2-E5EB0BE33944}" type="datetimeFigureOut">
               <a:rPr lang="en-US" smtClean="0"/>
-              <a:t>1/4/2023</a:t>
+              <a:t>1/6/2023</a:t>
             </a:fld>
             <a:endParaRPr lang="en-US"/>
           </a:p>
@@ -877,7 +879,7 @@
           <a:p>
             <a:fld id="{6EC12061-8120-4C07-B2B2-E5EB0BE33944}" type="datetimeFigureOut">
               <a:rPr lang="en-US" smtClean="0"/>
-              <a:t>1/4/2023</a:t>
+              <a:t>1/6/2023</a:t>
             </a:fld>
             <a:endParaRPr lang="en-US"/>
           </a:p>
@@ -1153,7 +1155,7 @@
           <a:p>
             <a:fld id="{6EC12061-8120-4C07-B2B2-E5EB0BE33944}" type="datetimeFigureOut">
               <a:rPr lang="en-US" smtClean="0"/>
-              <a:t>1/4/2023</a:t>
+              <a:t>1/6/2023</a:t>
             </a:fld>
             <a:endParaRPr lang="en-US"/>
           </a:p>
@@ -1421,7 +1423,7 @@
           <a:p>
             <a:fld id="{6EC12061-8120-4C07-B2B2-E5EB0BE33944}" type="datetimeFigureOut">
               <a:rPr lang="en-US" smtClean="0"/>
-              <a:t>1/4/2023</a:t>
+              <a:t>1/6/2023</a:t>
             </a:fld>
             <a:endParaRPr lang="en-US"/>
           </a:p>
@@ -1836,7 +1838,7 @@
           <a:p>
             <a:fld id="{6EC12061-8120-4C07-B2B2-E5EB0BE33944}" type="datetimeFigureOut">
               <a:rPr lang="en-US" smtClean="0"/>
-              <a:t>1/4/2023</a:t>
+              <a:t>1/6/2023</a:t>
             </a:fld>
             <a:endParaRPr lang="en-US"/>
           </a:p>
@@ -1978,7 +1980,7 @@
           <a:p>
             <a:fld id="{6EC12061-8120-4C07-B2B2-E5EB0BE33944}" type="datetimeFigureOut">
               <a:rPr lang="en-US" smtClean="0"/>
-              <a:t>1/4/2023</a:t>
+              <a:t>1/6/2023</a:t>
             </a:fld>
             <a:endParaRPr lang="en-US"/>
           </a:p>
@@ -2091,7 +2093,7 @@
           <a:p>
             <a:fld id="{6EC12061-8120-4C07-B2B2-E5EB0BE33944}" type="datetimeFigureOut">
               <a:rPr lang="en-US" smtClean="0"/>
-              <a:t>1/4/2023</a:t>
+              <a:t>1/6/2023</a:t>
             </a:fld>
             <a:endParaRPr lang="en-US"/>
           </a:p>
@@ -2404,7 +2406,7 @@
           <a:p>
             <a:fld id="{6EC12061-8120-4C07-B2B2-E5EB0BE33944}" type="datetimeFigureOut">
               <a:rPr lang="en-US" smtClean="0"/>
-              <a:t>1/4/2023</a:t>
+              <a:t>1/6/2023</a:t>
             </a:fld>
             <a:endParaRPr lang="en-US"/>
           </a:p>
@@ -2693,7 +2695,7 @@
           <a:p>
             <a:fld id="{6EC12061-8120-4C07-B2B2-E5EB0BE33944}" type="datetimeFigureOut">
               <a:rPr lang="en-US" smtClean="0"/>
-              <a:t>1/4/2023</a:t>
+              <a:t>1/6/2023</a:t>
             </a:fld>
             <a:endParaRPr lang="en-US"/>
           </a:p>
@@ -2936,7 +2938,7 @@
           <a:p>
             <a:fld id="{6EC12061-8120-4C07-B2B2-E5EB0BE33944}" type="datetimeFigureOut">
               <a:rPr lang="en-US" smtClean="0"/>
-              <a:t>1/4/2023</a:t>
+              <a:t>1/6/2023</a:t>
             </a:fld>
             <a:endParaRPr lang="en-US"/>
           </a:p>
@@ -8682,6 +8684,1015 @@
 </p:sld>
 </file>
 
+<file path=ppt/slides/slide8.xml><?xml version="1.0" encoding="utf-8"?>
+<p:sld xmlns:a="http://schemas.openxmlformats.org/drawingml/2006/main" xmlns:r="http://schemas.openxmlformats.org/officeDocument/2006/relationships" xmlns:p="http://schemas.openxmlformats.org/presentationml/2006/main">
+  <p:cSld>
+    <p:spTree>
+      <p:nvGrpSpPr>
+        <p:cNvPr id="1" name=""/>
+        <p:cNvGrpSpPr/>
+        <p:nvPr/>
+      </p:nvGrpSpPr>
+      <p:grpSpPr>
+        <a:xfrm>
+          <a:off x="0" y="0"/>
+          <a:ext cx="0" cy="0"/>
+          <a:chOff x="0" y="0"/>
+          <a:chExt cx="0" cy="0"/>
+        </a:xfrm>
+      </p:grpSpPr>
+      <p:grpSp>
+        <p:nvGrpSpPr>
+          <p:cNvPr id="6" name="그룹 5">
+            <a:extLst>
+              <a:ext uri="{FF2B5EF4-FFF2-40B4-BE49-F238E27FC236}">
+                <a16:creationId xmlns:a16="http://schemas.microsoft.com/office/drawing/2014/main" id="{E3F23010-75B8-800A-3D39-FB29E5F5C627}"/>
+              </a:ext>
+            </a:extLst>
+          </p:cNvPr>
+          <p:cNvGrpSpPr/>
+          <p:nvPr/>
+        </p:nvGrpSpPr>
+        <p:grpSpPr>
+          <a:xfrm>
+            <a:off x="1600427" y="1502149"/>
+            <a:ext cx="9004820" cy="3853702"/>
+            <a:chOff x="461456" y="1014714"/>
+            <a:chExt cx="11282762" cy="4828571"/>
+          </a:xfrm>
+        </p:grpSpPr>
+        <p:pic>
+          <p:nvPicPr>
+            <p:cNvPr id="3" name="그림 2">
+              <a:extLst>
+                <a:ext uri="{FF2B5EF4-FFF2-40B4-BE49-F238E27FC236}">
+                  <a16:creationId xmlns:a16="http://schemas.microsoft.com/office/drawing/2014/main" id="{3ED50D3B-072D-3026-AB64-DDED33282F53}"/>
+                </a:ext>
+              </a:extLst>
+            </p:cNvPr>
+            <p:cNvPicPr>
+              <a:picLocks noChangeAspect="1"/>
+            </p:cNvPicPr>
+            <p:nvPr/>
+          </p:nvPicPr>
+          <p:blipFill>
+            <a:blip r:embed="rId2"/>
+            <a:stretch>
+              <a:fillRect/>
+            </a:stretch>
+          </p:blipFill>
+          <p:spPr>
+            <a:xfrm>
+              <a:off x="461456" y="1014714"/>
+              <a:ext cx="5352381" cy="4828571"/>
+            </a:xfrm>
+            <a:prstGeom prst="rect">
+              <a:avLst/>
+            </a:prstGeom>
+          </p:spPr>
+        </p:pic>
+        <p:pic>
+          <p:nvPicPr>
+            <p:cNvPr id="5" name="그림 4">
+              <a:extLst>
+                <a:ext uri="{FF2B5EF4-FFF2-40B4-BE49-F238E27FC236}">
+                  <a16:creationId xmlns:a16="http://schemas.microsoft.com/office/drawing/2014/main" id="{FE17C70C-D3FF-5287-F3A6-E41F4D89CEF9}"/>
+                </a:ext>
+              </a:extLst>
+            </p:cNvPr>
+            <p:cNvPicPr>
+              <a:picLocks noChangeAspect="1"/>
+            </p:cNvPicPr>
+            <p:nvPr/>
+          </p:nvPicPr>
+          <p:blipFill>
+            <a:blip r:embed="rId3"/>
+            <a:stretch>
+              <a:fillRect/>
+            </a:stretch>
+          </p:blipFill>
+          <p:spPr>
+            <a:xfrm>
+              <a:off x="6391837" y="1014714"/>
+              <a:ext cx="5352381" cy="4828571"/>
+            </a:xfrm>
+            <a:prstGeom prst="rect">
+              <a:avLst/>
+            </a:prstGeom>
+          </p:spPr>
+        </p:pic>
+      </p:grpSp>
+      <p:sp>
+        <p:nvSpPr>
+          <p:cNvPr id="7" name="TextBox 6">
+            <a:extLst>
+              <a:ext uri="{FF2B5EF4-FFF2-40B4-BE49-F238E27FC236}">
+                <a16:creationId xmlns:a16="http://schemas.microsoft.com/office/drawing/2014/main" id="{F50566C8-C131-4DC3-A3DE-2690C1AD79CB}"/>
+              </a:ext>
+            </a:extLst>
+          </p:cNvPr>
+          <p:cNvSpPr txBox="1"/>
+          <p:nvPr/>
+        </p:nvSpPr>
+        <p:spPr>
+          <a:xfrm>
+            <a:off x="3001970" y="917374"/>
+            <a:ext cx="1468672" cy="584775"/>
+          </a:xfrm>
+          <a:prstGeom prst="rect">
+            <a:avLst/>
+          </a:prstGeom>
+          <a:noFill/>
+        </p:spPr>
+        <p:txBody>
+          <a:bodyPr wrap="none" rtlCol="0">
+            <a:spAutoFit/>
+          </a:bodyPr>
+          <a:lstStyle/>
+          <a:p>
+            <a:pPr algn="ctr"/>
+            <a:r>
+              <a:rPr lang="en-US" sz="3200" dirty="0"/>
+              <a:t>grid on;</a:t>
+            </a:r>
+          </a:p>
+        </p:txBody>
+      </p:sp>
+      <p:sp>
+        <p:nvSpPr>
+          <p:cNvPr id="8" name="TextBox 7">
+            <a:extLst>
+              <a:ext uri="{FF2B5EF4-FFF2-40B4-BE49-F238E27FC236}">
+                <a16:creationId xmlns:a16="http://schemas.microsoft.com/office/drawing/2014/main" id="{6CE7E7ED-8F0E-E2A2-95EE-A7BD07265799}"/>
+              </a:ext>
+            </a:extLst>
+          </p:cNvPr>
+          <p:cNvSpPr txBox="1"/>
+          <p:nvPr/>
+        </p:nvSpPr>
+        <p:spPr>
+          <a:xfrm>
+            <a:off x="7452103" y="463764"/>
+            <a:ext cx="2034532" cy="1077218"/>
+          </a:xfrm>
+          <a:prstGeom prst="rect">
+            <a:avLst/>
+          </a:prstGeom>
+          <a:noFill/>
+        </p:spPr>
+        <p:txBody>
+          <a:bodyPr wrap="none" rtlCol="0">
+            <a:spAutoFit/>
+          </a:bodyPr>
+          <a:lstStyle/>
+          <a:p>
+            <a:pPr algn="ctr"/>
+            <a:r>
+              <a:rPr lang="en-US" sz="3200" dirty="0"/>
+              <a:t>grid on;</a:t>
+            </a:r>
+          </a:p>
+          <a:p>
+            <a:pPr algn="ctr"/>
+            <a:r>
+              <a:rPr lang="en-US" sz="3200" dirty="0"/>
+              <a:t>grid minor;</a:t>
+            </a:r>
+          </a:p>
+        </p:txBody>
+      </p:sp>
+    </p:spTree>
+    <p:extLst>
+      <p:ext uri="{BB962C8B-B14F-4D97-AF65-F5344CB8AC3E}">
+        <p14:creationId xmlns:p14="http://schemas.microsoft.com/office/powerpoint/2010/main" val="435856128"/>
+      </p:ext>
+    </p:extLst>
+  </p:cSld>
+  <p:clrMapOvr>
+    <a:masterClrMapping/>
+  </p:clrMapOvr>
+</p:sld>
+</file>
+
+<file path=ppt/slides/slide9.xml><?xml version="1.0" encoding="utf-8"?>
+<p:sld xmlns:a="http://schemas.openxmlformats.org/drawingml/2006/main" xmlns:r="http://schemas.openxmlformats.org/officeDocument/2006/relationships" xmlns:p="http://schemas.openxmlformats.org/presentationml/2006/main">
+  <p:cSld>
+    <p:spTree>
+      <p:nvGrpSpPr>
+        <p:cNvPr id="1" name=""/>
+        <p:cNvGrpSpPr/>
+        <p:nvPr/>
+      </p:nvGrpSpPr>
+      <p:grpSpPr>
+        <a:xfrm>
+          <a:off x="0" y="0"/>
+          <a:ext cx="0" cy="0"/>
+          <a:chOff x="0" y="0"/>
+          <a:chExt cx="0" cy="0"/>
+        </a:xfrm>
+      </p:grpSpPr>
+      <p:grpSp>
+        <p:nvGrpSpPr>
+          <p:cNvPr id="8" name="그룹 7">
+            <a:extLst>
+              <a:ext uri="{FF2B5EF4-FFF2-40B4-BE49-F238E27FC236}">
+                <a16:creationId xmlns:a16="http://schemas.microsoft.com/office/drawing/2014/main" id="{48E94319-645F-E65B-BA12-536E6D3ED826}"/>
+              </a:ext>
+            </a:extLst>
+          </p:cNvPr>
+          <p:cNvGrpSpPr/>
+          <p:nvPr/>
+        </p:nvGrpSpPr>
+        <p:grpSpPr>
+          <a:xfrm>
+            <a:off x="770965" y="1627021"/>
+            <a:ext cx="2865928" cy="2662669"/>
+            <a:chOff x="502023" y="1246094"/>
+            <a:chExt cx="3792072" cy="3523129"/>
+          </a:xfrm>
+        </p:grpSpPr>
+        <p:sp>
+          <p:nvSpPr>
+            <p:cNvPr id="2" name="직사각형 1">
+              <a:extLst>
+                <a:ext uri="{FF2B5EF4-FFF2-40B4-BE49-F238E27FC236}">
+                  <a16:creationId xmlns:a16="http://schemas.microsoft.com/office/drawing/2014/main" id="{C8A13627-1472-431F-F519-C33CF3882705}"/>
+                </a:ext>
+              </a:extLst>
+            </p:cNvPr>
+            <p:cNvSpPr/>
+            <p:nvPr/>
+          </p:nvSpPr>
+          <p:spPr>
+            <a:xfrm>
+              <a:off x="502023" y="1246094"/>
+              <a:ext cx="1757083" cy="3523129"/>
+            </a:xfrm>
+            <a:prstGeom prst="rect">
+              <a:avLst/>
+            </a:prstGeom>
+            <a:solidFill>
+              <a:schemeClr val="bg1"/>
+            </a:solidFill>
+            <a:ln w="28575">
+              <a:solidFill>
+                <a:schemeClr val="tx1"/>
+              </a:solidFill>
+            </a:ln>
+          </p:spPr>
+          <p:style>
+            <a:lnRef idx="2">
+              <a:schemeClr val="accent1">
+                <a:shade val="50000"/>
+              </a:schemeClr>
+            </a:lnRef>
+            <a:fillRef idx="1">
+              <a:schemeClr val="accent1"/>
+            </a:fillRef>
+            <a:effectRef idx="0">
+              <a:schemeClr val="accent1"/>
+            </a:effectRef>
+            <a:fontRef idx="minor">
+              <a:schemeClr val="lt1"/>
+            </a:fontRef>
+          </p:style>
+          <p:txBody>
+            <a:bodyPr rtlCol="0" anchor="ctr"/>
+            <a:lstStyle/>
+            <a:p>
+              <a:pPr algn="ctr"/>
+              <a:endParaRPr lang="en-US"/>
+            </a:p>
+          </p:txBody>
+        </p:sp>
+        <p:sp>
+          <p:nvSpPr>
+            <p:cNvPr id="3" name="직사각형 2">
+              <a:extLst>
+                <a:ext uri="{FF2B5EF4-FFF2-40B4-BE49-F238E27FC236}">
+                  <a16:creationId xmlns:a16="http://schemas.microsoft.com/office/drawing/2014/main" id="{3E2757C1-5F73-4233-317B-AA3B38DC4047}"/>
+                </a:ext>
+              </a:extLst>
+            </p:cNvPr>
+            <p:cNvSpPr/>
+            <p:nvPr/>
+          </p:nvSpPr>
+          <p:spPr>
+            <a:xfrm>
+              <a:off x="2537012" y="1246094"/>
+              <a:ext cx="1757083" cy="3523129"/>
+            </a:xfrm>
+            <a:prstGeom prst="rect">
+              <a:avLst/>
+            </a:prstGeom>
+            <a:solidFill>
+              <a:schemeClr val="bg1"/>
+            </a:solidFill>
+            <a:ln w="28575">
+              <a:solidFill>
+                <a:schemeClr val="tx1"/>
+              </a:solidFill>
+            </a:ln>
+          </p:spPr>
+          <p:style>
+            <a:lnRef idx="2">
+              <a:schemeClr val="accent1">
+                <a:shade val="50000"/>
+              </a:schemeClr>
+            </a:lnRef>
+            <a:fillRef idx="1">
+              <a:schemeClr val="accent1"/>
+            </a:fillRef>
+            <a:effectRef idx="0">
+              <a:schemeClr val="accent1"/>
+            </a:effectRef>
+            <a:fontRef idx="minor">
+              <a:schemeClr val="lt1"/>
+            </a:fontRef>
+          </p:style>
+          <p:txBody>
+            <a:bodyPr rtlCol="0" anchor="ctr"/>
+            <a:lstStyle/>
+            <a:p>
+              <a:pPr algn="ctr"/>
+              <a:endParaRPr lang="en-US"/>
+            </a:p>
+          </p:txBody>
+        </p:sp>
+      </p:grpSp>
+      <p:grpSp>
+        <p:nvGrpSpPr>
+          <p:cNvPr id="9" name="그룹 8">
+            <a:extLst>
+              <a:ext uri="{FF2B5EF4-FFF2-40B4-BE49-F238E27FC236}">
+                <a16:creationId xmlns:a16="http://schemas.microsoft.com/office/drawing/2014/main" id="{5FB8B0A5-8716-3EA9-E5D6-D93DE40A3144}"/>
+              </a:ext>
+            </a:extLst>
+          </p:cNvPr>
+          <p:cNvGrpSpPr/>
+          <p:nvPr/>
+        </p:nvGrpSpPr>
+        <p:grpSpPr>
+          <a:xfrm>
+            <a:off x="4658122" y="1627020"/>
+            <a:ext cx="3286356" cy="2662669"/>
+            <a:chOff x="5002305" y="1246093"/>
+            <a:chExt cx="4348365" cy="3523129"/>
+          </a:xfrm>
+        </p:grpSpPr>
+        <p:sp>
+          <p:nvSpPr>
+            <p:cNvPr id="4" name="직사각형 3">
+              <a:extLst>
+                <a:ext uri="{FF2B5EF4-FFF2-40B4-BE49-F238E27FC236}">
+                  <a16:creationId xmlns:a16="http://schemas.microsoft.com/office/drawing/2014/main" id="{B2FBB032-A95C-FDFE-894B-F00E22E6B16F}"/>
+                </a:ext>
+              </a:extLst>
+            </p:cNvPr>
+            <p:cNvSpPr/>
+            <p:nvPr/>
+          </p:nvSpPr>
+          <p:spPr>
+            <a:xfrm>
+              <a:off x="5002305" y="1246093"/>
+              <a:ext cx="4348365" cy="1629315"/>
+            </a:xfrm>
+            <a:prstGeom prst="rect">
+              <a:avLst/>
+            </a:prstGeom>
+            <a:solidFill>
+              <a:schemeClr val="bg1"/>
+            </a:solidFill>
+            <a:ln w="28575">
+              <a:solidFill>
+                <a:schemeClr val="tx1"/>
+              </a:solidFill>
+            </a:ln>
+          </p:spPr>
+          <p:style>
+            <a:lnRef idx="2">
+              <a:schemeClr val="accent1">
+                <a:shade val="50000"/>
+              </a:schemeClr>
+            </a:lnRef>
+            <a:fillRef idx="1">
+              <a:schemeClr val="accent1"/>
+            </a:fillRef>
+            <a:effectRef idx="0">
+              <a:schemeClr val="accent1"/>
+            </a:effectRef>
+            <a:fontRef idx="minor">
+              <a:schemeClr val="lt1"/>
+            </a:fontRef>
+          </p:style>
+          <p:txBody>
+            <a:bodyPr rtlCol="0" anchor="ctr"/>
+            <a:lstStyle/>
+            <a:p>
+              <a:pPr algn="ctr"/>
+              <a:endParaRPr lang="en-US"/>
+            </a:p>
+          </p:txBody>
+        </p:sp>
+        <p:sp>
+          <p:nvSpPr>
+            <p:cNvPr id="6" name="직사각형 5">
+              <a:extLst>
+                <a:ext uri="{FF2B5EF4-FFF2-40B4-BE49-F238E27FC236}">
+                  <a16:creationId xmlns:a16="http://schemas.microsoft.com/office/drawing/2014/main" id="{C2A60D7E-ABAC-BC7A-B9A9-B7EEEC33FEC8}"/>
+                </a:ext>
+              </a:extLst>
+            </p:cNvPr>
+            <p:cNvSpPr/>
+            <p:nvPr/>
+          </p:nvSpPr>
+          <p:spPr>
+            <a:xfrm>
+              <a:off x="5002305" y="3139907"/>
+              <a:ext cx="4348365" cy="1629315"/>
+            </a:xfrm>
+            <a:prstGeom prst="rect">
+              <a:avLst/>
+            </a:prstGeom>
+            <a:solidFill>
+              <a:schemeClr val="bg1"/>
+            </a:solidFill>
+            <a:ln w="28575">
+              <a:solidFill>
+                <a:schemeClr val="tx1"/>
+              </a:solidFill>
+            </a:ln>
+          </p:spPr>
+          <p:style>
+            <a:lnRef idx="2">
+              <a:schemeClr val="accent1">
+                <a:shade val="50000"/>
+              </a:schemeClr>
+            </a:lnRef>
+            <a:fillRef idx="1">
+              <a:schemeClr val="accent1"/>
+            </a:fillRef>
+            <a:effectRef idx="0">
+              <a:schemeClr val="accent1"/>
+            </a:effectRef>
+            <a:fontRef idx="minor">
+              <a:schemeClr val="lt1"/>
+            </a:fontRef>
+          </p:style>
+          <p:txBody>
+            <a:bodyPr rtlCol="0" anchor="ctr"/>
+            <a:lstStyle/>
+            <a:p>
+              <a:pPr algn="ctr"/>
+              <a:endParaRPr lang="en-US"/>
+            </a:p>
+          </p:txBody>
+        </p:sp>
+      </p:grpSp>
+      <p:sp>
+        <p:nvSpPr>
+          <p:cNvPr id="11" name="직사각형 10">
+            <a:extLst>
+              <a:ext uri="{FF2B5EF4-FFF2-40B4-BE49-F238E27FC236}">
+                <a16:creationId xmlns:a16="http://schemas.microsoft.com/office/drawing/2014/main" id="{01260FCE-599F-86BB-111B-6D6DCE16881B}"/>
+              </a:ext>
+            </a:extLst>
+          </p:cNvPr>
+          <p:cNvSpPr/>
+          <p:nvPr/>
+        </p:nvSpPr>
+        <p:spPr>
+          <a:xfrm>
+            <a:off x="8886801" y="1627021"/>
+            <a:ext cx="1327948" cy="1231384"/>
+          </a:xfrm>
+          <a:prstGeom prst="rect">
+            <a:avLst/>
+          </a:prstGeom>
+          <a:solidFill>
+            <a:schemeClr val="bg1"/>
+          </a:solidFill>
+          <a:ln w="28575">
+            <a:solidFill>
+              <a:schemeClr val="tx1"/>
+            </a:solidFill>
+          </a:ln>
+        </p:spPr>
+        <p:style>
+          <a:lnRef idx="2">
+            <a:schemeClr val="accent1">
+              <a:shade val="50000"/>
+            </a:schemeClr>
+          </a:lnRef>
+          <a:fillRef idx="1">
+            <a:schemeClr val="accent1"/>
+          </a:fillRef>
+          <a:effectRef idx="0">
+            <a:schemeClr val="accent1"/>
+          </a:effectRef>
+          <a:fontRef idx="minor">
+            <a:schemeClr val="lt1"/>
+          </a:fontRef>
+        </p:style>
+        <p:txBody>
+          <a:bodyPr rtlCol="0" anchor="ctr"/>
+          <a:lstStyle/>
+          <a:p>
+            <a:pPr algn="ctr"/>
+            <a:endParaRPr lang="en-US"/>
+          </a:p>
+        </p:txBody>
+      </p:sp>
+      <p:sp>
+        <p:nvSpPr>
+          <p:cNvPr id="12" name="직사각형 11">
+            <a:extLst>
+              <a:ext uri="{FF2B5EF4-FFF2-40B4-BE49-F238E27FC236}">
+                <a16:creationId xmlns:a16="http://schemas.microsoft.com/office/drawing/2014/main" id="{A2CBE566-90D7-62B5-A7D2-3CB32CB64635}"/>
+              </a:ext>
+            </a:extLst>
+          </p:cNvPr>
+          <p:cNvSpPr/>
+          <p:nvPr/>
+        </p:nvSpPr>
+        <p:spPr>
+          <a:xfrm>
+            <a:off x="10424781" y="1627021"/>
+            <a:ext cx="1327948" cy="1231384"/>
+          </a:xfrm>
+          <a:prstGeom prst="rect">
+            <a:avLst/>
+          </a:prstGeom>
+          <a:solidFill>
+            <a:schemeClr val="bg1"/>
+          </a:solidFill>
+          <a:ln w="28575">
+            <a:solidFill>
+              <a:schemeClr val="tx1"/>
+            </a:solidFill>
+          </a:ln>
+        </p:spPr>
+        <p:style>
+          <a:lnRef idx="2">
+            <a:schemeClr val="accent1">
+              <a:shade val="50000"/>
+            </a:schemeClr>
+          </a:lnRef>
+          <a:fillRef idx="1">
+            <a:schemeClr val="accent1"/>
+          </a:fillRef>
+          <a:effectRef idx="0">
+            <a:schemeClr val="accent1"/>
+          </a:effectRef>
+          <a:fontRef idx="minor">
+            <a:schemeClr val="lt1"/>
+          </a:fontRef>
+        </p:style>
+        <p:txBody>
+          <a:bodyPr rtlCol="0" anchor="ctr"/>
+          <a:lstStyle/>
+          <a:p>
+            <a:pPr algn="ctr"/>
+            <a:endParaRPr lang="en-US"/>
+          </a:p>
+        </p:txBody>
+      </p:sp>
+      <p:sp>
+        <p:nvSpPr>
+          <p:cNvPr id="13" name="직사각형 12">
+            <a:extLst>
+              <a:ext uri="{FF2B5EF4-FFF2-40B4-BE49-F238E27FC236}">
+                <a16:creationId xmlns:a16="http://schemas.microsoft.com/office/drawing/2014/main" id="{13E97DF8-41B3-550F-C20D-CAA78D997AB0}"/>
+              </a:ext>
+            </a:extLst>
+          </p:cNvPr>
+          <p:cNvSpPr/>
+          <p:nvPr/>
+        </p:nvSpPr>
+        <p:spPr>
+          <a:xfrm>
+            <a:off x="8886801" y="3058304"/>
+            <a:ext cx="1327948" cy="1231384"/>
+          </a:xfrm>
+          <a:prstGeom prst="rect">
+            <a:avLst/>
+          </a:prstGeom>
+          <a:solidFill>
+            <a:schemeClr val="bg1"/>
+          </a:solidFill>
+          <a:ln w="28575">
+            <a:solidFill>
+              <a:schemeClr val="tx1"/>
+            </a:solidFill>
+          </a:ln>
+        </p:spPr>
+        <p:style>
+          <a:lnRef idx="2">
+            <a:schemeClr val="accent1">
+              <a:shade val="50000"/>
+            </a:schemeClr>
+          </a:lnRef>
+          <a:fillRef idx="1">
+            <a:schemeClr val="accent1"/>
+          </a:fillRef>
+          <a:effectRef idx="0">
+            <a:schemeClr val="accent1"/>
+          </a:effectRef>
+          <a:fontRef idx="minor">
+            <a:schemeClr val="lt1"/>
+          </a:fontRef>
+        </p:style>
+        <p:txBody>
+          <a:bodyPr rtlCol="0" anchor="ctr"/>
+          <a:lstStyle/>
+          <a:p>
+            <a:pPr algn="ctr"/>
+            <a:endParaRPr lang="en-US"/>
+          </a:p>
+        </p:txBody>
+      </p:sp>
+      <p:sp>
+        <p:nvSpPr>
+          <p:cNvPr id="14" name="직사각형 13">
+            <a:extLst>
+              <a:ext uri="{FF2B5EF4-FFF2-40B4-BE49-F238E27FC236}">
+                <a16:creationId xmlns:a16="http://schemas.microsoft.com/office/drawing/2014/main" id="{7728128A-B031-9CA7-C037-5A8922FA0F55}"/>
+              </a:ext>
+            </a:extLst>
+          </p:cNvPr>
+          <p:cNvSpPr/>
+          <p:nvPr/>
+        </p:nvSpPr>
+        <p:spPr>
+          <a:xfrm>
+            <a:off x="10424781" y="3058304"/>
+            <a:ext cx="1327948" cy="1231384"/>
+          </a:xfrm>
+          <a:prstGeom prst="rect">
+            <a:avLst/>
+          </a:prstGeom>
+          <a:solidFill>
+            <a:schemeClr val="bg1"/>
+          </a:solidFill>
+          <a:ln w="28575">
+            <a:solidFill>
+              <a:schemeClr val="tx1"/>
+            </a:solidFill>
+          </a:ln>
+        </p:spPr>
+        <p:style>
+          <a:lnRef idx="2">
+            <a:schemeClr val="accent1">
+              <a:shade val="50000"/>
+            </a:schemeClr>
+          </a:lnRef>
+          <a:fillRef idx="1">
+            <a:schemeClr val="accent1"/>
+          </a:fillRef>
+          <a:effectRef idx="0">
+            <a:schemeClr val="accent1"/>
+          </a:effectRef>
+          <a:fontRef idx="minor">
+            <a:schemeClr val="lt1"/>
+          </a:fontRef>
+        </p:style>
+        <p:txBody>
+          <a:bodyPr rtlCol="0" anchor="ctr"/>
+          <a:lstStyle/>
+          <a:p>
+            <a:pPr algn="ctr"/>
+            <a:endParaRPr lang="en-US"/>
+          </a:p>
+        </p:txBody>
+      </p:sp>
+      <p:sp>
+        <p:nvSpPr>
+          <p:cNvPr id="16" name="TextBox 15">
+            <a:extLst>
+              <a:ext uri="{FF2B5EF4-FFF2-40B4-BE49-F238E27FC236}">
+                <a16:creationId xmlns:a16="http://schemas.microsoft.com/office/drawing/2014/main" id="{B83EE927-D281-4CAF-B506-7C862A336184}"/>
+              </a:ext>
+            </a:extLst>
+          </p:cNvPr>
+          <p:cNvSpPr txBox="1"/>
+          <p:nvPr/>
+        </p:nvSpPr>
+        <p:spPr>
+          <a:xfrm>
+            <a:off x="985937" y="2773689"/>
+            <a:ext cx="898003" cy="369332"/>
+          </a:xfrm>
+          <a:prstGeom prst="rect">
+            <a:avLst/>
+          </a:prstGeom>
+          <a:noFill/>
+        </p:spPr>
+        <p:txBody>
+          <a:bodyPr wrap="none" rtlCol="0">
+            <a:spAutoFit/>
+          </a:bodyPr>
+          <a:lstStyle/>
+          <a:p>
+            <a:r>
+              <a:rPr lang="en-US" dirty="0"/>
+              <a:t>(1, 2, 1)</a:t>
+            </a:r>
+          </a:p>
+        </p:txBody>
+      </p:sp>
+      <p:sp>
+        <p:nvSpPr>
+          <p:cNvPr id="17" name="TextBox 16">
+            <a:extLst>
+              <a:ext uri="{FF2B5EF4-FFF2-40B4-BE49-F238E27FC236}">
+                <a16:creationId xmlns:a16="http://schemas.microsoft.com/office/drawing/2014/main" id="{46F62D5E-2F81-A632-748B-D048F0347563}"/>
+              </a:ext>
+            </a:extLst>
+          </p:cNvPr>
+          <p:cNvSpPr txBox="1"/>
+          <p:nvPr/>
+        </p:nvSpPr>
+        <p:spPr>
+          <a:xfrm>
+            <a:off x="2523917" y="2773689"/>
+            <a:ext cx="898003" cy="369332"/>
+          </a:xfrm>
+          <a:prstGeom prst="rect">
+            <a:avLst/>
+          </a:prstGeom>
+          <a:noFill/>
+        </p:spPr>
+        <p:txBody>
+          <a:bodyPr wrap="none" rtlCol="0">
+            <a:spAutoFit/>
+          </a:bodyPr>
+          <a:lstStyle/>
+          <a:p>
+            <a:r>
+              <a:rPr lang="en-US" dirty="0"/>
+              <a:t>(1, 2, 2)</a:t>
+            </a:r>
+          </a:p>
+        </p:txBody>
+      </p:sp>
+      <p:sp>
+        <p:nvSpPr>
+          <p:cNvPr id="18" name="TextBox 17">
+            <a:extLst>
+              <a:ext uri="{FF2B5EF4-FFF2-40B4-BE49-F238E27FC236}">
+                <a16:creationId xmlns:a16="http://schemas.microsoft.com/office/drawing/2014/main" id="{F7852945-7100-3470-BE5A-94A7FA013F4B}"/>
+              </a:ext>
+            </a:extLst>
+          </p:cNvPr>
+          <p:cNvSpPr txBox="1"/>
+          <p:nvPr/>
+        </p:nvSpPr>
+        <p:spPr>
+          <a:xfrm>
+            <a:off x="5852298" y="2058046"/>
+            <a:ext cx="898003" cy="369332"/>
+          </a:xfrm>
+          <a:prstGeom prst="rect">
+            <a:avLst/>
+          </a:prstGeom>
+          <a:noFill/>
+        </p:spPr>
+        <p:txBody>
+          <a:bodyPr wrap="none" rtlCol="0">
+            <a:spAutoFit/>
+          </a:bodyPr>
+          <a:lstStyle/>
+          <a:p>
+            <a:r>
+              <a:rPr lang="en-US" dirty="0"/>
+              <a:t>(2, 1, 1)</a:t>
+            </a:r>
+          </a:p>
+        </p:txBody>
+      </p:sp>
+      <p:sp>
+        <p:nvSpPr>
+          <p:cNvPr id="19" name="TextBox 18">
+            <a:extLst>
+              <a:ext uri="{FF2B5EF4-FFF2-40B4-BE49-F238E27FC236}">
+                <a16:creationId xmlns:a16="http://schemas.microsoft.com/office/drawing/2014/main" id="{D59AC390-C457-3AA5-61B6-2CC5FF62E1B6}"/>
+              </a:ext>
+            </a:extLst>
+          </p:cNvPr>
+          <p:cNvSpPr txBox="1"/>
+          <p:nvPr/>
+        </p:nvSpPr>
+        <p:spPr>
+          <a:xfrm>
+            <a:off x="5852298" y="3441558"/>
+            <a:ext cx="898003" cy="369332"/>
+          </a:xfrm>
+          <a:prstGeom prst="rect">
+            <a:avLst/>
+          </a:prstGeom>
+          <a:noFill/>
+        </p:spPr>
+        <p:txBody>
+          <a:bodyPr wrap="none" rtlCol="0">
+            <a:spAutoFit/>
+          </a:bodyPr>
+          <a:lstStyle/>
+          <a:p>
+            <a:r>
+              <a:rPr lang="en-US" dirty="0"/>
+              <a:t>(2, 1, 2)</a:t>
+            </a:r>
+          </a:p>
+        </p:txBody>
+      </p:sp>
+      <p:sp>
+        <p:nvSpPr>
+          <p:cNvPr id="20" name="TextBox 19">
+            <a:extLst>
+              <a:ext uri="{FF2B5EF4-FFF2-40B4-BE49-F238E27FC236}">
+                <a16:creationId xmlns:a16="http://schemas.microsoft.com/office/drawing/2014/main" id="{8D14A2D6-6ED4-4F1C-997D-568DBCC255BF}"/>
+              </a:ext>
+            </a:extLst>
+          </p:cNvPr>
+          <p:cNvSpPr txBox="1"/>
+          <p:nvPr/>
+        </p:nvSpPr>
+        <p:spPr>
+          <a:xfrm>
+            <a:off x="9101773" y="2058046"/>
+            <a:ext cx="898003" cy="369332"/>
+          </a:xfrm>
+          <a:prstGeom prst="rect">
+            <a:avLst/>
+          </a:prstGeom>
+          <a:noFill/>
+        </p:spPr>
+        <p:txBody>
+          <a:bodyPr wrap="none" rtlCol="0">
+            <a:spAutoFit/>
+          </a:bodyPr>
+          <a:lstStyle/>
+          <a:p>
+            <a:r>
+              <a:rPr lang="en-US" dirty="0"/>
+              <a:t>(2, 2, 1)</a:t>
+            </a:r>
+          </a:p>
+        </p:txBody>
+      </p:sp>
+      <p:sp>
+        <p:nvSpPr>
+          <p:cNvPr id="21" name="TextBox 20">
+            <a:extLst>
+              <a:ext uri="{FF2B5EF4-FFF2-40B4-BE49-F238E27FC236}">
+                <a16:creationId xmlns:a16="http://schemas.microsoft.com/office/drawing/2014/main" id="{0FFAE3DA-69B2-5F53-6975-836785C97F0F}"/>
+              </a:ext>
+            </a:extLst>
+          </p:cNvPr>
+          <p:cNvSpPr txBox="1"/>
+          <p:nvPr/>
+        </p:nvSpPr>
+        <p:spPr>
+          <a:xfrm>
+            <a:off x="10639753" y="2058046"/>
+            <a:ext cx="898003" cy="369332"/>
+          </a:xfrm>
+          <a:prstGeom prst="rect">
+            <a:avLst/>
+          </a:prstGeom>
+          <a:noFill/>
+        </p:spPr>
+        <p:txBody>
+          <a:bodyPr wrap="none" rtlCol="0">
+            <a:spAutoFit/>
+          </a:bodyPr>
+          <a:lstStyle/>
+          <a:p>
+            <a:r>
+              <a:rPr lang="en-US" dirty="0"/>
+              <a:t>(2, 2, 2)</a:t>
+            </a:r>
+          </a:p>
+        </p:txBody>
+      </p:sp>
+      <p:sp>
+        <p:nvSpPr>
+          <p:cNvPr id="22" name="TextBox 21">
+            <a:extLst>
+              <a:ext uri="{FF2B5EF4-FFF2-40B4-BE49-F238E27FC236}">
+                <a16:creationId xmlns:a16="http://schemas.microsoft.com/office/drawing/2014/main" id="{55D55EDE-5581-865F-11CC-E30932678B30}"/>
+              </a:ext>
+            </a:extLst>
+          </p:cNvPr>
+          <p:cNvSpPr txBox="1"/>
+          <p:nvPr/>
+        </p:nvSpPr>
+        <p:spPr>
+          <a:xfrm>
+            <a:off x="9101773" y="3489330"/>
+            <a:ext cx="898003" cy="369332"/>
+          </a:xfrm>
+          <a:prstGeom prst="rect">
+            <a:avLst/>
+          </a:prstGeom>
+          <a:noFill/>
+        </p:spPr>
+        <p:txBody>
+          <a:bodyPr wrap="none" rtlCol="0">
+            <a:spAutoFit/>
+          </a:bodyPr>
+          <a:lstStyle/>
+          <a:p>
+            <a:r>
+              <a:rPr lang="en-US" dirty="0"/>
+              <a:t>(2, 2, 3)</a:t>
+            </a:r>
+          </a:p>
+        </p:txBody>
+      </p:sp>
+      <p:sp>
+        <p:nvSpPr>
+          <p:cNvPr id="23" name="TextBox 22">
+            <a:extLst>
+              <a:ext uri="{FF2B5EF4-FFF2-40B4-BE49-F238E27FC236}">
+                <a16:creationId xmlns:a16="http://schemas.microsoft.com/office/drawing/2014/main" id="{DEBE4F2B-63F8-32B0-026B-1A63F6CD0E55}"/>
+              </a:ext>
+            </a:extLst>
+          </p:cNvPr>
+          <p:cNvSpPr txBox="1"/>
+          <p:nvPr/>
+        </p:nvSpPr>
+        <p:spPr>
+          <a:xfrm>
+            <a:off x="10639752" y="3489330"/>
+            <a:ext cx="898003" cy="369332"/>
+          </a:xfrm>
+          <a:prstGeom prst="rect">
+            <a:avLst/>
+          </a:prstGeom>
+          <a:noFill/>
+        </p:spPr>
+        <p:txBody>
+          <a:bodyPr wrap="none" rtlCol="0">
+            <a:spAutoFit/>
+          </a:bodyPr>
+          <a:lstStyle/>
+          <a:p>
+            <a:r>
+              <a:rPr lang="en-US" dirty="0"/>
+              <a:t>(2, 2, 4)</a:t>
+            </a:r>
+          </a:p>
+        </p:txBody>
+      </p:sp>
+      <p:sp>
+        <p:nvSpPr>
+          <p:cNvPr id="24" name="TextBox 23">
+            <a:extLst>
+              <a:ext uri="{FF2B5EF4-FFF2-40B4-BE49-F238E27FC236}">
+                <a16:creationId xmlns:a16="http://schemas.microsoft.com/office/drawing/2014/main" id="{9BEF7B70-1948-FF30-49E9-F601D026EF5C}"/>
+              </a:ext>
+            </a:extLst>
+          </p:cNvPr>
+          <p:cNvSpPr txBox="1"/>
+          <p:nvPr/>
+        </p:nvSpPr>
+        <p:spPr>
+          <a:xfrm>
+            <a:off x="3590571" y="4676538"/>
+            <a:ext cx="5010859" cy="646331"/>
+          </a:xfrm>
+          <a:prstGeom prst="rect">
+            <a:avLst/>
+          </a:prstGeom>
+          <a:noFill/>
+        </p:spPr>
+        <p:txBody>
+          <a:bodyPr wrap="none" rtlCol="0">
+            <a:spAutoFit/>
+          </a:bodyPr>
+          <a:lstStyle/>
+          <a:p>
+            <a:r>
+              <a:rPr lang="en-US" sz="3600" dirty="0"/>
+              <a:t>subplot(#row, #col, index)</a:t>
+            </a:r>
+          </a:p>
+        </p:txBody>
+      </p:sp>
+    </p:spTree>
+    <p:extLst>
+      <p:ext uri="{BB962C8B-B14F-4D97-AF65-F5344CB8AC3E}">
+        <p14:creationId xmlns:p14="http://schemas.microsoft.com/office/powerpoint/2010/main" val="2594463315"/>
+      </p:ext>
+    </p:extLst>
+  </p:cSld>
+  <p:clrMapOvr>
+    <a:masterClrMapping/>
+  </p:clrMapOvr>
+</p:sld>
+</file>
+
 <file path=ppt/theme/theme1.xml><?xml version="1.0" encoding="utf-8"?>
 <a:theme xmlns:a="http://schemas.openxmlformats.org/drawingml/2006/main" name="Office 테마">
   <a:themeElements>

--- a/Wikidocs/pics/pics_2d_graphs.pptx
+++ b/Wikidocs/pics/pics_2d_graphs.pptx
@@ -14,6 +14,15 @@
     <p:sldId id="263" r:id="rId8"/>
     <p:sldId id="264" r:id="rId9"/>
     <p:sldId id="265" r:id="rId10"/>
+    <p:sldId id="266" r:id="rId11"/>
+    <p:sldId id="267" r:id="rId12"/>
+    <p:sldId id="268" r:id="rId13"/>
+    <p:sldId id="269" r:id="rId14"/>
+    <p:sldId id="270" r:id="rId15"/>
+    <p:sldId id="271" r:id="rId16"/>
+    <p:sldId id="272" r:id="rId17"/>
+    <p:sldId id="273" r:id="rId18"/>
+    <p:sldId id="274" r:id="rId19"/>
   </p:sldIdLst>
   <p:sldSz cx="12192000" cy="6858000"/>
   <p:notesSz cx="6858000" cy="9144000"/>
@@ -269,7 +278,7 @@
           <a:p>
             <a:fld id="{6EC12061-8120-4C07-B2B2-E5EB0BE33944}" type="datetimeFigureOut">
               <a:rPr lang="en-US" smtClean="0"/>
-              <a:t>1/6/2023</a:t>
+              <a:t>1/9/2023</a:t>
             </a:fld>
             <a:endParaRPr lang="en-US"/>
           </a:p>
@@ -469,7 +478,7 @@
           <a:p>
             <a:fld id="{6EC12061-8120-4C07-B2B2-E5EB0BE33944}" type="datetimeFigureOut">
               <a:rPr lang="en-US" smtClean="0"/>
-              <a:t>1/6/2023</a:t>
+              <a:t>1/9/2023</a:t>
             </a:fld>
             <a:endParaRPr lang="en-US"/>
           </a:p>
@@ -679,7 +688,7 @@
           <a:p>
             <a:fld id="{6EC12061-8120-4C07-B2B2-E5EB0BE33944}" type="datetimeFigureOut">
               <a:rPr lang="en-US" smtClean="0"/>
-              <a:t>1/6/2023</a:t>
+              <a:t>1/9/2023</a:t>
             </a:fld>
             <a:endParaRPr lang="en-US"/>
           </a:p>
@@ -879,7 +888,7 @@
           <a:p>
             <a:fld id="{6EC12061-8120-4C07-B2B2-E5EB0BE33944}" type="datetimeFigureOut">
               <a:rPr lang="en-US" smtClean="0"/>
-              <a:t>1/6/2023</a:t>
+              <a:t>1/9/2023</a:t>
             </a:fld>
             <a:endParaRPr lang="en-US"/>
           </a:p>
@@ -1155,7 +1164,7 @@
           <a:p>
             <a:fld id="{6EC12061-8120-4C07-B2B2-E5EB0BE33944}" type="datetimeFigureOut">
               <a:rPr lang="en-US" smtClean="0"/>
-              <a:t>1/6/2023</a:t>
+              <a:t>1/9/2023</a:t>
             </a:fld>
             <a:endParaRPr lang="en-US"/>
           </a:p>
@@ -1423,7 +1432,7 @@
           <a:p>
             <a:fld id="{6EC12061-8120-4C07-B2B2-E5EB0BE33944}" type="datetimeFigureOut">
               <a:rPr lang="en-US" smtClean="0"/>
-              <a:t>1/6/2023</a:t>
+              <a:t>1/9/2023</a:t>
             </a:fld>
             <a:endParaRPr lang="en-US"/>
           </a:p>
@@ -1838,7 +1847,7 @@
           <a:p>
             <a:fld id="{6EC12061-8120-4C07-B2B2-E5EB0BE33944}" type="datetimeFigureOut">
               <a:rPr lang="en-US" smtClean="0"/>
-              <a:t>1/6/2023</a:t>
+              <a:t>1/9/2023</a:t>
             </a:fld>
             <a:endParaRPr lang="en-US"/>
           </a:p>
@@ -1980,7 +1989,7 @@
           <a:p>
             <a:fld id="{6EC12061-8120-4C07-B2B2-E5EB0BE33944}" type="datetimeFigureOut">
               <a:rPr lang="en-US" smtClean="0"/>
-              <a:t>1/6/2023</a:t>
+              <a:t>1/9/2023</a:t>
             </a:fld>
             <a:endParaRPr lang="en-US"/>
           </a:p>
@@ -2093,7 +2102,7 @@
           <a:p>
             <a:fld id="{6EC12061-8120-4C07-B2B2-E5EB0BE33944}" type="datetimeFigureOut">
               <a:rPr lang="en-US" smtClean="0"/>
-              <a:t>1/6/2023</a:t>
+              <a:t>1/9/2023</a:t>
             </a:fld>
             <a:endParaRPr lang="en-US"/>
           </a:p>
@@ -2406,7 +2415,7 @@
           <a:p>
             <a:fld id="{6EC12061-8120-4C07-B2B2-E5EB0BE33944}" type="datetimeFigureOut">
               <a:rPr lang="en-US" smtClean="0"/>
-              <a:t>1/6/2023</a:t>
+              <a:t>1/9/2023</a:t>
             </a:fld>
             <a:endParaRPr lang="en-US"/>
           </a:p>
@@ -2695,7 +2704,7 @@
           <a:p>
             <a:fld id="{6EC12061-8120-4C07-B2B2-E5EB0BE33944}" type="datetimeFigureOut">
               <a:rPr lang="en-US" smtClean="0"/>
-              <a:t>1/6/2023</a:t>
+              <a:t>1/9/2023</a:t>
             </a:fld>
             <a:endParaRPr lang="en-US"/>
           </a:p>
@@ -2938,7 +2947,7 @@
           <a:p>
             <a:fld id="{6EC12061-8120-4C07-B2B2-E5EB0BE33944}" type="datetimeFigureOut">
               <a:rPr lang="en-US" smtClean="0"/>
-              <a:t>1/6/2023</a:t>
+              <a:t>1/9/2023</a:t>
             </a:fld>
             <a:endParaRPr lang="en-US"/>
           </a:p>
@@ -4717,6 +4726,1302 @@
     <p:extLst>
       <p:ext uri="{BB962C8B-B14F-4D97-AF65-F5344CB8AC3E}">
         <p14:creationId xmlns:p14="http://schemas.microsoft.com/office/powerpoint/2010/main" val="952341919"/>
+      </p:ext>
+    </p:extLst>
+  </p:cSld>
+  <p:clrMapOvr>
+    <a:masterClrMapping/>
+  </p:clrMapOvr>
+</p:sld>
+</file>
+
+<file path=ppt/slides/slide10.xml><?xml version="1.0" encoding="utf-8"?>
+<p:sld xmlns:a="http://schemas.openxmlformats.org/drawingml/2006/main" xmlns:r="http://schemas.openxmlformats.org/officeDocument/2006/relationships" xmlns:p="http://schemas.openxmlformats.org/presentationml/2006/main">
+  <p:cSld>
+    <p:spTree>
+      <p:nvGrpSpPr>
+        <p:cNvPr id="1" name=""/>
+        <p:cNvGrpSpPr/>
+        <p:nvPr/>
+      </p:nvGrpSpPr>
+      <p:grpSpPr>
+        <a:xfrm>
+          <a:off x="0" y="0"/>
+          <a:ext cx="0" cy="0"/>
+          <a:chOff x="0" y="0"/>
+          <a:chExt cx="0" cy="0"/>
+        </a:xfrm>
+      </p:grpSpPr>
+      <p:sp>
+        <p:nvSpPr>
+          <p:cNvPr id="11" name="직사각형 10">
+            <a:extLst>
+              <a:ext uri="{FF2B5EF4-FFF2-40B4-BE49-F238E27FC236}">
+                <a16:creationId xmlns:a16="http://schemas.microsoft.com/office/drawing/2014/main" id="{01260FCE-599F-86BB-111B-6D6DCE16881B}"/>
+              </a:ext>
+            </a:extLst>
+          </p:cNvPr>
+          <p:cNvSpPr/>
+          <p:nvPr/>
+        </p:nvSpPr>
+        <p:spPr>
+          <a:xfrm>
+            <a:off x="4558020" y="1627021"/>
+            <a:ext cx="1327948" cy="1231384"/>
+          </a:xfrm>
+          <a:prstGeom prst="rect">
+            <a:avLst/>
+          </a:prstGeom>
+          <a:solidFill>
+            <a:schemeClr val="bg1"/>
+          </a:solidFill>
+          <a:ln w="28575">
+            <a:solidFill>
+              <a:schemeClr val="tx1"/>
+            </a:solidFill>
+          </a:ln>
+        </p:spPr>
+        <p:style>
+          <a:lnRef idx="2">
+            <a:schemeClr val="accent1">
+              <a:shade val="50000"/>
+            </a:schemeClr>
+          </a:lnRef>
+          <a:fillRef idx="1">
+            <a:schemeClr val="accent1"/>
+          </a:fillRef>
+          <a:effectRef idx="0">
+            <a:schemeClr val="accent1"/>
+          </a:effectRef>
+          <a:fontRef idx="minor">
+            <a:schemeClr val="lt1"/>
+          </a:fontRef>
+        </p:style>
+        <p:txBody>
+          <a:bodyPr rtlCol="0" anchor="ctr"/>
+          <a:lstStyle/>
+          <a:p>
+            <a:pPr algn="ctr"/>
+            <a:endParaRPr lang="en-US"/>
+          </a:p>
+        </p:txBody>
+      </p:sp>
+      <p:sp>
+        <p:nvSpPr>
+          <p:cNvPr id="12" name="직사각형 11">
+            <a:extLst>
+              <a:ext uri="{FF2B5EF4-FFF2-40B4-BE49-F238E27FC236}">
+                <a16:creationId xmlns:a16="http://schemas.microsoft.com/office/drawing/2014/main" id="{A2CBE566-90D7-62B5-A7D2-3CB32CB64635}"/>
+              </a:ext>
+            </a:extLst>
+          </p:cNvPr>
+          <p:cNvSpPr/>
+          <p:nvPr/>
+        </p:nvSpPr>
+        <p:spPr>
+          <a:xfrm>
+            <a:off x="6096000" y="1627021"/>
+            <a:ext cx="1327948" cy="1231384"/>
+          </a:xfrm>
+          <a:prstGeom prst="rect">
+            <a:avLst/>
+          </a:prstGeom>
+          <a:solidFill>
+            <a:schemeClr val="bg1"/>
+          </a:solidFill>
+          <a:ln w="28575">
+            <a:solidFill>
+              <a:schemeClr val="tx1"/>
+            </a:solidFill>
+          </a:ln>
+        </p:spPr>
+        <p:style>
+          <a:lnRef idx="2">
+            <a:schemeClr val="accent1">
+              <a:shade val="50000"/>
+            </a:schemeClr>
+          </a:lnRef>
+          <a:fillRef idx="1">
+            <a:schemeClr val="accent1"/>
+          </a:fillRef>
+          <a:effectRef idx="0">
+            <a:schemeClr val="accent1"/>
+          </a:effectRef>
+          <a:fontRef idx="minor">
+            <a:schemeClr val="lt1"/>
+          </a:fontRef>
+        </p:style>
+        <p:txBody>
+          <a:bodyPr rtlCol="0" anchor="ctr"/>
+          <a:lstStyle/>
+          <a:p>
+            <a:pPr algn="ctr"/>
+            <a:endParaRPr lang="en-US"/>
+          </a:p>
+        </p:txBody>
+      </p:sp>
+      <p:sp>
+        <p:nvSpPr>
+          <p:cNvPr id="13" name="직사각형 12">
+            <a:extLst>
+              <a:ext uri="{FF2B5EF4-FFF2-40B4-BE49-F238E27FC236}">
+                <a16:creationId xmlns:a16="http://schemas.microsoft.com/office/drawing/2014/main" id="{13E97DF8-41B3-550F-C20D-CAA78D997AB0}"/>
+              </a:ext>
+            </a:extLst>
+          </p:cNvPr>
+          <p:cNvSpPr/>
+          <p:nvPr/>
+        </p:nvSpPr>
+        <p:spPr>
+          <a:xfrm>
+            <a:off x="4558020" y="3058304"/>
+            <a:ext cx="2865928" cy="1231384"/>
+          </a:xfrm>
+          <a:prstGeom prst="rect">
+            <a:avLst/>
+          </a:prstGeom>
+          <a:solidFill>
+            <a:schemeClr val="bg1"/>
+          </a:solidFill>
+          <a:ln w="28575">
+            <a:solidFill>
+              <a:schemeClr val="tx1"/>
+            </a:solidFill>
+          </a:ln>
+        </p:spPr>
+        <p:style>
+          <a:lnRef idx="2">
+            <a:schemeClr val="accent1">
+              <a:shade val="50000"/>
+            </a:schemeClr>
+          </a:lnRef>
+          <a:fillRef idx="1">
+            <a:schemeClr val="accent1"/>
+          </a:fillRef>
+          <a:effectRef idx="0">
+            <a:schemeClr val="accent1"/>
+          </a:effectRef>
+          <a:fontRef idx="minor">
+            <a:schemeClr val="lt1"/>
+          </a:fontRef>
+        </p:style>
+        <p:txBody>
+          <a:bodyPr rtlCol="0" anchor="ctr"/>
+          <a:lstStyle/>
+          <a:p>
+            <a:pPr algn="ctr"/>
+            <a:endParaRPr lang="en-US"/>
+          </a:p>
+        </p:txBody>
+      </p:sp>
+      <p:sp>
+        <p:nvSpPr>
+          <p:cNvPr id="20" name="TextBox 19">
+            <a:extLst>
+              <a:ext uri="{FF2B5EF4-FFF2-40B4-BE49-F238E27FC236}">
+                <a16:creationId xmlns:a16="http://schemas.microsoft.com/office/drawing/2014/main" id="{8D14A2D6-6ED4-4F1C-997D-568DBCC255BF}"/>
+              </a:ext>
+            </a:extLst>
+          </p:cNvPr>
+          <p:cNvSpPr txBox="1"/>
+          <p:nvPr/>
+        </p:nvSpPr>
+        <p:spPr>
+          <a:xfrm>
+            <a:off x="4772992" y="2058046"/>
+            <a:ext cx="898003" cy="369332"/>
+          </a:xfrm>
+          <a:prstGeom prst="rect">
+            <a:avLst/>
+          </a:prstGeom>
+          <a:noFill/>
+        </p:spPr>
+        <p:txBody>
+          <a:bodyPr wrap="none" rtlCol="0">
+            <a:spAutoFit/>
+          </a:bodyPr>
+          <a:lstStyle/>
+          <a:p>
+            <a:r>
+              <a:rPr lang="en-US" dirty="0"/>
+              <a:t>(2, 2, 1)</a:t>
+            </a:r>
+          </a:p>
+        </p:txBody>
+      </p:sp>
+      <p:sp>
+        <p:nvSpPr>
+          <p:cNvPr id="21" name="TextBox 20">
+            <a:extLst>
+              <a:ext uri="{FF2B5EF4-FFF2-40B4-BE49-F238E27FC236}">
+                <a16:creationId xmlns:a16="http://schemas.microsoft.com/office/drawing/2014/main" id="{0FFAE3DA-69B2-5F53-6975-836785C97F0F}"/>
+              </a:ext>
+            </a:extLst>
+          </p:cNvPr>
+          <p:cNvSpPr txBox="1"/>
+          <p:nvPr/>
+        </p:nvSpPr>
+        <p:spPr>
+          <a:xfrm>
+            <a:off x="6310972" y="2058046"/>
+            <a:ext cx="898003" cy="369332"/>
+          </a:xfrm>
+          <a:prstGeom prst="rect">
+            <a:avLst/>
+          </a:prstGeom>
+          <a:noFill/>
+        </p:spPr>
+        <p:txBody>
+          <a:bodyPr wrap="none" rtlCol="0">
+            <a:spAutoFit/>
+          </a:bodyPr>
+          <a:lstStyle/>
+          <a:p>
+            <a:r>
+              <a:rPr lang="en-US" dirty="0"/>
+              <a:t>(2, 2, 2)</a:t>
+            </a:r>
+          </a:p>
+        </p:txBody>
+      </p:sp>
+      <p:sp>
+        <p:nvSpPr>
+          <p:cNvPr id="22" name="TextBox 21">
+            <a:extLst>
+              <a:ext uri="{FF2B5EF4-FFF2-40B4-BE49-F238E27FC236}">
+                <a16:creationId xmlns:a16="http://schemas.microsoft.com/office/drawing/2014/main" id="{55D55EDE-5581-865F-11CC-E30932678B30}"/>
+              </a:ext>
+            </a:extLst>
+          </p:cNvPr>
+          <p:cNvSpPr txBox="1"/>
+          <p:nvPr/>
+        </p:nvSpPr>
+        <p:spPr>
+          <a:xfrm>
+            <a:off x="5357637" y="3489330"/>
+            <a:ext cx="1266693" cy="369332"/>
+          </a:xfrm>
+          <a:prstGeom prst="rect">
+            <a:avLst/>
+          </a:prstGeom>
+          <a:noFill/>
+        </p:spPr>
+        <p:txBody>
+          <a:bodyPr wrap="none" rtlCol="0">
+            <a:spAutoFit/>
+          </a:bodyPr>
+          <a:lstStyle/>
+          <a:p>
+            <a:r>
+              <a:rPr lang="en-US" dirty="0"/>
+              <a:t>(2, 2, [3, 4])</a:t>
+            </a:r>
+          </a:p>
+        </p:txBody>
+      </p:sp>
+    </p:spTree>
+    <p:extLst>
+      <p:ext uri="{BB962C8B-B14F-4D97-AF65-F5344CB8AC3E}">
+        <p14:creationId xmlns:p14="http://schemas.microsoft.com/office/powerpoint/2010/main" val="825787000"/>
+      </p:ext>
+    </p:extLst>
+  </p:cSld>
+  <p:clrMapOvr>
+    <a:masterClrMapping/>
+  </p:clrMapOvr>
+</p:sld>
+</file>
+
+<file path=ppt/slides/slide11.xml><?xml version="1.0" encoding="utf-8"?>
+<p:sld xmlns:a="http://schemas.openxmlformats.org/drawingml/2006/main" xmlns:r="http://schemas.openxmlformats.org/officeDocument/2006/relationships" xmlns:p="http://schemas.openxmlformats.org/presentationml/2006/main">
+  <p:cSld>
+    <p:spTree>
+      <p:nvGrpSpPr>
+        <p:cNvPr id="1" name=""/>
+        <p:cNvGrpSpPr/>
+        <p:nvPr/>
+      </p:nvGrpSpPr>
+      <p:grpSpPr>
+        <a:xfrm>
+          <a:off x="0" y="0"/>
+          <a:ext cx="0" cy="0"/>
+          <a:chOff x="0" y="0"/>
+          <a:chExt cx="0" cy="0"/>
+        </a:xfrm>
+      </p:grpSpPr>
+      <p:pic>
+        <p:nvPicPr>
+          <p:cNvPr id="3" name="그림 2">
+            <a:extLst>
+              <a:ext uri="{FF2B5EF4-FFF2-40B4-BE49-F238E27FC236}">
+                <a16:creationId xmlns:a16="http://schemas.microsoft.com/office/drawing/2014/main" id="{A12D644C-B28A-F7AF-2A6D-C1C72A9DE3DF}"/>
+              </a:ext>
+            </a:extLst>
+          </p:cNvPr>
+          <p:cNvPicPr>
+            <a:picLocks noChangeAspect="1"/>
+          </p:cNvPicPr>
+          <p:nvPr/>
+        </p:nvPicPr>
+        <p:blipFill>
+          <a:blip r:embed="rId2"/>
+          <a:stretch>
+            <a:fillRect/>
+          </a:stretch>
+        </p:blipFill>
+        <p:spPr>
+          <a:xfrm>
+            <a:off x="3429000" y="1428750"/>
+            <a:ext cx="5334000" cy="4000500"/>
+          </a:xfrm>
+          <a:prstGeom prst="rect">
+            <a:avLst/>
+          </a:prstGeom>
+        </p:spPr>
+      </p:pic>
+    </p:spTree>
+    <p:extLst>
+      <p:ext uri="{BB962C8B-B14F-4D97-AF65-F5344CB8AC3E}">
+        <p14:creationId xmlns:p14="http://schemas.microsoft.com/office/powerpoint/2010/main" val="1309166168"/>
+      </p:ext>
+    </p:extLst>
+  </p:cSld>
+  <p:clrMapOvr>
+    <a:masterClrMapping/>
+  </p:clrMapOvr>
+</p:sld>
+</file>
+
+<file path=ppt/slides/slide12.xml><?xml version="1.0" encoding="utf-8"?>
+<p:sld xmlns:a="http://schemas.openxmlformats.org/drawingml/2006/main" xmlns:r="http://schemas.openxmlformats.org/officeDocument/2006/relationships" xmlns:p="http://schemas.openxmlformats.org/presentationml/2006/main">
+  <p:cSld>
+    <p:spTree>
+      <p:nvGrpSpPr>
+        <p:cNvPr id="1" name=""/>
+        <p:cNvGrpSpPr/>
+        <p:nvPr/>
+      </p:nvGrpSpPr>
+      <p:grpSpPr>
+        <a:xfrm>
+          <a:off x="0" y="0"/>
+          <a:ext cx="0" cy="0"/>
+          <a:chOff x="0" y="0"/>
+          <a:chExt cx="0" cy="0"/>
+        </a:xfrm>
+      </p:grpSpPr>
+      <p:pic>
+        <p:nvPicPr>
+          <p:cNvPr id="3" name="그림 2">
+            <a:extLst>
+              <a:ext uri="{FF2B5EF4-FFF2-40B4-BE49-F238E27FC236}">
+                <a16:creationId xmlns:a16="http://schemas.microsoft.com/office/drawing/2014/main" id="{577F5127-D3D2-7F74-8CEA-42F45F2608E9}"/>
+              </a:ext>
+            </a:extLst>
+          </p:cNvPr>
+          <p:cNvPicPr>
+            <a:picLocks noChangeAspect="1"/>
+          </p:cNvPicPr>
+          <p:nvPr/>
+        </p:nvPicPr>
+        <p:blipFill>
+          <a:blip r:embed="rId2"/>
+          <a:stretch>
+            <a:fillRect/>
+          </a:stretch>
+        </p:blipFill>
+        <p:spPr>
+          <a:xfrm>
+            <a:off x="2110962" y="1794842"/>
+            <a:ext cx="3622868" cy="3268316"/>
+          </a:xfrm>
+          <a:prstGeom prst="rect">
+            <a:avLst/>
+          </a:prstGeom>
+        </p:spPr>
+      </p:pic>
+      <p:pic>
+        <p:nvPicPr>
+          <p:cNvPr id="5" name="그림 4">
+            <a:extLst>
+              <a:ext uri="{FF2B5EF4-FFF2-40B4-BE49-F238E27FC236}">
+                <a16:creationId xmlns:a16="http://schemas.microsoft.com/office/drawing/2014/main" id="{3FD76249-4E02-7129-2A5D-6ED5C54995C9}"/>
+              </a:ext>
+            </a:extLst>
+          </p:cNvPr>
+          <p:cNvPicPr>
+            <a:picLocks noChangeAspect="1"/>
+          </p:cNvPicPr>
+          <p:nvPr/>
+        </p:nvPicPr>
+        <p:blipFill>
+          <a:blip r:embed="rId3"/>
+          <a:stretch>
+            <a:fillRect/>
+          </a:stretch>
+        </p:blipFill>
+        <p:spPr>
+          <a:xfrm>
+            <a:off x="6614826" y="1794842"/>
+            <a:ext cx="3622868" cy="3268316"/>
+          </a:xfrm>
+          <a:prstGeom prst="rect">
+            <a:avLst/>
+          </a:prstGeom>
+        </p:spPr>
+      </p:pic>
+      <p:sp>
+        <p:nvSpPr>
+          <p:cNvPr id="8" name="TextBox 7">
+            <a:extLst>
+              <a:ext uri="{FF2B5EF4-FFF2-40B4-BE49-F238E27FC236}">
+                <a16:creationId xmlns:a16="http://schemas.microsoft.com/office/drawing/2014/main" id="{63AC7FD8-F9F2-3BF3-74A7-8593C2BAC36F}"/>
+              </a:ext>
+            </a:extLst>
+          </p:cNvPr>
+          <p:cNvSpPr txBox="1"/>
+          <p:nvPr/>
+        </p:nvSpPr>
+        <p:spPr>
+          <a:xfrm>
+            <a:off x="7530598" y="1210067"/>
+            <a:ext cx="1791324" cy="584775"/>
+          </a:xfrm>
+          <a:prstGeom prst="rect">
+            <a:avLst/>
+          </a:prstGeom>
+          <a:noFill/>
+        </p:spPr>
+        <p:txBody>
+          <a:bodyPr wrap="none" rtlCol="0">
+            <a:spAutoFit/>
+          </a:bodyPr>
+          <a:lstStyle/>
+          <a:p>
+            <a:pPr algn="ctr"/>
+            <a:r>
+              <a:rPr lang="en-US" sz="3200" dirty="0"/>
+              <a:t>axis </a:t>
+            </a:r>
+            <a:r>
+              <a:rPr lang="en-US" sz="3200" dirty="0">
+                <a:solidFill>
+                  <a:srgbClr val="CB68F9"/>
+                </a:solidFill>
+              </a:rPr>
+              <a:t>tight</a:t>
+            </a:r>
+            <a:r>
+              <a:rPr lang="en-US" sz="3200" dirty="0"/>
+              <a:t>;</a:t>
+            </a:r>
+          </a:p>
+        </p:txBody>
+      </p:sp>
+      <p:sp>
+        <p:nvSpPr>
+          <p:cNvPr id="11" name="타원 10">
+            <a:extLst>
+              <a:ext uri="{FF2B5EF4-FFF2-40B4-BE49-F238E27FC236}">
+                <a16:creationId xmlns:a16="http://schemas.microsoft.com/office/drawing/2014/main" id="{DE214EA5-B473-1E19-9121-82654556B363}"/>
+              </a:ext>
+            </a:extLst>
+          </p:cNvPr>
+          <p:cNvSpPr/>
+          <p:nvPr/>
+        </p:nvSpPr>
+        <p:spPr>
+          <a:xfrm>
+            <a:off x="4867835" y="3307976"/>
+            <a:ext cx="749454" cy="749454"/>
+          </a:xfrm>
+          <a:prstGeom prst="ellipse">
+            <a:avLst/>
+          </a:prstGeom>
+          <a:noFill/>
+          <a:ln w="28575">
+            <a:solidFill>
+              <a:srgbClr val="FF0000"/>
+            </a:solidFill>
+            <a:prstDash val="sysDot"/>
+          </a:ln>
+        </p:spPr>
+        <p:style>
+          <a:lnRef idx="2">
+            <a:schemeClr val="accent1">
+              <a:shade val="50000"/>
+            </a:schemeClr>
+          </a:lnRef>
+          <a:fillRef idx="1">
+            <a:schemeClr val="accent1"/>
+          </a:fillRef>
+          <a:effectRef idx="0">
+            <a:schemeClr val="accent1"/>
+          </a:effectRef>
+          <a:fontRef idx="minor">
+            <a:schemeClr val="lt1"/>
+          </a:fontRef>
+        </p:style>
+        <p:txBody>
+          <a:bodyPr rtlCol="0" anchor="ctr"/>
+          <a:lstStyle/>
+          <a:p>
+            <a:pPr algn="ctr"/>
+            <a:endParaRPr lang="en-US"/>
+          </a:p>
+        </p:txBody>
+      </p:sp>
+      <p:sp>
+        <p:nvSpPr>
+          <p:cNvPr id="12" name="타원 11">
+            <a:extLst>
+              <a:ext uri="{FF2B5EF4-FFF2-40B4-BE49-F238E27FC236}">
+                <a16:creationId xmlns:a16="http://schemas.microsoft.com/office/drawing/2014/main" id="{50FE5134-F835-C504-CB5C-A9A3AB6DD911}"/>
+              </a:ext>
+            </a:extLst>
+          </p:cNvPr>
+          <p:cNvSpPr/>
+          <p:nvPr/>
+        </p:nvSpPr>
+        <p:spPr>
+          <a:xfrm>
+            <a:off x="2110962" y="2304819"/>
+            <a:ext cx="749454" cy="749454"/>
+          </a:xfrm>
+          <a:prstGeom prst="ellipse">
+            <a:avLst/>
+          </a:prstGeom>
+          <a:noFill/>
+          <a:ln w="28575">
+            <a:solidFill>
+              <a:srgbClr val="FF0000"/>
+            </a:solidFill>
+            <a:prstDash val="sysDot"/>
+          </a:ln>
+        </p:spPr>
+        <p:style>
+          <a:lnRef idx="2">
+            <a:schemeClr val="accent1">
+              <a:shade val="50000"/>
+            </a:schemeClr>
+          </a:lnRef>
+          <a:fillRef idx="1">
+            <a:schemeClr val="accent1"/>
+          </a:fillRef>
+          <a:effectRef idx="0">
+            <a:schemeClr val="accent1"/>
+          </a:effectRef>
+          <a:fontRef idx="minor">
+            <a:schemeClr val="lt1"/>
+          </a:fontRef>
+        </p:style>
+        <p:txBody>
+          <a:bodyPr rtlCol="0" anchor="ctr"/>
+          <a:lstStyle/>
+          <a:p>
+            <a:pPr algn="ctr"/>
+            <a:endParaRPr lang="en-US"/>
+          </a:p>
+        </p:txBody>
+      </p:sp>
+      <p:sp>
+        <p:nvSpPr>
+          <p:cNvPr id="13" name="타원 12">
+            <a:extLst>
+              <a:ext uri="{FF2B5EF4-FFF2-40B4-BE49-F238E27FC236}">
+                <a16:creationId xmlns:a16="http://schemas.microsoft.com/office/drawing/2014/main" id="{BAEADD75-1DCD-33D1-C8DD-F0D7AA33E93A}"/>
+              </a:ext>
+            </a:extLst>
+          </p:cNvPr>
+          <p:cNvSpPr/>
+          <p:nvPr/>
+        </p:nvSpPr>
+        <p:spPr>
+          <a:xfrm>
+            <a:off x="2110962" y="4313704"/>
+            <a:ext cx="749454" cy="749454"/>
+          </a:xfrm>
+          <a:prstGeom prst="ellipse">
+            <a:avLst/>
+          </a:prstGeom>
+          <a:noFill/>
+          <a:ln w="28575">
+            <a:solidFill>
+              <a:srgbClr val="FF0000"/>
+            </a:solidFill>
+            <a:prstDash val="sysDot"/>
+          </a:ln>
+        </p:spPr>
+        <p:style>
+          <a:lnRef idx="2">
+            <a:schemeClr val="accent1">
+              <a:shade val="50000"/>
+            </a:schemeClr>
+          </a:lnRef>
+          <a:fillRef idx="1">
+            <a:schemeClr val="accent1"/>
+          </a:fillRef>
+          <a:effectRef idx="0">
+            <a:schemeClr val="accent1"/>
+          </a:effectRef>
+          <a:fontRef idx="minor">
+            <a:schemeClr val="lt1"/>
+          </a:fontRef>
+        </p:style>
+        <p:txBody>
+          <a:bodyPr rtlCol="0" anchor="ctr"/>
+          <a:lstStyle/>
+          <a:p>
+            <a:pPr algn="ctr"/>
+            <a:endParaRPr lang="en-US"/>
+          </a:p>
+        </p:txBody>
+      </p:sp>
+    </p:spTree>
+    <p:extLst>
+      <p:ext uri="{BB962C8B-B14F-4D97-AF65-F5344CB8AC3E}">
+        <p14:creationId xmlns:p14="http://schemas.microsoft.com/office/powerpoint/2010/main" val="936745486"/>
+      </p:ext>
+    </p:extLst>
+  </p:cSld>
+  <p:clrMapOvr>
+    <a:masterClrMapping/>
+  </p:clrMapOvr>
+</p:sld>
+</file>
+
+<file path=ppt/slides/slide13.xml><?xml version="1.0" encoding="utf-8"?>
+<p:sld xmlns:a="http://schemas.openxmlformats.org/drawingml/2006/main" xmlns:r="http://schemas.openxmlformats.org/officeDocument/2006/relationships" xmlns:p="http://schemas.openxmlformats.org/presentationml/2006/main">
+  <p:cSld>
+    <p:spTree>
+      <p:nvGrpSpPr>
+        <p:cNvPr id="1" name=""/>
+        <p:cNvGrpSpPr/>
+        <p:nvPr/>
+      </p:nvGrpSpPr>
+      <p:grpSpPr>
+        <a:xfrm>
+          <a:off x="0" y="0"/>
+          <a:ext cx="0" cy="0"/>
+          <a:chOff x="0" y="0"/>
+          <a:chExt cx="0" cy="0"/>
+        </a:xfrm>
+      </p:grpSpPr>
+      <p:sp>
+        <p:nvSpPr>
+          <p:cNvPr id="6" name="TextBox 5">
+            <a:extLst>
+              <a:ext uri="{FF2B5EF4-FFF2-40B4-BE49-F238E27FC236}">
+                <a16:creationId xmlns:a16="http://schemas.microsoft.com/office/drawing/2014/main" id="{B3CF5386-EF7B-A4AF-7D68-20A9EEA3B3C3}"/>
+              </a:ext>
+            </a:extLst>
+          </p:cNvPr>
+          <p:cNvSpPr txBox="1"/>
+          <p:nvPr/>
+        </p:nvSpPr>
+        <p:spPr>
+          <a:xfrm>
+            <a:off x="7454968" y="1210067"/>
+            <a:ext cx="1942583" cy="584775"/>
+          </a:xfrm>
+          <a:prstGeom prst="rect">
+            <a:avLst/>
+          </a:prstGeom>
+          <a:noFill/>
+        </p:spPr>
+        <p:txBody>
+          <a:bodyPr wrap="none" rtlCol="0">
+            <a:spAutoFit/>
+          </a:bodyPr>
+          <a:lstStyle/>
+          <a:p>
+            <a:pPr algn="ctr"/>
+            <a:r>
+              <a:rPr lang="en-US" sz="3200" dirty="0"/>
+              <a:t>axis </a:t>
+            </a:r>
+            <a:r>
+              <a:rPr lang="en-US" sz="3200" dirty="0">
+                <a:solidFill>
+                  <a:srgbClr val="CB68F9"/>
+                </a:solidFill>
+              </a:rPr>
+              <a:t>equal</a:t>
+            </a:r>
+            <a:r>
+              <a:rPr lang="en-US" sz="3200" dirty="0"/>
+              <a:t>;</a:t>
+            </a:r>
+          </a:p>
+        </p:txBody>
+      </p:sp>
+      <p:pic>
+        <p:nvPicPr>
+          <p:cNvPr id="7" name="그림 6">
+            <a:extLst>
+              <a:ext uri="{FF2B5EF4-FFF2-40B4-BE49-F238E27FC236}">
+                <a16:creationId xmlns:a16="http://schemas.microsoft.com/office/drawing/2014/main" id="{7E5CE028-5FD5-F84D-8A8C-82501195AE1D}"/>
+              </a:ext>
+            </a:extLst>
+          </p:cNvPr>
+          <p:cNvPicPr>
+            <a:picLocks noChangeAspect="1"/>
+          </p:cNvPicPr>
+          <p:nvPr/>
+        </p:nvPicPr>
+        <p:blipFill>
+          <a:blip r:embed="rId2"/>
+          <a:stretch>
+            <a:fillRect/>
+          </a:stretch>
+        </p:blipFill>
+        <p:spPr>
+          <a:xfrm>
+            <a:off x="2110962" y="1794842"/>
+            <a:ext cx="3622868" cy="3268316"/>
+          </a:xfrm>
+          <a:prstGeom prst="rect">
+            <a:avLst/>
+          </a:prstGeom>
+        </p:spPr>
+      </p:pic>
+      <p:pic>
+        <p:nvPicPr>
+          <p:cNvPr id="8" name="그림 7">
+            <a:extLst>
+              <a:ext uri="{FF2B5EF4-FFF2-40B4-BE49-F238E27FC236}">
+                <a16:creationId xmlns:a16="http://schemas.microsoft.com/office/drawing/2014/main" id="{32C6E9E3-29BD-5E11-F79F-F2EDB1CDD407}"/>
+              </a:ext>
+            </a:extLst>
+          </p:cNvPr>
+          <p:cNvPicPr>
+            <a:picLocks noChangeAspect="1"/>
+          </p:cNvPicPr>
+          <p:nvPr/>
+        </p:nvPicPr>
+        <p:blipFill>
+          <a:blip r:embed="rId3"/>
+          <a:stretch>
+            <a:fillRect/>
+          </a:stretch>
+        </p:blipFill>
+        <p:spPr>
+          <a:xfrm>
+            <a:off x="6614826" y="1794842"/>
+            <a:ext cx="3622868" cy="3268316"/>
+          </a:xfrm>
+          <a:prstGeom prst="rect">
+            <a:avLst/>
+          </a:prstGeom>
+        </p:spPr>
+      </p:pic>
+    </p:spTree>
+    <p:extLst>
+      <p:ext uri="{BB962C8B-B14F-4D97-AF65-F5344CB8AC3E}">
+        <p14:creationId xmlns:p14="http://schemas.microsoft.com/office/powerpoint/2010/main" val="216883250"/>
+      </p:ext>
+    </p:extLst>
+  </p:cSld>
+  <p:clrMapOvr>
+    <a:masterClrMapping/>
+  </p:clrMapOvr>
+</p:sld>
+</file>
+
+<file path=ppt/slides/slide14.xml><?xml version="1.0" encoding="utf-8"?>
+<p:sld xmlns:a="http://schemas.openxmlformats.org/drawingml/2006/main" xmlns:r="http://schemas.openxmlformats.org/officeDocument/2006/relationships" xmlns:p="http://schemas.openxmlformats.org/presentationml/2006/main">
+  <p:cSld>
+    <p:spTree>
+      <p:nvGrpSpPr>
+        <p:cNvPr id="1" name=""/>
+        <p:cNvGrpSpPr/>
+        <p:nvPr/>
+      </p:nvGrpSpPr>
+      <p:grpSpPr>
+        <a:xfrm>
+          <a:off x="0" y="0"/>
+          <a:ext cx="0" cy="0"/>
+          <a:chOff x="0" y="0"/>
+          <a:chExt cx="0" cy="0"/>
+        </a:xfrm>
+      </p:grpSpPr>
+      <p:pic>
+        <p:nvPicPr>
+          <p:cNvPr id="3" name="그림 2">
+            <a:extLst>
+              <a:ext uri="{FF2B5EF4-FFF2-40B4-BE49-F238E27FC236}">
+                <a16:creationId xmlns:a16="http://schemas.microsoft.com/office/drawing/2014/main" id="{2128F9ED-3F43-0FAF-CDC4-A67D18F14F72}"/>
+              </a:ext>
+            </a:extLst>
+          </p:cNvPr>
+          <p:cNvPicPr>
+            <a:picLocks noChangeAspect="1"/>
+          </p:cNvPicPr>
+          <p:nvPr/>
+        </p:nvPicPr>
+        <p:blipFill>
+          <a:blip r:embed="rId2"/>
+          <a:stretch>
+            <a:fillRect/>
+          </a:stretch>
+        </p:blipFill>
+        <p:spPr>
+          <a:xfrm>
+            <a:off x="2124634" y="1752848"/>
+            <a:ext cx="3450386" cy="3112714"/>
+          </a:xfrm>
+          <a:prstGeom prst="rect">
+            <a:avLst/>
+          </a:prstGeom>
+        </p:spPr>
+      </p:pic>
+      <p:pic>
+        <p:nvPicPr>
+          <p:cNvPr id="5" name="그림 4">
+            <a:extLst>
+              <a:ext uri="{FF2B5EF4-FFF2-40B4-BE49-F238E27FC236}">
+                <a16:creationId xmlns:a16="http://schemas.microsoft.com/office/drawing/2014/main" id="{2C8B7A89-8BFC-9B70-3F40-D57DF8D42BD5}"/>
+              </a:ext>
+            </a:extLst>
+          </p:cNvPr>
+          <p:cNvPicPr>
+            <a:picLocks noChangeAspect="1"/>
+          </p:cNvPicPr>
+          <p:nvPr/>
+        </p:nvPicPr>
+        <p:blipFill>
+          <a:blip r:embed="rId3"/>
+          <a:stretch>
+            <a:fillRect/>
+          </a:stretch>
+        </p:blipFill>
+        <p:spPr>
+          <a:xfrm>
+            <a:off x="6616980" y="1752848"/>
+            <a:ext cx="3450386" cy="3112714"/>
+          </a:xfrm>
+          <a:prstGeom prst="rect">
+            <a:avLst/>
+          </a:prstGeom>
+        </p:spPr>
+      </p:pic>
+      <p:sp>
+        <p:nvSpPr>
+          <p:cNvPr id="8" name="TextBox 7">
+            <a:extLst>
+              <a:ext uri="{FF2B5EF4-FFF2-40B4-BE49-F238E27FC236}">
+                <a16:creationId xmlns:a16="http://schemas.microsoft.com/office/drawing/2014/main" id="{F18A7A09-D15E-BB44-7017-6B0BFB1438B5}"/>
+              </a:ext>
+            </a:extLst>
+          </p:cNvPr>
+          <p:cNvSpPr txBox="1"/>
+          <p:nvPr/>
+        </p:nvSpPr>
+        <p:spPr>
+          <a:xfrm>
+            <a:off x="3509029" y="1273389"/>
+            <a:ext cx="681597" cy="461665"/>
+          </a:xfrm>
+          <a:prstGeom prst="rect">
+            <a:avLst/>
+          </a:prstGeom>
+          <a:noFill/>
+        </p:spPr>
+        <p:txBody>
+          <a:bodyPr wrap="none" rtlCol="0">
+            <a:spAutoFit/>
+          </a:bodyPr>
+          <a:lstStyle/>
+          <a:p>
+            <a:pPr algn="ctr"/>
+            <a:r>
+              <a:rPr lang="en-US" sz="2400" dirty="0"/>
+              <a:t>plot</a:t>
+            </a:r>
+          </a:p>
+        </p:txBody>
+      </p:sp>
+      <p:sp>
+        <p:nvSpPr>
+          <p:cNvPr id="9" name="TextBox 8">
+            <a:extLst>
+              <a:ext uri="{FF2B5EF4-FFF2-40B4-BE49-F238E27FC236}">
+                <a16:creationId xmlns:a16="http://schemas.microsoft.com/office/drawing/2014/main" id="{006CE444-9C36-938F-F869-E55E396377D0}"/>
+              </a:ext>
+            </a:extLst>
+          </p:cNvPr>
+          <p:cNvSpPr txBox="1"/>
+          <p:nvPr/>
+        </p:nvSpPr>
+        <p:spPr>
+          <a:xfrm>
+            <a:off x="7954086" y="1273389"/>
+            <a:ext cx="776174" cy="461665"/>
+          </a:xfrm>
+          <a:prstGeom prst="rect">
+            <a:avLst/>
+          </a:prstGeom>
+          <a:noFill/>
+        </p:spPr>
+        <p:txBody>
+          <a:bodyPr wrap="none" rtlCol="0">
+            <a:spAutoFit/>
+          </a:bodyPr>
+          <a:lstStyle/>
+          <a:p>
+            <a:pPr algn="ctr"/>
+            <a:r>
+              <a:rPr lang="en-US" sz="2400" dirty="0"/>
+              <a:t>fplot</a:t>
+            </a:r>
+          </a:p>
+        </p:txBody>
+      </p:sp>
+    </p:spTree>
+    <p:extLst>
+      <p:ext uri="{BB962C8B-B14F-4D97-AF65-F5344CB8AC3E}">
+        <p14:creationId xmlns:p14="http://schemas.microsoft.com/office/powerpoint/2010/main" val="3305200901"/>
+      </p:ext>
+    </p:extLst>
+  </p:cSld>
+  <p:clrMapOvr>
+    <a:masterClrMapping/>
+  </p:clrMapOvr>
+</p:sld>
+</file>
+
+<file path=ppt/slides/slide15.xml><?xml version="1.0" encoding="utf-8"?>
+<p:sld xmlns:a="http://schemas.openxmlformats.org/drawingml/2006/main" xmlns:r="http://schemas.openxmlformats.org/officeDocument/2006/relationships" xmlns:p="http://schemas.openxmlformats.org/presentationml/2006/main">
+  <p:cSld>
+    <p:spTree>
+      <p:nvGrpSpPr>
+        <p:cNvPr id="1" name=""/>
+        <p:cNvGrpSpPr/>
+        <p:nvPr/>
+      </p:nvGrpSpPr>
+      <p:grpSpPr>
+        <a:xfrm>
+          <a:off x="0" y="0"/>
+          <a:ext cx="0" cy="0"/>
+          <a:chOff x="0" y="0"/>
+          <a:chExt cx="0" cy="0"/>
+        </a:xfrm>
+      </p:grpSpPr>
+      <p:pic>
+        <p:nvPicPr>
+          <p:cNvPr id="6" name="그림 5">
+            <a:extLst>
+              <a:ext uri="{FF2B5EF4-FFF2-40B4-BE49-F238E27FC236}">
+                <a16:creationId xmlns:a16="http://schemas.microsoft.com/office/drawing/2014/main" id="{B157BEDA-050F-F976-17D6-AE44FA3C907F}"/>
+              </a:ext>
+            </a:extLst>
+          </p:cNvPr>
+          <p:cNvPicPr>
+            <a:picLocks noChangeAspect="1"/>
+          </p:cNvPicPr>
+          <p:nvPr/>
+        </p:nvPicPr>
+        <p:blipFill>
+          <a:blip r:embed="rId2"/>
+          <a:stretch>
+            <a:fillRect/>
+          </a:stretch>
+        </p:blipFill>
+        <p:spPr>
+          <a:xfrm>
+            <a:off x="2124635" y="1752849"/>
+            <a:ext cx="3450386" cy="3112714"/>
+          </a:xfrm>
+          <a:prstGeom prst="rect">
+            <a:avLst/>
+          </a:prstGeom>
+        </p:spPr>
+      </p:pic>
+      <p:pic>
+        <p:nvPicPr>
+          <p:cNvPr id="7" name="그림 6">
+            <a:extLst>
+              <a:ext uri="{FF2B5EF4-FFF2-40B4-BE49-F238E27FC236}">
+                <a16:creationId xmlns:a16="http://schemas.microsoft.com/office/drawing/2014/main" id="{ED4DCB07-8936-2DCF-D464-1CBE376C65BF}"/>
+              </a:ext>
+            </a:extLst>
+          </p:cNvPr>
+          <p:cNvPicPr>
+            <a:picLocks noChangeAspect="1"/>
+          </p:cNvPicPr>
+          <p:nvPr/>
+        </p:nvPicPr>
+        <p:blipFill>
+          <a:blip r:embed="rId3"/>
+          <a:stretch>
+            <a:fillRect/>
+          </a:stretch>
+        </p:blipFill>
+        <p:spPr>
+          <a:xfrm>
+            <a:off x="6616979" y="1752849"/>
+            <a:ext cx="3450386" cy="3112714"/>
+          </a:xfrm>
+          <a:prstGeom prst="rect">
+            <a:avLst/>
+          </a:prstGeom>
+        </p:spPr>
+      </p:pic>
+      <p:sp>
+        <p:nvSpPr>
+          <p:cNvPr id="8" name="TextBox 7">
+            <a:extLst>
+              <a:ext uri="{FF2B5EF4-FFF2-40B4-BE49-F238E27FC236}">
+                <a16:creationId xmlns:a16="http://schemas.microsoft.com/office/drawing/2014/main" id="{09096EE2-84E7-B53D-387D-EF88807623BD}"/>
+              </a:ext>
+            </a:extLst>
+          </p:cNvPr>
+          <p:cNvSpPr txBox="1"/>
+          <p:nvPr/>
+        </p:nvSpPr>
+        <p:spPr>
+          <a:xfrm>
+            <a:off x="2701120" y="1273389"/>
+            <a:ext cx="2297424" cy="461665"/>
+          </a:xfrm>
+          <a:prstGeom prst="rect">
+            <a:avLst/>
+          </a:prstGeom>
+          <a:noFill/>
+        </p:spPr>
+        <p:txBody>
+          <a:bodyPr wrap="none" rtlCol="0">
+            <a:spAutoFit/>
+          </a:bodyPr>
+          <a:lstStyle/>
+          <a:p>
+            <a:pPr algn="ctr"/>
+            <a:r>
+              <a:rPr lang="en-US" sz="2400" dirty="0"/>
+              <a:t>fplot(@(x) sin(x))</a:t>
+            </a:r>
+          </a:p>
+        </p:txBody>
+      </p:sp>
+      <p:sp>
+        <p:nvSpPr>
+          <p:cNvPr id="9" name="TextBox 8">
+            <a:extLst>
+              <a:ext uri="{FF2B5EF4-FFF2-40B4-BE49-F238E27FC236}">
+                <a16:creationId xmlns:a16="http://schemas.microsoft.com/office/drawing/2014/main" id="{8ED9F8C3-5751-6210-622B-2F6FDD29F535}"/>
+              </a:ext>
+            </a:extLst>
+          </p:cNvPr>
+          <p:cNvSpPr txBox="1"/>
+          <p:nvPr/>
+        </p:nvSpPr>
+        <p:spPr>
+          <a:xfrm>
+            <a:off x="6604359" y="1273389"/>
+            <a:ext cx="3475631" cy="461665"/>
+          </a:xfrm>
+          <a:prstGeom prst="rect">
+            <a:avLst/>
+          </a:prstGeom>
+          <a:noFill/>
+        </p:spPr>
+        <p:txBody>
+          <a:bodyPr wrap="none" rtlCol="0">
+            <a:spAutoFit/>
+          </a:bodyPr>
+          <a:lstStyle/>
+          <a:p>
+            <a:pPr algn="ctr"/>
+            <a:r>
+              <a:rPr lang="en-US" sz="2400" dirty="0"/>
+              <a:t>fplot(@(x) sin(x), [0, 2*pi])</a:t>
+            </a:r>
+          </a:p>
+        </p:txBody>
+      </p:sp>
+    </p:spTree>
+    <p:extLst>
+      <p:ext uri="{BB962C8B-B14F-4D97-AF65-F5344CB8AC3E}">
+        <p14:creationId xmlns:p14="http://schemas.microsoft.com/office/powerpoint/2010/main" val="3493676590"/>
+      </p:ext>
+    </p:extLst>
+  </p:cSld>
+  <p:clrMapOvr>
+    <a:masterClrMapping/>
+  </p:clrMapOvr>
+</p:sld>
+</file>
+
+<file path=ppt/slides/slide16.xml><?xml version="1.0" encoding="utf-8"?>
+<p:sld xmlns:a="http://schemas.openxmlformats.org/drawingml/2006/main" xmlns:r="http://schemas.openxmlformats.org/officeDocument/2006/relationships" xmlns:p="http://schemas.openxmlformats.org/presentationml/2006/main">
+  <p:cSld>
+    <p:spTree>
+      <p:nvGrpSpPr>
+        <p:cNvPr id="1" name=""/>
+        <p:cNvGrpSpPr/>
+        <p:nvPr/>
+      </p:nvGrpSpPr>
+      <p:grpSpPr>
+        <a:xfrm>
+          <a:off x="0" y="0"/>
+          <a:ext cx="0" cy="0"/>
+          <a:chOff x="0" y="0"/>
+          <a:chExt cx="0" cy="0"/>
+        </a:xfrm>
+      </p:grpSpPr>
+      <p:pic>
+        <p:nvPicPr>
+          <p:cNvPr id="3" name="그림 2">
+            <a:extLst>
+              <a:ext uri="{FF2B5EF4-FFF2-40B4-BE49-F238E27FC236}">
+                <a16:creationId xmlns:a16="http://schemas.microsoft.com/office/drawing/2014/main" id="{49DD40DF-648F-1896-373E-4AF1E354805A}"/>
+              </a:ext>
+            </a:extLst>
+          </p:cNvPr>
+          <p:cNvPicPr>
+            <a:picLocks noChangeAspect="1"/>
+          </p:cNvPicPr>
+          <p:nvPr/>
+        </p:nvPicPr>
+        <p:blipFill>
+          <a:blip r:embed="rId2"/>
+          <a:stretch>
+            <a:fillRect/>
+          </a:stretch>
+        </p:blipFill>
+        <p:spPr>
+          <a:xfrm>
+            <a:off x="3429000" y="1428750"/>
+            <a:ext cx="5334000" cy="4000500"/>
+          </a:xfrm>
+          <a:prstGeom prst="rect">
+            <a:avLst/>
+          </a:prstGeom>
+        </p:spPr>
+      </p:pic>
+    </p:spTree>
+    <p:extLst>
+      <p:ext uri="{BB962C8B-B14F-4D97-AF65-F5344CB8AC3E}">
+        <p14:creationId xmlns:p14="http://schemas.microsoft.com/office/powerpoint/2010/main" val="2582165912"/>
+      </p:ext>
+    </p:extLst>
+  </p:cSld>
+  <p:clrMapOvr>
+    <a:masterClrMapping/>
+  </p:clrMapOvr>
+</p:sld>
+</file>
+
+<file path=ppt/slides/slide17.xml><?xml version="1.0" encoding="utf-8"?>
+<p:sld xmlns:a="http://schemas.openxmlformats.org/drawingml/2006/main" xmlns:r="http://schemas.openxmlformats.org/officeDocument/2006/relationships" xmlns:p="http://schemas.openxmlformats.org/presentationml/2006/main">
+  <p:cSld>
+    <p:spTree>
+      <p:nvGrpSpPr>
+        <p:cNvPr id="1" name=""/>
+        <p:cNvGrpSpPr/>
+        <p:nvPr/>
+      </p:nvGrpSpPr>
+      <p:grpSpPr>
+        <a:xfrm>
+          <a:off x="0" y="0"/>
+          <a:ext cx="0" cy="0"/>
+          <a:chOff x="0" y="0"/>
+          <a:chExt cx="0" cy="0"/>
+        </a:xfrm>
+      </p:grpSpPr>
+      <p:pic>
+        <p:nvPicPr>
+          <p:cNvPr id="7" name="그림 6">
+            <a:extLst>
+              <a:ext uri="{FF2B5EF4-FFF2-40B4-BE49-F238E27FC236}">
+                <a16:creationId xmlns:a16="http://schemas.microsoft.com/office/drawing/2014/main" id="{7B231E67-FA60-30A9-7297-9669CBB07A9F}"/>
+              </a:ext>
+            </a:extLst>
+          </p:cNvPr>
+          <p:cNvPicPr>
+            <a:picLocks noChangeAspect="1"/>
+          </p:cNvPicPr>
+          <p:nvPr/>
+        </p:nvPicPr>
+        <p:blipFill>
+          <a:blip r:embed="rId2"/>
+          <a:stretch>
+            <a:fillRect/>
+          </a:stretch>
+        </p:blipFill>
+        <p:spPr>
+          <a:xfrm>
+            <a:off x="3429000" y="1428750"/>
+            <a:ext cx="5334000" cy="4000500"/>
+          </a:xfrm>
+          <a:prstGeom prst="rect">
+            <a:avLst/>
+          </a:prstGeom>
+        </p:spPr>
+      </p:pic>
+    </p:spTree>
+    <p:extLst>
+      <p:ext uri="{BB962C8B-B14F-4D97-AF65-F5344CB8AC3E}">
+        <p14:creationId xmlns:p14="http://schemas.microsoft.com/office/powerpoint/2010/main" val="1830224559"/>
+      </p:ext>
+    </p:extLst>
+  </p:cSld>
+  <p:clrMapOvr>
+    <a:masterClrMapping/>
+  </p:clrMapOvr>
+</p:sld>
+</file>
+
+<file path=ppt/slides/slide18.xml><?xml version="1.0" encoding="utf-8"?>
+<p:sld xmlns:a="http://schemas.openxmlformats.org/drawingml/2006/main" xmlns:r="http://schemas.openxmlformats.org/officeDocument/2006/relationships" xmlns:p="http://schemas.openxmlformats.org/presentationml/2006/main">
+  <p:cSld>
+    <p:spTree>
+      <p:nvGrpSpPr>
+        <p:cNvPr id="1" name=""/>
+        <p:cNvGrpSpPr/>
+        <p:nvPr/>
+      </p:nvGrpSpPr>
+      <p:grpSpPr>
+        <a:xfrm>
+          <a:off x="0" y="0"/>
+          <a:ext cx="0" cy="0"/>
+          <a:chOff x="0" y="0"/>
+          <a:chExt cx="0" cy="0"/>
+        </a:xfrm>
+      </p:grpSpPr>
+      <p:pic>
+        <p:nvPicPr>
+          <p:cNvPr id="6" name="Picture 5">
+            <a:extLst>
+              <a:ext uri="{FF2B5EF4-FFF2-40B4-BE49-F238E27FC236}">
+                <a16:creationId xmlns:a16="http://schemas.microsoft.com/office/drawing/2014/main" id="{4FC6A8C5-EE29-A69A-DEC3-21A554129990}"/>
+              </a:ext>
+            </a:extLst>
+          </p:cNvPr>
+          <p:cNvPicPr>
+            <a:picLocks noChangeAspect="1"/>
+          </p:cNvPicPr>
+          <p:nvPr/>
+        </p:nvPicPr>
+        <p:blipFill>
+          <a:blip r:embed="rId2"/>
+          <a:stretch>
+            <a:fillRect/>
+          </a:stretch>
+        </p:blipFill>
+        <p:spPr>
+          <a:xfrm>
+            <a:off x="3419809" y="1019476"/>
+            <a:ext cx="5352381" cy="4819048"/>
+          </a:xfrm>
+          <a:prstGeom prst="rect">
+            <a:avLst/>
+          </a:prstGeom>
+        </p:spPr>
+      </p:pic>
+    </p:spTree>
+    <p:extLst>
+      <p:ext uri="{BB962C8B-B14F-4D97-AF65-F5344CB8AC3E}">
+        <p14:creationId xmlns:p14="http://schemas.microsoft.com/office/powerpoint/2010/main" val="351326738"/>
       </p:ext>
     </p:extLst>
   </p:cSld>

--- a/Wikidocs/pics/pics_2d_graphs.pptx
+++ b/Wikidocs/pics/pics_2d_graphs.pptx
@@ -5,24 +5,26 @@
     <p:sldMasterId id="2147483648" r:id="rId1"/>
   </p:sldMasterIdLst>
   <p:sldIdLst>
-    <p:sldId id="256" r:id="rId2"/>
-    <p:sldId id="257" r:id="rId3"/>
-    <p:sldId id="258" r:id="rId4"/>
-    <p:sldId id="259" r:id="rId5"/>
-    <p:sldId id="261" r:id="rId6"/>
-    <p:sldId id="262" r:id="rId7"/>
-    <p:sldId id="263" r:id="rId8"/>
-    <p:sldId id="264" r:id="rId9"/>
-    <p:sldId id="265" r:id="rId10"/>
-    <p:sldId id="266" r:id="rId11"/>
-    <p:sldId id="267" r:id="rId12"/>
-    <p:sldId id="268" r:id="rId13"/>
-    <p:sldId id="269" r:id="rId14"/>
-    <p:sldId id="270" r:id="rId15"/>
-    <p:sldId id="271" r:id="rId16"/>
-    <p:sldId id="272" r:id="rId17"/>
-    <p:sldId id="273" r:id="rId18"/>
-    <p:sldId id="274" r:id="rId19"/>
+    <p:sldId id="275" r:id="rId2"/>
+    <p:sldId id="276" r:id="rId3"/>
+    <p:sldId id="256" r:id="rId4"/>
+    <p:sldId id="257" r:id="rId5"/>
+    <p:sldId id="258" r:id="rId6"/>
+    <p:sldId id="259" r:id="rId7"/>
+    <p:sldId id="261" r:id="rId8"/>
+    <p:sldId id="262" r:id="rId9"/>
+    <p:sldId id="263" r:id="rId10"/>
+    <p:sldId id="264" r:id="rId11"/>
+    <p:sldId id="265" r:id="rId12"/>
+    <p:sldId id="266" r:id="rId13"/>
+    <p:sldId id="267" r:id="rId14"/>
+    <p:sldId id="268" r:id="rId15"/>
+    <p:sldId id="269" r:id="rId16"/>
+    <p:sldId id="270" r:id="rId17"/>
+    <p:sldId id="271" r:id="rId18"/>
+    <p:sldId id="272" r:id="rId19"/>
+    <p:sldId id="273" r:id="rId20"/>
+    <p:sldId id="274" r:id="rId21"/>
   </p:sldIdLst>
   <p:sldSz cx="12192000" cy="6858000"/>
   <p:notesSz cx="6858000" cy="9144000"/>
@@ -278,7 +280,7 @@
           <a:p>
             <a:fld id="{6EC12061-8120-4C07-B2B2-E5EB0BE33944}" type="datetimeFigureOut">
               <a:rPr lang="en-US" smtClean="0"/>
-              <a:t>1/9/2023</a:t>
+              <a:t>1/12/2023</a:t>
             </a:fld>
             <a:endParaRPr lang="en-US"/>
           </a:p>
@@ -478,7 +480,7 @@
           <a:p>
             <a:fld id="{6EC12061-8120-4C07-B2B2-E5EB0BE33944}" type="datetimeFigureOut">
               <a:rPr lang="en-US" smtClean="0"/>
-              <a:t>1/9/2023</a:t>
+              <a:t>1/12/2023</a:t>
             </a:fld>
             <a:endParaRPr lang="en-US"/>
           </a:p>
@@ -688,7 +690,7 @@
           <a:p>
             <a:fld id="{6EC12061-8120-4C07-B2B2-E5EB0BE33944}" type="datetimeFigureOut">
               <a:rPr lang="en-US" smtClean="0"/>
-              <a:t>1/9/2023</a:t>
+              <a:t>1/12/2023</a:t>
             </a:fld>
             <a:endParaRPr lang="en-US"/>
           </a:p>
@@ -888,7 +890,7 @@
           <a:p>
             <a:fld id="{6EC12061-8120-4C07-B2B2-E5EB0BE33944}" type="datetimeFigureOut">
               <a:rPr lang="en-US" smtClean="0"/>
-              <a:t>1/9/2023</a:t>
+              <a:t>1/12/2023</a:t>
             </a:fld>
             <a:endParaRPr lang="en-US"/>
           </a:p>
@@ -1164,7 +1166,7 @@
           <a:p>
             <a:fld id="{6EC12061-8120-4C07-B2B2-E5EB0BE33944}" type="datetimeFigureOut">
               <a:rPr lang="en-US" smtClean="0"/>
-              <a:t>1/9/2023</a:t>
+              <a:t>1/12/2023</a:t>
             </a:fld>
             <a:endParaRPr lang="en-US"/>
           </a:p>
@@ -1432,7 +1434,7 @@
           <a:p>
             <a:fld id="{6EC12061-8120-4C07-B2B2-E5EB0BE33944}" type="datetimeFigureOut">
               <a:rPr lang="en-US" smtClean="0"/>
-              <a:t>1/9/2023</a:t>
+              <a:t>1/12/2023</a:t>
             </a:fld>
             <a:endParaRPr lang="en-US"/>
           </a:p>
@@ -1847,7 +1849,7 @@
           <a:p>
             <a:fld id="{6EC12061-8120-4C07-B2B2-E5EB0BE33944}" type="datetimeFigureOut">
               <a:rPr lang="en-US" smtClean="0"/>
-              <a:t>1/9/2023</a:t>
+              <a:t>1/12/2023</a:t>
             </a:fld>
             <a:endParaRPr lang="en-US"/>
           </a:p>
@@ -1989,7 +1991,7 @@
           <a:p>
             <a:fld id="{6EC12061-8120-4C07-B2B2-E5EB0BE33944}" type="datetimeFigureOut">
               <a:rPr lang="en-US" smtClean="0"/>
-              <a:t>1/9/2023</a:t>
+              <a:t>1/12/2023</a:t>
             </a:fld>
             <a:endParaRPr lang="en-US"/>
           </a:p>
@@ -2102,7 +2104,7 @@
           <a:p>
             <a:fld id="{6EC12061-8120-4C07-B2B2-E5EB0BE33944}" type="datetimeFigureOut">
               <a:rPr lang="en-US" smtClean="0"/>
-              <a:t>1/9/2023</a:t>
+              <a:t>1/12/2023</a:t>
             </a:fld>
             <a:endParaRPr lang="en-US"/>
           </a:p>
@@ -2415,7 +2417,7 @@
           <a:p>
             <a:fld id="{6EC12061-8120-4C07-B2B2-E5EB0BE33944}" type="datetimeFigureOut">
               <a:rPr lang="en-US" smtClean="0"/>
-              <a:t>1/9/2023</a:t>
+              <a:t>1/12/2023</a:t>
             </a:fld>
             <a:endParaRPr lang="en-US"/>
           </a:p>
@@ -2704,7 +2706,7 @@
           <a:p>
             <a:fld id="{6EC12061-8120-4C07-B2B2-E5EB0BE33944}" type="datetimeFigureOut">
               <a:rPr lang="en-US" smtClean="0"/>
-              <a:t>1/9/2023</a:t>
+              <a:t>1/12/2023</a:t>
             </a:fld>
             <a:endParaRPr lang="en-US"/>
           </a:p>
@@ -2947,7 +2949,7 @@
           <a:p>
             <a:fld id="{6EC12061-8120-4C07-B2B2-E5EB0BE33944}" type="datetimeFigureOut">
               <a:rPr lang="en-US" smtClean="0"/>
-              <a:t>1/9/2023</a:t>
+              <a:t>1/12/2023</a:t>
             </a:fld>
             <a:endParaRPr lang="en-US"/>
           </a:p>
@@ -3348,6 +3350,2724 @@
 </file>
 
 <file path=ppt/slides/slide1.xml><?xml version="1.0" encoding="utf-8"?>
+<p:sld xmlns:a="http://schemas.openxmlformats.org/drawingml/2006/main" xmlns:r="http://schemas.openxmlformats.org/officeDocument/2006/relationships" xmlns:p="http://schemas.openxmlformats.org/presentationml/2006/main">
+  <p:cSld>
+    <p:spTree>
+      <p:nvGrpSpPr>
+        <p:cNvPr id="1" name=""/>
+        <p:cNvGrpSpPr/>
+        <p:nvPr/>
+      </p:nvGrpSpPr>
+      <p:grpSpPr>
+        <a:xfrm>
+          <a:off x="0" y="0"/>
+          <a:ext cx="0" cy="0"/>
+          <a:chOff x="0" y="0"/>
+          <a:chExt cx="0" cy="0"/>
+        </a:xfrm>
+      </p:grpSpPr>
+      <p:pic>
+        <p:nvPicPr>
+          <p:cNvPr id="3" name="Picture 2">
+            <a:extLst>
+              <a:ext uri="{FF2B5EF4-FFF2-40B4-BE49-F238E27FC236}">
+                <a16:creationId xmlns:a16="http://schemas.microsoft.com/office/drawing/2014/main" id="{F643A9AC-C6EB-5887-4B7A-5AD1E24B88F0}"/>
+              </a:ext>
+            </a:extLst>
+          </p:cNvPr>
+          <p:cNvPicPr>
+            <a:picLocks noChangeAspect="1"/>
+          </p:cNvPicPr>
+          <p:nvPr/>
+        </p:nvPicPr>
+        <p:blipFill>
+          <a:blip r:embed="rId2"/>
+          <a:stretch>
+            <a:fillRect/>
+          </a:stretch>
+        </p:blipFill>
+        <p:spPr>
+          <a:xfrm>
+            <a:off x="735742" y="2620712"/>
+            <a:ext cx="4409398" cy="1206498"/>
+          </a:xfrm>
+          <a:prstGeom prst="rect">
+            <a:avLst/>
+          </a:prstGeom>
+        </p:spPr>
+      </p:pic>
+      <p:pic>
+        <p:nvPicPr>
+          <p:cNvPr id="5" name="Picture 4">
+            <a:extLst>
+              <a:ext uri="{FF2B5EF4-FFF2-40B4-BE49-F238E27FC236}">
+                <a16:creationId xmlns:a16="http://schemas.microsoft.com/office/drawing/2014/main" id="{B0A9BBAF-260F-4B42-9DAA-74942CE44C89}"/>
+              </a:ext>
+            </a:extLst>
+          </p:cNvPr>
+          <p:cNvPicPr>
+            <a:picLocks noChangeAspect="1"/>
+          </p:cNvPicPr>
+          <p:nvPr/>
+        </p:nvPicPr>
+        <p:blipFill>
+          <a:blip r:embed="rId3"/>
+          <a:stretch>
+            <a:fillRect/>
+          </a:stretch>
+        </p:blipFill>
+        <p:spPr>
+          <a:xfrm>
+            <a:off x="6187140" y="2620712"/>
+            <a:ext cx="4409398" cy="2208789"/>
+          </a:xfrm>
+          <a:prstGeom prst="rect">
+            <a:avLst/>
+          </a:prstGeom>
+        </p:spPr>
+      </p:pic>
+      <p:cxnSp>
+        <p:nvCxnSpPr>
+          <p:cNvPr id="7" name="Straight Arrow Connector 6">
+            <a:extLst>
+              <a:ext uri="{FF2B5EF4-FFF2-40B4-BE49-F238E27FC236}">
+                <a16:creationId xmlns:a16="http://schemas.microsoft.com/office/drawing/2014/main" id="{760CACE0-A9E6-B173-2778-3839142F3409}"/>
+              </a:ext>
+            </a:extLst>
+          </p:cNvPr>
+          <p:cNvCxnSpPr/>
+          <p:nvPr/>
+        </p:nvCxnSpPr>
+        <p:spPr>
+          <a:xfrm flipH="1" flipV="1">
+            <a:off x="2992582" y="3106335"/>
+            <a:ext cx="437512" cy="322665"/>
+          </a:xfrm>
+          <a:prstGeom prst="straightConnector1">
+            <a:avLst/>
+          </a:prstGeom>
+          <a:ln w="38100">
+            <a:solidFill>
+              <a:srgbClr val="FF0000"/>
+            </a:solidFill>
+            <a:tailEnd type="triangle"/>
+          </a:ln>
+        </p:spPr>
+        <p:style>
+          <a:lnRef idx="1">
+            <a:schemeClr val="accent1"/>
+          </a:lnRef>
+          <a:fillRef idx="0">
+            <a:schemeClr val="accent1"/>
+          </a:fillRef>
+          <a:effectRef idx="0">
+            <a:schemeClr val="accent1"/>
+          </a:effectRef>
+          <a:fontRef idx="minor">
+            <a:schemeClr val="tx1"/>
+          </a:fontRef>
+        </p:style>
+      </p:cxnSp>
+      <p:sp>
+        <p:nvSpPr>
+          <p:cNvPr id="8" name="TextBox 7">
+            <a:extLst>
+              <a:ext uri="{FF2B5EF4-FFF2-40B4-BE49-F238E27FC236}">
+                <a16:creationId xmlns:a16="http://schemas.microsoft.com/office/drawing/2014/main" id="{1175C8BE-AE59-2742-FBA6-EBDB263DB601}"/>
+              </a:ext>
+            </a:extLst>
+          </p:cNvPr>
+          <p:cNvSpPr txBox="1"/>
+          <p:nvPr/>
+        </p:nvSpPr>
+        <p:spPr>
+          <a:xfrm>
+            <a:off x="3430094" y="3244334"/>
+            <a:ext cx="615874" cy="369332"/>
+          </a:xfrm>
+          <a:prstGeom prst="rect">
+            <a:avLst/>
+          </a:prstGeom>
+          <a:noFill/>
+        </p:spPr>
+        <p:txBody>
+          <a:bodyPr wrap="none" rtlCol="0">
+            <a:spAutoFit/>
+          </a:bodyPr>
+          <a:lstStyle/>
+          <a:p>
+            <a:r>
+              <a:rPr lang="en-US" dirty="0">
+                <a:solidFill>
+                  <a:srgbClr val="FF0000"/>
+                </a:solidFill>
+              </a:rPr>
+              <a:t>Click</a:t>
+            </a:r>
+          </a:p>
+        </p:txBody>
+      </p:sp>
+      <p:sp>
+        <p:nvSpPr>
+          <p:cNvPr id="9" name="Arrow: Right 8">
+            <a:extLst>
+              <a:ext uri="{FF2B5EF4-FFF2-40B4-BE49-F238E27FC236}">
+                <a16:creationId xmlns:a16="http://schemas.microsoft.com/office/drawing/2014/main" id="{375018D8-9E1C-B492-77CA-976812B3C691}"/>
+              </a:ext>
+            </a:extLst>
+          </p:cNvPr>
+          <p:cNvSpPr/>
+          <p:nvPr/>
+        </p:nvSpPr>
+        <p:spPr>
+          <a:xfrm>
+            <a:off x="5176936" y="3025351"/>
+            <a:ext cx="978408" cy="484632"/>
+          </a:xfrm>
+          <a:prstGeom prst="rightArrow">
+            <a:avLst/>
+          </a:prstGeom>
+          <a:gradFill flip="none" rotWithShape="1">
+            <a:gsLst>
+              <a:gs pos="0">
+                <a:schemeClr val="bg1"/>
+              </a:gs>
+              <a:gs pos="74000">
+                <a:schemeClr val="accent1">
+                  <a:lumMod val="45000"/>
+                  <a:lumOff val="55000"/>
+                </a:schemeClr>
+              </a:gs>
+              <a:gs pos="83000">
+                <a:schemeClr val="accent1">
+                  <a:lumMod val="45000"/>
+                  <a:lumOff val="55000"/>
+                </a:schemeClr>
+              </a:gs>
+              <a:gs pos="100000">
+                <a:schemeClr val="accent1">
+                  <a:lumMod val="30000"/>
+                  <a:lumOff val="70000"/>
+                </a:schemeClr>
+              </a:gs>
+            </a:gsLst>
+            <a:lin ang="0" scaled="1"/>
+            <a:tileRect/>
+          </a:gradFill>
+          <a:ln>
+            <a:noFill/>
+          </a:ln>
+        </p:spPr>
+        <p:style>
+          <a:lnRef idx="2">
+            <a:schemeClr val="accent1">
+              <a:shade val="50000"/>
+            </a:schemeClr>
+          </a:lnRef>
+          <a:fillRef idx="1">
+            <a:schemeClr val="accent1"/>
+          </a:fillRef>
+          <a:effectRef idx="0">
+            <a:schemeClr val="accent1"/>
+          </a:effectRef>
+          <a:fontRef idx="minor">
+            <a:schemeClr val="lt1"/>
+          </a:fontRef>
+        </p:style>
+        <p:txBody>
+          <a:bodyPr rtlCol="0" anchor="ctr"/>
+          <a:lstStyle/>
+          <a:p>
+            <a:pPr algn="ctr"/>
+            <a:endParaRPr lang="en-US"/>
+          </a:p>
+        </p:txBody>
+      </p:sp>
+    </p:spTree>
+    <p:extLst>
+      <p:ext uri="{BB962C8B-B14F-4D97-AF65-F5344CB8AC3E}">
+        <p14:creationId xmlns:p14="http://schemas.microsoft.com/office/powerpoint/2010/main" val="1779567757"/>
+      </p:ext>
+    </p:extLst>
+  </p:cSld>
+  <p:clrMapOvr>
+    <a:masterClrMapping/>
+  </p:clrMapOvr>
+</p:sld>
+</file>
+
+<file path=ppt/slides/slide10.xml><?xml version="1.0" encoding="utf-8"?>
+<p:sld xmlns:a="http://schemas.openxmlformats.org/drawingml/2006/main" xmlns:r="http://schemas.openxmlformats.org/officeDocument/2006/relationships" xmlns:p="http://schemas.openxmlformats.org/presentationml/2006/main">
+  <p:cSld>
+    <p:spTree>
+      <p:nvGrpSpPr>
+        <p:cNvPr id="1" name=""/>
+        <p:cNvGrpSpPr/>
+        <p:nvPr/>
+      </p:nvGrpSpPr>
+      <p:grpSpPr>
+        <a:xfrm>
+          <a:off x="0" y="0"/>
+          <a:ext cx="0" cy="0"/>
+          <a:chOff x="0" y="0"/>
+          <a:chExt cx="0" cy="0"/>
+        </a:xfrm>
+      </p:grpSpPr>
+      <p:grpSp>
+        <p:nvGrpSpPr>
+          <p:cNvPr id="6" name="그룹 5">
+            <a:extLst>
+              <a:ext uri="{FF2B5EF4-FFF2-40B4-BE49-F238E27FC236}">
+                <a16:creationId xmlns:a16="http://schemas.microsoft.com/office/drawing/2014/main" id="{E3F23010-75B8-800A-3D39-FB29E5F5C627}"/>
+              </a:ext>
+            </a:extLst>
+          </p:cNvPr>
+          <p:cNvGrpSpPr/>
+          <p:nvPr/>
+        </p:nvGrpSpPr>
+        <p:grpSpPr>
+          <a:xfrm>
+            <a:off x="1600427" y="1502149"/>
+            <a:ext cx="9004820" cy="3853702"/>
+            <a:chOff x="461456" y="1014714"/>
+            <a:chExt cx="11282762" cy="4828571"/>
+          </a:xfrm>
+        </p:grpSpPr>
+        <p:pic>
+          <p:nvPicPr>
+            <p:cNvPr id="3" name="그림 2">
+              <a:extLst>
+                <a:ext uri="{FF2B5EF4-FFF2-40B4-BE49-F238E27FC236}">
+                  <a16:creationId xmlns:a16="http://schemas.microsoft.com/office/drawing/2014/main" id="{3ED50D3B-072D-3026-AB64-DDED33282F53}"/>
+                </a:ext>
+              </a:extLst>
+            </p:cNvPr>
+            <p:cNvPicPr>
+              <a:picLocks noChangeAspect="1"/>
+            </p:cNvPicPr>
+            <p:nvPr/>
+          </p:nvPicPr>
+          <p:blipFill>
+            <a:blip r:embed="rId2"/>
+            <a:stretch>
+              <a:fillRect/>
+            </a:stretch>
+          </p:blipFill>
+          <p:spPr>
+            <a:xfrm>
+              <a:off x="461456" y="1014714"/>
+              <a:ext cx="5352381" cy="4828571"/>
+            </a:xfrm>
+            <a:prstGeom prst="rect">
+              <a:avLst/>
+            </a:prstGeom>
+          </p:spPr>
+        </p:pic>
+        <p:pic>
+          <p:nvPicPr>
+            <p:cNvPr id="5" name="그림 4">
+              <a:extLst>
+                <a:ext uri="{FF2B5EF4-FFF2-40B4-BE49-F238E27FC236}">
+                  <a16:creationId xmlns:a16="http://schemas.microsoft.com/office/drawing/2014/main" id="{FE17C70C-D3FF-5287-F3A6-E41F4D89CEF9}"/>
+                </a:ext>
+              </a:extLst>
+            </p:cNvPr>
+            <p:cNvPicPr>
+              <a:picLocks noChangeAspect="1"/>
+            </p:cNvPicPr>
+            <p:nvPr/>
+          </p:nvPicPr>
+          <p:blipFill>
+            <a:blip r:embed="rId3"/>
+            <a:stretch>
+              <a:fillRect/>
+            </a:stretch>
+          </p:blipFill>
+          <p:spPr>
+            <a:xfrm>
+              <a:off x="6391837" y="1014714"/>
+              <a:ext cx="5352381" cy="4828571"/>
+            </a:xfrm>
+            <a:prstGeom prst="rect">
+              <a:avLst/>
+            </a:prstGeom>
+          </p:spPr>
+        </p:pic>
+      </p:grpSp>
+      <p:sp>
+        <p:nvSpPr>
+          <p:cNvPr id="7" name="TextBox 6">
+            <a:extLst>
+              <a:ext uri="{FF2B5EF4-FFF2-40B4-BE49-F238E27FC236}">
+                <a16:creationId xmlns:a16="http://schemas.microsoft.com/office/drawing/2014/main" id="{F50566C8-C131-4DC3-A3DE-2690C1AD79CB}"/>
+              </a:ext>
+            </a:extLst>
+          </p:cNvPr>
+          <p:cNvSpPr txBox="1"/>
+          <p:nvPr/>
+        </p:nvSpPr>
+        <p:spPr>
+          <a:xfrm>
+            <a:off x="3001970" y="917374"/>
+            <a:ext cx="1468672" cy="584775"/>
+          </a:xfrm>
+          <a:prstGeom prst="rect">
+            <a:avLst/>
+          </a:prstGeom>
+          <a:noFill/>
+        </p:spPr>
+        <p:txBody>
+          <a:bodyPr wrap="none" rtlCol="0">
+            <a:spAutoFit/>
+          </a:bodyPr>
+          <a:lstStyle/>
+          <a:p>
+            <a:pPr algn="ctr"/>
+            <a:r>
+              <a:rPr lang="en-US" sz="3200" dirty="0"/>
+              <a:t>grid on;</a:t>
+            </a:r>
+          </a:p>
+        </p:txBody>
+      </p:sp>
+      <p:sp>
+        <p:nvSpPr>
+          <p:cNvPr id="8" name="TextBox 7">
+            <a:extLst>
+              <a:ext uri="{FF2B5EF4-FFF2-40B4-BE49-F238E27FC236}">
+                <a16:creationId xmlns:a16="http://schemas.microsoft.com/office/drawing/2014/main" id="{6CE7E7ED-8F0E-E2A2-95EE-A7BD07265799}"/>
+              </a:ext>
+            </a:extLst>
+          </p:cNvPr>
+          <p:cNvSpPr txBox="1"/>
+          <p:nvPr/>
+        </p:nvSpPr>
+        <p:spPr>
+          <a:xfrm>
+            <a:off x="7452103" y="463764"/>
+            <a:ext cx="2034532" cy="1077218"/>
+          </a:xfrm>
+          <a:prstGeom prst="rect">
+            <a:avLst/>
+          </a:prstGeom>
+          <a:noFill/>
+        </p:spPr>
+        <p:txBody>
+          <a:bodyPr wrap="none" rtlCol="0">
+            <a:spAutoFit/>
+          </a:bodyPr>
+          <a:lstStyle/>
+          <a:p>
+            <a:pPr algn="ctr"/>
+            <a:r>
+              <a:rPr lang="en-US" sz="3200" dirty="0"/>
+              <a:t>grid on;</a:t>
+            </a:r>
+          </a:p>
+          <a:p>
+            <a:pPr algn="ctr"/>
+            <a:r>
+              <a:rPr lang="en-US" sz="3200" dirty="0"/>
+              <a:t>grid minor;</a:t>
+            </a:r>
+          </a:p>
+        </p:txBody>
+      </p:sp>
+    </p:spTree>
+    <p:extLst>
+      <p:ext uri="{BB962C8B-B14F-4D97-AF65-F5344CB8AC3E}">
+        <p14:creationId xmlns:p14="http://schemas.microsoft.com/office/powerpoint/2010/main" val="435856128"/>
+      </p:ext>
+    </p:extLst>
+  </p:cSld>
+  <p:clrMapOvr>
+    <a:masterClrMapping/>
+  </p:clrMapOvr>
+</p:sld>
+</file>
+
+<file path=ppt/slides/slide11.xml><?xml version="1.0" encoding="utf-8"?>
+<p:sld xmlns:a="http://schemas.openxmlformats.org/drawingml/2006/main" xmlns:r="http://schemas.openxmlformats.org/officeDocument/2006/relationships" xmlns:p="http://schemas.openxmlformats.org/presentationml/2006/main">
+  <p:cSld>
+    <p:spTree>
+      <p:nvGrpSpPr>
+        <p:cNvPr id="1" name=""/>
+        <p:cNvGrpSpPr/>
+        <p:nvPr/>
+      </p:nvGrpSpPr>
+      <p:grpSpPr>
+        <a:xfrm>
+          <a:off x="0" y="0"/>
+          <a:ext cx="0" cy="0"/>
+          <a:chOff x="0" y="0"/>
+          <a:chExt cx="0" cy="0"/>
+        </a:xfrm>
+      </p:grpSpPr>
+      <p:grpSp>
+        <p:nvGrpSpPr>
+          <p:cNvPr id="8" name="그룹 7">
+            <a:extLst>
+              <a:ext uri="{FF2B5EF4-FFF2-40B4-BE49-F238E27FC236}">
+                <a16:creationId xmlns:a16="http://schemas.microsoft.com/office/drawing/2014/main" id="{48E94319-645F-E65B-BA12-536E6D3ED826}"/>
+              </a:ext>
+            </a:extLst>
+          </p:cNvPr>
+          <p:cNvGrpSpPr/>
+          <p:nvPr/>
+        </p:nvGrpSpPr>
+        <p:grpSpPr>
+          <a:xfrm>
+            <a:off x="770965" y="1627021"/>
+            <a:ext cx="2865928" cy="2662669"/>
+            <a:chOff x="502023" y="1246094"/>
+            <a:chExt cx="3792072" cy="3523129"/>
+          </a:xfrm>
+        </p:grpSpPr>
+        <p:sp>
+          <p:nvSpPr>
+            <p:cNvPr id="2" name="직사각형 1">
+              <a:extLst>
+                <a:ext uri="{FF2B5EF4-FFF2-40B4-BE49-F238E27FC236}">
+                  <a16:creationId xmlns:a16="http://schemas.microsoft.com/office/drawing/2014/main" id="{C8A13627-1472-431F-F519-C33CF3882705}"/>
+                </a:ext>
+              </a:extLst>
+            </p:cNvPr>
+            <p:cNvSpPr/>
+            <p:nvPr/>
+          </p:nvSpPr>
+          <p:spPr>
+            <a:xfrm>
+              <a:off x="502023" y="1246094"/>
+              <a:ext cx="1757083" cy="3523129"/>
+            </a:xfrm>
+            <a:prstGeom prst="rect">
+              <a:avLst/>
+            </a:prstGeom>
+            <a:solidFill>
+              <a:schemeClr val="bg1"/>
+            </a:solidFill>
+            <a:ln w="28575">
+              <a:solidFill>
+                <a:schemeClr val="tx1"/>
+              </a:solidFill>
+            </a:ln>
+          </p:spPr>
+          <p:style>
+            <a:lnRef idx="2">
+              <a:schemeClr val="accent1">
+                <a:shade val="50000"/>
+              </a:schemeClr>
+            </a:lnRef>
+            <a:fillRef idx="1">
+              <a:schemeClr val="accent1"/>
+            </a:fillRef>
+            <a:effectRef idx="0">
+              <a:schemeClr val="accent1"/>
+            </a:effectRef>
+            <a:fontRef idx="minor">
+              <a:schemeClr val="lt1"/>
+            </a:fontRef>
+          </p:style>
+          <p:txBody>
+            <a:bodyPr rtlCol="0" anchor="ctr"/>
+            <a:lstStyle/>
+            <a:p>
+              <a:pPr algn="ctr"/>
+              <a:endParaRPr lang="en-US"/>
+            </a:p>
+          </p:txBody>
+        </p:sp>
+        <p:sp>
+          <p:nvSpPr>
+            <p:cNvPr id="3" name="직사각형 2">
+              <a:extLst>
+                <a:ext uri="{FF2B5EF4-FFF2-40B4-BE49-F238E27FC236}">
+                  <a16:creationId xmlns:a16="http://schemas.microsoft.com/office/drawing/2014/main" id="{3E2757C1-5F73-4233-317B-AA3B38DC4047}"/>
+                </a:ext>
+              </a:extLst>
+            </p:cNvPr>
+            <p:cNvSpPr/>
+            <p:nvPr/>
+          </p:nvSpPr>
+          <p:spPr>
+            <a:xfrm>
+              <a:off x="2537012" y="1246094"/>
+              <a:ext cx="1757083" cy="3523129"/>
+            </a:xfrm>
+            <a:prstGeom prst="rect">
+              <a:avLst/>
+            </a:prstGeom>
+            <a:solidFill>
+              <a:schemeClr val="bg1"/>
+            </a:solidFill>
+            <a:ln w="28575">
+              <a:solidFill>
+                <a:schemeClr val="tx1"/>
+              </a:solidFill>
+            </a:ln>
+          </p:spPr>
+          <p:style>
+            <a:lnRef idx="2">
+              <a:schemeClr val="accent1">
+                <a:shade val="50000"/>
+              </a:schemeClr>
+            </a:lnRef>
+            <a:fillRef idx="1">
+              <a:schemeClr val="accent1"/>
+            </a:fillRef>
+            <a:effectRef idx="0">
+              <a:schemeClr val="accent1"/>
+            </a:effectRef>
+            <a:fontRef idx="minor">
+              <a:schemeClr val="lt1"/>
+            </a:fontRef>
+          </p:style>
+          <p:txBody>
+            <a:bodyPr rtlCol="0" anchor="ctr"/>
+            <a:lstStyle/>
+            <a:p>
+              <a:pPr algn="ctr"/>
+              <a:endParaRPr lang="en-US"/>
+            </a:p>
+          </p:txBody>
+        </p:sp>
+      </p:grpSp>
+      <p:grpSp>
+        <p:nvGrpSpPr>
+          <p:cNvPr id="9" name="그룹 8">
+            <a:extLst>
+              <a:ext uri="{FF2B5EF4-FFF2-40B4-BE49-F238E27FC236}">
+                <a16:creationId xmlns:a16="http://schemas.microsoft.com/office/drawing/2014/main" id="{5FB8B0A5-8716-3EA9-E5D6-D93DE40A3144}"/>
+              </a:ext>
+            </a:extLst>
+          </p:cNvPr>
+          <p:cNvGrpSpPr/>
+          <p:nvPr/>
+        </p:nvGrpSpPr>
+        <p:grpSpPr>
+          <a:xfrm>
+            <a:off x="4658122" y="1627020"/>
+            <a:ext cx="3286356" cy="2662669"/>
+            <a:chOff x="5002305" y="1246093"/>
+            <a:chExt cx="4348365" cy="3523129"/>
+          </a:xfrm>
+        </p:grpSpPr>
+        <p:sp>
+          <p:nvSpPr>
+            <p:cNvPr id="4" name="직사각형 3">
+              <a:extLst>
+                <a:ext uri="{FF2B5EF4-FFF2-40B4-BE49-F238E27FC236}">
+                  <a16:creationId xmlns:a16="http://schemas.microsoft.com/office/drawing/2014/main" id="{B2FBB032-A95C-FDFE-894B-F00E22E6B16F}"/>
+                </a:ext>
+              </a:extLst>
+            </p:cNvPr>
+            <p:cNvSpPr/>
+            <p:nvPr/>
+          </p:nvSpPr>
+          <p:spPr>
+            <a:xfrm>
+              <a:off x="5002305" y="1246093"/>
+              <a:ext cx="4348365" cy="1629315"/>
+            </a:xfrm>
+            <a:prstGeom prst="rect">
+              <a:avLst/>
+            </a:prstGeom>
+            <a:solidFill>
+              <a:schemeClr val="bg1"/>
+            </a:solidFill>
+            <a:ln w="28575">
+              <a:solidFill>
+                <a:schemeClr val="tx1"/>
+              </a:solidFill>
+            </a:ln>
+          </p:spPr>
+          <p:style>
+            <a:lnRef idx="2">
+              <a:schemeClr val="accent1">
+                <a:shade val="50000"/>
+              </a:schemeClr>
+            </a:lnRef>
+            <a:fillRef idx="1">
+              <a:schemeClr val="accent1"/>
+            </a:fillRef>
+            <a:effectRef idx="0">
+              <a:schemeClr val="accent1"/>
+            </a:effectRef>
+            <a:fontRef idx="minor">
+              <a:schemeClr val="lt1"/>
+            </a:fontRef>
+          </p:style>
+          <p:txBody>
+            <a:bodyPr rtlCol="0" anchor="ctr"/>
+            <a:lstStyle/>
+            <a:p>
+              <a:pPr algn="ctr"/>
+              <a:endParaRPr lang="en-US"/>
+            </a:p>
+          </p:txBody>
+        </p:sp>
+        <p:sp>
+          <p:nvSpPr>
+            <p:cNvPr id="6" name="직사각형 5">
+              <a:extLst>
+                <a:ext uri="{FF2B5EF4-FFF2-40B4-BE49-F238E27FC236}">
+                  <a16:creationId xmlns:a16="http://schemas.microsoft.com/office/drawing/2014/main" id="{C2A60D7E-ABAC-BC7A-B9A9-B7EEEC33FEC8}"/>
+                </a:ext>
+              </a:extLst>
+            </p:cNvPr>
+            <p:cNvSpPr/>
+            <p:nvPr/>
+          </p:nvSpPr>
+          <p:spPr>
+            <a:xfrm>
+              <a:off x="5002305" y="3139907"/>
+              <a:ext cx="4348365" cy="1629315"/>
+            </a:xfrm>
+            <a:prstGeom prst="rect">
+              <a:avLst/>
+            </a:prstGeom>
+            <a:solidFill>
+              <a:schemeClr val="bg1"/>
+            </a:solidFill>
+            <a:ln w="28575">
+              <a:solidFill>
+                <a:schemeClr val="tx1"/>
+              </a:solidFill>
+            </a:ln>
+          </p:spPr>
+          <p:style>
+            <a:lnRef idx="2">
+              <a:schemeClr val="accent1">
+                <a:shade val="50000"/>
+              </a:schemeClr>
+            </a:lnRef>
+            <a:fillRef idx="1">
+              <a:schemeClr val="accent1"/>
+            </a:fillRef>
+            <a:effectRef idx="0">
+              <a:schemeClr val="accent1"/>
+            </a:effectRef>
+            <a:fontRef idx="minor">
+              <a:schemeClr val="lt1"/>
+            </a:fontRef>
+          </p:style>
+          <p:txBody>
+            <a:bodyPr rtlCol="0" anchor="ctr"/>
+            <a:lstStyle/>
+            <a:p>
+              <a:pPr algn="ctr"/>
+              <a:endParaRPr lang="en-US"/>
+            </a:p>
+          </p:txBody>
+        </p:sp>
+      </p:grpSp>
+      <p:sp>
+        <p:nvSpPr>
+          <p:cNvPr id="11" name="직사각형 10">
+            <a:extLst>
+              <a:ext uri="{FF2B5EF4-FFF2-40B4-BE49-F238E27FC236}">
+                <a16:creationId xmlns:a16="http://schemas.microsoft.com/office/drawing/2014/main" id="{01260FCE-599F-86BB-111B-6D6DCE16881B}"/>
+              </a:ext>
+            </a:extLst>
+          </p:cNvPr>
+          <p:cNvSpPr/>
+          <p:nvPr/>
+        </p:nvSpPr>
+        <p:spPr>
+          <a:xfrm>
+            <a:off x="8886801" y="1627021"/>
+            <a:ext cx="1327948" cy="1231384"/>
+          </a:xfrm>
+          <a:prstGeom prst="rect">
+            <a:avLst/>
+          </a:prstGeom>
+          <a:solidFill>
+            <a:schemeClr val="bg1"/>
+          </a:solidFill>
+          <a:ln w="28575">
+            <a:solidFill>
+              <a:schemeClr val="tx1"/>
+            </a:solidFill>
+          </a:ln>
+        </p:spPr>
+        <p:style>
+          <a:lnRef idx="2">
+            <a:schemeClr val="accent1">
+              <a:shade val="50000"/>
+            </a:schemeClr>
+          </a:lnRef>
+          <a:fillRef idx="1">
+            <a:schemeClr val="accent1"/>
+          </a:fillRef>
+          <a:effectRef idx="0">
+            <a:schemeClr val="accent1"/>
+          </a:effectRef>
+          <a:fontRef idx="minor">
+            <a:schemeClr val="lt1"/>
+          </a:fontRef>
+        </p:style>
+        <p:txBody>
+          <a:bodyPr rtlCol="0" anchor="ctr"/>
+          <a:lstStyle/>
+          <a:p>
+            <a:pPr algn="ctr"/>
+            <a:endParaRPr lang="en-US"/>
+          </a:p>
+        </p:txBody>
+      </p:sp>
+      <p:sp>
+        <p:nvSpPr>
+          <p:cNvPr id="12" name="직사각형 11">
+            <a:extLst>
+              <a:ext uri="{FF2B5EF4-FFF2-40B4-BE49-F238E27FC236}">
+                <a16:creationId xmlns:a16="http://schemas.microsoft.com/office/drawing/2014/main" id="{A2CBE566-90D7-62B5-A7D2-3CB32CB64635}"/>
+              </a:ext>
+            </a:extLst>
+          </p:cNvPr>
+          <p:cNvSpPr/>
+          <p:nvPr/>
+        </p:nvSpPr>
+        <p:spPr>
+          <a:xfrm>
+            <a:off x="10424781" y="1627021"/>
+            <a:ext cx="1327948" cy="1231384"/>
+          </a:xfrm>
+          <a:prstGeom prst="rect">
+            <a:avLst/>
+          </a:prstGeom>
+          <a:solidFill>
+            <a:schemeClr val="bg1"/>
+          </a:solidFill>
+          <a:ln w="28575">
+            <a:solidFill>
+              <a:schemeClr val="tx1"/>
+            </a:solidFill>
+          </a:ln>
+        </p:spPr>
+        <p:style>
+          <a:lnRef idx="2">
+            <a:schemeClr val="accent1">
+              <a:shade val="50000"/>
+            </a:schemeClr>
+          </a:lnRef>
+          <a:fillRef idx="1">
+            <a:schemeClr val="accent1"/>
+          </a:fillRef>
+          <a:effectRef idx="0">
+            <a:schemeClr val="accent1"/>
+          </a:effectRef>
+          <a:fontRef idx="minor">
+            <a:schemeClr val="lt1"/>
+          </a:fontRef>
+        </p:style>
+        <p:txBody>
+          <a:bodyPr rtlCol="0" anchor="ctr"/>
+          <a:lstStyle/>
+          <a:p>
+            <a:pPr algn="ctr"/>
+            <a:endParaRPr lang="en-US"/>
+          </a:p>
+        </p:txBody>
+      </p:sp>
+      <p:sp>
+        <p:nvSpPr>
+          <p:cNvPr id="13" name="직사각형 12">
+            <a:extLst>
+              <a:ext uri="{FF2B5EF4-FFF2-40B4-BE49-F238E27FC236}">
+                <a16:creationId xmlns:a16="http://schemas.microsoft.com/office/drawing/2014/main" id="{13E97DF8-41B3-550F-C20D-CAA78D997AB0}"/>
+              </a:ext>
+            </a:extLst>
+          </p:cNvPr>
+          <p:cNvSpPr/>
+          <p:nvPr/>
+        </p:nvSpPr>
+        <p:spPr>
+          <a:xfrm>
+            <a:off x="8886801" y="3058304"/>
+            <a:ext cx="1327948" cy="1231384"/>
+          </a:xfrm>
+          <a:prstGeom prst="rect">
+            <a:avLst/>
+          </a:prstGeom>
+          <a:solidFill>
+            <a:schemeClr val="bg1"/>
+          </a:solidFill>
+          <a:ln w="28575">
+            <a:solidFill>
+              <a:schemeClr val="tx1"/>
+            </a:solidFill>
+          </a:ln>
+        </p:spPr>
+        <p:style>
+          <a:lnRef idx="2">
+            <a:schemeClr val="accent1">
+              <a:shade val="50000"/>
+            </a:schemeClr>
+          </a:lnRef>
+          <a:fillRef idx="1">
+            <a:schemeClr val="accent1"/>
+          </a:fillRef>
+          <a:effectRef idx="0">
+            <a:schemeClr val="accent1"/>
+          </a:effectRef>
+          <a:fontRef idx="minor">
+            <a:schemeClr val="lt1"/>
+          </a:fontRef>
+        </p:style>
+        <p:txBody>
+          <a:bodyPr rtlCol="0" anchor="ctr"/>
+          <a:lstStyle/>
+          <a:p>
+            <a:pPr algn="ctr"/>
+            <a:endParaRPr lang="en-US"/>
+          </a:p>
+        </p:txBody>
+      </p:sp>
+      <p:sp>
+        <p:nvSpPr>
+          <p:cNvPr id="14" name="직사각형 13">
+            <a:extLst>
+              <a:ext uri="{FF2B5EF4-FFF2-40B4-BE49-F238E27FC236}">
+                <a16:creationId xmlns:a16="http://schemas.microsoft.com/office/drawing/2014/main" id="{7728128A-B031-9CA7-C037-5A8922FA0F55}"/>
+              </a:ext>
+            </a:extLst>
+          </p:cNvPr>
+          <p:cNvSpPr/>
+          <p:nvPr/>
+        </p:nvSpPr>
+        <p:spPr>
+          <a:xfrm>
+            <a:off x="10424781" y="3058304"/>
+            <a:ext cx="1327948" cy="1231384"/>
+          </a:xfrm>
+          <a:prstGeom prst="rect">
+            <a:avLst/>
+          </a:prstGeom>
+          <a:solidFill>
+            <a:schemeClr val="bg1"/>
+          </a:solidFill>
+          <a:ln w="28575">
+            <a:solidFill>
+              <a:schemeClr val="tx1"/>
+            </a:solidFill>
+          </a:ln>
+        </p:spPr>
+        <p:style>
+          <a:lnRef idx="2">
+            <a:schemeClr val="accent1">
+              <a:shade val="50000"/>
+            </a:schemeClr>
+          </a:lnRef>
+          <a:fillRef idx="1">
+            <a:schemeClr val="accent1"/>
+          </a:fillRef>
+          <a:effectRef idx="0">
+            <a:schemeClr val="accent1"/>
+          </a:effectRef>
+          <a:fontRef idx="minor">
+            <a:schemeClr val="lt1"/>
+          </a:fontRef>
+        </p:style>
+        <p:txBody>
+          <a:bodyPr rtlCol="0" anchor="ctr"/>
+          <a:lstStyle/>
+          <a:p>
+            <a:pPr algn="ctr"/>
+            <a:endParaRPr lang="en-US"/>
+          </a:p>
+        </p:txBody>
+      </p:sp>
+      <p:sp>
+        <p:nvSpPr>
+          <p:cNvPr id="16" name="TextBox 15">
+            <a:extLst>
+              <a:ext uri="{FF2B5EF4-FFF2-40B4-BE49-F238E27FC236}">
+                <a16:creationId xmlns:a16="http://schemas.microsoft.com/office/drawing/2014/main" id="{B83EE927-D281-4CAF-B506-7C862A336184}"/>
+              </a:ext>
+            </a:extLst>
+          </p:cNvPr>
+          <p:cNvSpPr txBox="1"/>
+          <p:nvPr/>
+        </p:nvSpPr>
+        <p:spPr>
+          <a:xfrm>
+            <a:off x="985937" y="2773689"/>
+            <a:ext cx="898003" cy="369332"/>
+          </a:xfrm>
+          <a:prstGeom prst="rect">
+            <a:avLst/>
+          </a:prstGeom>
+          <a:noFill/>
+        </p:spPr>
+        <p:txBody>
+          <a:bodyPr wrap="none" rtlCol="0">
+            <a:spAutoFit/>
+          </a:bodyPr>
+          <a:lstStyle/>
+          <a:p>
+            <a:r>
+              <a:rPr lang="en-US" dirty="0"/>
+              <a:t>(1, 2, 1)</a:t>
+            </a:r>
+          </a:p>
+        </p:txBody>
+      </p:sp>
+      <p:sp>
+        <p:nvSpPr>
+          <p:cNvPr id="17" name="TextBox 16">
+            <a:extLst>
+              <a:ext uri="{FF2B5EF4-FFF2-40B4-BE49-F238E27FC236}">
+                <a16:creationId xmlns:a16="http://schemas.microsoft.com/office/drawing/2014/main" id="{46F62D5E-2F81-A632-748B-D048F0347563}"/>
+              </a:ext>
+            </a:extLst>
+          </p:cNvPr>
+          <p:cNvSpPr txBox="1"/>
+          <p:nvPr/>
+        </p:nvSpPr>
+        <p:spPr>
+          <a:xfrm>
+            <a:off x="2523917" y="2773689"/>
+            <a:ext cx="898003" cy="369332"/>
+          </a:xfrm>
+          <a:prstGeom prst="rect">
+            <a:avLst/>
+          </a:prstGeom>
+          <a:noFill/>
+        </p:spPr>
+        <p:txBody>
+          <a:bodyPr wrap="none" rtlCol="0">
+            <a:spAutoFit/>
+          </a:bodyPr>
+          <a:lstStyle/>
+          <a:p>
+            <a:r>
+              <a:rPr lang="en-US" dirty="0"/>
+              <a:t>(1, 2, 2)</a:t>
+            </a:r>
+          </a:p>
+        </p:txBody>
+      </p:sp>
+      <p:sp>
+        <p:nvSpPr>
+          <p:cNvPr id="18" name="TextBox 17">
+            <a:extLst>
+              <a:ext uri="{FF2B5EF4-FFF2-40B4-BE49-F238E27FC236}">
+                <a16:creationId xmlns:a16="http://schemas.microsoft.com/office/drawing/2014/main" id="{F7852945-7100-3470-BE5A-94A7FA013F4B}"/>
+              </a:ext>
+            </a:extLst>
+          </p:cNvPr>
+          <p:cNvSpPr txBox="1"/>
+          <p:nvPr/>
+        </p:nvSpPr>
+        <p:spPr>
+          <a:xfrm>
+            <a:off x="5852298" y="2058046"/>
+            <a:ext cx="898003" cy="369332"/>
+          </a:xfrm>
+          <a:prstGeom prst="rect">
+            <a:avLst/>
+          </a:prstGeom>
+          <a:noFill/>
+        </p:spPr>
+        <p:txBody>
+          <a:bodyPr wrap="none" rtlCol="0">
+            <a:spAutoFit/>
+          </a:bodyPr>
+          <a:lstStyle/>
+          <a:p>
+            <a:r>
+              <a:rPr lang="en-US" dirty="0"/>
+              <a:t>(2, 1, 1)</a:t>
+            </a:r>
+          </a:p>
+        </p:txBody>
+      </p:sp>
+      <p:sp>
+        <p:nvSpPr>
+          <p:cNvPr id="19" name="TextBox 18">
+            <a:extLst>
+              <a:ext uri="{FF2B5EF4-FFF2-40B4-BE49-F238E27FC236}">
+                <a16:creationId xmlns:a16="http://schemas.microsoft.com/office/drawing/2014/main" id="{D59AC390-C457-3AA5-61B6-2CC5FF62E1B6}"/>
+              </a:ext>
+            </a:extLst>
+          </p:cNvPr>
+          <p:cNvSpPr txBox="1"/>
+          <p:nvPr/>
+        </p:nvSpPr>
+        <p:spPr>
+          <a:xfrm>
+            <a:off x="5852298" y="3441558"/>
+            <a:ext cx="898003" cy="369332"/>
+          </a:xfrm>
+          <a:prstGeom prst="rect">
+            <a:avLst/>
+          </a:prstGeom>
+          <a:noFill/>
+        </p:spPr>
+        <p:txBody>
+          <a:bodyPr wrap="none" rtlCol="0">
+            <a:spAutoFit/>
+          </a:bodyPr>
+          <a:lstStyle/>
+          <a:p>
+            <a:r>
+              <a:rPr lang="en-US" dirty="0"/>
+              <a:t>(2, 1, 2)</a:t>
+            </a:r>
+          </a:p>
+        </p:txBody>
+      </p:sp>
+      <p:sp>
+        <p:nvSpPr>
+          <p:cNvPr id="20" name="TextBox 19">
+            <a:extLst>
+              <a:ext uri="{FF2B5EF4-FFF2-40B4-BE49-F238E27FC236}">
+                <a16:creationId xmlns:a16="http://schemas.microsoft.com/office/drawing/2014/main" id="{8D14A2D6-6ED4-4F1C-997D-568DBCC255BF}"/>
+              </a:ext>
+            </a:extLst>
+          </p:cNvPr>
+          <p:cNvSpPr txBox="1"/>
+          <p:nvPr/>
+        </p:nvSpPr>
+        <p:spPr>
+          <a:xfrm>
+            <a:off x="9101773" y="2058046"/>
+            <a:ext cx="898003" cy="369332"/>
+          </a:xfrm>
+          <a:prstGeom prst="rect">
+            <a:avLst/>
+          </a:prstGeom>
+          <a:noFill/>
+        </p:spPr>
+        <p:txBody>
+          <a:bodyPr wrap="none" rtlCol="0">
+            <a:spAutoFit/>
+          </a:bodyPr>
+          <a:lstStyle/>
+          <a:p>
+            <a:r>
+              <a:rPr lang="en-US" dirty="0"/>
+              <a:t>(2, 2, 1)</a:t>
+            </a:r>
+          </a:p>
+        </p:txBody>
+      </p:sp>
+      <p:sp>
+        <p:nvSpPr>
+          <p:cNvPr id="21" name="TextBox 20">
+            <a:extLst>
+              <a:ext uri="{FF2B5EF4-FFF2-40B4-BE49-F238E27FC236}">
+                <a16:creationId xmlns:a16="http://schemas.microsoft.com/office/drawing/2014/main" id="{0FFAE3DA-69B2-5F53-6975-836785C97F0F}"/>
+              </a:ext>
+            </a:extLst>
+          </p:cNvPr>
+          <p:cNvSpPr txBox="1"/>
+          <p:nvPr/>
+        </p:nvSpPr>
+        <p:spPr>
+          <a:xfrm>
+            <a:off x="10639753" y="2058046"/>
+            <a:ext cx="898003" cy="369332"/>
+          </a:xfrm>
+          <a:prstGeom prst="rect">
+            <a:avLst/>
+          </a:prstGeom>
+          <a:noFill/>
+        </p:spPr>
+        <p:txBody>
+          <a:bodyPr wrap="none" rtlCol="0">
+            <a:spAutoFit/>
+          </a:bodyPr>
+          <a:lstStyle/>
+          <a:p>
+            <a:r>
+              <a:rPr lang="en-US" dirty="0"/>
+              <a:t>(2, 2, 2)</a:t>
+            </a:r>
+          </a:p>
+        </p:txBody>
+      </p:sp>
+      <p:sp>
+        <p:nvSpPr>
+          <p:cNvPr id="22" name="TextBox 21">
+            <a:extLst>
+              <a:ext uri="{FF2B5EF4-FFF2-40B4-BE49-F238E27FC236}">
+                <a16:creationId xmlns:a16="http://schemas.microsoft.com/office/drawing/2014/main" id="{55D55EDE-5581-865F-11CC-E30932678B30}"/>
+              </a:ext>
+            </a:extLst>
+          </p:cNvPr>
+          <p:cNvSpPr txBox="1"/>
+          <p:nvPr/>
+        </p:nvSpPr>
+        <p:spPr>
+          <a:xfrm>
+            <a:off x="9101773" y="3489330"/>
+            <a:ext cx="898003" cy="369332"/>
+          </a:xfrm>
+          <a:prstGeom prst="rect">
+            <a:avLst/>
+          </a:prstGeom>
+          <a:noFill/>
+        </p:spPr>
+        <p:txBody>
+          <a:bodyPr wrap="none" rtlCol="0">
+            <a:spAutoFit/>
+          </a:bodyPr>
+          <a:lstStyle/>
+          <a:p>
+            <a:r>
+              <a:rPr lang="en-US" dirty="0"/>
+              <a:t>(2, 2, 3)</a:t>
+            </a:r>
+          </a:p>
+        </p:txBody>
+      </p:sp>
+      <p:sp>
+        <p:nvSpPr>
+          <p:cNvPr id="23" name="TextBox 22">
+            <a:extLst>
+              <a:ext uri="{FF2B5EF4-FFF2-40B4-BE49-F238E27FC236}">
+                <a16:creationId xmlns:a16="http://schemas.microsoft.com/office/drawing/2014/main" id="{DEBE4F2B-63F8-32B0-026B-1A63F6CD0E55}"/>
+              </a:ext>
+            </a:extLst>
+          </p:cNvPr>
+          <p:cNvSpPr txBox="1"/>
+          <p:nvPr/>
+        </p:nvSpPr>
+        <p:spPr>
+          <a:xfrm>
+            <a:off x="10639752" y="3489330"/>
+            <a:ext cx="898003" cy="369332"/>
+          </a:xfrm>
+          <a:prstGeom prst="rect">
+            <a:avLst/>
+          </a:prstGeom>
+          <a:noFill/>
+        </p:spPr>
+        <p:txBody>
+          <a:bodyPr wrap="none" rtlCol="0">
+            <a:spAutoFit/>
+          </a:bodyPr>
+          <a:lstStyle/>
+          <a:p>
+            <a:r>
+              <a:rPr lang="en-US" dirty="0"/>
+              <a:t>(2, 2, 4)</a:t>
+            </a:r>
+          </a:p>
+        </p:txBody>
+      </p:sp>
+      <p:sp>
+        <p:nvSpPr>
+          <p:cNvPr id="24" name="TextBox 23">
+            <a:extLst>
+              <a:ext uri="{FF2B5EF4-FFF2-40B4-BE49-F238E27FC236}">
+                <a16:creationId xmlns:a16="http://schemas.microsoft.com/office/drawing/2014/main" id="{9BEF7B70-1948-FF30-49E9-F601D026EF5C}"/>
+              </a:ext>
+            </a:extLst>
+          </p:cNvPr>
+          <p:cNvSpPr txBox="1"/>
+          <p:nvPr/>
+        </p:nvSpPr>
+        <p:spPr>
+          <a:xfrm>
+            <a:off x="3590571" y="4676538"/>
+            <a:ext cx="5010859" cy="646331"/>
+          </a:xfrm>
+          <a:prstGeom prst="rect">
+            <a:avLst/>
+          </a:prstGeom>
+          <a:noFill/>
+        </p:spPr>
+        <p:txBody>
+          <a:bodyPr wrap="none" rtlCol="0">
+            <a:spAutoFit/>
+          </a:bodyPr>
+          <a:lstStyle/>
+          <a:p>
+            <a:r>
+              <a:rPr lang="en-US" sz="3600" dirty="0"/>
+              <a:t>subplot(#row, #col, index)</a:t>
+            </a:r>
+          </a:p>
+        </p:txBody>
+      </p:sp>
+    </p:spTree>
+    <p:extLst>
+      <p:ext uri="{BB962C8B-B14F-4D97-AF65-F5344CB8AC3E}">
+        <p14:creationId xmlns:p14="http://schemas.microsoft.com/office/powerpoint/2010/main" val="2594463315"/>
+      </p:ext>
+    </p:extLst>
+  </p:cSld>
+  <p:clrMapOvr>
+    <a:masterClrMapping/>
+  </p:clrMapOvr>
+</p:sld>
+</file>
+
+<file path=ppt/slides/slide12.xml><?xml version="1.0" encoding="utf-8"?>
+<p:sld xmlns:a="http://schemas.openxmlformats.org/drawingml/2006/main" xmlns:r="http://schemas.openxmlformats.org/officeDocument/2006/relationships" xmlns:p="http://schemas.openxmlformats.org/presentationml/2006/main">
+  <p:cSld>
+    <p:spTree>
+      <p:nvGrpSpPr>
+        <p:cNvPr id="1" name=""/>
+        <p:cNvGrpSpPr/>
+        <p:nvPr/>
+      </p:nvGrpSpPr>
+      <p:grpSpPr>
+        <a:xfrm>
+          <a:off x="0" y="0"/>
+          <a:ext cx="0" cy="0"/>
+          <a:chOff x="0" y="0"/>
+          <a:chExt cx="0" cy="0"/>
+        </a:xfrm>
+      </p:grpSpPr>
+      <p:sp>
+        <p:nvSpPr>
+          <p:cNvPr id="11" name="직사각형 10">
+            <a:extLst>
+              <a:ext uri="{FF2B5EF4-FFF2-40B4-BE49-F238E27FC236}">
+                <a16:creationId xmlns:a16="http://schemas.microsoft.com/office/drawing/2014/main" id="{01260FCE-599F-86BB-111B-6D6DCE16881B}"/>
+              </a:ext>
+            </a:extLst>
+          </p:cNvPr>
+          <p:cNvSpPr/>
+          <p:nvPr/>
+        </p:nvSpPr>
+        <p:spPr>
+          <a:xfrm>
+            <a:off x="4558020" y="1627021"/>
+            <a:ext cx="1327948" cy="1231384"/>
+          </a:xfrm>
+          <a:prstGeom prst="rect">
+            <a:avLst/>
+          </a:prstGeom>
+          <a:solidFill>
+            <a:schemeClr val="bg1"/>
+          </a:solidFill>
+          <a:ln w="28575">
+            <a:solidFill>
+              <a:schemeClr val="tx1"/>
+            </a:solidFill>
+          </a:ln>
+        </p:spPr>
+        <p:style>
+          <a:lnRef idx="2">
+            <a:schemeClr val="accent1">
+              <a:shade val="50000"/>
+            </a:schemeClr>
+          </a:lnRef>
+          <a:fillRef idx="1">
+            <a:schemeClr val="accent1"/>
+          </a:fillRef>
+          <a:effectRef idx="0">
+            <a:schemeClr val="accent1"/>
+          </a:effectRef>
+          <a:fontRef idx="minor">
+            <a:schemeClr val="lt1"/>
+          </a:fontRef>
+        </p:style>
+        <p:txBody>
+          <a:bodyPr rtlCol="0" anchor="ctr"/>
+          <a:lstStyle/>
+          <a:p>
+            <a:pPr algn="ctr"/>
+            <a:endParaRPr lang="en-US"/>
+          </a:p>
+        </p:txBody>
+      </p:sp>
+      <p:sp>
+        <p:nvSpPr>
+          <p:cNvPr id="12" name="직사각형 11">
+            <a:extLst>
+              <a:ext uri="{FF2B5EF4-FFF2-40B4-BE49-F238E27FC236}">
+                <a16:creationId xmlns:a16="http://schemas.microsoft.com/office/drawing/2014/main" id="{A2CBE566-90D7-62B5-A7D2-3CB32CB64635}"/>
+              </a:ext>
+            </a:extLst>
+          </p:cNvPr>
+          <p:cNvSpPr/>
+          <p:nvPr/>
+        </p:nvSpPr>
+        <p:spPr>
+          <a:xfrm>
+            <a:off x="6096000" y="1627021"/>
+            <a:ext cx="1327948" cy="1231384"/>
+          </a:xfrm>
+          <a:prstGeom prst="rect">
+            <a:avLst/>
+          </a:prstGeom>
+          <a:solidFill>
+            <a:schemeClr val="bg1"/>
+          </a:solidFill>
+          <a:ln w="28575">
+            <a:solidFill>
+              <a:schemeClr val="tx1"/>
+            </a:solidFill>
+          </a:ln>
+        </p:spPr>
+        <p:style>
+          <a:lnRef idx="2">
+            <a:schemeClr val="accent1">
+              <a:shade val="50000"/>
+            </a:schemeClr>
+          </a:lnRef>
+          <a:fillRef idx="1">
+            <a:schemeClr val="accent1"/>
+          </a:fillRef>
+          <a:effectRef idx="0">
+            <a:schemeClr val="accent1"/>
+          </a:effectRef>
+          <a:fontRef idx="minor">
+            <a:schemeClr val="lt1"/>
+          </a:fontRef>
+        </p:style>
+        <p:txBody>
+          <a:bodyPr rtlCol="0" anchor="ctr"/>
+          <a:lstStyle/>
+          <a:p>
+            <a:pPr algn="ctr"/>
+            <a:endParaRPr lang="en-US"/>
+          </a:p>
+        </p:txBody>
+      </p:sp>
+      <p:sp>
+        <p:nvSpPr>
+          <p:cNvPr id="13" name="직사각형 12">
+            <a:extLst>
+              <a:ext uri="{FF2B5EF4-FFF2-40B4-BE49-F238E27FC236}">
+                <a16:creationId xmlns:a16="http://schemas.microsoft.com/office/drawing/2014/main" id="{13E97DF8-41B3-550F-C20D-CAA78D997AB0}"/>
+              </a:ext>
+            </a:extLst>
+          </p:cNvPr>
+          <p:cNvSpPr/>
+          <p:nvPr/>
+        </p:nvSpPr>
+        <p:spPr>
+          <a:xfrm>
+            <a:off x="4558020" y="3058304"/>
+            <a:ext cx="2865928" cy="1231384"/>
+          </a:xfrm>
+          <a:prstGeom prst="rect">
+            <a:avLst/>
+          </a:prstGeom>
+          <a:solidFill>
+            <a:schemeClr val="bg1"/>
+          </a:solidFill>
+          <a:ln w="28575">
+            <a:solidFill>
+              <a:schemeClr val="tx1"/>
+            </a:solidFill>
+          </a:ln>
+        </p:spPr>
+        <p:style>
+          <a:lnRef idx="2">
+            <a:schemeClr val="accent1">
+              <a:shade val="50000"/>
+            </a:schemeClr>
+          </a:lnRef>
+          <a:fillRef idx="1">
+            <a:schemeClr val="accent1"/>
+          </a:fillRef>
+          <a:effectRef idx="0">
+            <a:schemeClr val="accent1"/>
+          </a:effectRef>
+          <a:fontRef idx="minor">
+            <a:schemeClr val="lt1"/>
+          </a:fontRef>
+        </p:style>
+        <p:txBody>
+          <a:bodyPr rtlCol="0" anchor="ctr"/>
+          <a:lstStyle/>
+          <a:p>
+            <a:pPr algn="ctr"/>
+            <a:endParaRPr lang="en-US"/>
+          </a:p>
+        </p:txBody>
+      </p:sp>
+      <p:sp>
+        <p:nvSpPr>
+          <p:cNvPr id="20" name="TextBox 19">
+            <a:extLst>
+              <a:ext uri="{FF2B5EF4-FFF2-40B4-BE49-F238E27FC236}">
+                <a16:creationId xmlns:a16="http://schemas.microsoft.com/office/drawing/2014/main" id="{8D14A2D6-6ED4-4F1C-997D-568DBCC255BF}"/>
+              </a:ext>
+            </a:extLst>
+          </p:cNvPr>
+          <p:cNvSpPr txBox="1"/>
+          <p:nvPr/>
+        </p:nvSpPr>
+        <p:spPr>
+          <a:xfrm>
+            <a:off x="4772992" y="2058046"/>
+            <a:ext cx="898003" cy="369332"/>
+          </a:xfrm>
+          <a:prstGeom prst="rect">
+            <a:avLst/>
+          </a:prstGeom>
+          <a:noFill/>
+        </p:spPr>
+        <p:txBody>
+          <a:bodyPr wrap="none" rtlCol="0">
+            <a:spAutoFit/>
+          </a:bodyPr>
+          <a:lstStyle/>
+          <a:p>
+            <a:r>
+              <a:rPr lang="en-US" dirty="0"/>
+              <a:t>(2, 2, 1)</a:t>
+            </a:r>
+          </a:p>
+        </p:txBody>
+      </p:sp>
+      <p:sp>
+        <p:nvSpPr>
+          <p:cNvPr id="21" name="TextBox 20">
+            <a:extLst>
+              <a:ext uri="{FF2B5EF4-FFF2-40B4-BE49-F238E27FC236}">
+                <a16:creationId xmlns:a16="http://schemas.microsoft.com/office/drawing/2014/main" id="{0FFAE3DA-69B2-5F53-6975-836785C97F0F}"/>
+              </a:ext>
+            </a:extLst>
+          </p:cNvPr>
+          <p:cNvSpPr txBox="1"/>
+          <p:nvPr/>
+        </p:nvSpPr>
+        <p:spPr>
+          <a:xfrm>
+            <a:off x="6310972" y="2058046"/>
+            <a:ext cx="898003" cy="369332"/>
+          </a:xfrm>
+          <a:prstGeom prst="rect">
+            <a:avLst/>
+          </a:prstGeom>
+          <a:noFill/>
+        </p:spPr>
+        <p:txBody>
+          <a:bodyPr wrap="none" rtlCol="0">
+            <a:spAutoFit/>
+          </a:bodyPr>
+          <a:lstStyle/>
+          <a:p>
+            <a:r>
+              <a:rPr lang="en-US" dirty="0"/>
+              <a:t>(2, 2, 2)</a:t>
+            </a:r>
+          </a:p>
+        </p:txBody>
+      </p:sp>
+      <p:sp>
+        <p:nvSpPr>
+          <p:cNvPr id="22" name="TextBox 21">
+            <a:extLst>
+              <a:ext uri="{FF2B5EF4-FFF2-40B4-BE49-F238E27FC236}">
+                <a16:creationId xmlns:a16="http://schemas.microsoft.com/office/drawing/2014/main" id="{55D55EDE-5581-865F-11CC-E30932678B30}"/>
+              </a:ext>
+            </a:extLst>
+          </p:cNvPr>
+          <p:cNvSpPr txBox="1"/>
+          <p:nvPr/>
+        </p:nvSpPr>
+        <p:spPr>
+          <a:xfrm>
+            <a:off x="5357637" y="3489330"/>
+            <a:ext cx="1266693" cy="369332"/>
+          </a:xfrm>
+          <a:prstGeom prst="rect">
+            <a:avLst/>
+          </a:prstGeom>
+          <a:noFill/>
+        </p:spPr>
+        <p:txBody>
+          <a:bodyPr wrap="none" rtlCol="0">
+            <a:spAutoFit/>
+          </a:bodyPr>
+          <a:lstStyle/>
+          <a:p>
+            <a:r>
+              <a:rPr lang="en-US" dirty="0"/>
+              <a:t>(2, 2, [3, 4])</a:t>
+            </a:r>
+          </a:p>
+        </p:txBody>
+      </p:sp>
+    </p:spTree>
+    <p:extLst>
+      <p:ext uri="{BB962C8B-B14F-4D97-AF65-F5344CB8AC3E}">
+        <p14:creationId xmlns:p14="http://schemas.microsoft.com/office/powerpoint/2010/main" val="825787000"/>
+      </p:ext>
+    </p:extLst>
+  </p:cSld>
+  <p:clrMapOvr>
+    <a:masterClrMapping/>
+  </p:clrMapOvr>
+</p:sld>
+</file>
+
+<file path=ppt/slides/slide13.xml><?xml version="1.0" encoding="utf-8"?>
+<p:sld xmlns:a="http://schemas.openxmlformats.org/drawingml/2006/main" xmlns:r="http://schemas.openxmlformats.org/officeDocument/2006/relationships" xmlns:p="http://schemas.openxmlformats.org/presentationml/2006/main">
+  <p:cSld>
+    <p:spTree>
+      <p:nvGrpSpPr>
+        <p:cNvPr id="1" name=""/>
+        <p:cNvGrpSpPr/>
+        <p:nvPr/>
+      </p:nvGrpSpPr>
+      <p:grpSpPr>
+        <a:xfrm>
+          <a:off x="0" y="0"/>
+          <a:ext cx="0" cy="0"/>
+          <a:chOff x="0" y="0"/>
+          <a:chExt cx="0" cy="0"/>
+        </a:xfrm>
+      </p:grpSpPr>
+      <p:pic>
+        <p:nvPicPr>
+          <p:cNvPr id="3" name="그림 2">
+            <a:extLst>
+              <a:ext uri="{FF2B5EF4-FFF2-40B4-BE49-F238E27FC236}">
+                <a16:creationId xmlns:a16="http://schemas.microsoft.com/office/drawing/2014/main" id="{A12D644C-B28A-F7AF-2A6D-C1C72A9DE3DF}"/>
+              </a:ext>
+            </a:extLst>
+          </p:cNvPr>
+          <p:cNvPicPr>
+            <a:picLocks noChangeAspect="1"/>
+          </p:cNvPicPr>
+          <p:nvPr/>
+        </p:nvPicPr>
+        <p:blipFill>
+          <a:blip r:embed="rId2"/>
+          <a:stretch>
+            <a:fillRect/>
+          </a:stretch>
+        </p:blipFill>
+        <p:spPr>
+          <a:xfrm>
+            <a:off x="3429000" y="1428750"/>
+            <a:ext cx="5334000" cy="4000500"/>
+          </a:xfrm>
+          <a:prstGeom prst="rect">
+            <a:avLst/>
+          </a:prstGeom>
+        </p:spPr>
+      </p:pic>
+    </p:spTree>
+    <p:extLst>
+      <p:ext uri="{BB962C8B-B14F-4D97-AF65-F5344CB8AC3E}">
+        <p14:creationId xmlns:p14="http://schemas.microsoft.com/office/powerpoint/2010/main" val="1309166168"/>
+      </p:ext>
+    </p:extLst>
+  </p:cSld>
+  <p:clrMapOvr>
+    <a:masterClrMapping/>
+  </p:clrMapOvr>
+</p:sld>
+</file>
+
+<file path=ppt/slides/slide14.xml><?xml version="1.0" encoding="utf-8"?>
+<p:sld xmlns:a="http://schemas.openxmlformats.org/drawingml/2006/main" xmlns:r="http://schemas.openxmlformats.org/officeDocument/2006/relationships" xmlns:p="http://schemas.openxmlformats.org/presentationml/2006/main">
+  <p:cSld>
+    <p:spTree>
+      <p:nvGrpSpPr>
+        <p:cNvPr id="1" name=""/>
+        <p:cNvGrpSpPr/>
+        <p:nvPr/>
+      </p:nvGrpSpPr>
+      <p:grpSpPr>
+        <a:xfrm>
+          <a:off x="0" y="0"/>
+          <a:ext cx="0" cy="0"/>
+          <a:chOff x="0" y="0"/>
+          <a:chExt cx="0" cy="0"/>
+        </a:xfrm>
+      </p:grpSpPr>
+      <p:pic>
+        <p:nvPicPr>
+          <p:cNvPr id="3" name="그림 2">
+            <a:extLst>
+              <a:ext uri="{FF2B5EF4-FFF2-40B4-BE49-F238E27FC236}">
+                <a16:creationId xmlns:a16="http://schemas.microsoft.com/office/drawing/2014/main" id="{577F5127-D3D2-7F74-8CEA-42F45F2608E9}"/>
+              </a:ext>
+            </a:extLst>
+          </p:cNvPr>
+          <p:cNvPicPr>
+            <a:picLocks noChangeAspect="1"/>
+          </p:cNvPicPr>
+          <p:nvPr/>
+        </p:nvPicPr>
+        <p:blipFill>
+          <a:blip r:embed="rId2"/>
+          <a:stretch>
+            <a:fillRect/>
+          </a:stretch>
+        </p:blipFill>
+        <p:spPr>
+          <a:xfrm>
+            <a:off x="2110962" y="1794842"/>
+            <a:ext cx="3622868" cy="3268316"/>
+          </a:xfrm>
+          <a:prstGeom prst="rect">
+            <a:avLst/>
+          </a:prstGeom>
+        </p:spPr>
+      </p:pic>
+      <p:pic>
+        <p:nvPicPr>
+          <p:cNvPr id="5" name="그림 4">
+            <a:extLst>
+              <a:ext uri="{FF2B5EF4-FFF2-40B4-BE49-F238E27FC236}">
+                <a16:creationId xmlns:a16="http://schemas.microsoft.com/office/drawing/2014/main" id="{3FD76249-4E02-7129-2A5D-6ED5C54995C9}"/>
+              </a:ext>
+            </a:extLst>
+          </p:cNvPr>
+          <p:cNvPicPr>
+            <a:picLocks noChangeAspect="1"/>
+          </p:cNvPicPr>
+          <p:nvPr/>
+        </p:nvPicPr>
+        <p:blipFill>
+          <a:blip r:embed="rId3"/>
+          <a:stretch>
+            <a:fillRect/>
+          </a:stretch>
+        </p:blipFill>
+        <p:spPr>
+          <a:xfrm>
+            <a:off x="6614826" y="1794842"/>
+            <a:ext cx="3622868" cy="3268316"/>
+          </a:xfrm>
+          <a:prstGeom prst="rect">
+            <a:avLst/>
+          </a:prstGeom>
+        </p:spPr>
+      </p:pic>
+      <p:sp>
+        <p:nvSpPr>
+          <p:cNvPr id="8" name="TextBox 7">
+            <a:extLst>
+              <a:ext uri="{FF2B5EF4-FFF2-40B4-BE49-F238E27FC236}">
+                <a16:creationId xmlns:a16="http://schemas.microsoft.com/office/drawing/2014/main" id="{63AC7FD8-F9F2-3BF3-74A7-8593C2BAC36F}"/>
+              </a:ext>
+            </a:extLst>
+          </p:cNvPr>
+          <p:cNvSpPr txBox="1"/>
+          <p:nvPr/>
+        </p:nvSpPr>
+        <p:spPr>
+          <a:xfrm>
+            <a:off x="7530598" y="1210067"/>
+            <a:ext cx="1791324" cy="584775"/>
+          </a:xfrm>
+          <a:prstGeom prst="rect">
+            <a:avLst/>
+          </a:prstGeom>
+          <a:noFill/>
+        </p:spPr>
+        <p:txBody>
+          <a:bodyPr wrap="none" rtlCol="0">
+            <a:spAutoFit/>
+          </a:bodyPr>
+          <a:lstStyle/>
+          <a:p>
+            <a:pPr algn="ctr"/>
+            <a:r>
+              <a:rPr lang="en-US" sz="3200" dirty="0"/>
+              <a:t>axis </a:t>
+            </a:r>
+            <a:r>
+              <a:rPr lang="en-US" sz="3200" dirty="0">
+                <a:solidFill>
+                  <a:srgbClr val="CB68F9"/>
+                </a:solidFill>
+              </a:rPr>
+              <a:t>tight</a:t>
+            </a:r>
+            <a:r>
+              <a:rPr lang="en-US" sz="3200" dirty="0"/>
+              <a:t>;</a:t>
+            </a:r>
+          </a:p>
+        </p:txBody>
+      </p:sp>
+      <p:sp>
+        <p:nvSpPr>
+          <p:cNvPr id="11" name="타원 10">
+            <a:extLst>
+              <a:ext uri="{FF2B5EF4-FFF2-40B4-BE49-F238E27FC236}">
+                <a16:creationId xmlns:a16="http://schemas.microsoft.com/office/drawing/2014/main" id="{DE214EA5-B473-1E19-9121-82654556B363}"/>
+              </a:ext>
+            </a:extLst>
+          </p:cNvPr>
+          <p:cNvSpPr/>
+          <p:nvPr/>
+        </p:nvSpPr>
+        <p:spPr>
+          <a:xfrm>
+            <a:off x="4867835" y="3307976"/>
+            <a:ext cx="749454" cy="749454"/>
+          </a:xfrm>
+          <a:prstGeom prst="ellipse">
+            <a:avLst/>
+          </a:prstGeom>
+          <a:noFill/>
+          <a:ln w="28575">
+            <a:solidFill>
+              <a:srgbClr val="FF0000"/>
+            </a:solidFill>
+            <a:prstDash val="sysDot"/>
+          </a:ln>
+        </p:spPr>
+        <p:style>
+          <a:lnRef idx="2">
+            <a:schemeClr val="accent1">
+              <a:shade val="50000"/>
+            </a:schemeClr>
+          </a:lnRef>
+          <a:fillRef idx="1">
+            <a:schemeClr val="accent1"/>
+          </a:fillRef>
+          <a:effectRef idx="0">
+            <a:schemeClr val="accent1"/>
+          </a:effectRef>
+          <a:fontRef idx="minor">
+            <a:schemeClr val="lt1"/>
+          </a:fontRef>
+        </p:style>
+        <p:txBody>
+          <a:bodyPr rtlCol="0" anchor="ctr"/>
+          <a:lstStyle/>
+          <a:p>
+            <a:pPr algn="ctr"/>
+            <a:endParaRPr lang="en-US"/>
+          </a:p>
+        </p:txBody>
+      </p:sp>
+      <p:sp>
+        <p:nvSpPr>
+          <p:cNvPr id="12" name="타원 11">
+            <a:extLst>
+              <a:ext uri="{FF2B5EF4-FFF2-40B4-BE49-F238E27FC236}">
+                <a16:creationId xmlns:a16="http://schemas.microsoft.com/office/drawing/2014/main" id="{50FE5134-F835-C504-CB5C-A9A3AB6DD911}"/>
+              </a:ext>
+            </a:extLst>
+          </p:cNvPr>
+          <p:cNvSpPr/>
+          <p:nvPr/>
+        </p:nvSpPr>
+        <p:spPr>
+          <a:xfrm>
+            <a:off x="2110962" y="2304819"/>
+            <a:ext cx="749454" cy="749454"/>
+          </a:xfrm>
+          <a:prstGeom prst="ellipse">
+            <a:avLst/>
+          </a:prstGeom>
+          <a:noFill/>
+          <a:ln w="28575">
+            <a:solidFill>
+              <a:srgbClr val="FF0000"/>
+            </a:solidFill>
+            <a:prstDash val="sysDot"/>
+          </a:ln>
+        </p:spPr>
+        <p:style>
+          <a:lnRef idx="2">
+            <a:schemeClr val="accent1">
+              <a:shade val="50000"/>
+            </a:schemeClr>
+          </a:lnRef>
+          <a:fillRef idx="1">
+            <a:schemeClr val="accent1"/>
+          </a:fillRef>
+          <a:effectRef idx="0">
+            <a:schemeClr val="accent1"/>
+          </a:effectRef>
+          <a:fontRef idx="minor">
+            <a:schemeClr val="lt1"/>
+          </a:fontRef>
+        </p:style>
+        <p:txBody>
+          <a:bodyPr rtlCol="0" anchor="ctr"/>
+          <a:lstStyle/>
+          <a:p>
+            <a:pPr algn="ctr"/>
+            <a:endParaRPr lang="en-US"/>
+          </a:p>
+        </p:txBody>
+      </p:sp>
+      <p:sp>
+        <p:nvSpPr>
+          <p:cNvPr id="13" name="타원 12">
+            <a:extLst>
+              <a:ext uri="{FF2B5EF4-FFF2-40B4-BE49-F238E27FC236}">
+                <a16:creationId xmlns:a16="http://schemas.microsoft.com/office/drawing/2014/main" id="{BAEADD75-1DCD-33D1-C8DD-F0D7AA33E93A}"/>
+              </a:ext>
+            </a:extLst>
+          </p:cNvPr>
+          <p:cNvSpPr/>
+          <p:nvPr/>
+        </p:nvSpPr>
+        <p:spPr>
+          <a:xfrm>
+            <a:off x="2110962" y="4313704"/>
+            <a:ext cx="749454" cy="749454"/>
+          </a:xfrm>
+          <a:prstGeom prst="ellipse">
+            <a:avLst/>
+          </a:prstGeom>
+          <a:noFill/>
+          <a:ln w="28575">
+            <a:solidFill>
+              <a:srgbClr val="FF0000"/>
+            </a:solidFill>
+            <a:prstDash val="sysDot"/>
+          </a:ln>
+        </p:spPr>
+        <p:style>
+          <a:lnRef idx="2">
+            <a:schemeClr val="accent1">
+              <a:shade val="50000"/>
+            </a:schemeClr>
+          </a:lnRef>
+          <a:fillRef idx="1">
+            <a:schemeClr val="accent1"/>
+          </a:fillRef>
+          <a:effectRef idx="0">
+            <a:schemeClr val="accent1"/>
+          </a:effectRef>
+          <a:fontRef idx="minor">
+            <a:schemeClr val="lt1"/>
+          </a:fontRef>
+        </p:style>
+        <p:txBody>
+          <a:bodyPr rtlCol="0" anchor="ctr"/>
+          <a:lstStyle/>
+          <a:p>
+            <a:pPr algn="ctr"/>
+            <a:endParaRPr lang="en-US"/>
+          </a:p>
+        </p:txBody>
+      </p:sp>
+    </p:spTree>
+    <p:extLst>
+      <p:ext uri="{BB962C8B-B14F-4D97-AF65-F5344CB8AC3E}">
+        <p14:creationId xmlns:p14="http://schemas.microsoft.com/office/powerpoint/2010/main" val="936745486"/>
+      </p:ext>
+    </p:extLst>
+  </p:cSld>
+  <p:clrMapOvr>
+    <a:masterClrMapping/>
+  </p:clrMapOvr>
+</p:sld>
+</file>
+
+<file path=ppt/slides/slide15.xml><?xml version="1.0" encoding="utf-8"?>
+<p:sld xmlns:a="http://schemas.openxmlformats.org/drawingml/2006/main" xmlns:r="http://schemas.openxmlformats.org/officeDocument/2006/relationships" xmlns:p="http://schemas.openxmlformats.org/presentationml/2006/main">
+  <p:cSld>
+    <p:spTree>
+      <p:nvGrpSpPr>
+        <p:cNvPr id="1" name=""/>
+        <p:cNvGrpSpPr/>
+        <p:nvPr/>
+      </p:nvGrpSpPr>
+      <p:grpSpPr>
+        <a:xfrm>
+          <a:off x="0" y="0"/>
+          <a:ext cx="0" cy="0"/>
+          <a:chOff x="0" y="0"/>
+          <a:chExt cx="0" cy="0"/>
+        </a:xfrm>
+      </p:grpSpPr>
+      <p:sp>
+        <p:nvSpPr>
+          <p:cNvPr id="6" name="TextBox 5">
+            <a:extLst>
+              <a:ext uri="{FF2B5EF4-FFF2-40B4-BE49-F238E27FC236}">
+                <a16:creationId xmlns:a16="http://schemas.microsoft.com/office/drawing/2014/main" id="{B3CF5386-EF7B-A4AF-7D68-20A9EEA3B3C3}"/>
+              </a:ext>
+            </a:extLst>
+          </p:cNvPr>
+          <p:cNvSpPr txBox="1"/>
+          <p:nvPr/>
+        </p:nvSpPr>
+        <p:spPr>
+          <a:xfrm>
+            <a:off x="7454968" y="1210067"/>
+            <a:ext cx="1942583" cy="584775"/>
+          </a:xfrm>
+          <a:prstGeom prst="rect">
+            <a:avLst/>
+          </a:prstGeom>
+          <a:noFill/>
+        </p:spPr>
+        <p:txBody>
+          <a:bodyPr wrap="none" rtlCol="0">
+            <a:spAutoFit/>
+          </a:bodyPr>
+          <a:lstStyle/>
+          <a:p>
+            <a:pPr algn="ctr"/>
+            <a:r>
+              <a:rPr lang="en-US" sz="3200" dirty="0"/>
+              <a:t>axis </a:t>
+            </a:r>
+            <a:r>
+              <a:rPr lang="en-US" sz="3200" dirty="0">
+                <a:solidFill>
+                  <a:srgbClr val="CB68F9"/>
+                </a:solidFill>
+              </a:rPr>
+              <a:t>equal</a:t>
+            </a:r>
+            <a:r>
+              <a:rPr lang="en-US" sz="3200" dirty="0"/>
+              <a:t>;</a:t>
+            </a:r>
+          </a:p>
+        </p:txBody>
+      </p:sp>
+      <p:pic>
+        <p:nvPicPr>
+          <p:cNvPr id="7" name="그림 6">
+            <a:extLst>
+              <a:ext uri="{FF2B5EF4-FFF2-40B4-BE49-F238E27FC236}">
+                <a16:creationId xmlns:a16="http://schemas.microsoft.com/office/drawing/2014/main" id="{7E5CE028-5FD5-F84D-8A8C-82501195AE1D}"/>
+              </a:ext>
+            </a:extLst>
+          </p:cNvPr>
+          <p:cNvPicPr>
+            <a:picLocks noChangeAspect="1"/>
+          </p:cNvPicPr>
+          <p:nvPr/>
+        </p:nvPicPr>
+        <p:blipFill>
+          <a:blip r:embed="rId2"/>
+          <a:stretch>
+            <a:fillRect/>
+          </a:stretch>
+        </p:blipFill>
+        <p:spPr>
+          <a:xfrm>
+            <a:off x="2110962" y="1794842"/>
+            <a:ext cx="3622868" cy="3268316"/>
+          </a:xfrm>
+          <a:prstGeom prst="rect">
+            <a:avLst/>
+          </a:prstGeom>
+        </p:spPr>
+      </p:pic>
+      <p:pic>
+        <p:nvPicPr>
+          <p:cNvPr id="8" name="그림 7">
+            <a:extLst>
+              <a:ext uri="{FF2B5EF4-FFF2-40B4-BE49-F238E27FC236}">
+                <a16:creationId xmlns:a16="http://schemas.microsoft.com/office/drawing/2014/main" id="{32C6E9E3-29BD-5E11-F79F-F2EDB1CDD407}"/>
+              </a:ext>
+            </a:extLst>
+          </p:cNvPr>
+          <p:cNvPicPr>
+            <a:picLocks noChangeAspect="1"/>
+          </p:cNvPicPr>
+          <p:nvPr/>
+        </p:nvPicPr>
+        <p:blipFill>
+          <a:blip r:embed="rId3"/>
+          <a:stretch>
+            <a:fillRect/>
+          </a:stretch>
+        </p:blipFill>
+        <p:spPr>
+          <a:xfrm>
+            <a:off x="6614826" y="1794842"/>
+            <a:ext cx="3622868" cy="3268316"/>
+          </a:xfrm>
+          <a:prstGeom prst="rect">
+            <a:avLst/>
+          </a:prstGeom>
+        </p:spPr>
+      </p:pic>
+    </p:spTree>
+    <p:extLst>
+      <p:ext uri="{BB962C8B-B14F-4D97-AF65-F5344CB8AC3E}">
+        <p14:creationId xmlns:p14="http://schemas.microsoft.com/office/powerpoint/2010/main" val="216883250"/>
+      </p:ext>
+    </p:extLst>
+  </p:cSld>
+  <p:clrMapOvr>
+    <a:masterClrMapping/>
+  </p:clrMapOvr>
+</p:sld>
+</file>
+
+<file path=ppt/slides/slide16.xml><?xml version="1.0" encoding="utf-8"?>
+<p:sld xmlns:a="http://schemas.openxmlformats.org/drawingml/2006/main" xmlns:r="http://schemas.openxmlformats.org/officeDocument/2006/relationships" xmlns:p="http://schemas.openxmlformats.org/presentationml/2006/main">
+  <p:cSld>
+    <p:spTree>
+      <p:nvGrpSpPr>
+        <p:cNvPr id="1" name=""/>
+        <p:cNvGrpSpPr/>
+        <p:nvPr/>
+      </p:nvGrpSpPr>
+      <p:grpSpPr>
+        <a:xfrm>
+          <a:off x="0" y="0"/>
+          <a:ext cx="0" cy="0"/>
+          <a:chOff x="0" y="0"/>
+          <a:chExt cx="0" cy="0"/>
+        </a:xfrm>
+      </p:grpSpPr>
+      <p:pic>
+        <p:nvPicPr>
+          <p:cNvPr id="3" name="그림 2">
+            <a:extLst>
+              <a:ext uri="{FF2B5EF4-FFF2-40B4-BE49-F238E27FC236}">
+                <a16:creationId xmlns:a16="http://schemas.microsoft.com/office/drawing/2014/main" id="{2128F9ED-3F43-0FAF-CDC4-A67D18F14F72}"/>
+              </a:ext>
+            </a:extLst>
+          </p:cNvPr>
+          <p:cNvPicPr>
+            <a:picLocks noChangeAspect="1"/>
+          </p:cNvPicPr>
+          <p:nvPr/>
+        </p:nvPicPr>
+        <p:blipFill>
+          <a:blip r:embed="rId2"/>
+          <a:stretch>
+            <a:fillRect/>
+          </a:stretch>
+        </p:blipFill>
+        <p:spPr>
+          <a:xfrm>
+            <a:off x="2124634" y="1752848"/>
+            <a:ext cx="3450386" cy="3112714"/>
+          </a:xfrm>
+          <a:prstGeom prst="rect">
+            <a:avLst/>
+          </a:prstGeom>
+        </p:spPr>
+      </p:pic>
+      <p:pic>
+        <p:nvPicPr>
+          <p:cNvPr id="5" name="그림 4">
+            <a:extLst>
+              <a:ext uri="{FF2B5EF4-FFF2-40B4-BE49-F238E27FC236}">
+                <a16:creationId xmlns:a16="http://schemas.microsoft.com/office/drawing/2014/main" id="{2C8B7A89-8BFC-9B70-3F40-D57DF8D42BD5}"/>
+              </a:ext>
+            </a:extLst>
+          </p:cNvPr>
+          <p:cNvPicPr>
+            <a:picLocks noChangeAspect="1"/>
+          </p:cNvPicPr>
+          <p:nvPr/>
+        </p:nvPicPr>
+        <p:blipFill>
+          <a:blip r:embed="rId3"/>
+          <a:stretch>
+            <a:fillRect/>
+          </a:stretch>
+        </p:blipFill>
+        <p:spPr>
+          <a:xfrm>
+            <a:off x="6616980" y="1752848"/>
+            <a:ext cx="3450386" cy="3112714"/>
+          </a:xfrm>
+          <a:prstGeom prst="rect">
+            <a:avLst/>
+          </a:prstGeom>
+        </p:spPr>
+      </p:pic>
+      <p:sp>
+        <p:nvSpPr>
+          <p:cNvPr id="8" name="TextBox 7">
+            <a:extLst>
+              <a:ext uri="{FF2B5EF4-FFF2-40B4-BE49-F238E27FC236}">
+                <a16:creationId xmlns:a16="http://schemas.microsoft.com/office/drawing/2014/main" id="{F18A7A09-D15E-BB44-7017-6B0BFB1438B5}"/>
+              </a:ext>
+            </a:extLst>
+          </p:cNvPr>
+          <p:cNvSpPr txBox="1"/>
+          <p:nvPr/>
+        </p:nvSpPr>
+        <p:spPr>
+          <a:xfrm>
+            <a:off x="3509029" y="1273389"/>
+            <a:ext cx="681597" cy="461665"/>
+          </a:xfrm>
+          <a:prstGeom prst="rect">
+            <a:avLst/>
+          </a:prstGeom>
+          <a:noFill/>
+        </p:spPr>
+        <p:txBody>
+          <a:bodyPr wrap="none" rtlCol="0">
+            <a:spAutoFit/>
+          </a:bodyPr>
+          <a:lstStyle/>
+          <a:p>
+            <a:pPr algn="ctr"/>
+            <a:r>
+              <a:rPr lang="en-US" sz="2400" dirty="0"/>
+              <a:t>plot</a:t>
+            </a:r>
+          </a:p>
+        </p:txBody>
+      </p:sp>
+      <p:sp>
+        <p:nvSpPr>
+          <p:cNvPr id="9" name="TextBox 8">
+            <a:extLst>
+              <a:ext uri="{FF2B5EF4-FFF2-40B4-BE49-F238E27FC236}">
+                <a16:creationId xmlns:a16="http://schemas.microsoft.com/office/drawing/2014/main" id="{006CE444-9C36-938F-F869-E55E396377D0}"/>
+              </a:ext>
+            </a:extLst>
+          </p:cNvPr>
+          <p:cNvSpPr txBox="1"/>
+          <p:nvPr/>
+        </p:nvSpPr>
+        <p:spPr>
+          <a:xfrm>
+            <a:off x="7954086" y="1273389"/>
+            <a:ext cx="776174" cy="461665"/>
+          </a:xfrm>
+          <a:prstGeom prst="rect">
+            <a:avLst/>
+          </a:prstGeom>
+          <a:noFill/>
+        </p:spPr>
+        <p:txBody>
+          <a:bodyPr wrap="none" rtlCol="0">
+            <a:spAutoFit/>
+          </a:bodyPr>
+          <a:lstStyle/>
+          <a:p>
+            <a:pPr algn="ctr"/>
+            <a:r>
+              <a:rPr lang="en-US" sz="2400" dirty="0"/>
+              <a:t>fplot</a:t>
+            </a:r>
+          </a:p>
+        </p:txBody>
+      </p:sp>
+    </p:spTree>
+    <p:extLst>
+      <p:ext uri="{BB962C8B-B14F-4D97-AF65-F5344CB8AC3E}">
+        <p14:creationId xmlns:p14="http://schemas.microsoft.com/office/powerpoint/2010/main" val="3305200901"/>
+      </p:ext>
+    </p:extLst>
+  </p:cSld>
+  <p:clrMapOvr>
+    <a:masterClrMapping/>
+  </p:clrMapOvr>
+</p:sld>
+</file>
+
+<file path=ppt/slides/slide17.xml><?xml version="1.0" encoding="utf-8"?>
+<p:sld xmlns:a="http://schemas.openxmlformats.org/drawingml/2006/main" xmlns:r="http://schemas.openxmlformats.org/officeDocument/2006/relationships" xmlns:p="http://schemas.openxmlformats.org/presentationml/2006/main">
+  <p:cSld>
+    <p:spTree>
+      <p:nvGrpSpPr>
+        <p:cNvPr id="1" name=""/>
+        <p:cNvGrpSpPr/>
+        <p:nvPr/>
+      </p:nvGrpSpPr>
+      <p:grpSpPr>
+        <a:xfrm>
+          <a:off x="0" y="0"/>
+          <a:ext cx="0" cy="0"/>
+          <a:chOff x="0" y="0"/>
+          <a:chExt cx="0" cy="0"/>
+        </a:xfrm>
+      </p:grpSpPr>
+      <p:pic>
+        <p:nvPicPr>
+          <p:cNvPr id="6" name="그림 5">
+            <a:extLst>
+              <a:ext uri="{FF2B5EF4-FFF2-40B4-BE49-F238E27FC236}">
+                <a16:creationId xmlns:a16="http://schemas.microsoft.com/office/drawing/2014/main" id="{B157BEDA-050F-F976-17D6-AE44FA3C907F}"/>
+              </a:ext>
+            </a:extLst>
+          </p:cNvPr>
+          <p:cNvPicPr>
+            <a:picLocks noChangeAspect="1"/>
+          </p:cNvPicPr>
+          <p:nvPr/>
+        </p:nvPicPr>
+        <p:blipFill>
+          <a:blip r:embed="rId2"/>
+          <a:stretch>
+            <a:fillRect/>
+          </a:stretch>
+        </p:blipFill>
+        <p:spPr>
+          <a:xfrm>
+            <a:off x="2124635" y="1752849"/>
+            <a:ext cx="3450386" cy="3112714"/>
+          </a:xfrm>
+          <a:prstGeom prst="rect">
+            <a:avLst/>
+          </a:prstGeom>
+        </p:spPr>
+      </p:pic>
+      <p:pic>
+        <p:nvPicPr>
+          <p:cNvPr id="7" name="그림 6">
+            <a:extLst>
+              <a:ext uri="{FF2B5EF4-FFF2-40B4-BE49-F238E27FC236}">
+                <a16:creationId xmlns:a16="http://schemas.microsoft.com/office/drawing/2014/main" id="{ED4DCB07-8936-2DCF-D464-1CBE376C65BF}"/>
+              </a:ext>
+            </a:extLst>
+          </p:cNvPr>
+          <p:cNvPicPr>
+            <a:picLocks noChangeAspect="1"/>
+          </p:cNvPicPr>
+          <p:nvPr/>
+        </p:nvPicPr>
+        <p:blipFill>
+          <a:blip r:embed="rId3"/>
+          <a:stretch>
+            <a:fillRect/>
+          </a:stretch>
+        </p:blipFill>
+        <p:spPr>
+          <a:xfrm>
+            <a:off x="6616979" y="1752849"/>
+            <a:ext cx="3450386" cy="3112714"/>
+          </a:xfrm>
+          <a:prstGeom prst="rect">
+            <a:avLst/>
+          </a:prstGeom>
+        </p:spPr>
+      </p:pic>
+      <p:sp>
+        <p:nvSpPr>
+          <p:cNvPr id="8" name="TextBox 7">
+            <a:extLst>
+              <a:ext uri="{FF2B5EF4-FFF2-40B4-BE49-F238E27FC236}">
+                <a16:creationId xmlns:a16="http://schemas.microsoft.com/office/drawing/2014/main" id="{09096EE2-84E7-B53D-387D-EF88807623BD}"/>
+              </a:ext>
+            </a:extLst>
+          </p:cNvPr>
+          <p:cNvSpPr txBox="1"/>
+          <p:nvPr/>
+        </p:nvSpPr>
+        <p:spPr>
+          <a:xfrm>
+            <a:off x="2701120" y="1273389"/>
+            <a:ext cx="2297424" cy="461665"/>
+          </a:xfrm>
+          <a:prstGeom prst="rect">
+            <a:avLst/>
+          </a:prstGeom>
+          <a:noFill/>
+        </p:spPr>
+        <p:txBody>
+          <a:bodyPr wrap="none" rtlCol="0">
+            <a:spAutoFit/>
+          </a:bodyPr>
+          <a:lstStyle/>
+          <a:p>
+            <a:pPr algn="ctr"/>
+            <a:r>
+              <a:rPr lang="en-US" sz="2400" dirty="0"/>
+              <a:t>fplot(@(x) sin(x))</a:t>
+            </a:r>
+          </a:p>
+        </p:txBody>
+      </p:sp>
+      <p:sp>
+        <p:nvSpPr>
+          <p:cNvPr id="9" name="TextBox 8">
+            <a:extLst>
+              <a:ext uri="{FF2B5EF4-FFF2-40B4-BE49-F238E27FC236}">
+                <a16:creationId xmlns:a16="http://schemas.microsoft.com/office/drawing/2014/main" id="{8ED9F8C3-5751-6210-622B-2F6FDD29F535}"/>
+              </a:ext>
+            </a:extLst>
+          </p:cNvPr>
+          <p:cNvSpPr txBox="1"/>
+          <p:nvPr/>
+        </p:nvSpPr>
+        <p:spPr>
+          <a:xfrm>
+            <a:off x="6604359" y="1273389"/>
+            <a:ext cx="3475631" cy="461665"/>
+          </a:xfrm>
+          <a:prstGeom prst="rect">
+            <a:avLst/>
+          </a:prstGeom>
+          <a:noFill/>
+        </p:spPr>
+        <p:txBody>
+          <a:bodyPr wrap="none" rtlCol="0">
+            <a:spAutoFit/>
+          </a:bodyPr>
+          <a:lstStyle/>
+          <a:p>
+            <a:pPr algn="ctr"/>
+            <a:r>
+              <a:rPr lang="en-US" sz="2400" dirty="0"/>
+              <a:t>fplot(@(x) sin(x), [0, 2*pi])</a:t>
+            </a:r>
+          </a:p>
+        </p:txBody>
+      </p:sp>
+    </p:spTree>
+    <p:extLst>
+      <p:ext uri="{BB962C8B-B14F-4D97-AF65-F5344CB8AC3E}">
+        <p14:creationId xmlns:p14="http://schemas.microsoft.com/office/powerpoint/2010/main" val="3493676590"/>
+      </p:ext>
+    </p:extLst>
+  </p:cSld>
+  <p:clrMapOvr>
+    <a:masterClrMapping/>
+  </p:clrMapOvr>
+</p:sld>
+</file>
+
+<file path=ppt/slides/slide18.xml><?xml version="1.0" encoding="utf-8"?>
+<p:sld xmlns:a="http://schemas.openxmlformats.org/drawingml/2006/main" xmlns:r="http://schemas.openxmlformats.org/officeDocument/2006/relationships" xmlns:p="http://schemas.openxmlformats.org/presentationml/2006/main">
+  <p:cSld>
+    <p:spTree>
+      <p:nvGrpSpPr>
+        <p:cNvPr id="1" name=""/>
+        <p:cNvGrpSpPr/>
+        <p:nvPr/>
+      </p:nvGrpSpPr>
+      <p:grpSpPr>
+        <a:xfrm>
+          <a:off x="0" y="0"/>
+          <a:ext cx="0" cy="0"/>
+          <a:chOff x="0" y="0"/>
+          <a:chExt cx="0" cy="0"/>
+        </a:xfrm>
+      </p:grpSpPr>
+      <p:pic>
+        <p:nvPicPr>
+          <p:cNvPr id="3" name="그림 2">
+            <a:extLst>
+              <a:ext uri="{FF2B5EF4-FFF2-40B4-BE49-F238E27FC236}">
+                <a16:creationId xmlns:a16="http://schemas.microsoft.com/office/drawing/2014/main" id="{49DD40DF-648F-1896-373E-4AF1E354805A}"/>
+              </a:ext>
+            </a:extLst>
+          </p:cNvPr>
+          <p:cNvPicPr>
+            <a:picLocks noChangeAspect="1"/>
+          </p:cNvPicPr>
+          <p:nvPr/>
+        </p:nvPicPr>
+        <p:blipFill>
+          <a:blip r:embed="rId2"/>
+          <a:stretch>
+            <a:fillRect/>
+          </a:stretch>
+        </p:blipFill>
+        <p:spPr>
+          <a:xfrm>
+            <a:off x="3429000" y="1428750"/>
+            <a:ext cx="5334000" cy="4000500"/>
+          </a:xfrm>
+          <a:prstGeom prst="rect">
+            <a:avLst/>
+          </a:prstGeom>
+        </p:spPr>
+      </p:pic>
+    </p:spTree>
+    <p:extLst>
+      <p:ext uri="{BB962C8B-B14F-4D97-AF65-F5344CB8AC3E}">
+        <p14:creationId xmlns:p14="http://schemas.microsoft.com/office/powerpoint/2010/main" val="2582165912"/>
+      </p:ext>
+    </p:extLst>
+  </p:cSld>
+  <p:clrMapOvr>
+    <a:masterClrMapping/>
+  </p:clrMapOvr>
+</p:sld>
+</file>
+
+<file path=ppt/slides/slide19.xml><?xml version="1.0" encoding="utf-8"?>
+<p:sld xmlns:a="http://schemas.openxmlformats.org/drawingml/2006/main" xmlns:r="http://schemas.openxmlformats.org/officeDocument/2006/relationships" xmlns:p="http://schemas.openxmlformats.org/presentationml/2006/main">
+  <p:cSld>
+    <p:spTree>
+      <p:nvGrpSpPr>
+        <p:cNvPr id="1" name=""/>
+        <p:cNvGrpSpPr/>
+        <p:nvPr/>
+      </p:nvGrpSpPr>
+      <p:grpSpPr>
+        <a:xfrm>
+          <a:off x="0" y="0"/>
+          <a:ext cx="0" cy="0"/>
+          <a:chOff x="0" y="0"/>
+          <a:chExt cx="0" cy="0"/>
+        </a:xfrm>
+      </p:grpSpPr>
+      <p:pic>
+        <p:nvPicPr>
+          <p:cNvPr id="7" name="그림 6">
+            <a:extLst>
+              <a:ext uri="{FF2B5EF4-FFF2-40B4-BE49-F238E27FC236}">
+                <a16:creationId xmlns:a16="http://schemas.microsoft.com/office/drawing/2014/main" id="{7B231E67-FA60-30A9-7297-9669CBB07A9F}"/>
+              </a:ext>
+            </a:extLst>
+          </p:cNvPr>
+          <p:cNvPicPr>
+            <a:picLocks noChangeAspect="1"/>
+          </p:cNvPicPr>
+          <p:nvPr/>
+        </p:nvPicPr>
+        <p:blipFill>
+          <a:blip r:embed="rId2"/>
+          <a:stretch>
+            <a:fillRect/>
+          </a:stretch>
+        </p:blipFill>
+        <p:spPr>
+          <a:xfrm>
+            <a:off x="3429000" y="1428750"/>
+            <a:ext cx="5334000" cy="4000500"/>
+          </a:xfrm>
+          <a:prstGeom prst="rect">
+            <a:avLst/>
+          </a:prstGeom>
+        </p:spPr>
+      </p:pic>
+    </p:spTree>
+    <p:extLst>
+      <p:ext uri="{BB962C8B-B14F-4D97-AF65-F5344CB8AC3E}">
+        <p14:creationId xmlns:p14="http://schemas.microsoft.com/office/powerpoint/2010/main" val="1830224559"/>
+      </p:ext>
+    </p:extLst>
+  </p:cSld>
+  <p:clrMapOvr>
+    <a:masterClrMapping/>
+  </p:clrMapOvr>
+</p:sld>
+</file>
+
+<file path=ppt/slides/slide2.xml><?xml version="1.0" encoding="utf-8"?>
+<p:sld xmlns:a="http://schemas.openxmlformats.org/drawingml/2006/main" xmlns:r="http://schemas.openxmlformats.org/officeDocument/2006/relationships" xmlns:p="http://schemas.openxmlformats.org/presentationml/2006/main">
+  <p:cSld>
+    <p:spTree>
+      <p:nvGrpSpPr>
+        <p:cNvPr id="1" name=""/>
+        <p:cNvGrpSpPr/>
+        <p:nvPr/>
+      </p:nvGrpSpPr>
+      <p:grpSpPr>
+        <a:xfrm>
+          <a:off x="0" y="0"/>
+          <a:ext cx="0" cy="0"/>
+          <a:chOff x="0" y="0"/>
+          <a:chExt cx="0" cy="0"/>
+        </a:xfrm>
+      </p:grpSpPr>
+      <p:pic>
+        <p:nvPicPr>
+          <p:cNvPr id="3" name="Picture 2">
+            <a:extLst>
+              <a:ext uri="{FF2B5EF4-FFF2-40B4-BE49-F238E27FC236}">
+                <a16:creationId xmlns:a16="http://schemas.microsoft.com/office/drawing/2014/main" id="{869C2992-A1D4-793C-18FB-8C897B704A35}"/>
+              </a:ext>
+            </a:extLst>
+          </p:cNvPr>
+          <p:cNvPicPr>
+            <a:picLocks noChangeAspect="1"/>
+          </p:cNvPicPr>
+          <p:nvPr/>
+        </p:nvPicPr>
+        <p:blipFill>
+          <a:blip r:embed="rId2"/>
+          <a:stretch>
+            <a:fillRect/>
+          </a:stretch>
+        </p:blipFill>
+        <p:spPr>
+          <a:xfrm>
+            <a:off x="7278923" y="438569"/>
+            <a:ext cx="4544591" cy="3902834"/>
+          </a:xfrm>
+          <a:prstGeom prst="rect">
+            <a:avLst/>
+          </a:prstGeom>
+        </p:spPr>
+      </p:pic>
+      <p:pic>
+        <p:nvPicPr>
+          <p:cNvPr id="5" name="Picture 4">
+            <a:extLst>
+              <a:ext uri="{FF2B5EF4-FFF2-40B4-BE49-F238E27FC236}">
+                <a16:creationId xmlns:a16="http://schemas.microsoft.com/office/drawing/2014/main" id="{E2D6FA58-82F0-F6D8-91BB-578731E9B531}"/>
+              </a:ext>
+            </a:extLst>
+          </p:cNvPr>
+          <p:cNvPicPr>
+            <a:picLocks noChangeAspect="1"/>
+          </p:cNvPicPr>
+          <p:nvPr/>
+        </p:nvPicPr>
+        <p:blipFill>
+          <a:blip r:embed="rId3"/>
+          <a:stretch>
+            <a:fillRect/>
+          </a:stretch>
+        </p:blipFill>
+        <p:spPr>
+          <a:xfrm>
+            <a:off x="402941" y="1159408"/>
+            <a:ext cx="5645472" cy="2461156"/>
+          </a:xfrm>
+          <a:prstGeom prst="rect">
+            <a:avLst/>
+          </a:prstGeom>
+        </p:spPr>
+      </p:pic>
+      <p:sp>
+        <p:nvSpPr>
+          <p:cNvPr id="6" name="Arrow: Right 5">
+            <a:extLst>
+              <a:ext uri="{FF2B5EF4-FFF2-40B4-BE49-F238E27FC236}">
+                <a16:creationId xmlns:a16="http://schemas.microsoft.com/office/drawing/2014/main" id="{96E8F6C6-9D99-87FC-CAC2-90F5E6F22F30}"/>
+              </a:ext>
+            </a:extLst>
+          </p:cNvPr>
+          <p:cNvSpPr/>
+          <p:nvPr/>
+        </p:nvSpPr>
+        <p:spPr>
+          <a:xfrm>
+            <a:off x="6174464" y="2147670"/>
+            <a:ext cx="978408" cy="484632"/>
+          </a:xfrm>
+          <a:prstGeom prst="rightArrow">
+            <a:avLst/>
+          </a:prstGeom>
+          <a:gradFill flip="none" rotWithShape="1">
+            <a:gsLst>
+              <a:gs pos="0">
+                <a:schemeClr val="bg1"/>
+              </a:gs>
+              <a:gs pos="74000">
+                <a:schemeClr val="accent1">
+                  <a:lumMod val="45000"/>
+                  <a:lumOff val="55000"/>
+                </a:schemeClr>
+              </a:gs>
+              <a:gs pos="83000">
+                <a:schemeClr val="accent1">
+                  <a:lumMod val="45000"/>
+                  <a:lumOff val="55000"/>
+                </a:schemeClr>
+              </a:gs>
+              <a:gs pos="100000">
+                <a:schemeClr val="accent1">
+                  <a:lumMod val="30000"/>
+                  <a:lumOff val="70000"/>
+                </a:schemeClr>
+              </a:gs>
+            </a:gsLst>
+            <a:lin ang="0" scaled="1"/>
+            <a:tileRect/>
+          </a:gradFill>
+          <a:ln>
+            <a:noFill/>
+          </a:ln>
+        </p:spPr>
+        <p:style>
+          <a:lnRef idx="2">
+            <a:schemeClr val="accent1">
+              <a:shade val="50000"/>
+            </a:schemeClr>
+          </a:lnRef>
+          <a:fillRef idx="1">
+            <a:schemeClr val="accent1"/>
+          </a:fillRef>
+          <a:effectRef idx="0">
+            <a:schemeClr val="accent1"/>
+          </a:effectRef>
+          <a:fontRef idx="minor">
+            <a:schemeClr val="lt1"/>
+          </a:fontRef>
+        </p:style>
+        <p:txBody>
+          <a:bodyPr rtlCol="0" anchor="ctr"/>
+          <a:lstStyle/>
+          <a:p>
+            <a:pPr algn="ctr"/>
+            <a:endParaRPr lang="en-US"/>
+          </a:p>
+        </p:txBody>
+      </p:sp>
+    </p:spTree>
+    <p:extLst>
+      <p:ext uri="{BB962C8B-B14F-4D97-AF65-F5344CB8AC3E}">
+        <p14:creationId xmlns:p14="http://schemas.microsoft.com/office/powerpoint/2010/main" val="2182011040"/>
+      </p:ext>
+    </p:extLst>
+  </p:cSld>
+  <p:clrMapOvr>
+    <a:masterClrMapping/>
+  </p:clrMapOvr>
+</p:sld>
+</file>
+
+<file path=ppt/slides/slide20.xml><?xml version="1.0" encoding="utf-8"?>
+<p:sld xmlns:a="http://schemas.openxmlformats.org/drawingml/2006/main" xmlns:r="http://schemas.openxmlformats.org/officeDocument/2006/relationships" xmlns:p="http://schemas.openxmlformats.org/presentationml/2006/main">
+  <p:cSld>
+    <p:spTree>
+      <p:nvGrpSpPr>
+        <p:cNvPr id="1" name=""/>
+        <p:cNvGrpSpPr/>
+        <p:nvPr/>
+      </p:nvGrpSpPr>
+      <p:grpSpPr>
+        <a:xfrm>
+          <a:off x="0" y="0"/>
+          <a:ext cx="0" cy="0"/>
+          <a:chOff x="0" y="0"/>
+          <a:chExt cx="0" cy="0"/>
+        </a:xfrm>
+      </p:grpSpPr>
+      <p:pic>
+        <p:nvPicPr>
+          <p:cNvPr id="6" name="Picture 5">
+            <a:extLst>
+              <a:ext uri="{FF2B5EF4-FFF2-40B4-BE49-F238E27FC236}">
+                <a16:creationId xmlns:a16="http://schemas.microsoft.com/office/drawing/2014/main" id="{4FC6A8C5-EE29-A69A-DEC3-21A554129990}"/>
+              </a:ext>
+            </a:extLst>
+          </p:cNvPr>
+          <p:cNvPicPr>
+            <a:picLocks noChangeAspect="1"/>
+          </p:cNvPicPr>
+          <p:nvPr/>
+        </p:nvPicPr>
+        <p:blipFill>
+          <a:blip r:embed="rId2"/>
+          <a:stretch>
+            <a:fillRect/>
+          </a:stretch>
+        </p:blipFill>
+        <p:spPr>
+          <a:xfrm>
+            <a:off x="3419809" y="1019476"/>
+            <a:ext cx="5352381" cy="4819048"/>
+          </a:xfrm>
+          <a:prstGeom prst="rect">
+            <a:avLst/>
+          </a:prstGeom>
+        </p:spPr>
+      </p:pic>
+    </p:spTree>
+    <p:extLst>
+      <p:ext uri="{BB962C8B-B14F-4D97-AF65-F5344CB8AC3E}">
+        <p14:creationId xmlns:p14="http://schemas.microsoft.com/office/powerpoint/2010/main" val="351326738"/>
+      </p:ext>
+    </p:extLst>
+  </p:cSld>
+  <p:clrMapOvr>
+    <a:masterClrMapping/>
+  </p:clrMapOvr>
+</p:sld>
+</file>
+
+<file path=ppt/slides/slide3.xml><?xml version="1.0" encoding="utf-8"?>
 <p:sld xmlns:a="http://schemas.openxmlformats.org/drawingml/2006/main" xmlns:r="http://schemas.openxmlformats.org/officeDocument/2006/relationships" xmlns:p="http://schemas.openxmlformats.org/presentationml/2006/main">
   <p:cSld>
     <p:spTree>
@@ -4735,1303 +7455,7 @@
 </p:sld>
 </file>
 
-<file path=ppt/slides/slide10.xml><?xml version="1.0" encoding="utf-8"?>
-<p:sld xmlns:a="http://schemas.openxmlformats.org/drawingml/2006/main" xmlns:r="http://schemas.openxmlformats.org/officeDocument/2006/relationships" xmlns:p="http://schemas.openxmlformats.org/presentationml/2006/main">
-  <p:cSld>
-    <p:spTree>
-      <p:nvGrpSpPr>
-        <p:cNvPr id="1" name=""/>
-        <p:cNvGrpSpPr/>
-        <p:nvPr/>
-      </p:nvGrpSpPr>
-      <p:grpSpPr>
-        <a:xfrm>
-          <a:off x="0" y="0"/>
-          <a:ext cx="0" cy="0"/>
-          <a:chOff x="0" y="0"/>
-          <a:chExt cx="0" cy="0"/>
-        </a:xfrm>
-      </p:grpSpPr>
-      <p:sp>
-        <p:nvSpPr>
-          <p:cNvPr id="11" name="직사각형 10">
-            <a:extLst>
-              <a:ext uri="{FF2B5EF4-FFF2-40B4-BE49-F238E27FC236}">
-                <a16:creationId xmlns:a16="http://schemas.microsoft.com/office/drawing/2014/main" id="{01260FCE-599F-86BB-111B-6D6DCE16881B}"/>
-              </a:ext>
-            </a:extLst>
-          </p:cNvPr>
-          <p:cNvSpPr/>
-          <p:nvPr/>
-        </p:nvSpPr>
-        <p:spPr>
-          <a:xfrm>
-            <a:off x="4558020" y="1627021"/>
-            <a:ext cx="1327948" cy="1231384"/>
-          </a:xfrm>
-          <a:prstGeom prst="rect">
-            <a:avLst/>
-          </a:prstGeom>
-          <a:solidFill>
-            <a:schemeClr val="bg1"/>
-          </a:solidFill>
-          <a:ln w="28575">
-            <a:solidFill>
-              <a:schemeClr val="tx1"/>
-            </a:solidFill>
-          </a:ln>
-        </p:spPr>
-        <p:style>
-          <a:lnRef idx="2">
-            <a:schemeClr val="accent1">
-              <a:shade val="50000"/>
-            </a:schemeClr>
-          </a:lnRef>
-          <a:fillRef idx="1">
-            <a:schemeClr val="accent1"/>
-          </a:fillRef>
-          <a:effectRef idx="0">
-            <a:schemeClr val="accent1"/>
-          </a:effectRef>
-          <a:fontRef idx="minor">
-            <a:schemeClr val="lt1"/>
-          </a:fontRef>
-        </p:style>
-        <p:txBody>
-          <a:bodyPr rtlCol="0" anchor="ctr"/>
-          <a:lstStyle/>
-          <a:p>
-            <a:pPr algn="ctr"/>
-            <a:endParaRPr lang="en-US"/>
-          </a:p>
-        </p:txBody>
-      </p:sp>
-      <p:sp>
-        <p:nvSpPr>
-          <p:cNvPr id="12" name="직사각형 11">
-            <a:extLst>
-              <a:ext uri="{FF2B5EF4-FFF2-40B4-BE49-F238E27FC236}">
-                <a16:creationId xmlns:a16="http://schemas.microsoft.com/office/drawing/2014/main" id="{A2CBE566-90D7-62B5-A7D2-3CB32CB64635}"/>
-              </a:ext>
-            </a:extLst>
-          </p:cNvPr>
-          <p:cNvSpPr/>
-          <p:nvPr/>
-        </p:nvSpPr>
-        <p:spPr>
-          <a:xfrm>
-            <a:off x="6096000" y="1627021"/>
-            <a:ext cx="1327948" cy="1231384"/>
-          </a:xfrm>
-          <a:prstGeom prst="rect">
-            <a:avLst/>
-          </a:prstGeom>
-          <a:solidFill>
-            <a:schemeClr val="bg1"/>
-          </a:solidFill>
-          <a:ln w="28575">
-            <a:solidFill>
-              <a:schemeClr val="tx1"/>
-            </a:solidFill>
-          </a:ln>
-        </p:spPr>
-        <p:style>
-          <a:lnRef idx="2">
-            <a:schemeClr val="accent1">
-              <a:shade val="50000"/>
-            </a:schemeClr>
-          </a:lnRef>
-          <a:fillRef idx="1">
-            <a:schemeClr val="accent1"/>
-          </a:fillRef>
-          <a:effectRef idx="0">
-            <a:schemeClr val="accent1"/>
-          </a:effectRef>
-          <a:fontRef idx="minor">
-            <a:schemeClr val="lt1"/>
-          </a:fontRef>
-        </p:style>
-        <p:txBody>
-          <a:bodyPr rtlCol="0" anchor="ctr"/>
-          <a:lstStyle/>
-          <a:p>
-            <a:pPr algn="ctr"/>
-            <a:endParaRPr lang="en-US"/>
-          </a:p>
-        </p:txBody>
-      </p:sp>
-      <p:sp>
-        <p:nvSpPr>
-          <p:cNvPr id="13" name="직사각형 12">
-            <a:extLst>
-              <a:ext uri="{FF2B5EF4-FFF2-40B4-BE49-F238E27FC236}">
-                <a16:creationId xmlns:a16="http://schemas.microsoft.com/office/drawing/2014/main" id="{13E97DF8-41B3-550F-C20D-CAA78D997AB0}"/>
-              </a:ext>
-            </a:extLst>
-          </p:cNvPr>
-          <p:cNvSpPr/>
-          <p:nvPr/>
-        </p:nvSpPr>
-        <p:spPr>
-          <a:xfrm>
-            <a:off x="4558020" y="3058304"/>
-            <a:ext cx="2865928" cy="1231384"/>
-          </a:xfrm>
-          <a:prstGeom prst="rect">
-            <a:avLst/>
-          </a:prstGeom>
-          <a:solidFill>
-            <a:schemeClr val="bg1"/>
-          </a:solidFill>
-          <a:ln w="28575">
-            <a:solidFill>
-              <a:schemeClr val="tx1"/>
-            </a:solidFill>
-          </a:ln>
-        </p:spPr>
-        <p:style>
-          <a:lnRef idx="2">
-            <a:schemeClr val="accent1">
-              <a:shade val="50000"/>
-            </a:schemeClr>
-          </a:lnRef>
-          <a:fillRef idx="1">
-            <a:schemeClr val="accent1"/>
-          </a:fillRef>
-          <a:effectRef idx="0">
-            <a:schemeClr val="accent1"/>
-          </a:effectRef>
-          <a:fontRef idx="minor">
-            <a:schemeClr val="lt1"/>
-          </a:fontRef>
-        </p:style>
-        <p:txBody>
-          <a:bodyPr rtlCol="0" anchor="ctr"/>
-          <a:lstStyle/>
-          <a:p>
-            <a:pPr algn="ctr"/>
-            <a:endParaRPr lang="en-US"/>
-          </a:p>
-        </p:txBody>
-      </p:sp>
-      <p:sp>
-        <p:nvSpPr>
-          <p:cNvPr id="20" name="TextBox 19">
-            <a:extLst>
-              <a:ext uri="{FF2B5EF4-FFF2-40B4-BE49-F238E27FC236}">
-                <a16:creationId xmlns:a16="http://schemas.microsoft.com/office/drawing/2014/main" id="{8D14A2D6-6ED4-4F1C-997D-568DBCC255BF}"/>
-              </a:ext>
-            </a:extLst>
-          </p:cNvPr>
-          <p:cNvSpPr txBox="1"/>
-          <p:nvPr/>
-        </p:nvSpPr>
-        <p:spPr>
-          <a:xfrm>
-            <a:off x="4772992" y="2058046"/>
-            <a:ext cx="898003" cy="369332"/>
-          </a:xfrm>
-          <a:prstGeom prst="rect">
-            <a:avLst/>
-          </a:prstGeom>
-          <a:noFill/>
-        </p:spPr>
-        <p:txBody>
-          <a:bodyPr wrap="none" rtlCol="0">
-            <a:spAutoFit/>
-          </a:bodyPr>
-          <a:lstStyle/>
-          <a:p>
-            <a:r>
-              <a:rPr lang="en-US" dirty="0"/>
-              <a:t>(2, 2, 1)</a:t>
-            </a:r>
-          </a:p>
-        </p:txBody>
-      </p:sp>
-      <p:sp>
-        <p:nvSpPr>
-          <p:cNvPr id="21" name="TextBox 20">
-            <a:extLst>
-              <a:ext uri="{FF2B5EF4-FFF2-40B4-BE49-F238E27FC236}">
-                <a16:creationId xmlns:a16="http://schemas.microsoft.com/office/drawing/2014/main" id="{0FFAE3DA-69B2-5F53-6975-836785C97F0F}"/>
-              </a:ext>
-            </a:extLst>
-          </p:cNvPr>
-          <p:cNvSpPr txBox="1"/>
-          <p:nvPr/>
-        </p:nvSpPr>
-        <p:spPr>
-          <a:xfrm>
-            <a:off x="6310972" y="2058046"/>
-            <a:ext cx="898003" cy="369332"/>
-          </a:xfrm>
-          <a:prstGeom prst="rect">
-            <a:avLst/>
-          </a:prstGeom>
-          <a:noFill/>
-        </p:spPr>
-        <p:txBody>
-          <a:bodyPr wrap="none" rtlCol="0">
-            <a:spAutoFit/>
-          </a:bodyPr>
-          <a:lstStyle/>
-          <a:p>
-            <a:r>
-              <a:rPr lang="en-US" dirty="0"/>
-              <a:t>(2, 2, 2)</a:t>
-            </a:r>
-          </a:p>
-        </p:txBody>
-      </p:sp>
-      <p:sp>
-        <p:nvSpPr>
-          <p:cNvPr id="22" name="TextBox 21">
-            <a:extLst>
-              <a:ext uri="{FF2B5EF4-FFF2-40B4-BE49-F238E27FC236}">
-                <a16:creationId xmlns:a16="http://schemas.microsoft.com/office/drawing/2014/main" id="{55D55EDE-5581-865F-11CC-E30932678B30}"/>
-              </a:ext>
-            </a:extLst>
-          </p:cNvPr>
-          <p:cNvSpPr txBox="1"/>
-          <p:nvPr/>
-        </p:nvSpPr>
-        <p:spPr>
-          <a:xfrm>
-            <a:off x="5357637" y="3489330"/>
-            <a:ext cx="1266693" cy="369332"/>
-          </a:xfrm>
-          <a:prstGeom prst="rect">
-            <a:avLst/>
-          </a:prstGeom>
-          <a:noFill/>
-        </p:spPr>
-        <p:txBody>
-          <a:bodyPr wrap="none" rtlCol="0">
-            <a:spAutoFit/>
-          </a:bodyPr>
-          <a:lstStyle/>
-          <a:p>
-            <a:r>
-              <a:rPr lang="en-US" dirty="0"/>
-              <a:t>(2, 2, [3, 4])</a:t>
-            </a:r>
-          </a:p>
-        </p:txBody>
-      </p:sp>
-    </p:spTree>
-    <p:extLst>
-      <p:ext uri="{BB962C8B-B14F-4D97-AF65-F5344CB8AC3E}">
-        <p14:creationId xmlns:p14="http://schemas.microsoft.com/office/powerpoint/2010/main" val="825787000"/>
-      </p:ext>
-    </p:extLst>
-  </p:cSld>
-  <p:clrMapOvr>
-    <a:masterClrMapping/>
-  </p:clrMapOvr>
-</p:sld>
-</file>
-
-<file path=ppt/slides/slide11.xml><?xml version="1.0" encoding="utf-8"?>
-<p:sld xmlns:a="http://schemas.openxmlformats.org/drawingml/2006/main" xmlns:r="http://schemas.openxmlformats.org/officeDocument/2006/relationships" xmlns:p="http://schemas.openxmlformats.org/presentationml/2006/main">
-  <p:cSld>
-    <p:spTree>
-      <p:nvGrpSpPr>
-        <p:cNvPr id="1" name=""/>
-        <p:cNvGrpSpPr/>
-        <p:nvPr/>
-      </p:nvGrpSpPr>
-      <p:grpSpPr>
-        <a:xfrm>
-          <a:off x="0" y="0"/>
-          <a:ext cx="0" cy="0"/>
-          <a:chOff x="0" y="0"/>
-          <a:chExt cx="0" cy="0"/>
-        </a:xfrm>
-      </p:grpSpPr>
-      <p:pic>
-        <p:nvPicPr>
-          <p:cNvPr id="3" name="그림 2">
-            <a:extLst>
-              <a:ext uri="{FF2B5EF4-FFF2-40B4-BE49-F238E27FC236}">
-                <a16:creationId xmlns:a16="http://schemas.microsoft.com/office/drawing/2014/main" id="{A12D644C-B28A-F7AF-2A6D-C1C72A9DE3DF}"/>
-              </a:ext>
-            </a:extLst>
-          </p:cNvPr>
-          <p:cNvPicPr>
-            <a:picLocks noChangeAspect="1"/>
-          </p:cNvPicPr>
-          <p:nvPr/>
-        </p:nvPicPr>
-        <p:blipFill>
-          <a:blip r:embed="rId2"/>
-          <a:stretch>
-            <a:fillRect/>
-          </a:stretch>
-        </p:blipFill>
-        <p:spPr>
-          <a:xfrm>
-            <a:off x="3429000" y="1428750"/>
-            <a:ext cx="5334000" cy="4000500"/>
-          </a:xfrm>
-          <a:prstGeom prst="rect">
-            <a:avLst/>
-          </a:prstGeom>
-        </p:spPr>
-      </p:pic>
-    </p:spTree>
-    <p:extLst>
-      <p:ext uri="{BB962C8B-B14F-4D97-AF65-F5344CB8AC3E}">
-        <p14:creationId xmlns:p14="http://schemas.microsoft.com/office/powerpoint/2010/main" val="1309166168"/>
-      </p:ext>
-    </p:extLst>
-  </p:cSld>
-  <p:clrMapOvr>
-    <a:masterClrMapping/>
-  </p:clrMapOvr>
-</p:sld>
-</file>
-
-<file path=ppt/slides/slide12.xml><?xml version="1.0" encoding="utf-8"?>
-<p:sld xmlns:a="http://schemas.openxmlformats.org/drawingml/2006/main" xmlns:r="http://schemas.openxmlformats.org/officeDocument/2006/relationships" xmlns:p="http://schemas.openxmlformats.org/presentationml/2006/main">
-  <p:cSld>
-    <p:spTree>
-      <p:nvGrpSpPr>
-        <p:cNvPr id="1" name=""/>
-        <p:cNvGrpSpPr/>
-        <p:nvPr/>
-      </p:nvGrpSpPr>
-      <p:grpSpPr>
-        <a:xfrm>
-          <a:off x="0" y="0"/>
-          <a:ext cx="0" cy="0"/>
-          <a:chOff x="0" y="0"/>
-          <a:chExt cx="0" cy="0"/>
-        </a:xfrm>
-      </p:grpSpPr>
-      <p:pic>
-        <p:nvPicPr>
-          <p:cNvPr id="3" name="그림 2">
-            <a:extLst>
-              <a:ext uri="{FF2B5EF4-FFF2-40B4-BE49-F238E27FC236}">
-                <a16:creationId xmlns:a16="http://schemas.microsoft.com/office/drawing/2014/main" id="{577F5127-D3D2-7F74-8CEA-42F45F2608E9}"/>
-              </a:ext>
-            </a:extLst>
-          </p:cNvPr>
-          <p:cNvPicPr>
-            <a:picLocks noChangeAspect="1"/>
-          </p:cNvPicPr>
-          <p:nvPr/>
-        </p:nvPicPr>
-        <p:blipFill>
-          <a:blip r:embed="rId2"/>
-          <a:stretch>
-            <a:fillRect/>
-          </a:stretch>
-        </p:blipFill>
-        <p:spPr>
-          <a:xfrm>
-            <a:off x="2110962" y="1794842"/>
-            <a:ext cx="3622868" cy="3268316"/>
-          </a:xfrm>
-          <a:prstGeom prst="rect">
-            <a:avLst/>
-          </a:prstGeom>
-        </p:spPr>
-      </p:pic>
-      <p:pic>
-        <p:nvPicPr>
-          <p:cNvPr id="5" name="그림 4">
-            <a:extLst>
-              <a:ext uri="{FF2B5EF4-FFF2-40B4-BE49-F238E27FC236}">
-                <a16:creationId xmlns:a16="http://schemas.microsoft.com/office/drawing/2014/main" id="{3FD76249-4E02-7129-2A5D-6ED5C54995C9}"/>
-              </a:ext>
-            </a:extLst>
-          </p:cNvPr>
-          <p:cNvPicPr>
-            <a:picLocks noChangeAspect="1"/>
-          </p:cNvPicPr>
-          <p:nvPr/>
-        </p:nvPicPr>
-        <p:blipFill>
-          <a:blip r:embed="rId3"/>
-          <a:stretch>
-            <a:fillRect/>
-          </a:stretch>
-        </p:blipFill>
-        <p:spPr>
-          <a:xfrm>
-            <a:off x="6614826" y="1794842"/>
-            <a:ext cx="3622868" cy="3268316"/>
-          </a:xfrm>
-          <a:prstGeom prst="rect">
-            <a:avLst/>
-          </a:prstGeom>
-        </p:spPr>
-      </p:pic>
-      <p:sp>
-        <p:nvSpPr>
-          <p:cNvPr id="8" name="TextBox 7">
-            <a:extLst>
-              <a:ext uri="{FF2B5EF4-FFF2-40B4-BE49-F238E27FC236}">
-                <a16:creationId xmlns:a16="http://schemas.microsoft.com/office/drawing/2014/main" id="{63AC7FD8-F9F2-3BF3-74A7-8593C2BAC36F}"/>
-              </a:ext>
-            </a:extLst>
-          </p:cNvPr>
-          <p:cNvSpPr txBox="1"/>
-          <p:nvPr/>
-        </p:nvSpPr>
-        <p:spPr>
-          <a:xfrm>
-            <a:off x="7530598" y="1210067"/>
-            <a:ext cx="1791324" cy="584775"/>
-          </a:xfrm>
-          <a:prstGeom prst="rect">
-            <a:avLst/>
-          </a:prstGeom>
-          <a:noFill/>
-        </p:spPr>
-        <p:txBody>
-          <a:bodyPr wrap="none" rtlCol="0">
-            <a:spAutoFit/>
-          </a:bodyPr>
-          <a:lstStyle/>
-          <a:p>
-            <a:pPr algn="ctr"/>
-            <a:r>
-              <a:rPr lang="en-US" sz="3200" dirty="0"/>
-              <a:t>axis </a:t>
-            </a:r>
-            <a:r>
-              <a:rPr lang="en-US" sz="3200" dirty="0">
-                <a:solidFill>
-                  <a:srgbClr val="CB68F9"/>
-                </a:solidFill>
-              </a:rPr>
-              <a:t>tight</a:t>
-            </a:r>
-            <a:r>
-              <a:rPr lang="en-US" sz="3200" dirty="0"/>
-              <a:t>;</a:t>
-            </a:r>
-          </a:p>
-        </p:txBody>
-      </p:sp>
-      <p:sp>
-        <p:nvSpPr>
-          <p:cNvPr id="11" name="타원 10">
-            <a:extLst>
-              <a:ext uri="{FF2B5EF4-FFF2-40B4-BE49-F238E27FC236}">
-                <a16:creationId xmlns:a16="http://schemas.microsoft.com/office/drawing/2014/main" id="{DE214EA5-B473-1E19-9121-82654556B363}"/>
-              </a:ext>
-            </a:extLst>
-          </p:cNvPr>
-          <p:cNvSpPr/>
-          <p:nvPr/>
-        </p:nvSpPr>
-        <p:spPr>
-          <a:xfrm>
-            <a:off x="4867835" y="3307976"/>
-            <a:ext cx="749454" cy="749454"/>
-          </a:xfrm>
-          <a:prstGeom prst="ellipse">
-            <a:avLst/>
-          </a:prstGeom>
-          <a:noFill/>
-          <a:ln w="28575">
-            <a:solidFill>
-              <a:srgbClr val="FF0000"/>
-            </a:solidFill>
-            <a:prstDash val="sysDot"/>
-          </a:ln>
-        </p:spPr>
-        <p:style>
-          <a:lnRef idx="2">
-            <a:schemeClr val="accent1">
-              <a:shade val="50000"/>
-            </a:schemeClr>
-          </a:lnRef>
-          <a:fillRef idx="1">
-            <a:schemeClr val="accent1"/>
-          </a:fillRef>
-          <a:effectRef idx="0">
-            <a:schemeClr val="accent1"/>
-          </a:effectRef>
-          <a:fontRef idx="minor">
-            <a:schemeClr val="lt1"/>
-          </a:fontRef>
-        </p:style>
-        <p:txBody>
-          <a:bodyPr rtlCol="0" anchor="ctr"/>
-          <a:lstStyle/>
-          <a:p>
-            <a:pPr algn="ctr"/>
-            <a:endParaRPr lang="en-US"/>
-          </a:p>
-        </p:txBody>
-      </p:sp>
-      <p:sp>
-        <p:nvSpPr>
-          <p:cNvPr id="12" name="타원 11">
-            <a:extLst>
-              <a:ext uri="{FF2B5EF4-FFF2-40B4-BE49-F238E27FC236}">
-                <a16:creationId xmlns:a16="http://schemas.microsoft.com/office/drawing/2014/main" id="{50FE5134-F835-C504-CB5C-A9A3AB6DD911}"/>
-              </a:ext>
-            </a:extLst>
-          </p:cNvPr>
-          <p:cNvSpPr/>
-          <p:nvPr/>
-        </p:nvSpPr>
-        <p:spPr>
-          <a:xfrm>
-            <a:off x="2110962" y="2304819"/>
-            <a:ext cx="749454" cy="749454"/>
-          </a:xfrm>
-          <a:prstGeom prst="ellipse">
-            <a:avLst/>
-          </a:prstGeom>
-          <a:noFill/>
-          <a:ln w="28575">
-            <a:solidFill>
-              <a:srgbClr val="FF0000"/>
-            </a:solidFill>
-            <a:prstDash val="sysDot"/>
-          </a:ln>
-        </p:spPr>
-        <p:style>
-          <a:lnRef idx="2">
-            <a:schemeClr val="accent1">
-              <a:shade val="50000"/>
-            </a:schemeClr>
-          </a:lnRef>
-          <a:fillRef idx="1">
-            <a:schemeClr val="accent1"/>
-          </a:fillRef>
-          <a:effectRef idx="0">
-            <a:schemeClr val="accent1"/>
-          </a:effectRef>
-          <a:fontRef idx="minor">
-            <a:schemeClr val="lt1"/>
-          </a:fontRef>
-        </p:style>
-        <p:txBody>
-          <a:bodyPr rtlCol="0" anchor="ctr"/>
-          <a:lstStyle/>
-          <a:p>
-            <a:pPr algn="ctr"/>
-            <a:endParaRPr lang="en-US"/>
-          </a:p>
-        </p:txBody>
-      </p:sp>
-      <p:sp>
-        <p:nvSpPr>
-          <p:cNvPr id="13" name="타원 12">
-            <a:extLst>
-              <a:ext uri="{FF2B5EF4-FFF2-40B4-BE49-F238E27FC236}">
-                <a16:creationId xmlns:a16="http://schemas.microsoft.com/office/drawing/2014/main" id="{BAEADD75-1DCD-33D1-C8DD-F0D7AA33E93A}"/>
-              </a:ext>
-            </a:extLst>
-          </p:cNvPr>
-          <p:cNvSpPr/>
-          <p:nvPr/>
-        </p:nvSpPr>
-        <p:spPr>
-          <a:xfrm>
-            <a:off x="2110962" y="4313704"/>
-            <a:ext cx="749454" cy="749454"/>
-          </a:xfrm>
-          <a:prstGeom prst="ellipse">
-            <a:avLst/>
-          </a:prstGeom>
-          <a:noFill/>
-          <a:ln w="28575">
-            <a:solidFill>
-              <a:srgbClr val="FF0000"/>
-            </a:solidFill>
-            <a:prstDash val="sysDot"/>
-          </a:ln>
-        </p:spPr>
-        <p:style>
-          <a:lnRef idx="2">
-            <a:schemeClr val="accent1">
-              <a:shade val="50000"/>
-            </a:schemeClr>
-          </a:lnRef>
-          <a:fillRef idx="1">
-            <a:schemeClr val="accent1"/>
-          </a:fillRef>
-          <a:effectRef idx="0">
-            <a:schemeClr val="accent1"/>
-          </a:effectRef>
-          <a:fontRef idx="minor">
-            <a:schemeClr val="lt1"/>
-          </a:fontRef>
-        </p:style>
-        <p:txBody>
-          <a:bodyPr rtlCol="0" anchor="ctr"/>
-          <a:lstStyle/>
-          <a:p>
-            <a:pPr algn="ctr"/>
-            <a:endParaRPr lang="en-US"/>
-          </a:p>
-        </p:txBody>
-      </p:sp>
-    </p:spTree>
-    <p:extLst>
-      <p:ext uri="{BB962C8B-B14F-4D97-AF65-F5344CB8AC3E}">
-        <p14:creationId xmlns:p14="http://schemas.microsoft.com/office/powerpoint/2010/main" val="936745486"/>
-      </p:ext>
-    </p:extLst>
-  </p:cSld>
-  <p:clrMapOvr>
-    <a:masterClrMapping/>
-  </p:clrMapOvr>
-</p:sld>
-</file>
-
-<file path=ppt/slides/slide13.xml><?xml version="1.0" encoding="utf-8"?>
-<p:sld xmlns:a="http://schemas.openxmlformats.org/drawingml/2006/main" xmlns:r="http://schemas.openxmlformats.org/officeDocument/2006/relationships" xmlns:p="http://schemas.openxmlformats.org/presentationml/2006/main">
-  <p:cSld>
-    <p:spTree>
-      <p:nvGrpSpPr>
-        <p:cNvPr id="1" name=""/>
-        <p:cNvGrpSpPr/>
-        <p:nvPr/>
-      </p:nvGrpSpPr>
-      <p:grpSpPr>
-        <a:xfrm>
-          <a:off x="0" y="0"/>
-          <a:ext cx="0" cy="0"/>
-          <a:chOff x="0" y="0"/>
-          <a:chExt cx="0" cy="0"/>
-        </a:xfrm>
-      </p:grpSpPr>
-      <p:sp>
-        <p:nvSpPr>
-          <p:cNvPr id="6" name="TextBox 5">
-            <a:extLst>
-              <a:ext uri="{FF2B5EF4-FFF2-40B4-BE49-F238E27FC236}">
-                <a16:creationId xmlns:a16="http://schemas.microsoft.com/office/drawing/2014/main" id="{B3CF5386-EF7B-A4AF-7D68-20A9EEA3B3C3}"/>
-              </a:ext>
-            </a:extLst>
-          </p:cNvPr>
-          <p:cNvSpPr txBox="1"/>
-          <p:nvPr/>
-        </p:nvSpPr>
-        <p:spPr>
-          <a:xfrm>
-            <a:off x="7454968" y="1210067"/>
-            <a:ext cx="1942583" cy="584775"/>
-          </a:xfrm>
-          <a:prstGeom prst="rect">
-            <a:avLst/>
-          </a:prstGeom>
-          <a:noFill/>
-        </p:spPr>
-        <p:txBody>
-          <a:bodyPr wrap="none" rtlCol="0">
-            <a:spAutoFit/>
-          </a:bodyPr>
-          <a:lstStyle/>
-          <a:p>
-            <a:pPr algn="ctr"/>
-            <a:r>
-              <a:rPr lang="en-US" sz="3200" dirty="0"/>
-              <a:t>axis </a:t>
-            </a:r>
-            <a:r>
-              <a:rPr lang="en-US" sz="3200" dirty="0">
-                <a:solidFill>
-                  <a:srgbClr val="CB68F9"/>
-                </a:solidFill>
-              </a:rPr>
-              <a:t>equal</a:t>
-            </a:r>
-            <a:r>
-              <a:rPr lang="en-US" sz="3200" dirty="0"/>
-              <a:t>;</a:t>
-            </a:r>
-          </a:p>
-        </p:txBody>
-      </p:sp>
-      <p:pic>
-        <p:nvPicPr>
-          <p:cNvPr id="7" name="그림 6">
-            <a:extLst>
-              <a:ext uri="{FF2B5EF4-FFF2-40B4-BE49-F238E27FC236}">
-                <a16:creationId xmlns:a16="http://schemas.microsoft.com/office/drawing/2014/main" id="{7E5CE028-5FD5-F84D-8A8C-82501195AE1D}"/>
-              </a:ext>
-            </a:extLst>
-          </p:cNvPr>
-          <p:cNvPicPr>
-            <a:picLocks noChangeAspect="1"/>
-          </p:cNvPicPr>
-          <p:nvPr/>
-        </p:nvPicPr>
-        <p:blipFill>
-          <a:blip r:embed="rId2"/>
-          <a:stretch>
-            <a:fillRect/>
-          </a:stretch>
-        </p:blipFill>
-        <p:spPr>
-          <a:xfrm>
-            <a:off x="2110962" y="1794842"/>
-            <a:ext cx="3622868" cy="3268316"/>
-          </a:xfrm>
-          <a:prstGeom prst="rect">
-            <a:avLst/>
-          </a:prstGeom>
-        </p:spPr>
-      </p:pic>
-      <p:pic>
-        <p:nvPicPr>
-          <p:cNvPr id="8" name="그림 7">
-            <a:extLst>
-              <a:ext uri="{FF2B5EF4-FFF2-40B4-BE49-F238E27FC236}">
-                <a16:creationId xmlns:a16="http://schemas.microsoft.com/office/drawing/2014/main" id="{32C6E9E3-29BD-5E11-F79F-F2EDB1CDD407}"/>
-              </a:ext>
-            </a:extLst>
-          </p:cNvPr>
-          <p:cNvPicPr>
-            <a:picLocks noChangeAspect="1"/>
-          </p:cNvPicPr>
-          <p:nvPr/>
-        </p:nvPicPr>
-        <p:blipFill>
-          <a:blip r:embed="rId3"/>
-          <a:stretch>
-            <a:fillRect/>
-          </a:stretch>
-        </p:blipFill>
-        <p:spPr>
-          <a:xfrm>
-            <a:off x="6614826" y="1794842"/>
-            <a:ext cx="3622868" cy="3268316"/>
-          </a:xfrm>
-          <a:prstGeom prst="rect">
-            <a:avLst/>
-          </a:prstGeom>
-        </p:spPr>
-      </p:pic>
-    </p:spTree>
-    <p:extLst>
-      <p:ext uri="{BB962C8B-B14F-4D97-AF65-F5344CB8AC3E}">
-        <p14:creationId xmlns:p14="http://schemas.microsoft.com/office/powerpoint/2010/main" val="216883250"/>
-      </p:ext>
-    </p:extLst>
-  </p:cSld>
-  <p:clrMapOvr>
-    <a:masterClrMapping/>
-  </p:clrMapOvr>
-</p:sld>
-</file>
-
-<file path=ppt/slides/slide14.xml><?xml version="1.0" encoding="utf-8"?>
-<p:sld xmlns:a="http://schemas.openxmlformats.org/drawingml/2006/main" xmlns:r="http://schemas.openxmlformats.org/officeDocument/2006/relationships" xmlns:p="http://schemas.openxmlformats.org/presentationml/2006/main">
-  <p:cSld>
-    <p:spTree>
-      <p:nvGrpSpPr>
-        <p:cNvPr id="1" name=""/>
-        <p:cNvGrpSpPr/>
-        <p:nvPr/>
-      </p:nvGrpSpPr>
-      <p:grpSpPr>
-        <a:xfrm>
-          <a:off x="0" y="0"/>
-          <a:ext cx="0" cy="0"/>
-          <a:chOff x="0" y="0"/>
-          <a:chExt cx="0" cy="0"/>
-        </a:xfrm>
-      </p:grpSpPr>
-      <p:pic>
-        <p:nvPicPr>
-          <p:cNvPr id="3" name="그림 2">
-            <a:extLst>
-              <a:ext uri="{FF2B5EF4-FFF2-40B4-BE49-F238E27FC236}">
-                <a16:creationId xmlns:a16="http://schemas.microsoft.com/office/drawing/2014/main" id="{2128F9ED-3F43-0FAF-CDC4-A67D18F14F72}"/>
-              </a:ext>
-            </a:extLst>
-          </p:cNvPr>
-          <p:cNvPicPr>
-            <a:picLocks noChangeAspect="1"/>
-          </p:cNvPicPr>
-          <p:nvPr/>
-        </p:nvPicPr>
-        <p:blipFill>
-          <a:blip r:embed="rId2"/>
-          <a:stretch>
-            <a:fillRect/>
-          </a:stretch>
-        </p:blipFill>
-        <p:spPr>
-          <a:xfrm>
-            <a:off x="2124634" y="1752848"/>
-            <a:ext cx="3450386" cy="3112714"/>
-          </a:xfrm>
-          <a:prstGeom prst="rect">
-            <a:avLst/>
-          </a:prstGeom>
-        </p:spPr>
-      </p:pic>
-      <p:pic>
-        <p:nvPicPr>
-          <p:cNvPr id="5" name="그림 4">
-            <a:extLst>
-              <a:ext uri="{FF2B5EF4-FFF2-40B4-BE49-F238E27FC236}">
-                <a16:creationId xmlns:a16="http://schemas.microsoft.com/office/drawing/2014/main" id="{2C8B7A89-8BFC-9B70-3F40-D57DF8D42BD5}"/>
-              </a:ext>
-            </a:extLst>
-          </p:cNvPr>
-          <p:cNvPicPr>
-            <a:picLocks noChangeAspect="1"/>
-          </p:cNvPicPr>
-          <p:nvPr/>
-        </p:nvPicPr>
-        <p:blipFill>
-          <a:blip r:embed="rId3"/>
-          <a:stretch>
-            <a:fillRect/>
-          </a:stretch>
-        </p:blipFill>
-        <p:spPr>
-          <a:xfrm>
-            <a:off x="6616980" y="1752848"/>
-            <a:ext cx="3450386" cy="3112714"/>
-          </a:xfrm>
-          <a:prstGeom prst="rect">
-            <a:avLst/>
-          </a:prstGeom>
-        </p:spPr>
-      </p:pic>
-      <p:sp>
-        <p:nvSpPr>
-          <p:cNvPr id="8" name="TextBox 7">
-            <a:extLst>
-              <a:ext uri="{FF2B5EF4-FFF2-40B4-BE49-F238E27FC236}">
-                <a16:creationId xmlns:a16="http://schemas.microsoft.com/office/drawing/2014/main" id="{F18A7A09-D15E-BB44-7017-6B0BFB1438B5}"/>
-              </a:ext>
-            </a:extLst>
-          </p:cNvPr>
-          <p:cNvSpPr txBox="1"/>
-          <p:nvPr/>
-        </p:nvSpPr>
-        <p:spPr>
-          <a:xfrm>
-            <a:off x="3509029" y="1273389"/>
-            <a:ext cx="681597" cy="461665"/>
-          </a:xfrm>
-          <a:prstGeom prst="rect">
-            <a:avLst/>
-          </a:prstGeom>
-          <a:noFill/>
-        </p:spPr>
-        <p:txBody>
-          <a:bodyPr wrap="none" rtlCol="0">
-            <a:spAutoFit/>
-          </a:bodyPr>
-          <a:lstStyle/>
-          <a:p>
-            <a:pPr algn="ctr"/>
-            <a:r>
-              <a:rPr lang="en-US" sz="2400" dirty="0"/>
-              <a:t>plot</a:t>
-            </a:r>
-          </a:p>
-        </p:txBody>
-      </p:sp>
-      <p:sp>
-        <p:nvSpPr>
-          <p:cNvPr id="9" name="TextBox 8">
-            <a:extLst>
-              <a:ext uri="{FF2B5EF4-FFF2-40B4-BE49-F238E27FC236}">
-                <a16:creationId xmlns:a16="http://schemas.microsoft.com/office/drawing/2014/main" id="{006CE444-9C36-938F-F869-E55E396377D0}"/>
-              </a:ext>
-            </a:extLst>
-          </p:cNvPr>
-          <p:cNvSpPr txBox="1"/>
-          <p:nvPr/>
-        </p:nvSpPr>
-        <p:spPr>
-          <a:xfrm>
-            <a:off x="7954086" y="1273389"/>
-            <a:ext cx="776174" cy="461665"/>
-          </a:xfrm>
-          <a:prstGeom prst="rect">
-            <a:avLst/>
-          </a:prstGeom>
-          <a:noFill/>
-        </p:spPr>
-        <p:txBody>
-          <a:bodyPr wrap="none" rtlCol="0">
-            <a:spAutoFit/>
-          </a:bodyPr>
-          <a:lstStyle/>
-          <a:p>
-            <a:pPr algn="ctr"/>
-            <a:r>
-              <a:rPr lang="en-US" sz="2400" dirty="0"/>
-              <a:t>fplot</a:t>
-            </a:r>
-          </a:p>
-        </p:txBody>
-      </p:sp>
-    </p:spTree>
-    <p:extLst>
-      <p:ext uri="{BB962C8B-B14F-4D97-AF65-F5344CB8AC3E}">
-        <p14:creationId xmlns:p14="http://schemas.microsoft.com/office/powerpoint/2010/main" val="3305200901"/>
-      </p:ext>
-    </p:extLst>
-  </p:cSld>
-  <p:clrMapOvr>
-    <a:masterClrMapping/>
-  </p:clrMapOvr>
-</p:sld>
-</file>
-
-<file path=ppt/slides/slide15.xml><?xml version="1.0" encoding="utf-8"?>
-<p:sld xmlns:a="http://schemas.openxmlformats.org/drawingml/2006/main" xmlns:r="http://schemas.openxmlformats.org/officeDocument/2006/relationships" xmlns:p="http://schemas.openxmlformats.org/presentationml/2006/main">
-  <p:cSld>
-    <p:spTree>
-      <p:nvGrpSpPr>
-        <p:cNvPr id="1" name=""/>
-        <p:cNvGrpSpPr/>
-        <p:nvPr/>
-      </p:nvGrpSpPr>
-      <p:grpSpPr>
-        <a:xfrm>
-          <a:off x="0" y="0"/>
-          <a:ext cx="0" cy="0"/>
-          <a:chOff x="0" y="0"/>
-          <a:chExt cx="0" cy="0"/>
-        </a:xfrm>
-      </p:grpSpPr>
-      <p:pic>
-        <p:nvPicPr>
-          <p:cNvPr id="6" name="그림 5">
-            <a:extLst>
-              <a:ext uri="{FF2B5EF4-FFF2-40B4-BE49-F238E27FC236}">
-                <a16:creationId xmlns:a16="http://schemas.microsoft.com/office/drawing/2014/main" id="{B157BEDA-050F-F976-17D6-AE44FA3C907F}"/>
-              </a:ext>
-            </a:extLst>
-          </p:cNvPr>
-          <p:cNvPicPr>
-            <a:picLocks noChangeAspect="1"/>
-          </p:cNvPicPr>
-          <p:nvPr/>
-        </p:nvPicPr>
-        <p:blipFill>
-          <a:blip r:embed="rId2"/>
-          <a:stretch>
-            <a:fillRect/>
-          </a:stretch>
-        </p:blipFill>
-        <p:spPr>
-          <a:xfrm>
-            <a:off x="2124635" y="1752849"/>
-            <a:ext cx="3450386" cy="3112714"/>
-          </a:xfrm>
-          <a:prstGeom prst="rect">
-            <a:avLst/>
-          </a:prstGeom>
-        </p:spPr>
-      </p:pic>
-      <p:pic>
-        <p:nvPicPr>
-          <p:cNvPr id="7" name="그림 6">
-            <a:extLst>
-              <a:ext uri="{FF2B5EF4-FFF2-40B4-BE49-F238E27FC236}">
-                <a16:creationId xmlns:a16="http://schemas.microsoft.com/office/drawing/2014/main" id="{ED4DCB07-8936-2DCF-D464-1CBE376C65BF}"/>
-              </a:ext>
-            </a:extLst>
-          </p:cNvPr>
-          <p:cNvPicPr>
-            <a:picLocks noChangeAspect="1"/>
-          </p:cNvPicPr>
-          <p:nvPr/>
-        </p:nvPicPr>
-        <p:blipFill>
-          <a:blip r:embed="rId3"/>
-          <a:stretch>
-            <a:fillRect/>
-          </a:stretch>
-        </p:blipFill>
-        <p:spPr>
-          <a:xfrm>
-            <a:off x="6616979" y="1752849"/>
-            <a:ext cx="3450386" cy="3112714"/>
-          </a:xfrm>
-          <a:prstGeom prst="rect">
-            <a:avLst/>
-          </a:prstGeom>
-        </p:spPr>
-      </p:pic>
-      <p:sp>
-        <p:nvSpPr>
-          <p:cNvPr id="8" name="TextBox 7">
-            <a:extLst>
-              <a:ext uri="{FF2B5EF4-FFF2-40B4-BE49-F238E27FC236}">
-                <a16:creationId xmlns:a16="http://schemas.microsoft.com/office/drawing/2014/main" id="{09096EE2-84E7-B53D-387D-EF88807623BD}"/>
-              </a:ext>
-            </a:extLst>
-          </p:cNvPr>
-          <p:cNvSpPr txBox="1"/>
-          <p:nvPr/>
-        </p:nvSpPr>
-        <p:spPr>
-          <a:xfrm>
-            <a:off x="2701120" y="1273389"/>
-            <a:ext cx="2297424" cy="461665"/>
-          </a:xfrm>
-          <a:prstGeom prst="rect">
-            <a:avLst/>
-          </a:prstGeom>
-          <a:noFill/>
-        </p:spPr>
-        <p:txBody>
-          <a:bodyPr wrap="none" rtlCol="0">
-            <a:spAutoFit/>
-          </a:bodyPr>
-          <a:lstStyle/>
-          <a:p>
-            <a:pPr algn="ctr"/>
-            <a:r>
-              <a:rPr lang="en-US" sz="2400" dirty="0"/>
-              <a:t>fplot(@(x) sin(x))</a:t>
-            </a:r>
-          </a:p>
-        </p:txBody>
-      </p:sp>
-      <p:sp>
-        <p:nvSpPr>
-          <p:cNvPr id="9" name="TextBox 8">
-            <a:extLst>
-              <a:ext uri="{FF2B5EF4-FFF2-40B4-BE49-F238E27FC236}">
-                <a16:creationId xmlns:a16="http://schemas.microsoft.com/office/drawing/2014/main" id="{8ED9F8C3-5751-6210-622B-2F6FDD29F535}"/>
-              </a:ext>
-            </a:extLst>
-          </p:cNvPr>
-          <p:cNvSpPr txBox="1"/>
-          <p:nvPr/>
-        </p:nvSpPr>
-        <p:spPr>
-          <a:xfrm>
-            <a:off x="6604359" y="1273389"/>
-            <a:ext cx="3475631" cy="461665"/>
-          </a:xfrm>
-          <a:prstGeom prst="rect">
-            <a:avLst/>
-          </a:prstGeom>
-          <a:noFill/>
-        </p:spPr>
-        <p:txBody>
-          <a:bodyPr wrap="none" rtlCol="0">
-            <a:spAutoFit/>
-          </a:bodyPr>
-          <a:lstStyle/>
-          <a:p>
-            <a:pPr algn="ctr"/>
-            <a:r>
-              <a:rPr lang="en-US" sz="2400" dirty="0"/>
-              <a:t>fplot(@(x) sin(x), [0, 2*pi])</a:t>
-            </a:r>
-          </a:p>
-        </p:txBody>
-      </p:sp>
-    </p:spTree>
-    <p:extLst>
-      <p:ext uri="{BB962C8B-B14F-4D97-AF65-F5344CB8AC3E}">
-        <p14:creationId xmlns:p14="http://schemas.microsoft.com/office/powerpoint/2010/main" val="3493676590"/>
-      </p:ext>
-    </p:extLst>
-  </p:cSld>
-  <p:clrMapOvr>
-    <a:masterClrMapping/>
-  </p:clrMapOvr>
-</p:sld>
-</file>
-
-<file path=ppt/slides/slide16.xml><?xml version="1.0" encoding="utf-8"?>
-<p:sld xmlns:a="http://schemas.openxmlformats.org/drawingml/2006/main" xmlns:r="http://schemas.openxmlformats.org/officeDocument/2006/relationships" xmlns:p="http://schemas.openxmlformats.org/presentationml/2006/main">
-  <p:cSld>
-    <p:spTree>
-      <p:nvGrpSpPr>
-        <p:cNvPr id="1" name=""/>
-        <p:cNvGrpSpPr/>
-        <p:nvPr/>
-      </p:nvGrpSpPr>
-      <p:grpSpPr>
-        <a:xfrm>
-          <a:off x="0" y="0"/>
-          <a:ext cx="0" cy="0"/>
-          <a:chOff x="0" y="0"/>
-          <a:chExt cx="0" cy="0"/>
-        </a:xfrm>
-      </p:grpSpPr>
-      <p:pic>
-        <p:nvPicPr>
-          <p:cNvPr id="3" name="그림 2">
-            <a:extLst>
-              <a:ext uri="{FF2B5EF4-FFF2-40B4-BE49-F238E27FC236}">
-                <a16:creationId xmlns:a16="http://schemas.microsoft.com/office/drawing/2014/main" id="{49DD40DF-648F-1896-373E-4AF1E354805A}"/>
-              </a:ext>
-            </a:extLst>
-          </p:cNvPr>
-          <p:cNvPicPr>
-            <a:picLocks noChangeAspect="1"/>
-          </p:cNvPicPr>
-          <p:nvPr/>
-        </p:nvPicPr>
-        <p:blipFill>
-          <a:blip r:embed="rId2"/>
-          <a:stretch>
-            <a:fillRect/>
-          </a:stretch>
-        </p:blipFill>
-        <p:spPr>
-          <a:xfrm>
-            <a:off x="3429000" y="1428750"/>
-            <a:ext cx="5334000" cy="4000500"/>
-          </a:xfrm>
-          <a:prstGeom prst="rect">
-            <a:avLst/>
-          </a:prstGeom>
-        </p:spPr>
-      </p:pic>
-    </p:spTree>
-    <p:extLst>
-      <p:ext uri="{BB962C8B-B14F-4D97-AF65-F5344CB8AC3E}">
-        <p14:creationId xmlns:p14="http://schemas.microsoft.com/office/powerpoint/2010/main" val="2582165912"/>
-      </p:ext>
-    </p:extLst>
-  </p:cSld>
-  <p:clrMapOvr>
-    <a:masterClrMapping/>
-  </p:clrMapOvr>
-</p:sld>
-</file>
-
-<file path=ppt/slides/slide17.xml><?xml version="1.0" encoding="utf-8"?>
-<p:sld xmlns:a="http://schemas.openxmlformats.org/drawingml/2006/main" xmlns:r="http://schemas.openxmlformats.org/officeDocument/2006/relationships" xmlns:p="http://schemas.openxmlformats.org/presentationml/2006/main">
-  <p:cSld>
-    <p:spTree>
-      <p:nvGrpSpPr>
-        <p:cNvPr id="1" name=""/>
-        <p:cNvGrpSpPr/>
-        <p:nvPr/>
-      </p:nvGrpSpPr>
-      <p:grpSpPr>
-        <a:xfrm>
-          <a:off x="0" y="0"/>
-          <a:ext cx="0" cy="0"/>
-          <a:chOff x="0" y="0"/>
-          <a:chExt cx="0" cy="0"/>
-        </a:xfrm>
-      </p:grpSpPr>
-      <p:pic>
-        <p:nvPicPr>
-          <p:cNvPr id="7" name="그림 6">
-            <a:extLst>
-              <a:ext uri="{FF2B5EF4-FFF2-40B4-BE49-F238E27FC236}">
-                <a16:creationId xmlns:a16="http://schemas.microsoft.com/office/drawing/2014/main" id="{7B231E67-FA60-30A9-7297-9669CBB07A9F}"/>
-              </a:ext>
-            </a:extLst>
-          </p:cNvPr>
-          <p:cNvPicPr>
-            <a:picLocks noChangeAspect="1"/>
-          </p:cNvPicPr>
-          <p:nvPr/>
-        </p:nvPicPr>
-        <p:blipFill>
-          <a:blip r:embed="rId2"/>
-          <a:stretch>
-            <a:fillRect/>
-          </a:stretch>
-        </p:blipFill>
-        <p:spPr>
-          <a:xfrm>
-            <a:off x="3429000" y="1428750"/>
-            <a:ext cx="5334000" cy="4000500"/>
-          </a:xfrm>
-          <a:prstGeom prst="rect">
-            <a:avLst/>
-          </a:prstGeom>
-        </p:spPr>
-      </p:pic>
-    </p:spTree>
-    <p:extLst>
-      <p:ext uri="{BB962C8B-B14F-4D97-AF65-F5344CB8AC3E}">
-        <p14:creationId xmlns:p14="http://schemas.microsoft.com/office/powerpoint/2010/main" val="1830224559"/>
-      </p:ext>
-    </p:extLst>
-  </p:cSld>
-  <p:clrMapOvr>
-    <a:masterClrMapping/>
-  </p:clrMapOvr>
-</p:sld>
-</file>
-
-<file path=ppt/slides/slide18.xml><?xml version="1.0" encoding="utf-8"?>
-<p:sld xmlns:a="http://schemas.openxmlformats.org/drawingml/2006/main" xmlns:r="http://schemas.openxmlformats.org/officeDocument/2006/relationships" xmlns:p="http://schemas.openxmlformats.org/presentationml/2006/main">
-  <p:cSld>
-    <p:spTree>
-      <p:nvGrpSpPr>
-        <p:cNvPr id="1" name=""/>
-        <p:cNvGrpSpPr/>
-        <p:nvPr/>
-      </p:nvGrpSpPr>
-      <p:grpSpPr>
-        <a:xfrm>
-          <a:off x="0" y="0"/>
-          <a:ext cx="0" cy="0"/>
-          <a:chOff x="0" y="0"/>
-          <a:chExt cx="0" cy="0"/>
-        </a:xfrm>
-      </p:grpSpPr>
-      <p:pic>
-        <p:nvPicPr>
-          <p:cNvPr id="6" name="Picture 5">
-            <a:extLst>
-              <a:ext uri="{FF2B5EF4-FFF2-40B4-BE49-F238E27FC236}">
-                <a16:creationId xmlns:a16="http://schemas.microsoft.com/office/drawing/2014/main" id="{4FC6A8C5-EE29-A69A-DEC3-21A554129990}"/>
-              </a:ext>
-            </a:extLst>
-          </p:cNvPr>
-          <p:cNvPicPr>
-            <a:picLocks noChangeAspect="1"/>
-          </p:cNvPicPr>
-          <p:nvPr/>
-        </p:nvPicPr>
-        <p:blipFill>
-          <a:blip r:embed="rId2"/>
-          <a:stretch>
-            <a:fillRect/>
-          </a:stretch>
-        </p:blipFill>
-        <p:spPr>
-          <a:xfrm>
-            <a:off x="3419809" y="1019476"/>
-            <a:ext cx="5352381" cy="4819048"/>
-          </a:xfrm>
-          <a:prstGeom prst="rect">
-            <a:avLst/>
-          </a:prstGeom>
-        </p:spPr>
-      </p:pic>
-    </p:spTree>
-    <p:extLst>
-      <p:ext uri="{BB962C8B-B14F-4D97-AF65-F5344CB8AC3E}">
-        <p14:creationId xmlns:p14="http://schemas.microsoft.com/office/powerpoint/2010/main" val="351326738"/>
-      </p:ext>
-    </p:extLst>
-  </p:cSld>
-  <p:clrMapOvr>
-    <a:masterClrMapping/>
-  </p:clrMapOvr>
-</p:sld>
-</file>
-
-<file path=ppt/slides/slide2.xml><?xml version="1.0" encoding="utf-8"?>
+<file path=ppt/slides/slide4.xml><?xml version="1.0" encoding="utf-8"?>
 <p:sld xmlns:a="http://schemas.openxmlformats.org/drawingml/2006/main" xmlns:r="http://schemas.openxmlformats.org/officeDocument/2006/relationships" xmlns:p="http://schemas.openxmlformats.org/presentationml/2006/main">
   <p:cSld>
     <p:spTree>
@@ -7747,7 +9171,7 @@
 </p:sld>
 </file>
 
-<file path=ppt/slides/slide3.xml><?xml version="1.0" encoding="utf-8"?>
+<file path=ppt/slides/slide5.xml><?xml version="1.0" encoding="utf-8"?>
 <p:sld xmlns:a="http://schemas.openxmlformats.org/drawingml/2006/main" xmlns:r="http://schemas.openxmlformats.org/officeDocument/2006/relationships" xmlns:p="http://schemas.openxmlformats.org/presentationml/2006/main">
   <p:cSld>
     <p:spTree>
@@ -9065,7 +10489,7 @@
 </p:sld>
 </file>
 
-<file path=ppt/slides/slide4.xml><?xml version="1.0" encoding="utf-8"?>
+<file path=ppt/slides/slide6.xml><?xml version="1.0" encoding="utf-8"?>
 <p:sld xmlns:a="http://schemas.openxmlformats.org/drawingml/2006/main" xmlns:r="http://schemas.openxmlformats.org/officeDocument/2006/relationships" xmlns:p="http://schemas.openxmlformats.org/presentationml/2006/main">
   <p:cSld>
     <p:spTree>
@@ -9227,7 +10651,7 @@
 </p:sld>
 </file>
 
-<file path=ppt/slides/slide5.xml><?xml version="1.0" encoding="utf-8"?>
+<file path=ppt/slides/slide7.xml><?xml version="1.0" encoding="utf-8"?>
 <p:sld xmlns:a="http://schemas.openxmlformats.org/drawingml/2006/main" xmlns:r="http://schemas.openxmlformats.org/officeDocument/2006/relationships" xmlns:p="http://schemas.openxmlformats.org/presentationml/2006/main">
   <p:cSld>
     <p:spTree>
@@ -9502,7 +10926,7 @@
 </p:sld>
 </file>
 
-<file path=ppt/slides/slide6.xml><?xml version="1.0" encoding="utf-8"?>
+<file path=ppt/slides/slide8.xml><?xml version="1.0" encoding="utf-8"?>
 <p:sld xmlns:a="http://schemas.openxmlformats.org/drawingml/2006/main" xmlns:r="http://schemas.openxmlformats.org/officeDocument/2006/relationships" xmlns:p="http://schemas.openxmlformats.org/presentationml/2006/main">
   <p:cSld>
     <p:spTree>
@@ -9671,7 +11095,7 @@
 </p:sld>
 </file>
 
-<file path=ppt/slides/slide7.xml><?xml version="1.0" encoding="utf-8"?>
+<file path=ppt/slides/slide9.xml><?xml version="1.0" encoding="utf-8"?>
 <p:sld xmlns:a="http://schemas.openxmlformats.org/drawingml/2006/main" xmlns:r="http://schemas.openxmlformats.org/officeDocument/2006/relationships" xmlns:p="http://schemas.openxmlformats.org/presentationml/2006/main">
   <p:cSld>
     <p:spTree>
@@ -9980,1015 +11404,6 @@
     <p:extLst>
       <p:ext uri="{BB962C8B-B14F-4D97-AF65-F5344CB8AC3E}">
         <p14:creationId xmlns:p14="http://schemas.microsoft.com/office/powerpoint/2010/main" val="1440312516"/>
-      </p:ext>
-    </p:extLst>
-  </p:cSld>
-  <p:clrMapOvr>
-    <a:masterClrMapping/>
-  </p:clrMapOvr>
-</p:sld>
-</file>
-
-<file path=ppt/slides/slide8.xml><?xml version="1.0" encoding="utf-8"?>
-<p:sld xmlns:a="http://schemas.openxmlformats.org/drawingml/2006/main" xmlns:r="http://schemas.openxmlformats.org/officeDocument/2006/relationships" xmlns:p="http://schemas.openxmlformats.org/presentationml/2006/main">
-  <p:cSld>
-    <p:spTree>
-      <p:nvGrpSpPr>
-        <p:cNvPr id="1" name=""/>
-        <p:cNvGrpSpPr/>
-        <p:nvPr/>
-      </p:nvGrpSpPr>
-      <p:grpSpPr>
-        <a:xfrm>
-          <a:off x="0" y="0"/>
-          <a:ext cx="0" cy="0"/>
-          <a:chOff x="0" y="0"/>
-          <a:chExt cx="0" cy="0"/>
-        </a:xfrm>
-      </p:grpSpPr>
-      <p:grpSp>
-        <p:nvGrpSpPr>
-          <p:cNvPr id="6" name="그룹 5">
-            <a:extLst>
-              <a:ext uri="{FF2B5EF4-FFF2-40B4-BE49-F238E27FC236}">
-                <a16:creationId xmlns:a16="http://schemas.microsoft.com/office/drawing/2014/main" id="{E3F23010-75B8-800A-3D39-FB29E5F5C627}"/>
-              </a:ext>
-            </a:extLst>
-          </p:cNvPr>
-          <p:cNvGrpSpPr/>
-          <p:nvPr/>
-        </p:nvGrpSpPr>
-        <p:grpSpPr>
-          <a:xfrm>
-            <a:off x="1600427" y="1502149"/>
-            <a:ext cx="9004820" cy="3853702"/>
-            <a:chOff x="461456" y="1014714"/>
-            <a:chExt cx="11282762" cy="4828571"/>
-          </a:xfrm>
-        </p:grpSpPr>
-        <p:pic>
-          <p:nvPicPr>
-            <p:cNvPr id="3" name="그림 2">
-              <a:extLst>
-                <a:ext uri="{FF2B5EF4-FFF2-40B4-BE49-F238E27FC236}">
-                  <a16:creationId xmlns:a16="http://schemas.microsoft.com/office/drawing/2014/main" id="{3ED50D3B-072D-3026-AB64-DDED33282F53}"/>
-                </a:ext>
-              </a:extLst>
-            </p:cNvPr>
-            <p:cNvPicPr>
-              <a:picLocks noChangeAspect="1"/>
-            </p:cNvPicPr>
-            <p:nvPr/>
-          </p:nvPicPr>
-          <p:blipFill>
-            <a:blip r:embed="rId2"/>
-            <a:stretch>
-              <a:fillRect/>
-            </a:stretch>
-          </p:blipFill>
-          <p:spPr>
-            <a:xfrm>
-              <a:off x="461456" y="1014714"/>
-              <a:ext cx="5352381" cy="4828571"/>
-            </a:xfrm>
-            <a:prstGeom prst="rect">
-              <a:avLst/>
-            </a:prstGeom>
-          </p:spPr>
-        </p:pic>
-        <p:pic>
-          <p:nvPicPr>
-            <p:cNvPr id="5" name="그림 4">
-              <a:extLst>
-                <a:ext uri="{FF2B5EF4-FFF2-40B4-BE49-F238E27FC236}">
-                  <a16:creationId xmlns:a16="http://schemas.microsoft.com/office/drawing/2014/main" id="{FE17C70C-D3FF-5287-F3A6-E41F4D89CEF9}"/>
-                </a:ext>
-              </a:extLst>
-            </p:cNvPr>
-            <p:cNvPicPr>
-              <a:picLocks noChangeAspect="1"/>
-            </p:cNvPicPr>
-            <p:nvPr/>
-          </p:nvPicPr>
-          <p:blipFill>
-            <a:blip r:embed="rId3"/>
-            <a:stretch>
-              <a:fillRect/>
-            </a:stretch>
-          </p:blipFill>
-          <p:spPr>
-            <a:xfrm>
-              <a:off x="6391837" y="1014714"/>
-              <a:ext cx="5352381" cy="4828571"/>
-            </a:xfrm>
-            <a:prstGeom prst="rect">
-              <a:avLst/>
-            </a:prstGeom>
-          </p:spPr>
-        </p:pic>
-      </p:grpSp>
-      <p:sp>
-        <p:nvSpPr>
-          <p:cNvPr id="7" name="TextBox 6">
-            <a:extLst>
-              <a:ext uri="{FF2B5EF4-FFF2-40B4-BE49-F238E27FC236}">
-                <a16:creationId xmlns:a16="http://schemas.microsoft.com/office/drawing/2014/main" id="{F50566C8-C131-4DC3-A3DE-2690C1AD79CB}"/>
-              </a:ext>
-            </a:extLst>
-          </p:cNvPr>
-          <p:cNvSpPr txBox="1"/>
-          <p:nvPr/>
-        </p:nvSpPr>
-        <p:spPr>
-          <a:xfrm>
-            <a:off x="3001970" y="917374"/>
-            <a:ext cx="1468672" cy="584775"/>
-          </a:xfrm>
-          <a:prstGeom prst="rect">
-            <a:avLst/>
-          </a:prstGeom>
-          <a:noFill/>
-        </p:spPr>
-        <p:txBody>
-          <a:bodyPr wrap="none" rtlCol="0">
-            <a:spAutoFit/>
-          </a:bodyPr>
-          <a:lstStyle/>
-          <a:p>
-            <a:pPr algn="ctr"/>
-            <a:r>
-              <a:rPr lang="en-US" sz="3200" dirty="0"/>
-              <a:t>grid on;</a:t>
-            </a:r>
-          </a:p>
-        </p:txBody>
-      </p:sp>
-      <p:sp>
-        <p:nvSpPr>
-          <p:cNvPr id="8" name="TextBox 7">
-            <a:extLst>
-              <a:ext uri="{FF2B5EF4-FFF2-40B4-BE49-F238E27FC236}">
-                <a16:creationId xmlns:a16="http://schemas.microsoft.com/office/drawing/2014/main" id="{6CE7E7ED-8F0E-E2A2-95EE-A7BD07265799}"/>
-              </a:ext>
-            </a:extLst>
-          </p:cNvPr>
-          <p:cNvSpPr txBox="1"/>
-          <p:nvPr/>
-        </p:nvSpPr>
-        <p:spPr>
-          <a:xfrm>
-            <a:off x="7452103" y="463764"/>
-            <a:ext cx="2034532" cy="1077218"/>
-          </a:xfrm>
-          <a:prstGeom prst="rect">
-            <a:avLst/>
-          </a:prstGeom>
-          <a:noFill/>
-        </p:spPr>
-        <p:txBody>
-          <a:bodyPr wrap="none" rtlCol="0">
-            <a:spAutoFit/>
-          </a:bodyPr>
-          <a:lstStyle/>
-          <a:p>
-            <a:pPr algn="ctr"/>
-            <a:r>
-              <a:rPr lang="en-US" sz="3200" dirty="0"/>
-              <a:t>grid on;</a:t>
-            </a:r>
-          </a:p>
-          <a:p>
-            <a:pPr algn="ctr"/>
-            <a:r>
-              <a:rPr lang="en-US" sz="3200" dirty="0"/>
-              <a:t>grid minor;</a:t>
-            </a:r>
-          </a:p>
-        </p:txBody>
-      </p:sp>
-    </p:spTree>
-    <p:extLst>
-      <p:ext uri="{BB962C8B-B14F-4D97-AF65-F5344CB8AC3E}">
-        <p14:creationId xmlns:p14="http://schemas.microsoft.com/office/powerpoint/2010/main" val="435856128"/>
-      </p:ext>
-    </p:extLst>
-  </p:cSld>
-  <p:clrMapOvr>
-    <a:masterClrMapping/>
-  </p:clrMapOvr>
-</p:sld>
-</file>
-
-<file path=ppt/slides/slide9.xml><?xml version="1.0" encoding="utf-8"?>
-<p:sld xmlns:a="http://schemas.openxmlformats.org/drawingml/2006/main" xmlns:r="http://schemas.openxmlformats.org/officeDocument/2006/relationships" xmlns:p="http://schemas.openxmlformats.org/presentationml/2006/main">
-  <p:cSld>
-    <p:spTree>
-      <p:nvGrpSpPr>
-        <p:cNvPr id="1" name=""/>
-        <p:cNvGrpSpPr/>
-        <p:nvPr/>
-      </p:nvGrpSpPr>
-      <p:grpSpPr>
-        <a:xfrm>
-          <a:off x="0" y="0"/>
-          <a:ext cx="0" cy="0"/>
-          <a:chOff x="0" y="0"/>
-          <a:chExt cx="0" cy="0"/>
-        </a:xfrm>
-      </p:grpSpPr>
-      <p:grpSp>
-        <p:nvGrpSpPr>
-          <p:cNvPr id="8" name="그룹 7">
-            <a:extLst>
-              <a:ext uri="{FF2B5EF4-FFF2-40B4-BE49-F238E27FC236}">
-                <a16:creationId xmlns:a16="http://schemas.microsoft.com/office/drawing/2014/main" id="{48E94319-645F-E65B-BA12-536E6D3ED826}"/>
-              </a:ext>
-            </a:extLst>
-          </p:cNvPr>
-          <p:cNvGrpSpPr/>
-          <p:nvPr/>
-        </p:nvGrpSpPr>
-        <p:grpSpPr>
-          <a:xfrm>
-            <a:off x="770965" y="1627021"/>
-            <a:ext cx="2865928" cy="2662669"/>
-            <a:chOff x="502023" y="1246094"/>
-            <a:chExt cx="3792072" cy="3523129"/>
-          </a:xfrm>
-        </p:grpSpPr>
-        <p:sp>
-          <p:nvSpPr>
-            <p:cNvPr id="2" name="직사각형 1">
-              <a:extLst>
-                <a:ext uri="{FF2B5EF4-FFF2-40B4-BE49-F238E27FC236}">
-                  <a16:creationId xmlns:a16="http://schemas.microsoft.com/office/drawing/2014/main" id="{C8A13627-1472-431F-F519-C33CF3882705}"/>
-                </a:ext>
-              </a:extLst>
-            </p:cNvPr>
-            <p:cNvSpPr/>
-            <p:nvPr/>
-          </p:nvSpPr>
-          <p:spPr>
-            <a:xfrm>
-              <a:off x="502023" y="1246094"/>
-              <a:ext cx="1757083" cy="3523129"/>
-            </a:xfrm>
-            <a:prstGeom prst="rect">
-              <a:avLst/>
-            </a:prstGeom>
-            <a:solidFill>
-              <a:schemeClr val="bg1"/>
-            </a:solidFill>
-            <a:ln w="28575">
-              <a:solidFill>
-                <a:schemeClr val="tx1"/>
-              </a:solidFill>
-            </a:ln>
-          </p:spPr>
-          <p:style>
-            <a:lnRef idx="2">
-              <a:schemeClr val="accent1">
-                <a:shade val="50000"/>
-              </a:schemeClr>
-            </a:lnRef>
-            <a:fillRef idx="1">
-              <a:schemeClr val="accent1"/>
-            </a:fillRef>
-            <a:effectRef idx="0">
-              <a:schemeClr val="accent1"/>
-            </a:effectRef>
-            <a:fontRef idx="minor">
-              <a:schemeClr val="lt1"/>
-            </a:fontRef>
-          </p:style>
-          <p:txBody>
-            <a:bodyPr rtlCol="0" anchor="ctr"/>
-            <a:lstStyle/>
-            <a:p>
-              <a:pPr algn="ctr"/>
-              <a:endParaRPr lang="en-US"/>
-            </a:p>
-          </p:txBody>
-        </p:sp>
-        <p:sp>
-          <p:nvSpPr>
-            <p:cNvPr id="3" name="직사각형 2">
-              <a:extLst>
-                <a:ext uri="{FF2B5EF4-FFF2-40B4-BE49-F238E27FC236}">
-                  <a16:creationId xmlns:a16="http://schemas.microsoft.com/office/drawing/2014/main" id="{3E2757C1-5F73-4233-317B-AA3B38DC4047}"/>
-                </a:ext>
-              </a:extLst>
-            </p:cNvPr>
-            <p:cNvSpPr/>
-            <p:nvPr/>
-          </p:nvSpPr>
-          <p:spPr>
-            <a:xfrm>
-              <a:off x="2537012" y="1246094"/>
-              <a:ext cx="1757083" cy="3523129"/>
-            </a:xfrm>
-            <a:prstGeom prst="rect">
-              <a:avLst/>
-            </a:prstGeom>
-            <a:solidFill>
-              <a:schemeClr val="bg1"/>
-            </a:solidFill>
-            <a:ln w="28575">
-              <a:solidFill>
-                <a:schemeClr val="tx1"/>
-              </a:solidFill>
-            </a:ln>
-          </p:spPr>
-          <p:style>
-            <a:lnRef idx="2">
-              <a:schemeClr val="accent1">
-                <a:shade val="50000"/>
-              </a:schemeClr>
-            </a:lnRef>
-            <a:fillRef idx="1">
-              <a:schemeClr val="accent1"/>
-            </a:fillRef>
-            <a:effectRef idx="0">
-              <a:schemeClr val="accent1"/>
-            </a:effectRef>
-            <a:fontRef idx="minor">
-              <a:schemeClr val="lt1"/>
-            </a:fontRef>
-          </p:style>
-          <p:txBody>
-            <a:bodyPr rtlCol="0" anchor="ctr"/>
-            <a:lstStyle/>
-            <a:p>
-              <a:pPr algn="ctr"/>
-              <a:endParaRPr lang="en-US"/>
-            </a:p>
-          </p:txBody>
-        </p:sp>
-      </p:grpSp>
-      <p:grpSp>
-        <p:nvGrpSpPr>
-          <p:cNvPr id="9" name="그룹 8">
-            <a:extLst>
-              <a:ext uri="{FF2B5EF4-FFF2-40B4-BE49-F238E27FC236}">
-                <a16:creationId xmlns:a16="http://schemas.microsoft.com/office/drawing/2014/main" id="{5FB8B0A5-8716-3EA9-E5D6-D93DE40A3144}"/>
-              </a:ext>
-            </a:extLst>
-          </p:cNvPr>
-          <p:cNvGrpSpPr/>
-          <p:nvPr/>
-        </p:nvGrpSpPr>
-        <p:grpSpPr>
-          <a:xfrm>
-            <a:off x="4658122" y="1627020"/>
-            <a:ext cx="3286356" cy="2662669"/>
-            <a:chOff x="5002305" y="1246093"/>
-            <a:chExt cx="4348365" cy="3523129"/>
-          </a:xfrm>
-        </p:grpSpPr>
-        <p:sp>
-          <p:nvSpPr>
-            <p:cNvPr id="4" name="직사각형 3">
-              <a:extLst>
-                <a:ext uri="{FF2B5EF4-FFF2-40B4-BE49-F238E27FC236}">
-                  <a16:creationId xmlns:a16="http://schemas.microsoft.com/office/drawing/2014/main" id="{B2FBB032-A95C-FDFE-894B-F00E22E6B16F}"/>
-                </a:ext>
-              </a:extLst>
-            </p:cNvPr>
-            <p:cNvSpPr/>
-            <p:nvPr/>
-          </p:nvSpPr>
-          <p:spPr>
-            <a:xfrm>
-              <a:off x="5002305" y="1246093"/>
-              <a:ext cx="4348365" cy="1629315"/>
-            </a:xfrm>
-            <a:prstGeom prst="rect">
-              <a:avLst/>
-            </a:prstGeom>
-            <a:solidFill>
-              <a:schemeClr val="bg1"/>
-            </a:solidFill>
-            <a:ln w="28575">
-              <a:solidFill>
-                <a:schemeClr val="tx1"/>
-              </a:solidFill>
-            </a:ln>
-          </p:spPr>
-          <p:style>
-            <a:lnRef idx="2">
-              <a:schemeClr val="accent1">
-                <a:shade val="50000"/>
-              </a:schemeClr>
-            </a:lnRef>
-            <a:fillRef idx="1">
-              <a:schemeClr val="accent1"/>
-            </a:fillRef>
-            <a:effectRef idx="0">
-              <a:schemeClr val="accent1"/>
-            </a:effectRef>
-            <a:fontRef idx="minor">
-              <a:schemeClr val="lt1"/>
-            </a:fontRef>
-          </p:style>
-          <p:txBody>
-            <a:bodyPr rtlCol="0" anchor="ctr"/>
-            <a:lstStyle/>
-            <a:p>
-              <a:pPr algn="ctr"/>
-              <a:endParaRPr lang="en-US"/>
-            </a:p>
-          </p:txBody>
-        </p:sp>
-        <p:sp>
-          <p:nvSpPr>
-            <p:cNvPr id="6" name="직사각형 5">
-              <a:extLst>
-                <a:ext uri="{FF2B5EF4-FFF2-40B4-BE49-F238E27FC236}">
-                  <a16:creationId xmlns:a16="http://schemas.microsoft.com/office/drawing/2014/main" id="{C2A60D7E-ABAC-BC7A-B9A9-B7EEEC33FEC8}"/>
-                </a:ext>
-              </a:extLst>
-            </p:cNvPr>
-            <p:cNvSpPr/>
-            <p:nvPr/>
-          </p:nvSpPr>
-          <p:spPr>
-            <a:xfrm>
-              <a:off x="5002305" y="3139907"/>
-              <a:ext cx="4348365" cy="1629315"/>
-            </a:xfrm>
-            <a:prstGeom prst="rect">
-              <a:avLst/>
-            </a:prstGeom>
-            <a:solidFill>
-              <a:schemeClr val="bg1"/>
-            </a:solidFill>
-            <a:ln w="28575">
-              <a:solidFill>
-                <a:schemeClr val="tx1"/>
-              </a:solidFill>
-            </a:ln>
-          </p:spPr>
-          <p:style>
-            <a:lnRef idx="2">
-              <a:schemeClr val="accent1">
-                <a:shade val="50000"/>
-              </a:schemeClr>
-            </a:lnRef>
-            <a:fillRef idx="1">
-              <a:schemeClr val="accent1"/>
-            </a:fillRef>
-            <a:effectRef idx="0">
-              <a:schemeClr val="accent1"/>
-            </a:effectRef>
-            <a:fontRef idx="minor">
-              <a:schemeClr val="lt1"/>
-            </a:fontRef>
-          </p:style>
-          <p:txBody>
-            <a:bodyPr rtlCol="0" anchor="ctr"/>
-            <a:lstStyle/>
-            <a:p>
-              <a:pPr algn="ctr"/>
-              <a:endParaRPr lang="en-US"/>
-            </a:p>
-          </p:txBody>
-        </p:sp>
-      </p:grpSp>
-      <p:sp>
-        <p:nvSpPr>
-          <p:cNvPr id="11" name="직사각형 10">
-            <a:extLst>
-              <a:ext uri="{FF2B5EF4-FFF2-40B4-BE49-F238E27FC236}">
-                <a16:creationId xmlns:a16="http://schemas.microsoft.com/office/drawing/2014/main" id="{01260FCE-599F-86BB-111B-6D6DCE16881B}"/>
-              </a:ext>
-            </a:extLst>
-          </p:cNvPr>
-          <p:cNvSpPr/>
-          <p:nvPr/>
-        </p:nvSpPr>
-        <p:spPr>
-          <a:xfrm>
-            <a:off x="8886801" y="1627021"/>
-            <a:ext cx="1327948" cy="1231384"/>
-          </a:xfrm>
-          <a:prstGeom prst="rect">
-            <a:avLst/>
-          </a:prstGeom>
-          <a:solidFill>
-            <a:schemeClr val="bg1"/>
-          </a:solidFill>
-          <a:ln w="28575">
-            <a:solidFill>
-              <a:schemeClr val="tx1"/>
-            </a:solidFill>
-          </a:ln>
-        </p:spPr>
-        <p:style>
-          <a:lnRef idx="2">
-            <a:schemeClr val="accent1">
-              <a:shade val="50000"/>
-            </a:schemeClr>
-          </a:lnRef>
-          <a:fillRef idx="1">
-            <a:schemeClr val="accent1"/>
-          </a:fillRef>
-          <a:effectRef idx="0">
-            <a:schemeClr val="accent1"/>
-          </a:effectRef>
-          <a:fontRef idx="minor">
-            <a:schemeClr val="lt1"/>
-          </a:fontRef>
-        </p:style>
-        <p:txBody>
-          <a:bodyPr rtlCol="0" anchor="ctr"/>
-          <a:lstStyle/>
-          <a:p>
-            <a:pPr algn="ctr"/>
-            <a:endParaRPr lang="en-US"/>
-          </a:p>
-        </p:txBody>
-      </p:sp>
-      <p:sp>
-        <p:nvSpPr>
-          <p:cNvPr id="12" name="직사각형 11">
-            <a:extLst>
-              <a:ext uri="{FF2B5EF4-FFF2-40B4-BE49-F238E27FC236}">
-                <a16:creationId xmlns:a16="http://schemas.microsoft.com/office/drawing/2014/main" id="{A2CBE566-90D7-62B5-A7D2-3CB32CB64635}"/>
-              </a:ext>
-            </a:extLst>
-          </p:cNvPr>
-          <p:cNvSpPr/>
-          <p:nvPr/>
-        </p:nvSpPr>
-        <p:spPr>
-          <a:xfrm>
-            <a:off x="10424781" y="1627021"/>
-            <a:ext cx="1327948" cy="1231384"/>
-          </a:xfrm>
-          <a:prstGeom prst="rect">
-            <a:avLst/>
-          </a:prstGeom>
-          <a:solidFill>
-            <a:schemeClr val="bg1"/>
-          </a:solidFill>
-          <a:ln w="28575">
-            <a:solidFill>
-              <a:schemeClr val="tx1"/>
-            </a:solidFill>
-          </a:ln>
-        </p:spPr>
-        <p:style>
-          <a:lnRef idx="2">
-            <a:schemeClr val="accent1">
-              <a:shade val="50000"/>
-            </a:schemeClr>
-          </a:lnRef>
-          <a:fillRef idx="1">
-            <a:schemeClr val="accent1"/>
-          </a:fillRef>
-          <a:effectRef idx="0">
-            <a:schemeClr val="accent1"/>
-          </a:effectRef>
-          <a:fontRef idx="minor">
-            <a:schemeClr val="lt1"/>
-          </a:fontRef>
-        </p:style>
-        <p:txBody>
-          <a:bodyPr rtlCol="0" anchor="ctr"/>
-          <a:lstStyle/>
-          <a:p>
-            <a:pPr algn="ctr"/>
-            <a:endParaRPr lang="en-US"/>
-          </a:p>
-        </p:txBody>
-      </p:sp>
-      <p:sp>
-        <p:nvSpPr>
-          <p:cNvPr id="13" name="직사각형 12">
-            <a:extLst>
-              <a:ext uri="{FF2B5EF4-FFF2-40B4-BE49-F238E27FC236}">
-                <a16:creationId xmlns:a16="http://schemas.microsoft.com/office/drawing/2014/main" id="{13E97DF8-41B3-550F-C20D-CAA78D997AB0}"/>
-              </a:ext>
-            </a:extLst>
-          </p:cNvPr>
-          <p:cNvSpPr/>
-          <p:nvPr/>
-        </p:nvSpPr>
-        <p:spPr>
-          <a:xfrm>
-            <a:off x="8886801" y="3058304"/>
-            <a:ext cx="1327948" cy="1231384"/>
-          </a:xfrm>
-          <a:prstGeom prst="rect">
-            <a:avLst/>
-          </a:prstGeom>
-          <a:solidFill>
-            <a:schemeClr val="bg1"/>
-          </a:solidFill>
-          <a:ln w="28575">
-            <a:solidFill>
-              <a:schemeClr val="tx1"/>
-            </a:solidFill>
-          </a:ln>
-        </p:spPr>
-        <p:style>
-          <a:lnRef idx="2">
-            <a:schemeClr val="accent1">
-              <a:shade val="50000"/>
-            </a:schemeClr>
-          </a:lnRef>
-          <a:fillRef idx="1">
-            <a:schemeClr val="accent1"/>
-          </a:fillRef>
-          <a:effectRef idx="0">
-            <a:schemeClr val="accent1"/>
-          </a:effectRef>
-          <a:fontRef idx="minor">
-            <a:schemeClr val="lt1"/>
-          </a:fontRef>
-        </p:style>
-        <p:txBody>
-          <a:bodyPr rtlCol="0" anchor="ctr"/>
-          <a:lstStyle/>
-          <a:p>
-            <a:pPr algn="ctr"/>
-            <a:endParaRPr lang="en-US"/>
-          </a:p>
-        </p:txBody>
-      </p:sp>
-      <p:sp>
-        <p:nvSpPr>
-          <p:cNvPr id="14" name="직사각형 13">
-            <a:extLst>
-              <a:ext uri="{FF2B5EF4-FFF2-40B4-BE49-F238E27FC236}">
-                <a16:creationId xmlns:a16="http://schemas.microsoft.com/office/drawing/2014/main" id="{7728128A-B031-9CA7-C037-5A8922FA0F55}"/>
-              </a:ext>
-            </a:extLst>
-          </p:cNvPr>
-          <p:cNvSpPr/>
-          <p:nvPr/>
-        </p:nvSpPr>
-        <p:spPr>
-          <a:xfrm>
-            <a:off x="10424781" y="3058304"/>
-            <a:ext cx="1327948" cy="1231384"/>
-          </a:xfrm>
-          <a:prstGeom prst="rect">
-            <a:avLst/>
-          </a:prstGeom>
-          <a:solidFill>
-            <a:schemeClr val="bg1"/>
-          </a:solidFill>
-          <a:ln w="28575">
-            <a:solidFill>
-              <a:schemeClr val="tx1"/>
-            </a:solidFill>
-          </a:ln>
-        </p:spPr>
-        <p:style>
-          <a:lnRef idx="2">
-            <a:schemeClr val="accent1">
-              <a:shade val="50000"/>
-            </a:schemeClr>
-          </a:lnRef>
-          <a:fillRef idx="1">
-            <a:schemeClr val="accent1"/>
-          </a:fillRef>
-          <a:effectRef idx="0">
-            <a:schemeClr val="accent1"/>
-          </a:effectRef>
-          <a:fontRef idx="minor">
-            <a:schemeClr val="lt1"/>
-          </a:fontRef>
-        </p:style>
-        <p:txBody>
-          <a:bodyPr rtlCol="0" anchor="ctr"/>
-          <a:lstStyle/>
-          <a:p>
-            <a:pPr algn="ctr"/>
-            <a:endParaRPr lang="en-US"/>
-          </a:p>
-        </p:txBody>
-      </p:sp>
-      <p:sp>
-        <p:nvSpPr>
-          <p:cNvPr id="16" name="TextBox 15">
-            <a:extLst>
-              <a:ext uri="{FF2B5EF4-FFF2-40B4-BE49-F238E27FC236}">
-                <a16:creationId xmlns:a16="http://schemas.microsoft.com/office/drawing/2014/main" id="{B83EE927-D281-4CAF-B506-7C862A336184}"/>
-              </a:ext>
-            </a:extLst>
-          </p:cNvPr>
-          <p:cNvSpPr txBox="1"/>
-          <p:nvPr/>
-        </p:nvSpPr>
-        <p:spPr>
-          <a:xfrm>
-            <a:off x="985937" y="2773689"/>
-            <a:ext cx="898003" cy="369332"/>
-          </a:xfrm>
-          <a:prstGeom prst="rect">
-            <a:avLst/>
-          </a:prstGeom>
-          <a:noFill/>
-        </p:spPr>
-        <p:txBody>
-          <a:bodyPr wrap="none" rtlCol="0">
-            <a:spAutoFit/>
-          </a:bodyPr>
-          <a:lstStyle/>
-          <a:p>
-            <a:r>
-              <a:rPr lang="en-US" dirty="0"/>
-              <a:t>(1, 2, 1)</a:t>
-            </a:r>
-          </a:p>
-        </p:txBody>
-      </p:sp>
-      <p:sp>
-        <p:nvSpPr>
-          <p:cNvPr id="17" name="TextBox 16">
-            <a:extLst>
-              <a:ext uri="{FF2B5EF4-FFF2-40B4-BE49-F238E27FC236}">
-                <a16:creationId xmlns:a16="http://schemas.microsoft.com/office/drawing/2014/main" id="{46F62D5E-2F81-A632-748B-D048F0347563}"/>
-              </a:ext>
-            </a:extLst>
-          </p:cNvPr>
-          <p:cNvSpPr txBox="1"/>
-          <p:nvPr/>
-        </p:nvSpPr>
-        <p:spPr>
-          <a:xfrm>
-            <a:off x="2523917" y="2773689"/>
-            <a:ext cx="898003" cy="369332"/>
-          </a:xfrm>
-          <a:prstGeom prst="rect">
-            <a:avLst/>
-          </a:prstGeom>
-          <a:noFill/>
-        </p:spPr>
-        <p:txBody>
-          <a:bodyPr wrap="none" rtlCol="0">
-            <a:spAutoFit/>
-          </a:bodyPr>
-          <a:lstStyle/>
-          <a:p>
-            <a:r>
-              <a:rPr lang="en-US" dirty="0"/>
-              <a:t>(1, 2, 2)</a:t>
-            </a:r>
-          </a:p>
-        </p:txBody>
-      </p:sp>
-      <p:sp>
-        <p:nvSpPr>
-          <p:cNvPr id="18" name="TextBox 17">
-            <a:extLst>
-              <a:ext uri="{FF2B5EF4-FFF2-40B4-BE49-F238E27FC236}">
-                <a16:creationId xmlns:a16="http://schemas.microsoft.com/office/drawing/2014/main" id="{F7852945-7100-3470-BE5A-94A7FA013F4B}"/>
-              </a:ext>
-            </a:extLst>
-          </p:cNvPr>
-          <p:cNvSpPr txBox="1"/>
-          <p:nvPr/>
-        </p:nvSpPr>
-        <p:spPr>
-          <a:xfrm>
-            <a:off x="5852298" y="2058046"/>
-            <a:ext cx="898003" cy="369332"/>
-          </a:xfrm>
-          <a:prstGeom prst="rect">
-            <a:avLst/>
-          </a:prstGeom>
-          <a:noFill/>
-        </p:spPr>
-        <p:txBody>
-          <a:bodyPr wrap="none" rtlCol="0">
-            <a:spAutoFit/>
-          </a:bodyPr>
-          <a:lstStyle/>
-          <a:p>
-            <a:r>
-              <a:rPr lang="en-US" dirty="0"/>
-              <a:t>(2, 1, 1)</a:t>
-            </a:r>
-          </a:p>
-        </p:txBody>
-      </p:sp>
-      <p:sp>
-        <p:nvSpPr>
-          <p:cNvPr id="19" name="TextBox 18">
-            <a:extLst>
-              <a:ext uri="{FF2B5EF4-FFF2-40B4-BE49-F238E27FC236}">
-                <a16:creationId xmlns:a16="http://schemas.microsoft.com/office/drawing/2014/main" id="{D59AC390-C457-3AA5-61B6-2CC5FF62E1B6}"/>
-              </a:ext>
-            </a:extLst>
-          </p:cNvPr>
-          <p:cNvSpPr txBox="1"/>
-          <p:nvPr/>
-        </p:nvSpPr>
-        <p:spPr>
-          <a:xfrm>
-            <a:off x="5852298" y="3441558"/>
-            <a:ext cx="898003" cy="369332"/>
-          </a:xfrm>
-          <a:prstGeom prst="rect">
-            <a:avLst/>
-          </a:prstGeom>
-          <a:noFill/>
-        </p:spPr>
-        <p:txBody>
-          <a:bodyPr wrap="none" rtlCol="0">
-            <a:spAutoFit/>
-          </a:bodyPr>
-          <a:lstStyle/>
-          <a:p>
-            <a:r>
-              <a:rPr lang="en-US" dirty="0"/>
-              <a:t>(2, 1, 2)</a:t>
-            </a:r>
-          </a:p>
-        </p:txBody>
-      </p:sp>
-      <p:sp>
-        <p:nvSpPr>
-          <p:cNvPr id="20" name="TextBox 19">
-            <a:extLst>
-              <a:ext uri="{FF2B5EF4-FFF2-40B4-BE49-F238E27FC236}">
-                <a16:creationId xmlns:a16="http://schemas.microsoft.com/office/drawing/2014/main" id="{8D14A2D6-6ED4-4F1C-997D-568DBCC255BF}"/>
-              </a:ext>
-            </a:extLst>
-          </p:cNvPr>
-          <p:cNvSpPr txBox="1"/>
-          <p:nvPr/>
-        </p:nvSpPr>
-        <p:spPr>
-          <a:xfrm>
-            <a:off x="9101773" y="2058046"/>
-            <a:ext cx="898003" cy="369332"/>
-          </a:xfrm>
-          <a:prstGeom prst="rect">
-            <a:avLst/>
-          </a:prstGeom>
-          <a:noFill/>
-        </p:spPr>
-        <p:txBody>
-          <a:bodyPr wrap="none" rtlCol="0">
-            <a:spAutoFit/>
-          </a:bodyPr>
-          <a:lstStyle/>
-          <a:p>
-            <a:r>
-              <a:rPr lang="en-US" dirty="0"/>
-              <a:t>(2, 2, 1)</a:t>
-            </a:r>
-          </a:p>
-        </p:txBody>
-      </p:sp>
-      <p:sp>
-        <p:nvSpPr>
-          <p:cNvPr id="21" name="TextBox 20">
-            <a:extLst>
-              <a:ext uri="{FF2B5EF4-FFF2-40B4-BE49-F238E27FC236}">
-                <a16:creationId xmlns:a16="http://schemas.microsoft.com/office/drawing/2014/main" id="{0FFAE3DA-69B2-5F53-6975-836785C97F0F}"/>
-              </a:ext>
-            </a:extLst>
-          </p:cNvPr>
-          <p:cNvSpPr txBox="1"/>
-          <p:nvPr/>
-        </p:nvSpPr>
-        <p:spPr>
-          <a:xfrm>
-            <a:off x="10639753" y="2058046"/>
-            <a:ext cx="898003" cy="369332"/>
-          </a:xfrm>
-          <a:prstGeom prst="rect">
-            <a:avLst/>
-          </a:prstGeom>
-          <a:noFill/>
-        </p:spPr>
-        <p:txBody>
-          <a:bodyPr wrap="none" rtlCol="0">
-            <a:spAutoFit/>
-          </a:bodyPr>
-          <a:lstStyle/>
-          <a:p>
-            <a:r>
-              <a:rPr lang="en-US" dirty="0"/>
-              <a:t>(2, 2, 2)</a:t>
-            </a:r>
-          </a:p>
-        </p:txBody>
-      </p:sp>
-      <p:sp>
-        <p:nvSpPr>
-          <p:cNvPr id="22" name="TextBox 21">
-            <a:extLst>
-              <a:ext uri="{FF2B5EF4-FFF2-40B4-BE49-F238E27FC236}">
-                <a16:creationId xmlns:a16="http://schemas.microsoft.com/office/drawing/2014/main" id="{55D55EDE-5581-865F-11CC-E30932678B30}"/>
-              </a:ext>
-            </a:extLst>
-          </p:cNvPr>
-          <p:cNvSpPr txBox="1"/>
-          <p:nvPr/>
-        </p:nvSpPr>
-        <p:spPr>
-          <a:xfrm>
-            <a:off x="9101773" y="3489330"/>
-            <a:ext cx="898003" cy="369332"/>
-          </a:xfrm>
-          <a:prstGeom prst="rect">
-            <a:avLst/>
-          </a:prstGeom>
-          <a:noFill/>
-        </p:spPr>
-        <p:txBody>
-          <a:bodyPr wrap="none" rtlCol="0">
-            <a:spAutoFit/>
-          </a:bodyPr>
-          <a:lstStyle/>
-          <a:p>
-            <a:r>
-              <a:rPr lang="en-US" dirty="0"/>
-              <a:t>(2, 2, 3)</a:t>
-            </a:r>
-          </a:p>
-        </p:txBody>
-      </p:sp>
-      <p:sp>
-        <p:nvSpPr>
-          <p:cNvPr id="23" name="TextBox 22">
-            <a:extLst>
-              <a:ext uri="{FF2B5EF4-FFF2-40B4-BE49-F238E27FC236}">
-                <a16:creationId xmlns:a16="http://schemas.microsoft.com/office/drawing/2014/main" id="{DEBE4F2B-63F8-32B0-026B-1A63F6CD0E55}"/>
-              </a:ext>
-            </a:extLst>
-          </p:cNvPr>
-          <p:cNvSpPr txBox="1"/>
-          <p:nvPr/>
-        </p:nvSpPr>
-        <p:spPr>
-          <a:xfrm>
-            <a:off x="10639752" y="3489330"/>
-            <a:ext cx="898003" cy="369332"/>
-          </a:xfrm>
-          <a:prstGeom prst="rect">
-            <a:avLst/>
-          </a:prstGeom>
-          <a:noFill/>
-        </p:spPr>
-        <p:txBody>
-          <a:bodyPr wrap="none" rtlCol="0">
-            <a:spAutoFit/>
-          </a:bodyPr>
-          <a:lstStyle/>
-          <a:p>
-            <a:r>
-              <a:rPr lang="en-US" dirty="0"/>
-              <a:t>(2, 2, 4)</a:t>
-            </a:r>
-          </a:p>
-        </p:txBody>
-      </p:sp>
-      <p:sp>
-        <p:nvSpPr>
-          <p:cNvPr id="24" name="TextBox 23">
-            <a:extLst>
-              <a:ext uri="{FF2B5EF4-FFF2-40B4-BE49-F238E27FC236}">
-                <a16:creationId xmlns:a16="http://schemas.microsoft.com/office/drawing/2014/main" id="{9BEF7B70-1948-FF30-49E9-F601D026EF5C}"/>
-              </a:ext>
-            </a:extLst>
-          </p:cNvPr>
-          <p:cNvSpPr txBox="1"/>
-          <p:nvPr/>
-        </p:nvSpPr>
-        <p:spPr>
-          <a:xfrm>
-            <a:off x="3590571" y="4676538"/>
-            <a:ext cx="5010859" cy="646331"/>
-          </a:xfrm>
-          <a:prstGeom prst="rect">
-            <a:avLst/>
-          </a:prstGeom>
-          <a:noFill/>
-        </p:spPr>
-        <p:txBody>
-          <a:bodyPr wrap="none" rtlCol="0">
-            <a:spAutoFit/>
-          </a:bodyPr>
-          <a:lstStyle/>
-          <a:p>
-            <a:r>
-              <a:rPr lang="en-US" sz="3600" dirty="0"/>
-              <a:t>subplot(#row, #col, index)</a:t>
-            </a:r>
-          </a:p>
-        </p:txBody>
-      </p:sp>
-    </p:spTree>
-    <p:extLst>
-      <p:ext uri="{BB962C8B-B14F-4D97-AF65-F5344CB8AC3E}">
-        <p14:creationId xmlns:p14="http://schemas.microsoft.com/office/powerpoint/2010/main" val="2594463315"/>
       </p:ext>
     </p:extLst>
   </p:cSld>

--- a/Wikidocs/pics/pics_2d_graphs.pptx
+++ b/Wikidocs/pics/pics_2d_graphs.pptx
@@ -7,24 +7,26 @@
   <p:sldIdLst>
     <p:sldId id="275" r:id="rId2"/>
     <p:sldId id="276" r:id="rId3"/>
-    <p:sldId id="256" r:id="rId4"/>
-    <p:sldId id="257" r:id="rId5"/>
-    <p:sldId id="258" r:id="rId6"/>
-    <p:sldId id="259" r:id="rId7"/>
-    <p:sldId id="261" r:id="rId8"/>
-    <p:sldId id="262" r:id="rId9"/>
-    <p:sldId id="263" r:id="rId10"/>
-    <p:sldId id="264" r:id="rId11"/>
-    <p:sldId id="265" r:id="rId12"/>
-    <p:sldId id="266" r:id="rId13"/>
-    <p:sldId id="267" r:id="rId14"/>
-    <p:sldId id="268" r:id="rId15"/>
-    <p:sldId id="269" r:id="rId16"/>
-    <p:sldId id="270" r:id="rId17"/>
-    <p:sldId id="271" r:id="rId18"/>
-    <p:sldId id="272" r:id="rId19"/>
-    <p:sldId id="273" r:id="rId20"/>
-    <p:sldId id="274" r:id="rId21"/>
+    <p:sldId id="277" r:id="rId4"/>
+    <p:sldId id="278" r:id="rId5"/>
+    <p:sldId id="256" r:id="rId6"/>
+    <p:sldId id="257" r:id="rId7"/>
+    <p:sldId id="258" r:id="rId8"/>
+    <p:sldId id="259" r:id="rId9"/>
+    <p:sldId id="261" r:id="rId10"/>
+    <p:sldId id="262" r:id="rId11"/>
+    <p:sldId id="263" r:id="rId12"/>
+    <p:sldId id="264" r:id="rId13"/>
+    <p:sldId id="265" r:id="rId14"/>
+    <p:sldId id="266" r:id="rId15"/>
+    <p:sldId id="267" r:id="rId16"/>
+    <p:sldId id="268" r:id="rId17"/>
+    <p:sldId id="269" r:id="rId18"/>
+    <p:sldId id="270" r:id="rId19"/>
+    <p:sldId id="271" r:id="rId20"/>
+    <p:sldId id="272" r:id="rId21"/>
+    <p:sldId id="273" r:id="rId22"/>
+    <p:sldId id="274" r:id="rId23"/>
   </p:sldIdLst>
   <p:sldSz cx="12192000" cy="6858000"/>
   <p:notesSz cx="6858000" cy="9144000"/>
@@ -280,7 +282,7 @@
           <a:p>
             <a:fld id="{6EC12061-8120-4C07-B2B2-E5EB0BE33944}" type="datetimeFigureOut">
               <a:rPr lang="en-US" smtClean="0"/>
-              <a:t>1/12/2023</a:t>
+              <a:t>1/22/2023</a:t>
             </a:fld>
             <a:endParaRPr lang="en-US"/>
           </a:p>
@@ -480,7 +482,7 @@
           <a:p>
             <a:fld id="{6EC12061-8120-4C07-B2B2-E5EB0BE33944}" type="datetimeFigureOut">
               <a:rPr lang="en-US" smtClean="0"/>
-              <a:t>1/12/2023</a:t>
+              <a:t>1/22/2023</a:t>
             </a:fld>
             <a:endParaRPr lang="en-US"/>
           </a:p>
@@ -690,7 +692,7 @@
           <a:p>
             <a:fld id="{6EC12061-8120-4C07-B2B2-E5EB0BE33944}" type="datetimeFigureOut">
               <a:rPr lang="en-US" smtClean="0"/>
-              <a:t>1/12/2023</a:t>
+              <a:t>1/22/2023</a:t>
             </a:fld>
             <a:endParaRPr lang="en-US"/>
           </a:p>
@@ -890,7 +892,7 @@
           <a:p>
             <a:fld id="{6EC12061-8120-4C07-B2B2-E5EB0BE33944}" type="datetimeFigureOut">
               <a:rPr lang="en-US" smtClean="0"/>
-              <a:t>1/12/2023</a:t>
+              <a:t>1/22/2023</a:t>
             </a:fld>
             <a:endParaRPr lang="en-US"/>
           </a:p>
@@ -1166,7 +1168,7 @@
           <a:p>
             <a:fld id="{6EC12061-8120-4C07-B2B2-E5EB0BE33944}" type="datetimeFigureOut">
               <a:rPr lang="en-US" smtClean="0"/>
-              <a:t>1/12/2023</a:t>
+              <a:t>1/22/2023</a:t>
             </a:fld>
             <a:endParaRPr lang="en-US"/>
           </a:p>
@@ -1434,7 +1436,7 @@
           <a:p>
             <a:fld id="{6EC12061-8120-4C07-B2B2-E5EB0BE33944}" type="datetimeFigureOut">
               <a:rPr lang="en-US" smtClean="0"/>
-              <a:t>1/12/2023</a:t>
+              <a:t>1/22/2023</a:t>
             </a:fld>
             <a:endParaRPr lang="en-US"/>
           </a:p>
@@ -1849,7 +1851,7 @@
           <a:p>
             <a:fld id="{6EC12061-8120-4C07-B2B2-E5EB0BE33944}" type="datetimeFigureOut">
               <a:rPr lang="en-US" smtClean="0"/>
-              <a:t>1/12/2023</a:t>
+              <a:t>1/22/2023</a:t>
             </a:fld>
             <a:endParaRPr lang="en-US"/>
           </a:p>
@@ -1991,7 +1993,7 @@
           <a:p>
             <a:fld id="{6EC12061-8120-4C07-B2B2-E5EB0BE33944}" type="datetimeFigureOut">
               <a:rPr lang="en-US" smtClean="0"/>
-              <a:t>1/12/2023</a:t>
+              <a:t>1/22/2023</a:t>
             </a:fld>
             <a:endParaRPr lang="en-US"/>
           </a:p>
@@ -2104,7 +2106,7 @@
           <a:p>
             <a:fld id="{6EC12061-8120-4C07-B2B2-E5EB0BE33944}" type="datetimeFigureOut">
               <a:rPr lang="en-US" smtClean="0"/>
-              <a:t>1/12/2023</a:t>
+              <a:t>1/22/2023</a:t>
             </a:fld>
             <a:endParaRPr lang="en-US"/>
           </a:p>
@@ -2417,7 +2419,7 @@
           <a:p>
             <a:fld id="{6EC12061-8120-4C07-B2B2-E5EB0BE33944}" type="datetimeFigureOut">
               <a:rPr lang="en-US" smtClean="0"/>
-              <a:t>1/12/2023</a:t>
+              <a:t>1/22/2023</a:t>
             </a:fld>
             <a:endParaRPr lang="en-US"/>
           </a:p>
@@ -2706,7 +2708,7 @@
           <a:p>
             <a:fld id="{6EC12061-8120-4C07-B2B2-E5EB0BE33944}" type="datetimeFigureOut">
               <a:rPr lang="en-US" smtClean="0"/>
-              <a:t>1/12/2023</a:t>
+              <a:t>1/22/2023</a:t>
             </a:fld>
             <a:endParaRPr lang="en-US"/>
           </a:p>
@@ -2949,7 +2951,7 @@
           <a:p>
             <a:fld id="{6EC12061-8120-4C07-B2B2-E5EB0BE33944}" type="datetimeFigureOut">
               <a:rPr lang="en-US" smtClean="0"/>
-              <a:t>1/12/2023</a:t>
+              <a:t>1/22/2023</a:t>
             </a:fld>
             <a:endParaRPr lang="en-US"/>
           </a:p>
@@ -3613,6 +3615,493 @@
           <a:chExt cx="0" cy="0"/>
         </a:xfrm>
       </p:grpSpPr>
+      <p:sp>
+        <p:nvSpPr>
+          <p:cNvPr id="2" name="TextBox 1">
+            <a:extLst>
+              <a:ext uri="{FF2B5EF4-FFF2-40B4-BE49-F238E27FC236}">
+                <a16:creationId xmlns:a16="http://schemas.microsoft.com/office/drawing/2014/main" id="{99F96E88-A236-ECA9-0FA3-39D232B0F2B4}"/>
+              </a:ext>
+            </a:extLst>
+          </p:cNvPr>
+          <p:cNvSpPr txBox="1"/>
+          <p:nvPr/>
+        </p:nvSpPr>
+        <p:spPr>
+          <a:xfrm>
+            <a:off x="2272465" y="990222"/>
+            <a:ext cx="2622833" cy="584775"/>
+          </a:xfrm>
+          <a:prstGeom prst="rect">
+            <a:avLst/>
+          </a:prstGeom>
+          <a:noFill/>
+        </p:spPr>
+        <p:txBody>
+          <a:bodyPr wrap="none" rtlCol="0">
+            <a:spAutoFit/>
+          </a:bodyPr>
+          <a:lstStyle/>
+          <a:p>
+            <a:pPr algn="ctr"/>
+            <a:r>
+              <a:rPr lang="en-US" sz="3200" dirty="0"/>
+              <a:t>xlim([0, 2*pi]);</a:t>
+            </a:r>
+          </a:p>
+        </p:txBody>
+      </p:sp>
+      <p:pic>
+        <p:nvPicPr>
+          <p:cNvPr id="3" name="그림 2">
+            <a:extLst>
+              <a:ext uri="{FF2B5EF4-FFF2-40B4-BE49-F238E27FC236}">
+                <a16:creationId xmlns:a16="http://schemas.microsoft.com/office/drawing/2014/main" id="{BE868D57-5142-A8C9-1EC2-830F6BDB6483}"/>
+              </a:ext>
+            </a:extLst>
+          </p:cNvPr>
+          <p:cNvPicPr>
+            <a:picLocks noChangeAspect="1"/>
+          </p:cNvPicPr>
+          <p:nvPr/>
+        </p:nvPicPr>
+        <p:blipFill>
+          <a:blip r:embed="rId2"/>
+          <a:stretch>
+            <a:fillRect/>
+          </a:stretch>
+        </p:blipFill>
+        <p:spPr>
+          <a:xfrm>
+            <a:off x="1625613" y="1661955"/>
+            <a:ext cx="3917471" cy="3534088"/>
+          </a:xfrm>
+          <a:prstGeom prst="rect">
+            <a:avLst/>
+          </a:prstGeom>
+        </p:spPr>
+      </p:pic>
+      <p:pic>
+        <p:nvPicPr>
+          <p:cNvPr id="6" name="그림 5">
+            <a:extLst>
+              <a:ext uri="{FF2B5EF4-FFF2-40B4-BE49-F238E27FC236}">
+                <a16:creationId xmlns:a16="http://schemas.microsoft.com/office/drawing/2014/main" id="{937D3E90-FC29-0EFC-6C20-901D4B6E6AA0}"/>
+              </a:ext>
+            </a:extLst>
+          </p:cNvPr>
+          <p:cNvPicPr>
+            <a:picLocks noChangeAspect="1"/>
+          </p:cNvPicPr>
+          <p:nvPr/>
+        </p:nvPicPr>
+        <p:blipFill>
+          <a:blip r:embed="rId3"/>
+          <a:stretch>
+            <a:fillRect/>
+          </a:stretch>
+        </p:blipFill>
+        <p:spPr>
+          <a:xfrm>
+            <a:off x="6737170" y="1661956"/>
+            <a:ext cx="3917471" cy="3534088"/>
+          </a:xfrm>
+          <a:prstGeom prst="rect">
+            <a:avLst/>
+          </a:prstGeom>
+        </p:spPr>
+      </p:pic>
+      <p:sp>
+        <p:nvSpPr>
+          <p:cNvPr id="7" name="TextBox 6">
+            <a:extLst>
+              <a:ext uri="{FF2B5EF4-FFF2-40B4-BE49-F238E27FC236}">
+                <a16:creationId xmlns:a16="http://schemas.microsoft.com/office/drawing/2014/main" id="{894E625D-FB3A-031F-A474-344D2E570E6C}"/>
+              </a:ext>
+            </a:extLst>
+          </p:cNvPr>
+          <p:cNvSpPr txBox="1"/>
+          <p:nvPr/>
+        </p:nvSpPr>
+        <p:spPr>
+          <a:xfrm>
+            <a:off x="7587140" y="538570"/>
+            <a:ext cx="2622833" cy="1077218"/>
+          </a:xfrm>
+          <a:prstGeom prst="rect">
+            <a:avLst/>
+          </a:prstGeom>
+          <a:noFill/>
+        </p:spPr>
+        <p:txBody>
+          <a:bodyPr wrap="none" rtlCol="0">
+            <a:spAutoFit/>
+          </a:bodyPr>
+          <a:lstStyle/>
+          <a:p>
+            <a:pPr algn="ctr"/>
+            <a:r>
+              <a:rPr lang="en-US" sz="3200" dirty="0"/>
+              <a:t>xlim([0, 2*pi]);</a:t>
+            </a:r>
+          </a:p>
+          <a:p>
+            <a:pPr algn="ctr"/>
+            <a:r>
+              <a:rPr lang="en-US" sz="3200" dirty="0"/>
+              <a:t>ylim([-2, 2]);</a:t>
+            </a:r>
+          </a:p>
+        </p:txBody>
+      </p:sp>
+    </p:spTree>
+    <p:extLst>
+      <p:ext uri="{BB962C8B-B14F-4D97-AF65-F5344CB8AC3E}">
+        <p14:creationId xmlns:p14="http://schemas.microsoft.com/office/powerpoint/2010/main" val="2833830014"/>
+      </p:ext>
+    </p:extLst>
+  </p:cSld>
+  <p:clrMapOvr>
+    <a:masterClrMapping/>
+  </p:clrMapOvr>
+</p:sld>
+</file>
+
+<file path=ppt/slides/slide11.xml><?xml version="1.0" encoding="utf-8"?>
+<p:sld xmlns:a="http://schemas.openxmlformats.org/drawingml/2006/main" xmlns:r="http://schemas.openxmlformats.org/officeDocument/2006/relationships" xmlns:p="http://schemas.openxmlformats.org/presentationml/2006/main">
+  <p:cSld>
+    <p:spTree>
+      <p:nvGrpSpPr>
+        <p:cNvPr id="1" name=""/>
+        <p:cNvGrpSpPr/>
+        <p:nvPr/>
+      </p:nvGrpSpPr>
+      <p:grpSpPr>
+        <a:xfrm>
+          <a:off x="0" y="0"/>
+          <a:ext cx="0" cy="0"/>
+          <a:chOff x="0" y="0"/>
+          <a:chExt cx="0" cy="0"/>
+        </a:xfrm>
+      </p:grpSpPr>
+      <p:pic>
+        <p:nvPicPr>
+          <p:cNvPr id="3" name="그림 2">
+            <a:extLst>
+              <a:ext uri="{FF2B5EF4-FFF2-40B4-BE49-F238E27FC236}">
+                <a16:creationId xmlns:a16="http://schemas.microsoft.com/office/drawing/2014/main" id="{362576D7-14BE-4ED9-4B3F-4E3FB161E0F9}"/>
+              </a:ext>
+            </a:extLst>
+          </p:cNvPr>
+          <p:cNvPicPr>
+            <a:picLocks noChangeAspect="1"/>
+          </p:cNvPicPr>
+          <p:nvPr/>
+        </p:nvPicPr>
+        <p:blipFill>
+          <a:blip r:embed="rId2"/>
+          <a:stretch>
+            <a:fillRect/>
+          </a:stretch>
+        </p:blipFill>
+        <p:spPr>
+          <a:xfrm>
+            <a:off x="5524571" y="3138524"/>
+            <a:ext cx="1142857" cy="580952"/>
+          </a:xfrm>
+          <a:prstGeom prst="rect">
+            <a:avLst/>
+          </a:prstGeom>
+        </p:spPr>
+      </p:pic>
+      <p:sp>
+        <p:nvSpPr>
+          <p:cNvPr id="4" name="사각형: 둥근 모서리 3">
+            <a:extLst>
+              <a:ext uri="{FF2B5EF4-FFF2-40B4-BE49-F238E27FC236}">
+                <a16:creationId xmlns:a16="http://schemas.microsoft.com/office/drawing/2014/main" id="{1409EF84-1A3F-12FC-653D-2E95661D0035}"/>
+              </a:ext>
+            </a:extLst>
+          </p:cNvPr>
+          <p:cNvSpPr/>
+          <p:nvPr/>
+        </p:nvSpPr>
+        <p:spPr>
+          <a:xfrm>
+            <a:off x="5611906" y="3263154"/>
+            <a:ext cx="977153" cy="183776"/>
+          </a:xfrm>
+          <a:prstGeom prst="roundRect">
+            <a:avLst/>
+          </a:prstGeom>
+          <a:noFill/>
+          <a:ln w="19050">
+            <a:solidFill>
+              <a:srgbClr val="FF0000"/>
+            </a:solidFill>
+          </a:ln>
+        </p:spPr>
+        <p:style>
+          <a:lnRef idx="2">
+            <a:schemeClr val="accent1">
+              <a:shade val="50000"/>
+            </a:schemeClr>
+          </a:lnRef>
+          <a:fillRef idx="1">
+            <a:schemeClr val="accent1"/>
+          </a:fillRef>
+          <a:effectRef idx="0">
+            <a:schemeClr val="accent1"/>
+          </a:effectRef>
+          <a:fontRef idx="minor">
+            <a:schemeClr val="lt1"/>
+          </a:fontRef>
+        </p:style>
+        <p:txBody>
+          <a:bodyPr rtlCol="0" anchor="ctr"/>
+          <a:lstStyle/>
+          <a:p>
+            <a:pPr algn="ctr"/>
+            <a:endParaRPr lang="en-US"/>
+          </a:p>
+        </p:txBody>
+      </p:sp>
+      <p:sp>
+        <p:nvSpPr>
+          <p:cNvPr id="5" name="사각형: 둥근 모서리 4">
+            <a:extLst>
+              <a:ext uri="{FF2B5EF4-FFF2-40B4-BE49-F238E27FC236}">
+                <a16:creationId xmlns:a16="http://schemas.microsoft.com/office/drawing/2014/main" id="{8E9883A4-3305-22C5-E601-6CDD542400A3}"/>
+              </a:ext>
+            </a:extLst>
+          </p:cNvPr>
+          <p:cNvSpPr/>
+          <p:nvPr/>
+        </p:nvSpPr>
+        <p:spPr>
+          <a:xfrm>
+            <a:off x="5611906" y="3452777"/>
+            <a:ext cx="977153" cy="183776"/>
+          </a:xfrm>
+          <a:prstGeom prst="roundRect">
+            <a:avLst/>
+          </a:prstGeom>
+          <a:noFill/>
+          <a:ln w="19050">
+            <a:solidFill>
+              <a:srgbClr val="FF0000"/>
+            </a:solidFill>
+          </a:ln>
+        </p:spPr>
+        <p:style>
+          <a:lnRef idx="2">
+            <a:schemeClr val="accent1">
+              <a:shade val="50000"/>
+            </a:schemeClr>
+          </a:lnRef>
+          <a:fillRef idx="1">
+            <a:schemeClr val="accent1"/>
+          </a:fillRef>
+          <a:effectRef idx="0">
+            <a:schemeClr val="accent1"/>
+          </a:effectRef>
+          <a:fontRef idx="minor">
+            <a:schemeClr val="lt1"/>
+          </a:fontRef>
+        </p:style>
+        <p:txBody>
+          <a:bodyPr rtlCol="0" anchor="ctr"/>
+          <a:lstStyle/>
+          <a:p>
+            <a:pPr algn="ctr"/>
+            <a:endParaRPr lang="en-US"/>
+          </a:p>
+        </p:txBody>
+      </p:sp>
+      <p:cxnSp>
+        <p:nvCxnSpPr>
+          <p:cNvPr id="7" name="직선 화살표 연결선 6">
+            <a:extLst>
+              <a:ext uri="{FF2B5EF4-FFF2-40B4-BE49-F238E27FC236}">
+                <a16:creationId xmlns:a16="http://schemas.microsoft.com/office/drawing/2014/main" id="{6B3707E5-51F1-F1EF-532D-28A45D59D86E}"/>
+              </a:ext>
+            </a:extLst>
+          </p:cNvPr>
+          <p:cNvCxnSpPr>
+            <a:cxnSpLocks/>
+            <a:stCxn id="9" idx="1"/>
+          </p:cNvCxnSpPr>
+          <p:nvPr/>
+        </p:nvCxnSpPr>
+        <p:spPr>
+          <a:xfrm flipH="1">
+            <a:off x="6427694" y="2917526"/>
+            <a:ext cx="475130" cy="295574"/>
+          </a:xfrm>
+          <a:prstGeom prst="straightConnector1">
+            <a:avLst/>
+          </a:prstGeom>
+          <a:ln>
+            <a:tailEnd type="triangle"/>
+          </a:ln>
+        </p:spPr>
+        <p:style>
+          <a:lnRef idx="1">
+            <a:schemeClr val="accent1"/>
+          </a:lnRef>
+          <a:fillRef idx="0">
+            <a:schemeClr val="accent1"/>
+          </a:fillRef>
+          <a:effectRef idx="0">
+            <a:schemeClr val="accent1"/>
+          </a:effectRef>
+          <a:fontRef idx="minor">
+            <a:schemeClr val="tx1"/>
+          </a:fontRef>
+        </p:style>
+      </p:cxnSp>
+      <p:sp>
+        <p:nvSpPr>
+          <p:cNvPr id="9" name="TextBox 8">
+            <a:extLst>
+              <a:ext uri="{FF2B5EF4-FFF2-40B4-BE49-F238E27FC236}">
+                <a16:creationId xmlns:a16="http://schemas.microsoft.com/office/drawing/2014/main" id="{767D736E-6BDE-F66B-0B06-439CF7C587E9}"/>
+              </a:ext>
+            </a:extLst>
+          </p:cNvPr>
+          <p:cNvSpPr txBox="1"/>
+          <p:nvPr/>
+        </p:nvSpPr>
+        <p:spPr>
+          <a:xfrm>
+            <a:off x="6902824" y="2732860"/>
+            <a:ext cx="704232" cy="369332"/>
+          </a:xfrm>
+          <a:prstGeom prst="rect">
+            <a:avLst/>
+          </a:prstGeom>
+          <a:noFill/>
+        </p:spPr>
+        <p:txBody>
+          <a:bodyPr wrap="none" rtlCol="0">
+            <a:spAutoFit/>
+          </a:bodyPr>
+          <a:lstStyle/>
+          <a:p>
+            <a:r>
+              <a:rPr lang="en-US" dirty="0"/>
+              <a:t>xticks</a:t>
+            </a:r>
+          </a:p>
+        </p:txBody>
+      </p:sp>
+      <p:sp>
+        <p:nvSpPr>
+          <p:cNvPr id="10" name="TextBox 9">
+            <a:extLst>
+              <a:ext uri="{FF2B5EF4-FFF2-40B4-BE49-F238E27FC236}">
+                <a16:creationId xmlns:a16="http://schemas.microsoft.com/office/drawing/2014/main" id="{12E2E353-DE6F-41C4-35C0-46BDB28B544C}"/>
+              </a:ext>
+            </a:extLst>
+          </p:cNvPr>
+          <p:cNvSpPr txBox="1"/>
+          <p:nvPr/>
+        </p:nvSpPr>
+        <p:spPr>
+          <a:xfrm>
+            <a:off x="6902824" y="3755808"/>
+            <a:ext cx="1159998" cy="369332"/>
+          </a:xfrm>
+          <a:prstGeom prst="rect">
+            <a:avLst/>
+          </a:prstGeom>
+          <a:noFill/>
+        </p:spPr>
+        <p:txBody>
+          <a:bodyPr wrap="none" rtlCol="0">
+            <a:spAutoFit/>
+          </a:bodyPr>
+          <a:lstStyle/>
+          <a:p>
+            <a:r>
+              <a:rPr lang="en-US" dirty="0"/>
+              <a:t>xticklabels</a:t>
+            </a:r>
+          </a:p>
+        </p:txBody>
+      </p:sp>
+      <p:cxnSp>
+        <p:nvCxnSpPr>
+          <p:cNvPr id="13" name="직선 화살표 연결선 12">
+            <a:extLst>
+              <a:ext uri="{FF2B5EF4-FFF2-40B4-BE49-F238E27FC236}">
+                <a16:creationId xmlns:a16="http://schemas.microsoft.com/office/drawing/2014/main" id="{65B79FF0-B2DB-61C4-86D0-0F346391671B}"/>
+              </a:ext>
+            </a:extLst>
+          </p:cNvPr>
+          <p:cNvCxnSpPr>
+            <a:cxnSpLocks/>
+            <a:stCxn id="10" idx="1"/>
+          </p:cNvCxnSpPr>
+          <p:nvPr/>
+        </p:nvCxnSpPr>
+        <p:spPr>
+          <a:xfrm flipH="1" flipV="1">
+            <a:off x="6427694" y="3721290"/>
+            <a:ext cx="475130" cy="219184"/>
+          </a:xfrm>
+          <a:prstGeom prst="straightConnector1">
+            <a:avLst/>
+          </a:prstGeom>
+          <a:ln>
+            <a:tailEnd type="triangle"/>
+          </a:ln>
+        </p:spPr>
+        <p:style>
+          <a:lnRef idx="1">
+            <a:schemeClr val="accent1"/>
+          </a:lnRef>
+          <a:fillRef idx="0">
+            <a:schemeClr val="accent1"/>
+          </a:fillRef>
+          <a:effectRef idx="0">
+            <a:schemeClr val="accent1"/>
+          </a:effectRef>
+          <a:fontRef idx="minor">
+            <a:schemeClr val="tx1"/>
+          </a:fontRef>
+        </p:style>
+      </p:cxnSp>
+    </p:spTree>
+    <p:extLst>
+      <p:ext uri="{BB962C8B-B14F-4D97-AF65-F5344CB8AC3E}">
+        <p14:creationId xmlns:p14="http://schemas.microsoft.com/office/powerpoint/2010/main" val="1440312516"/>
+      </p:ext>
+    </p:extLst>
+  </p:cSld>
+  <p:clrMapOvr>
+    <a:masterClrMapping/>
+  </p:clrMapOvr>
+</p:sld>
+</file>
+
+<file path=ppt/slides/slide12.xml><?xml version="1.0" encoding="utf-8"?>
+<p:sld xmlns:a="http://schemas.openxmlformats.org/drawingml/2006/main" xmlns:r="http://schemas.openxmlformats.org/officeDocument/2006/relationships" xmlns:p="http://schemas.openxmlformats.org/presentationml/2006/main">
+  <p:cSld>
+    <p:spTree>
+      <p:nvGrpSpPr>
+        <p:cNvPr id="1" name=""/>
+        <p:cNvGrpSpPr/>
+        <p:nvPr/>
+      </p:nvGrpSpPr>
+      <p:grpSpPr>
+        <a:xfrm>
+          <a:off x="0" y="0"/>
+          <a:ext cx="0" cy="0"/>
+          <a:chOff x="0" y="0"/>
+          <a:chExt cx="0" cy="0"/>
+        </a:xfrm>
+      </p:grpSpPr>
       <p:grpSp>
         <p:nvGrpSpPr>
           <p:cNvPr id="6" name="그룹 5">
@@ -3786,7 +4275,7 @@
 </p:sld>
 </file>
 
-<file path=ppt/slides/slide11.xml><?xml version="1.0" encoding="utf-8"?>
+<file path=ppt/slides/slide13.xml><?xml version="1.0" encoding="utf-8"?>
 <p:sld xmlns:a="http://schemas.openxmlformats.org/drawingml/2006/main" xmlns:r="http://schemas.openxmlformats.org/officeDocument/2006/relationships" xmlns:p="http://schemas.openxmlformats.org/presentationml/2006/main">
   <p:cSld>
     <p:spTree>
@@ -4605,363 +5094,6 @@
 </p:sld>
 </file>
 
-<file path=ppt/slides/slide12.xml><?xml version="1.0" encoding="utf-8"?>
-<p:sld xmlns:a="http://schemas.openxmlformats.org/drawingml/2006/main" xmlns:r="http://schemas.openxmlformats.org/officeDocument/2006/relationships" xmlns:p="http://schemas.openxmlformats.org/presentationml/2006/main">
-  <p:cSld>
-    <p:spTree>
-      <p:nvGrpSpPr>
-        <p:cNvPr id="1" name=""/>
-        <p:cNvGrpSpPr/>
-        <p:nvPr/>
-      </p:nvGrpSpPr>
-      <p:grpSpPr>
-        <a:xfrm>
-          <a:off x="0" y="0"/>
-          <a:ext cx="0" cy="0"/>
-          <a:chOff x="0" y="0"/>
-          <a:chExt cx="0" cy="0"/>
-        </a:xfrm>
-      </p:grpSpPr>
-      <p:sp>
-        <p:nvSpPr>
-          <p:cNvPr id="11" name="직사각형 10">
-            <a:extLst>
-              <a:ext uri="{FF2B5EF4-FFF2-40B4-BE49-F238E27FC236}">
-                <a16:creationId xmlns:a16="http://schemas.microsoft.com/office/drawing/2014/main" id="{01260FCE-599F-86BB-111B-6D6DCE16881B}"/>
-              </a:ext>
-            </a:extLst>
-          </p:cNvPr>
-          <p:cNvSpPr/>
-          <p:nvPr/>
-        </p:nvSpPr>
-        <p:spPr>
-          <a:xfrm>
-            <a:off x="4558020" y="1627021"/>
-            <a:ext cx="1327948" cy="1231384"/>
-          </a:xfrm>
-          <a:prstGeom prst="rect">
-            <a:avLst/>
-          </a:prstGeom>
-          <a:solidFill>
-            <a:schemeClr val="bg1"/>
-          </a:solidFill>
-          <a:ln w="28575">
-            <a:solidFill>
-              <a:schemeClr val="tx1"/>
-            </a:solidFill>
-          </a:ln>
-        </p:spPr>
-        <p:style>
-          <a:lnRef idx="2">
-            <a:schemeClr val="accent1">
-              <a:shade val="50000"/>
-            </a:schemeClr>
-          </a:lnRef>
-          <a:fillRef idx="1">
-            <a:schemeClr val="accent1"/>
-          </a:fillRef>
-          <a:effectRef idx="0">
-            <a:schemeClr val="accent1"/>
-          </a:effectRef>
-          <a:fontRef idx="minor">
-            <a:schemeClr val="lt1"/>
-          </a:fontRef>
-        </p:style>
-        <p:txBody>
-          <a:bodyPr rtlCol="0" anchor="ctr"/>
-          <a:lstStyle/>
-          <a:p>
-            <a:pPr algn="ctr"/>
-            <a:endParaRPr lang="en-US"/>
-          </a:p>
-        </p:txBody>
-      </p:sp>
-      <p:sp>
-        <p:nvSpPr>
-          <p:cNvPr id="12" name="직사각형 11">
-            <a:extLst>
-              <a:ext uri="{FF2B5EF4-FFF2-40B4-BE49-F238E27FC236}">
-                <a16:creationId xmlns:a16="http://schemas.microsoft.com/office/drawing/2014/main" id="{A2CBE566-90D7-62B5-A7D2-3CB32CB64635}"/>
-              </a:ext>
-            </a:extLst>
-          </p:cNvPr>
-          <p:cNvSpPr/>
-          <p:nvPr/>
-        </p:nvSpPr>
-        <p:spPr>
-          <a:xfrm>
-            <a:off x="6096000" y="1627021"/>
-            <a:ext cx="1327948" cy="1231384"/>
-          </a:xfrm>
-          <a:prstGeom prst="rect">
-            <a:avLst/>
-          </a:prstGeom>
-          <a:solidFill>
-            <a:schemeClr val="bg1"/>
-          </a:solidFill>
-          <a:ln w="28575">
-            <a:solidFill>
-              <a:schemeClr val="tx1"/>
-            </a:solidFill>
-          </a:ln>
-        </p:spPr>
-        <p:style>
-          <a:lnRef idx="2">
-            <a:schemeClr val="accent1">
-              <a:shade val="50000"/>
-            </a:schemeClr>
-          </a:lnRef>
-          <a:fillRef idx="1">
-            <a:schemeClr val="accent1"/>
-          </a:fillRef>
-          <a:effectRef idx="0">
-            <a:schemeClr val="accent1"/>
-          </a:effectRef>
-          <a:fontRef idx="minor">
-            <a:schemeClr val="lt1"/>
-          </a:fontRef>
-        </p:style>
-        <p:txBody>
-          <a:bodyPr rtlCol="0" anchor="ctr"/>
-          <a:lstStyle/>
-          <a:p>
-            <a:pPr algn="ctr"/>
-            <a:endParaRPr lang="en-US"/>
-          </a:p>
-        </p:txBody>
-      </p:sp>
-      <p:sp>
-        <p:nvSpPr>
-          <p:cNvPr id="13" name="직사각형 12">
-            <a:extLst>
-              <a:ext uri="{FF2B5EF4-FFF2-40B4-BE49-F238E27FC236}">
-                <a16:creationId xmlns:a16="http://schemas.microsoft.com/office/drawing/2014/main" id="{13E97DF8-41B3-550F-C20D-CAA78D997AB0}"/>
-              </a:ext>
-            </a:extLst>
-          </p:cNvPr>
-          <p:cNvSpPr/>
-          <p:nvPr/>
-        </p:nvSpPr>
-        <p:spPr>
-          <a:xfrm>
-            <a:off x="4558020" y="3058304"/>
-            <a:ext cx="2865928" cy="1231384"/>
-          </a:xfrm>
-          <a:prstGeom prst="rect">
-            <a:avLst/>
-          </a:prstGeom>
-          <a:solidFill>
-            <a:schemeClr val="bg1"/>
-          </a:solidFill>
-          <a:ln w="28575">
-            <a:solidFill>
-              <a:schemeClr val="tx1"/>
-            </a:solidFill>
-          </a:ln>
-        </p:spPr>
-        <p:style>
-          <a:lnRef idx="2">
-            <a:schemeClr val="accent1">
-              <a:shade val="50000"/>
-            </a:schemeClr>
-          </a:lnRef>
-          <a:fillRef idx="1">
-            <a:schemeClr val="accent1"/>
-          </a:fillRef>
-          <a:effectRef idx="0">
-            <a:schemeClr val="accent1"/>
-          </a:effectRef>
-          <a:fontRef idx="minor">
-            <a:schemeClr val="lt1"/>
-          </a:fontRef>
-        </p:style>
-        <p:txBody>
-          <a:bodyPr rtlCol="0" anchor="ctr"/>
-          <a:lstStyle/>
-          <a:p>
-            <a:pPr algn="ctr"/>
-            <a:endParaRPr lang="en-US"/>
-          </a:p>
-        </p:txBody>
-      </p:sp>
-      <p:sp>
-        <p:nvSpPr>
-          <p:cNvPr id="20" name="TextBox 19">
-            <a:extLst>
-              <a:ext uri="{FF2B5EF4-FFF2-40B4-BE49-F238E27FC236}">
-                <a16:creationId xmlns:a16="http://schemas.microsoft.com/office/drawing/2014/main" id="{8D14A2D6-6ED4-4F1C-997D-568DBCC255BF}"/>
-              </a:ext>
-            </a:extLst>
-          </p:cNvPr>
-          <p:cNvSpPr txBox="1"/>
-          <p:nvPr/>
-        </p:nvSpPr>
-        <p:spPr>
-          <a:xfrm>
-            <a:off x="4772992" y="2058046"/>
-            <a:ext cx="898003" cy="369332"/>
-          </a:xfrm>
-          <a:prstGeom prst="rect">
-            <a:avLst/>
-          </a:prstGeom>
-          <a:noFill/>
-        </p:spPr>
-        <p:txBody>
-          <a:bodyPr wrap="none" rtlCol="0">
-            <a:spAutoFit/>
-          </a:bodyPr>
-          <a:lstStyle/>
-          <a:p>
-            <a:r>
-              <a:rPr lang="en-US" dirty="0"/>
-              <a:t>(2, 2, 1)</a:t>
-            </a:r>
-          </a:p>
-        </p:txBody>
-      </p:sp>
-      <p:sp>
-        <p:nvSpPr>
-          <p:cNvPr id="21" name="TextBox 20">
-            <a:extLst>
-              <a:ext uri="{FF2B5EF4-FFF2-40B4-BE49-F238E27FC236}">
-                <a16:creationId xmlns:a16="http://schemas.microsoft.com/office/drawing/2014/main" id="{0FFAE3DA-69B2-5F53-6975-836785C97F0F}"/>
-              </a:ext>
-            </a:extLst>
-          </p:cNvPr>
-          <p:cNvSpPr txBox="1"/>
-          <p:nvPr/>
-        </p:nvSpPr>
-        <p:spPr>
-          <a:xfrm>
-            <a:off x="6310972" y="2058046"/>
-            <a:ext cx="898003" cy="369332"/>
-          </a:xfrm>
-          <a:prstGeom prst="rect">
-            <a:avLst/>
-          </a:prstGeom>
-          <a:noFill/>
-        </p:spPr>
-        <p:txBody>
-          <a:bodyPr wrap="none" rtlCol="0">
-            <a:spAutoFit/>
-          </a:bodyPr>
-          <a:lstStyle/>
-          <a:p>
-            <a:r>
-              <a:rPr lang="en-US" dirty="0"/>
-              <a:t>(2, 2, 2)</a:t>
-            </a:r>
-          </a:p>
-        </p:txBody>
-      </p:sp>
-      <p:sp>
-        <p:nvSpPr>
-          <p:cNvPr id="22" name="TextBox 21">
-            <a:extLst>
-              <a:ext uri="{FF2B5EF4-FFF2-40B4-BE49-F238E27FC236}">
-                <a16:creationId xmlns:a16="http://schemas.microsoft.com/office/drawing/2014/main" id="{55D55EDE-5581-865F-11CC-E30932678B30}"/>
-              </a:ext>
-            </a:extLst>
-          </p:cNvPr>
-          <p:cNvSpPr txBox="1"/>
-          <p:nvPr/>
-        </p:nvSpPr>
-        <p:spPr>
-          <a:xfrm>
-            <a:off x="5357637" y="3489330"/>
-            <a:ext cx="1266693" cy="369332"/>
-          </a:xfrm>
-          <a:prstGeom prst="rect">
-            <a:avLst/>
-          </a:prstGeom>
-          <a:noFill/>
-        </p:spPr>
-        <p:txBody>
-          <a:bodyPr wrap="none" rtlCol="0">
-            <a:spAutoFit/>
-          </a:bodyPr>
-          <a:lstStyle/>
-          <a:p>
-            <a:r>
-              <a:rPr lang="en-US" dirty="0"/>
-              <a:t>(2, 2, [3, 4])</a:t>
-            </a:r>
-          </a:p>
-        </p:txBody>
-      </p:sp>
-    </p:spTree>
-    <p:extLst>
-      <p:ext uri="{BB962C8B-B14F-4D97-AF65-F5344CB8AC3E}">
-        <p14:creationId xmlns:p14="http://schemas.microsoft.com/office/powerpoint/2010/main" val="825787000"/>
-      </p:ext>
-    </p:extLst>
-  </p:cSld>
-  <p:clrMapOvr>
-    <a:masterClrMapping/>
-  </p:clrMapOvr>
-</p:sld>
-</file>
-
-<file path=ppt/slides/slide13.xml><?xml version="1.0" encoding="utf-8"?>
-<p:sld xmlns:a="http://schemas.openxmlformats.org/drawingml/2006/main" xmlns:r="http://schemas.openxmlformats.org/officeDocument/2006/relationships" xmlns:p="http://schemas.openxmlformats.org/presentationml/2006/main">
-  <p:cSld>
-    <p:spTree>
-      <p:nvGrpSpPr>
-        <p:cNvPr id="1" name=""/>
-        <p:cNvGrpSpPr/>
-        <p:nvPr/>
-      </p:nvGrpSpPr>
-      <p:grpSpPr>
-        <a:xfrm>
-          <a:off x="0" y="0"/>
-          <a:ext cx="0" cy="0"/>
-          <a:chOff x="0" y="0"/>
-          <a:chExt cx="0" cy="0"/>
-        </a:xfrm>
-      </p:grpSpPr>
-      <p:pic>
-        <p:nvPicPr>
-          <p:cNvPr id="3" name="그림 2">
-            <a:extLst>
-              <a:ext uri="{FF2B5EF4-FFF2-40B4-BE49-F238E27FC236}">
-                <a16:creationId xmlns:a16="http://schemas.microsoft.com/office/drawing/2014/main" id="{A12D644C-B28A-F7AF-2A6D-C1C72A9DE3DF}"/>
-              </a:ext>
-            </a:extLst>
-          </p:cNvPr>
-          <p:cNvPicPr>
-            <a:picLocks noChangeAspect="1"/>
-          </p:cNvPicPr>
-          <p:nvPr/>
-        </p:nvPicPr>
-        <p:blipFill>
-          <a:blip r:embed="rId2"/>
-          <a:stretch>
-            <a:fillRect/>
-          </a:stretch>
-        </p:blipFill>
-        <p:spPr>
-          <a:xfrm>
-            <a:off x="3429000" y="1428750"/>
-            <a:ext cx="5334000" cy="4000500"/>
-          </a:xfrm>
-          <a:prstGeom prst="rect">
-            <a:avLst/>
-          </a:prstGeom>
-        </p:spPr>
-      </p:pic>
-    </p:spTree>
-    <p:extLst>
-      <p:ext uri="{BB962C8B-B14F-4D97-AF65-F5344CB8AC3E}">
-        <p14:creationId xmlns:p14="http://schemas.microsoft.com/office/powerpoint/2010/main" val="1309166168"/>
-      </p:ext>
-    </p:extLst>
-  </p:cSld>
-  <p:clrMapOvr>
-    <a:masterClrMapping/>
-  </p:clrMapOvr>
-</p:sld>
-</file>
-
 <file path=ppt/slides/slide14.xml><?xml version="1.0" encoding="utf-8"?>
 <p:sld xmlns:a="http://schemas.openxmlformats.org/drawingml/2006/main" xmlns:r="http://schemas.openxmlformats.org/officeDocument/2006/relationships" xmlns:p="http://schemas.openxmlformats.org/presentationml/2006/main">
   <p:cSld>
@@ -4979,140 +5111,33 @@
           <a:chExt cx="0" cy="0"/>
         </a:xfrm>
       </p:grpSpPr>
-      <p:pic>
-        <p:nvPicPr>
-          <p:cNvPr id="3" name="그림 2">
-            <a:extLst>
-              <a:ext uri="{FF2B5EF4-FFF2-40B4-BE49-F238E27FC236}">
-                <a16:creationId xmlns:a16="http://schemas.microsoft.com/office/drawing/2014/main" id="{577F5127-D3D2-7F74-8CEA-42F45F2608E9}"/>
-              </a:ext>
-            </a:extLst>
-          </p:cNvPr>
-          <p:cNvPicPr>
-            <a:picLocks noChangeAspect="1"/>
-          </p:cNvPicPr>
-          <p:nvPr/>
-        </p:nvPicPr>
-        <p:blipFill>
-          <a:blip r:embed="rId2"/>
-          <a:stretch>
-            <a:fillRect/>
-          </a:stretch>
-        </p:blipFill>
-        <p:spPr>
-          <a:xfrm>
-            <a:off x="2110962" y="1794842"/>
-            <a:ext cx="3622868" cy="3268316"/>
+      <p:sp>
+        <p:nvSpPr>
+          <p:cNvPr id="11" name="직사각형 10">
+            <a:extLst>
+              <a:ext uri="{FF2B5EF4-FFF2-40B4-BE49-F238E27FC236}">
+                <a16:creationId xmlns:a16="http://schemas.microsoft.com/office/drawing/2014/main" id="{01260FCE-599F-86BB-111B-6D6DCE16881B}"/>
+              </a:ext>
+            </a:extLst>
+          </p:cNvPr>
+          <p:cNvSpPr/>
+          <p:nvPr/>
+        </p:nvSpPr>
+        <p:spPr>
+          <a:xfrm>
+            <a:off x="4558020" y="1627021"/>
+            <a:ext cx="1327948" cy="1231384"/>
           </a:xfrm>
           <a:prstGeom prst="rect">
             <a:avLst/>
           </a:prstGeom>
-        </p:spPr>
-      </p:pic>
-      <p:pic>
-        <p:nvPicPr>
-          <p:cNvPr id="5" name="그림 4">
-            <a:extLst>
-              <a:ext uri="{FF2B5EF4-FFF2-40B4-BE49-F238E27FC236}">
-                <a16:creationId xmlns:a16="http://schemas.microsoft.com/office/drawing/2014/main" id="{3FD76249-4E02-7129-2A5D-6ED5C54995C9}"/>
-              </a:ext>
-            </a:extLst>
-          </p:cNvPr>
-          <p:cNvPicPr>
-            <a:picLocks noChangeAspect="1"/>
-          </p:cNvPicPr>
-          <p:nvPr/>
-        </p:nvPicPr>
-        <p:blipFill>
-          <a:blip r:embed="rId3"/>
-          <a:stretch>
-            <a:fillRect/>
-          </a:stretch>
-        </p:blipFill>
-        <p:spPr>
-          <a:xfrm>
-            <a:off x="6614826" y="1794842"/>
-            <a:ext cx="3622868" cy="3268316"/>
-          </a:xfrm>
-          <a:prstGeom prst="rect">
-            <a:avLst/>
-          </a:prstGeom>
-        </p:spPr>
-      </p:pic>
-      <p:sp>
-        <p:nvSpPr>
-          <p:cNvPr id="8" name="TextBox 7">
-            <a:extLst>
-              <a:ext uri="{FF2B5EF4-FFF2-40B4-BE49-F238E27FC236}">
-                <a16:creationId xmlns:a16="http://schemas.microsoft.com/office/drawing/2014/main" id="{63AC7FD8-F9F2-3BF3-74A7-8593C2BAC36F}"/>
-              </a:ext>
-            </a:extLst>
-          </p:cNvPr>
-          <p:cNvSpPr txBox="1"/>
-          <p:nvPr/>
-        </p:nvSpPr>
-        <p:spPr>
-          <a:xfrm>
-            <a:off x="7530598" y="1210067"/>
-            <a:ext cx="1791324" cy="584775"/>
-          </a:xfrm>
-          <a:prstGeom prst="rect">
-            <a:avLst/>
-          </a:prstGeom>
-          <a:noFill/>
-        </p:spPr>
-        <p:txBody>
-          <a:bodyPr wrap="none" rtlCol="0">
-            <a:spAutoFit/>
-          </a:bodyPr>
-          <a:lstStyle/>
-          <a:p>
-            <a:pPr algn="ctr"/>
-            <a:r>
-              <a:rPr lang="en-US" sz="3200" dirty="0"/>
-              <a:t>axis </a:t>
-            </a:r>
-            <a:r>
-              <a:rPr lang="en-US" sz="3200" dirty="0">
-                <a:solidFill>
-                  <a:srgbClr val="CB68F9"/>
-                </a:solidFill>
-              </a:rPr>
-              <a:t>tight</a:t>
-            </a:r>
-            <a:r>
-              <a:rPr lang="en-US" sz="3200" dirty="0"/>
-              <a:t>;</a:t>
-            </a:r>
-          </a:p>
-        </p:txBody>
-      </p:sp>
-      <p:sp>
-        <p:nvSpPr>
-          <p:cNvPr id="11" name="타원 10">
-            <a:extLst>
-              <a:ext uri="{FF2B5EF4-FFF2-40B4-BE49-F238E27FC236}">
-                <a16:creationId xmlns:a16="http://schemas.microsoft.com/office/drawing/2014/main" id="{DE214EA5-B473-1E19-9121-82654556B363}"/>
-              </a:ext>
-            </a:extLst>
-          </p:cNvPr>
-          <p:cNvSpPr/>
-          <p:nvPr/>
-        </p:nvSpPr>
-        <p:spPr>
-          <a:xfrm>
-            <a:off x="4867835" y="3307976"/>
-            <a:ext cx="749454" cy="749454"/>
-          </a:xfrm>
-          <a:prstGeom prst="ellipse">
-            <a:avLst/>
-          </a:prstGeom>
-          <a:noFill/>
+          <a:solidFill>
+            <a:schemeClr val="bg1"/>
+          </a:solidFill>
           <a:ln w="28575">
             <a:solidFill>
-              <a:srgbClr val="FF0000"/>
+              <a:schemeClr val="tx1"/>
             </a:solidFill>
-            <a:prstDash val="sysDot"/>
           </a:ln>
         </p:spPr>
         <p:style>
@@ -5142,10 +5167,10 @@
       </p:sp>
       <p:sp>
         <p:nvSpPr>
-          <p:cNvPr id="12" name="타원 11">
-            <a:extLst>
-              <a:ext uri="{FF2B5EF4-FFF2-40B4-BE49-F238E27FC236}">
-                <a16:creationId xmlns:a16="http://schemas.microsoft.com/office/drawing/2014/main" id="{50FE5134-F835-C504-CB5C-A9A3AB6DD911}"/>
+          <p:cNvPr id="12" name="직사각형 11">
+            <a:extLst>
+              <a:ext uri="{FF2B5EF4-FFF2-40B4-BE49-F238E27FC236}">
+                <a16:creationId xmlns:a16="http://schemas.microsoft.com/office/drawing/2014/main" id="{A2CBE566-90D7-62B5-A7D2-3CB32CB64635}"/>
               </a:ext>
             </a:extLst>
           </p:cNvPr>
@@ -5154,18 +5179,19 @@
         </p:nvSpPr>
         <p:spPr>
           <a:xfrm>
-            <a:off x="2110962" y="2304819"/>
-            <a:ext cx="749454" cy="749454"/>
-          </a:xfrm>
-          <a:prstGeom prst="ellipse">
+            <a:off x="6096000" y="1627021"/>
+            <a:ext cx="1327948" cy="1231384"/>
+          </a:xfrm>
+          <a:prstGeom prst="rect">
             <a:avLst/>
           </a:prstGeom>
-          <a:noFill/>
+          <a:solidFill>
+            <a:schemeClr val="bg1"/>
+          </a:solidFill>
           <a:ln w="28575">
             <a:solidFill>
-              <a:srgbClr val="FF0000"/>
+              <a:schemeClr val="tx1"/>
             </a:solidFill>
-            <a:prstDash val="sysDot"/>
           </a:ln>
         </p:spPr>
         <p:style>
@@ -5195,10 +5221,10 @@
       </p:sp>
       <p:sp>
         <p:nvSpPr>
-          <p:cNvPr id="13" name="타원 12">
-            <a:extLst>
-              <a:ext uri="{FF2B5EF4-FFF2-40B4-BE49-F238E27FC236}">
-                <a16:creationId xmlns:a16="http://schemas.microsoft.com/office/drawing/2014/main" id="{BAEADD75-1DCD-33D1-C8DD-F0D7AA33E93A}"/>
+          <p:cNvPr id="13" name="직사각형 12">
+            <a:extLst>
+              <a:ext uri="{FF2B5EF4-FFF2-40B4-BE49-F238E27FC236}">
+                <a16:creationId xmlns:a16="http://schemas.microsoft.com/office/drawing/2014/main" id="{13E97DF8-41B3-550F-C20D-CAA78D997AB0}"/>
               </a:ext>
             </a:extLst>
           </p:cNvPr>
@@ -5207,18 +5233,19 @@
         </p:nvSpPr>
         <p:spPr>
           <a:xfrm>
-            <a:off x="2110962" y="4313704"/>
-            <a:ext cx="749454" cy="749454"/>
-          </a:xfrm>
-          <a:prstGeom prst="ellipse">
+            <a:off x="4558020" y="3058304"/>
+            <a:ext cx="2865928" cy="1231384"/>
+          </a:xfrm>
+          <a:prstGeom prst="rect">
             <a:avLst/>
           </a:prstGeom>
-          <a:noFill/>
+          <a:solidFill>
+            <a:schemeClr val="bg1"/>
+          </a:solidFill>
           <a:ln w="28575">
             <a:solidFill>
-              <a:srgbClr val="FF0000"/>
+              <a:schemeClr val="tx1"/>
             </a:solidFill>
-            <a:prstDash val="sysDot"/>
           </a:ln>
         </p:spPr>
         <p:style>
@@ -5246,10 +5273,115 @@
           </a:p>
         </p:txBody>
       </p:sp>
+      <p:sp>
+        <p:nvSpPr>
+          <p:cNvPr id="20" name="TextBox 19">
+            <a:extLst>
+              <a:ext uri="{FF2B5EF4-FFF2-40B4-BE49-F238E27FC236}">
+                <a16:creationId xmlns:a16="http://schemas.microsoft.com/office/drawing/2014/main" id="{8D14A2D6-6ED4-4F1C-997D-568DBCC255BF}"/>
+              </a:ext>
+            </a:extLst>
+          </p:cNvPr>
+          <p:cNvSpPr txBox="1"/>
+          <p:nvPr/>
+        </p:nvSpPr>
+        <p:spPr>
+          <a:xfrm>
+            <a:off x="4772992" y="2058046"/>
+            <a:ext cx="898003" cy="369332"/>
+          </a:xfrm>
+          <a:prstGeom prst="rect">
+            <a:avLst/>
+          </a:prstGeom>
+          <a:noFill/>
+        </p:spPr>
+        <p:txBody>
+          <a:bodyPr wrap="none" rtlCol="0">
+            <a:spAutoFit/>
+          </a:bodyPr>
+          <a:lstStyle/>
+          <a:p>
+            <a:r>
+              <a:rPr lang="en-US" dirty="0"/>
+              <a:t>(2, 2, 1)</a:t>
+            </a:r>
+          </a:p>
+        </p:txBody>
+      </p:sp>
+      <p:sp>
+        <p:nvSpPr>
+          <p:cNvPr id="21" name="TextBox 20">
+            <a:extLst>
+              <a:ext uri="{FF2B5EF4-FFF2-40B4-BE49-F238E27FC236}">
+                <a16:creationId xmlns:a16="http://schemas.microsoft.com/office/drawing/2014/main" id="{0FFAE3DA-69B2-5F53-6975-836785C97F0F}"/>
+              </a:ext>
+            </a:extLst>
+          </p:cNvPr>
+          <p:cNvSpPr txBox="1"/>
+          <p:nvPr/>
+        </p:nvSpPr>
+        <p:spPr>
+          <a:xfrm>
+            <a:off x="6310972" y="2058046"/>
+            <a:ext cx="898003" cy="369332"/>
+          </a:xfrm>
+          <a:prstGeom prst="rect">
+            <a:avLst/>
+          </a:prstGeom>
+          <a:noFill/>
+        </p:spPr>
+        <p:txBody>
+          <a:bodyPr wrap="none" rtlCol="0">
+            <a:spAutoFit/>
+          </a:bodyPr>
+          <a:lstStyle/>
+          <a:p>
+            <a:r>
+              <a:rPr lang="en-US" dirty="0"/>
+              <a:t>(2, 2, 2)</a:t>
+            </a:r>
+          </a:p>
+        </p:txBody>
+      </p:sp>
+      <p:sp>
+        <p:nvSpPr>
+          <p:cNvPr id="22" name="TextBox 21">
+            <a:extLst>
+              <a:ext uri="{FF2B5EF4-FFF2-40B4-BE49-F238E27FC236}">
+                <a16:creationId xmlns:a16="http://schemas.microsoft.com/office/drawing/2014/main" id="{55D55EDE-5581-865F-11CC-E30932678B30}"/>
+              </a:ext>
+            </a:extLst>
+          </p:cNvPr>
+          <p:cNvSpPr txBox="1"/>
+          <p:nvPr/>
+        </p:nvSpPr>
+        <p:spPr>
+          <a:xfrm>
+            <a:off x="5357637" y="3489330"/>
+            <a:ext cx="1266693" cy="369332"/>
+          </a:xfrm>
+          <a:prstGeom prst="rect">
+            <a:avLst/>
+          </a:prstGeom>
+          <a:noFill/>
+        </p:spPr>
+        <p:txBody>
+          <a:bodyPr wrap="none" rtlCol="0">
+            <a:spAutoFit/>
+          </a:bodyPr>
+          <a:lstStyle/>
+          <a:p>
+            <a:r>
+              <a:rPr lang="en-US" dirty="0"/>
+              <a:t>(2, 2, [3, 4])</a:t>
+            </a:r>
+          </a:p>
+        </p:txBody>
+      </p:sp>
     </p:spTree>
     <p:extLst>
       <p:ext uri="{BB962C8B-B14F-4D97-AF65-F5344CB8AC3E}">
-        <p14:creationId xmlns:p14="http://schemas.microsoft.com/office/powerpoint/2010/main" val="936745486"/>
+        <p14:creationId xmlns:p14="http://schemas.microsoft.com/office/powerpoint/2010/main" val="825787000"/>
       </p:ext>
     </p:extLst>
   </p:cSld>
@@ -5276,60 +5408,12 @@
           <a:chExt cx="0" cy="0"/>
         </a:xfrm>
       </p:grpSpPr>
-      <p:sp>
-        <p:nvSpPr>
-          <p:cNvPr id="6" name="TextBox 5">
-            <a:extLst>
-              <a:ext uri="{FF2B5EF4-FFF2-40B4-BE49-F238E27FC236}">
-                <a16:creationId xmlns:a16="http://schemas.microsoft.com/office/drawing/2014/main" id="{B3CF5386-EF7B-A4AF-7D68-20A9EEA3B3C3}"/>
-              </a:ext>
-            </a:extLst>
-          </p:cNvPr>
-          <p:cNvSpPr txBox="1"/>
-          <p:nvPr/>
-        </p:nvSpPr>
-        <p:spPr>
-          <a:xfrm>
-            <a:off x="7454968" y="1210067"/>
-            <a:ext cx="1942583" cy="584775"/>
-          </a:xfrm>
-          <a:prstGeom prst="rect">
-            <a:avLst/>
-          </a:prstGeom>
-          <a:noFill/>
-        </p:spPr>
-        <p:txBody>
-          <a:bodyPr wrap="none" rtlCol="0">
-            <a:spAutoFit/>
-          </a:bodyPr>
-          <a:lstStyle/>
-          <a:p>
-            <a:pPr algn="ctr"/>
-            <a:r>
-              <a:rPr lang="en-US" sz="3200" dirty="0"/>
-              <a:t>axis </a:t>
-            </a:r>
-            <a:r>
-              <a:rPr lang="en-US" sz="3200" dirty="0">
-                <a:solidFill>
-                  <a:srgbClr val="CB68F9"/>
-                </a:solidFill>
-              </a:rPr>
-              <a:t>equal</a:t>
-            </a:r>
-            <a:r>
-              <a:rPr lang="en-US" sz="3200" dirty="0"/>
-              <a:t>;</a:t>
-            </a:r>
-          </a:p>
-        </p:txBody>
-      </p:sp>
       <p:pic>
         <p:nvPicPr>
-          <p:cNvPr id="7" name="그림 6">
-            <a:extLst>
-              <a:ext uri="{FF2B5EF4-FFF2-40B4-BE49-F238E27FC236}">
-                <a16:creationId xmlns:a16="http://schemas.microsoft.com/office/drawing/2014/main" id="{7E5CE028-5FD5-F84D-8A8C-82501195AE1D}"/>
+          <p:cNvPr id="3" name="그림 2">
+            <a:extLst>
+              <a:ext uri="{FF2B5EF4-FFF2-40B4-BE49-F238E27FC236}">
+                <a16:creationId xmlns:a16="http://schemas.microsoft.com/office/drawing/2014/main" id="{A12D644C-B28A-F7AF-2A6D-C1C72A9DE3DF}"/>
               </a:ext>
             </a:extLst>
           </p:cNvPr>
@@ -5346,38 +5430,8 @@
         </p:blipFill>
         <p:spPr>
           <a:xfrm>
-            <a:off x="2110962" y="1794842"/>
-            <a:ext cx="3622868" cy="3268316"/>
-          </a:xfrm>
-          <a:prstGeom prst="rect">
-            <a:avLst/>
-          </a:prstGeom>
-        </p:spPr>
-      </p:pic>
-      <p:pic>
-        <p:nvPicPr>
-          <p:cNvPr id="8" name="그림 7">
-            <a:extLst>
-              <a:ext uri="{FF2B5EF4-FFF2-40B4-BE49-F238E27FC236}">
-                <a16:creationId xmlns:a16="http://schemas.microsoft.com/office/drawing/2014/main" id="{32C6E9E3-29BD-5E11-F79F-F2EDB1CDD407}"/>
-              </a:ext>
-            </a:extLst>
-          </p:cNvPr>
-          <p:cNvPicPr>
-            <a:picLocks noChangeAspect="1"/>
-          </p:cNvPicPr>
-          <p:nvPr/>
-        </p:nvPicPr>
-        <p:blipFill>
-          <a:blip r:embed="rId3"/>
-          <a:stretch>
-            <a:fillRect/>
-          </a:stretch>
-        </p:blipFill>
-        <p:spPr>
-          <a:xfrm>
-            <a:off x="6614826" y="1794842"/>
-            <a:ext cx="3622868" cy="3268316"/>
+            <a:off x="3429000" y="1428750"/>
+            <a:ext cx="5334000" cy="4000500"/>
           </a:xfrm>
           <a:prstGeom prst="rect">
             <a:avLst/>
@@ -5387,7 +5441,7 @@
     </p:spTree>
     <p:extLst>
       <p:ext uri="{BB962C8B-B14F-4D97-AF65-F5344CB8AC3E}">
-        <p14:creationId xmlns:p14="http://schemas.microsoft.com/office/powerpoint/2010/main" val="216883250"/>
+        <p14:creationId xmlns:p14="http://schemas.microsoft.com/office/powerpoint/2010/main" val="1309166168"/>
       </p:ext>
     </p:extLst>
   </p:cSld>
@@ -5419,7 +5473,7 @@
           <p:cNvPr id="3" name="그림 2">
             <a:extLst>
               <a:ext uri="{FF2B5EF4-FFF2-40B4-BE49-F238E27FC236}">
-                <a16:creationId xmlns:a16="http://schemas.microsoft.com/office/drawing/2014/main" id="{2128F9ED-3F43-0FAF-CDC4-A67D18F14F72}"/>
+                <a16:creationId xmlns:a16="http://schemas.microsoft.com/office/drawing/2014/main" id="{577F5127-D3D2-7F74-8CEA-42F45F2608E9}"/>
               </a:ext>
             </a:extLst>
           </p:cNvPr>
@@ -5436,8 +5490,8 @@
         </p:blipFill>
         <p:spPr>
           <a:xfrm>
-            <a:off x="2124634" y="1752848"/>
-            <a:ext cx="3450386" cy="3112714"/>
+            <a:off x="2110962" y="1794842"/>
+            <a:ext cx="3622868" cy="3268316"/>
           </a:xfrm>
           <a:prstGeom prst="rect">
             <a:avLst/>
@@ -5449,7 +5503,7 @@
           <p:cNvPr id="5" name="그림 4">
             <a:extLst>
               <a:ext uri="{FF2B5EF4-FFF2-40B4-BE49-F238E27FC236}">
-                <a16:creationId xmlns:a16="http://schemas.microsoft.com/office/drawing/2014/main" id="{2C8B7A89-8BFC-9B70-3F40-D57DF8D42BD5}"/>
+                <a16:creationId xmlns:a16="http://schemas.microsoft.com/office/drawing/2014/main" id="{3FD76249-4E02-7129-2A5D-6ED5C54995C9}"/>
               </a:ext>
             </a:extLst>
           </p:cNvPr>
@@ -5466,8 +5520,8 @@
         </p:blipFill>
         <p:spPr>
           <a:xfrm>
-            <a:off x="6616980" y="1752848"/>
-            <a:ext cx="3450386" cy="3112714"/>
+            <a:off x="6614826" y="1794842"/>
+            <a:ext cx="3622868" cy="3268316"/>
           </a:xfrm>
           <a:prstGeom prst="rect">
             <a:avLst/>
@@ -5479,7 +5533,7 @@
           <p:cNvPr id="8" name="TextBox 7">
             <a:extLst>
               <a:ext uri="{FF2B5EF4-FFF2-40B4-BE49-F238E27FC236}">
-                <a16:creationId xmlns:a16="http://schemas.microsoft.com/office/drawing/2014/main" id="{F18A7A09-D15E-BB44-7017-6B0BFB1438B5}"/>
+                <a16:creationId xmlns:a16="http://schemas.microsoft.com/office/drawing/2014/main" id="{63AC7FD8-F9F2-3BF3-74A7-8593C2BAC36F}"/>
               </a:ext>
             </a:extLst>
           </p:cNvPr>
@@ -5488,8 +5542,8 @@
         </p:nvSpPr>
         <p:spPr>
           <a:xfrm>
-            <a:off x="3509029" y="1273389"/>
-            <a:ext cx="681597" cy="461665"/>
+            <a:off x="7530598" y="1210067"/>
+            <a:ext cx="1791324" cy="584775"/>
           </a:xfrm>
           <a:prstGeom prst="rect">
             <a:avLst/>
@@ -5504,52 +5558,187 @@
           <a:p>
             <a:pPr algn="ctr"/>
             <a:r>
-              <a:rPr lang="en-US" sz="2400" dirty="0"/>
-              <a:t>plot</a:t>
+              <a:rPr lang="en-US" sz="3200" dirty="0"/>
+              <a:t>axis </a:t>
             </a:r>
-          </a:p>
-        </p:txBody>
-      </p:sp>
-      <p:sp>
-        <p:nvSpPr>
-          <p:cNvPr id="9" name="TextBox 8">
-            <a:extLst>
-              <a:ext uri="{FF2B5EF4-FFF2-40B4-BE49-F238E27FC236}">
-                <a16:creationId xmlns:a16="http://schemas.microsoft.com/office/drawing/2014/main" id="{006CE444-9C36-938F-F869-E55E396377D0}"/>
-              </a:ext>
-            </a:extLst>
-          </p:cNvPr>
-          <p:cNvSpPr txBox="1"/>
-          <p:nvPr/>
-        </p:nvSpPr>
-        <p:spPr>
-          <a:xfrm>
-            <a:off x="7954086" y="1273389"/>
-            <a:ext cx="776174" cy="461665"/>
-          </a:xfrm>
-          <a:prstGeom prst="rect">
+            <a:r>
+              <a:rPr lang="en-US" sz="3200" dirty="0">
+                <a:solidFill>
+                  <a:srgbClr val="CB68F9"/>
+                </a:solidFill>
+              </a:rPr>
+              <a:t>tight</a:t>
+            </a:r>
+            <a:r>
+              <a:rPr lang="en-US" sz="3200" dirty="0"/>
+              <a:t>;</a:t>
+            </a:r>
+          </a:p>
+        </p:txBody>
+      </p:sp>
+      <p:sp>
+        <p:nvSpPr>
+          <p:cNvPr id="11" name="타원 10">
+            <a:extLst>
+              <a:ext uri="{FF2B5EF4-FFF2-40B4-BE49-F238E27FC236}">
+                <a16:creationId xmlns:a16="http://schemas.microsoft.com/office/drawing/2014/main" id="{DE214EA5-B473-1E19-9121-82654556B363}"/>
+              </a:ext>
+            </a:extLst>
+          </p:cNvPr>
+          <p:cNvSpPr/>
+          <p:nvPr/>
+        </p:nvSpPr>
+        <p:spPr>
+          <a:xfrm>
+            <a:off x="4867835" y="3307976"/>
+            <a:ext cx="749454" cy="749454"/>
+          </a:xfrm>
+          <a:prstGeom prst="ellipse">
             <a:avLst/>
           </a:prstGeom>
           <a:noFill/>
-        </p:spPr>
-        <p:txBody>
-          <a:bodyPr wrap="none" rtlCol="0">
-            <a:spAutoFit/>
-          </a:bodyPr>
+          <a:ln w="28575">
+            <a:solidFill>
+              <a:srgbClr val="FF0000"/>
+            </a:solidFill>
+            <a:prstDash val="sysDot"/>
+          </a:ln>
+        </p:spPr>
+        <p:style>
+          <a:lnRef idx="2">
+            <a:schemeClr val="accent1">
+              <a:shade val="50000"/>
+            </a:schemeClr>
+          </a:lnRef>
+          <a:fillRef idx="1">
+            <a:schemeClr val="accent1"/>
+          </a:fillRef>
+          <a:effectRef idx="0">
+            <a:schemeClr val="accent1"/>
+          </a:effectRef>
+          <a:fontRef idx="minor">
+            <a:schemeClr val="lt1"/>
+          </a:fontRef>
+        </p:style>
+        <p:txBody>
+          <a:bodyPr rtlCol="0" anchor="ctr"/>
           <a:lstStyle/>
           <a:p>
             <a:pPr algn="ctr"/>
-            <a:r>
-              <a:rPr lang="en-US" sz="2400" dirty="0"/>
-              <a:t>fplot</a:t>
-            </a:r>
+            <a:endParaRPr lang="en-US"/>
+          </a:p>
+        </p:txBody>
+      </p:sp>
+      <p:sp>
+        <p:nvSpPr>
+          <p:cNvPr id="12" name="타원 11">
+            <a:extLst>
+              <a:ext uri="{FF2B5EF4-FFF2-40B4-BE49-F238E27FC236}">
+                <a16:creationId xmlns:a16="http://schemas.microsoft.com/office/drawing/2014/main" id="{50FE5134-F835-C504-CB5C-A9A3AB6DD911}"/>
+              </a:ext>
+            </a:extLst>
+          </p:cNvPr>
+          <p:cNvSpPr/>
+          <p:nvPr/>
+        </p:nvSpPr>
+        <p:spPr>
+          <a:xfrm>
+            <a:off x="2110962" y="2304819"/>
+            <a:ext cx="749454" cy="749454"/>
+          </a:xfrm>
+          <a:prstGeom prst="ellipse">
+            <a:avLst/>
+          </a:prstGeom>
+          <a:noFill/>
+          <a:ln w="28575">
+            <a:solidFill>
+              <a:srgbClr val="FF0000"/>
+            </a:solidFill>
+            <a:prstDash val="sysDot"/>
+          </a:ln>
+        </p:spPr>
+        <p:style>
+          <a:lnRef idx="2">
+            <a:schemeClr val="accent1">
+              <a:shade val="50000"/>
+            </a:schemeClr>
+          </a:lnRef>
+          <a:fillRef idx="1">
+            <a:schemeClr val="accent1"/>
+          </a:fillRef>
+          <a:effectRef idx="0">
+            <a:schemeClr val="accent1"/>
+          </a:effectRef>
+          <a:fontRef idx="minor">
+            <a:schemeClr val="lt1"/>
+          </a:fontRef>
+        </p:style>
+        <p:txBody>
+          <a:bodyPr rtlCol="0" anchor="ctr"/>
+          <a:lstStyle/>
+          <a:p>
+            <a:pPr algn="ctr"/>
+            <a:endParaRPr lang="en-US"/>
+          </a:p>
+        </p:txBody>
+      </p:sp>
+      <p:sp>
+        <p:nvSpPr>
+          <p:cNvPr id="13" name="타원 12">
+            <a:extLst>
+              <a:ext uri="{FF2B5EF4-FFF2-40B4-BE49-F238E27FC236}">
+                <a16:creationId xmlns:a16="http://schemas.microsoft.com/office/drawing/2014/main" id="{BAEADD75-1DCD-33D1-C8DD-F0D7AA33E93A}"/>
+              </a:ext>
+            </a:extLst>
+          </p:cNvPr>
+          <p:cNvSpPr/>
+          <p:nvPr/>
+        </p:nvSpPr>
+        <p:spPr>
+          <a:xfrm>
+            <a:off x="2110962" y="4313704"/>
+            <a:ext cx="749454" cy="749454"/>
+          </a:xfrm>
+          <a:prstGeom prst="ellipse">
+            <a:avLst/>
+          </a:prstGeom>
+          <a:noFill/>
+          <a:ln w="28575">
+            <a:solidFill>
+              <a:srgbClr val="FF0000"/>
+            </a:solidFill>
+            <a:prstDash val="sysDot"/>
+          </a:ln>
+        </p:spPr>
+        <p:style>
+          <a:lnRef idx="2">
+            <a:schemeClr val="accent1">
+              <a:shade val="50000"/>
+            </a:schemeClr>
+          </a:lnRef>
+          <a:fillRef idx="1">
+            <a:schemeClr val="accent1"/>
+          </a:fillRef>
+          <a:effectRef idx="0">
+            <a:schemeClr val="accent1"/>
+          </a:effectRef>
+          <a:fontRef idx="minor">
+            <a:schemeClr val="lt1"/>
+          </a:fontRef>
+        </p:style>
+        <p:txBody>
+          <a:bodyPr rtlCol="0" anchor="ctr"/>
+          <a:lstStyle/>
+          <a:p>
+            <a:pPr algn="ctr"/>
+            <a:endParaRPr lang="en-US"/>
           </a:p>
         </p:txBody>
       </p:sp>
     </p:spTree>
     <p:extLst>
       <p:ext uri="{BB962C8B-B14F-4D97-AF65-F5344CB8AC3E}">
-        <p14:creationId xmlns:p14="http://schemas.microsoft.com/office/powerpoint/2010/main" val="3305200901"/>
+        <p14:creationId xmlns:p14="http://schemas.microsoft.com/office/powerpoint/2010/main" val="936745486"/>
       </p:ext>
     </p:extLst>
   </p:cSld>
@@ -5576,12 +5765,60 @@
           <a:chExt cx="0" cy="0"/>
         </a:xfrm>
       </p:grpSpPr>
+      <p:sp>
+        <p:nvSpPr>
+          <p:cNvPr id="6" name="TextBox 5">
+            <a:extLst>
+              <a:ext uri="{FF2B5EF4-FFF2-40B4-BE49-F238E27FC236}">
+                <a16:creationId xmlns:a16="http://schemas.microsoft.com/office/drawing/2014/main" id="{B3CF5386-EF7B-A4AF-7D68-20A9EEA3B3C3}"/>
+              </a:ext>
+            </a:extLst>
+          </p:cNvPr>
+          <p:cNvSpPr txBox="1"/>
+          <p:nvPr/>
+        </p:nvSpPr>
+        <p:spPr>
+          <a:xfrm>
+            <a:off x="7454968" y="1210067"/>
+            <a:ext cx="1942583" cy="584775"/>
+          </a:xfrm>
+          <a:prstGeom prst="rect">
+            <a:avLst/>
+          </a:prstGeom>
+          <a:noFill/>
+        </p:spPr>
+        <p:txBody>
+          <a:bodyPr wrap="none" rtlCol="0">
+            <a:spAutoFit/>
+          </a:bodyPr>
+          <a:lstStyle/>
+          <a:p>
+            <a:pPr algn="ctr"/>
+            <a:r>
+              <a:rPr lang="en-US" sz="3200" dirty="0"/>
+              <a:t>axis </a:t>
+            </a:r>
+            <a:r>
+              <a:rPr lang="en-US" sz="3200" dirty="0">
+                <a:solidFill>
+                  <a:srgbClr val="CB68F9"/>
+                </a:solidFill>
+              </a:rPr>
+              <a:t>equal</a:t>
+            </a:r>
+            <a:r>
+              <a:rPr lang="en-US" sz="3200" dirty="0"/>
+              <a:t>;</a:t>
+            </a:r>
+          </a:p>
+        </p:txBody>
+      </p:sp>
       <p:pic>
         <p:nvPicPr>
-          <p:cNvPr id="6" name="그림 5">
-            <a:extLst>
-              <a:ext uri="{FF2B5EF4-FFF2-40B4-BE49-F238E27FC236}">
-                <a16:creationId xmlns:a16="http://schemas.microsoft.com/office/drawing/2014/main" id="{B157BEDA-050F-F976-17D6-AE44FA3C907F}"/>
+          <p:cNvPr id="7" name="그림 6">
+            <a:extLst>
+              <a:ext uri="{FF2B5EF4-FFF2-40B4-BE49-F238E27FC236}">
+                <a16:creationId xmlns:a16="http://schemas.microsoft.com/office/drawing/2014/main" id="{7E5CE028-5FD5-F84D-8A8C-82501195AE1D}"/>
               </a:ext>
             </a:extLst>
           </p:cNvPr>
@@ -5598,8 +5835,8 @@
         </p:blipFill>
         <p:spPr>
           <a:xfrm>
-            <a:off x="2124635" y="1752849"/>
-            <a:ext cx="3450386" cy="3112714"/>
+            <a:off x="2110962" y="1794842"/>
+            <a:ext cx="3622868" cy="3268316"/>
           </a:xfrm>
           <a:prstGeom prst="rect">
             <a:avLst/>
@@ -5608,10 +5845,10 @@
       </p:pic>
       <p:pic>
         <p:nvPicPr>
-          <p:cNvPr id="7" name="그림 6">
-            <a:extLst>
-              <a:ext uri="{FF2B5EF4-FFF2-40B4-BE49-F238E27FC236}">
-                <a16:creationId xmlns:a16="http://schemas.microsoft.com/office/drawing/2014/main" id="{ED4DCB07-8936-2DCF-D464-1CBE376C65BF}"/>
+          <p:cNvPr id="8" name="그림 7">
+            <a:extLst>
+              <a:ext uri="{FF2B5EF4-FFF2-40B4-BE49-F238E27FC236}">
+                <a16:creationId xmlns:a16="http://schemas.microsoft.com/office/drawing/2014/main" id="{32C6E9E3-29BD-5E11-F79F-F2EDB1CDD407}"/>
               </a:ext>
             </a:extLst>
           </p:cNvPr>
@@ -5628,90 +5865,18 @@
         </p:blipFill>
         <p:spPr>
           <a:xfrm>
-            <a:off x="6616979" y="1752849"/>
-            <a:ext cx="3450386" cy="3112714"/>
+            <a:off x="6614826" y="1794842"/>
+            <a:ext cx="3622868" cy="3268316"/>
           </a:xfrm>
           <a:prstGeom prst="rect">
             <a:avLst/>
           </a:prstGeom>
         </p:spPr>
       </p:pic>
-      <p:sp>
-        <p:nvSpPr>
-          <p:cNvPr id="8" name="TextBox 7">
-            <a:extLst>
-              <a:ext uri="{FF2B5EF4-FFF2-40B4-BE49-F238E27FC236}">
-                <a16:creationId xmlns:a16="http://schemas.microsoft.com/office/drawing/2014/main" id="{09096EE2-84E7-B53D-387D-EF88807623BD}"/>
-              </a:ext>
-            </a:extLst>
-          </p:cNvPr>
-          <p:cNvSpPr txBox="1"/>
-          <p:nvPr/>
-        </p:nvSpPr>
-        <p:spPr>
-          <a:xfrm>
-            <a:off x="2701120" y="1273389"/>
-            <a:ext cx="2297424" cy="461665"/>
-          </a:xfrm>
-          <a:prstGeom prst="rect">
-            <a:avLst/>
-          </a:prstGeom>
-          <a:noFill/>
-        </p:spPr>
-        <p:txBody>
-          <a:bodyPr wrap="none" rtlCol="0">
-            <a:spAutoFit/>
-          </a:bodyPr>
-          <a:lstStyle/>
-          <a:p>
-            <a:pPr algn="ctr"/>
-            <a:r>
-              <a:rPr lang="en-US" sz="2400" dirty="0"/>
-              <a:t>fplot(@(x) sin(x))</a:t>
-            </a:r>
-          </a:p>
-        </p:txBody>
-      </p:sp>
-      <p:sp>
-        <p:nvSpPr>
-          <p:cNvPr id="9" name="TextBox 8">
-            <a:extLst>
-              <a:ext uri="{FF2B5EF4-FFF2-40B4-BE49-F238E27FC236}">
-                <a16:creationId xmlns:a16="http://schemas.microsoft.com/office/drawing/2014/main" id="{8ED9F8C3-5751-6210-622B-2F6FDD29F535}"/>
-              </a:ext>
-            </a:extLst>
-          </p:cNvPr>
-          <p:cNvSpPr txBox="1"/>
-          <p:nvPr/>
-        </p:nvSpPr>
-        <p:spPr>
-          <a:xfrm>
-            <a:off x="6604359" y="1273389"/>
-            <a:ext cx="3475631" cy="461665"/>
-          </a:xfrm>
-          <a:prstGeom prst="rect">
-            <a:avLst/>
-          </a:prstGeom>
-          <a:noFill/>
-        </p:spPr>
-        <p:txBody>
-          <a:bodyPr wrap="none" rtlCol="0">
-            <a:spAutoFit/>
-          </a:bodyPr>
-          <a:lstStyle/>
-          <a:p>
-            <a:pPr algn="ctr"/>
-            <a:r>
-              <a:rPr lang="en-US" sz="2400" dirty="0"/>
-              <a:t>fplot(@(x) sin(x), [0, 2*pi])</a:t>
-            </a:r>
-          </a:p>
-        </p:txBody>
-      </p:sp>
     </p:spTree>
     <p:extLst>
       <p:ext uri="{BB962C8B-B14F-4D97-AF65-F5344CB8AC3E}">
-        <p14:creationId xmlns:p14="http://schemas.microsoft.com/office/powerpoint/2010/main" val="3493676590"/>
+        <p14:creationId xmlns:p14="http://schemas.microsoft.com/office/powerpoint/2010/main" val="216883250"/>
       </p:ext>
     </p:extLst>
   </p:cSld>
@@ -5743,7 +5908,7 @@
           <p:cNvPr id="3" name="그림 2">
             <a:extLst>
               <a:ext uri="{FF2B5EF4-FFF2-40B4-BE49-F238E27FC236}">
-                <a16:creationId xmlns:a16="http://schemas.microsoft.com/office/drawing/2014/main" id="{49DD40DF-648F-1896-373E-4AF1E354805A}"/>
+                <a16:creationId xmlns:a16="http://schemas.microsoft.com/office/drawing/2014/main" id="{2128F9ED-3F43-0FAF-CDC4-A67D18F14F72}"/>
               </a:ext>
             </a:extLst>
           </p:cNvPr>
@@ -5760,18 +5925,120 @@
         </p:blipFill>
         <p:spPr>
           <a:xfrm>
-            <a:off x="3429000" y="1428750"/>
-            <a:ext cx="5334000" cy="4000500"/>
+            <a:off x="2124634" y="1752848"/>
+            <a:ext cx="3450386" cy="3112714"/>
           </a:xfrm>
           <a:prstGeom prst="rect">
             <a:avLst/>
           </a:prstGeom>
         </p:spPr>
       </p:pic>
+      <p:pic>
+        <p:nvPicPr>
+          <p:cNvPr id="5" name="그림 4">
+            <a:extLst>
+              <a:ext uri="{FF2B5EF4-FFF2-40B4-BE49-F238E27FC236}">
+                <a16:creationId xmlns:a16="http://schemas.microsoft.com/office/drawing/2014/main" id="{2C8B7A89-8BFC-9B70-3F40-D57DF8D42BD5}"/>
+              </a:ext>
+            </a:extLst>
+          </p:cNvPr>
+          <p:cNvPicPr>
+            <a:picLocks noChangeAspect="1"/>
+          </p:cNvPicPr>
+          <p:nvPr/>
+        </p:nvPicPr>
+        <p:blipFill>
+          <a:blip r:embed="rId3"/>
+          <a:stretch>
+            <a:fillRect/>
+          </a:stretch>
+        </p:blipFill>
+        <p:spPr>
+          <a:xfrm>
+            <a:off x="6616980" y="1752848"/>
+            <a:ext cx="3450386" cy="3112714"/>
+          </a:xfrm>
+          <a:prstGeom prst="rect">
+            <a:avLst/>
+          </a:prstGeom>
+        </p:spPr>
+      </p:pic>
+      <p:sp>
+        <p:nvSpPr>
+          <p:cNvPr id="8" name="TextBox 7">
+            <a:extLst>
+              <a:ext uri="{FF2B5EF4-FFF2-40B4-BE49-F238E27FC236}">
+                <a16:creationId xmlns:a16="http://schemas.microsoft.com/office/drawing/2014/main" id="{F18A7A09-D15E-BB44-7017-6B0BFB1438B5}"/>
+              </a:ext>
+            </a:extLst>
+          </p:cNvPr>
+          <p:cNvSpPr txBox="1"/>
+          <p:nvPr/>
+        </p:nvSpPr>
+        <p:spPr>
+          <a:xfrm>
+            <a:off x="3509029" y="1273389"/>
+            <a:ext cx="681597" cy="461665"/>
+          </a:xfrm>
+          <a:prstGeom prst="rect">
+            <a:avLst/>
+          </a:prstGeom>
+          <a:noFill/>
+        </p:spPr>
+        <p:txBody>
+          <a:bodyPr wrap="none" rtlCol="0">
+            <a:spAutoFit/>
+          </a:bodyPr>
+          <a:lstStyle/>
+          <a:p>
+            <a:pPr algn="ctr"/>
+            <a:r>
+              <a:rPr lang="en-US" sz="2400" dirty="0"/>
+              <a:t>plot</a:t>
+            </a:r>
+          </a:p>
+        </p:txBody>
+      </p:sp>
+      <p:sp>
+        <p:nvSpPr>
+          <p:cNvPr id="9" name="TextBox 8">
+            <a:extLst>
+              <a:ext uri="{FF2B5EF4-FFF2-40B4-BE49-F238E27FC236}">
+                <a16:creationId xmlns:a16="http://schemas.microsoft.com/office/drawing/2014/main" id="{006CE444-9C36-938F-F869-E55E396377D0}"/>
+              </a:ext>
+            </a:extLst>
+          </p:cNvPr>
+          <p:cNvSpPr txBox="1"/>
+          <p:nvPr/>
+        </p:nvSpPr>
+        <p:spPr>
+          <a:xfrm>
+            <a:off x="7954086" y="1273389"/>
+            <a:ext cx="776174" cy="461665"/>
+          </a:xfrm>
+          <a:prstGeom prst="rect">
+            <a:avLst/>
+          </a:prstGeom>
+          <a:noFill/>
+        </p:spPr>
+        <p:txBody>
+          <a:bodyPr wrap="none" rtlCol="0">
+            <a:spAutoFit/>
+          </a:bodyPr>
+          <a:lstStyle/>
+          <a:p>
+            <a:pPr algn="ctr"/>
+            <a:r>
+              <a:rPr lang="en-US" sz="2400" dirty="0"/>
+              <a:t>fplot</a:t>
+            </a:r>
+          </a:p>
+        </p:txBody>
+      </p:sp>
     </p:spTree>
     <p:extLst>
       <p:ext uri="{BB962C8B-B14F-4D97-AF65-F5344CB8AC3E}">
-        <p14:creationId xmlns:p14="http://schemas.microsoft.com/office/powerpoint/2010/main" val="2582165912"/>
+        <p14:creationId xmlns:p14="http://schemas.microsoft.com/office/powerpoint/2010/main" val="3305200901"/>
       </p:ext>
     </p:extLst>
   </p:cSld>
@@ -5800,10 +6067,10 @@
       </p:grpSpPr>
       <p:pic>
         <p:nvPicPr>
-          <p:cNvPr id="7" name="그림 6">
-            <a:extLst>
-              <a:ext uri="{FF2B5EF4-FFF2-40B4-BE49-F238E27FC236}">
-                <a16:creationId xmlns:a16="http://schemas.microsoft.com/office/drawing/2014/main" id="{7B231E67-FA60-30A9-7297-9669CBB07A9F}"/>
+          <p:cNvPr id="6" name="그림 5">
+            <a:extLst>
+              <a:ext uri="{FF2B5EF4-FFF2-40B4-BE49-F238E27FC236}">
+                <a16:creationId xmlns:a16="http://schemas.microsoft.com/office/drawing/2014/main" id="{B157BEDA-050F-F976-17D6-AE44FA3C907F}"/>
               </a:ext>
             </a:extLst>
           </p:cNvPr>
@@ -5820,18 +6087,120 @@
         </p:blipFill>
         <p:spPr>
           <a:xfrm>
-            <a:off x="3429000" y="1428750"/>
-            <a:ext cx="5334000" cy="4000500"/>
+            <a:off x="2124635" y="1752849"/>
+            <a:ext cx="3450386" cy="3112714"/>
           </a:xfrm>
           <a:prstGeom prst="rect">
             <a:avLst/>
           </a:prstGeom>
         </p:spPr>
       </p:pic>
+      <p:pic>
+        <p:nvPicPr>
+          <p:cNvPr id="7" name="그림 6">
+            <a:extLst>
+              <a:ext uri="{FF2B5EF4-FFF2-40B4-BE49-F238E27FC236}">
+                <a16:creationId xmlns:a16="http://schemas.microsoft.com/office/drawing/2014/main" id="{ED4DCB07-8936-2DCF-D464-1CBE376C65BF}"/>
+              </a:ext>
+            </a:extLst>
+          </p:cNvPr>
+          <p:cNvPicPr>
+            <a:picLocks noChangeAspect="1"/>
+          </p:cNvPicPr>
+          <p:nvPr/>
+        </p:nvPicPr>
+        <p:blipFill>
+          <a:blip r:embed="rId3"/>
+          <a:stretch>
+            <a:fillRect/>
+          </a:stretch>
+        </p:blipFill>
+        <p:spPr>
+          <a:xfrm>
+            <a:off x="6616979" y="1752849"/>
+            <a:ext cx="3450386" cy="3112714"/>
+          </a:xfrm>
+          <a:prstGeom prst="rect">
+            <a:avLst/>
+          </a:prstGeom>
+        </p:spPr>
+      </p:pic>
+      <p:sp>
+        <p:nvSpPr>
+          <p:cNvPr id="8" name="TextBox 7">
+            <a:extLst>
+              <a:ext uri="{FF2B5EF4-FFF2-40B4-BE49-F238E27FC236}">
+                <a16:creationId xmlns:a16="http://schemas.microsoft.com/office/drawing/2014/main" id="{09096EE2-84E7-B53D-387D-EF88807623BD}"/>
+              </a:ext>
+            </a:extLst>
+          </p:cNvPr>
+          <p:cNvSpPr txBox="1"/>
+          <p:nvPr/>
+        </p:nvSpPr>
+        <p:spPr>
+          <a:xfrm>
+            <a:off x="2701120" y="1273389"/>
+            <a:ext cx="2297424" cy="461665"/>
+          </a:xfrm>
+          <a:prstGeom prst="rect">
+            <a:avLst/>
+          </a:prstGeom>
+          <a:noFill/>
+        </p:spPr>
+        <p:txBody>
+          <a:bodyPr wrap="none" rtlCol="0">
+            <a:spAutoFit/>
+          </a:bodyPr>
+          <a:lstStyle/>
+          <a:p>
+            <a:pPr algn="ctr"/>
+            <a:r>
+              <a:rPr lang="en-US" sz="2400" dirty="0"/>
+              <a:t>fplot(@(x) sin(x))</a:t>
+            </a:r>
+          </a:p>
+        </p:txBody>
+      </p:sp>
+      <p:sp>
+        <p:nvSpPr>
+          <p:cNvPr id="9" name="TextBox 8">
+            <a:extLst>
+              <a:ext uri="{FF2B5EF4-FFF2-40B4-BE49-F238E27FC236}">
+                <a16:creationId xmlns:a16="http://schemas.microsoft.com/office/drawing/2014/main" id="{8ED9F8C3-5751-6210-622B-2F6FDD29F535}"/>
+              </a:ext>
+            </a:extLst>
+          </p:cNvPr>
+          <p:cNvSpPr txBox="1"/>
+          <p:nvPr/>
+        </p:nvSpPr>
+        <p:spPr>
+          <a:xfrm>
+            <a:off x="6604359" y="1273389"/>
+            <a:ext cx="3475631" cy="461665"/>
+          </a:xfrm>
+          <a:prstGeom prst="rect">
+            <a:avLst/>
+          </a:prstGeom>
+          <a:noFill/>
+        </p:spPr>
+        <p:txBody>
+          <a:bodyPr wrap="none" rtlCol="0">
+            <a:spAutoFit/>
+          </a:bodyPr>
+          <a:lstStyle/>
+          <a:p>
+            <a:pPr algn="ctr"/>
+            <a:r>
+              <a:rPr lang="en-US" sz="2400" dirty="0"/>
+              <a:t>fplot(@(x) sin(x), [0, 2*pi])</a:t>
+            </a:r>
+          </a:p>
+        </p:txBody>
+      </p:sp>
     </p:spTree>
     <p:extLst>
       <p:ext uri="{BB962C8B-B14F-4D97-AF65-F5344CB8AC3E}">
-        <p14:creationId xmlns:p14="http://schemas.microsoft.com/office/powerpoint/2010/main" val="1830224559"/>
+        <p14:creationId xmlns:p14="http://schemas.microsoft.com/office/powerpoint/2010/main" val="3493676590"/>
       </p:ext>
     </p:extLst>
   </p:cSld>
@@ -6026,6 +6395,126 @@
       </p:grpSpPr>
       <p:pic>
         <p:nvPicPr>
+          <p:cNvPr id="3" name="그림 2">
+            <a:extLst>
+              <a:ext uri="{FF2B5EF4-FFF2-40B4-BE49-F238E27FC236}">
+                <a16:creationId xmlns:a16="http://schemas.microsoft.com/office/drawing/2014/main" id="{49DD40DF-648F-1896-373E-4AF1E354805A}"/>
+              </a:ext>
+            </a:extLst>
+          </p:cNvPr>
+          <p:cNvPicPr>
+            <a:picLocks noChangeAspect="1"/>
+          </p:cNvPicPr>
+          <p:nvPr/>
+        </p:nvPicPr>
+        <p:blipFill>
+          <a:blip r:embed="rId2"/>
+          <a:stretch>
+            <a:fillRect/>
+          </a:stretch>
+        </p:blipFill>
+        <p:spPr>
+          <a:xfrm>
+            <a:off x="3429000" y="1428750"/>
+            <a:ext cx="5334000" cy="4000500"/>
+          </a:xfrm>
+          <a:prstGeom prst="rect">
+            <a:avLst/>
+          </a:prstGeom>
+        </p:spPr>
+      </p:pic>
+    </p:spTree>
+    <p:extLst>
+      <p:ext uri="{BB962C8B-B14F-4D97-AF65-F5344CB8AC3E}">
+        <p14:creationId xmlns:p14="http://schemas.microsoft.com/office/powerpoint/2010/main" val="2582165912"/>
+      </p:ext>
+    </p:extLst>
+  </p:cSld>
+  <p:clrMapOvr>
+    <a:masterClrMapping/>
+  </p:clrMapOvr>
+</p:sld>
+</file>
+
+<file path=ppt/slides/slide21.xml><?xml version="1.0" encoding="utf-8"?>
+<p:sld xmlns:a="http://schemas.openxmlformats.org/drawingml/2006/main" xmlns:r="http://schemas.openxmlformats.org/officeDocument/2006/relationships" xmlns:p="http://schemas.openxmlformats.org/presentationml/2006/main">
+  <p:cSld>
+    <p:spTree>
+      <p:nvGrpSpPr>
+        <p:cNvPr id="1" name=""/>
+        <p:cNvGrpSpPr/>
+        <p:nvPr/>
+      </p:nvGrpSpPr>
+      <p:grpSpPr>
+        <a:xfrm>
+          <a:off x="0" y="0"/>
+          <a:ext cx="0" cy="0"/>
+          <a:chOff x="0" y="0"/>
+          <a:chExt cx="0" cy="0"/>
+        </a:xfrm>
+      </p:grpSpPr>
+      <p:pic>
+        <p:nvPicPr>
+          <p:cNvPr id="7" name="그림 6">
+            <a:extLst>
+              <a:ext uri="{FF2B5EF4-FFF2-40B4-BE49-F238E27FC236}">
+                <a16:creationId xmlns:a16="http://schemas.microsoft.com/office/drawing/2014/main" id="{7B231E67-FA60-30A9-7297-9669CBB07A9F}"/>
+              </a:ext>
+            </a:extLst>
+          </p:cNvPr>
+          <p:cNvPicPr>
+            <a:picLocks noChangeAspect="1"/>
+          </p:cNvPicPr>
+          <p:nvPr/>
+        </p:nvPicPr>
+        <p:blipFill>
+          <a:blip r:embed="rId2"/>
+          <a:stretch>
+            <a:fillRect/>
+          </a:stretch>
+        </p:blipFill>
+        <p:spPr>
+          <a:xfrm>
+            <a:off x="3429000" y="1428750"/>
+            <a:ext cx="5334000" cy="4000500"/>
+          </a:xfrm>
+          <a:prstGeom prst="rect">
+            <a:avLst/>
+          </a:prstGeom>
+        </p:spPr>
+      </p:pic>
+    </p:spTree>
+    <p:extLst>
+      <p:ext uri="{BB962C8B-B14F-4D97-AF65-F5344CB8AC3E}">
+        <p14:creationId xmlns:p14="http://schemas.microsoft.com/office/powerpoint/2010/main" val="1830224559"/>
+      </p:ext>
+    </p:extLst>
+  </p:cSld>
+  <p:clrMapOvr>
+    <a:masterClrMapping/>
+  </p:clrMapOvr>
+</p:sld>
+</file>
+
+<file path=ppt/slides/slide22.xml><?xml version="1.0" encoding="utf-8"?>
+<p:sld xmlns:a="http://schemas.openxmlformats.org/drawingml/2006/main" xmlns:r="http://schemas.openxmlformats.org/officeDocument/2006/relationships" xmlns:p="http://schemas.openxmlformats.org/presentationml/2006/main">
+  <p:cSld>
+    <p:spTree>
+      <p:nvGrpSpPr>
+        <p:cNvPr id="1" name=""/>
+        <p:cNvGrpSpPr/>
+        <p:nvPr/>
+      </p:nvGrpSpPr>
+      <p:grpSpPr>
+        <a:xfrm>
+          <a:off x="0" y="0"/>
+          <a:ext cx="0" cy="0"/>
+          <a:chOff x="0" y="0"/>
+          <a:chExt cx="0" cy="0"/>
+        </a:xfrm>
+      </p:grpSpPr>
+      <p:pic>
+        <p:nvPicPr>
           <p:cNvPr id="6" name="Picture 5">
             <a:extLst>
               <a:ext uri="{FF2B5EF4-FFF2-40B4-BE49-F238E27FC236}">
@@ -6068,6 +6557,3255 @@
 </file>
 
 <file path=ppt/slides/slide3.xml><?xml version="1.0" encoding="utf-8"?>
+<p:sld xmlns:a="http://schemas.openxmlformats.org/drawingml/2006/main" xmlns:r="http://schemas.openxmlformats.org/officeDocument/2006/relationships" xmlns:p="http://schemas.openxmlformats.org/presentationml/2006/main">
+  <p:cSld>
+    <p:spTree>
+      <p:nvGrpSpPr>
+        <p:cNvPr id="1" name=""/>
+        <p:cNvGrpSpPr/>
+        <p:nvPr/>
+      </p:nvGrpSpPr>
+      <p:grpSpPr>
+        <a:xfrm>
+          <a:off x="0" y="0"/>
+          <a:ext cx="0" cy="0"/>
+          <a:chOff x="0" y="0"/>
+          <a:chExt cx="0" cy="0"/>
+        </a:xfrm>
+      </p:grpSpPr>
+      <p:cxnSp>
+        <p:nvCxnSpPr>
+          <p:cNvPr id="3" name="Straight Arrow Connector 2">
+            <a:extLst>
+              <a:ext uri="{FF2B5EF4-FFF2-40B4-BE49-F238E27FC236}">
+                <a16:creationId xmlns:a16="http://schemas.microsoft.com/office/drawing/2014/main" id="{80802244-5FF3-0A27-6DD6-3F303DD6515E}"/>
+              </a:ext>
+            </a:extLst>
+          </p:cNvPr>
+          <p:cNvCxnSpPr>
+            <a:cxnSpLocks/>
+          </p:cNvCxnSpPr>
+          <p:nvPr/>
+        </p:nvCxnSpPr>
+        <p:spPr>
+          <a:xfrm>
+            <a:off x="3106295" y="4944979"/>
+            <a:ext cx="5912661" cy="0"/>
+          </a:xfrm>
+          <a:prstGeom prst="straightConnector1">
+            <a:avLst/>
+          </a:prstGeom>
+          <a:ln w="38100">
+            <a:solidFill>
+              <a:schemeClr val="bg1">
+                <a:lumMod val="75000"/>
+              </a:schemeClr>
+            </a:solidFill>
+            <a:prstDash val="dash"/>
+            <a:tailEnd type="triangle"/>
+          </a:ln>
+        </p:spPr>
+        <p:style>
+          <a:lnRef idx="1">
+            <a:schemeClr val="dk1"/>
+          </a:lnRef>
+          <a:fillRef idx="0">
+            <a:schemeClr val="dk1"/>
+          </a:fillRef>
+          <a:effectRef idx="0">
+            <a:schemeClr val="dk1"/>
+          </a:effectRef>
+          <a:fontRef idx="minor">
+            <a:schemeClr val="tx1"/>
+          </a:fontRef>
+        </p:style>
+      </p:cxnSp>
+      <p:cxnSp>
+        <p:nvCxnSpPr>
+          <p:cNvPr id="5" name="Straight Arrow Connector 4">
+            <a:extLst>
+              <a:ext uri="{FF2B5EF4-FFF2-40B4-BE49-F238E27FC236}">
+                <a16:creationId xmlns:a16="http://schemas.microsoft.com/office/drawing/2014/main" id="{0E13BEF4-2780-6637-0B4C-4A6B8CD8647B}"/>
+              </a:ext>
+            </a:extLst>
+          </p:cNvPr>
+          <p:cNvCxnSpPr/>
+          <p:nvPr/>
+        </p:nvCxnSpPr>
+        <p:spPr>
+          <a:xfrm flipV="1">
+            <a:off x="3407084" y="1756611"/>
+            <a:ext cx="0" cy="3477126"/>
+          </a:xfrm>
+          <a:prstGeom prst="straightConnector1">
+            <a:avLst/>
+          </a:prstGeom>
+          <a:ln w="38100">
+            <a:tailEnd type="triangle"/>
+          </a:ln>
+        </p:spPr>
+        <p:style>
+          <a:lnRef idx="1">
+            <a:schemeClr val="dk1"/>
+          </a:lnRef>
+          <a:fillRef idx="0">
+            <a:schemeClr val="dk1"/>
+          </a:fillRef>
+          <a:effectRef idx="0">
+            <a:schemeClr val="dk1"/>
+          </a:effectRef>
+          <a:fontRef idx="minor">
+            <a:schemeClr val="tx1"/>
+          </a:fontRef>
+        </p:style>
+      </p:cxnSp>
+      <mc:AlternateContent xmlns:mc="http://schemas.openxmlformats.org/markup-compatibility/2006">
+        <mc:Choice xmlns:a14="http://schemas.microsoft.com/office/drawing/2010/main" Requires="a14">
+          <p:sp>
+            <p:nvSpPr>
+              <p:cNvPr id="6" name="TextBox 5">
+                <a:extLst>
+                  <a:ext uri="{FF2B5EF4-FFF2-40B4-BE49-F238E27FC236}">
+                    <a16:creationId xmlns:a16="http://schemas.microsoft.com/office/drawing/2014/main" id="{A222629C-CB84-C18A-E105-0236D2B27652}"/>
+                  </a:ext>
+                </a:extLst>
+              </p:cNvPr>
+              <p:cNvSpPr txBox="1"/>
+              <p:nvPr/>
+            </p:nvSpPr>
+            <p:spPr>
+              <a:xfrm>
+                <a:off x="8784917" y="4972127"/>
+                <a:ext cx="468077" cy="523220"/>
+              </a:xfrm>
+              <a:prstGeom prst="rect">
+                <a:avLst/>
+              </a:prstGeom>
+              <a:noFill/>
+            </p:spPr>
+            <p:txBody>
+              <a:bodyPr wrap="none" rtlCol="0">
+                <a:spAutoFit/>
+              </a:bodyPr>
+              <a:lstStyle/>
+              <a:p>
+                <a14:m>
+                  <m:oMathPara xmlns:m="http://schemas.openxmlformats.org/officeDocument/2006/math">
+                    <m:oMathParaPr>
+                      <m:jc m:val="centerGroup"/>
+                    </m:oMathParaPr>
+                    <m:oMath xmlns:m="http://schemas.openxmlformats.org/officeDocument/2006/math">
+                      <m:r>
+                        <a:rPr lang="en-US" sz="2800" b="0" i="1" smtClean="0">
+                          <a:solidFill>
+                            <a:schemeClr val="bg1">
+                              <a:lumMod val="65000"/>
+                            </a:schemeClr>
+                          </a:solidFill>
+                          <a:latin typeface="Cambria Math" panose="02040503050406030204" pitchFamily="18" charset="0"/>
+                        </a:rPr>
+                        <m:t>𝑥</m:t>
+                      </m:r>
+                    </m:oMath>
+                  </m:oMathPara>
+                </a14:m>
+                <a:endParaRPr lang="en-US" sz="2800" dirty="0">
+                  <a:solidFill>
+                    <a:schemeClr val="bg1">
+                      <a:lumMod val="65000"/>
+                    </a:schemeClr>
+                  </a:solidFill>
+                </a:endParaRPr>
+              </a:p>
+            </p:txBody>
+          </p:sp>
+        </mc:Choice>
+        <mc:Fallback>
+          <p:sp>
+            <p:nvSpPr>
+              <p:cNvPr id="6" name="TextBox 5">
+                <a:extLst>
+                  <a:ext uri="{FF2B5EF4-FFF2-40B4-BE49-F238E27FC236}">
+                    <a16:creationId xmlns:a16="http://schemas.microsoft.com/office/drawing/2014/main" id="{A222629C-CB84-C18A-E105-0236D2B27652}"/>
+                  </a:ext>
+                </a:extLst>
+              </p:cNvPr>
+              <p:cNvSpPr txBox="1">
+                <a:spLocks noRot="1" noChangeAspect="1" noMove="1" noResize="1" noEditPoints="1" noAdjustHandles="1" noChangeArrowheads="1" noChangeShapeType="1" noTextEdit="1"/>
+              </p:cNvSpPr>
+              <p:nvPr/>
+            </p:nvSpPr>
+            <p:spPr>
+              <a:xfrm>
+                <a:off x="8784917" y="4972127"/>
+                <a:ext cx="468077" cy="523220"/>
+              </a:xfrm>
+              <a:prstGeom prst="rect">
+                <a:avLst/>
+              </a:prstGeom>
+              <a:blipFill>
+                <a:blip r:embed="rId2"/>
+                <a:stretch>
+                  <a:fillRect/>
+                </a:stretch>
+              </a:blipFill>
+            </p:spPr>
+            <p:txBody>
+              <a:bodyPr/>
+              <a:lstStyle/>
+              <a:p>
+                <a:r>
+                  <a:rPr lang="en-US">
+                    <a:noFill/>
+                  </a:rPr>
+                  <a:t> </a:t>
+                </a:r>
+              </a:p>
+            </p:txBody>
+          </p:sp>
+        </mc:Fallback>
+      </mc:AlternateContent>
+      <mc:AlternateContent xmlns:mc="http://schemas.openxmlformats.org/markup-compatibility/2006">
+        <mc:Choice xmlns:a14="http://schemas.microsoft.com/office/drawing/2010/main" Requires="a14">
+          <p:sp>
+            <p:nvSpPr>
+              <p:cNvPr id="7" name="TextBox 6">
+                <a:extLst>
+                  <a:ext uri="{FF2B5EF4-FFF2-40B4-BE49-F238E27FC236}">
+                    <a16:creationId xmlns:a16="http://schemas.microsoft.com/office/drawing/2014/main" id="{7606541C-451E-94B2-A3CD-DAC6F5906D10}"/>
+                  </a:ext>
+                </a:extLst>
+              </p:cNvPr>
+              <p:cNvSpPr txBox="1"/>
+              <p:nvPr/>
+            </p:nvSpPr>
+            <p:spPr>
+              <a:xfrm>
+                <a:off x="2939007" y="4944979"/>
+                <a:ext cx="468077" cy="523220"/>
+              </a:xfrm>
+              <a:prstGeom prst="rect">
+                <a:avLst/>
+              </a:prstGeom>
+              <a:noFill/>
+            </p:spPr>
+            <p:txBody>
+              <a:bodyPr wrap="none" rtlCol="0">
+                <a:spAutoFit/>
+              </a:bodyPr>
+              <a:lstStyle/>
+              <a:p>
+                <a14:m>
+                  <m:oMathPara xmlns:m="http://schemas.openxmlformats.org/officeDocument/2006/math">
+                    <m:oMathParaPr>
+                      <m:jc m:val="centerGroup"/>
+                    </m:oMathParaPr>
+                    <m:oMath xmlns:m="http://schemas.openxmlformats.org/officeDocument/2006/math">
+                      <m:r>
+                        <a:rPr lang="en-US" sz="2800" b="0" i="1" smtClean="0">
+                          <a:latin typeface="Cambria Math" panose="02040503050406030204" pitchFamily="18" charset="0"/>
+                        </a:rPr>
+                        <m:t>0</m:t>
+                      </m:r>
+                    </m:oMath>
+                  </m:oMathPara>
+                </a14:m>
+                <a:endParaRPr lang="en-US" sz="2800" dirty="0"/>
+              </a:p>
+            </p:txBody>
+          </p:sp>
+        </mc:Choice>
+        <mc:Fallback>
+          <p:sp>
+            <p:nvSpPr>
+              <p:cNvPr id="7" name="TextBox 6">
+                <a:extLst>
+                  <a:ext uri="{FF2B5EF4-FFF2-40B4-BE49-F238E27FC236}">
+                    <a16:creationId xmlns:a16="http://schemas.microsoft.com/office/drawing/2014/main" id="{7606541C-451E-94B2-A3CD-DAC6F5906D10}"/>
+                  </a:ext>
+                </a:extLst>
+              </p:cNvPr>
+              <p:cNvSpPr txBox="1">
+                <a:spLocks noRot="1" noChangeAspect="1" noMove="1" noResize="1" noEditPoints="1" noAdjustHandles="1" noChangeArrowheads="1" noChangeShapeType="1" noTextEdit="1"/>
+              </p:cNvSpPr>
+              <p:nvPr/>
+            </p:nvSpPr>
+            <p:spPr>
+              <a:xfrm>
+                <a:off x="2939007" y="4944979"/>
+                <a:ext cx="468077" cy="523220"/>
+              </a:xfrm>
+              <a:prstGeom prst="rect">
+                <a:avLst/>
+              </a:prstGeom>
+              <a:blipFill>
+                <a:blip r:embed="rId3"/>
+                <a:stretch>
+                  <a:fillRect/>
+                </a:stretch>
+              </a:blipFill>
+            </p:spPr>
+            <p:txBody>
+              <a:bodyPr/>
+              <a:lstStyle/>
+              <a:p>
+                <a:r>
+                  <a:rPr lang="en-US">
+                    <a:noFill/>
+                  </a:rPr>
+                  <a:t> </a:t>
+                </a:r>
+              </a:p>
+            </p:txBody>
+          </p:sp>
+        </mc:Fallback>
+      </mc:AlternateContent>
+      <mc:AlternateContent xmlns:mc="http://schemas.openxmlformats.org/markup-compatibility/2006">
+        <mc:Choice xmlns:a14="http://schemas.microsoft.com/office/drawing/2010/main" Requires="a14">
+          <p:sp>
+            <p:nvSpPr>
+              <p:cNvPr id="8" name="TextBox 7">
+                <a:extLst>
+                  <a:ext uri="{FF2B5EF4-FFF2-40B4-BE49-F238E27FC236}">
+                    <a16:creationId xmlns:a16="http://schemas.microsoft.com/office/drawing/2014/main" id="{AB4DE793-3F86-5050-758B-D482742B5847}"/>
+                  </a:ext>
+                </a:extLst>
+              </p:cNvPr>
+              <p:cNvSpPr txBox="1"/>
+              <p:nvPr/>
+            </p:nvSpPr>
+            <p:spPr>
+              <a:xfrm>
+                <a:off x="2939007" y="1624263"/>
+                <a:ext cx="472950" cy="523220"/>
+              </a:xfrm>
+              <a:prstGeom prst="rect">
+                <a:avLst/>
+              </a:prstGeom>
+              <a:noFill/>
+            </p:spPr>
+            <p:txBody>
+              <a:bodyPr wrap="none" rtlCol="0">
+                <a:spAutoFit/>
+              </a:bodyPr>
+              <a:lstStyle/>
+              <a:p>
+                <a14:m>
+                  <m:oMathPara xmlns:m="http://schemas.openxmlformats.org/officeDocument/2006/math">
+                    <m:oMathParaPr>
+                      <m:jc m:val="centerGroup"/>
+                    </m:oMathParaPr>
+                    <m:oMath xmlns:m="http://schemas.openxmlformats.org/officeDocument/2006/math">
+                      <m:r>
+                        <a:rPr lang="en-US" sz="2800" b="0" i="1" smtClean="0">
+                          <a:latin typeface="Cambria Math" panose="02040503050406030204" pitchFamily="18" charset="0"/>
+                        </a:rPr>
+                        <m:t>𝑦</m:t>
+                      </m:r>
+                    </m:oMath>
+                  </m:oMathPara>
+                </a14:m>
+                <a:endParaRPr lang="en-US" sz="2800" dirty="0"/>
+              </a:p>
+            </p:txBody>
+          </p:sp>
+        </mc:Choice>
+        <mc:Fallback>
+          <p:sp>
+            <p:nvSpPr>
+              <p:cNvPr id="8" name="TextBox 7">
+                <a:extLst>
+                  <a:ext uri="{FF2B5EF4-FFF2-40B4-BE49-F238E27FC236}">
+                    <a16:creationId xmlns:a16="http://schemas.microsoft.com/office/drawing/2014/main" id="{AB4DE793-3F86-5050-758B-D482742B5847}"/>
+                  </a:ext>
+                </a:extLst>
+              </p:cNvPr>
+              <p:cNvSpPr txBox="1">
+                <a:spLocks noRot="1" noChangeAspect="1" noMove="1" noResize="1" noEditPoints="1" noAdjustHandles="1" noChangeArrowheads="1" noChangeShapeType="1" noTextEdit="1"/>
+              </p:cNvSpPr>
+              <p:nvPr/>
+            </p:nvSpPr>
+            <p:spPr>
+              <a:xfrm>
+                <a:off x="2939007" y="1624263"/>
+                <a:ext cx="472950" cy="523220"/>
+              </a:xfrm>
+              <a:prstGeom prst="rect">
+                <a:avLst/>
+              </a:prstGeom>
+              <a:blipFill>
+                <a:blip r:embed="rId4"/>
+                <a:stretch>
+                  <a:fillRect/>
+                </a:stretch>
+              </a:blipFill>
+            </p:spPr>
+            <p:txBody>
+              <a:bodyPr/>
+              <a:lstStyle/>
+              <a:p>
+                <a:r>
+                  <a:rPr lang="en-US">
+                    <a:noFill/>
+                  </a:rPr>
+                  <a:t> </a:t>
+                </a:r>
+              </a:p>
+            </p:txBody>
+          </p:sp>
+        </mc:Fallback>
+      </mc:AlternateContent>
+      <p:grpSp>
+        <p:nvGrpSpPr>
+          <p:cNvPr id="30" name="Group 29">
+            <a:extLst>
+              <a:ext uri="{FF2B5EF4-FFF2-40B4-BE49-F238E27FC236}">
+                <a16:creationId xmlns:a16="http://schemas.microsoft.com/office/drawing/2014/main" id="{85E4853A-EEE8-2F5D-5228-4C53E8DF4563}"/>
+              </a:ext>
+            </a:extLst>
+          </p:cNvPr>
+          <p:cNvGrpSpPr/>
+          <p:nvPr/>
+        </p:nvGrpSpPr>
+        <p:grpSpPr>
+          <a:xfrm flipH="1">
+            <a:off x="3368389" y="2436013"/>
+            <a:ext cx="87204" cy="1955424"/>
+            <a:chOff x="2108822" y="2436013"/>
+            <a:chExt cx="243853" cy="1955424"/>
+          </a:xfrm>
+        </p:grpSpPr>
+        <p:cxnSp>
+          <p:nvCxnSpPr>
+            <p:cNvPr id="16" name="Straight Connector 15">
+              <a:extLst>
+                <a:ext uri="{FF2B5EF4-FFF2-40B4-BE49-F238E27FC236}">
+                  <a16:creationId xmlns:a16="http://schemas.microsoft.com/office/drawing/2014/main" id="{CC53053C-9178-D5CB-382E-2BCBE6DE1B75}"/>
+                </a:ext>
+              </a:extLst>
+            </p:cNvPr>
+            <p:cNvCxnSpPr>
+              <a:cxnSpLocks/>
+            </p:cNvCxnSpPr>
+            <p:nvPr/>
+          </p:nvCxnSpPr>
+          <p:spPr>
+            <a:xfrm flipH="1">
+              <a:off x="2108822" y="4391437"/>
+              <a:ext cx="243853" cy="0"/>
+            </a:xfrm>
+            <a:prstGeom prst="line">
+              <a:avLst/>
+            </a:prstGeom>
+            <a:ln w="28575"/>
+          </p:spPr>
+          <p:style>
+            <a:lnRef idx="1">
+              <a:schemeClr val="dk1"/>
+            </a:lnRef>
+            <a:fillRef idx="0">
+              <a:schemeClr val="dk1"/>
+            </a:fillRef>
+            <a:effectRef idx="0">
+              <a:schemeClr val="dk1"/>
+            </a:effectRef>
+            <a:fontRef idx="minor">
+              <a:schemeClr val="tx1"/>
+            </a:fontRef>
+          </p:style>
+        </p:cxnSp>
+        <p:cxnSp>
+          <p:nvCxnSpPr>
+            <p:cNvPr id="19" name="Straight Connector 18">
+              <a:extLst>
+                <a:ext uri="{FF2B5EF4-FFF2-40B4-BE49-F238E27FC236}">
+                  <a16:creationId xmlns:a16="http://schemas.microsoft.com/office/drawing/2014/main" id="{5C3748E2-6A45-555E-9F9E-797C2850D192}"/>
+                </a:ext>
+              </a:extLst>
+            </p:cNvPr>
+            <p:cNvCxnSpPr>
+              <a:cxnSpLocks/>
+            </p:cNvCxnSpPr>
+            <p:nvPr/>
+          </p:nvCxnSpPr>
+          <p:spPr>
+            <a:xfrm flipH="1">
+              <a:off x="2108822" y="3733359"/>
+              <a:ext cx="243853" cy="0"/>
+            </a:xfrm>
+            <a:prstGeom prst="line">
+              <a:avLst/>
+            </a:prstGeom>
+            <a:ln w="28575"/>
+          </p:spPr>
+          <p:style>
+            <a:lnRef idx="1">
+              <a:schemeClr val="dk1"/>
+            </a:lnRef>
+            <a:fillRef idx="0">
+              <a:schemeClr val="dk1"/>
+            </a:fillRef>
+            <a:effectRef idx="0">
+              <a:schemeClr val="dk1"/>
+            </a:effectRef>
+            <a:fontRef idx="minor">
+              <a:schemeClr val="tx1"/>
+            </a:fontRef>
+          </p:style>
+        </p:cxnSp>
+        <p:cxnSp>
+          <p:nvCxnSpPr>
+            <p:cNvPr id="21" name="Straight Connector 20">
+              <a:extLst>
+                <a:ext uri="{FF2B5EF4-FFF2-40B4-BE49-F238E27FC236}">
+                  <a16:creationId xmlns:a16="http://schemas.microsoft.com/office/drawing/2014/main" id="{7E57C577-AE81-16BE-9EFC-D625E3ECBC97}"/>
+                </a:ext>
+              </a:extLst>
+            </p:cNvPr>
+            <p:cNvCxnSpPr>
+              <a:cxnSpLocks/>
+            </p:cNvCxnSpPr>
+            <p:nvPr/>
+          </p:nvCxnSpPr>
+          <p:spPr>
+            <a:xfrm flipH="1">
+              <a:off x="2108822" y="3084686"/>
+              <a:ext cx="243853" cy="0"/>
+            </a:xfrm>
+            <a:prstGeom prst="line">
+              <a:avLst/>
+            </a:prstGeom>
+            <a:ln w="28575"/>
+          </p:spPr>
+          <p:style>
+            <a:lnRef idx="1">
+              <a:schemeClr val="dk1"/>
+            </a:lnRef>
+            <a:fillRef idx="0">
+              <a:schemeClr val="dk1"/>
+            </a:fillRef>
+            <a:effectRef idx="0">
+              <a:schemeClr val="dk1"/>
+            </a:effectRef>
+            <a:fontRef idx="minor">
+              <a:schemeClr val="tx1"/>
+            </a:fontRef>
+          </p:style>
+        </p:cxnSp>
+        <p:cxnSp>
+          <p:nvCxnSpPr>
+            <p:cNvPr id="22" name="Straight Connector 21">
+              <a:extLst>
+                <a:ext uri="{FF2B5EF4-FFF2-40B4-BE49-F238E27FC236}">
+                  <a16:creationId xmlns:a16="http://schemas.microsoft.com/office/drawing/2014/main" id="{DA4AFF41-6F2F-F004-94B0-47DEE8E73DE9}"/>
+                </a:ext>
+              </a:extLst>
+            </p:cNvPr>
+            <p:cNvCxnSpPr>
+              <a:cxnSpLocks/>
+            </p:cNvCxnSpPr>
+            <p:nvPr/>
+          </p:nvCxnSpPr>
+          <p:spPr>
+            <a:xfrm flipH="1">
+              <a:off x="2108822" y="2436013"/>
+              <a:ext cx="243853" cy="0"/>
+            </a:xfrm>
+            <a:prstGeom prst="line">
+              <a:avLst/>
+            </a:prstGeom>
+            <a:ln w="28575"/>
+          </p:spPr>
+          <p:style>
+            <a:lnRef idx="1">
+              <a:schemeClr val="dk1"/>
+            </a:lnRef>
+            <a:fillRef idx="0">
+              <a:schemeClr val="dk1"/>
+            </a:fillRef>
+            <a:effectRef idx="0">
+              <a:schemeClr val="dk1"/>
+            </a:effectRef>
+            <a:fontRef idx="minor">
+              <a:schemeClr val="tx1"/>
+            </a:fontRef>
+          </p:style>
+        </p:cxnSp>
+      </p:grpSp>
+      <p:sp>
+        <p:nvSpPr>
+          <p:cNvPr id="31" name="TextBox 30">
+            <a:extLst>
+              <a:ext uri="{FF2B5EF4-FFF2-40B4-BE49-F238E27FC236}">
+                <a16:creationId xmlns:a16="http://schemas.microsoft.com/office/drawing/2014/main" id="{EC5016C0-1A65-5711-25F0-C31AA0F23C4E}"/>
+              </a:ext>
+            </a:extLst>
+          </p:cNvPr>
+          <p:cNvSpPr txBox="1"/>
+          <p:nvPr/>
+        </p:nvSpPr>
+        <p:spPr>
+          <a:xfrm>
+            <a:off x="3022202" y="4237094"/>
+            <a:ext cx="301686" cy="369332"/>
+          </a:xfrm>
+          <a:prstGeom prst="rect">
+            <a:avLst/>
+          </a:prstGeom>
+          <a:noFill/>
+        </p:spPr>
+        <p:txBody>
+          <a:bodyPr wrap="none" rtlCol="0">
+            <a:spAutoFit/>
+          </a:bodyPr>
+          <a:lstStyle/>
+          <a:p>
+            <a:r>
+              <a:rPr lang="en-US" dirty="0"/>
+              <a:t>1</a:t>
+            </a:r>
+          </a:p>
+        </p:txBody>
+      </p:sp>
+      <p:sp>
+        <p:nvSpPr>
+          <p:cNvPr id="32" name="TextBox 31">
+            <a:extLst>
+              <a:ext uri="{FF2B5EF4-FFF2-40B4-BE49-F238E27FC236}">
+                <a16:creationId xmlns:a16="http://schemas.microsoft.com/office/drawing/2014/main" id="{9105EB47-9845-28F1-DCC4-B21F1BDE86C0}"/>
+              </a:ext>
+            </a:extLst>
+          </p:cNvPr>
+          <p:cNvSpPr txBox="1"/>
+          <p:nvPr/>
+        </p:nvSpPr>
+        <p:spPr>
+          <a:xfrm>
+            <a:off x="3022202" y="3552247"/>
+            <a:ext cx="301686" cy="369332"/>
+          </a:xfrm>
+          <a:prstGeom prst="rect">
+            <a:avLst/>
+          </a:prstGeom>
+          <a:noFill/>
+        </p:spPr>
+        <p:txBody>
+          <a:bodyPr wrap="none" rtlCol="0">
+            <a:spAutoFit/>
+          </a:bodyPr>
+          <a:lstStyle/>
+          <a:p>
+            <a:r>
+              <a:rPr lang="en-US" dirty="0"/>
+              <a:t>2</a:t>
+            </a:r>
+          </a:p>
+        </p:txBody>
+      </p:sp>
+      <p:sp>
+        <p:nvSpPr>
+          <p:cNvPr id="33" name="TextBox 32">
+            <a:extLst>
+              <a:ext uri="{FF2B5EF4-FFF2-40B4-BE49-F238E27FC236}">
+                <a16:creationId xmlns:a16="http://schemas.microsoft.com/office/drawing/2014/main" id="{CD3BE360-A9E7-E61D-228A-6EDAF631245F}"/>
+              </a:ext>
+            </a:extLst>
+          </p:cNvPr>
+          <p:cNvSpPr txBox="1"/>
+          <p:nvPr/>
+        </p:nvSpPr>
+        <p:spPr>
+          <a:xfrm>
+            <a:off x="3022202" y="2909407"/>
+            <a:ext cx="301686" cy="369332"/>
+          </a:xfrm>
+          <a:prstGeom prst="rect">
+            <a:avLst/>
+          </a:prstGeom>
+          <a:noFill/>
+        </p:spPr>
+        <p:txBody>
+          <a:bodyPr wrap="none" rtlCol="0">
+            <a:spAutoFit/>
+          </a:bodyPr>
+          <a:lstStyle/>
+          <a:p>
+            <a:r>
+              <a:rPr lang="en-US" dirty="0"/>
+              <a:t>3</a:t>
+            </a:r>
+          </a:p>
+        </p:txBody>
+      </p:sp>
+      <p:sp>
+        <p:nvSpPr>
+          <p:cNvPr id="34" name="TextBox 33">
+            <a:extLst>
+              <a:ext uri="{FF2B5EF4-FFF2-40B4-BE49-F238E27FC236}">
+                <a16:creationId xmlns:a16="http://schemas.microsoft.com/office/drawing/2014/main" id="{79710A34-F6B5-EE52-1C54-67DD905F0EF8}"/>
+              </a:ext>
+            </a:extLst>
+          </p:cNvPr>
+          <p:cNvSpPr txBox="1"/>
+          <p:nvPr/>
+        </p:nvSpPr>
+        <p:spPr>
+          <a:xfrm>
+            <a:off x="3022202" y="2260991"/>
+            <a:ext cx="301686" cy="369332"/>
+          </a:xfrm>
+          <a:prstGeom prst="rect">
+            <a:avLst/>
+          </a:prstGeom>
+          <a:noFill/>
+        </p:spPr>
+        <p:txBody>
+          <a:bodyPr wrap="none" rtlCol="0">
+            <a:spAutoFit/>
+          </a:bodyPr>
+          <a:lstStyle/>
+          <a:p>
+            <a:r>
+              <a:rPr lang="en-US" dirty="0"/>
+              <a:t>4</a:t>
+            </a:r>
+          </a:p>
+        </p:txBody>
+      </p:sp>
+      <p:cxnSp>
+        <p:nvCxnSpPr>
+          <p:cNvPr id="36" name="Straight Connector 35">
+            <a:extLst>
+              <a:ext uri="{FF2B5EF4-FFF2-40B4-BE49-F238E27FC236}">
+                <a16:creationId xmlns:a16="http://schemas.microsoft.com/office/drawing/2014/main" id="{9925641C-26A9-C162-9DA9-75424AE020D4}"/>
+              </a:ext>
+            </a:extLst>
+          </p:cNvPr>
+          <p:cNvCxnSpPr>
+            <a:cxnSpLocks/>
+          </p:cNvCxnSpPr>
+          <p:nvPr/>
+        </p:nvCxnSpPr>
+        <p:spPr>
+          <a:xfrm rot="5400000">
+            <a:off x="4215863" y="4942078"/>
+            <a:ext cx="188685" cy="0"/>
+          </a:xfrm>
+          <a:prstGeom prst="line">
+            <a:avLst/>
+          </a:prstGeom>
+          <a:ln w="28575">
+            <a:solidFill>
+              <a:schemeClr val="bg1">
+                <a:lumMod val="75000"/>
+              </a:schemeClr>
+            </a:solidFill>
+          </a:ln>
+        </p:spPr>
+        <p:style>
+          <a:lnRef idx="1">
+            <a:schemeClr val="dk1"/>
+          </a:lnRef>
+          <a:fillRef idx="0">
+            <a:schemeClr val="dk1"/>
+          </a:fillRef>
+          <a:effectRef idx="0">
+            <a:schemeClr val="dk1"/>
+          </a:effectRef>
+          <a:fontRef idx="minor">
+            <a:schemeClr val="tx1"/>
+          </a:fontRef>
+        </p:style>
+      </p:cxnSp>
+      <p:cxnSp>
+        <p:nvCxnSpPr>
+          <p:cNvPr id="37" name="Straight Connector 36">
+            <a:extLst>
+              <a:ext uri="{FF2B5EF4-FFF2-40B4-BE49-F238E27FC236}">
+                <a16:creationId xmlns:a16="http://schemas.microsoft.com/office/drawing/2014/main" id="{0DC077ED-30CB-99FA-369D-DCB3C7718034}"/>
+              </a:ext>
+            </a:extLst>
+          </p:cNvPr>
+          <p:cNvCxnSpPr>
+            <a:cxnSpLocks/>
+          </p:cNvCxnSpPr>
+          <p:nvPr/>
+        </p:nvCxnSpPr>
+        <p:spPr>
+          <a:xfrm rot="5400000">
+            <a:off x="5231668" y="4942078"/>
+            <a:ext cx="188685" cy="0"/>
+          </a:xfrm>
+          <a:prstGeom prst="line">
+            <a:avLst/>
+          </a:prstGeom>
+          <a:ln w="28575">
+            <a:solidFill>
+              <a:schemeClr val="bg1">
+                <a:lumMod val="75000"/>
+              </a:schemeClr>
+            </a:solidFill>
+          </a:ln>
+        </p:spPr>
+        <p:style>
+          <a:lnRef idx="1">
+            <a:schemeClr val="dk1"/>
+          </a:lnRef>
+          <a:fillRef idx="0">
+            <a:schemeClr val="dk1"/>
+          </a:fillRef>
+          <a:effectRef idx="0">
+            <a:schemeClr val="dk1"/>
+          </a:effectRef>
+          <a:fontRef idx="minor">
+            <a:schemeClr val="tx1"/>
+          </a:fontRef>
+        </p:style>
+      </p:cxnSp>
+      <p:cxnSp>
+        <p:nvCxnSpPr>
+          <p:cNvPr id="38" name="Straight Connector 37">
+            <a:extLst>
+              <a:ext uri="{FF2B5EF4-FFF2-40B4-BE49-F238E27FC236}">
+                <a16:creationId xmlns:a16="http://schemas.microsoft.com/office/drawing/2014/main" id="{343D576D-3BC3-0E0C-690B-9F8FFFB78948}"/>
+              </a:ext>
+            </a:extLst>
+          </p:cNvPr>
+          <p:cNvCxnSpPr>
+            <a:cxnSpLocks/>
+          </p:cNvCxnSpPr>
+          <p:nvPr/>
+        </p:nvCxnSpPr>
+        <p:spPr>
+          <a:xfrm rot="5400000">
+            <a:off x="6242209" y="4942078"/>
+            <a:ext cx="188685" cy="0"/>
+          </a:xfrm>
+          <a:prstGeom prst="line">
+            <a:avLst/>
+          </a:prstGeom>
+          <a:ln w="28575">
+            <a:solidFill>
+              <a:schemeClr val="bg1">
+                <a:lumMod val="75000"/>
+              </a:schemeClr>
+            </a:solidFill>
+          </a:ln>
+        </p:spPr>
+        <p:style>
+          <a:lnRef idx="1">
+            <a:schemeClr val="dk1"/>
+          </a:lnRef>
+          <a:fillRef idx="0">
+            <a:schemeClr val="dk1"/>
+          </a:fillRef>
+          <a:effectRef idx="0">
+            <a:schemeClr val="dk1"/>
+          </a:effectRef>
+          <a:fontRef idx="minor">
+            <a:schemeClr val="tx1"/>
+          </a:fontRef>
+        </p:style>
+      </p:cxnSp>
+      <p:cxnSp>
+        <p:nvCxnSpPr>
+          <p:cNvPr id="39" name="Straight Connector 38">
+            <a:extLst>
+              <a:ext uri="{FF2B5EF4-FFF2-40B4-BE49-F238E27FC236}">
+                <a16:creationId xmlns:a16="http://schemas.microsoft.com/office/drawing/2014/main" id="{04BFFA15-3830-FFE0-CAE6-F8E10BB16C3B}"/>
+              </a:ext>
+            </a:extLst>
+          </p:cNvPr>
+          <p:cNvCxnSpPr>
+            <a:cxnSpLocks/>
+          </p:cNvCxnSpPr>
+          <p:nvPr/>
+        </p:nvCxnSpPr>
+        <p:spPr>
+          <a:xfrm rot="5400000">
+            <a:off x="7252749" y="4942078"/>
+            <a:ext cx="188685" cy="0"/>
+          </a:xfrm>
+          <a:prstGeom prst="line">
+            <a:avLst/>
+          </a:prstGeom>
+          <a:ln w="28575">
+            <a:solidFill>
+              <a:schemeClr val="bg1">
+                <a:lumMod val="75000"/>
+              </a:schemeClr>
+            </a:solidFill>
+          </a:ln>
+        </p:spPr>
+        <p:style>
+          <a:lnRef idx="1">
+            <a:schemeClr val="dk1"/>
+          </a:lnRef>
+          <a:fillRef idx="0">
+            <a:schemeClr val="dk1"/>
+          </a:fillRef>
+          <a:effectRef idx="0">
+            <a:schemeClr val="dk1"/>
+          </a:effectRef>
+          <a:fontRef idx="minor">
+            <a:schemeClr val="tx1"/>
+          </a:fontRef>
+        </p:style>
+      </p:cxnSp>
+      <p:sp>
+        <p:nvSpPr>
+          <p:cNvPr id="42" name="TextBox 41">
+            <a:extLst>
+              <a:ext uri="{FF2B5EF4-FFF2-40B4-BE49-F238E27FC236}">
+                <a16:creationId xmlns:a16="http://schemas.microsoft.com/office/drawing/2014/main" id="{1F035497-1B51-E936-DA60-EA8E63CBD580}"/>
+              </a:ext>
+            </a:extLst>
+          </p:cNvPr>
+          <p:cNvSpPr txBox="1"/>
+          <p:nvPr/>
+        </p:nvSpPr>
+        <p:spPr>
+          <a:xfrm>
+            <a:off x="4086300" y="5024291"/>
+            <a:ext cx="465833" cy="369332"/>
+          </a:xfrm>
+          <a:prstGeom prst="rect">
+            <a:avLst/>
+          </a:prstGeom>
+          <a:noFill/>
+        </p:spPr>
+        <p:txBody>
+          <a:bodyPr wrap="none" rtlCol="0">
+            <a:spAutoFit/>
+          </a:bodyPr>
+          <a:lstStyle/>
+          <a:p>
+            <a:r>
+              <a:rPr lang="en-US" dirty="0">
+                <a:solidFill>
+                  <a:schemeClr val="bg1">
+                    <a:lumMod val="65000"/>
+                  </a:schemeClr>
+                </a:solidFill>
+              </a:rPr>
+              <a:t>1st</a:t>
+            </a:r>
+          </a:p>
+        </p:txBody>
+      </p:sp>
+      <p:sp>
+        <p:nvSpPr>
+          <p:cNvPr id="43" name="TextBox 42">
+            <a:extLst>
+              <a:ext uri="{FF2B5EF4-FFF2-40B4-BE49-F238E27FC236}">
+                <a16:creationId xmlns:a16="http://schemas.microsoft.com/office/drawing/2014/main" id="{62C37AA4-5390-B3BF-7AC5-8BD2DE278427}"/>
+              </a:ext>
+            </a:extLst>
+          </p:cNvPr>
+          <p:cNvSpPr txBox="1"/>
+          <p:nvPr/>
+        </p:nvSpPr>
+        <p:spPr>
+          <a:xfrm>
+            <a:off x="5048074" y="5024291"/>
+            <a:ext cx="545342" cy="369332"/>
+          </a:xfrm>
+          <a:prstGeom prst="rect">
+            <a:avLst/>
+          </a:prstGeom>
+          <a:noFill/>
+        </p:spPr>
+        <p:txBody>
+          <a:bodyPr wrap="none" rtlCol="0">
+            <a:spAutoFit/>
+          </a:bodyPr>
+          <a:lstStyle/>
+          <a:p>
+            <a:pPr algn="ctr"/>
+            <a:r>
+              <a:rPr lang="en-US" dirty="0">
+                <a:solidFill>
+                  <a:schemeClr val="bg1">
+                    <a:lumMod val="65000"/>
+                  </a:schemeClr>
+                </a:solidFill>
+              </a:rPr>
+              <a:t>2nd</a:t>
+            </a:r>
+          </a:p>
+        </p:txBody>
+      </p:sp>
+      <p:sp>
+        <p:nvSpPr>
+          <p:cNvPr id="44" name="TextBox 43">
+            <a:extLst>
+              <a:ext uri="{FF2B5EF4-FFF2-40B4-BE49-F238E27FC236}">
+                <a16:creationId xmlns:a16="http://schemas.microsoft.com/office/drawing/2014/main" id="{8E1C85E6-89C6-9F32-2DA6-1C21F6985E3F}"/>
+              </a:ext>
+            </a:extLst>
+          </p:cNvPr>
+          <p:cNvSpPr txBox="1"/>
+          <p:nvPr/>
+        </p:nvSpPr>
+        <p:spPr>
+          <a:xfrm>
+            <a:off x="6075653" y="5024291"/>
+            <a:ext cx="500522" cy="369332"/>
+          </a:xfrm>
+          <a:prstGeom prst="rect">
+            <a:avLst/>
+          </a:prstGeom>
+          <a:noFill/>
+        </p:spPr>
+        <p:txBody>
+          <a:bodyPr wrap="none" rtlCol="0">
+            <a:spAutoFit/>
+          </a:bodyPr>
+          <a:lstStyle/>
+          <a:p>
+            <a:pPr algn="ctr"/>
+            <a:r>
+              <a:rPr lang="en-US" dirty="0">
+                <a:solidFill>
+                  <a:schemeClr val="bg1">
+                    <a:lumMod val="65000"/>
+                  </a:schemeClr>
+                </a:solidFill>
+              </a:rPr>
+              <a:t>3rd</a:t>
+            </a:r>
+          </a:p>
+        </p:txBody>
+      </p:sp>
+      <p:sp>
+        <p:nvSpPr>
+          <p:cNvPr id="45" name="TextBox 44">
+            <a:extLst>
+              <a:ext uri="{FF2B5EF4-FFF2-40B4-BE49-F238E27FC236}">
+                <a16:creationId xmlns:a16="http://schemas.microsoft.com/office/drawing/2014/main" id="{EFFF70B2-57AE-B7DC-6E77-65A697987CB9}"/>
+              </a:ext>
+            </a:extLst>
+          </p:cNvPr>
+          <p:cNvSpPr txBox="1"/>
+          <p:nvPr/>
+        </p:nvSpPr>
+        <p:spPr>
+          <a:xfrm>
+            <a:off x="7086225" y="5024291"/>
+            <a:ext cx="500458" cy="369332"/>
+          </a:xfrm>
+          <a:prstGeom prst="rect">
+            <a:avLst/>
+          </a:prstGeom>
+          <a:noFill/>
+        </p:spPr>
+        <p:txBody>
+          <a:bodyPr wrap="none" rtlCol="0">
+            <a:spAutoFit/>
+          </a:bodyPr>
+          <a:lstStyle/>
+          <a:p>
+            <a:pPr algn="ctr"/>
+            <a:r>
+              <a:rPr lang="en-US" dirty="0">
+                <a:solidFill>
+                  <a:schemeClr val="bg1">
+                    <a:lumMod val="65000"/>
+                  </a:schemeClr>
+                </a:solidFill>
+              </a:rPr>
+              <a:t>4th</a:t>
+            </a:r>
+          </a:p>
+        </p:txBody>
+      </p:sp>
+      <p:sp>
+        <p:nvSpPr>
+          <p:cNvPr id="46" name="TextBox 45">
+            <a:extLst>
+              <a:ext uri="{FF2B5EF4-FFF2-40B4-BE49-F238E27FC236}">
+                <a16:creationId xmlns:a16="http://schemas.microsoft.com/office/drawing/2014/main" id="{246E322D-F30A-0A50-39F1-341BB47135F1}"/>
+              </a:ext>
+            </a:extLst>
+          </p:cNvPr>
+          <p:cNvSpPr txBox="1"/>
+          <p:nvPr/>
+        </p:nvSpPr>
+        <p:spPr>
+          <a:xfrm>
+            <a:off x="8140198" y="5024291"/>
+            <a:ext cx="357791" cy="369332"/>
+          </a:xfrm>
+          <a:prstGeom prst="rect">
+            <a:avLst/>
+          </a:prstGeom>
+          <a:noFill/>
+        </p:spPr>
+        <p:txBody>
+          <a:bodyPr wrap="none" rtlCol="0">
+            <a:spAutoFit/>
+          </a:bodyPr>
+          <a:lstStyle/>
+          <a:p>
+            <a:pPr algn="ctr"/>
+            <a:r>
+              <a:rPr lang="en-US" dirty="0">
+                <a:solidFill>
+                  <a:schemeClr val="bg1">
+                    <a:lumMod val="65000"/>
+                  </a:schemeClr>
+                </a:solidFill>
+              </a:rPr>
+              <a:t>...</a:t>
+            </a:r>
+          </a:p>
+        </p:txBody>
+      </p:sp>
+      <p:cxnSp>
+        <p:nvCxnSpPr>
+          <p:cNvPr id="52" name="Straight Connector 51">
+            <a:extLst>
+              <a:ext uri="{FF2B5EF4-FFF2-40B4-BE49-F238E27FC236}">
+                <a16:creationId xmlns:a16="http://schemas.microsoft.com/office/drawing/2014/main" id="{0F3F532E-2DC9-D40C-D208-D7E8C09CB7F9}"/>
+              </a:ext>
+            </a:extLst>
+          </p:cNvPr>
+          <p:cNvCxnSpPr>
+            <a:cxnSpLocks/>
+          </p:cNvCxnSpPr>
+          <p:nvPr/>
+        </p:nvCxnSpPr>
+        <p:spPr>
+          <a:xfrm flipV="1">
+            <a:off x="4319216" y="2445657"/>
+            <a:ext cx="1001529" cy="1945248"/>
+          </a:xfrm>
+          <a:prstGeom prst="line">
+            <a:avLst/>
+          </a:prstGeom>
+          <a:ln w="57150">
+            <a:solidFill>
+              <a:schemeClr val="tx1"/>
+            </a:solidFill>
+          </a:ln>
+        </p:spPr>
+        <p:style>
+          <a:lnRef idx="1">
+            <a:schemeClr val="accent1"/>
+          </a:lnRef>
+          <a:fillRef idx="0">
+            <a:schemeClr val="accent1"/>
+          </a:fillRef>
+          <a:effectRef idx="0">
+            <a:schemeClr val="accent1"/>
+          </a:effectRef>
+          <a:fontRef idx="minor">
+            <a:schemeClr val="tx1"/>
+          </a:fontRef>
+        </p:style>
+      </p:cxnSp>
+      <p:cxnSp>
+        <p:nvCxnSpPr>
+          <p:cNvPr id="56" name="Straight Connector 55">
+            <a:extLst>
+              <a:ext uri="{FF2B5EF4-FFF2-40B4-BE49-F238E27FC236}">
+                <a16:creationId xmlns:a16="http://schemas.microsoft.com/office/drawing/2014/main" id="{CFA15532-C112-3AF9-2956-CBB23D40E16B}"/>
+              </a:ext>
+            </a:extLst>
+          </p:cNvPr>
+          <p:cNvCxnSpPr>
+            <a:cxnSpLocks/>
+          </p:cNvCxnSpPr>
+          <p:nvPr/>
+        </p:nvCxnSpPr>
+        <p:spPr>
+          <a:xfrm flipH="1" flipV="1">
+            <a:off x="5320745" y="2445657"/>
+            <a:ext cx="1015806" cy="1296832"/>
+          </a:xfrm>
+          <a:prstGeom prst="line">
+            <a:avLst/>
+          </a:prstGeom>
+          <a:ln w="57150">
+            <a:solidFill>
+              <a:schemeClr val="tx1"/>
+            </a:solidFill>
+          </a:ln>
+        </p:spPr>
+        <p:style>
+          <a:lnRef idx="1">
+            <a:schemeClr val="accent1"/>
+          </a:lnRef>
+          <a:fillRef idx="0">
+            <a:schemeClr val="accent1"/>
+          </a:fillRef>
+          <a:effectRef idx="0">
+            <a:schemeClr val="accent1"/>
+          </a:effectRef>
+          <a:fontRef idx="minor">
+            <a:schemeClr val="tx1"/>
+          </a:fontRef>
+        </p:style>
+      </p:cxnSp>
+      <p:cxnSp>
+        <p:nvCxnSpPr>
+          <p:cNvPr id="59" name="Straight Connector 58">
+            <a:extLst>
+              <a:ext uri="{FF2B5EF4-FFF2-40B4-BE49-F238E27FC236}">
+                <a16:creationId xmlns:a16="http://schemas.microsoft.com/office/drawing/2014/main" id="{250084DF-B1A8-B876-9688-5D2C5AC2FE5D}"/>
+              </a:ext>
+            </a:extLst>
+          </p:cNvPr>
+          <p:cNvCxnSpPr>
+            <a:cxnSpLocks/>
+          </p:cNvCxnSpPr>
+          <p:nvPr/>
+        </p:nvCxnSpPr>
+        <p:spPr>
+          <a:xfrm flipH="1">
+            <a:off x="6327788" y="3094073"/>
+            <a:ext cx="1006475" cy="639286"/>
+          </a:xfrm>
+          <a:prstGeom prst="line">
+            <a:avLst/>
+          </a:prstGeom>
+          <a:ln w="57150">
+            <a:solidFill>
+              <a:schemeClr val="tx1"/>
+            </a:solidFill>
+          </a:ln>
+        </p:spPr>
+        <p:style>
+          <a:lnRef idx="1">
+            <a:schemeClr val="accent1"/>
+          </a:lnRef>
+          <a:fillRef idx="0">
+            <a:schemeClr val="accent1"/>
+          </a:fillRef>
+          <a:effectRef idx="0">
+            <a:schemeClr val="accent1"/>
+          </a:effectRef>
+          <a:fontRef idx="minor">
+            <a:schemeClr val="tx1"/>
+          </a:fontRef>
+        </p:style>
+      </p:cxnSp>
+      <p:sp>
+        <p:nvSpPr>
+          <p:cNvPr id="10" name="Oval 9">
+            <a:extLst>
+              <a:ext uri="{FF2B5EF4-FFF2-40B4-BE49-F238E27FC236}">
+                <a16:creationId xmlns:a16="http://schemas.microsoft.com/office/drawing/2014/main" id="{5FDD7FB7-2610-6A98-672C-9DF54DFC313D}"/>
+              </a:ext>
+            </a:extLst>
+          </p:cNvPr>
+          <p:cNvSpPr/>
+          <p:nvPr/>
+        </p:nvSpPr>
+        <p:spPr>
+          <a:xfrm>
+            <a:off x="4224875" y="4296563"/>
+            <a:ext cx="188685" cy="188685"/>
+          </a:xfrm>
+          <a:prstGeom prst="ellipse">
+            <a:avLst/>
+          </a:prstGeom>
+          <a:solidFill>
+            <a:schemeClr val="bg1"/>
+          </a:solidFill>
+          <a:ln w="28575">
+            <a:solidFill>
+              <a:schemeClr val="tx1"/>
+            </a:solidFill>
+          </a:ln>
+        </p:spPr>
+        <p:style>
+          <a:lnRef idx="2">
+            <a:schemeClr val="accent1">
+              <a:shade val="50000"/>
+            </a:schemeClr>
+          </a:lnRef>
+          <a:fillRef idx="1">
+            <a:schemeClr val="accent1"/>
+          </a:fillRef>
+          <a:effectRef idx="0">
+            <a:schemeClr val="accent1"/>
+          </a:effectRef>
+          <a:fontRef idx="minor">
+            <a:schemeClr val="lt1"/>
+          </a:fontRef>
+        </p:style>
+        <p:txBody>
+          <a:bodyPr rtlCol="0" anchor="ctr"/>
+          <a:lstStyle/>
+          <a:p>
+            <a:pPr algn="ctr"/>
+            <a:endParaRPr lang="en-US"/>
+          </a:p>
+        </p:txBody>
+      </p:sp>
+      <p:sp>
+        <p:nvSpPr>
+          <p:cNvPr id="11" name="Oval 10">
+            <a:extLst>
+              <a:ext uri="{FF2B5EF4-FFF2-40B4-BE49-F238E27FC236}">
+                <a16:creationId xmlns:a16="http://schemas.microsoft.com/office/drawing/2014/main" id="{00B76A53-722C-38EB-3573-F0957E5CB293}"/>
+              </a:ext>
+            </a:extLst>
+          </p:cNvPr>
+          <p:cNvSpPr/>
+          <p:nvPr/>
+        </p:nvSpPr>
+        <p:spPr>
+          <a:xfrm>
+            <a:off x="5231351" y="2351315"/>
+            <a:ext cx="188685" cy="188685"/>
+          </a:xfrm>
+          <a:prstGeom prst="ellipse">
+            <a:avLst/>
+          </a:prstGeom>
+          <a:solidFill>
+            <a:schemeClr val="bg1"/>
+          </a:solidFill>
+          <a:ln w="28575">
+            <a:solidFill>
+              <a:schemeClr val="tx1"/>
+            </a:solidFill>
+          </a:ln>
+        </p:spPr>
+        <p:style>
+          <a:lnRef idx="2">
+            <a:schemeClr val="accent1">
+              <a:shade val="50000"/>
+            </a:schemeClr>
+          </a:lnRef>
+          <a:fillRef idx="1">
+            <a:schemeClr val="accent1"/>
+          </a:fillRef>
+          <a:effectRef idx="0">
+            <a:schemeClr val="accent1"/>
+          </a:effectRef>
+          <a:fontRef idx="minor">
+            <a:schemeClr val="lt1"/>
+          </a:fontRef>
+        </p:style>
+        <p:txBody>
+          <a:bodyPr rtlCol="0" anchor="ctr"/>
+          <a:lstStyle/>
+          <a:p>
+            <a:pPr algn="ctr"/>
+            <a:endParaRPr lang="en-US"/>
+          </a:p>
+        </p:txBody>
+      </p:sp>
+      <p:sp>
+        <p:nvSpPr>
+          <p:cNvPr id="12" name="Oval 11">
+            <a:extLst>
+              <a:ext uri="{FF2B5EF4-FFF2-40B4-BE49-F238E27FC236}">
+                <a16:creationId xmlns:a16="http://schemas.microsoft.com/office/drawing/2014/main" id="{F9FE4F09-044C-AE40-8DEF-D518922219F4}"/>
+              </a:ext>
+            </a:extLst>
+          </p:cNvPr>
+          <p:cNvSpPr/>
+          <p:nvPr/>
+        </p:nvSpPr>
+        <p:spPr>
+          <a:xfrm>
+            <a:off x="6237827" y="3648147"/>
+            <a:ext cx="188685" cy="188685"/>
+          </a:xfrm>
+          <a:prstGeom prst="ellipse">
+            <a:avLst/>
+          </a:prstGeom>
+          <a:solidFill>
+            <a:schemeClr val="bg1"/>
+          </a:solidFill>
+          <a:ln w="28575">
+            <a:solidFill>
+              <a:schemeClr val="tx1"/>
+            </a:solidFill>
+          </a:ln>
+        </p:spPr>
+        <p:style>
+          <a:lnRef idx="2">
+            <a:schemeClr val="accent1">
+              <a:shade val="50000"/>
+            </a:schemeClr>
+          </a:lnRef>
+          <a:fillRef idx="1">
+            <a:schemeClr val="accent1"/>
+          </a:fillRef>
+          <a:effectRef idx="0">
+            <a:schemeClr val="accent1"/>
+          </a:effectRef>
+          <a:fontRef idx="minor">
+            <a:schemeClr val="lt1"/>
+          </a:fontRef>
+        </p:style>
+        <p:txBody>
+          <a:bodyPr rtlCol="0" anchor="ctr"/>
+          <a:lstStyle/>
+          <a:p>
+            <a:pPr algn="ctr"/>
+            <a:endParaRPr lang="en-US"/>
+          </a:p>
+        </p:txBody>
+      </p:sp>
+      <p:sp>
+        <p:nvSpPr>
+          <p:cNvPr id="13" name="Oval 12">
+            <a:extLst>
+              <a:ext uri="{FF2B5EF4-FFF2-40B4-BE49-F238E27FC236}">
+                <a16:creationId xmlns:a16="http://schemas.microsoft.com/office/drawing/2014/main" id="{FF9DB247-4B0C-98A7-2991-07DCE1F47CAD}"/>
+              </a:ext>
+            </a:extLst>
+          </p:cNvPr>
+          <p:cNvSpPr/>
+          <p:nvPr/>
+        </p:nvSpPr>
+        <p:spPr>
+          <a:xfrm>
+            <a:off x="7244304" y="2999731"/>
+            <a:ext cx="188685" cy="188685"/>
+          </a:xfrm>
+          <a:prstGeom prst="ellipse">
+            <a:avLst/>
+          </a:prstGeom>
+          <a:solidFill>
+            <a:schemeClr val="bg1"/>
+          </a:solidFill>
+          <a:ln w="28575">
+            <a:solidFill>
+              <a:schemeClr val="tx1"/>
+            </a:solidFill>
+          </a:ln>
+        </p:spPr>
+        <p:style>
+          <a:lnRef idx="2">
+            <a:schemeClr val="accent1">
+              <a:shade val="50000"/>
+            </a:schemeClr>
+          </a:lnRef>
+          <a:fillRef idx="1">
+            <a:schemeClr val="accent1"/>
+          </a:fillRef>
+          <a:effectRef idx="0">
+            <a:schemeClr val="accent1"/>
+          </a:effectRef>
+          <a:fontRef idx="minor">
+            <a:schemeClr val="lt1"/>
+          </a:fontRef>
+        </p:style>
+        <p:txBody>
+          <a:bodyPr rtlCol="0" anchor="ctr"/>
+          <a:lstStyle/>
+          <a:p>
+            <a:pPr algn="ctr"/>
+            <a:endParaRPr lang="en-US"/>
+          </a:p>
+        </p:txBody>
+      </p:sp>
+      <p:sp>
+        <p:nvSpPr>
+          <p:cNvPr id="62" name="TextBox 61">
+            <a:extLst>
+              <a:ext uri="{FF2B5EF4-FFF2-40B4-BE49-F238E27FC236}">
+                <a16:creationId xmlns:a16="http://schemas.microsoft.com/office/drawing/2014/main" id="{3B9B62A0-914D-E4C4-168F-D4BD5679356D}"/>
+              </a:ext>
+            </a:extLst>
+          </p:cNvPr>
+          <p:cNvSpPr txBox="1"/>
+          <p:nvPr/>
+        </p:nvSpPr>
+        <p:spPr>
+          <a:xfrm>
+            <a:off x="4655245" y="1143000"/>
+            <a:ext cx="2449710" cy="523220"/>
+          </a:xfrm>
+          <a:prstGeom prst="rect">
+            <a:avLst/>
+          </a:prstGeom>
+          <a:noFill/>
+        </p:spPr>
+        <p:txBody>
+          <a:bodyPr wrap="none" rtlCol="0">
+            <a:spAutoFit/>
+          </a:bodyPr>
+          <a:lstStyle/>
+          <a:p>
+            <a:r>
+              <a:rPr lang="en-US" sz="2800" dirty="0"/>
+              <a:t>plot([1, 4, 2, 3])</a:t>
+            </a:r>
+          </a:p>
+        </p:txBody>
+      </p:sp>
+    </p:spTree>
+    <p:extLst>
+      <p:ext uri="{BB962C8B-B14F-4D97-AF65-F5344CB8AC3E}">
+        <p14:creationId xmlns:p14="http://schemas.microsoft.com/office/powerpoint/2010/main" val="429423467"/>
+      </p:ext>
+    </p:extLst>
+  </p:cSld>
+  <p:clrMapOvr>
+    <a:masterClrMapping/>
+  </p:clrMapOvr>
+</p:sld>
+</file>
+
+<file path=ppt/slides/slide4.xml><?xml version="1.0" encoding="utf-8"?>
+<p:sld xmlns:a="http://schemas.openxmlformats.org/drawingml/2006/main" xmlns:r="http://schemas.openxmlformats.org/officeDocument/2006/relationships" xmlns:p="http://schemas.openxmlformats.org/presentationml/2006/main">
+  <p:cSld>
+    <p:spTree>
+      <p:nvGrpSpPr>
+        <p:cNvPr id="1" name=""/>
+        <p:cNvGrpSpPr/>
+        <p:nvPr/>
+      </p:nvGrpSpPr>
+      <p:grpSpPr>
+        <a:xfrm>
+          <a:off x="0" y="0"/>
+          <a:ext cx="0" cy="0"/>
+          <a:chOff x="0" y="0"/>
+          <a:chExt cx="0" cy="0"/>
+        </a:xfrm>
+      </p:grpSpPr>
+      <p:cxnSp>
+        <p:nvCxnSpPr>
+          <p:cNvPr id="3" name="Straight Arrow Connector 2">
+            <a:extLst>
+              <a:ext uri="{FF2B5EF4-FFF2-40B4-BE49-F238E27FC236}">
+                <a16:creationId xmlns:a16="http://schemas.microsoft.com/office/drawing/2014/main" id="{80802244-5FF3-0A27-6DD6-3F303DD6515E}"/>
+              </a:ext>
+            </a:extLst>
+          </p:cNvPr>
+          <p:cNvCxnSpPr>
+            <a:cxnSpLocks/>
+          </p:cNvCxnSpPr>
+          <p:nvPr/>
+        </p:nvCxnSpPr>
+        <p:spPr>
+          <a:xfrm>
+            <a:off x="3106295" y="4944979"/>
+            <a:ext cx="5912661" cy="0"/>
+          </a:xfrm>
+          <a:prstGeom prst="straightConnector1">
+            <a:avLst/>
+          </a:prstGeom>
+          <a:ln w="38100">
+            <a:solidFill>
+              <a:schemeClr val="tx1"/>
+            </a:solidFill>
+            <a:prstDash val="solid"/>
+            <a:tailEnd type="triangle"/>
+          </a:ln>
+        </p:spPr>
+        <p:style>
+          <a:lnRef idx="1">
+            <a:schemeClr val="dk1"/>
+          </a:lnRef>
+          <a:fillRef idx="0">
+            <a:schemeClr val="dk1"/>
+          </a:fillRef>
+          <a:effectRef idx="0">
+            <a:schemeClr val="dk1"/>
+          </a:effectRef>
+          <a:fontRef idx="minor">
+            <a:schemeClr val="tx1"/>
+          </a:fontRef>
+        </p:style>
+      </p:cxnSp>
+      <p:cxnSp>
+        <p:nvCxnSpPr>
+          <p:cNvPr id="5" name="Straight Arrow Connector 4">
+            <a:extLst>
+              <a:ext uri="{FF2B5EF4-FFF2-40B4-BE49-F238E27FC236}">
+                <a16:creationId xmlns:a16="http://schemas.microsoft.com/office/drawing/2014/main" id="{0E13BEF4-2780-6637-0B4C-4A6B8CD8647B}"/>
+              </a:ext>
+            </a:extLst>
+          </p:cNvPr>
+          <p:cNvCxnSpPr/>
+          <p:nvPr/>
+        </p:nvCxnSpPr>
+        <p:spPr>
+          <a:xfrm flipV="1">
+            <a:off x="3407084" y="1756611"/>
+            <a:ext cx="0" cy="3477126"/>
+          </a:xfrm>
+          <a:prstGeom prst="straightConnector1">
+            <a:avLst/>
+          </a:prstGeom>
+          <a:ln w="38100">
+            <a:tailEnd type="triangle"/>
+          </a:ln>
+        </p:spPr>
+        <p:style>
+          <a:lnRef idx="1">
+            <a:schemeClr val="dk1"/>
+          </a:lnRef>
+          <a:fillRef idx="0">
+            <a:schemeClr val="dk1"/>
+          </a:fillRef>
+          <a:effectRef idx="0">
+            <a:schemeClr val="dk1"/>
+          </a:effectRef>
+          <a:fontRef idx="minor">
+            <a:schemeClr val="tx1"/>
+          </a:fontRef>
+        </p:style>
+      </p:cxnSp>
+      <mc:AlternateContent xmlns:mc="http://schemas.openxmlformats.org/markup-compatibility/2006">
+        <mc:Choice xmlns:a14="http://schemas.microsoft.com/office/drawing/2010/main" Requires="a14">
+          <p:sp>
+            <p:nvSpPr>
+              <p:cNvPr id="6" name="TextBox 5">
+                <a:extLst>
+                  <a:ext uri="{FF2B5EF4-FFF2-40B4-BE49-F238E27FC236}">
+                    <a16:creationId xmlns:a16="http://schemas.microsoft.com/office/drawing/2014/main" id="{A222629C-CB84-C18A-E105-0236D2B27652}"/>
+                  </a:ext>
+                </a:extLst>
+              </p:cNvPr>
+              <p:cNvSpPr txBox="1"/>
+              <p:nvPr/>
+            </p:nvSpPr>
+            <p:spPr>
+              <a:xfrm>
+                <a:off x="8784917" y="4972127"/>
+                <a:ext cx="468077" cy="523220"/>
+              </a:xfrm>
+              <a:prstGeom prst="rect">
+                <a:avLst/>
+              </a:prstGeom>
+              <a:noFill/>
+            </p:spPr>
+            <p:txBody>
+              <a:bodyPr wrap="none" rtlCol="0">
+                <a:spAutoFit/>
+              </a:bodyPr>
+              <a:lstStyle/>
+              <a:p>
+                <a:pPr/>
+                <a14:m>
+                  <m:oMathPara xmlns:m="http://schemas.openxmlformats.org/officeDocument/2006/math">
+                    <m:oMathParaPr>
+                      <m:jc m:val="centerGroup"/>
+                    </m:oMathParaPr>
+                    <m:oMath xmlns:m="http://schemas.openxmlformats.org/officeDocument/2006/math">
+                      <m:r>
+                        <a:rPr lang="en-US" sz="2800" b="0" i="1" smtClean="0">
+                          <a:solidFill>
+                            <a:schemeClr val="tx1"/>
+                          </a:solidFill>
+                          <a:latin typeface="Cambria Math" panose="02040503050406030204" pitchFamily="18" charset="0"/>
+                        </a:rPr>
+                        <m:t>𝑥</m:t>
+                      </m:r>
+                    </m:oMath>
+                  </m:oMathPara>
+                </a14:m>
+                <a:endParaRPr lang="en-US" sz="2800" dirty="0">
+                  <a:solidFill>
+                    <a:schemeClr val="tx1"/>
+                  </a:solidFill>
+                </a:endParaRPr>
+              </a:p>
+            </p:txBody>
+          </p:sp>
+        </mc:Choice>
+        <mc:Fallback>
+          <p:sp>
+            <p:nvSpPr>
+              <p:cNvPr id="6" name="TextBox 5">
+                <a:extLst>
+                  <a:ext uri="{FF2B5EF4-FFF2-40B4-BE49-F238E27FC236}">
+                    <a16:creationId xmlns:a16="http://schemas.microsoft.com/office/drawing/2014/main" id="{A222629C-CB84-C18A-E105-0236D2B27652}"/>
+                  </a:ext>
+                </a:extLst>
+              </p:cNvPr>
+              <p:cNvSpPr txBox="1">
+                <a:spLocks noRot="1" noChangeAspect="1" noMove="1" noResize="1" noEditPoints="1" noAdjustHandles="1" noChangeArrowheads="1" noChangeShapeType="1" noTextEdit="1"/>
+              </p:cNvSpPr>
+              <p:nvPr/>
+            </p:nvSpPr>
+            <p:spPr>
+              <a:xfrm>
+                <a:off x="8784917" y="4972127"/>
+                <a:ext cx="468077" cy="523220"/>
+              </a:xfrm>
+              <a:prstGeom prst="rect">
+                <a:avLst/>
+              </a:prstGeom>
+              <a:blipFill>
+                <a:blip r:embed="rId2"/>
+                <a:stretch>
+                  <a:fillRect/>
+                </a:stretch>
+              </a:blipFill>
+            </p:spPr>
+            <p:txBody>
+              <a:bodyPr/>
+              <a:lstStyle/>
+              <a:p>
+                <a:r>
+                  <a:rPr lang="en-US">
+                    <a:noFill/>
+                  </a:rPr>
+                  <a:t> </a:t>
+                </a:r>
+              </a:p>
+            </p:txBody>
+          </p:sp>
+        </mc:Fallback>
+      </mc:AlternateContent>
+      <mc:AlternateContent xmlns:mc="http://schemas.openxmlformats.org/markup-compatibility/2006">
+        <mc:Choice xmlns:a14="http://schemas.microsoft.com/office/drawing/2010/main" Requires="a14">
+          <p:sp>
+            <p:nvSpPr>
+              <p:cNvPr id="7" name="TextBox 6">
+                <a:extLst>
+                  <a:ext uri="{FF2B5EF4-FFF2-40B4-BE49-F238E27FC236}">
+                    <a16:creationId xmlns:a16="http://schemas.microsoft.com/office/drawing/2014/main" id="{7606541C-451E-94B2-A3CD-DAC6F5906D10}"/>
+                  </a:ext>
+                </a:extLst>
+              </p:cNvPr>
+              <p:cNvSpPr txBox="1"/>
+              <p:nvPr/>
+            </p:nvSpPr>
+            <p:spPr>
+              <a:xfrm>
+                <a:off x="2939007" y="4944979"/>
+                <a:ext cx="468077" cy="523220"/>
+              </a:xfrm>
+              <a:prstGeom prst="rect">
+                <a:avLst/>
+              </a:prstGeom>
+              <a:noFill/>
+            </p:spPr>
+            <p:txBody>
+              <a:bodyPr wrap="none" rtlCol="0">
+                <a:spAutoFit/>
+              </a:bodyPr>
+              <a:lstStyle/>
+              <a:p>
+                <a14:m>
+                  <m:oMathPara xmlns:m="http://schemas.openxmlformats.org/officeDocument/2006/math">
+                    <m:oMathParaPr>
+                      <m:jc m:val="centerGroup"/>
+                    </m:oMathParaPr>
+                    <m:oMath xmlns:m="http://schemas.openxmlformats.org/officeDocument/2006/math">
+                      <m:r>
+                        <a:rPr lang="en-US" sz="2800" b="0" i="1" smtClean="0">
+                          <a:latin typeface="Cambria Math" panose="02040503050406030204" pitchFamily="18" charset="0"/>
+                        </a:rPr>
+                        <m:t>0</m:t>
+                      </m:r>
+                    </m:oMath>
+                  </m:oMathPara>
+                </a14:m>
+                <a:endParaRPr lang="en-US" sz="2800" dirty="0"/>
+              </a:p>
+            </p:txBody>
+          </p:sp>
+        </mc:Choice>
+        <mc:Fallback>
+          <p:sp>
+            <p:nvSpPr>
+              <p:cNvPr id="7" name="TextBox 6">
+                <a:extLst>
+                  <a:ext uri="{FF2B5EF4-FFF2-40B4-BE49-F238E27FC236}">
+                    <a16:creationId xmlns:a16="http://schemas.microsoft.com/office/drawing/2014/main" id="{7606541C-451E-94B2-A3CD-DAC6F5906D10}"/>
+                  </a:ext>
+                </a:extLst>
+              </p:cNvPr>
+              <p:cNvSpPr txBox="1">
+                <a:spLocks noRot="1" noChangeAspect="1" noMove="1" noResize="1" noEditPoints="1" noAdjustHandles="1" noChangeArrowheads="1" noChangeShapeType="1" noTextEdit="1"/>
+              </p:cNvSpPr>
+              <p:nvPr/>
+            </p:nvSpPr>
+            <p:spPr>
+              <a:xfrm>
+                <a:off x="2939007" y="4944979"/>
+                <a:ext cx="468077" cy="523220"/>
+              </a:xfrm>
+              <a:prstGeom prst="rect">
+                <a:avLst/>
+              </a:prstGeom>
+              <a:blipFill>
+                <a:blip r:embed="rId3"/>
+                <a:stretch>
+                  <a:fillRect/>
+                </a:stretch>
+              </a:blipFill>
+            </p:spPr>
+            <p:txBody>
+              <a:bodyPr/>
+              <a:lstStyle/>
+              <a:p>
+                <a:r>
+                  <a:rPr lang="en-US">
+                    <a:noFill/>
+                  </a:rPr>
+                  <a:t> </a:t>
+                </a:r>
+              </a:p>
+            </p:txBody>
+          </p:sp>
+        </mc:Fallback>
+      </mc:AlternateContent>
+      <mc:AlternateContent xmlns:mc="http://schemas.openxmlformats.org/markup-compatibility/2006">
+        <mc:Choice xmlns:a14="http://schemas.microsoft.com/office/drawing/2010/main" Requires="a14">
+          <p:sp>
+            <p:nvSpPr>
+              <p:cNvPr id="8" name="TextBox 7">
+                <a:extLst>
+                  <a:ext uri="{FF2B5EF4-FFF2-40B4-BE49-F238E27FC236}">
+                    <a16:creationId xmlns:a16="http://schemas.microsoft.com/office/drawing/2014/main" id="{AB4DE793-3F86-5050-758B-D482742B5847}"/>
+                  </a:ext>
+                </a:extLst>
+              </p:cNvPr>
+              <p:cNvSpPr txBox="1"/>
+              <p:nvPr/>
+            </p:nvSpPr>
+            <p:spPr>
+              <a:xfrm>
+                <a:off x="2939007" y="1624263"/>
+                <a:ext cx="472950" cy="523220"/>
+              </a:xfrm>
+              <a:prstGeom prst="rect">
+                <a:avLst/>
+              </a:prstGeom>
+              <a:noFill/>
+            </p:spPr>
+            <p:txBody>
+              <a:bodyPr wrap="none" rtlCol="0">
+                <a:spAutoFit/>
+              </a:bodyPr>
+              <a:lstStyle/>
+              <a:p>
+                <a14:m>
+                  <m:oMathPara xmlns:m="http://schemas.openxmlformats.org/officeDocument/2006/math">
+                    <m:oMathParaPr>
+                      <m:jc m:val="centerGroup"/>
+                    </m:oMathParaPr>
+                    <m:oMath xmlns:m="http://schemas.openxmlformats.org/officeDocument/2006/math">
+                      <m:r>
+                        <a:rPr lang="en-US" sz="2800" b="0" i="1" smtClean="0">
+                          <a:latin typeface="Cambria Math" panose="02040503050406030204" pitchFamily="18" charset="0"/>
+                        </a:rPr>
+                        <m:t>𝑦</m:t>
+                      </m:r>
+                    </m:oMath>
+                  </m:oMathPara>
+                </a14:m>
+                <a:endParaRPr lang="en-US" sz="2800" dirty="0"/>
+              </a:p>
+            </p:txBody>
+          </p:sp>
+        </mc:Choice>
+        <mc:Fallback>
+          <p:sp>
+            <p:nvSpPr>
+              <p:cNvPr id="8" name="TextBox 7">
+                <a:extLst>
+                  <a:ext uri="{FF2B5EF4-FFF2-40B4-BE49-F238E27FC236}">
+                    <a16:creationId xmlns:a16="http://schemas.microsoft.com/office/drawing/2014/main" id="{AB4DE793-3F86-5050-758B-D482742B5847}"/>
+                  </a:ext>
+                </a:extLst>
+              </p:cNvPr>
+              <p:cNvSpPr txBox="1">
+                <a:spLocks noRot="1" noChangeAspect="1" noMove="1" noResize="1" noEditPoints="1" noAdjustHandles="1" noChangeArrowheads="1" noChangeShapeType="1" noTextEdit="1"/>
+              </p:cNvSpPr>
+              <p:nvPr/>
+            </p:nvSpPr>
+            <p:spPr>
+              <a:xfrm>
+                <a:off x="2939007" y="1624263"/>
+                <a:ext cx="472950" cy="523220"/>
+              </a:xfrm>
+              <a:prstGeom prst="rect">
+                <a:avLst/>
+              </a:prstGeom>
+              <a:blipFill>
+                <a:blip r:embed="rId4"/>
+                <a:stretch>
+                  <a:fillRect/>
+                </a:stretch>
+              </a:blipFill>
+            </p:spPr>
+            <p:txBody>
+              <a:bodyPr/>
+              <a:lstStyle/>
+              <a:p>
+                <a:r>
+                  <a:rPr lang="en-US">
+                    <a:noFill/>
+                  </a:rPr>
+                  <a:t> </a:t>
+                </a:r>
+              </a:p>
+            </p:txBody>
+          </p:sp>
+        </mc:Fallback>
+      </mc:AlternateContent>
+      <p:grpSp>
+        <p:nvGrpSpPr>
+          <p:cNvPr id="30" name="Group 29">
+            <a:extLst>
+              <a:ext uri="{FF2B5EF4-FFF2-40B4-BE49-F238E27FC236}">
+                <a16:creationId xmlns:a16="http://schemas.microsoft.com/office/drawing/2014/main" id="{85E4853A-EEE8-2F5D-5228-4C53E8DF4563}"/>
+              </a:ext>
+            </a:extLst>
+          </p:cNvPr>
+          <p:cNvGrpSpPr/>
+          <p:nvPr/>
+        </p:nvGrpSpPr>
+        <p:grpSpPr>
+          <a:xfrm flipH="1">
+            <a:off x="3368389" y="2436013"/>
+            <a:ext cx="87204" cy="1955424"/>
+            <a:chOff x="2108822" y="2436013"/>
+            <a:chExt cx="243853" cy="1955424"/>
+          </a:xfrm>
+        </p:grpSpPr>
+        <p:cxnSp>
+          <p:nvCxnSpPr>
+            <p:cNvPr id="16" name="Straight Connector 15">
+              <a:extLst>
+                <a:ext uri="{FF2B5EF4-FFF2-40B4-BE49-F238E27FC236}">
+                  <a16:creationId xmlns:a16="http://schemas.microsoft.com/office/drawing/2014/main" id="{CC53053C-9178-D5CB-382E-2BCBE6DE1B75}"/>
+                </a:ext>
+              </a:extLst>
+            </p:cNvPr>
+            <p:cNvCxnSpPr>
+              <a:cxnSpLocks/>
+            </p:cNvCxnSpPr>
+            <p:nvPr/>
+          </p:nvCxnSpPr>
+          <p:spPr>
+            <a:xfrm flipH="1">
+              <a:off x="2108822" y="4391437"/>
+              <a:ext cx="243853" cy="0"/>
+            </a:xfrm>
+            <a:prstGeom prst="line">
+              <a:avLst/>
+            </a:prstGeom>
+            <a:ln w="28575"/>
+          </p:spPr>
+          <p:style>
+            <a:lnRef idx="1">
+              <a:schemeClr val="dk1"/>
+            </a:lnRef>
+            <a:fillRef idx="0">
+              <a:schemeClr val="dk1"/>
+            </a:fillRef>
+            <a:effectRef idx="0">
+              <a:schemeClr val="dk1"/>
+            </a:effectRef>
+            <a:fontRef idx="minor">
+              <a:schemeClr val="tx1"/>
+            </a:fontRef>
+          </p:style>
+        </p:cxnSp>
+        <p:cxnSp>
+          <p:nvCxnSpPr>
+            <p:cNvPr id="19" name="Straight Connector 18">
+              <a:extLst>
+                <a:ext uri="{FF2B5EF4-FFF2-40B4-BE49-F238E27FC236}">
+                  <a16:creationId xmlns:a16="http://schemas.microsoft.com/office/drawing/2014/main" id="{5C3748E2-6A45-555E-9F9E-797C2850D192}"/>
+                </a:ext>
+              </a:extLst>
+            </p:cNvPr>
+            <p:cNvCxnSpPr>
+              <a:cxnSpLocks/>
+            </p:cNvCxnSpPr>
+            <p:nvPr/>
+          </p:nvCxnSpPr>
+          <p:spPr>
+            <a:xfrm flipH="1">
+              <a:off x="2108822" y="3733359"/>
+              <a:ext cx="243853" cy="0"/>
+            </a:xfrm>
+            <a:prstGeom prst="line">
+              <a:avLst/>
+            </a:prstGeom>
+            <a:ln w="28575"/>
+          </p:spPr>
+          <p:style>
+            <a:lnRef idx="1">
+              <a:schemeClr val="dk1"/>
+            </a:lnRef>
+            <a:fillRef idx="0">
+              <a:schemeClr val="dk1"/>
+            </a:fillRef>
+            <a:effectRef idx="0">
+              <a:schemeClr val="dk1"/>
+            </a:effectRef>
+            <a:fontRef idx="minor">
+              <a:schemeClr val="tx1"/>
+            </a:fontRef>
+          </p:style>
+        </p:cxnSp>
+        <p:cxnSp>
+          <p:nvCxnSpPr>
+            <p:cNvPr id="21" name="Straight Connector 20">
+              <a:extLst>
+                <a:ext uri="{FF2B5EF4-FFF2-40B4-BE49-F238E27FC236}">
+                  <a16:creationId xmlns:a16="http://schemas.microsoft.com/office/drawing/2014/main" id="{7E57C577-AE81-16BE-9EFC-D625E3ECBC97}"/>
+                </a:ext>
+              </a:extLst>
+            </p:cNvPr>
+            <p:cNvCxnSpPr>
+              <a:cxnSpLocks/>
+            </p:cNvCxnSpPr>
+            <p:nvPr/>
+          </p:nvCxnSpPr>
+          <p:spPr>
+            <a:xfrm flipH="1">
+              <a:off x="2108822" y="3084686"/>
+              <a:ext cx="243853" cy="0"/>
+            </a:xfrm>
+            <a:prstGeom prst="line">
+              <a:avLst/>
+            </a:prstGeom>
+            <a:ln w="28575"/>
+          </p:spPr>
+          <p:style>
+            <a:lnRef idx="1">
+              <a:schemeClr val="dk1"/>
+            </a:lnRef>
+            <a:fillRef idx="0">
+              <a:schemeClr val="dk1"/>
+            </a:fillRef>
+            <a:effectRef idx="0">
+              <a:schemeClr val="dk1"/>
+            </a:effectRef>
+            <a:fontRef idx="minor">
+              <a:schemeClr val="tx1"/>
+            </a:fontRef>
+          </p:style>
+        </p:cxnSp>
+        <p:cxnSp>
+          <p:nvCxnSpPr>
+            <p:cNvPr id="22" name="Straight Connector 21">
+              <a:extLst>
+                <a:ext uri="{FF2B5EF4-FFF2-40B4-BE49-F238E27FC236}">
+                  <a16:creationId xmlns:a16="http://schemas.microsoft.com/office/drawing/2014/main" id="{DA4AFF41-6F2F-F004-94B0-47DEE8E73DE9}"/>
+                </a:ext>
+              </a:extLst>
+            </p:cNvPr>
+            <p:cNvCxnSpPr>
+              <a:cxnSpLocks/>
+            </p:cNvCxnSpPr>
+            <p:nvPr/>
+          </p:nvCxnSpPr>
+          <p:spPr>
+            <a:xfrm flipH="1">
+              <a:off x="2108822" y="2436013"/>
+              <a:ext cx="243853" cy="0"/>
+            </a:xfrm>
+            <a:prstGeom prst="line">
+              <a:avLst/>
+            </a:prstGeom>
+            <a:ln w="28575"/>
+          </p:spPr>
+          <p:style>
+            <a:lnRef idx="1">
+              <a:schemeClr val="dk1"/>
+            </a:lnRef>
+            <a:fillRef idx="0">
+              <a:schemeClr val="dk1"/>
+            </a:fillRef>
+            <a:effectRef idx="0">
+              <a:schemeClr val="dk1"/>
+            </a:effectRef>
+            <a:fontRef idx="minor">
+              <a:schemeClr val="tx1"/>
+            </a:fontRef>
+          </p:style>
+        </p:cxnSp>
+      </p:grpSp>
+      <p:sp>
+        <p:nvSpPr>
+          <p:cNvPr id="31" name="TextBox 30">
+            <a:extLst>
+              <a:ext uri="{FF2B5EF4-FFF2-40B4-BE49-F238E27FC236}">
+                <a16:creationId xmlns:a16="http://schemas.microsoft.com/office/drawing/2014/main" id="{EC5016C0-1A65-5711-25F0-C31AA0F23C4E}"/>
+              </a:ext>
+            </a:extLst>
+          </p:cNvPr>
+          <p:cNvSpPr txBox="1"/>
+          <p:nvPr/>
+        </p:nvSpPr>
+        <p:spPr>
+          <a:xfrm>
+            <a:off x="3022202" y="4237094"/>
+            <a:ext cx="301686" cy="369332"/>
+          </a:xfrm>
+          <a:prstGeom prst="rect">
+            <a:avLst/>
+          </a:prstGeom>
+          <a:noFill/>
+        </p:spPr>
+        <p:txBody>
+          <a:bodyPr wrap="none" rtlCol="0">
+            <a:spAutoFit/>
+          </a:bodyPr>
+          <a:lstStyle/>
+          <a:p>
+            <a:r>
+              <a:rPr lang="en-US" dirty="0"/>
+              <a:t>1</a:t>
+            </a:r>
+          </a:p>
+        </p:txBody>
+      </p:sp>
+      <p:sp>
+        <p:nvSpPr>
+          <p:cNvPr id="32" name="TextBox 31">
+            <a:extLst>
+              <a:ext uri="{FF2B5EF4-FFF2-40B4-BE49-F238E27FC236}">
+                <a16:creationId xmlns:a16="http://schemas.microsoft.com/office/drawing/2014/main" id="{9105EB47-9845-28F1-DCC4-B21F1BDE86C0}"/>
+              </a:ext>
+            </a:extLst>
+          </p:cNvPr>
+          <p:cNvSpPr txBox="1"/>
+          <p:nvPr/>
+        </p:nvSpPr>
+        <p:spPr>
+          <a:xfrm>
+            <a:off x="3022202" y="3552247"/>
+            <a:ext cx="301686" cy="369332"/>
+          </a:xfrm>
+          <a:prstGeom prst="rect">
+            <a:avLst/>
+          </a:prstGeom>
+          <a:noFill/>
+        </p:spPr>
+        <p:txBody>
+          <a:bodyPr wrap="none" rtlCol="0">
+            <a:spAutoFit/>
+          </a:bodyPr>
+          <a:lstStyle/>
+          <a:p>
+            <a:r>
+              <a:rPr lang="en-US" dirty="0"/>
+              <a:t>2</a:t>
+            </a:r>
+          </a:p>
+        </p:txBody>
+      </p:sp>
+      <p:sp>
+        <p:nvSpPr>
+          <p:cNvPr id="33" name="TextBox 32">
+            <a:extLst>
+              <a:ext uri="{FF2B5EF4-FFF2-40B4-BE49-F238E27FC236}">
+                <a16:creationId xmlns:a16="http://schemas.microsoft.com/office/drawing/2014/main" id="{CD3BE360-A9E7-E61D-228A-6EDAF631245F}"/>
+              </a:ext>
+            </a:extLst>
+          </p:cNvPr>
+          <p:cNvSpPr txBox="1"/>
+          <p:nvPr/>
+        </p:nvSpPr>
+        <p:spPr>
+          <a:xfrm>
+            <a:off x="3022202" y="2909407"/>
+            <a:ext cx="301686" cy="369332"/>
+          </a:xfrm>
+          <a:prstGeom prst="rect">
+            <a:avLst/>
+          </a:prstGeom>
+          <a:noFill/>
+        </p:spPr>
+        <p:txBody>
+          <a:bodyPr wrap="none" rtlCol="0">
+            <a:spAutoFit/>
+          </a:bodyPr>
+          <a:lstStyle/>
+          <a:p>
+            <a:r>
+              <a:rPr lang="en-US" dirty="0"/>
+              <a:t>3</a:t>
+            </a:r>
+          </a:p>
+        </p:txBody>
+      </p:sp>
+      <p:sp>
+        <p:nvSpPr>
+          <p:cNvPr id="34" name="TextBox 33">
+            <a:extLst>
+              <a:ext uri="{FF2B5EF4-FFF2-40B4-BE49-F238E27FC236}">
+                <a16:creationId xmlns:a16="http://schemas.microsoft.com/office/drawing/2014/main" id="{79710A34-F6B5-EE52-1C54-67DD905F0EF8}"/>
+              </a:ext>
+            </a:extLst>
+          </p:cNvPr>
+          <p:cNvSpPr txBox="1"/>
+          <p:nvPr/>
+        </p:nvSpPr>
+        <p:spPr>
+          <a:xfrm>
+            <a:off x="3022202" y="2260991"/>
+            <a:ext cx="301686" cy="369332"/>
+          </a:xfrm>
+          <a:prstGeom prst="rect">
+            <a:avLst/>
+          </a:prstGeom>
+          <a:noFill/>
+        </p:spPr>
+        <p:txBody>
+          <a:bodyPr wrap="none" rtlCol="0">
+            <a:spAutoFit/>
+          </a:bodyPr>
+          <a:lstStyle/>
+          <a:p>
+            <a:r>
+              <a:rPr lang="en-US" dirty="0"/>
+              <a:t>4</a:t>
+            </a:r>
+          </a:p>
+        </p:txBody>
+      </p:sp>
+      <p:cxnSp>
+        <p:nvCxnSpPr>
+          <p:cNvPr id="36" name="Straight Connector 35">
+            <a:extLst>
+              <a:ext uri="{FF2B5EF4-FFF2-40B4-BE49-F238E27FC236}">
+                <a16:creationId xmlns:a16="http://schemas.microsoft.com/office/drawing/2014/main" id="{9925641C-26A9-C162-9DA9-75424AE020D4}"/>
+              </a:ext>
+            </a:extLst>
+          </p:cNvPr>
+          <p:cNvCxnSpPr>
+            <a:cxnSpLocks/>
+          </p:cNvCxnSpPr>
+          <p:nvPr/>
+        </p:nvCxnSpPr>
+        <p:spPr>
+          <a:xfrm rot="5400000">
+            <a:off x="4215863" y="4942078"/>
+            <a:ext cx="188685" cy="0"/>
+          </a:xfrm>
+          <a:prstGeom prst="line">
+            <a:avLst/>
+          </a:prstGeom>
+          <a:ln w="28575">
+            <a:solidFill>
+              <a:schemeClr val="tx1"/>
+            </a:solidFill>
+          </a:ln>
+        </p:spPr>
+        <p:style>
+          <a:lnRef idx="1">
+            <a:schemeClr val="dk1"/>
+          </a:lnRef>
+          <a:fillRef idx="0">
+            <a:schemeClr val="dk1"/>
+          </a:fillRef>
+          <a:effectRef idx="0">
+            <a:schemeClr val="dk1"/>
+          </a:effectRef>
+          <a:fontRef idx="minor">
+            <a:schemeClr val="tx1"/>
+          </a:fontRef>
+        </p:style>
+      </p:cxnSp>
+      <p:cxnSp>
+        <p:nvCxnSpPr>
+          <p:cNvPr id="37" name="Straight Connector 36">
+            <a:extLst>
+              <a:ext uri="{FF2B5EF4-FFF2-40B4-BE49-F238E27FC236}">
+                <a16:creationId xmlns:a16="http://schemas.microsoft.com/office/drawing/2014/main" id="{0DC077ED-30CB-99FA-369D-DCB3C7718034}"/>
+              </a:ext>
+            </a:extLst>
+          </p:cNvPr>
+          <p:cNvCxnSpPr>
+            <a:cxnSpLocks/>
+          </p:cNvCxnSpPr>
+          <p:nvPr/>
+        </p:nvCxnSpPr>
+        <p:spPr>
+          <a:xfrm rot="5400000">
+            <a:off x="5231668" y="4942078"/>
+            <a:ext cx="188685" cy="0"/>
+          </a:xfrm>
+          <a:prstGeom prst="line">
+            <a:avLst/>
+          </a:prstGeom>
+          <a:ln w="28575">
+            <a:solidFill>
+              <a:schemeClr val="tx1"/>
+            </a:solidFill>
+          </a:ln>
+        </p:spPr>
+        <p:style>
+          <a:lnRef idx="1">
+            <a:schemeClr val="dk1"/>
+          </a:lnRef>
+          <a:fillRef idx="0">
+            <a:schemeClr val="dk1"/>
+          </a:fillRef>
+          <a:effectRef idx="0">
+            <a:schemeClr val="dk1"/>
+          </a:effectRef>
+          <a:fontRef idx="minor">
+            <a:schemeClr val="tx1"/>
+          </a:fontRef>
+        </p:style>
+      </p:cxnSp>
+      <p:cxnSp>
+        <p:nvCxnSpPr>
+          <p:cNvPr id="38" name="Straight Connector 37">
+            <a:extLst>
+              <a:ext uri="{FF2B5EF4-FFF2-40B4-BE49-F238E27FC236}">
+                <a16:creationId xmlns:a16="http://schemas.microsoft.com/office/drawing/2014/main" id="{343D576D-3BC3-0E0C-690B-9F8FFFB78948}"/>
+              </a:ext>
+            </a:extLst>
+          </p:cNvPr>
+          <p:cNvCxnSpPr>
+            <a:cxnSpLocks/>
+          </p:cNvCxnSpPr>
+          <p:nvPr/>
+        </p:nvCxnSpPr>
+        <p:spPr>
+          <a:xfrm rot="5400000">
+            <a:off x="6242209" y="4942078"/>
+            <a:ext cx="188685" cy="0"/>
+          </a:xfrm>
+          <a:prstGeom prst="line">
+            <a:avLst/>
+          </a:prstGeom>
+          <a:ln w="28575">
+            <a:solidFill>
+              <a:schemeClr val="tx1"/>
+            </a:solidFill>
+          </a:ln>
+        </p:spPr>
+        <p:style>
+          <a:lnRef idx="1">
+            <a:schemeClr val="dk1"/>
+          </a:lnRef>
+          <a:fillRef idx="0">
+            <a:schemeClr val="dk1"/>
+          </a:fillRef>
+          <a:effectRef idx="0">
+            <a:schemeClr val="dk1"/>
+          </a:effectRef>
+          <a:fontRef idx="minor">
+            <a:schemeClr val="tx1"/>
+          </a:fontRef>
+        </p:style>
+      </p:cxnSp>
+      <p:cxnSp>
+        <p:nvCxnSpPr>
+          <p:cNvPr id="39" name="Straight Connector 38">
+            <a:extLst>
+              <a:ext uri="{FF2B5EF4-FFF2-40B4-BE49-F238E27FC236}">
+                <a16:creationId xmlns:a16="http://schemas.microsoft.com/office/drawing/2014/main" id="{04BFFA15-3830-FFE0-CAE6-F8E10BB16C3B}"/>
+              </a:ext>
+            </a:extLst>
+          </p:cNvPr>
+          <p:cNvCxnSpPr>
+            <a:cxnSpLocks/>
+          </p:cNvCxnSpPr>
+          <p:nvPr/>
+        </p:nvCxnSpPr>
+        <p:spPr>
+          <a:xfrm rot="5400000">
+            <a:off x="7252749" y="4942078"/>
+            <a:ext cx="188685" cy="0"/>
+          </a:xfrm>
+          <a:prstGeom prst="line">
+            <a:avLst/>
+          </a:prstGeom>
+          <a:ln w="28575">
+            <a:solidFill>
+              <a:schemeClr val="tx1"/>
+            </a:solidFill>
+          </a:ln>
+        </p:spPr>
+        <p:style>
+          <a:lnRef idx="1">
+            <a:schemeClr val="dk1"/>
+          </a:lnRef>
+          <a:fillRef idx="0">
+            <a:schemeClr val="dk1"/>
+          </a:fillRef>
+          <a:effectRef idx="0">
+            <a:schemeClr val="dk1"/>
+          </a:effectRef>
+          <a:fontRef idx="minor">
+            <a:schemeClr val="tx1"/>
+          </a:fontRef>
+        </p:style>
+      </p:cxnSp>
+      <p:sp>
+        <p:nvSpPr>
+          <p:cNvPr id="42" name="TextBox 41">
+            <a:extLst>
+              <a:ext uri="{FF2B5EF4-FFF2-40B4-BE49-F238E27FC236}">
+                <a16:creationId xmlns:a16="http://schemas.microsoft.com/office/drawing/2014/main" id="{1F035497-1B51-E936-DA60-EA8E63CBD580}"/>
+              </a:ext>
+            </a:extLst>
+          </p:cNvPr>
+          <p:cNvSpPr txBox="1"/>
+          <p:nvPr/>
+        </p:nvSpPr>
+        <p:spPr>
+          <a:xfrm>
+            <a:off x="4086300" y="5024291"/>
+            <a:ext cx="418704" cy="369332"/>
+          </a:xfrm>
+          <a:prstGeom prst="rect">
+            <a:avLst/>
+          </a:prstGeom>
+          <a:noFill/>
+        </p:spPr>
+        <p:txBody>
+          <a:bodyPr wrap="none" rtlCol="0">
+            <a:spAutoFit/>
+          </a:bodyPr>
+          <a:lstStyle/>
+          <a:p>
+            <a:r>
+              <a:rPr lang="en-US" dirty="0"/>
+              <a:t>11</a:t>
+            </a:r>
+          </a:p>
+        </p:txBody>
+      </p:sp>
+      <p:sp>
+        <p:nvSpPr>
+          <p:cNvPr id="43" name="TextBox 42">
+            <a:extLst>
+              <a:ext uri="{FF2B5EF4-FFF2-40B4-BE49-F238E27FC236}">
+                <a16:creationId xmlns:a16="http://schemas.microsoft.com/office/drawing/2014/main" id="{62C37AA4-5390-B3BF-7AC5-8BD2DE278427}"/>
+              </a:ext>
+            </a:extLst>
+          </p:cNvPr>
+          <p:cNvSpPr txBox="1"/>
+          <p:nvPr/>
+        </p:nvSpPr>
+        <p:spPr>
+          <a:xfrm>
+            <a:off x="5111393" y="5024291"/>
+            <a:ext cx="418704" cy="369332"/>
+          </a:xfrm>
+          <a:prstGeom prst="rect">
+            <a:avLst/>
+          </a:prstGeom>
+          <a:noFill/>
+        </p:spPr>
+        <p:txBody>
+          <a:bodyPr wrap="none" rtlCol="0">
+            <a:spAutoFit/>
+          </a:bodyPr>
+          <a:lstStyle/>
+          <a:p>
+            <a:pPr algn="ctr"/>
+            <a:r>
+              <a:rPr lang="en-US" dirty="0"/>
+              <a:t>12</a:t>
+            </a:r>
+          </a:p>
+        </p:txBody>
+      </p:sp>
+      <p:sp>
+        <p:nvSpPr>
+          <p:cNvPr id="44" name="TextBox 43">
+            <a:extLst>
+              <a:ext uri="{FF2B5EF4-FFF2-40B4-BE49-F238E27FC236}">
+                <a16:creationId xmlns:a16="http://schemas.microsoft.com/office/drawing/2014/main" id="{8E1C85E6-89C6-9F32-2DA6-1C21F6985E3F}"/>
+              </a:ext>
+            </a:extLst>
+          </p:cNvPr>
+          <p:cNvSpPr txBox="1"/>
+          <p:nvPr/>
+        </p:nvSpPr>
+        <p:spPr>
+          <a:xfrm>
+            <a:off x="6116562" y="5024291"/>
+            <a:ext cx="418704" cy="369332"/>
+          </a:xfrm>
+          <a:prstGeom prst="rect">
+            <a:avLst/>
+          </a:prstGeom>
+          <a:noFill/>
+        </p:spPr>
+        <p:txBody>
+          <a:bodyPr wrap="none" rtlCol="0">
+            <a:spAutoFit/>
+          </a:bodyPr>
+          <a:lstStyle/>
+          <a:p>
+            <a:pPr algn="ctr"/>
+            <a:r>
+              <a:rPr lang="en-US" dirty="0"/>
+              <a:t>13</a:t>
+            </a:r>
+          </a:p>
+        </p:txBody>
+      </p:sp>
+      <p:sp>
+        <p:nvSpPr>
+          <p:cNvPr id="45" name="TextBox 44">
+            <a:extLst>
+              <a:ext uri="{FF2B5EF4-FFF2-40B4-BE49-F238E27FC236}">
+                <a16:creationId xmlns:a16="http://schemas.microsoft.com/office/drawing/2014/main" id="{EFFF70B2-57AE-B7DC-6E77-65A697987CB9}"/>
+              </a:ext>
+            </a:extLst>
+          </p:cNvPr>
+          <p:cNvSpPr txBox="1"/>
+          <p:nvPr/>
+        </p:nvSpPr>
+        <p:spPr>
+          <a:xfrm>
+            <a:off x="7127102" y="5024291"/>
+            <a:ext cx="418704" cy="369332"/>
+          </a:xfrm>
+          <a:prstGeom prst="rect">
+            <a:avLst/>
+          </a:prstGeom>
+          <a:noFill/>
+        </p:spPr>
+        <p:txBody>
+          <a:bodyPr wrap="none" rtlCol="0">
+            <a:spAutoFit/>
+          </a:bodyPr>
+          <a:lstStyle/>
+          <a:p>
+            <a:pPr algn="ctr"/>
+            <a:r>
+              <a:rPr lang="en-US" dirty="0"/>
+              <a:t>14</a:t>
+            </a:r>
+          </a:p>
+        </p:txBody>
+      </p:sp>
+      <p:sp>
+        <p:nvSpPr>
+          <p:cNvPr id="46" name="TextBox 45">
+            <a:extLst>
+              <a:ext uri="{FF2B5EF4-FFF2-40B4-BE49-F238E27FC236}">
+                <a16:creationId xmlns:a16="http://schemas.microsoft.com/office/drawing/2014/main" id="{246E322D-F30A-0A50-39F1-341BB47135F1}"/>
+              </a:ext>
+            </a:extLst>
+          </p:cNvPr>
+          <p:cNvSpPr txBox="1"/>
+          <p:nvPr/>
+        </p:nvSpPr>
+        <p:spPr>
+          <a:xfrm>
+            <a:off x="8140198" y="5024291"/>
+            <a:ext cx="357791" cy="369332"/>
+          </a:xfrm>
+          <a:prstGeom prst="rect">
+            <a:avLst/>
+          </a:prstGeom>
+          <a:noFill/>
+        </p:spPr>
+        <p:txBody>
+          <a:bodyPr wrap="none" rtlCol="0">
+            <a:spAutoFit/>
+          </a:bodyPr>
+          <a:lstStyle/>
+          <a:p>
+            <a:pPr algn="ctr"/>
+            <a:r>
+              <a:rPr lang="en-US" dirty="0"/>
+              <a:t>...</a:t>
+            </a:r>
+          </a:p>
+        </p:txBody>
+      </p:sp>
+      <p:cxnSp>
+        <p:nvCxnSpPr>
+          <p:cNvPr id="52" name="Straight Connector 51">
+            <a:extLst>
+              <a:ext uri="{FF2B5EF4-FFF2-40B4-BE49-F238E27FC236}">
+                <a16:creationId xmlns:a16="http://schemas.microsoft.com/office/drawing/2014/main" id="{0F3F532E-2DC9-D40C-D208-D7E8C09CB7F9}"/>
+              </a:ext>
+            </a:extLst>
+          </p:cNvPr>
+          <p:cNvCxnSpPr>
+            <a:cxnSpLocks/>
+          </p:cNvCxnSpPr>
+          <p:nvPr/>
+        </p:nvCxnSpPr>
+        <p:spPr>
+          <a:xfrm flipV="1">
+            <a:off x="4319216" y="2445657"/>
+            <a:ext cx="1001529" cy="1945248"/>
+          </a:xfrm>
+          <a:prstGeom prst="line">
+            <a:avLst/>
+          </a:prstGeom>
+          <a:ln w="57150">
+            <a:solidFill>
+              <a:schemeClr val="tx1"/>
+            </a:solidFill>
+          </a:ln>
+        </p:spPr>
+        <p:style>
+          <a:lnRef idx="1">
+            <a:schemeClr val="accent1"/>
+          </a:lnRef>
+          <a:fillRef idx="0">
+            <a:schemeClr val="accent1"/>
+          </a:fillRef>
+          <a:effectRef idx="0">
+            <a:schemeClr val="accent1"/>
+          </a:effectRef>
+          <a:fontRef idx="minor">
+            <a:schemeClr val="tx1"/>
+          </a:fontRef>
+        </p:style>
+      </p:cxnSp>
+      <p:cxnSp>
+        <p:nvCxnSpPr>
+          <p:cNvPr id="56" name="Straight Connector 55">
+            <a:extLst>
+              <a:ext uri="{FF2B5EF4-FFF2-40B4-BE49-F238E27FC236}">
+                <a16:creationId xmlns:a16="http://schemas.microsoft.com/office/drawing/2014/main" id="{CFA15532-C112-3AF9-2956-CBB23D40E16B}"/>
+              </a:ext>
+            </a:extLst>
+          </p:cNvPr>
+          <p:cNvCxnSpPr>
+            <a:cxnSpLocks/>
+          </p:cNvCxnSpPr>
+          <p:nvPr/>
+        </p:nvCxnSpPr>
+        <p:spPr>
+          <a:xfrm flipH="1" flipV="1">
+            <a:off x="5320745" y="2445657"/>
+            <a:ext cx="1015806" cy="1296832"/>
+          </a:xfrm>
+          <a:prstGeom prst="line">
+            <a:avLst/>
+          </a:prstGeom>
+          <a:ln w="57150">
+            <a:solidFill>
+              <a:schemeClr val="tx1"/>
+            </a:solidFill>
+          </a:ln>
+        </p:spPr>
+        <p:style>
+          <a:lnRef idx="1">
+            <a:schemeClr val="accent1"/>
+          </a:lnRef>
+          <a:fillRef idx="0">
+            <a:schemeClr val="accent1"/>
+          </a:fillRef>
+          <a:effectRef idx="0">
+            <a:schemeClr val="accent1"/>
+          </a:effectRef>
+          <a:fontRef idx="minor">
+            <a:schemeClr val="tx1"/>
+          </a:fontRef>
+        </p:style>
+      </p:cxnSp>
+      <p:cxnSp>
+        <p:nvCxnSpPr>
+          <p:cNvPr id="59" name="Straight Connector 58">
+            <a:extLst>
+              <a:ext uri="{FF2B5EF4-FFF2-40B4-BE49-F238E27FC236}">
+                <a16:creationId xmlns:a16="http://schemas.microsoft.com/office/drawing/2014/main" id="{250084DF-B1A8-B876-9688-5D2C5AC2FE5D}"/>
+              </a:ext>
+            </a:extLst>
+          </p:cNvPr>
+          <p:cNvCxnSpPr>
+            <a:cxnSpLocks/>
+          </p:cNvCxnSpPr>
+          <p:nvPr/>
+        </p:nvCxnSpPr>
+        <p:spPr>
+          <a:xfrm flipH="1">
+            <a:off x="6327788" y="3094073"/>
+            <a:ext cx="1006475" cy="639286"/>
+          </a:xfrm>
+          <a:prstGeom prst="line">
+            <a:avLst/>
+          </a:prstGeom>
+          <a:ln w="57150">
+            <a:solidFill>
+              <a:schemeClr val="tx1"/>
+            </a:solidFill>
+          </a:ln>
+        </p:spPr>
+        <p:style>
+          <a:lnRef idx="1">
+            <a:schemeClr val="accent1"/>
+          </a:lnRef>
+          <a:fillRef idx="0">
+            <a:schemeClr val="accent1"/>
+          </a:fillRef>
+          <a:effectRef idx="0">
+            <a:schemeClr val="accent1"/>
+          </a:effectRef>
+          <a:fontRef idx="minor">
+            <a:schemeClr val="tx1"/>
+          </a:fontRef>
+        </p:style>
+      </p:cxnSp>
+      <p:sp>
+        <p:nvSpPr>
+          <p:cNvPr id="10" name="Oval 9">
+            <a:extLst>
+              <a:ext uri="{FF2B5EF4-FFF2-40B4-BE49-F238E27FC236}">
+                <a16:creationId xmlns:a16="http://schemas.microsoft.com/office/drawing/2014/main" id="{5FDD7FB7-2610-6A98-672C-9DF54DFC313D}"/>
+              </a:ext>
+            </a:extLst>
+          </p:cNvPr>
+          <p:cNvSpPr/>
+          <p:nvPr/>
+        </p:nvSpPr>
+        <p:spPr>
+          <a:xfrm>
+            <a:off x="4224875" y="4296563"/>
+            <a:ext cx="188685" cy="188685"/>
+          </a:xfrm>
+          <a:prstGeom prst="ellipse">
+            <a:avLst/>
+          </a:prstGeom>
+          <a:solidFill>
+            <a:schemeClr val="bg1"/>
+          </a:solidFill>
+          <a:ln w="28575">
+            <a:solidFill>
+              <a:schemeClr val="tx1"/>
+            </a:solidFill>
+          </a:ln>
+        </p:spPr>
+        <p:style>
+          <a:lnRef idx="2">
+            <a:schemeClr val="accent1">
+              <a:shade val="50000"/>
+            </a:schemeClr>
+          </a:lnRef>
+          <a:fillRef idx="1">
+            <a:schemeClr val="accent1"/>
+          </a:fillRef>
+          <a:effectRef idx="0">
+            <a:schemeClr val="accent1"/>
+          </a:effectRef>
+          <a:fontRef idx="minor">
+            <a:schemeClr val="lt1"/>
+          </a:fontRef>
+        </p:style>
+        <p:txBody>
+          <a:bodyPr rtlCol="0" anchor="ctr"/>
+          <a:lstStyle/>
+          <a:p>
+            <a:pPr algn="ctr"/>
+            <a:endParaRPr lang="en-US"/>
+          </a:p>
+        </p:txBody>
+      </p:sp>
+      <p:sp>
+        <p:nvSpPr>
+          <p:cNvPr id="11" name="Oval 10">
+            <a:extLst>
+              <a:ext uri="{FF2B5EF4-FFF2-40B4-BE49-F238E27FC236}">
+                <a16:creationId xmlns:a16="http://schemas.microsoft.com/office/drawing/2014/main" id="{00B76A53-722C-38EB-3573-F0957E5CB293}"/>
+              </a:ext>
+            </a:extLst>
+          </p:cNvPr>
+          <p:cNvSpPr/>
+          <p:nvPr/>
+        </p:nvSpPr>
+        <p:spPr>
+          <a:xfrm>
+            <a:off x="5231351" y="2351315"/>
+            <a:ext cx="188685" cy="188685"/>
+          </a:xfrm>
+          <a:prstGeom prst="ellipse">
+            <a:avLst/>
+          </a:prstGeom>
+          <a:solidFill>
+            <a:schemeClr val="bg1"/>
+          </a:solidFill>
+          <a:ln w="28575">
+            <a:solidFill>
+              <a:schemeClr val="tx1"/>
+            </a:solidFill>
+          </a:ln>
+        </p:spPr>
+        <p:style>
+          <a:lnRef idx="2">
+            <a:schemeClr val="accent1">
+              <a:shade val="50000"/>
+            </a:schemeClr>
+          </a:lnRef>
+          <a:fillRef idx="1">
+            <a:schemeClr val="accent1"/>
+          </a:fillRef>
+          <a:effectRef idx="0">
+            <a:schemeClr val="accent1"/>
+          </a:effectRef>
+          <a:fontRef idx="minor">
+            <a:schemeClr val="lt1"/>
+          </a:fontRef>
+        </p:style>
+        <p:txBody>
+          <a:bodyPr rtlCol="0" anchor="ctr"/>
+          <a:lstStyle/>
+          <a:p>
+            <a:pPr algn="ctr"/>
+            <a:endParaRPr lang="en-US"/>
+          </a:p>
+        </p:txBody>
+      </p:sp>
+      <p:sp>
+        <p:nvSpPr>
+          <p:cNvPr id="12" name="Oval 11">
+            <a:extLst>
+              <a:ext uri="{FF2B5EF4-FFF2-40B4-BE49-F238E27FC236}">
+                <a16:creationId xmlns:a16="http://schemas.microsoft.com/office/drawing/2014/main" id="{F9FE4F09-044C-AE40-8DEF-D518922219F4}"/>
+              </a:ext>
+            </a:extLst>
+          </p:cNvPr>
+          <p:cNvSpPr/>
+          <p:nvPr/>
+        </p:nvSpPr>
+        <p:spPr>
+          <a:xfrm>
+            <a:off x="6237827" y="3648147"/>
+            <a:ext cx="188685" cy="188685"/>
+          </a:xfrm>
+          <a:prstGeom prst="ellipse">
+            <a:avLst/>
+          </a:prstGeom>
+          <a:solidFill>
+            <a:schemeClr val="bg1"/>
+          </a:solidFill>
+          <a:ln w="28575">
+            <a:solidFill>
+              <a:schemeClr val="tx1"/>
+            </a:solidFill>
+          </a:ln>
+        </p:spPr>
+        <p:style>
+          <a:lnRef idx="2">
+            <a:schemeClr val="accent1">
+              <a:shade val="50000"/>
+            </a:schemeClr>
+          </a:lnRef>
+          <a:fillRef idx="1">
+            <a:schemeClr val="accent1"/>
+          </a:fillRef>
+          <a:effectRef idx="0">
+            <a:schemeClr val="accent1"/>
+          </a:effectRef>
+          <a:fontRef idx="minor">
+            <a:schemeClr val="lt1"/>
+          </a:fontRef>
+        </p:style>
+        <p:txBody>
+          <a:bodyPr rtlCol="0" anchor="ctr"/>
+          <a:lstStyle/>
+          <a:p>
+            <a:pPr algn="ctr"/>
+            <a:endParaRPr lang="en-US"/>
+          </a:p>
+        </p:txBody>
+      </p:sp>
+      <p:sp>
+        <p:nvSpPr>
+          <p:cNvPr id="13" name="Oval 12">
+            <a:extLst>
+              <a:ext uri="{FF2B5EF4-FFF2-40B4-BE49-F238E27FC236}">
+                <a16:creationId xmlns:a16="http://schemas.microsoft.com/office/drawing/2014/main" id="{FF9DB247-4B0C-98A7-2991-07DCE1F47CAD}"/>
+              </a:ext>
+            </a:extLst>
+          </p:cNvPr>
+          <p:cNvSpPr/>
+          <p:nvPr/>
+        </p:nvSpPr>
+        <p:spPr>
+          <a:xfrm>
+            <a:off x="7244304" y="2999731"/>
+            <a:ext cx="188685" cy="188685"/>
+          </a:xfrm>
+          <a:prstGeom prst="ellipse">
+            <a:avLst/>
+          </a:prstGeom>
+          <a:solidFill>
+            <a:schemeClr val="bg1"/>
+          </a:solidFill>
+          <a:ln w="28575">
+            <a:solidFill>
+              <a:schemeClr val="tx1"/>
+            </a:solidFill>
+          </a:ln>
+        </p:spPr>
+        <p:style>
+          <a:lnRef idx="2">
+            <a:schemeClr val="accent1">
+              <a:shade val="50000"/>
+            </a:schemeClr>
+          </a:lnRef>
+          <a:fillRef idx="1">
+            <a:schemeClr val="accent1"/>
+          </a:fillRef>
+          <a:effectRef idx="0">
+            <a:schemeClr val="accent1"/>
+          </a:effectRef>
+          <a:fontRef idx="minor">
+            <a:schemeClr val="lt1"/>
+          </a:fontRef>
+        </p:style>
+        <p:txBody>
+          <a:bodyPr rtlCol="0" anchor="ctr"/>
+          <a:lstStyle/>
+          <a:p>
+            <a:pPr algn="ctr"/>
+            <a:endParaRPr lang="en-US"/>
+          </a:p>
+        </p:txBody>
+      </p:sp>
+      <p:sp>
+        <p:nvSpPr>
+          <p:cNvPr id="62" name="TextBox 61">
+            <a:extLst>
+              <a:ext uri="{FF2B5EF4-FFF2-40B4-BE49-F238E27FC236}">
+                <a16:creationId xmlns:a16="http://schemas.microsoft.com/office/drawing/2014/main" id="{3B9B62A0-914D-E4C4-168F-D4BD5679356D}"/>
+              </a:ext>
+            </a:extLst>
+          </p:cNvPr>
+          <p:cNvSpPr txBox="1"/>
+          <p:nvPr/>
+        </p:nvSpPr>
+        <p:spPr>
+          <a:xfrm>
+            <a:off x="3828353" y="1108204"/>
+            <a:ext cx="4818948" cy="523220"/>
+          </a:xfrm>
+          <a:prstGeom prst="rect">
+            <a:avLst/>
+          </a:prstGeom>
+          <a:noFill/>
+        </p:spPr>
+        <p:txBody>
+          <a:bodyPr wrap="none" rtlCol="0">
+            <a:spAutoFit/>
+          </a:bodyPr>
+          <a:lstStyle/>
+          <a:p>
+            <a:r>
+              <a:rPr lang="en-US" sz="2800" dirty="0"/>
+              <a:t>plot([11, 12, 13, 14], [1, 4, 2, 3])</a:t>
+            </a:r>
+          </a:p>
+        </p:txBody>
+      </p:sp>
+      <p:sp>
+        <p:nvSpPr>
+          <p:cNvPr id="2" name="Rectangle: Rounded Corners 1">
+            <a:extLst>
+              <a:ext uri="{FF2B5EF4-FFF2-40B4-BE49-F238E27FC236}">
+                <a16:creationId xmlns:a16="http://schemas.microsoft.com/office/drawing/2014/main" id="{269DA444-B7FF-08C2-F60F-CA584F9464CA}"/>
+              </a:ext>
+            </a:extLst>
+          </p:cNvPr>
+          <p:cNvSpPr/>
+          <p:nvPr/>
+        </p:nvSpPr>
+        <p:spPr>
+          <a:xfrm>
+            <a:off x="4613274" y="1203967"/>
+            <a:ext cx="2162175" cy="375332"/>
+          </a:xfrm>
+          <a:prstGeom prst="roundRect">
+            <a:avLst/>
+          </a:prstGeom>
+          <a:solidFill>
+            <a:srgbClr val="00B050">
+              <a:alpha val="20000"/>
+            </a:srgbClr>
+          </a:solidFill>
+          <a:ln>
+            <a:noFill/>
+          </a:ln>
+        </p:spPr>
+        <p:style>
+          <a:lnRef idx="2">
+            <a:schemeClr val="accent1">
+              <a:shade val="50000"/>
+            </a:schemeClr>
+          </a:lnRef>
+          <a:fillRef idx="1">
+            <a:schemeClr val="accent1"/>
+          </a:fillRef>
+          <a:effectRef idx="0">
+            <a:schemeClr val="accent1"/>
+          </a:effectRef>
+          <a:fontRef idx="minor">
+            <a:schemeClr val="lt1"/>
+          </a:fontRef>
+        </p:style>
+        <p:txBody>
+          <a:bodyPr rtlCol="0" anchor="ctr"/>
+          <a:lstStyle/>
+          <a:p>
+            <a:pPr algn="ctr"/>
+            <a:endParaRPr lang="en-US"/>
+          </a:p>
+        </p:txBody>
+      </p:sp>
+      <p:sp>
+        <p:nvSpPr>
+          <p:cNvPr id="4" name="Rectangle: Rounded Corners 3">
+            <a:extLst>
+              <a:ext uri="{FF2B5EF4-FFF2-40B4-BE49-F238E27FC236}">
+                <a16:creationId xmlns:a16="http://schemas.microsoft.com/office/drawing/2014/main" id="{77C6700C-EA34-C130-670D-8DCD35846026}"/>
+              </a:ext>
+            </a:extLst>
+          </p:cNvPr>
+          <p:cNvSpPr/>
+          <p:nvPr/>
+        </p:nvSpPr>
+        <p:spPr>
+          <a:xfrm>
+            <a:off x="6959805" y="1203967"/>
+            <a:ext cx="1437867" cy="375332"/>
+          </a:xfrm>
+          <a:prstGeom prst="roundRect">
+            <a:avLst/>
+          </a:prstGeom>
+          <a:solidFill>
+            <a:schemeClr val="accent2">
+              <a:alpha val="20000"/>
+            </a:schemeClr>
+          </a:solidFill>
+          <a:ln>
+            <a:noFill/>
+          </a:ln>
+        </p:spPr>
+        <p:style>
+          <a:lnRef idx="2">
+            <a:schemeClr val="accent1">
+              <a:shade val="50000"/>
+            </a:schemeClr>
+          </a:lnRef>
+          <a:fillRef idx="1">
+            <a:schemeClr val="accent1"/>
+          </a:fillRef>
+          <a:effectRef idx="0">
+            <a:schemeClr val="accent1"/>
+          </a:effectRef>
+          <a:fontRef idx="minor">
+            <a:schemeClr val="lt1"/>
+          </a:fontRef>
+        </p:style>
+        <p:txBody>
+          <a:bodyPr rtlCol="0" anchor="ctr"/>
+          <a:lstStyle/>
+          <a:p>
+            <a:pPr algn="ctr"/>
+            <a:endParaRPr lang="en-US"/>
+          </a:p>
+        </p:txBody>
+      </p:sp>
+      <p:sp>
+        <p:nvSpPr>
+          <p:cNvPr id="9" name="TextBox 8">
+            <a:extLst>
+              <a:ext uri="{FF2B5EF4-FFF2-40B4-BE49-F238E27FC236}">
+                <a16:creationId xmlns:a16="http://schemas.microsoft.com/office/drawing/2014/main" id="{8DEF8176-4423-519C-2960-BBDE14F30CEF}"/>
+              </a:ext>
+            </a:extLst>
+          </p:cNvPr>
+          <p:cNvSpPr txBox="1"/>
+          <p:nvPr/>
+        </p:nvSpPr>
+        <p:spPr>
+          <a:xfrm>
+            <a:off x="5545693" y="533983"/>
+            <a:ext cx="420308" cy="923330"/>
+          </a:xfrm>
+          <a:prstGeom prst="rect">
+            <a:avLst/>
+          </a:prstGeom>
+          <a:noFill/>
+        </p:spPr>
+        <p:txBody>
+          <a:bodyPr wrap="none" rtlCol="0">
+            <a:spAutoFit/>
+          </a:bodyPr>
+          <a:lstStyle/>
+          <a:p>
+            <a:r>
+              <a:rPr lang="en-US" sz="5400" dirty="0">
+                <a:solidFill>
+                  <a:schemeClr val="accent6"/>
+                </a:solidFill>
+                <a:latin typeface="Harlow Solid Italic" panose="04030604020F02020D02" pitchFamily="82" charset="0"/>
+              </a:rPr>
+              <a:t>x</a:t>
+            </a:r>
+          </a:p>
+        </p:txBody>
+      </p:sp>
+      <p:sp>
+        <p:nvSpPr>
+          <p:cNvPr id="14" name="TextBox 13">
+            <a:extLst>
+              <a:ext uri="{FF2B5EF4-FFF2-40B4-BE49-F238E27FC236}">
+                <a16:creationId xmlns:a16="http://schemas.microsoft.com/office/drawing/2014/main" id="{2F620B6C-87CD-348F-53E4-4206D962CBFA}"/>
+              </a:ext>
+            </a:extLst>
+          </p:cNvPr>
+          <p:cNvSpPr txBox="1"/>
+          <p:nvPr/>
+        </p:nvSpPr>
+        <p:spPr>
+          <a:xfrm>
+            <a:off x="7469085" y="546015"/>
+            <a:ext cx="404278" cy="707886"/>
+          </a:xfrm>
+          <a:prstGeom prst="rect">
+            <a:avLst/>
+          </a:prstGeom>
+          <a:noFill/>
+        </p:spPr>
+        <p:txBody>
+          <a:bodyPr wrap="none" rtlCol="0">
+            <a:spAutoFit/>
+          </a:bodyPr>
+          <a:lstStyle/>
+          <a:p>
+            <a:r>
+              <a:rPr lang="en-US" sz="4000" dirty="0">
+                <a:solidFill>
+                  <a:schemeClr val="accent2"/>
+                </a:solidFill>
+                <a:latin typeface="Harlow Solid Italic" panose="04030604020F02020D02" pitchFamily="82" charset="0"/>
+              </a:rPr>
+              <a:t>y</a:t>
+            </a:r>
+          </a:p>
+        </p:txBody>
+      </p:sp>
+      <p:sp>
+        <p:nvSpPr>
+          <p:cNvPr id="15" name="Rectangle: Rounded Corners 14">
+            <a:extLst>
+              <a:ext uri="{FF2B5EF4-FFF2-40B4-BE49-F238E27FC236}">
+                <a16:creationId xmlns:a16="http://schemas.microsoft.com/office/drawing/2014/main" id="{DE3A8C24-FEAE-37BA-E0FD-BFDE027B3475}"/>
+              </a:ext>
+            </a:extLst>
+          </p:cNvPr>
+          <p:cNvSpPr/>
+          <p:nvPr/>
+        </p:nvSpPr>
+        <p:spPr>
+          <a:xfrm>
+            <a:off x="4069837" y="4755861"/>
+            <a:ext cx="3617159" cy="637745"/>
+          </a:xfrm>
+          <a:prstGeom prst="roundRect">
+            <a:avLst/>
+          </a:prstGeom>
+          <a:solidFill>
+            <a:srgbClr val="00B050">
+              <a:alpha val="20000"/>
+            </a:srgbClr>
+          </a:solidFill>
+          <a:ln>
+            <a:noFill/>
+          </a:ln>
+        </p:spPr>
+        <p:style>
+          <a:lnRef idx="2">
+            <a:schemeClr val="accent1">
+              <a:shade val="50000"/>
+            </a:schemeClr>
+          </a:lnRef>
+          <a:fillRef idx="1">
+            <a:schemeClr val="accent1"/>
+          </a:fillRef>
+          <a:effectRef idx="0">
+            <a:schemeClr val="accent1"/>
+          </a:effectRef>
+          <a:fontRef idx="minor">
+            <a:schemeClr val="lt1"/>
+          </a:fontRef>
+        </p:style>
+        <p:txBody>
+          <a:bodyPr rtlCol="0" anchor="ctr"/>
+          <a:lstStyle/>
+          <a:p>
+            <a:pPr algn="ctr"/>
+            <a:endParaRPr lang="en-US"/>
+          </a:p>
+        </p:txBody>
+      </p:sp>
+      <p:sp>
+        <p:nvSpPr>
+          <p:cNvPr id="17" name="Rectangle: Rounded Corners 16">
+            <a:extLst>
+              <a:ext uri="{FF2B5EF4-FFF2-40B4-BE49-F238E27FC236}">
+                <a16:creationId xmlns:a16="http://schemas.microsoft.com/office/drawing/2014/main" id="{B2E58504-1E23-02CF-3B32-29A0A0734ECA}"/>
+              </a:ext>
+            </a:extLst>
+          </p:cNvPr>
+          <p:cNvSpPr/>
+          <p:nvPr/>
+        </p:nvSpPr>
+        <p:spPr>
+          <a:xfrm>
+            <a:off x="3022203" y="2238901"/>
+            <a:ext cx="503944" cy="2471616"/>
+          </a:xfrm>
+          <a:prstGeom prst="roundRect">
+            <a:avLst/>
+          </a:prstGeom>
+          <a:solidFill>
+            <a:schemeClr val="accent2">
+              <a:alpha val="20000"/>
+            </a:schemeClr>
+          </a:solidFill>
+          <a:ln>
+            <a:noFill/>
+          </a:ln>
+        </p:spPr>
+        <p:style>
+          <a:lnRef idx="2">
+            <a:schemeClr val="accent1">
+              <a:shade val="50000"/>
+            </a:schemeClr>
+          </a:lnRef>
+          <a:fillRef idx="1">
+            <a:schemeClr val="accent1"/>
+          </a:fillRef>
+          <a:effectRef idx="0">
+            <a:schemeClr val="accent1"/>
+          </a:effectRef>
+          <a:fontRef idx="minor">
+            <a:schemeClr val="lt1"/>
+          </a:fontRef>
+        </p:style>
+        <p:txBody>
+          <a:bodyPr rtlCol="0" anchor="ctr"/>
+          <a:lstStyle/>
+          <a:p>
+            <a:pPr algn="ctr"/>
+            <a:endParaRPr lang="en-US"/>
+          </a:p>
+        </p:txBody>
+      </p:sp>
+    </p:spTree>
+    <p:extLst>
+      <p:ext uri="{BB962C8B-B14F-4D97-AF65-F5344CB8AC3E}">
+        <p14:creationId xmlns:p14="http://schemas.microsoft.com/office/powerpoint/2010/main" val="1364492308"/>
+      </p:ext>
+    </p:extLst>
+  </p:cSld>
+  <p:clrMapOvr>
+    <a:masterClrMapping/>
+  </p:clrMapOvr>
+</p:sld>
+</file>
+
+<file path=ppt/slides/slide5.xml><?xml version="1.0" encoding="utf-8"?>
 <p:sld xmlns:a="http://schemas.openxmlformats.org/drawingml/2006/main" xmlns:r="http://schemas.openxmlformats.org/officeDocument/2006/relationships" xmlns:p="http://schemas.openxmlformats.org/presentationml/2006/main">
   <p:cSld>
     <p:spTree>
@@ -7455,7 +11193,7 @@
 </p:sld>
 </file>
 
-<file path=ppt/slides/slide4.xml><?xml version="1.0" encoding="utf-8"?>
+<file path=ppt/slides/slide6.xml><?xml version="1.0" encoding="utf-8"?>
 <p:sld xmlns:a="http://schemas.openxmlformats.org/drawingml/2006/main" xmlns:r="http://schemas.openxmlformats.org/officeDocument/2006/relationships" xmlns:p="http://schemas.openxmlformats.org/presentationml/2006/main">
   <p:cSld>
     <p:spTree>
@@ -9171,7 +12909,7 @@
 </p:sld>
 </file>
 
-<file path=ppt/slides/slide5.xml><?xml version="1.0" encoding="utf-8"?>
+<file path=ppt/slides/slide7.xml><?xml version="1.0" encoding="utf-8"?>
 <p:sld xmlns:a="http://schemas.openxmlformats.org/drawingml/2006/main" xmlns:r="http://schemas.openxmlformats.org/officeDocument/2006/relationships" xmlns:p="http://schemas.openxmlformats.org/presentationml/2006/main">
   <p:cSld>
     <p:spTree>
@@ -10489,7 +14227,7 @@
 </p:sld>
 </file>
 
-<file path=ppt/slides/slide6.xml><?xml version="1.0" encoding="utf-8"?>
+<file path=ppt/slides/slide8.xml><?xml version="1.0" encoding="utf-8"?>
 <p:sld xmlns:a="http://schemas.openxmlformats.org/drawingml/2006/main" xmlns:r="http://schemas.openxmlformats.org/officeDocument/2006/relationships" xmlns:p="http://schemas.openxmlformats.org/presentationml/2006/main">
   <p:cSld>
     <p:spTree>
@@ -10642,450 +14380,6 @@
     <p:extLst>
       <p:ext uri="{BB962C8B-B14F-4D97-AF65-F5344CB8AC3E}">
         <p14:creationId xmlns:p14="http://schemas.microsoft.com/office/powerpoint/2010/main" val="1903139615"/>
-      </p:ext>
-    </p:extLst>
-  </p:cSld>
-  <p:clrMapOvr>
-    <a:masterClrMapping/>
-  </p:clrMapOvr>
-</p:sld>
-</file>
-
-<file path=ppt/slides/slide7.xml><?xml version="1.0" encoding="utf-8"?>
-<p:sld xmlns:a="http://schemas.openxmlformats.org/drawingml/2006/main" xmlns:r="http://schemas.openxmlformats.org/officeDocument/2006/relationships" xmlns:p="http://schemas.openxmlformats.org/presentationml/2006/main">
-  <p:cSld>
-    <p:spTree>
-      <p:nvGrpSpPr>
-        <p:cNvPr id="1" name=""/>
-        <p:cNvGrpSpPr/>
-        <p:nvPr/>
-      </p:nvGrpSpPr>
-      <p:grpSpPr>
-        <a:xfrm>
-          <a:off x="0" y="0"/>
-          <a:ext cx="0" cy="0"/>
-          <a:chOff x="0" y="0"/>
-          <a:chExt cx="0" cy="0"/>
-        </a:xfrm>
-      </p:grpSpPr>
-      <p:sp>
-        <p:nvSpPr>
-          <p:cNvPr id="8" name="TextBox 7">
-            <a:extLst>
-              <a:ext uri="{FF2B5EF4-FFF2-40B4-BE49-F238E27FC236}">
-                <a16:creationId xmlns:a16="http://schemas.microsoft.com/office/drawing/2014/main" id="{9B00D081-CBED-FB0E-E102-A0C4D856533B}"/>
-              </a:ext>
-            </a:extLst>
-          </p:cNvPr>
-          <p:cNvSpPr txBox="1"/>
-          <p:nvPr/>
-        </p:nvSpPr>
-        <p:spPr>
-          <a:xfrm>
-            <a:off x="2391415" y="1113108"/>
-            <a:ext cx="2508444" cy="584775"/>
-          </a:xfrm>
-          <a:prstGeom prst="rect">
-            <a:avLst/>
-          </a:prstGeom>
-          <a:noFill/>
-        </p:spPr>
-        <p:txBody>
-          <a:bodyPr wrap="none" rtlCol="0">
-            <a:spAutoFit/>
-          </a:bodyPr>
-          <a:lstStyle/>
-          <a:p>
-            <a:pPr algn="ctr"/>
-            <a:r>
-              <a:rPr lang="en-US" sz="3200" dirty="0"/>
-              <a:t>plot(x, y, ‘ro-’)</a:t>
-            </a:r>
-          </a:p>
-        </p:txBody>
-      </p:sp>
-      <p:sp>
-        <p:nvSpPr>
-          <p:cNvPr id="11" name="TextBox 10">
-            <a:extLst>
-              <a:ext uri="{FF2B5EF4-FFF2-40B4-BE49-F238E27FC236}">
-                <a16:creationId xmlns:a16="http://schemas.microsoft.com/office/drawing/2014/main" id="{6A4F58D8-F233-645A-5656-791F70733C50}"/>
-              </a:ext>
-            </a:extLst>
-          </p:cNvPr>
-          <p:cNvSpPr txBox="1"/>
-          <p:nvPr/>
-        </p:nvSpPr>
-        <p:spPr>
-          <a:xfrm>
-            <a:off x="7113406" y="574499"/>
-            <a:ext cx="2622834" cy="1077218"/>
-          </a:xfrm>
-          <a:prstGeom prst="rect">
-            <a:avLst/>
-          </a:prstGeom>
-          <a:noFill/>
-        </p:spPr>
-        <p:txBody>
-          <a:bodyPr wrap="none" rtlCol="0">
-            <a:spAutoFit/>
-          </a:bodyPr>
-          <a:lstStyle/>
-          <a:p>
-            <a:pPr algn="ctr"/>
-            <a:r>
-              <a:rPr lang="en-US" sz="3200" dirty="0"/>
-              <a:t>plot(x, y, ‘ro-’);</a:t>
-            </a:r>
-          </a:p>
-          <a:p>
-            <a:pPr algn="ctr"/>
-            <a:r>
-              <a:rPr lang="en-US" sz="3200" dirty="0"/>
-              <a:t>xlim([0, 2*pi]);</a:t>
-            </a:r>
-          </a:p>
-        </p:txBody>
-      </p:sp>
-      <p:pic>
-        <p:nvPicPr>
-          <p:cNvPr id="3" name="그림 2">
-            <a:extLst>
-              <a:ext uri="{FF2B5EF4-FFF2-40B4-BE49-F238E27FC236}">
-                <a16:creationId xmlns:a16="http://schemas.microsoft.com/office/drawing/2014/main" id="{91AD3CC4-E5ED-B403-DA9B-74650460BC63}"/>
-              </a:ext>
-            </a:extLst>
-          </p:cNvPr>
-          <p:cNvPicPr>
-            <a:picLocks noChangeAspect="1"/>
-          </p:cNvPicPr>
-          <p:nvPr/>
-        </p:nvPicPr>
-        <p:blipFill>
-          <a:blip r:embed="rId2"/>
-          <a:stretch>
-            <a:fillRect/>
-          </a:stretch>
-        </p:blipFill>
-        <p:spPr>
-          <a:xfrm>
-            <a:off x="1709260" y="1738224"/>
-            <a:ext cx="3872753" cy="3493747"/>
-          </a:xfrm>
-          <a:prstGeom prst="rect">
-            <a:avLst/>
-          </a:prstGeom>
-        </p:spPr>
-      </p:pic>
-      <p:pic>
-        <p:nvPicPr>
-          <p:cNvPr id="5" name="그림 4">
-            <a:extLst>
-              <a:ext uri="{FF2B5EF4-FFF2-40B4-BE49-F238E27FC236}">
-                <a16:creationId xmlns:a16="http://schemas.microsoft.com/office/drawing/2014/main" id="{13AC38B9-C7C5-F7A7-4914-8757656FA0DF}"/>
-              </a:ext>
-            </a:extLst>
-          </p:cNvPr>
-          <p:cNvPicPr>
-            <a:picLocks noChangeAspect="1"/>
-          </p:cNvPicPr>
-          <p:nvPr/>
-        </p:nvPicPr>
-        <p:blipFill>
-          <a:blip r:embed="rId3"/>
-          <a:stretch>
-            <a:fillRect/>
-          </a:stretch>
-        </p:blipFill>
-        <p:spPr>
-          <a:xfrm>
-            <a:off x="6466554" y="1697884"/>
-            <a:ext cx="3917471" cy="3534088"/>
-          </a:xfrm>
-          <a:prstGeom prst="rect">
-            <a:avLst/>
-          </a:prstGeom>
-        </p:spPr>
-      </p:pic>
-      <p:sp>
-        <p:nvSpPr>
-          <p:cNvPr id="6" name="타원 5">
-            <a:extLst>
-              <a:ext uri="{FF2B5EF4-FFF2-40B4-BE49-F238E27FC236}">
-                <a16:creationId xmlns:a16="http://schemas.microsoft.com/office/drawing/2014/main" id="{12DB89CA-F985-2D78-C4B4-867A9ECD9C4B}"/>
-              </a:ext>
-            </a:extLst>
-          </p:cNvPr>
-          <p:cNvSpPr/>
-          <p:nvPr/>
-        </p:nvSpPr>
-        <p:spPr>
-          <a:xfrm>
-            <a:off x="4437529" y="4303059"/>
-            <a:ext cx="1219200" cy="1219200"/>
-          </a:xfrm>
-          <a:prstGeom prst="ellipse">
-            <a:avLst/>
-          </a:prstGeom>
-          <a:noFill/>
-          <a:ln w="38100">
-            <a:solidFill>
-              <a:schemeClr val="accent1"/>
-            </a:solidFill>
-            <a:prstDash val="dash"/>
-          </a:ln>
-        </p:spPr>
-        <p:style>
-          <a:lnRef idx="2">
-            <a:schemeClr val="accent1">
-              <a:shade val="50000"/>
-            </a:schemeClr>
-          </a:lnRef>
-          <a:fillRef idx="1">
-            <a:schemeClr val="accent1"/>
-          </a:fillRef>
-          <a:effectRef idx="0">
-            <a:schemeClr val="accent1"/>
-          </a:effectRef>
-          <a:fontRef idx="minor">
-            <a:schemeClr val="lt1"/>
-          </a:fontRef>
-        </p:style>
-        <p:txBody>
-          <a:bodyPr rtlCol="0" anchor="ctr"/>
-          <a:lstStyle/>
-          <a:p>
-            <a:pPr algn="ctr"/>
-            <a:endParaRPr lang="en-US"/>
-          </a:p>
-        </p:txBody>
-      </p:sp>
-      <p:sp>
-        <p:nvSpPr>
-          <p:cNvPr id="7" name="타원 6">
-            <a:extLst>
-              <a:ext uri="{FF2B5EF4-FFF2-40B4-BE49-F238E27FC236}">
-                <a16:creationId xmlns:a16="http://schemas.microsoft.com/office/drawing/2014/main" id="{67A6AEAA-A22D-3293-6128-8E5A72C0CC14}"/>
-              </a:ext>
-            </a:extLst>
-          </p:cNvPr>
-          <p:cNvSpPr/>
-          <p:nvPr/>
-        </p:nvSpPr>
-        <p:spPr>
-          <a:xfrm>
-            <a:off x="9245507" y="4303059"/>
-            <a:ext cx="1219200" cy="1219200"/>
-          </a:xfrm>
-          <a:prstGeom prst="ellipse">
-            <a:avLst/>
-          </a:prstGeom>
-          <a:noFill/>
-          <a:ln w="38100">
-            <a:solidFill>
-              <a:schemeClr val="accent1"/>
-            </a:solidFill>
-            <a:prstDash val="dash"/>
-          </a:ln>
-        </p:spPr>
-        <p:style>
-          <a:lnRef idx="2">
-            <a:schemeClr val="accent1">
-              <a:shade val="50000"/>
-            </a:schemeClr>
-          </a:lnRef>
-          <a:fillRef idx="1">
-            <a:schemeClr val="accent1"/>
-          </a:fillRef>
-          <a:effectRef idx="0">
-            <a:schemeClr val="accent1"/>
-          </a:effectRef>
-          <a:fontRef idx="minor">
-            <a:schemeClr val="lt1"/>
-          </a:fontRef>
-        </p:style>
-        <p:txBody>
-          <a:bodyPr rtlCol="0" anchor="ctr"/>
-          <a:lstStyle/>
-          <a:p>
-            <a:pPr algn="ctr"/>
-            <a:endParaRPr lang="en-US"/>
-          </a:p>
-        </p:txBody>
-      </p:sp>
-    </p:spTree>
-    <p:extLst>
-      <p:ext uri="{BB962C8B-B14F-4D97-AF65-F5344CB8AC3E}">
-        <p14:creationId xmlns:p14="http://schemas.microsoft.com/office/powerpoint/2010/main" val="802828591"/>
-      </p:ext>
-    </p:extLst>
-  </p:cSld>
-  <p:clrMapOvr>
-    <a:masterClrMapping/>
-  </p:clrMapOvr>
-</p:sld>
-</file>
-
-<file path=ppt/slides/slide8.xml><?xml version="1.0" encoding="utf-8"?>
-<p:sld xmlns:a="http://schemas.openxmlformats.org/drawingml/2006/main" xmlns:r="http://schemas.openxmlformats.org/officeDocument/2006/relationships" xmlns:p="http://schemas.openxmlformats.org/presentationml/2006/main">
-  <p:cSld>
-    <p:spTree>
-      <p:nvGrpSpPr>
-        <p:cNvPr id="1" name=""/>
-        <p:cNvGrpSpPr/>
-        <p:nvPr/>
-      </p:nvGrpSpPr>
-      <p:grpSpPr>
-        <a:xfrm>
-          <a:off x="0" y="0"/>
-          <a:ext cx="0" cy="0"/>
-          <a:chOff x="0" y="0"/>
-          <a:chExt cx="0" cy="0"/>
-        </a:xfrm>
-      </p:grpSpPr>
-      <p:sp>
-        <p:nvSpPr>
-          <p:cNvPr id="2" name="TextBox 1">
-            <a:extLst>
-              <a:ext uri="{FF2B5EF4-FFF2-40B4-BE49-F238E27FC236}">
-                <a16:creationId xmlns:a16="http://schemas.microsoft.com/office/drawing/2014/main" id="{99F96E88-A236-ECA9-0FA3-39D232B0F2B4}"/>
-              </a:ext>
-            </a:extLst>
-          </p:cNvPr>
-          <p:cNvSpPr txBox="1"/>
-          <p:nvPr/>
-        </p:nvSpPr>
-        <p:spPr>
-          <a:xfrm>
-            <a:off x="2272465" y="990222"/>
-            <a:ext cx="2622833" cy="584775"/>
-          </a:xfrm>
-          <a:prstGeom prst="rect">
-            <a:avLst/>
-          </a:prstGeom>
-          <a:noFill/>
-        </p:spPr>
-        <p:txBody>
-          <a:bodyPr wrap="none" rtlCol="0">
-            <a:spAutoFit/>
-          </a:bodyPr>
-          <a:lstStyle/>
-          <a:p>
-            <a:pPr algn="ctr"/>
-            <a:r>
-              <a:rPr lang="en-US" sz="3200" dirty="0"/>
-              <a:t>xlim([0, 2*pi]);</a:t>
-            </a:r>
-          </a:p>
-        </p:txBody>
-      </p:sp>
-      <p:pic>
-        <p:nvPicPr>
-          <p:cNvPr id="3" name="그림 2">
-            <a:extLst>
-              <a:ext uri="{FF2B5EF4-FFF2-40B4-BE49-F238E27FC236}">
-                <a16:creationId xmlns:a16="http://schemas.microsoft.com/office/drawing/2014/main" id="{BE868D57-5142-A8C9-1EC2-830F6BDB6483}"/>
-              </a:ext>
-            </a:extLst>
-          </p:cNvPr>
-          <p:cNvPicPr>
-            <a:picLocks noChangeAspect="1"/>
-          </p:cNvPicPr>
-          <p:nvPr/>
-        </p:nvPicPr>
-        <p:blipFill>
-          <a:blip r:embed="rId2"/>
-          <a:stretch>
-            <a:fillRect/>
-          </a:stretch>
-        </p:blipFill>
-        <p:spPr>
-          <a:xfrm>
-            <a:off x="1625613" y="1661955"/>
-            <a:ext cx="3917471" cy="3534088"/>
-          </a:xfrm>
-          <a:prstGeom prst="rect">
-            <a:avLst/>
-          </a:prstGeom>
-        </p:spPr>
-      </p:pic>
-      <p:pic>
-        <p:nvPicPr>
-          <p:cNvPr id="6" name="그림 5">
-            <a:extLst>
-              <a:ext uri="{FF2B5EF4-FFF2-40B4-BE49-F238E27FC236}">
-                <a16:creationId xmlns:a16="http://schemas.microsoft.com/office/drawing/2014/main" id="{937D3E90-FC29-0EFC-6C20-901D4B6E6AA0}"/>
-              </a:ext>
-            </a:extLst>
-          </p:cNvPr>
-          <p:cNvPicPr>
-            <a:picLocks noChangeAspect="1"/>
-          </p:cNvPicPr>
-          <p:nvPr/>
-        </p:nvPicPr>
-        <p:blipFill>
-          <a:blip r:embed="rId3"/>
-          <a:stretch>
-            <a:fillRect/>
-          </a:stretch>
-        </p:blipFill>
-        <p:spPr>
-          <a:xfrm>
-            <a:off x="6737170" y="1661956"/>
-            <a:ext cx="3917471" cy="3534088"/>
-          </a:xfrm>
-          <a:prstGeom prst="rect">
-            <a:avLst/>
-          </a:prstGeom>
-        </p:spPr>
-      </p:pic>
-      <p:sp>
-        <p:nvSpPr>
-          <p:cNvPr id="7" name="TextBox 6">
-            <a:extLst>
-              <a:ext uri="{FF2B5EF4-FFF2-40B4-BE49-F238E27FC236}">
-                <a16:creationId xmlns:a16="http://schemas.microsoft.com/office/drawing/2014/main" id="{894E625D-FB3A-031F-A474-344D2E570E6C}"/>
-              </a:ext>
-            </a:extLst>
-          </p:cNvPr>
-          <p:cNvSpPr txBox="1"/>
-          <p:nvPr/>
-        </p:nvSpPr>
-        <p:spPr>
-          <a:xfrm>
-            <a:off x="7587140" y="538570"/>
-            <a:ext cx="2622833" cy="1077218"/>
-          </a:xfrm>
-          <a:prstGeom prst="rect">
-            <a:avLst/>
-          </a:prstGeom>
-          <a:noFill/>
-        </p:spPr>
-        <p:txBody>
-          <a:bodyPr wrap="none" rtlCol="0">
-            <a:spAutoFit/>
-          </a:bodyPr>
-          <a:lstStyle/>
-          <a:p>
-            <a:pPr algn="ctr"/>
-            <a:r>
-              <a:rPr lang="en-US" sz="3200" dirty="0"/>
-              <a:t>xlim([0, 2*pi]);</a:t>
-            </a:r>
-          </a:p>
-          <a:p>
-            <a:pPr algn="ctr"/>
-            <a:r>
-              <a:rPr lang="en-US" sz="3200" dirty="0"/>
-              <a:t>ylim([-2, 2]);</a:t>
-            </a:r>
-          </a:p>
-        </p:txBody>
-      </p:sp>
-    </p:spTree>
-    <p:extLst>
-      <p:ext uri="{BB962C8B-B14F-4D97-AF65-F5344CB8AC3E}">
-        <p14:creationId xmlns:p14="http://schemas.microsoft.com/office/powerpoint/2010/main" val="2833830014"/>
       </p:ext>
     </p:extLst>
   </p:cSld>
@@ -11112,12 +14406,91 @@
           <a:chExt cx="0" cy="0"/>
         </a:xfrm>
       </p:grpSpPr>
+      <p:sp>
+        <p:nvSpPr>
+          <p:cNvPr id="8" name="TextBox 7">
+            <a:extLst>
+              <a:ext uri="{FF2B5EF4-FFF2-40B4-BE49-F238E27FC236}">
+                <a16:creationId xmlns:a16="http://schemas.microsoft.com/office/drawing/2014/main" id="{9B00D081-CBED-FB0E-E102-A0C4D856533B}"/>
+              </a:ext>
+            </a:extLst>
+          </p:cNvPr>
+          <p:cNvSpPr txBox="1"/>
+          <p:nvPr/>
+        </p:nvSpPr>
+        <p:spPr>
+          <a:xfrm>
+            <a:off x="2391415" y="1113108"/>
+            <a:ext cx="2508444" cy="584775"/>
+          </a:xfrm>
+          <a:prstGeom prst="rect">
+            <a:avLst/>
+          </a:prstGeom>
+          <a:noFill/>
+        </p:spPr>
+        <p:txBody>
+          <a:bodyPr wrap="none" rtlCol="0">
+            <a:spAutoFit/>
+          </a:bodyPr>
+          <a:lstStyle/>
+          <a:p>
+            <a:pPr algn="ctr"/>
+            <a:r>
+              <a:rPr lang="en-US" sz="3200" dirty="0"/>
+              <a:t>plot(x, y, ‘ro-’)</a:t>
+            </a:r>
+          </a:p>
+        </p:txBody>
+      </p:sp>
+      <p:sp>
+        <p:nvSpPr>
+          <p:cNvPr id="11" name="TextBox 10">
+            <a:extLst>
+              <a:ext uri="{FF2B5EF4-FFF2-40B4-BE49-F238E27FC236}">
+                <a16:creationId xmlns:a16="http://schemas.microsoft.com/office/drawing/2014/main" id="{6A4F58D8-F233-645A-5656-791F70733C50}"/>
+              </a:ext>
+            </a:extLst>
+          </p:cNvPr>
+          <p:cNvSpPr txBox="1"/>
+          <p:nvPr/>
+        </p:nvSpPr>
+        <p:spPr>
+          <a:xfrm>
+            <a:off x="7113406" y="574499"/>
+            <a:ext cx="2622834" cy="1077218"/>
+          </a:xfrm>
+          <a:prstGeom prst="rect">
+            <a:avLst/>
+          </a:prstGeom>
+          <a:noFill/>
+        </p:spPr>
+        <p:txBody>
+          <a:bodyPr wrap="none" rtlCol="0">
+            <a:spAutoFit/>
+          </a:bodyPr>
+          <a:lstStyle/>
+          <a:p>
+            <a:pPr algn="ctr"/>
+            <a:r>
+              <a:rPr lang="en-US" sz="3200" dirty="0"/>
+              <a:t>plot(x, y, ‘ro-’);</a:t>
+            </a:r>
+          </a:p>
+          <a:p>
+            <a:pPr algn="ctr"/>
+            <a:r>
+              <a:rPr lang="en-US" sz="3200" dirty="0"/>
+              <a:t>xlim([0, 2*pi]);</a:t>
+            </a:r>
+          </a:p>
+        </p:txBody>
+      </p:sp>
       <p:pic>
         <p:nvPicPr>
           <p:cNvPr id="3" name="그림 2">
             <a:extLst>
               <a:ext uri="{FF2B5EF4-FFF2-40B4-BE49-F238E27FC236}">
-                <a16:creationId xmlns:a16="http://schemas.microsoft.com/office/drawing/2014/main" id="{362576D7-14BE-4ED9-4B3F-4E3FB161E0F9}"/>
+                <a16:creationId xmlns:a16="http://schemas.microsoft.com/office/drawing/2014/main" id="{91AD3CC4-E5ED-B403-DA9B-74650460BC63}"/>
               </a:ext>
             </a:extLst>
           </p:cNvPr>
@@ -11134,20 +14507,50 @@
         </p:blipFill>
         <p:spPr>
           <a:xfrm>
-            <a:off x="5524571" y="3138524"/>
-            <a:ext cx="1142857" cy="580952"/>
+            <a:off x="1709260" y="1738224"/>
+            <a:ext cx="3872753" cy="3493747"/>
           </a:xfrm>
           <a:prstGeom prst="rect">
             <a:avLst/>
           </a:prstGeom>
         </p:spPr>
       </p:pic>
-      <p:sp>
-        <p:nvSpPr>
-          <p:cNvPr id="4" name="사각형: 둥근 모서리 3">
-            <a:extLst>
-              <a:ext uri="{FF2B5EF4-FFF2-40B4-BE49-F238E27FC236}">
-                <a16:creationId xmlns:a16="http://schemas.microsoft.com/office/drawing/2014/main" id="{1409EF84-1A3F-12FC-653D-2E95661D0035}"/>
+      <p:pic>
+        <p:nvPicPr>
+          <p:cNvPr id="5" name="그림 4">
+            <a:extLst>
+              <a:ext uri="{FF2B5EF4-FFF2-40B4-BE49-F238E27FC236}">
+                <a16:creationId xmlns:a16="http://schemas.microsoft.com/office/drawing/2014/main" id="{13AC38B9-C7C5-F7A7-4914-8757656FA0DF}"/>
+              </a:ext>
+            </a:extLst>
+          </p:cNvPr>
+          <p:cNvPicPr>
+            <a:picLocks noChangeAspect="1"/>
+          </p:cNvPicPr>
+          <p:nvPr/>
+        </p:nvPicPr>
+        <p:blipFill>
+          <a:blip r:embed="rId3"/>
+          <a:stretch>
+            <a:fillRect/>
+          </a:stretch>
+        </p:blipFill>
+        <p:spPr>
+          <a:xfrm>
+            <a:off x="6466554" y="1697884"/>
+            <a:ext cx="3917471" cy="3534088"/>
+          </a:xfrm>
+          <a:prstGeom prst="rect">
+            <a:avLst/>
+          </a:prstGeom>
+        </p:spPr>
+      </p:pic>
+      <p:sp>
+        <p:nvSpPr>
+          <p:cNvPr id="6" name="타원 5">
+            <a:extLst>
+              <a:ext uri="{FF2B5EF4-FFF2-40B4-BE49-F238E27FC236}">
+                <a16:creationId xmlns:a16="http://schemas.microsoft.com/office/drawing/2014/main" id="{12DB89CA-F985-2D78-C4B4-867A9ECD9C4B}"/>
               </a:ext>
             </a:extLst>
           </p:cNvPr>
@@ -11156,17 +14559,18 @@
         </p:nvSpPr>
         <p:spPr>
           <a:xfrm>
-            <a:off x="5611906" y="3263154"/>
-            <a:ext cx="977153" cy="183776"/>
-          </a:xfrm>
-          <a:prstGeom prst="roundRect">
+            <a:off x="4437529" y="4303059"/>
+            <a:ext cx="1219200" cy="1219200"/>
+          </a:xfrm>
+          <a:prstGeom prst="ellipse">
             <a:avLst/>
           </a:prstGeom>
           <a:noFill/>
-          <a:ln w="19050">
+          <a:ln w="38100">
             <a:solidFill>
-              <a:srgbClr val="FF0000"/>
+              <a:schemeClr val="accent1"/>
             </a:solidFill>
+            <a:prstDash val="dash"/>
           </a:ln>
         </p:spPr>
         <p:style>
@@ -11196,10 +14600,10 @@
       </p:sp>
       <p:sp>
         <p:nvSpPr>
-          <p:cNvPr id="5" name="사각형: 둥근 모서리 4">
-            <a:extLst>
-              <a:ext uri="{FF2B5EF4-FFF2-40B4-BE49-F238E27FC236}">
-                <a16:creationId xmlns:a16="http://schemas.microsoft.com/office/drawing/2014/main" id="{8E9883A4-3305-22C5-E601-6CDD542400A3}"/>
+          <p:cNvPr id="7" name="타원 6">
+            <a:extLst>
+              <a:ext uri="{FF2B5EF4-FFF2-40B4-BE49-F238E27FC236}">
+                <a16:creationId xmlns:a16="http://schemas.microsoft.com/office/drawing/2014/main" id="{67A6AEAA-A22D-3293-6128-8E5A72C0CC14}"/>
               </a:ext>
             </a:extLst>
           </p:cNvPr>
@@ -11208,17 +14612,18 @@
         </p:nvSpPr>
         <p:spPr>
           <a:xfrm>
-            <a:off x="5611906" y="3452777"/>
-            <a:ext cx="977153" cy="183776"/>
-          </a:xfrm>
-          <a:prstGeom prst="roundRect">
+            <a:off x="9245507" y="4303059"/>
+            <a:ext cx="1219200" cy="1219200"/>
+          </a:xfrm>
+          <a:prstGeom prst="ellipse">
             <a:avLst/>
           </a:prstGeom>
           <a:noFill/>
-          <a:ln w="19050">
+          <a:ln w="38100">
             <a:solidFill>
-              <a:srgbClr val="FF0000"/>
+              <a:schemeClr val="accent1"/>
             </a:solidFill>
+            <a:prstDash val="dash"/>
           </a:ln>
         </p:spPr>
         <p:style>
@@ -11246,164 +14651,10 @@
           </a:p>
         </p:txBody>
       </p:sp>
-      <p:cxnSp>
-        <p:nvCxnSpPr>
-          <p:cNvPr id="7" name="직선 화살표 연결선 6">
-            <a:extLst>
-              <a:ext uri="{FF2B5EF4-FFF2-40B4-BE49-F238E27FC236}">
-                <a16:creationId xmlns:a16="http://schemas.microsoft.com/office/drawing/2014/main" id="{6B3707E5-51F1-F1EF-532D-28A45D59D86E}"/>
-              </a:ext>
-            </a:extLst>
-          </p:cNvPr>
-          <p:cNvCxnSpPr>
-            <a:cxnSpLocks/>
-            <a:stCxn id="9" idx="1"/>
-          </p:cNvCxnSpPr>
-          <p:nvPr/>
-        </p:nvCxnSpPr>
-        <p:spPr>
-          <a:xfrm flipH="1">
-            <a:off x="6427694" y="2917526"/>
-            <a:ext cx="475130" cy="295574"/>
-          </a:xfrm>
-          <a:prstGeom prst="straightConnector1">
-            <a:avLst/>
-          </a:prstGeom>
-          <a:ln>
-            <a:tailEnd type="triangle"/>
-          </a:ln>
-        </p:spPr>
-        <p:style>
-          <a:lnRef idx="1">
-            <a:schemeClr val="accent1"/>
-          </a:lnRef>
-          <a:fillRef idx="0">
-            <a:schemeClr val="accent1"/>
-          </a:fillRef>
-          <a:effectRef idx="0">
-            <a:schemeClr val="accent1"/>
-          </a:effectRef>
-          <a:fontRef idx="minor">
-            <a:schemeClr val="tx1"/>
-          </a:fontRef>
-        </p:style>
-      </p:cxnSp>
-      <p:sp>
-        <p:nvSpPr>
-          <p:cNvPr id="9" name="TextBox 8">
-            <a:extLst>
-              <a:ext uri="{FF2B5EF4-FFF2-40B4-BE49-F238E27FC236}">
-                <a16:creationId xmlns:a16="http://schemas.microsoft.com/office/drawing/2014/main" id="{767D736E-6BDE-F66B-0B06-439CF7C587E9}"/>
-              </a:ext>
-            </a:extLst>
-          </p:cNvPr>
-          <p:cNvSpPr txBox="1"/>
-          <p:nvPr/>
-        </p:nvSpPr>
-        <p:spPr>
-          <a:xfrm>
-            <a:off x="6902824" y="2732860"/>
-            <a:ext cx="704232" cy="369332"/>
-          </a:xfrm>
-          <a:prstGeom prst="rect">
-            <a:avLst/>
-          </a:prstGeom>
-          <a:noFill/>
-        </p:spPr>
-        <p:txBody>
-          <a:bodyPr wrap="none" rtlCol="0">
-            <a:spAutoFit/>
-          </a:bodyPr>
-          <a:lstStyle/>
-          <a:p>
-            <a:r>
-              <a:rPr lang="en-US" dirty="0"/>
-              <a:t>xticks</a:t>
-            </a:r>
-          </a:p>
-        </p:txBody>
-      </p:sp>
-      <p:sp>
-        <p:nvSpPr>
-          <p:cNvPr id="10" name="TextBox 9">
-            <a:extLst>
-              <a:ext uri="{FF2B5EF4-FFF2-40B4-BE49-F238E27FC236}">
-                <a16:creationId xmlns:a16="http://schemas.microsoft.com/office/drawing/2014/main" id="{12E2E353-DE6F-41C4-35C0-46BDB28B544C}"/>
-              </a:ext>
-            </a:extLst>
-          </p:cNvPr>
-          <p:cNvSpPr txBox="1"/>
-          <p:nvPr/>
-        </p:nvSpPr>
-        <p:spPr>
-          <a:xfrm>
-            <a:off x="6902824" y="3755808"/>
-            <a:ext cx="1159998" cy="369332"/>
-          </a:xfrm>
-          <a:prstGeom prst="rect">
-            <a:avLst/>
-          </a:prstGeom>
-          <a:noFill/>
-        </p:spPr>
-        <p:txBody>
-          <a:bodyPr wrap="none" rtlCol="0">
-            <a:spAutoFit/>
-          </a:bodyPr>
-          <a:lstStyle/>
-          <a:p>
-            <a:r>
-              <a:rPr lang="en-US" dirty="0"/>
-              <a:t>xticklabels</a:t>
-            </a:r>
-          </a:p>
-        </p:txBody>
-      </p:sp>
-      <p:cxnSp>
-        <p:nvCxnSpPr>
-          <p:cNvPr id="13" name="직선 화살표 연결선 12">
-            <a:extLst>
-              <a:ext uri="{FF2B5EF4-FFF2-40B4-BE49-F238E27FC236}">
-                <a16:creationId xmlns:a16="http://schemas.microsoft.com/office/drawing/2014/main" id="{65B79FF0-B2DB-61C4-86D0-0F346391671B}"/>
-              </a:ext>
-            </a:extLst>
-          </p:cNvPr>
-          <p:cNvCxnSpPr>
-            <a:cxnSpLocks/>
-            <a:stCxn id="10" idx="1"/>
-          </p:cNvCxnSpPr>
-          <p:nvPr/>
-        </p:nvCxnSpPr>
-        <p:spPr>
-          <a:xfrm flipH="1" flipV="1">
-            <a:off x="6427694" y="3721290"/>
-            <a:ext cx="475130" cy="219184"/>
-          </a:xfrm>
-          <a:prstGeom prst="straightConnector1">
-            <a:avLst/>
-          </a:prstGeom>
-          <a:ln>
-            <a:tailEnd type="triangle"/>
-          </a:ln>
-        </p:spPr>
-        <p:style>
-          <a:lnRef idx="1">
-            <a:schemeClr val="accent1"/>
-          </a:lnRef>
-          <a:fillRef idx="0">
-            <a:schemeClr val="accent1"/>
-          </a:fillRef>
-          <a:effectRef idx="0">
-            <a:schemeClr val="accent1"/>
-          </a:effectRef>
-          <a:fontRef idx="minor">
-            <a:schemeClr val="tx1"/>
-          </a:fontRef>
-        </p:style>
-      </p:cxnSp>
     </p:spTree>
     <p:extLst>
       <p:ext uri="{BB962C8B-B14F-4D97-AF65-F5344CB8AC3E}">
-        <p14:creationId xmlns:p14="http://schemas.microsoft.com/office/powerpoint/2010/main" val="1440312516"/>
+        <p14:creationId xmlns:p14="http://schemas.microsoft.com/office/powerpoint/2010/main" val="802828591"/>
       </p:ext>
     </p:extLst>
   </p:cSld>

--- a/Wikidocs/pics/pics_2d_graphs.pptx
+++ b/Wikidocs/pics/pics_2d_graphs.pptx
@@ -9,24 +9,25 @@
     <p:sldId id="276" r:id="rId3"/>
     <p:sldId id="277" r:id="rId4"/>
     <p:sldId id="278" r:id="rId5"/>
-    <p:sldId id="256" r:id="rId6"/>
-    <p:sldId id="257" r:id="rId7"/>
-    <p:sldId id="258" r:id="rId8"/>
-    <p:sldId id="259" r:id="rId9"/>
-    <p:sldId id="261" r:id="rId10"/>
-    <p:sldId id="262" r:id="rId11"/>
-    <p:sldId id="263" r:id="rId12"/>
-    <p:sldId id="264" r:id="rId13"/>
-    <p:sldId id="265" r:id="rId14"/>
-    <p:sldId id="266" r:id="rId15"/>
-    <p:sldId id="267" r:id="rId16"/>
-    <p:sldId id="268" r:id="rId17"/>
-    <p:sldId id="269" r:id="rId18"/>
-    <p:sldId id="270" r:id="rId19"/>
-    <p:sldId id="271" r:id="rId20"/>
-    <p:sldId id="272" r:id="rId21"/>
-    <p:sldId id="273" r:id="rId22"/>
-    <p:sldId id="274" r:id="rId23"/>
+    <p:sldId id="279" r:id="rId6"/>
+    <p:sldId id="280" r:id="rId7"/>
+    <p:sldId id="256" r:id="rId8"/>
+    <p:sldId id="257" r:id="rId9"/>
+    <p:sldId id="258" r:id="rId10"/>
+    <p:sldId id="259" r:id="rId11"/>
+    <p:sldId id="261" r:id="rId12"/>
+    <p:sldId id="262" r:id="rId13"/>
+    <p:sldId id="263" r:id="rId14"/>
+    <p:sldId id="265" r:id="rId15"/>
+    <p:sldId id="266" r:id="rId16"/>
+    <p:sldId id="267" r:id="rId17"/>
+    <p:sldId id="281" r:id="rId18"/>
+    <p:sldId id="282" r:id="rId19"/>
+    <p:sldId id="283" r:id="rId20"/>
+    <p:sldId id="271" r:id="rId21"/>
+    <p:sldId id="272" r:id="rId22"/>
+    <p:sldId id="273" r:id="rId23"/>
+    <p:sldId id="274" r:id="rId24"/>
   </p:sldIdLst>
   <p:sldSz cx="12192000" cy="6858000"/>
   <p:notesSz cx="6858000" cy="9144000"/>
@@ -282,7 +283,7 @@
           <a:p>
             <a:fld id="{6EC12061-8120-4C07-B2B2-E5EB0BE33944}" type="datetimeFigureOut">
               <a:rPr lang="en-US" smtClean="0"/>
-              <a:t>1/22/2023</a:t>
+              <a:t>1/23/2023</a:t>
             </a:fld>
             <a:endParaRPr lang="en-US"/>
           </a:p>
@@ -482,7 +483,7 @@
           <a:p>
             <a:fld id="{6EC12061-8120-4C07-B2B2-E5EB0BE33944}" type="datetimeFigureOut">
               <a:rPr lang="en-US" smtClean="0"/>
-              <a:t>1/22/2023</a:t>
+              <a:t>1/23/2023</a:t>
             </a:fld>
             <a:endParaRPr lang="en-US"/>
           </a:p>
@@ -692,7 +693,7 @@
           <a:p>
             <a:fld id="{6EC12061-8120-4C07-B2B2-E5EB0BE33944}" type="datetimeFigureOut">
               <a:rPr lang="en-US" smtClean="0"/>
-              <a:t>1/22/2023</a:t>
+              <a:t>1/23/2023</a:t>
             </a:fld>
             <a:endParaRPr lang="en-US"/>
           </a:p>
@@ -892,7 +893,7 @@
           <a:p>
             <a:fld id="{6EC12061-8120-4C07-B2B2-E5EB0BE33944}" type="datetimeFigureOut">
               <a:rPr lang="en-US" smtClean="0"/>
-              <a:t>1/22/2023</a:t>
+              <a:t>1/23/2023</a:t>
             </a:fld>
             <a:endParaRPr lang="en-US"/>
           </a:p>
@@ -1168,7 +1169,7 @@
           <a:p>
             <a:fld id="{6EC12061-8120-4C07-B2B2-E5EB0BE33944}" type="datetimeFigureOut">
               <a:rPr lang="en-US" smtClean="0"/>
-              <a:t>1/22/2023</a:t>
+              <a:t>1/23/2023</a:t>
             </a:fld>
             <a:endParaRPr lang="en-US"/>
           </a:p>
@@ -1436,7 +1437,7 @@
           <a:p>
             <a:fld id="{6EC12061-8120-4C07-B2B2-E5EB0BE33944}" type="datetimeFigureOut">
               <a:rPr lang="en-US" smtClean="0"/>
-              <a:t>1/22/2023</a:t>
+              <a:t>1/23/2023</a:t>
             </a:fld>
             <a:endParaRPr lang="en-US"/>
           </a:p>
@@ -1851,7 +1852,7 @@
           <a:p>
             <a:fld id="{6EC12061-8120-4C07-B2B2-E5EB0BE33944}" type="datetimeFigureOut">
               <a:rPr lang="en-US" smtClean="0"/>
-              <a:t>1/22/2023</a:t>
+              <a:t>1/23/2023</a:t>
             </a:fld>
             <a:endParaRPr lang="en-US"/>
           </a:p>
@@ -1993,7 +1994,7 @@
           <a:p>
             <a:fld id="{6EC12061-8120-4C07-B2B2-E5EB0BE33944}" type="datetimeFigureOut">
               <a:rPr lang="en-US" smtClean="0"/>
-              <a:t>1/22/2023</a:t>
+              <a:t>1/23/2023</a:t>
             </a:fld>
             <a:endParaRPr lang="en-US"/>
           </a:p>
@@ -2106,7 +2107,7 @@
           <a:p>
             <a:fld id="{6EC12061-8120-4C07-B2B2-E5EB0BE33944}" type="datetimeFigureOut">
               <a:rPr lang="en-US" smtClean="0"/>
-              <a:t>1/22/2023</a:t>
+              <a:t>1/23/2023</a:t>
             </a:fld>
             <a:endParaRPr lang="en-US"/>
           </a:p>
@@ -2419,7 +2420,7 @@
           <a:p>
             <a:fld id="{6EC12061-8120-4C07-B2B2-E5EB0BE33944}" type="datetimeFigureOut">
               <a:rPr lang="en-US" smtClean="0"/>
-              <a:t>1/22/2023</a:t>
+              <a:t>1/23/2023</a:t>
             </a:fld>
             <a:endParaRPr lang="en-US"/>
           </a:p>
@@ -2708,7 +2709,7 @@
           <a:p>
             <a:fld id="{6EC12061-8120-4C07-B2B2-E5EB0BE33944}" type="datetimeFigureOut">
               <a:rPr lang="en-US" smtClean="0"/>
-              <a:t>1/22/2023</a:t>
+              <a:t>1/23/2023</a:t>
             </a:fld>
             <a:endParaRPr lang="en-US"/>
           </a:p>
@@ -2951,7 +2952,7 @@
           <a:p>
             <a:fld id="{6EC12061-8120-4C07-B2B2-E5EB0BE33944}" type="datetimeFigureOut">
               <a:rPr lang="en-US" smtClean="0"/>
-              <a:t>1/22/2023</a:t>
+              <a:t>1/23/2023</a:t>
             </a:fld>
             <a:endParaRPr lang="en-US"/>
           </a:p>
@@ -3615,6 +3616,443 @@
           <a:chExt cx="0" cy="0"/>
         </a:xfrm>
       </p:grpSpPr>
+      <p:pic>
+        <p:nvPicPr>
+          <p:cNvPr id="2" name="그림 1">
+            <a:extLst>
+              <a:ext uri="{FF2B5EF4-FFF2-40B4-BE49-F238E27FC236}">
+                <a16:creationId xmlns:a16="http://schemas.microsoft.com/office/drawing/2014/main" id="{5624CE94-1F32-D6F7-8FBB-5942CB94793F}"/>
+              </a:ext>
+            </a:extLst>
+          </p:cNvPr>
+          <p:cNvPicPr>
+            <a:picLocks noChangeAspect="1"/>
+          </p:cNvPicPr>
+          <p:nvPr/>
+        </p:nvPicPr>
+        <p:blipFill>
+          <a:blip r:embed="rId2"/>
+          <a:stretch>
+            <a:fillRect/>
+          </a:stretch>
+        </p:blipFill>
+        <p:spPr>
+          <a:xfrm>
+            <a:off x="1709259" y="1682126"/>
+            <a:ext cx="3872754" cy="3493747"/>
+          </a:xfrm>
+          <a:prstGeom prst="rect">
+            <a:avLst/>
+          </a:prstGeom>
+        </p:spPr>
+      </p:pic>
+      <p:sp>
+        <p:nvSpPr>
+          <p:cNvPr id="8" name="TextBox 7">
+            <a:extLst>
+              <a:ext uri="{FF2B5EF4-FFF2-40B4-BE49-F238E27FC236}">
+                <a16:creationId xmlns:a16="http://schemas.microsoft.com/office/drawing/2014/main" id="{9B00D081-CBED-FB0E-E102-A0C4D856533B}"/>
+              </a:ext>
+            </a:extLst>
+          </p:cNvPr>
+          <p:cNvSpPr txBox="1"/>
+          <p:nvPr/>
+        </p:nvSpPr>
+        <p:spPr>
+          <a:xfrm>
+            <a:off x="2472078" y="1113108"/>
+            <a:ext cx="2347117" cy="584775"/>
+          </a:xfrm>
+          <a:prstGeom prst="rect">
+            <a:avLst/>
+          </a:prstGeom>
+          <a:noFill/>
+        </p:spPr>
+        <p:txBody>
+          <a:bodyPr wrap="none" rtlCol="0">
+            <a:spAutoFit/>
+          </a:bodyPr>
+          <a:lstStyle/>
+          <a:p>
+            <a:pPr algn="ctr"/>
+            <a:r>
+              <a:rPr lang="en-US" sz="3200" dirty="0"/>
+              <a:t>plot(x, y, ‘o-’)</a:t>
+            </a:r>
+          </a:p>
+        </p:txBody>
+      </p:sp>
+      <p:pic>
+        <p:nvPicPr>
+          <p:cNvPr id="10" name="그림 9">
+            <a:extLst>
+              <a:ext uri="{FF2B5EF4-FFF2-40B4-BE49-F238E27FC236}">
+                <a16:creationId xmlns:a16="http://schemas.microsoft.com/office/drawing/2014/main" id="{9CBF17A2-28AB-65E6-44D7-270D4B633A91}"/>
+              </a:ext>
+            </a:extLst>
+          </p:cNvPr>
+          <p:cNvPicPr>
+            <a:picLocks noChangeAspect="1"/>
+          </p:cNvPicPr>
+          <p:nvPr/>
+        </p:nvPicPr>
+        <p:blipFill>
+          <a:blip r:embed="rId3"/>
+          <a:stretch>
+            <a:fillRect/>
+          </a:stretch>
+        </p:blipFill>
+        <p:spPr>
+          <a:xfrm>
+            <a:off x="6488443" y="1682126"/>
+            <a:ext cx="3872753" cy="3493747"/>
+          </a:xfrm>
+          <a:prstGeom prst="rect">
+            <a:avLst/>
+          </a:prstGeom>
+        </p:spPr>
+      </p:pic>
+      <p:sp>
+        <p:nvSpPr>
+          <p:cNvPr id="11" name="TextBox 10">
+            <a:extLst>
+              <a:ext uri="{FF2B5EF4-FFF2-40B4-BE49-F238E27FC236}">
+                <a16:creationId xmlns:a16="http://schemas.microsoft.com/office/drawing/2014/main" id="{6A4F58D8-F233-645A-5656-791F70733C50}"/>
+              </a:ext>
+            </a:extLst>
+          </p:cNvPr>
+          <p:cNvSpPr txBox="1"/>
+          <p:nvPr/>
+        </p:nvSpPr>
+        <p:spPr>
+          <a:xfrm>
+            <a:off x="7170597" y="1113108"/>
+            <a:ext cx="2508444" cy="584775"/>
+          </a:xfrm>
+          <a:prstGeom prst="rect">
+            <a:avLst/>
+          </a:prstGeom>
+          <a:noFill/>
+        </p:spPr>
+        <p:txBody>
+          <a:bodyPr wrap="none" rtlCol="0">
+            <a:spAutoFit/>
+          </a:bodyPr>
+          <a:lstStyle/>
+          <a:p>
+            <a:pPr algn="ctr"/>
+            <a:r>
+              <a:rPr lang="en-US" sz="3200" dirty="0"/>
+              <a:t>plot(x, y, ‘ro-’)</a:t>
+            </a:r>
+          </a:p>
+        </p:txBody>
+      </p:sp>
+    </p:spTree>
+    <p:extLst>
+      <p:ext uri="{BB962C8B-B14F-4D97-AF65-F5344CB8AC3E}">
+        <p14:creationId xmlns:p14="http://schemas.microsoft.com/office/powerpoint/2010/main" val="1903139615"/>
+      </p:ext>
+    </p:extLst>
+  </p:cSld>
+  <p:clrMapOvr>
+    <a:masterClrMapping/>
+  </p:clrMapOvr>
+</p:sld>
+</file>
+
+<file path=ppt/slides/slide11.xml><?xml version="1.0" encoding="utf-8"?>
+<p:sld xmlns:a="http://schemas.openxmlformats.org/drawingml/2006/main" xmlns:r="http://schemas.openxmlformats.org/officeDocument/2006/relationships" xmlns:p="http://schemas.openxmlformats.org/presentationml/2006/main">
+  <p:cSld>
+    <p:spTree>
+      <p:nvGrpSpPr>
+        <p:cNvPr id="1" name=""/>
+        <p:cNvGrpSpPr/>
+        <p:nvPr/>
+      </p:nvGrpSpPr>
+      <p:grpSpPr>
+        <a:xfrm>
+          <a:off x="0" y="0"/>
+          <a:ext cx="0" cy="0"/>
+          <a:chOff x="0" y="0"/>
+          <a:chExt cx="0" cy="0"/>
+        </a:xfrm>
+      </p:grpSpPr>
+      <p:sp>
+        <p:nvSpPr>
+          <p:cNvPr id="8" name="TextBox 7">
+            <a:extLst>
+              <a:ext uri="{FF2B5EF4-FFF2-40B4-BE49-F238E27FC236}">
+                <a16:creationId xmlns:a16="http://schemas.microsoft.com/office/drawing/2014/main" id="{9B00D081-CBED-FB0E-E102-A0C4D856533B}"/>
+              </a:ext>
+            </a:extLst>
+          </p:cNvPr>
+          <p:cNvSpPr txBox="1"/>
+          <p:nvPr/>
+        </p:nvSpPr>
+        <p:spPr>
+          <a:xfrm>
+            <a:off x="2391415" y="1113108"/>
+            <a:ext cx="2508444" cy="584775"/>
+          </a:xfrm>
+          <a:prstGeom prst="rect">
+            <a:avLst/>
+          </a:prstGeom>
+          <a:noFill/>
+        </p:spPr>
+        <p:txBody>
+          <a:bodyPr wrap="none" rtlCol="0">
+            <a:spAutoFit/>
+          </a:bodyPr>
+          <a:lstStyle/>
+          <a:p>
+            <a:pPr algn="ctr"/>
+            <a:r>
+              <a:rPr lang="en-US" sz="3200" dirty="0"/>
+              <a:t>plot(x, y, ‘ro-’)</a:t>
+            </a:r>
+          </a:p>
+        </p:txBody>
+      </p:sp>
+      <p:sp>
+        <p:nvSpPr>
+          <p:cNvPr id="11" name="TextBox 10">
+            <a:extLst>
+              <a:ext uri="{FF2B5EF4-FFF2-40B4-BE49-F238E27FC236}">
+                <a16:creationId xmlns:a16="http://schemas.microsoft.com/office/drawing/2014/main" id="{6A4F58D8-F233-645A-5656-791F70733C50}"/>
+              </a:ext>
+            </a:extLst>
+          </p:cNvPr>
+          <p:cNvSpPr txBox="1"/>
+          <p:nvPr/>
+        </p:nvSpPr>
+        <p:spPr>
+          <a:xfrm>
+            <a:off x="7113406" y="574499"/>
+            <a:ext cx="2622834" cy="1077218"/>
+          </a:xfrm>
+          <a:prstGeom prst="rect">
+            <a:avLst/>
+          </a:prstGeom>
+          <a:noFill/>
+        </p:spPr>
+        <p:txBody>
+          <a:bodyPr wrap="none" rtlCol="0">
+            <a:spAutoFit/>
+          </a:bodyPr>
+          <a:lstStyle/>
+          <a:p>
+            <a:pPr algn="ctr"/>
+            <a:r>
+              <a:rPr lang="en-US" sz="3200" dirty="0"/>
+              <a:t>plot(x, y, ‘ro-’);</a:t>
+            </a:r>
+          </a:p>
+          <a:p>
+            <a:pPr algn="ctr"/>
+            <a:r>
+              <a:rPr lang="en-US" sz="3200" dirty="0"/>
+              <a:t>xlim([0, 2*pi]);</a:t>
+            </a:r>
+          </a:p>
+        </p:txBody>
+      </p:sp>
+      <p:pic>
+        <p:nvPicPr>
+          <p:cNvPr id="3" name="그림 2">
+            <a:extLst>
+              <a:ext uri="{FF2B5EF4-FFF2-40B4-BE49-F238E27FC236}">
+                <a16:creationId xmlns:a16="http://schemas.microsoft.com/office/drawing/2014/main" id="{91AD3CC4-E5ED-B403-DA9B-74650460BC63}"/>
+              </a:ext>
+            </a:extLst>
+          </p:cNvPr>
+          <p:cNvPicPr>
+            <a:picLocks noChangeAspect="1"/>
+          </p:cNvPicPr>
+          <p:nvPr/>
+        </p:nvPicPr>
+        <p:blipFill>
+          <a:blip r:embed="rId2"/>
+          <a:stretch>
+            <a:fillRect/>
+          </a:stretch>
+        </p:blipFill>
+        <p:spPr>
+          <a:xfrm>
+            <a:off x="1709260" y="1738224"/>
+            <a:ext cx="3872753" cy="3493747"/>
+          </a:xfrm>
+          <a:prstGeom prst="rect">
+            <a:avLst/>
+          </a:prstGeom>
+        </p:spPr>
+      </p:pic>
+      <p:pic>
+        <p:nvPicPr>
+          <p:cNvPr id="5" name="그림 4">
+            <a:extLst>
+              <a:ext uri="{FF2B5EF4-FFF2-40B4-BE49-F238E27FC236}">
+                <a16:creationId xmlns:a16="http://schemas.microsoft.com/office/drawing/2014/main" id="{13AC38B9-C7C5-F7A7-4914-8757656FA0DF}"/>
+              </a:ext>
+            </a:extLst>
+          </p:cNvPr>
+          <p:cNvPicPr>
+            <a:picLocks noChangeAspect="1"/>
+          </p:cNvPicPr>
+          <p:nvPr/>
+        </p:nvPicPr>
+        <p:blipFill>
+          <a:blip r:embed="rId3"/>
+          <a:stretch>
+            <a:fillRect/>
+          </a:stretch>
+        </p:blipFill>
+        <p:spPr>
+          <a:xfrm>
+            <a:off x="6466554" y="1697884"/>
+            <a:ext cx="3917471" cy="3534088"/>
+          </a:xfrm>
+          <a:prstGeom prst="rect">
+            <a:avLst/>
+          </a:prstGeom>
+        </p:spPr>
+      </p:pic>
+      <p:sp>
+        <p:nvSpPr>
+          <p:cNvPr id="6" name="타원 5">
+            <a:extLst>
+              <a:ext uri="{FF2B5EF4-FFF2-40B4-BE49-F238E27FC236}">
+                <a16:creationId xmlns:a16="http://schemas.microsoft.com/office/drawing/2014/main" id="{12DB89CA-F985-2D78-C4B4-867A9ECD9C4B}"/>
+              </a:ext>
+            </a:extLst>
+          </p:cNvPr>
+          <p:cNvSpPr/>
+          <p:nvPr/>
+        </p:nvSpPr>
+        <p:spPr>
+          <a:xfrm>
+            <a:off x="4437529" y="4303059"/>
+            <a:ext cx="1219200" cy="1219200"/>
+          </a:xfrm>
+          <a:prstGeom prst="ellipse">
+            <a:avLst/>
+          </a:prstGeom>
+          <a:noFill/>
+          <a:ln w="38100">
+            <a:solidFill>
+              <a:schemeClr val="accent1"/>
+            </a:solidFill>
+            <a:prstDash val="dash"/>
+          </a:ln>
+        </p:spPr>
+        <p:style>
+          <a:lnRef idx="2">
+            <a:schemeClr val="accent1">
+              <a:shade val="50000"/>
+            </a:schemeClr>
+          </a:lnRef>
+          <a:fillRef idx="1">
+            <a:schemeClr val="accent1"/>
+          </a:fillRef>
+          <a:effectRef idx="0">
+            <a:schemeClr val="accent1"/>
+          </a:effectRef>
+          <a:fontRef idx="minor">
+            <a:schemeClr val="lt1"/>
+          </a:fontRef>
+        </p:style>
+        <p:txBody>
+          <a:bodyPr rtlCol="0" anchor="ctr"/>
+          <a:lstStyle/>
+          <a:p>
+            <a:pPr algn="ctr"/>
+            <a:endParaRPr lang="en-US"/>
+          </a:p>
+        </p:txBody>
+      </p:sp>
+      <p:sp>
+        <p:nvSpPr>
+          <p:cNvPr id="7" name="타원 6">
+            <a:extLst>
+              <a:ext uri="{FF2B5EF4-FFF2-40B4-BE49-F238E27FC236}">
+                <a16:creationId xmlns:a16="http://schemas.microsoft.com/office/drawing/2014/main" id="{67A6AEAA-A22D-3293-6128-8E5A72C0CC14}"/>
+              </a:ext>
+            </a:extLst>
+          </p:cNvPr>
+          <p:cNvSpPr/>
+          <p:nvPr/>
+        </p:nvSpPr>
+        <p:spPr>
+          <a:xfrm>
+            <a:off x="9245507" y="4303059"/>
+            <a:ext cx="1219200" cy="1219200"/>
+          </a:xfrm>
+          <a:prstGeom prst="ellipse">
+            <a:avLst/>
+          </a:prstGeom>
+          <a:noFill/>
+          <a:ln w="38100">
+            <a:solidFill>
+              <a:schemeClr val="accent1"/>
+            </a:solidFill>
+            <a:prstDash val="dash"/>
+          </a:ln>
+        </p:spPr>
+        <p:style>
+          <a:lnRef idx="2">
+            <a:schemeClr val="accent1">
+              <a:shade val="50000"/>
+            </a:schemeClr>
+          </a:lnRef>
+          <a:fillRef idx="1">
+            <a:schemeClr val="accent1"/>
+          </a:fillRef>
+          <a:effectRef idx="0">
+            <a:schemeClr val="accent1"/>
+          </a:effectRef>
+          <a:fontRef idx="minor">
+            <a:schemeClr val="lt1"/>
+          </a:fontRef>
+        </p:style>
+        <p:txBody>
+          <a:bodyPr rtlCol="0" anchor="ctr"/>
+          <a:lstStyle/>
+          <a:p>
+            <a:pPr algn="ctr"/>
+            <a:endParaRPr lang="en-US"/>
+          </a:p>
+        </p:txBody>
+      </p:sp>
+    </p:spTree>
+    <p:extLst>
+      <p:ext uri="{BB962C8B-B14F-4D97-AF65-F5344CB8AC3E}">
+        <p14:creationId xmlns:p14="http://schemas.microsoft.com/office/powerpoint/2010/main" val="802828591"/>
+      </p:ext>
+    </p:extLst>
+  </p:cSld>
+  <p:clrMapOvr>
+    <a:masterClrMapping/>
+  </p:clrMapOvr>
+</p:sld>
+</file>
+
+<file path=ppt/slides/slide12.xml><?xml version="1.0" encoding="utf-8"?>
+<p:sld xmlns:a="http://schemas.openxmlformats.org/drawingml/2006/main" xmlns:r="http://schemas.openxmlformats.org/officeDocument/2006/relationships" xmlns:p="http://schemas.openxmlformats.org/presentationml/2006/main">
+  <p:cSld>
+    <p:spTree>
+      <p:nvGrpSpPr>
+        <p:cNvPr id="1" name=""/>
+        <p:cNvGrpSpPr/>
+        <p:nvPr/>
+      </p:nvGrpSpPr>
+      <p:grpSpPr>
+        <a:xfrm>
+          <a:off x="0" y="0"/>
+          <a:ext cx="0" cy="0"/>
+          <a:chOff x="0" y="0"/>
+          <a:chExt cx="0" cy="0"/>
+        </a:xfrm>
+      </p:grpSpPr>
       <p:sp>
         <p:nvSpPr>
           <p:cNvPr id="2" name="TextBox 1">
@@ -3767,7 +4205,7 @@
 </p:sld>
 </file>
 
-<file path=ppt/slides/slide11.xml><?xml version="1.0" encoding="utf-8"?>
+<file path=ppt/slides/slide13.xml><?xml version="1.0" encoding="utf-8"?>
 <p:sld xmlns:a="http://schemas.openxmlformats.org/drawingml/2006/main" xmlns:r="http://schemas.openxmlformats.org/officeDocument/2006/relationships" xmlns:p="http://schemas.openxmlformats.org/presentationml/2006/main">
   <p:cSld>
     <p:spTree>
@@ -4085,197 +4523,7 @@
 </p:sld>
 </file>
 
-<file path=ppt/slides/slide12.xml><?xml version="1.0" encoding="utf-8"?>
-<p:sld xmlns:a="http://schemas.openxmlformats.org/drawingml/2006/main" xmlns:r="http://schemas.openxmlformats.org/officeDocument/2006/relationships" xmlns:p="http://schemas.openxmlformats.org/presentationml/2006/main">
-  <p:cSld>
-    <p:spTree>
-      <p:nvGrpSpPr>
-        <p:cNvPr id="1" name=""/>
-        <p:cNvGrpSpPr/>
-        <p:nvPr/>
-      </p:nvGrpSpPr>
-      <p:grpSpPr>
-        <a:xfrm>
-          <a:off x="0" y="0"/>
-          <a:ext cx="0" cy="0"/>
-          <a:chOff x="0" y="0"/>
-          <a:chExt cx="0" cy="0"/>
-        </a:xfrm>
-      </p:grpSpPr>
-      <p:grpSp>
-        <p:nvGrpSpPr>
-          <p:cNvPr id="6" name="그룹 5">
-            <a:extLst>
-              <a:ext uri="{FF2B5EF4-FFF2-40B4-BE49-F238E27FC236}">
-                <a16:creationId xmlns:a16="http://schemas.microsoft.com/office/drawing/2014/main" id="{E3F23010-75B8-800A-3D39-FB29E5F5C627}"/>
-              </a:ext>
-            </a:extLst>
-          </p:cNvPr>
-          <p:cNvGrpSpPr/>
-          <p:nvPr/>
-        </p:nvGrpSpPr>
-        <p:grpSpPr>
-          <a:xfrm>
-            <a:off x="1600427" y="1502149"/>
-            <a:ext cx="9004820" cy="3853702"/>
-            <a:chOff x="461456" y="1014714"/>
-            <a:chExt cx="11282762" cy="4828571"/>
-          </a:xfrm>
-        </p:grpSpPr>
-        <p:pic>
-          <p:nvPicPr>
-            <p:cNvPr id="3" name="그림 2">
-              <a:extLst>
-                <a:ext uri="{FF2B5EF4-FFF2-40B4-BE49-F238E27FC236}">
-                  <a16:creationId xmlns:a16="http://schemas.microsoft.com/office/drawing/2014/main" id="{3ED50D3B-072D-3026-AB64-DDED33282F53}"/>
-                </a:ext>
-              </a:extLst>
-            </p:cNvPr>
-            <p:cNvPicPr>
-              <a:picLocks noChangeAspect="1"/>
-            </p:cNvPicPr>
-            <p:nvPr/>
-          </p:nvPicPr>
-          <p:blipFill>
-            <a:blip r:embed="rId2"/>
-            <a:stretch>
-              <a:fillRect/>
-            </a:stretch>
-          </p:blipFill>
-          <p:spPr>
-            <a:xfrm>
-              <a:off x="461456" y="1014714"/>
-              <a:ext cx="5352381" cy="4828571"/>
-            </a:xfrm>
-            <a:prstGeom prst="rect">
-              <a:avLst/>
-            </a:prstGeom>
-          </p:spPr>
-        </p:pic>
-        <p:pic>
-          <p:nvPicPr>
-            <p:cNvPr id="5" name="그림 4">
-              <a:extLst>
-                <a:ext uri="{FF2B5EF4-FFF2-40B4-BE49-F238E27FC236}">
-                  <a16:creationId xmlns:a16="http://schemas.microsoft.com/office/drawing/2014/main" id="{FE17C70C-D3FF-5287-F3A6-E41F4D89CEF9}"/>
-                </a:ext>
-              </a:extLst>
-            </p:cNvPr>
-            <p:cNvPicPr>
-              <a:picLocks noChangeAspect="1"/>
-            </p:cNvPicPr>
-            <p:nvPr/>
-          </p:nvPicPr>
-          <p:blipFill>
-            <a:blip r:embed="rId3"/>
-            <a:stretch>
-              <a:fillRect/>
-            </a:stretch>
-          </p:blipFill>
-          <p:spPr>
-            <a:xfrm>
-              <a:off x="6391837" y="1014714"/>
-              <a:ext cx="5352381" cy="4828571"/>
-            </a:xfrm>
-            <a:prstGeom prst="rect">
-              <a:avLst/>
-            </a:prstGeom>
-          </p:spPr>
-        </p:pic>
-      </p:grpSp>
-      <p:sp>
-        <p:nvSpPr>
-          <p:cNvPr id="7" name="TextBox 6">
-            <a:extLst>
-              <a:ext uri="{FF2B5EF4-FFF2-40B4-BE49-F238E27FC236}">
-                <a16:creationId xmlns:a16="http://schemas.microsoft.com/office/drawing/2014/main" id="{F50566C8-C131-4DC3-A3DE-2690C1AD79CB}"/>
-              </a:ext>
-            </a:extLst>
-          </p:cNvPr>
-          <p:cNvSpPr txBox="1"/>
-          <p:nvPr/>
-        </p:nvSpPr>
-        <p:spPr>
-          <a:xfrm>
-            <a:off x="3001970" y="917374"/>
-            <a:ext cx="1468672" cy="584775"/>
-          </a:xfrm>
-          <a:prstGeom prst="rect">
-            <a:avLst/>
-          </a:prstGeom>
-          <a:noFill/>
-        </p:spPr>
-        <p:txBody>
-          <a:bodyPr wrap="none" rtlCol="0">
-            <a:spAutoFit/>
-          </a:bodyPr>
-          <a:lstStyle/>
-          <a:p>
-            <a:pPr algn="ctr"/>
-            <a:r>
-              <a:rPr lang="en-US" sz="3200" dirty="0"/>
-              <a:t>grid on;</a:t>
-            </a:r>
-          </a:p>
-        </p:txBody>
-      </p:sp>
-      <p:sp>
-        <p:nvSpPr>
-          <p:cNvPr id="8" name="TextBox 7">
-            <a:extLst>
-              <a:ext uri="{FF2B5EF4-FFF2-40B4-BE49-F238E27FC236}">
-                <a16:creationId xmlns:a16="http://schemas.microsoft.com/office/drawing/2014/main" id="{6CE7E7ED-8F0E-E2A2-95EE-A7BD07265799}"/>
-              </a:ext>
-            </a:extLst>
-          </p:cNvPr>
-          <p:cNvSpPr txBox="1"/>
-          <p:nvPr/>
-        </p:nvSpPr>
-        <p:spPr>
-          <a:xfrm>
-            <a:off x="7452103" y="463764"/>
-            <a:ext cx="2034532" cy="1077218"/>
-          </a:xfrm>
-          <a:prstGeom prst="rect">
-            <a:avLst/>
-          </a:prstGeom>
-          <a:noFill/>
-        </p:spPr>
-        <p:txBody>
-          <a:bodyPr wrap="none" rtlCol="0">
-            <a:spAutoFit/>
-          </a:bodyPr>
-          <a:lstStyle/>
-          <a:p>
-            <a:pPr algn="ctr"/>
-            <a:r>
-              <a:rPr lang="en-US" sz="3200" dirty="0"/>
-              <a:t>grid on;</a:t>
-            </a:r>
-          </a:p>
-          <a:p>
-            <a:pPr algn="ctr"/>
-            <a:r>
-              <a:rPr lang="en-US" sz="3200" dirty="0"/>
-              <a:t>grid minor;</a:t>
-            </a:r>
-          </a:p>
-        </p:txBody>
-      </p:sp>
-    </p:spTree>
-    <p:extLst>
-      <p:ext uri="{BB962C8B-B14F-4D97-AF65-F5344CB8AC3E}">
-        <p14:creationId xmlns:p14="http://schemas.microsoft.com/office/powerpoint/2010/main" val="435856128"/>
-      </p:ext>
-    </p:extLst>
-  </p:cSld>
-  <p:clrMapOvr>
-    <a:masterClrMapping/>
-  </p:clrMapOvr>
-</p:sld>
-</file>
-
-<file path=ppt/slides/slide13.xml><?xml version="1.0" encoding="utf-8"?>
+<file path=ppt/slides/slide14.xml><?xml version="1.0" encoding="utf-8"?>
 <p:sld xmlns:a="http://schemas.openxmlformats.org/drawingml/2006/main" xmlns:r="http://schemas.openxmlformats.org/officeDocument/2006/relationships" xmlns:p="http://schemas.openxmlformats.org/presentationml/2006/main">
   <p:cSld>
     <p:spTree>
@@ -5094,7 +5342,7 @@
 </p:sld>
 </file>
 
-<file path=ppt/slides/slide14.xml><?xml version="1.0" encoding="utf-8"?>
+<file path=ppt/slides/slide15.xml><?xml version="1.0" encoding="utf-8"?>
 <p:sld xmlns:a="http://schemas.openxmlformats.org/drawingml/2006/main" xmlns:r="http://schemas.openxmlformats.org/officeDocument/2006/relationships" xmlns:p="http://schemas.openxmlformats.org/presentationml/2006/main">
   <p:cSld>
     <p:spTree>
@@ -5382,66 +5630,6 @@
     <p:extLst>
       <p:ext uri="{BB962C8B-B14F-4D97-AF65-F5344CB8AC3E}">
         <p14:creationId xmlns:p14="http://schemas.microsoft.com/office/powerpoint/2010/main" val="825787000"/>
-      </p:ext>
-    </p:extLst>
-  </p:cSld>
-  <p:clrMapOvr>
-    <a:masterClrMapping/>
-  </p:clrMapOvr>
-</p:sld>
-</file>
-
-<file path=ppt/slides/slide15.xml><?xml version="1.0" encoding="utf-8"?>
-<p:sld xmlns:a="http://schemas.openxmlformats.org/drawingml/2006/main" xmlns:r="http://schemas.openxmlformats.org/officeDocument/2006/relationships" xmlns:p="http://schemas.openxmlformats.org/presentationml/2006/main">
-  <p:cSld>
-    <p:spTree>
-      <p:nvGrpSpPr>
-        <p:cNvPr id="1" name=""/>
-        <p:cNvGrpSpPr/>
-        <p:nvPr/>
-      </p:nvGrpSpPr>
-      <p:grpSpPr>
-        <a:xfrm>
-          <a:off x="0" y="0"/>
-          <a:ext cx="0" cy="0"/>
-          <a:chOff x="0" y="0"/>
-          <a:chExt cx="0" cy="0"/>
-        </a:xfrm>
-      </p:grpSpPr>
-      <p:pic>
-        <p:nvPicPr>
-          <p:cNvPr id="3" name="그림 2">
-            <a:extLst>
-              <a:ext uri="{FF2B5EF4-FFF2-40B4-BE49-F238E27FC236}">
-                <a16:creationId xmlns:a16="http://schemas.microsoft.com/office/drawing/2014/main" id="{A12D644C-B28A-F7AF-2A6D-C1C72A9DE3DF}"/>
-              </a:ext>
-            </a:extLst>
-          </p:cNvPr>
-          <p:cNvPicPr>
-            <a:picLocks noChangeAspect="1"/>
-          </p:cNvPicPr>
-          <p:nvPr/>
-        </p:nvPicPr>
-        <p:blipFill>
-          <a:blip r:embed="rId2"/>
-          <a:stretch>
-            <a:fillRect/>
-          </a:stretch>
-        </p:blipFill>
-        <p:spPr>
-          <a:xfrm>
-            <a:off x="3429000" y="1428750"/>
-            <a:ext cx="5334000" cy="4000500"/>
-          </a:xfrm>
-          <a:prstGeom prst="rect">
-            <a:avLst/>
-          </a:prstGeom>
-        </p:spPr>
-      </p:pic>
-    </p:spTree>
-    <p:extLst>
-      <p:ext uri="{BB962C8B-B14F-4D97-AF65-F5344CB8AC3E}">
-        <p14:creationId xmlns:p14="http://schemas.microsoft.com/office/powerpoint/2010/main" val="1309166168"/>
       </p:ext>
     </p:extLst>
   </p:cSld>
@@ -5473,7 +5661,7 @@
           <p:cNvPr id="3" name="그림 2">
             <a:extLst>
               <a:ext uri="{FF2B5EF4-FFF2-40B4-BE49-F238E27FC236}">
-                <a16:creationId xmlns:a16="http://schemas.microsoft.com/office/drawing/2014/main" id="{577F5127-D3D2-7F74-8CEA-42F45F2608E9}"/>
+                <a16:creationId xmlns:a16="http://schemas.microsoft.com/office/drawing/2014/main" id="{A12D644C-B28A-F7AF-2A6D-C1C72A9DE3DF}"/>
               </a:ext>
             </a:extLst>
           </p:cNvPr>
@@ -5490,255 +5678,18 @@
         </p:blipFill>
         <p:spPr>
           <a:xfrm>
-            <a:off x="2110962" y="1794842"/>
-            <a:ext cx="3622868" cy="3268316"/>
+            <a:off x="3429000" y="1428750"/>
+            <a:ext cx="5334000" cy="4000500"/>
           </a:xfrm>
           <a:prstGeom prst="rect">
             <a:avLst/>
           </a:prstGeom>
         </p:spPr>
       </p:pic>
-      <p:pic>
-        <p:nvPicPr>
-          <p:cNvPr id="5" name="그림 4">
-            <a:extLst>
-              <a:ext uri="{FF2B5EF4-FFF2-40B4-BE49-F238E27FC236}">
-                <a16:creationId xmlns:a16="http://schemas.microsoft.com/office/drawing/2014/main" id="{3FD76249-4E02-7129-2A5D-6ED5C54995C9}"/>
-              </a:ext>
-            </a:extLst>
-          </p:cNvPr>
-          <p:cNvPicPr>
-            <a:picLocks noChangeAspect="1"/>
-          </p:cNvPicPr>
-          <p:nvPr/>
-        </p:nvPicPr>
-        <p:blipFill>
-          <a:blip r:embed="rId3"/>
-          <a:stretch>
-            <a:fillRect/>
-          </a:stretch>
-        </p:blipFill>
-        <p:spPr>
-          <a:xfrm>
-            <a:off x="6614826" y="1794842"/>
-            <a:ext cx="3622868" cy="3268316"/>
-          </a:xfrm>
-          <a:prstGeom prst="rect">
-            <a:avLst/>
-          </a:prstGeom>
-        </p:spPr>
-      </p:pic>
-      <p:sp>
-        <p:nvSpPr>
-          <p:cNvPr id="8" name="TextBox 7">
-            <a:extLst>
-              <a:ext uri="{FF2B5EF4-FFF2-40B4-BE49-F238E27FC236}">
-                <a16:creationId xmlns:a16="http://schemas.microsoft.com/office/drawing/2014/main" id="{63AC7FD8-F9F2-3BF3-74A7-8593C2BAC36F}"/>
-              </a:ext>
-            </a:extLst>
-          </p:cNvPr>
-          <p:cNvSpPr txBox="1"/>
-          <p:nvPr/>
-        </p:nvSpPr>
-        <p:spPr>
-          <a:xfrm>
-            <a:off x="7530598" y="1210067"/>
-            <a:ext cx="1791324" cy="584775"/>
-          </a:xfrm>
-          <a:prstGeom prst="rect">
-            <a:avLst/>
-          </a:prstGeom>
-          <a:noFill/>
-        </p:spPr>
-        <p:txBody>
-          <a:bodyPr wrap="none" rtlCol="0">
-            <a:spAutoFit/>
-          </a:bodyPr>
-          <a:lstStyle/>
-          <a:p>
-            <a:pPr algn="ctr"/>
-            <a:r>
-              <a:rPr lang="en-US" sz="3200" dirty="0"/>
-              <a:t>axis </a:t>
-            </a:r>
-            <a:r>
-              <a:rPr lang="en-US" sz="3200" dirty="0">
-                <a:solidFill>
-                  <a:srgbClr val="CB68F9"/>
-                </a:solidFill>
-              </a:rPr>
-              <a:t>tight</a:t>
-            </a:r>
-            <a:r>
-              <a:rPr lang="en-US" sz="3200" dirty="0"/>
-              <a:t>;</a:t>
-            </a:r>
-          </a:p>
-        </p:txBody>
-      </p:sp>
-      <p:sp>
-        <p:nvSpPr>
-          <p:cNvPr id="11" name="타원 10">
-            <a:extLst>
-              <a:ext uri="{FF2B5EF4-FFF2-40B4-BE49-F238E27FC236}">
-                <a16:creationId xmlns:a16="http://schemas.microsoft.com/office/drawing/2014/main" id="{DE214EA5-B473-1E19-9121-82654556B363}"/>
-              </a:ext>
-            </a:extLst>
-          </p:cNvPr>
-          <p:cNvSpPr/>
-          <p:nvPr/>
-        </p:nvSpPr>
-        <p:spPr>
-          <a:xfrm>
-            <a:off x="4867835" y="3307976"/>
-            <a:ext cx="749454" cy="749454"/>
-          </a:xfrm>
-          <a:prstGeom prst="ellipse">
-            <a:avLst/>
-          </a:prstGeom>
-          <a:noFill/>
-          <a:ln w="28575">
-            <a:solidFill>
-              <a:srgbClr val="FF0000"/>
-            </a:solidFill>
-            <a:prstDash val="sysDot"/>
-          </a:ln>
-        </p:spPr>
-        <p:style>
-          <a:lnRef idx="2">
-            <a:schemeClr val="accent1">
-              <a:shade val="50000"/>
-            </a:schemeClr>
-          </a:lnRef>
-          <a:fillRef idx="1">
-            <a:schemeClr val="accent1"/>
-          </a:fillRef>
-          <a:effectRef idx="0">
-            <a:schemeClr val="accent1"/>
-          </a:effectRef>
-          <a:fontRef idx="minor">
-            <a:schemeClr val="lt1"/>
-          </a:fontRef>
-        </p:style>
-        <p:txBody>
-          <a:bodyPr rtlCol="0" anchor="ctr"/>
-          <a:lstStyle/>
-          <a:p>
-            <a:pPr algn="ctr"/>
-            <a:endParaRPr lang="en-US"/>
-          </a:p>
-        </p:txBody>
-      </p:sp>
-      <p:sp>
-        <p:nvSpPr>
-          <p:cNvPr id="12" name="타원 11">
-            <a:extLst>
-              <a:ext uri="{FF2B5EF4-FFF2-40B4-BE49-F238E27FC236}">
-                <a16:creationId xmlns:a16="http://schemas.microsoft.com/office/drawing/2014/main" id="{50FE5134-F835-C504-CB5C-A9A3AB6DD911}"/>
-              </a:ext>
-            </a:extLst>
-          </p:cNvPr>
-          <p:cNvSpPr/>
-          <p:nvPr/>
-        </p:nvSpPr>
-        <p:spPr>
-          <a:xfrm>
-            <a:off x="2110962" y="2304819"/>
-            <a:ext cx="749454" cy="749454"/>
-          </a:xfrm>
-          <a:prstGeom prst="ellipse">
-            <a:avLst/>
-          </a:prstGeom>
-          <a:noFill/>
-          <a:ln w="28575">
-            <a:solidFill>
-              <a:srgbClr val="FF0000"/>
-            </a:solidFill>
-            <a:prstDash val="sysDot"/>
-          </a:ln>
-        </p:spPr>
-        <p:style>
-          <a:lnRef idx="2">
-            <a:schemeClr val="accent1">
-              <a:shade val="50000"/>
-            </a:schemeClr>
-          </a:lnRef>
-          <a:fillRef idx="1">
-            <a:schemeClr val="accent1"/>
-          </a:fillRef>
-          <a:effectRef idx="0">
-            <a:schemeClr val="accent1"/>
-          </a:effectRef>
-          <a:fontRef idx="minor">
-            <a:schemeClr val="lt1"/>
-          </a:fontRef>
-        </p:style>
-        <p:txBody>
-          <a:bodyPr rtlCol="0" anchor="ctr"/>
-          <a:lstStyle/>
-          <a:p>
-            <a:pPr algn="ctr"/>
-            <a:endParaRPr lang="en-US"/>
-          </a:p>
-        </p:txBody>
-      </p:sp>
-      <p:sp>
-        <p:nvSpPr>
-          <p:cNvPr id="13" name="타원 12">
-            <a:extLst>
-              <a:ext uri="{FF2B5EF4-FFF2-40B4-BE49-F238E27FC236}">
-                <a16:creationId xmlns:a16="http://schemas.microsoft.com/office/drawing/2014/main" id="{BAEADD75-1DCD-33D1-C8DD-F0D7AA33E93A}"/>
-              </a:ext>
-            </a:extLst>
-          </p:cNvPr>
-          <p:cNvSpPr/>
-          <p:nvPr/>
-        </p:nvSpPr>
-        <p:spPr>
-          <a:xfrm>
-            <a:off x="2110962" y="4313704"/>
-            <a:ext cx="749454" cy="749454"/>
-          </a:xfrm>
-          <a:prstGeom prst="ellipse">
-            <a:avLst/>
-          </a:prstGeom>
-          <a:noFill/>
-          <a:ln w="28575">
-            <a:solidFill>
-              <a:srgbClr val="FF0000"/>
-            </a:solidFill>
-            <a:prstDash val="sysDot"/>
-          </a:ln>
-        </p:spPr>
-        <p:style>
-          <a:lnRef idx="2">
-            <a:schemeClr val="accent1">
-              <a:shade val="50000"/>
-            </a:schemeClr>
-          </a:lnRef>
-          <a:fillRef idx="1">
-            <a:schemeClr val="accent1"/>
-          </a:fillRef>
-          <a:effectRef idx="0">
-            <a:schemeClr val="accent1"/>
-          </a:effectRef>
-          <a:fontRef idx="minor">
-            <a:schemeClr val="lt1"/>
-          </a:fontRef>
-        </p:style>
-        <p:txBody>
-          <a:bodyPr rtlCol="0" anchor="ctr"/>
-          <a:lstStyle/>
-          <a:p>
-            <a:pPr algn="ctr"/>
-            <a:endParaRPr lang="en-US"/>
-          </a:p>
-        </p:txBody>
-      </p:sp>
     </p:spTree>
     <p:extLst>
       <p:ext uri="{BB962C8B-B14F-4D97-AF65-F5344CB8AC3E}">
-        <p14:creationId xmlns:p14="http://schemas.microsoft.com/office/powerpoint/2010/main" val="936745486"/>
+        <p14:creationId xmlns:p14="http://schemas.microsoft.com/office/powerpoint/2010/main" val="1309166168"/>
       </p:ext>
     </p:extLst>
   </p:cSld>
@@ -5765,118 +5716,91 @@
           <a:chExt cx="0" cy="0"/>
         </a:xfrm>
       </p:grpSpPr>
-      <p:sp>
-        <p:nvSpPr>
-          <p:cNvPr id="6" name="TextBox 5">
-            <a:extLst>
-              <a:ext uri="{FF2B5EF4-FFF2-40B4-BE49-F238E27FC236}">
-                <a16:creationId xmlns:a16="http://schemas.microsoft.com/office/drawing/2014/main" id="{B3CF5386-EF7B-A4AF-7D68-20A9EEA3B3C3}"/>
-              </a:ext>
-            </a:extLst>
-          </p:cNvPr>
-          <p:cNvSpPr txBox="1"/>
+      <p:grpSp>
+        <p:nvGrpSpPr>
+          <p:cNvPr id="8" name="Group 7">
+            <a:extLst>
+              <a:ext uri="{FF2B5EF4-FFF2-40B4-BE49-F238E27FC236}">
+                <a16:creationId xmlns:a16="http://schemas.microsoft.com/office/drawing/2014/main" id="{6F02D73D-A6BD-9099-9DB0-6A2BFF795572}"/>
+              </a:ext>
+            </a:extLst>
+          </p:cNvPr>
+          <p:cNvGrpSpPr/>
           <p:nvPr/>
-        </p:nvSpPr>
-        <p:spPr>
+        </p:nvGrpSpPr>
+        <p:grpSpPr>
           <a:xfrm>
-            <a:off x="7454968" y="1210067"/>
-            <a:ext cx="1942583" cy="584775"/>
-          </a:xfrm>
-          <a:prstGeom prst="rect">
-            <a:avLst/>
-          </a:prstGeom>
-          <a:noFill/>
-        </p:spPr>
-        <p:txBody>
-          <a:bodyPr wrap="none" rtlCol="0">
-            <a:spAutoFit/>
-          </a:bodyPr>
-          <a:lstStyle/>
-          <a:p>
-            <a:pPr algn="ctr"/>
-            <a:r>
-              <a:rPr lang="en-US" sz="3200" dirty="0"/>
-              <a:t>axis </a:t>
-            </a:r>
-            <a:r>
-              <a:rPr lang="en-US" sz="3200" dirty="0">
-                <a:solidFill>
-                  <a:srgbClr val="CB68F9"/>
-                </a:solidFill>
-              </a:rPr>
-              <a:t>equal</a:t>
-            </a:r>
-            <a:r>
-              <a:rPr lang="en-US" sz="3200" dirty="0"/>
-              <a:t>;</a:t>
-            </a:r>
-          </a:p>
-        </p:txBody>
-      </p:sp>
-      <p:pic>
-        <p:nvPicPr>
-          <p:cNvPr id="7" name="그림 6">
-            <a:extLst>
-              <a:ext uri="{FF2B5EF4-FFF2-40B4-BE49-F238E27FC236}">
-                <a16:creationId xmlns:a16="http://schemas.microsoft.com/office/drawing/2014/main" id="{7E5CE028-5FD5-F84D-8A8C-82501195AE1D}"/>
-              </a:ext>
-            </a:extLst>
-          </p:cNvPr>
-          <p:cNvPicPr>
-            <a:picLocks noChangeAspect="1"/>
-          </p:cNvPicPr>
-          <p:nvPr/>
-        </p:nvPicPr>
-        <p:blipFill>
-          <a:blip r:embed="rId2"/>
-          <a:stretch>
-            <a:fillRect/>
-          </a:stretch>
-        </p:blipFill>
-        <p:spPr>
-          <a:xfrm>
-            <a:off x="2110962" y="1794842"/>
-            <a:ext cx="3622868" cy="3268316"/>
-          </a:xfrm>
-          <a:prstGeom prst="rect">
-            <a:avLst/>
-          </a:prstGeom>
-        </p:spPr>
-      </p:pic>
-      <p:pic>
-        <p:nvPicPr>
-          <p:cNvPr id="8" name="그림 7">
-            <a:extLst>
-              <a:ext uri="{FF2B5EF4-FFF2-40B4-BE49-F238E27FC236}">
-                <a16:creationId xmlns:a16="http://schemas.microsoft.com/office/drawing/2014/main" id="{32C6E9E3-29BD-5E11-F79F-F2EDB1CDD407}"/>
-              </a:ext>
-            </a:extLst>
-          </p:cNvPr>
-          <p:cNvPicPr>
-            <a:picLocks noChangeAspect="1"/>
-          </p:cNvPicPr>
-          <p:nvPr/>
-        </p:nvPicPr>
-        <p:blipFill>
-          <a:blip r:embed="rId3"/>
-          <a:stretch>
-            <a:fillRect/>
-          </a:stretch>
-        </p:blipFill>
-        <p:spPr>
-          <a:xfrm>
-            <a:off x="6614826" y="1794842"/>
-            <a:ext cx="3622868" cy="3268316"/>
-          </a:xfrm>
-          <a:prstGeom prst="rect">
-            <a:avLst/>
-          </a:prstGeom>
-        </p:spPr>
-      </p:pic>
+            <a:off x="2010834" y="1476417"/>
+            <a:ext cx="8826500" cy="3431032"/>
+            <a:chOff x="2647950" y="595312"/>
+            <a:chExt cx="14579600" cy="5667375"/>
+          </a:xfrm>
+        </p:grpSpPr>
+        <p:pic>
+          <p:nvPicPr>
+            <p:cNvPr id="5" name="Picture 4">
+              <a:extLst>
+                <a:ext uri="{FF2B5EF4-FFF2-40B4-BE49-F238E27FC236}">
+                  <a16:creationId xmlns:a16="http://schemas.microsoft.com/office/drawing/2014/main" id="{D3DD756B-DCC0-525C-D0B9-BCD5BAED9E14}"/>
+                </a:ext>
+              </a:extLst>
+            </p:cNvPr>
+            <p:cNvPicPr>
+              <a:picLocks noChangeAspect="1"/>
+            </p:cNvPicPr>
+            <p:nvPr/>
+          </p:nvPicPr>
+          <p:blipFill>
+            <a:blip r:embed="rId2"/>
+            <a:stretch>
+              <a:fillRect/>
+            </a:stretch>
+          </p:blipFill>
+          <p:spPr>
+            <a:xfrm>
+              <a:off x="2647950" y="595312"/>
+              <a:ext cx="6896100" cy="5667375"/>
+            </a:xfrm>
+            <a:prstGeom prst="rect">
+              <a:avLst/>
+            </a:prstGeom>
+          </p:spPr>
+        </p:pic>
+        <p:pic>
+          <p:nvPicPr>
+            <p:cNvPr id="7" name="Picture 6">
+              <a:extLst>
+                <a:ext uri="{FF2B5EF4-FFF2-40B4-BE49-F238E27FC236}">
+                  <a16:creationId xmlns:a16="http://schemas.microsoft.com/office/drawing/2014/main" id="{EB021E66-462C-0BC9-A3D4-FA50E3CBD799}"/>
+                </a:ext>
+              </a:extLst>
+            </p:cNvPr>
+            <p:cNvPicPr>
+              <a:picLocks noChangeAspect="1"/>
+            </p:cNvPicPr>
+            <p:nvPr/>
+          </p:nvPicPr>
+          <p:blipFill>
+            <a:blip r:embed="rId3"/>
+            <a:stretch>
+              <a:fillRect/>
+            </a:stretch>
+          </p:blipFill>
+          <p:spPr>
+            <a:xfrm>
+              <a:off x="10331450" y="595312"/>
+              <a:ext cx="6896100" cy="5667375"/>
+            </a:xfrm>
+            <a:prstGeom prst="rect">
+              <a:avLst/>
+            </a:prstGeom>
+          </p:spPr>
+        </p:pic>
+      </p:grpSp>
     </p:spTree>
     <p:extLst>
       <p:ext uri="{BB962C8B-B14F-4D97-AF65-F5344CB8AC3E}">
-        <p14:creationId xmlns:p14="http://schemas.microsoft.com/office/powerpoint/2010/main" val="216883250"/>
+        <p14:creationId xmlns:p14="http://schemas.microsoft.com/office/powerpoint/2010/main" val="4013866048"/>
       </p:ext>
     </p:extLst>
   </p:cSld>
@@ -5905,10 +5829,10 @@
       </p:grpSpPr>
       <p:pic>
         <p:nvPicPr>
-          <p:cNvPr id="3" name="그림 2">
-            <a:extLst>
-              <a:ext uri="{FF2B5EF4-FFF2-40B4-BE49-F238E27FC236}">
-                <a16:creationId xmlns:a16="http://schemas.microsoft.com/office/drawing/2014/main" id="{2128F9ED-3F43-0FAF-CDC4-A67D18F14F72}"/>
+          <p:cNvPr id="9" name="Picture 8">
+            <a:extLst>
+              <a:ext uri="{FF2B5EF4-FFF2-40B4-BE49-F238E27FC236}">
+                <a16:creationId xmlns:a16="http://schemas.microsoft.com/office/drawing/2014/main" id="{C2C5464E-67E8-B1C3-A98C-96ACCE8A20D3}"/>
               </a:ext>
             </a:extLst>
           </p:cNvPr>
@@ -5925,8 +5849,8 @@
         </p:blipFill>
         <p:spPr>
           <a:xfrm>
-            <a:off x="2124634" y="1752848"/>
-            <a:ext cx="3450386" cy="3112714"/>
+            <a:off x="2171701" y="1479023"/>
+            <a:ext cx="4212068" cy="3428426"/>
           </a:xfrm>
           <a:prstGeom prst="rect">
             <a:avLst/>
@@ -5935,10 +5859,10 @@
       </p:pic>
       <p:pic>
         <p:nvPicPr>
-          <p:cNvPr id="5" name="그림 4">
-            <a:extLst>
-              <a:ext uri="{FF2B5EF4-FFF2-40B4-BE49-F238E27FC236}">
-                <a16:creationId xmlns:a16="http://schemas.microsoft.com/office/drawing/2014/main" id="{2C8B7A89-8BFC-9B70-3F40-D57DF8D42BD5}"/>
+          <p:cNvPr id="10" name="Picture 9">
+            <a:extLst>
+              <a:ext uri="{FF2B5EF4-FFF2-40B4-BE49-F238E27FC236}">
+                <a16:creationId xmlns:a16="http://schemas.microsoft.com/office/drawing/2014/main" id="{0BD2692E-4CD5-153D-6EFF-2A90673DD791}"/>
               </a:ext>
             </a:extLst>
           </p:cNvPr>
@@ -5955,8 +5879,8 @@
         </p:blipFill>
         <p:spPr>
           <a:xfrm>
-            <a:off x="6616980" y="1752848"/>
-            <a:ext cx="3450386" cy="3112714"/>
+            <a:off x="6773236" y="1479023"/>
+            <a:ext cx="4189019" cy="3428426"/>
           </a:xfrm>
           <a:prstGeom prst="rect">
             <a:avLst/>
@@ -5965,80 +5889,122 @@
       </p:pic>
       <p:sp>
         <p:nvSpPr>
-          <p:cNvPr id="8" name="TextBox 7">
-            <a:extLst>
-              <a:ext uri="{FF2B5EF4-FFF2-40B4-BE49-F238E27FC236}">
-                <a16:creationId xmlns:a16="http://schemas.microsoft.com/office/drawing/2014/main" id="{F18A7A09-D15E-BB44-7017-6B0BFB1438B5}"/>
-              </a:ext>
-            </a:extLst>
-          </p:cNvPr>
-          <p:cNvSpPr txBox="1"/>
+          <p:cNvPr id="11" name="Oval 10">
+            <a:extLst>
+              <a:ext uri="{FF2B5EF4-FFF2-40B4-BE49-F238E27FC236}">
+                <a16:creationId xmlns:a16="http://schemas.microsoft.com/office/drawing/2014/main" id="{6B7AD1E6-E77F-FA65-8449-BD5ECAA037FF}"/>
+              </a:ext>
+            </a:extLst>
+          </p:cNvPr>
+          <p:cNvSpPr/>
           <p:nvPr/>
         </p:nvSpPr>
         <p:spPr>
           <a:xfrm>
-            <a:off x="3509029" y="1273389"/>
-            <a:ext cx="681597" cy="461665"/>
-          </a:xfrm>
-          <a:prstGeom prst="rect">
+            <a:off x="5478031" y="2616200"/>
+            <a:ext cx="1236136" cy="1236134"/>
+          </a:xfrm>
+          <a:prstGeom prst="ellipse">
             <a:avLst/>
           </a:prstGeom>
-          <a:noFill/>
-        </p:spPr>
+          <a:solidFill>
+            <a:schemeClr val="accent4">
+              <a:alpha val="20000"/>
+            </a:schemeClr>
+          </a:solidFill>
+          <a:ln w="76200">
+            <a:solidFill>
+              <a:schemeClr val="accent2"/>
+            </a:solidFill>
+            <a:prstDash val="sysDot"/>
+          </a:ln>
+        </p:spPr>
+        <p:style>
+          <a:lnRef idx="2">
+            <a:schemeClr val="accent1">
+              <a:shade val="50000"/>
+            </a:schemeClr>
+          </a:lnRef>
+          <a:fillRef idx="1">
+            <a:schemeClr val="accent1"/>
+          </a:fillRef>
+          <a:effectRef idx="0">
+            <a:schemeClr val="accent1"/>
+          </a:effectRef>
+          <a:fontRef idx="minor">
+            <a:schemeClr val="lt1"/>
+          </a:fontRef>
+        </p:style>
         <p:txBody>
-          <a:bodyPr wrap="none" rtlCol="0">
-            <a:spAutoFit/>
-          </a:bodyPr>
+          <a:bodyPr rtlCol="0" anchor="ctr"/>
           <a:lstStyle/>
           <a:p>
             <a:pPr algn="ctr"/>
-            <a:r>
-              <a:rPr lang="en-US" sz="2400" dirty="0"/>
-              <a:t>plot</a:t>
-            </a:r>
+            <a:endParaRPr lang="en-US"/>
           </a:p>
         </p:txBody>
       </p:sp>
       <p:sp>
         <p:nvSpPr>
-          <p:cNvPr id="9" name="TextBox 8">
-            <a:extLst>
-              <a:ext uri="{FF2B5EF4-FFF2-40B4-BE49-F238E27FC236}">
-                <a16:creationId xmlns:a16="http://schemas.microsoft.com/office/drawing/2014/main" id="{006CE444-9C36-938F-F869-E55E396377D0}"/>
-              </a:ext>
-            </a:extLst>
-          </p:cNvPr>
-          <p:cNvSpPr txBox="1"/>
+          <p:cNvPr id="12" name="Oval 11">
+            <a:extLst>
+              <a:ext uri="{FF2B5EF4-FFF2-40B4-BE49-F238E27FC236}">
+                <a16:creationId xmlns:a16="http://schemas.microsoft.com/office/drawing/2014/main" id="{710A449B-BD49-FC88-331F-A0661D075314}"/>
+              </a:ext>
+            </a:extLst>
+          </p:cNvPr>
+          <p:cNvSpPr/>
           <p:nvPr/>
         </p:nvSpPr>
         <p:spPr>
           <a:xfrm>
-            <a:off x="7954086" y="1273389"/>
-            <a:ext cx="776174" cy="461665"/>
-          </a:xfrm>
-          <a:prstGeom prst="rect">
+            <a:off x="10062510" y="2616200"/>
+            <a:ext cx="1236136" cy="1236134"/>
+          </a:xfrm>
+          <a:prstGeom prst="ellipse">
             <a:avLst/>
           </a:prstGeom>
-          <a:noFill/>
-        </p:spPr>
+          <a:solidFill>
+            <a:schemeClr val="accent4">
+              <a:alpha val="20000"/>
+            </a:schemeClr>
+          </a:solidFill>
+          <a:ln w="76200">
+            <a:solidFill>
+              <a:schemeClr val="accent2"/>
+            </a:solidFill>
+            <a:prstDash val="sysDot"/>
+          </a:ln>
+        </p:spPr>
+        <p:style>
+          <a:lnRef idx="2">
+            <a:schemeClr val="accent1">
+              <a:shade val="50000"/>
+            </a:schemeClr>
+          </a:lnRef>
+          <a:fillRef idx="1">
+            <a:schemeClr val="accent1"/>
+          </a:fillRef>
+          <a:effectRef idx="0">
+            <a:schemeClr val="accent1"/>
+          </a:effectRef>
+          <a:fontRef idx="minor">
+            <a:schemeClr val="lt1"/>
+          </a:fontRef>
+        </p:style>
         <p:txBody>
-          <a:bodyPr wrap="none" rtlCol="0">
-            <a:spAutoFit/>
-          </a:bodyPr>
+          <a:bodyPr rtlCol="0" anchor="ctr"/>
           <a:lstStyle/>
           <a:p>
             <a:pPr algn="ctr"/>
-            <a:r>
-              <a:rPr lang="en-US" sz="2400" dirty="0"/>
-              <a:t>fplot</a:t>
-            </a:r>
+            <a:endParaRPr lang="en-US"/>
           </a:p>
         </p:txBody>
       </p:sp>
     </p:spTree>
     <p:extLst>
       <p:ext uri="{BB962C8B-B14F-4D97-AF65-F5344CB8AC3E}">
-        <p14:creationId xmlns:p14="http://schemas.microsoft.com/office/powerpoint/2010/main" val="3305200901"/>
+        <p14:creationId xmlns:p14="http://schemas.microsoft.com/office/powerpoint/2010/main" val="3578857970"/>
       </p:ext>
     </p:extLst>
   </p:cSld>
@@ -6067,10 +6033,10 @@
       </p:grpSpPr>
       <p:pic>
         <p:nvPicPr>
-          <p:cNvPr id="6" name="그림 5">
-            <a:extLst>
-              <a:ext uri="{FF2B5EF4-FFF2-40B4-BE49-F238E27FC236}">
-                <a16:creationId xmlns:a16="http://schemas.microsoft.com/office/drawing/2014/main" id="{B157BEDA-050F-F976-17D6-AE44FA3C907F}"/>
+          <p:cNvPr id="11" name="Picture 10">
+            <a:extLst>
+              <a:ext uri="{FF2B5EF4-FFF2-40B4-BE49-F238E27FC236}">
+                <a16:creationId xmlns:a16="http://schemas.microsoft.com/office/drawing/2014/main" id="{0ECD6F9E-899E-F6B1-1299-E7A25C67068A}"/>
               </a:ext>
             </a:extLst>
           </p:cNvPr>
@@ -6087,8 +6053,8 @@
         </p:blipFill>
         <p:spPr>
           <a:xfrm>
-            <a:off x="2124635" y="1752849"/>
-            <a:ext cx="3450386" cy="3112714"/>
+            <a:off x="2171701" y="1479023"/>
+            <a:ext cx="4194780" cy="3428426"/>
           </a:xfrm>
           <a:prstGeom prst="rect">
             <a:avLst/>
@@ -6097,10 +6063,10 @@
       </p:pic>
       <p:pic>
         <p:nvPicPr>
-          <p:cNvPr id="7" name="그림 6">
-            <a:extLst>
-              <a:ext uri="{FF2B5EF4-FFF2-40B4-BE49-F238E27FC236}">
-                <a16:creationId xmlns:a16="http://schemas.microsoft.com/office/drawing/2014/main" id="{ED4DCB07-8936-2DCF-D464-1CBE376C65BF}"/>
+          <p:cNvPr id="12" name="Picture 11">
+            <a:extLst>
+              <a:ext uri="{FF2B5EF4-FFF2-40B4-BE49-F238E27FC236}">
+                <a16:creationId xmlns:a16="http://schemas.microsoft.com/office/drawing/2014/main" id="{E3F0367A-31B5-140C-F09E-C22EC6F1B415}"/>
               </a:ext>
             </a:extLst>
           </p:cNvPr>
@@ -6117,90 +6083,18 @@
         </p:blipFill>
         <p:spPr>
           <a:xfrm>
-            <a:off x="6616979" y="1752849"/>
-            <a:ext cx="3450386" cy="3112714"/>
+            <a:off x="6755948" y="1479023"/>
+            <a:ext cx="4183256" cy="3428426"/>
           </a:xfrm>
           <a:prstGeom prst="rect">
             <a:avLst/>
           </a:prstGeom>
         </p:spPr>
       </p:pic>
-      <p:sp>
-        <p:nvSpPr>
-          <p:cNvPr id="8" name="TextBox 7">
-            <a:extLst>
-              <a:ext uri="{FF2B5EF4-FFF2-40B4-BE49-F238E27FC236}">
-                <a16:creationId xmlns:a16="http://schemas.microsoft.com/office/drawing/2014/main" id="{09096EE2-84E7-B53D-387D-EF88807623BD}"/>
-              </a:ext>
-            </a:extLst>
-          </p:cNvPr>
-          <p:cNvSpPr txBox="1"/>
-          <p:nvPr/>
-        </p:nvSpPr>
-        <p:spPr>
-          <a:xfrm>
-            <a:off x="2701120" y="1273389"/>
-            <a:ext cx="2297424" cy="461665"/>
-          </a:xfrm>
-          <a:prstGeom prst="rect">
-            <a:avLst/>
-          </a:prstGeom>
-          <a:noFill/>
-        </p:spPr>
-        <p:txBody>
-          <a:bodyPr wrap="none" rtlCol="0">
-            <a:spAutoFit/>
-          </a:bodyPr>
-          <a:lstStyle/>
-          <a:p>
-            <a:pPr algn="ctr"/>
-            <a:r>
-              <a:rPr lang="en-US" sz="2400" dirty="0"/>
-              <a:t>fplot(@(x) sin(x))</a:t>
-            </a:r>
-          </a:p>
-        </p:txBody>
-      </p:sp>
-      <p:sp>
-        <p:nvSpPr>
-          <p:cNvPr id="9" name="TextBox 8">
-            <a:extLst>
-              <a:ext uri="{FF2B5EF4-FFF2-40B4-BE49-F238E27FC236}">
-                <a16:creationId xmlns:a16="http://schemas.microsoft.com/office/drawing/2014/main" id="{8ED9F8C3-5751-6210-622B-2F6FDD29F535}"/>
-              </a:ext>
-            </a:extLst>
-          </p:cNvPr>
-          <p:cNvSpPr txBox="1"/>
-          <p:nvPr/>
-        </p:nvSpPr>
-        <p:spPr>
-          <a:xfrm>
-            <a:off x="6604359" y="1273389"/>
-            <a:ext cx="3475631" cy="461665"/>
-          </a:xfrm>
-          <a:prstGeom prst="rect">
-            <a:avLst/>
-          </a:prstGeom>
-          <a:noFill/>
-        </p:spPr>
-        <p:txBody>
-          <a:bodyPr wrap="none" rtlCol="0">
-            <a:spAutoFit/>
-          </a:bodyPr>
-          <a:lstStyle/>
-          <a:p>
-            <a:pPr algn="ctr"/>
-            <a:r>
-              <a:rPr lang="en-US" sz="2400" dirty="0"/>
-              <a:t>fplot(@(x) sin(x), [0, 2*pi])</a:t>
-            </a:r>
-          </a:p>
-        </p:txBody>
-      </p:sp>
     </p:spTree>
     <p:extLst>
       <p:ext uri="{BB962C8B-B14F-4D97-AF65-F5344CB8AC3E}">
-        <p14:creationId xmlns:p14="http://schemas.microsoft.com/office/powerpoint/2010/main" val="3493676590"/>
+        <p14:creationId xmlns:p14="http://schemas.microsoft.com/office/powerpoint/2010/main" val="3009110763"/>
       </p:ext>
     </p:extLst>
   </p:cSld>
@@ -6395,10 +6289,10 @@
       </p:grpSpPr>
       <p:pic>
         <p:nvPicPr>
-          <p:cNvPr id="3" name="그림 2">
-            <a:extLst>
-              <a:ext uri="{FF2B5EF4-FFF2-40B4-BE49-F238E27FC236}">
-                <a16:creationId xmlns:a16="http://schemas.microsoft.com/office/drawing/2014/main" id="{49DD40DF-648F-1896-373E-4AF1E354805A}"/>
+          <p:cNvPr id="6" name="그림 5">
+            <a:extLst>
+              <a:ext uri="{FF2B5EF4-FFF2-40B4-BE49-F238E27FC236}">
+                <a16:creationId xmlns:a16="http://schemas.microsoft.com/office/drawing/2014/main" id="{B157BEDA-050F-F976-17D6-AE44FA3C907F}"/>
               </a:ext>
             </a:extLst>
           </p:cNvPr>
@@ -6415,18 +6309,120 @@
         </p:blipFill>
         <p:spPr>
           <a:xfrm>
-            <a:off x="3429000" y="1428750"/>
-            <a:ext cx="5334000" cy="4000500"/>
+            <a:off x="2124635" y="1752849"/>
+            <a:ext cx="3450386" cy="3112714"/>
           </a:xfrm>
           <a:prstGeom prst="rect">
             <a:avLst/>
           </a:prstGeom>
         </p:spPr>
       </p:pic>
+      <p:pic>
+        <p:nvPicPr>
+          <p:cNvPr id="7" name="그림 6">
+            <a:extLst>
+              <a:ext uri="{FF2B5EF4-FFF2-40B4-BE49-F238E27FC236}">
+                <a16:creationId xmlns:a16="http://schemas.microsoft.com/office/drawing/2014/main" id="{ED4DCB07-8936-2DCF-D464-1CBE376C65BF}"/>
+              </a:ext>
+            </a:extLst>
+          </p:cNvPr>
+          <p:cNvPicPr>
+            <a:picLocks noChangeAspect="1"/>
+          </p:cNvPicPr>
+          <p:nvPr/>
+        </p:nvPicPr>
+        <p:blipFill>
+          <a:blip r:embed="rId3"/>
+          <a:stretch>
+            <a:fillRect/>
+          </a:stretch>
+        </p:blipFill>
+        <p:spPr>
+          <a:xfrm>
+            <a:off x="6616979" y="1752849"/>
+            <a:ext cx="3450386" cy="3112714"/>
+          </a:xfrm>
+          <a:prstGeom prst="rect">
+            <a:avLst/>
+          </a:prstGeom>
+        </p:spPr>
+      </p:pic>
+      <p:sp>
+        <p:nvSpPr>
+          <p:cNvPr id="8" name="TextBox 7">
+            <a:extLst>
+              <a:ext uri="{FF2B5EF4-FFF2-40B4-BE49-F238E27FC236}">
+                <a16:creationId xmlns:a16="http://schemas.microsoft.com/office/drawing/2014/main" id="{09096EE2-84E7-B53D-387D-EF88807623BD}"/>
+              </a:ext>
+            </a:extLst>
+          </p:cNvPr>
+          <p:cNvSpPr txBox="1"/>
+          <p:nvPr/>
+        </p:nvSpPr>
+        <p:spPr>
+          <a:xfrm>
+            <a:off x="2701120" y="1273389"/>
+            <a:ext cx="2297424" cy="461665"/>
+          </a:xfrm>
+          <a:prstGeom prst="rect">
+            <a:avLst/>
+          </a:prstGeom>
+          <a:noFill/>
+        </p:spPr>
+        <p:txBody>
+          <a:bodyPr wrap="none" rtlCol="0">
+            <a:spAutoFit/>
+          </a:bodyPr>
+          <a:lstStyle/>
+          <a:p>
+            <a:pPr algn="ctr"/>
+            <a:r>
+              <a:rPr lang="en-US" sz="2400" dirty="0"/>
+              <a:t>fplot(@(x) sin(x))</a:t>
+            </a:r>
+          </a:p>
+        </p:txBody>
+      </p:sp>
+      <p:sp>
+        <p:nvSpPr>
+          <p:cNvPr id="9" name="TextBox 8">
+            <a:extLst>
+              <a:ext uri="{FF2B5EF4-FFF2-40B4-BE49-F238E27FC236}">
+                <a16:creationId xmlns:a16="http://schemas.microsoft.com/office/drawing/2014/main" id="{8ED9F8C3-5751-6210-622B-2F6FDD29F535}"/>
+              </a:ext>
+            </a:extLst>
+          </p:cNvPr>
+          <p:cNvSpPr txBox="1"/>
+          <p:nvPr/>
+        </p:nvSpPr>
+        <p:spPr>
+          <a:xfrm>
+            <a:off x="6604359" y="1273389"/>
+            <a:ext cx="3475631" cy="461665"/>
+          </a:xfrm>
+          <a:prstGeom prst="rect">
+            <a:avLst/>
+          </a:prstGeom>
+          <a:noFill/>
+        </p:spPr>
+        <p:txBody>
+          <a:bodyPr wrap="none" rtlCol="0">
+            <a:spAutoFit/>
+          </a:bodyPr>
+          <a:lstStyle/>
+          <a:p>
+            <a:pPr algn="ctr"/>
+            <a:r>
+              <a:rPr lang="en-US" sz="2400" dirty="0"/>
+              <a:t>fplot(@(x) sin(x), [0, 2*pi])</a:t>
+            </a:r>
+          </a:p>
+        </p:txBody>
+      </p:sp>
     </p:spTree>
     <p:extLst>
       <p:ext uri="{BB962C8B-B14F-4D97-AF65-F5344CB8AC3E}">
-        <p14:creationId xmlns:p14="http://schemas.microsoft.com/office/powerpoint/2010/main" val="2582165912"/>
+        <p14:creationId xmlns:p14="http://schemas.microsoft.com/office/powerpoint/2010/main" val="3493676590"/>
       </p:ext>
     </p:extLst>
   </p:cSld>
@@ -6455,6 +6451,66 @@
       </p:grpSpPr>
       <p:pic>
         <p:nvPicPr>
+          <p:cNvPr id="3" name="그림 2">
+            <a:extLst>
+              <a:ext uri="{FF2B5EF4-FFF2-40B4-BE49-F238E27FC236}">
+                <a16:creationId xmlns:a16="http://schemas.microsoft.com/office/drawing/2014/main" id="{49DD40DF-648F-1896-373E-4AF1E354805A}"/>
+              </a:ext>
+            </a:extLst>
+          </p:cNvPr>
+          <p:cNvPicPr>
+            <a:picLocks noChangeAspect="1"/>
+          </p:cNvPicPr>
+          <p:nvPr/>
+        </p:nvPicPr>
+        <p:blipFill>
+          <a:blip r:embed="rId2"/>
+          <a:stretch>
+            <a:fillRect/>
+          </a:stretch>
+        </p:blipFill>
+        <p:spPr>
+          <a:xfrm>
+            <a:off x="3429000" y="1428750"/>
+            <a:ext cx="5334000" cy="4000500"/>
+          </a:xfrm>
+          <a:prstGeom prst="rect">
+            <a:avLst/>
+          </a:prstGeom>
+        </p:spPr>
+      </p:pic>
+    </p:spTree>
+    <p:extLst>
+      <p:ext uri="{BB962C8B-B14F-4D97-AF65-F5344CB8AC3E}">
+        <p14:creationId xmlns:p14="http://schemas.microsoft.com/office/powerpoint/2010/main" val="2582165912"/>
+      </p:ext>
+    </p:extLst>
+  </p:cSld>
+  <p:clrMapOvr>
+    <a:masterClrMapping/>
+  </p:clrMapOvr>
+</p:sld>
+</file>
+
+<file path=ppt/slides/slide22.xml><?xml version="1.0" encoding="utf-8"?>
+<p:sld xmlns:a="http://schemas.openxmlformats.org/drawingml/2006/main" xmlns:r="http://schemas.openxmlformats.org/officeDocument/2006/relationships" xmlns:p="http://schemas.openxmlformats.org/presentationml/2006/main">
+  <p:cSld>
+    <p:spTree>
+      <p:nvGrpSpPr>
+        <p:cNvPr id="1" name=""/>
+        <p:cNvGrpSpPr/>
+        <p:nvPr/>
+      </p:nvGrpSpPr>
+      <p:grpSpPr>
+        <a:xfrm>
+          <a:off x="0" y="0"/>
+          <a:ext cx="0" cy="0"/>
+          <a:chOff x="0" y="0"/>
+          <a:chExt cx="0" cy="0"/>
+        </a:xfrm>
+      </p:grpSpPr>
+      <p:pic>
+        <p:nvPicPr>
           <p:cNvPr id="7" name="그림 6">
             <a:extLst>
               <a:ext uri="{FF2B5EF4-FFF2-40B4-BE49-F238E27FC236}">
@@ -6496,7 +6552,7 @@
 </p:sld>
 </file>
 
-<file path=ppt/slides/slide22.xml><?xml version="1.0" encoding="utf-8"?>
+<file path=ppt/slides/slide23.xml><?xml version="1.0" encoding="utf-8"?>
 <p:sld xmlns:a="http://schemas.openxmlformats.org/drawingml/2006/main" xmlns:r="http://schemas.openxmlformats.org/officeDocument/2006/relationships" xmlns:p="http://schemas.openxmlformats.org/presentationml/2006/main">
   <p:cSld>
     <p:spTree>
@@ -6659,8 +6715,8 @@
           </a:fontRef>
         </p:style>
       </p:cxnSp>
-      <mc:AlternateContent xmlns:mc="http://schemas.openxmlformats.org/markup-compatibility/2006">
-        <mc:Choice xmlns:a14="http://schemas.microsoft.com/office/drawing/2010/main" Requires="a14">
+      <mc:AlternateContent xmlns:mc="http://schemas.openxmlformats.org/markup-compatibility/2006" xmlns:a14="http://schemas.microsoft.com/office/drawing/2010/main">
+        <mc:Choice Requires="a14">
           <p:sp>
             <p:nvSpPr>
               <p:cNvPr id="6" name="TextBox 5">
@@ -6689,6 +6745,7 @@
               </a:bodyPr>
               <a:lstStyle/>
               <a:p>
+                <a:pPr/>
                 <a14:m>
                   <m:oMathPara xmlns:m="http://schemas.openxmlformats.org/officeDocument/2006/math">
                     <m:oMathParaPr>
@@ -6720,7 +6777,7 @@
             </p:txBody>
           </p:sp>
         </mc:Choice>
-        <mc:Fallback>
+        <mc:Fallback xmlns="">
           <p:sp>
             <p:nvSpPr>
               <p:cNvPr id="6" name="TextBox 5">
@@ -6765,8 +6822,8 @@
           </p:sp>
         </mc:Fallback>
       </mc:AlternateContent>
-      <mc:AlternateContent xmlns:mc="http://schemas.openxmlformats.org/markup-compatibility/2006">
-        <mc:Choice xmlns:a14="http://schemas.microsoft.com/office/drawing/2010/main" Requires="a14">
+      <mc:AlternateContent xmlns:mc="http://schemas.openxmlformats.org/markup-compatibility/2006" xmlns:a14="http://schemas.microsoft.com/office/drawing/2010/main">
+        <mc:Choice Requires="a14">
           <p:sp>
             <p:nvSpPr>
               <p:cNvPr id="7" name="TextBox 6">
@@ -6795,6 +6852,7 @@
               </a:bodyPr>
               <a:lstStyle/>
               <a:p>
+                <a:pPr/>
                 <a14:m>
                   <m:oMathPara xmlns:m="http://schemas.openxmlformats.org/officeDocument/2006/math">
                     <m:oMathParaPr>
@@ -6815,7 +6873,7 @@
             </p:txBody>
           </p:sp>
         </mc:Choice>
-        <mc:Fallback>
+        <mc:Fallback xmlns="">
           <p:sp>
             <p:nvSpPr>
               <p:cNvPr id="7" name="TextBox 6">
@@ -6860,8 +6918,8 @@
           </p:sp>
         </mc:Fallback>
       </mc:AlternateContent>
-      <mc:AlternateContent xmlns:mc="http://schemas.openxmlformats.org/markup-compatibility/2006">
-        <mc:Choice xmlns:a14="http://schemas.microsoft.com/office/drawing/2010/main" Requires="a14">
+      <mc:AlternateContent xmlns:mc="http://schemas.openxmlformats.org/markup-compatibility/2006" xmlns:a14="http://schemas.microsoft.com/office/drawing/2010/main">
+        <mc:Choice Requires="a14">
           <p:sp>
             <p:nvSpPr>
               <p:cNvPr id="8" name="TextBox 7">
@@ -6890,6 +6948,7 @@
               </a:bodyPr>
               <a:lstStyle/>
               <a:p>
+                <a:pPr/>
                 <a14:m>
                   <m:oMathPara xmlns:m="http://schemas.openxmlformats.org/officeDocument/2006/math">
                     <m:oMathParaPr>
@@ -6910,7 +6969,7 @@
             </p:txBody>
           </p:sp>
         </mc:Choice>
-        <mc:Fallback>
+        <mc:Fallback xmlns="">
           <p:sp>
             <p:nvSpPr>
               <p:cNvPr id="8" name="TextBox 7">
@@ -8155,8 +8214,8 @@
           </a:fontRef>
         </p:style>
       </p:cxnSp>
-      <mc:AlternateContent xmlns:mc="http://schemas.openxmlformats.org/markup-compatibility/2006">
-        <mc:Choice xmlns:a14="http://schemas.microsoft.com/office/drawing/2010/main" Requires="a14">
+      <mc:AlternateContent xmlns:mc="http://schemas.openxmlformats.org/markup-compatibility/2006" xmlns:a14="http://schemas.microsoft.com/office/drawing/2010/main">
+        <mc:Choice Requires="a14">
           <p:sp>
             <p:nvSpPr>
               <p:cNvPr id="6" name="TextBox 5">
@@ -8213,7 +8272,7 @@
             </p:txBody>
           </p:sp>
         </mc:Choice>
-        <mc:Fallback>
+        <mc:Fallback xmlns="">
           <p:sp>
             <p:nvSpPr>
               <p:cNvPr id="6" name="TextBox 5">
@@ -8258,8 +8317,8 @@
           </p:sp>
         </mc:Fallback>
       </mc:AlternateContent>
-      <mc:AlternateContent xmlns:mc="http://schemas.openxmlformats.org/markup-compatibility/2006">
-        <mc:Choice xmlns:a14="http://schemas.microsoft.com/office/drawing/2010/main" Requires="a14">
+      <mc:AlternateContent xmlns:mc="http://schemas.openxmlformats.org/markup-compatibility/2006" xmlns:a14="http://schemas.microsoft.com/office/drawing/2010/main">
+        <mc:Choice Requires="a14">
           <p:sp>
             <p:nvSpPr>
               <p:cNvPr id="7" name="TextBox 6">
@@ -8288,6 +8347,7 @@
               </a:bodyPr>
               <a:lstStyle/>
               <a:p>
+                <a:pPr/>
                 <a14:m>
                   <m:oMathPara xmlns:m="http://schemas.openxmlformats.org/officeDocument/2006/math">
                     <m:oMathParaPr>
@@ -8308,7 +8368,7 @@
             </p:txBody>
           </p:sp>
         </mc:Choice>
-        <mc:Fallback>
+        <mc:Fallback xmlns="">
           <p:sp>
             <p:nvSpPr>
               <p:cNvPr id="7" name="TextBox 6">
@@ -8353,8 +8413,8 @@
           </p:sp>
         </mc:Fallback>
       </mc:AlternateContent>
-      <mc:AlternateContent xmlns:mc="http://schemas.openxmlformats.org/markup-compatibility/2006">
-        <mc:Choice xmlns:a14="http://schemas.microsoft.com/office/drawing/2010/main" Requires="a14">
+      <mc:AlternateContent xmlns:mc="http://schemas.openxmlformats.org/markup-compatibility/2006" xmlns:a14="http://schemas.microsoft.com/office/drawing/2010/main">
+        <mc:Choice Requires="a14">
           <p:sp>
             <p:nvSpPr>
               <p:cNvPr id="8" name="TextBox 7">
@@ -8383,6 +8443,7 @@
               </a:bodyPr>
               <a:lstStyle/>
               <a:p>
+                <a:pPr/>
                 <a14:m>
                   <m:oMathPara xmlns:m="http://schemas.openxmlformats.org/officeDocument/2006/math">
                     <m:oMathParaPr>
@@ -8403,7 +8464,7 @@
             </p:txBody>
           </p:sp>
         </mc:Choice>
-        <mc:Fallback>
+        <mc:Fallback xmlns="">
           <p:sp>
             <p:nvSpPr>
               <p:cNvPr id="8" name="TextBox 7">
@@ -9806,6 +9867,3486 @@
 </file>
 
 <file path=ppt/slides/slide5.xml><?xml version="1.0" encoding="utf-8"?>
+<p:sld xmlns:a="http://schemas.openxmlformats.org/drawingml/2006/main" xmlns:r="http://schemas.openxmlformats.org/officeDocument/2006/relationships" xmlns:p="http://schemas.openxmlformats.org/presentationml/2006/main">
+  <p:cSld>
+    <p:spTree>
+      <p:nvGrpSpPr>
+        <p:cNvPr id="1" name=""/>
+        <p:cNvGrpSpPr/>
+        <p:nvPr/>
+      </p:nvGrpSpPr>
+      <p:grpSpPr>
+        <a:xfrm>
+          <a:off x="0" y="0"/>
+          <a:ext cx="0" cy="0"/>
+          <a:chOff x="0" y="0"/>
+          <a:chExt cx="0" cy="0"/>
+        </a:xfrm>
+      </p:grpSpPr>
+      <p:cxnSp>
+        <p:nvCxnSpPr>
+          <p:cNvPr id="103" name="Straight Connector 102">
+            <a:extLst>
+              <a:ext uri="{FF2B5EF4-FFF2-40B4-BE49-F238E27FC236}">
+                <a16:creationId xmlns:a16="http://schemas.microsoft.com/office/drawing/2014/main" id="{C424A2E2-BB18-7CD0-9BA3-11820D013A80}"/>
+              </a:ext>
+            </a:extLst>
+          </p:cNvPr>
+          <p:cNvCxnSpPr>
+            <a:cxnSpLocks/>
+            <a:stCxn id="54" idx="3"/>
+          </p:cNvCxnSpPr>
+          <p:nvPr/>
+        </p:nvCxnSpPr>
+        <p:spPr>
+          <a:xfrm flipH="1">
+            <a:off x="5883088" y="2898132"/>
+            <a:ext cx="657748" cy="1726482"/>
+          </a:xfrm>
+          <a:prstGeom prst="line">
+            <a:avLst/>
+          </a:prstGeom>
+          <a:ln w="19050">
+            <a:solidFill>
+              <a:schemeClr val="accent1"/>
+            </a:solidFill>
+          </a:ln>
+        </p:spPr>
+        <p:style>
+          <a:lnRef idx="1">
+            <a:schemeClr val="accent1"/>
+          </a:lnRef>
+          <a:fillRef idx="0">
+            <a:schemeClr val="accent1"/>
+          </a:fillRef>
+          <a:effectRef idx="0">
+            <a:schemeClr val="accent1"/>
+          </a:effectRef>
+          <a:fontRef idx="minor">
+            <a:schemeClr val="tx1"/>
+          </a:fontRef>
+        </p:style>
+      </p:cxnSp>
+      <p:cxnSp>
+        <p:nvCxnSpPr>
+          <p:cNvPr id="105" name="Straight Connector 104">
+            <a:extLst>
+              <a:ext uri="{FF2B5EF4-FFF2-40B4-BE49-F238E27FC236}">
+                <a16:creationId xmlns:a16="http://schemas.microsoft.com/office/drawing/2014/main" id="{9263A02C-1573-93A6-9D85-2D6C23355EAA}"/>
+              </a:ext>
+            </a:extLst>
+          </p:cNvPr>
+          <p:cNvCxnSpPr>
+            <a:cxnSpLocks/>
+          </p:cNvCxnSpPr>
+          <p:nvPr/>
+        </p:nvCxnSpPr>
+        <p:spPr>
+          <a:xfrm flipH="1" flipV="1">
+            <a:off x="4827107" y="1683875"/>
+            <a:ext cx="1774102" cy="1176707"/>
+          </a:xfrm>
+          <a:prstGeom prst="line">
+            <a:avLst/>
+          </a:prstGeom>
+          <a:ln w="19050">
+            <a:solidFill>
+              <a:schemeClr val="accent1"/>
+            </a:solidFill>
+          </a:ln>
+        </p:spPr>
+        <p:style>
+          <a:lnRef idx="1">
+            <a:schemeClr val="accent1"/>
+          </a:lnRef>
+          <a:fillRef idx="0">
+            <a:schemeClr val="accent1"/>
+          </a:fillRef>
+          <a:effectRef idx="0">
+            <a:schemeClr val="accent1"/>
+          </a:effectRef>
+          <a:fontRef idx="minor">
+            <a:schemeClr val="tx1"/>
+          </a:fontRef>
+        </p:style>
+      </p:cxnSp>
+      <p:cxnSp>
+        <p:nvCxnSpPr>
+          <p:cNvPr id="101" name="Straight Connector 100">
+            <a:extLst>
+              <a:ext uri="{FF2B5EF4-FFF2-40B4-BE49-F238E27FC236}">
+                <a16:creationId xmlns:a16="http://schemas.microsoft.com/office/drawing/2014/main" id="{18C032E6-2905-EB26-3E98-8587E2B4683E}"/>
+              </a:ext>
+            </a:extLst>
+          </p:cNvPr>
+          <p:cNvCxnSpPr>
+            <a:cxnSpLocks/>
+            <a:stCxn id="12" idx="2"/>
+            <a:endCxn id="10" idx="6"/>
+          </p:cNvCxnSpPr>
+          <p:nvPr/>
+        </p:nvCxnSpPr>
+        <p:spPr>
+          <a:xfrm flipH="1">
+            <a:off x="3947473" y="4632526"/>
+            <a:ext cx="1860817" cy="0"/>
+          </a:xfrm>
+          <a:prstGeom prst="line">
+            <a:avLst/>
+          </a:prstGeom>
+          <a:ln w="19050">
+            <a:solidFill>
+              <a:schemeClr val="accent1"/>
+            </a:solidFill>
+          </a:ln>
+        </p:spPr>
+        <p:style>
+          <a:lnRef idx="1">
+            <a:schemeClr val="accent1"/>
+          </a:lnRef>
+          <a:fillRef idx="0">
+            <a:schemeClr val="accent1"/>
+          </a:fillRef>
+          <a:effectRef idx="0">
+            <a:schemeClr val="accent1"/>
+          </a:effectRef>
+          <a:fontRef idx="minor">
+            <a:schemeClr val="tx1"/>
+          </a:fontRef>
+        </p:style>
+      </p:cxnSp>
+      <p:cxnSp>
+        <p:nvCxnSpPr>
+          <p:cNvPr id="99" name="Straight Connector 98">
+            <a:extLst>
+              <a:ext uri="{FF2B5EF4-FFF2-40B4-BE49-F238E27FC236}">
+                <a16:creationId xmlns:a16="http://schemas.microsoft.com/office/drawing/2014/main" id="{AEC98ED0-B6AB-EE34-395A-72560D67F679}"/>
+              </a:ext>
+            </a:extLst>
+          </p:cNvPr>
+          <p:cNvCxnSpPr>
+            <a:cxnSpLocks/>
+            <a:endCxn id="57" idx="5"/>
+          </p:cNvCxnSpPr>
+          <p:nvPr/>
+        </p:nvCxnSpPr>
+        <p:spPr>
+          <a:xfrm flipH="1" flipV="1">
+            <a:off x="3202489" y="2898132"/>
+            <a:ext cx="622217" cy="1764116"/>
+          </a:xfrm>
+          <a:prstGeom prst="line">
+            <a:avLst/>
+          </a:prstGeom>
+          <a:ln w="19050">
+            <a:solidFill>
+              <a:schemeClr val="accent1"/>
+            </a:solidFill>
+          </a:ln>
+        </p:spPr>
+        <p:style>
+          <a:lnRef idx="1">
+            <a:schemeClr val="accent1"/>
+          </a:lnRef>
+          <a:fillRef idx="0">
+            <a:schemeClr val="accent1"/>
+          </a:fillRef>
+          <a:effectRef idx="0">
+            <a:schemeClr val="accent1"/>
+          </a:effectRef>
+          <a:fontRef idx="minor">
+            <a:schemeClr val="tx1"/>
+          </a:fontRef>
+        </p:style>
+      </p:cxnSp>
+      <p:cxnSp>
+        <p:nvCxnSpPr>
+          <p:cNvPr id="90" name="Straight Connector 89">
+            <a:extLst>
+              <a:ext uri="{FF2B5EF4-FFF2-40B4-BE49-F238E27FC236}">
+                <a16:creationId xmlns:a16="http://schemas.microsoft.com/office/drawing/2014/main" id="{ACBB3B42-488E-665B-39D2-70CB6EBB7941}"/>
+              </a:ext>
+            </a:extLst>
+          </p:cNvPr>
+          <p:cNvCxnSpPr>
+            <a:cxnSpLocks/>
+            <a:endCxn id="55" idx="3"/>
+          </p:cNvCxnSpPr>
+          <p:nvPr/>
+        </p:nvCxnSpPr>
+        <p:spPr>
+          <a:xfrm flipV="1">
+            <a:off x="3095507" y="1779196"/>
+            <a:ext cx="1712356" cy="1044377"/>
+          </a:xfrm>
+          <a:prstGeom prst="line">
+            <a:avLst/>
+          </a:prstGeom>
+          <a:ln w="19050">
+            <a:solidFill>
+              <a:schemeClr val="accent1"/>
+            </a:solidFill>
+          </a:ln>
+        </p:spPr>
+        <p:style>
+          <a:lnRef idx="1">
+            <a:schemeClr val="accent1"/>
+          </a:lnRef>
+          <a:fillRef idx="0">
+            <a:schemeClr val="accent1"/>
+          </a:fillRef>
+          <a:effectRef idx="0">
+            <a:schemeClr val="accent1"/>
+          </a:effectRef>
+          <a:fontRef idx="minor">
+            <a:schemeClr val="tx1"/>
+          </a:fontRef>
+        </p:style>
+      </p:cxnSp>
+      <p:cxnSp>
+        <p:nvCxnSpPr>
+          <p:cNvPr id="3" name="Straight Arrow Connector 2">
+            <a:extLst>
+              <a:ext uri="{FF2B5EF4-FFF2-40B4-BE49-F238E27FC236}">
+                <a16:creationId xmlns:a16="http://schemas.microsoft.com/office/drawing/2014/main" id="{80802244-5FF3-0A27-6DD6-3F303DD6515E}"/>
+              </a:ext>
+            </a:extLst>
+          </p:cNvPr>
+          <p:cNvCxnSpPr>
+            <a:cxnSpLocks/>
+          </p:cNvCxnSpPr>
+          <p:nvPr/>
+        </p:nvCxnSpPr>
+        <p:spPr>
+          <a:xfrm>
+            <a:off x="2872985" y="4944979"/>
+            <a:ext cx="4939509" cy="0"/>
+          </a:xfrm>
+          <a:prstGeom prst="straightConnector1">
+            <a:avLst/>
+          </a:prstGeom>
+          <a:ln w="38100">
+            <a:solidFill>
+              <a:schemeClr val="tx1"/>
+            </a:solidFill>
+            <a:prstDash val="solid"/>
+            <a:tailEnd type="triangle"/>
+          </a:ln>
+        </p:spPr>
+        <p:style>
+          <a:lnRef idx="1">
+            <a:schemeClr val="dk1"/>
+          </a:lnRef>
+          <a:fillRef idx="0">
+            <a:schemeClr val="dk1"/>
+          </a:fillRef>
+          <a:effectRef idx="0">
+            <a:schemeClr val="dk1"/>
+          </a:effectRef>
+          <a:fontRef idx="minor">
+            <a:schemeClr val="tx1"/>
+          </a:fontRef>
+        </p:style>
+      </p:cxnSp>
+      <p:cxnSp>
+        <p:nvCxnSpPr>
+          <p:cNvPr id="5" name="Straight Arrow Connector 4">
+            <a:extLst>
+              <a:ext uri="{FF2B5EF4-FFF2-40B4-BE49-F238E27FC236}">
+                <a16:creationId xmlns:a16="http://schemas.microsoft.com/office/drawing/2014/main" id="{0E13BEF4-2780-6637-0B4C-4A6B8CD8647B}"/>
+              </a:ext>
+            </a:extLst>
+          </p:cNvPr>
+          <p:cNvCxnSpPr>
+            <a:cxnSpLocks/>
+          </p:cNvCxnSpPr>
+          <p:nvPr/>
+        </p:nvCxnSpPr>
+        <p:spPr>
+          <a:xfrm flipV="1">
+            <a:off x="3124268" y="1215189"/>
+            <a:ext cx="0" cy="4018548"/>
+          </a:xfrm>
+          <a:prstGeom prst="straightConnector1">
+            <a:avLst/>
+          </a:prstGeom>
+          <a:ln w="38100">
+            <a:tailEnd type="triangle"/>
+          </a:ln>
+        </p:spPr>
+        <p:style>
+          <a:lnRef idx="1">
+            <a:schemeClr val="dk1"/>
+          </a:lnRef>
+          <a:fillRef idx="0">
+            <a:schemeClr val="dk1"/>
+          </a:fillRef>
+          <a:effectRef idx="0">
+            <a:schemeClr val="dk1"/>
+          </a:effectRef>
+          <a:fontRef idx="minor">
+            <a:schemeClr val="tx1"/>
+          </a:fontRef>
+        </p:style>
+      </p:cxnSp>
+      <mc:AlternateContent xmlns:mc="http://schemas.openxmlformats.org/markup-compatibility/2006" xmlns:a14="http://schemas.microsoft.com/office/drawing/2010/main">
+        <mc:Choice Requires="a14">
+          <p:sp>
+            <p:nvSpPr>
+              <p:cNvPr id="6" name="TextBox 5">
+                <a:extLst>
+                  <a:ext uri="{FF2B5EF4-FFF2-40B4-BE49-F238E27FC236}">
+                    <a16:creationId xmlns:a16="http://schemas.microsoft.com/office/drawing/2014/main" id="{A222629C-CB84-C18A-E105-0236D2B27652}"/>
+                  </a:ext>
+                </a:extLst>
+              </p:cNvPr>
+              <p:cNvSpPr txBox="1"/>
+              <p:nvPr/>
+            </p:nvSpPr>
+            <p:spPr>
+              <a:xfrm>
+                <a:off x="7616976" y="4972127"/>
+                <a:ext cx="391037" cy="523220"/>
+              </a:xfrm>
+              <a:prstGeom prst="rect">
+                <a:avLst/>
+              </a:prstGeom>
+              <a:noFill/>
+            </p:spPr>
+            <p:txBody>
+              <a:bodyPr wrap="none" rtlCol="0">
+                <a:spAutoFit/>
+              </a:bodyPr>
+              <a:lstStyle/>
+              <a:p>
+                <a:pPr/>
+                <a14:m>
+                  <m:oMathPara xmlns:m="http://schemas.openxmlformats.org/officeDocument/2006/math">
+                    <m:oMathParaPr>
+                      <m:jc m:val="centerGroup"/>
+                    </m:oMathParaPr>
+                    <m:oMath xmlns:m="http://schemas.openxmlformats.org/officeDocument/2006/math">
+                      <m:r>
+                        <a:rPr lang="en-US" sz="2800" b="0" i="1" smtClean="0">
+                          <a:solidFill>
+                            <a:schemeClr val="tx1"/>
+                          </a:solidFill>
+                          <a:latin typeface="Cambria Math" panose="02040503050406030204" pitchFamily="18" charset="0"/>
+                        </a:rPr>
+                        <m:t>𝑥</m:t>
+                      </m:r>
+                    </m:oMath>
+                  </m:oMathPara>
+                </a14:m>
+                <a:endParaRPr lang="en-US" sz="2800" dirty="0">
+                  <a:solidFill>
+                    <a:schemeClr val="tx1"/>
+                  </a:solidFill>
+                </a:endParaRPr>
+              </a:p>
+            </p:txBody>
+          </p:sp>
+        </mc:Choice>
+        <mc:Fallback xmlns="">
+          <p:sp>
+            <p:nvSpPr>
+              <p:cNvPr id="6" name="TextBox 5">
+                <a:extLst>
+                  <a:ext uri="{FF2B5EF4-FFF2-40B4-BE49-F238E27FC236}">
+                    <a16:creationId xmlns:a16="http://schemas.microsoft.com/office/drawing/2014/main" id="{A222629C-CB84-C18A-E105-0236D2B27652}"/>
+                  </a:ext>
+                </a:extLst>
+              </p:cNvPr>
+              <p:cNvSpPr txBox="1">
+                <a:spLocks noRot="1" noChangeAspect="1" noMove="1" noResize="1" noEditPoints="1" noAdjustHandles="1" noChangeArrowheads="1" noChangeShapeType="1" noTextEdit="1"/>
+              </p:cNvSpPr>
+              <p:nvPr/>
+            </p:nvSpPr>
+            <p:spPr>
+              <a:xfrm>
+                <a:off x="7616976" y="4972127"/>
+                <a:ext cx="391037" cy="523220"/>
+              </a:xfrm>
+              <a:prstGeom prst="rect">
+                <a:avLst/>
+              </a:prstGeom>
+              <a:blipFill>
+                <a:blip r:embed="rId2"/>
+                <a:stretch>
+                  <a:fillRect/>
+                </a:stretch>
+              </a:blipFill>
+            </p:spPr>
+            <p:txBody>
+              <a:bodyPr/>
+              <a:lstStyle/>
+              <a:p>
+                <a:r>
+                  <a:rPr lang="en-US">
+                    <a:noFill/>
+                  </a:rPr>
+                  <a:t> </a:t>
+                </a:r>
+              </a:p>
+            </p:txBody>
+          </p:sp>
+        </mc:Fallback>
+      </mc:AlternateContent>
+      <mc:AlternateContent xmlns:mc="http://schemas.openxmlformats.org/markup-compatibility/2006" xmlns:a14="http://schemas.microsoft.com/office/drawing/2010/main">
+        <mc:Choice Requires="a14">
+          <p:sp>
+            <p:nvSpPr>
+              <p:cNvPr id="7" name="TextBox 6">
+                <a:extLst>
+                  <a:ext uri="{FF2B5EF4-FFF2-40B4-BE49-F238E27FC236}">
+                    <a16:creationId xmlns:a16="http://schemas.microsoft.com/office/drawing/2014/main" id="{7606541C-451E-94B2-A3CD-DAC6F5906D10}"/>
+                  </a:ext>
+                </a:extLst>
+              </p:cNvPr>
+              <p:cNvSpPr txBox="1"/>
+              <p:nvPr/>
+            </p:nvSpPr>
+            <p:spPr>
+              <a:xfrm>
+                <a:off x="2733231" y="4944979"/>
+                <a:ext cx="391037" cy="523220"/>
+              </a:xfrm>
+              <a:prstGeom prst="rect">
+                <a:avLst/>
+              </a:prstGeom>
+              <a:noFill/>
+            </p:spPr>
+            <p:txBody>
+              <a:bodyPr wrap="none" rtlCol="0">
+                <a:spAutoFit/>
+              </a:bodyPr>
+              <a:lstStyle/>
+              <a:p>
+                <a:pPr/>
+                <a14:m>
+                  <m:oMathPara xmlns:m="http://schemas.openxmlformats.org/officeDocument/2006/math">
+                    <m:oMathParaPr>
+                      <m:jc m:val="centerGroup"/>
+                    </m:oMathParaPr>
+                    <m:oMath xmlns:m="http://schemas.openxmlformats.org/officeDocument/2006/math">
+                      <m:r>
+                        <a:rPr lang="en-US" sz="2800" b="0" i="1" smtClean="0">
+                          <a:latin typeface="Cambria Math" panose="02040503050406030204" pitchFamily="18" charset="0"/>
+                        </a:rPr>
+                        <m:t>0</m:t>
+                      </m:r>
+                    </m:oMath>
+                  </m:oMathPara>
+                </a14:m>
+                <a:endParaRPr lang="en-US" sz="2800" dirty="0"/>
+              </a:p>
+            </p:txBody>
+          </p:sp>
+        </mc:Choice>
+        <mc:Fallback xmlns="">
+          <p:sp>
+            <p:nvSpPr>
+              <p:cNvPr id="7" name="TextBox 6">
+                <a:extLst>
+                  <a:ext uri="{FF2B5EF4-FFF2-40B4-BE49-F238E27FC236}">
+                    <a16:creationId xmlns:a16="http://schemas.microsoft.com/office/drawing/2014/main" id="{7606541C-451E-94B2-A3CD-DAC6F5906D10}"/>
+                  </a:ext>
+                </a:extLst>
+              </p:cNvPr>
+              <p:cNvSpPr txBox="1">
+                <a:spLocks noRot="1" noChangeAspect="1" noMove="1" noResize="1" noEditPoints="1" noAdjustHandles="1" noChangeArrowheads="1" noChangeShapeType="1" noTextEdit="1"/>
+              </p:cNvSpPr>
+              <p:nvPr/>
+            </p:nvSpPr>
+            <p:spPr>
+              <a:xfrm>
+                <a:off x="2733231" y="4944979"/>
+                <a:ext cx="391037" cy="523220"/>
+              </a:xfrm>
+              <a:prstGeom prst="rect">
+                <a:avLst/>
+              </a:prstGeom>
+              <a:blipFill>
+                <a:blip r:embed="rId3"/>
+                <a:stretch>
+                  <a:fillRect/>
+                </a:stretch>
+              </a:blipFill>
+            </p:spPr>
+            <p:txBody>
+              <a:bodyPr/>
+              <a:lstStyle/>
+              <a:p>
+                <a:r>
+                  <a:rPr lang="en-US">
+                    <a:noFill/>
+                  </a:rPr>
+                  <a:t> </a:t>
+                </a:r>
+              </a:p>
+            </p:txBody>
+          </p:sp>
+        </mc:Fallback>
+      </mc:AlternateContent>
+      <mc:AlternateContent xmlns:mc="http://schemas.openxmlformats.org/markup-compatibility/2006" xmlns:a14="http://schemas.microsoft.com/office/drawing/2010/main">
+        <mc:Choice Requires="a14">
+          <p:sp>
+            <p:nvSpPr>
+              <p:cNvPr id="8" name="TextBox 7">
+                <a:extLst>
+                  <a:ext uri="{FF2B5EF4-FFF2-40B4-BE49-F238E27FC236}">
+                    <a16:creationId xmlns:a16="http://schemas.microsoft.com/office/drawing/2014/main" id="{AB4DE793-3F86-5050-758B-D482742B5847}"/>
+                  </a:ext>
+                </a:extLst>
+              </p:cNvPr>
+              <p:cNvSpPr txBox="1"/>
+              <p:nvPr/>
+            </p:nvSpPr>
+            <p:spPr>
+              <a:xfrm>
+                <a:off x="2733231" y="953579"/>
+                <a:ext cx="395108" cy="523220"/>
+              </a:xfrm>
+              <a:prstGeom prst="rect">
+                <a:avLst/>
+              </a:prstGeom>
+              <a:noFill/>
+            </p:spPr>
+            <p:txBody>
+              <a:bodyPr wrap="none" rtlCol="0">
+                <a:spAutoFit/>
+              </a:bodyPr>
+              <a:lstStyle/>
+              <a:p>
+                <a:pPr/>
+                <a14:m>
+                  <m:oMathPara xmlns:m="http://schemas.openxmlformats.org/officeDocument/2006/math">
+                    <m:oMathParaPr>
+                      <m:jc m:val="centerGroup"/>
+                    </m:oMathParaPr>
+                    <m:oMath xmlns:m="http://schemas.openxmlformats.org/officeDocument/2006/math">
+                      <m:r>
+                        <a:rPr lang="en-US" sz="2800" b="0" i="1" smtClean="0">
+                          <a:latin typeface="Cambria Math" panose="02040503050406030204" pitchFamily="18" charset="0"/>
+                        </a:rPr>
+                        <m:t>𝑦</m:t>
+                      </m:r>
+                    </m:oMath>
+                  </m:oMathPara>
+                </a14:m>
+                <a:endParaRPr lang="en-US" sz="2800" dirty="0"/>
+              </a:p>
+            </p:txBody>
+          </p:sp>
+        </mc:Choice>
+        <mc:Fallback xmlns="">
+          <p:sp>
+            <p:nvSpPr>
+              <p:cNvPr id="8" name="TextBox 7">
+                <a:extLst>
+                  <a:ext uri="{FF2B5EF4-FFF2-40B4-BE49-F238E27FC236}">
+                    <a16:creationId xmlns:a16="http://schemas.microsoft.com/office/drawing/2014/main" id="{AB4DE793-3F86-5050-758B-D482742B5847}"/>
+                  </a:ext>
+                </a:extLst>
+              </p:cNvPr>
+              <p:cNvSpPr txBox="1">
+                <a:spLocks noRot="1" noChangeAspect="1" noMove="1" noResize="1" noEditPoints="1" noAdjustHandles="1" noChangeArrowheads="1" noChangeShapeType="1" noTextEdit="1"/>
+              </p:cNvSpPr>
+              <p:nvPr/>
+            </p:nvSpPr>
+            <p:spPr>
+              <a:xfrm>
+                <a:off x="2733231" y="953579"/>
+                <a:ext cx="395108" cy="523220"/>
+              </a:xfrm>
+              <a:prstGeom prst="rect">
+                <a:avLst/>
+              </a:prstGeom>
+              <a:blipFill>
+                <a:blip r:embed="rId4"/>
+                <a:stretch>
+                  <a:fillRect/>
+                </a:stretch>
+              </a:blipFill>
+            </p:spPr>
+            <p:txBody>
+              <a:bodyPr/>
+              <a:lstStyle/>
+              <a:p>
+                <a:r>
+                  <a:rPr lang="en-US">
+                    <a:noFill/>
+                  </a:rPr>
+                  <a:t> </a:t>
+                </a:r>
+              </a:p>
+            </p:txBody>
+          </p:sp>
+        </mc:Fallback>
+      </mc:AlternateContent>
+      <p:cxnSp>
+        <p:nvCxnSpPr>
+          <p:cNvPr id="21" name="Straight Connector 20">
+            <a:extLst>
+              <a:ext uri="{FF2B5EF4-FFF2-40B4-BE49-F238E27FC236}">
+                <a16:creationId xmlns:a16="http://schemas.microsoft.com/office/drawing/2014/main" id="{7E57C577-AE81-16BE-9EFC-D625E3ECBC97}"/>
+              </a:ext>
+            </a:extLst>
+          </p:cNvPr>
+          <p:cNvCxnSpPr>
+            <a:cxnSpLocks/>
+          </p:cNvCxnSpPr>
+          <p:nvPr/>
+        </p:nvCxnSpPr>
+        <p:spPr>
+          <a:xfrm>
+            <a:off x="3091942" y="2496946"/>
+            <a:ext cx="72851" cy="0"/>
+          </a:xfrm>
+          <a:prstGeom prst="line">
+            <a:avLst/>
+          </a:prstGeom>
+          <a:ln w="28575"/>
+        </p:spPr>
+        <p:style>
+          <a:lnRef idx="1">
+            <a:schemeClr val="dk1"/>
+          </a:lnRef>
+          <a:fillRef idx="0">
+            <a:schemeClr val="dk1"/>
+          </a:fillRef>
+          <a:effectRef idx="0">
+            <a:schemeClr val="dk1"/>
+          </a:effectRef>
+          <a:fontRef idx="minor">
+            <a:schemeClr val="tx1"/>
+          </a:fontRef>
+        </p:style>
+      </p:cxnSp>
+      <p:sp>
+        <p:nvSpPr>
+          <p:cNvPr id="46" name="TextBox 45">
+            <a:extLst>
+              <a:ext uri="{FF2B5EF4-FFF2-40B4-BE49-F238E27FC236}">
+                <a16:creationId xmlns:a16="http://schemas.microsoft.com/office/drawing/2014/main" id="{246E322D-F30A-0A50-39F1-341BB47135F1}"/>
+              </a:ext>
+            </a:extLst>
+          </p:cNvPr>
+          <p:cNvSpPr txBox="1"/>
+          <p:nvPr/>
+        </p:nvSpPr>
+        <p:spPr>
+          <a:xfrm>
+            <a:off x="7078370" y="5024291"/>
+            <a:ext cx="298903" cy="369332"/>
+          </a:xfrm>
+          <a:prstGeom prst="rect">
+            <a:avLst/>
+          </a:prstGeom>
+          <a:noFill/>
+        </p:spPr>
+        <p:txBody>
+          <a:bodyPr wrap="none" rtlCol="0">
+            <a:spAutoFit/>
+          </a:bodyPr>
+          <a:lstStyle/>
+          <a:p>
+            <a:pPr algn="ctr"/>
+            <a:r>
+              <a:rPr lang="en-US" dirty="0"/>
+              <a:t>...</a:t>
+            </a:r>
+          </a:p>
+        </p:txBody>
+      </p:sp>
+      <p:sp>
+        <p:nvSpPr>
+          <p:cNvPr id="10" name="Oval 9">
+            <a:extLst>
+              <a:ext uri="{FF2B5EF4-FFF2-40B4-BE49-F238E27FC236}">
+                <a16:creationId xmlns:a16="http://schemas.microsoft.com/office/drawing/2014/main" id="{5FDD7FB7-2610-6A98-672C-9DF54DFC313D}"/>
+              </a:ext>
+            </a:extLst>
+          </p:cNvPr>
+          <p:cNvSpPr/>
+          <p:nvPr/>
+        </p:nvSpPr>
+        <p:spPr>
+          <a:xfrm>
+            <a:off x="3760273" y="4538183"/>
+            <a:ext cx="187200" cy="188685"/>
+          </a:xfrm>
+          <a:prstGeom prst="ellipse">
+            <a:avLst/>
+          </a:prstGeom>
+          <a:solidFill>
+            <a:schemeClr val="bg1"/>
+          </a:solidFill>
+          <a:ln w="28575">
+            <a:solidFill>
+              <a:schemeClr val="tx1"/>
+            </a:solidFill>
+          </a:ln>
+        </p:spPr>
+        <p:style>
+          <a:lnRef idx="2">
+            <a:schemeClr val="accent1">
+              <a:shade val="50000"/>
+            </a:schemeClr>
+          </a:lnRef>
+          <a:fillRef idx="1">
+            <a:schemeClr val="accent1"/>
+          </a:fillRef>
+          <a:effectRef idx="0">
+            <a:schemeClr val="accent1"/>
+          </a:effectRef>
+          <a:fontRef idx="minor">
+            <a:schemeClr val="lt1"/>
+          </a:fontRef>
+        </p:style>
+        <p:txBody>
+          <a:bodyPr rtlCol="0" anchor="ctr"/>
+          <a:lstStyle/>
+          <a:p>
+            <a:pPr algn="ctr"/>
+            <a:endParaRPr lang="en-US"/>
+          </a:p>
+        </p:txBody>
+      </p:sp>
+      <p:sp>
+        <p:nvSpPr>
+          <p:cNvPr id="12" name="Oval 11">
+            <a:extLst>
+              <a:ext uri="{FF2B5EF4-FFF2-40B4-BE49-F238E27FC236}">
+                <a16:creationId xmlns:a16="http://schemas.microsoft.com/office/drawing/2014/main" id="{F9FE4F09-044C-AE40-8DEF-D518922219F4}"/>
+              </a:ext>
+            </a:extLst>
+          </p:cNvPr>
+          <p:cNvSpPr/>
+          <p:nvPr/>
+        </p:nvSpPr>
+        <p:spPr>
+          <a:xfrm>
+            <a:off x="5808290" y="4538183"/>
+            <a:ext cx="187200" cy="188685"/>
+          </a:xfrm>
+          <a:prstGeom prst="ellipse">
+            <a:avLst/>
+          </a:prstGeom>
+          <a:solidFill>
+            <a:schemeClr val="bg1"/>
+          </a:solidFill>
+          <a:ln w="28575">
+            <a:solidFill>
+              <a:schemeClr val="tx1"/>
+            </a:solidFill>
+          </a:ln>
+        </p:spPr>
+        <p:style>
+          <a:lnRef idx="2">
+            <a:schemeClr val="accent1">
+              <a:shade val="50000"/>
+            </a:schemeClr>
+          </a:lnRef>
+          <a:fillRef idx="1">
+            <a:schemeClr val="accent1"/>
+          </a:fillRef>
+          <a:effectRef idx="0">
+            <a:schemeClr val="accent1"/>
+          </a:effectRef>
+          <a:fontRef idx="minor">
+            <a:schemeClr val="lt1"/>
+          </a:fontRef>
+        </p:style>
+        <p:txBody>
+          <a:bodyPr rtlCol="0" anchor="ctr"/>
+          <a:lstStyle/>
+          <a:p>
+            <a:pPr algn="ctr"/>
+            <a:endParaRPr lang="en-US"/>
+          </a:p>
+        </p:txBody>
+      </p:sp>
+      <p:sp>
+        <p:nvSpPr>
+          <p:cNvPr id="54" name="Oval 53">
+            <a:extLst>
+              <a:ext uri="{FF2B5EF4-FFF2-40B4-BE49-F238E27FC236}">
+                <a16:creationId xmlns:a16="http://schemas.microsoft.com/office/drawing/2014/main" id="{B5B46C72-2B3C-2320-0DEB-C26A208C38AB}"/>
+              </a:ext>
+            </a:extLst>
+          </p:cNvPr>
+          <p:cNvSpPr/>
+          <p:nvPr/>
+        </p:nvSpPr>
+        <p:spPr>
+          <a:xfrm>
+            <a:off x="6513421" y="2737079"/>
+            <a:ext cx="187200" cy="188685"/>
+          </a:xfrm>
+          <a:prstGeom prst="ellipse">
+            <a:avLst/>
+          </a:prstGeom>
+          <a:solidFill>
+            <a:schemeClr val="bg1"/>
+          </a:solidFill>
+          <a:ln w="28575">
+            <a:solidFill>
+              <a:schemeClr val="tx1"/>
+            </a:solidFill>
+          </a:ln>
+        </p:spPr>
+        <p:style>
+          <a:lnRef idx="2">
+            <a:schemeClr val="accent1">
+              <a:shade val="50000"/>
+            </a:schemeClr>
+          </a:lnRef>
+          <a:fillRef idx="1">
+            <a:schemeClr val="accent1"/>
+          </a:fillRef>
+          <a:effectRef idx="0">
+            <a:schemeClr val="accent1"/>
+          </a:effectRef>
+          <a:fontRef idx="minor">
+            <a:schemeClr val="lt1"/>
+          </a:fontRef>
+        </p:style>
+        <p:txBody>
+          <a:bodyPr rtlCol="0" anchor="ctr"/>
+          <a:lstStyle/>
+          <a:p>
+            <a:pPr algn="ctr"/>
+            <a:endParaRPr lang="en-US"/>
+          </a:p>
+        </p:txBody>
+      </p:sp>
+      <p:sp>
+        <p:nvSpPr>
+          <p:cNvPr id="55" name="Oval 54">
+            <a:extLst>
+              <a:ext uri="{FF2B5EF4-FFF2-40B4-BE49-F238E27FC236}">
+                <a16:creationId xmlns:a16="http://schemas.microsoft.com/office/drawing/2014/main" id="{1FE0B3BB-6060-508C-022A-6378C2E0716C}"/>
+              </a:ext>
+            </a:extLst>
+          </p:cNvPr>
+          <p:cNvSpPr/>
+          <p:nvPr/>
+        </p:nvSpPr>
+        <p:spPr>
+          <a:xfrm>
+            <a:off x="4780448" y="1618143"/>
+            <a:ext cx="187200" cy="188685"/>
+          </a:xfrm>
+          <a:prstGeom prst="ellipse">
+            <a:avLst/>
+          </a:prstGeom>
+          <a:solidFill>
+            <a:schemeClr val="bg1"/>
+          </a:solidFill>
+          <a:ln w="28575">
+            <a:solidFill>
+              <a:schemeClr val="tx1"/>
+            </a:solidFill>
+          </a:ln>
+        </p:spPr>
+        <p:style>
+          <a:lnRef idx="2">
+            <a:schemeClr val="accent1">
+              <a:shade val="50000"/>
+            </a:schemeClr>
+          </a:lnRef>
+          <a:fillRef idx="1">
+            <a:schemeClr val="accent1"/>
+          </a:fillRef>
+          <a:effectRef idx="0">
+            <a:schemeClr val="accent1"/>
+          </a:effectRef>
+          <a:fontRef idx="minor">
+            <a:schemeClr val="lt1"/>
+          </a:fontRef>
+        </p:style>
+        <p:txBody>
+          <a:bodyPr rtlCol="0" anchor="ctr"/>
+          <a:lstStyle/>
+          <a:p>
+            <a:pPr algn="ctr"/>
+            <a:endParaRPr lang="en-US"/>
+          </a:p>
+        </p:txBody>
+      </p:sp>
+      <p:sp>
+        <p:nvSpPr>
+          <p:cNvPr id="57" name="Oval 56">
+            <a:extLst>
+              <a:ext uri="{FF2B5EF4-FFF2-40B4-BE49-F238E27FC236}">
+                <a16:creationId xmlns:a16="http://schemas.microsoft.com/office/drawing/2014/main" id="{615589FD-E1A4-D1ED-3DA1-FB2DA3DF01E5}"/>
+              </a:ext>
+            </a:extLst>
+          </p:cNvPr>
+          <p:cNvSpPr/>
+          <p:nvPr/>
+        </p:nvSpPr>
+        <p:spPr>
+          <a:xfrm>
+            <a:off x="3042704" y="2737079"/>
+            <a:ext cx="187200" cy="188685"/>
+          </a:xfrm>
+          <a:prstGeom prst="ellipse">
+            <a:avLst/>
+          </a:prstGeom>
+          <a:solidFill>
+            <a:schemeClr val="bg1"/>
+          </a:solidFill>
+          <a:ln w="28575">
+            <a:solidFill>
+              <a:schemeClr val="tx1"/>
+            </a:solidFill>
+          </a:ln>
+        </p:spPr>
+        <p:style>
+          <a:lnRef idx="2">
+            <a:schemeClr val="accent1">
+              <a:shade val="50000"/>
+            </a:schemeClr>
+          </a:lnRef>
+          <a:fillRef idx="1">
+            <a:schemeClr val="accent1"/>
+          </a:fillRef>
+          <a:effectRef idx="0">
+            <a:schemeClr val="accent1"/>
+          </a:effectRef>
+          <a:fontRef idx="minor">
+            <a:schemeClr val="lt1"/>
+          </a:fontRef>
+        </p:style>
+        <p:txBody>
+          <a:bodyPr rtlCol="0" anchor="ctr"/>
+          <a:lstStyle/>
+          <a:p>
+            <a:pPr algn="ctr"/>
+            <a:endParaRPr lang="en-US"/>
+          </a:p>
+        </p:txBody>
+      </p:sp>
+      <p:cxnSp>
+        <p:nvCxnSpPr>
+          <p:cNvPr id="63" name="Straight Connector 62">
+            <a:extLst>
+              <a:ext uri="{FF2B5EF4-FFF2-40B4-BE49-F238E27FC236}">
+                <a16:creationId xmlns:a16="http://schemas.microsoft.com/office/drawing/2014/main" id="{0CC07C5C-5446-FFDB-4C88-351DE6E1D32F}"/>
+              </a:ext>
+            </a:extLst>
+          </p:cNvPr>
+          <p:cNvCxnSpPr>
+            <a:cxnSpLocks/>
+          </p:cNvCxnSpPr>
+          <p:nvPr/>
+        </p:nvCxnSpPr>
+        <p:spPr>
+          <a:xfrm>
+            <a:off x="3091942" y="4108009"/>
+            <a:ext cx="72851" cy="0"/>
+          </a:xfrm>
+          <a:prstGeom prst="line">
+            <a:avLst/>
+          </a:prstGeom>
+          <a:ln w="28575"/>
+        </p:spPr>
+        <p:style>
+          <a:lnRef idx="1">
+            <a:schemeClr val="dk1"/>
+          </a:lnRef>
+          <a:fillRef idx="0">
+            <a:schemeClr val="dk1"/>
+          </a:fillRef>
+          <a:effectRef idx="0">
+            <a:schemeClr val="dk1"/>
+          </a:effectRef>
+          <a:fontRef idx="minor">
+            <a:schemeClr val="tx1"/>
+          </a:fontRef>
+        </p:style>
+      </p:cxnSp>
+      <p:cxnSp>
+        <p:nvCxnSpPr>
+          <p:cNvPr id="64" name="Straight Connector 63">
+            <a:extLst>
+              <a:ext uri="{FF2B5EF4-FFF2-40B4-BE49-F238E27FC236}">
+                <a16:creationId xmlns:a16="http://schemas.microsoft.com/office/drawing/2014/main" id="{CA29A51E-1C30-A976-8247-420A5600F997}"/>
+              </a:ext>
+            </a:extLst>
+          </p:cNvPr>
+          <p:cNvCxnSpPr>
+            <a:cxnSpLocks/>
+          </p:cNvCxnSpPr>
+          <p:nvPr/>
+        </p:nvCxnSpPr>
+        <p:spPr>
+          <a:xfrm>
+            <a:off x="3091942" y="3302051"/>
+            <a:ext cx="72851" cy="0"/>
+          </a:xfrm>
+          <a:prstGeom prst="line">
+            <a:avLst/>
+          </a:prstGeom>
+          <a:ln w="28575"/>
+        </p:spPr>
+        <p:style>
+          <a:lnRef idx="1">
+            <a:schemeClr val="dk1"/>
+          </a:lnRef>
+          <a:fillRef idx="0">
+            <a:schemeClr val="dk1"/>
+          </a:fillRef>
+          <a:effectRef idx="0">
+            <a:schemeClr val="dk1"/>
+          </a:effectRef>
+          <a:fontRef idx="minor">
+            <a:schemeClr val="tx1"/>
+          </a:fontRef>
+        </p:style>
+      </p:cxnSp>
+      <p:cxnSp>
+        <p:nvCxnSpPr>
+          <p:cNvPr id="65" name="Straight Connector 64">
+            <a:extLst>
+              <a:ext uri="{FF2B5EF4-FFF2-40B4-BE49-F238E27FC236}">
+                <a16:creationId xmlns:a16="http://schemas.microsoft.com/office/drawing/2014/main" id="{3BA214E3-21B0-6CEA-F252-A093B5DFBD83}"/>
+              </a:ext>
+            </a:extLst>
+          </p:cNvPr>
+          <p:cNvCxnSpPr>
+            <a:cxnSpLocks/>
+          </p:cNvCxnSpPr>
+          <p:nvPr/>
+        </p:nvCxnSpPr>
+        <p:spPr>
+          <a:xfrm>
+            <a:off x="3091942" y="1691048"/>
+            <a:ext cx="72851" cy="0"/>
+          </a:xfrm>
+          <a:prstGeom prst="line">
+            <a:avLst/>
+          </a:prstGeom>
+          <a:ln w="28575"/>
+        </p:spPr>
+        <p:style>
+          <a:lnRef idx="1">
+            <a:schemeClr val="dk1"/>
+          </a:lnRef>
+          <a:fillRef idx="0">
+            <a:schemeClr val="dk1"/>
+          </a:fillRef>
+          <a:effectRef idx="0">
+            <a:schemeClr val="dk1"/>
+          </a:effectRef>
+          <a:fontRef idx="minor">
+            <a:schemeClr val="tx1"/>
+          </a:fontRef>
+        </p:style>
+      </p:cxnSp>
+      <p:sp>
+        <p:nvSpPr>
+          <p:cNvPr id="67" name="TextBox 66">
+            <a:extLst>
+              <a:ext uri="{FF2B5EF4-FFF2-40B4-BE49-F238E27FC236}">
+                <a16:creationId xmlns:a16="http://schemas.microsoft.com/office/drawing/2014/main" id="{042D5F3F-0BD1-35DF-EE04-E50272646E82}"/>
+              </a:ext>
+            </a:extLst>
+          </p:cNvPr>
+          <p:cNvSpPr txBox="1"/>
+          <p:nvPr/>
+        </p:nvSpPr>
+        <p:spPr>
+          <a:xfrm>
+            <a:off x="2701867" y="3922226"/>
+            <a:ext cx="398000" cy="369332"/>
+          </a:xfrm>
+          <a:prstGeom prst="rect">
+            <a:avLst/>
+          </a:prstGeom>
+          <a:noFill/>
+        </p:spPr>
+        <p:txBody>
+          <a:bodyPr wrap="none" rtlCol="0">
+            <a:spAutoFit/>
+          </a:bodyPr>
+          <a:lstStyle/>
+          <a:p>
+            <a:r>
+              <a:rPr lang="en-US" dirty="0"/>
+              <a:t>0.5</a:t>
+            </a:r>
+          </a:p>
+        </p:txBody>
+      </p:sp>
+      <p:sp>
+        <p:nvSpPr>
+          <p:cNvPr id="68" name="TextBox 67">
+            <a:extLst>
+              <a:ext uri="{FF2B5EF4-FFF2-40B4-BE49-F238E27FC236}">
+                <a16:creationId xmlns:a16="http://schemas.microsoft.com/office/drawing/2014/main" id="{E8B76E63-EFFD-4440-F968-52F586F19DD9}"/>
+              </a:ext>
+            </a:extLst>
+          </p:cNvPr>
+          <p:cNvSpPr txBox="1"/>
+          <p:nvPr/>
+        </p:nvSpPr>
+        <p:spPr>
+          <a:xfrm>
+            <a:off x="2802733" y="3126772"/>
+            <a:ext cx="252032" cy="369332"/>
+          </a:xfrm>
+          <a:prstGeom prst="rect">
+            <a:avLst/>
+          </a:prstGeom>
+          <a:noFill/>
+        </p:spPr>
+        <p:txBody>
+          <a:bodyPr wrap="none" rtlCol="0">
+            <a:spAutoFit/>
+          </a:bodyPr>
+          <a:lstStyle/>
+          <a:p>
+            <a:r>
+              <a:rPr lang="en-US" dirty="0"/>
+              <a:t>1</a:t>
+            </a:r>
+          </a:p>
+        </p:txBody>
+      </p:sp>
+      <p:sp>
+        <p:nvSpPr>
+          <p:cNvPr id="69" name="TextBox 68">
+            <a:extLst>
+              <a:ext uri="{FF2B5EF4-FFF2-40B4-BE49-F238E27FC236}">
+                <a16:creationId xmlns:a16="http://schemas.microsoft.com/office/drawing/2014/main" id="{E60DB348-2CE1-A314-CFAF-32DB3AA07FD2}"/>
+              </a:ext>
+            </a:extLst>
+          </p:cNvPr>
+          <p:cNvSpPr txBox="1"/>
+          <p:nvPr/>
+        </p:nvSpPr>
+        <p:spPr>
+          <a:xfrm>
+            <a:off x="2802733" y="1477232"/>
+            <a:ext cx="252032" cy="369332"/>
+          </a:xfrm>
+          <a:prstGeom prst="rect">
+            <a:avLst/>
+          </a:prstGeom>
+          <a:noFill/>
+        </p:spPr>
+        <p:txBody>
+          <a:bodyPr wrap="none" rtlCol="0">
+            <a:spAutoFit/>
+          </a:bodyPr>
+          <a:lstStyle/>
+          <a:p>
+            <a:r>
+              <a:rPr lang="en-US" dirty="0"/>
+              <a:t>2</a:t>
+            </a:r>
+          </a:p>
+        </p:txBody>
+      </p:sp>
+      <p:cxnSp>
+        <p:nvCxnSpPr>
+          <p:cNvPr id="70" name="Straight Connector 69">
+            <a:extLst>
+              <a:ext uri="{FF2B5EF4-FFF2-40B4-BE49-F238E27FC236}">
+                <a16:creationId xmlns:a16="http://schemas.microsoft.com/office/drawing/2014/main" id="{F9AC8D28-212A-9EA5-8C6A-57251CAF430B}"/>
+              </a:ext>
+            </a:extLst>
+          </p:cNvPr>
+          <p:cNvCxnSpPr>
+            <a:cxnSpLocks/>
+          </p:cNvCxnSpPr>
+          <p:nvPr/>
+        </p:nvCxnSpPr>
+        <p:spPr>
+          <a:xfrm rot="5400000">
+            <a:off x="3895017" y="4942078"/>
+            <a:ext cx="188685" cy="0"/>
+          </a:xfrm>
+          <a:prstGeom prst="line">
+            <a:avLst/>
+          </a:prstGeom>
+          <a:ln w="28575">
+            <a:solidFill>
+              <a:schemeClr val="tx1"/>
+            </a:solidFill>
+          </a:ln>
+        </p:spPr>
+        <p:style>
+          <a:lnRef idx="1">
+            <a:schemeClr val="dk1"/>
+          </a:lnRef>
+          <a:fillRef idx="0">
+            <a:schemeClr val="dk1"/>
+          </a:fillRef>
+          <a:effectRef idx="0">
+            <a:schemeClr val="dk1"/>
+          </a:effectRef>
+          <a:fontRef idx="minor">
+            <a:schemeClr val="tx1"/>
+          </a:fontRef>
+        </p:style>
+      </p:cxnSp>
+      <p:cxnSp>
+        <p:nvCxnSpPr>
+          <p:cNvPr id="71" name="Straight Connector 70">
+            <a:extLst>
+              <a:ext uri="{FF2B5EF4-FFF2-40B4-BE49-F238E27FC236}">
+                <a16:creationId xmlns:a16="http://schemas.microsoft.com/office/drawing/2014/main" id="{FC3B4B89-0D24-86A3-776B-B2CD524FACB1}"/>
+              </a:ext>
+            </a:extLst>
+          </p:cNvPr>
+          <p:cNvCxnSpPr>
+            <a:cxnSpLocks/>
+          </p:cNvCxnSpPr>
+          <p:nvPr/>
+        </p:nvCxnSpPr>
+        <p:spPr>
+          <a:xfrm rot="5400000">
+            <a:off x="4757432" y="4942078"/>
+            <a:ext cx="188685" cy="0"/>
+          </a:xfrm>
+          <a:prstGeom prst="line">
+            <a:avLst/>
+          </a:prstGeom>
+          <a:ln w="28575">
+            <a:solidFill>
+              <a:schemeClr val="tx1"/>
+            </a:solidFill>
+          </a:ln>
+        </p:spPr>
+        <p:style>
+          <a:lnRef idx="1">
+            <a:schemeClr val="dk1"/>
+          </a:lnRef>
+          <a:fillRef idx="0">
+            <a:schemeClr val="dk1"/>
+          </a:fillRef>
+          <a:effectRef idx="0">
+            <a:schemeClr val="dk1"/>
+          </a:effectRef>
+          <a:fontRef idx="minor">
+            <a:schemeClr val="tx1"/>
+          </a:fontRef>
+        </p:style>
+      </p:cxnSp>
+      <p:cxnSp>
+        <p:nvCxnSpPr>
+          <p:cNvPr id="72" name="Straight Connector 71">
+            <a:extLst>
+              <a:ext uri="{FF2B5EF4-FFF2-40B4-BE49-F238E27FC236}">
+                <a16:creationId xmlns:a16="http://schemas.microsoft.com/office/drawing/2014/main" id="{EBF3147A-46AB-38B5-BE53-702AF00B9D7D}"/>
+              </a:ext>
+            </a:extLst>
+          </p:cNvPr>
+          <p:cNvCxnSpPr>
+            <a:cxnSpLocks/>
+          </p:cNvCxnSpPr>
+          <p:nvPr/>
+        </p:nvCxnSpPr>
+        <p:spPr>
+          <a:xfrm rot="5400000">
+            <a:off x="5604398" y="4942078"/>
+            <a:ext cx="188685" cy="0"/>
+          </a:xfrm>
+          <a:prstGeom prst="line">
+            <a:avLst/>
+          </a:prstGeom>
+          <a:ln w="28575">
+            <a:solidFill>
+              <a:schemeClr val="tx1"/>
+            </a:solidFill>
+          </a:ln>
+        </p:spPr>
+        <p:style>
+          <a:lnRef idx="1">
+            <a:schemeClr val="dk1"/>
+          </a:lnRef>
+          <a:fillRef idx="0">
+            <a:schemeClr val="dk1"/>
+          </a:fillRef>
+          <a:effectRef idx="0">
+            <a:schemeClr val="dk1"/>
+          </a:effectRef>
+          <a:fontRef idx="minor">
+            <a:schemeClr val="tx1"/>
+          </a:fontRef>
+        </p:style>
+      </p:cxnSp>
+      <p:cxnSp>
+        <p:nvCxnSpPr>
+          <p:cNvPr id="73" name="Straight Connector 72">
+            <a:extLst>
+              <a:ext uri="{FF2B5EF4-FFF2-40B4-BE49-F238E27FC236}">
+                <a16:creationId xmlns:a16="http://schemas.microsoft.com/office/drawing/2014/main" id="{F0D28982-90FD-13D1-4FDF-CC8790094900}"/>
+              </a:ext>
+            </a:extLst>
+          </p:cNvPr>
+          <p:cNvCxnSpPr>
+            <a:cxnSpLocks/>
+          </p:cNvCxnSpPr>
+          <p:nvPr/>
+        </p:nvCxnSpPr>
+        <p:spPr>
+          <a:xfrm rot="5400000">
+            <a:off x="6460386" y="4942078"/>
+            <a:ext cx="188685" cy="0"/>
+          </a:xfrm>
+          <a:prstGeom prst="line">
+            <a:avLst/>
+          </a:prstGeom>
+          <a:ln w="28575">
+            <a:solidFill>
+              <a:schemeClr val="tx1"/>
+            </a:solidFill>
+          </a:ln>
+        </p:spPr>
+        <p:style>
+          <a:lnRef idx="1">
+            <a:schemeClr val="dk1"/>
+          </a:lnRef>
+          <a:fillRef idx="0">
+            <a:schemeClr val="dk1"/>
+          </a:fillRef>
+          <a:effectRef idx="0">
+            <a:schemeClr val="dk1"/>
+          </a:effectRef>
+          <a:fontRef idx="minor">
+            <a:schemeClr val="tx1"/>
+          </a:fontRef>
+        </p:style>
+      </p:cxnSp>
+      <p:sp>
+        <p:nvSpPr>
+          <p:cNvPr id="74" name="TextBox 73">
+            <a:extLst>
+              <a:ext uri="{FF2B5EF4-FFF2-40B4-BE49-F238E27FC236}">
+                <a16:creationId xmlns:a16="http://schemas.microsoft.com/office/drawing/2014/main" id="{FEFA3A7E-6721-E62A-A634-D0569DC29AE2}"/>
+              </a:ext>
+            </a:extLst>
+          </p:cNvPr>
+          <p:cNvSpPr txBox="1"/>
+          <p:nvPr/>
+        </p:nvSpPr>
+        <p:spPr>
+          <a:xfrm>
+            <a:off x="3802306" y="5024291"/>
+            <a:ext cx="398000" cy="369332"/>
+          </a:xfrm>
+          <a:prstGeom prst="rect">
+            <a:avLst/>
+          </a:prstGeom>
+          <a:noFill/>
+        </p:spPr>
+        <p:txBody>
+          <a:bodyPr wrap="none" rtlCol="0">
+            <a:spAutoFit/>
+          </a:bodyPr>
+          <a:lstStyle/>
+          <a:p>
+            <a:r>
+              <a:rPr lang="en-US" dirty="0"/>
+              <a:t>0.5</a:t>
+            </a:r>
+          </a:p>
+        </p:txBody>
+      </p:sp>
+      <p:sp>
+        <p:nvSpPr>
+          <p:cNvPr id="75" name="TextBox 74">
+            <a:extLst>
+              <a:ext uri="{FF2B5EF4-FFF2-40B4-BE49-F238E27FC236}">
+                <a16:creationId xmlns:a16="http://schemas.microsoft.com/office/drawing/2014/main" id="{5BC24D48-17C3-F823-1B0C-B4956BC60EAF}"/>
+              </a:ext>
+            </a:extLst>
+          </p:cNvPr>
+          <p:cNvSpPr txBox="1"/>
+          <p:nvPr/>
+        </p:nvSpPr>
+        <p:spPr>
+          <a:xfrm>
+            <a:off x="4721359" y="5024291"/>
+            <a:ext cx="252031" cy="369332"/>
+          </a:xfrm>
+          <a:prstGeom prst="rect">
+            <a:avLst/>
+          </a:prstGeom>
+          <a:noFill/>
+        </p:spPr>
+        <p:txBody>
+          <a:bodyPr wrap="none" rtlCol="0">
+            <a:spAutoFit/>
+          </a:bodyPr>
+          <a:lstStyle/>
+          <a:p>
+            <a:pPr algn="ctr"/>
+            <a:r>
+              <a:rPr lang="en-US" dirty="0"/>
+              <a:t>1</a:t>
+            </a:r>
+          </a:p>
+        </p:txBody>
+      </p:sp>
+      <p:sp>
+        <p:nvSpPr>
+          <p:cNvPr id="76" name="TextBox 75">
+            <a:extLst>
+              <a:ext uri="{FF2B5EF4-FFF2-40B4-BE49-F238E27FC236}">
+                <a16:creationId xmlns:a16="http://schemas.microsoft.com/office/drawing/2014/main" id="{7F1D481D-C443-0865-094D-990137E681A9}"/>
+              </a:ext>
+            </a:extLst>
+          </p:cNvPr>
+          <p:cNvSpPr txBox="1"/>
+          <p:nvPr/>
+        </p:nvSpPr>
+        <p:spPr>
+          <a:xfrm>
+            <a:off x="5490853" y="5024291"/>
+            <a:ext cx="398001" cy="369332"/>
+          </a:xfrm>
+          <a:prstGeom prst="rect">
+            <a:avLst/>
+          </a:prstGeom>
+          <a:noFill/>
+        </p:spPr>
+        <p:txBody>
+          <a:bodyPr wrap="none" rtlCol="0">
+            <a:spAutoFit/>
+          </a:bodyPr>
+          <a:lstStyle/>
+          <a:p>
+            <a:pPr algn="ctr"/>
+            <a:r>
+              <a:rPr lang="en-US" dirty="0"/>
+              <a:t>1.5</a:t>
+            </a:r>
+          </a:p>
+        </p:txBody>
+      </p:sp>
+      <p:sp>
+        <p:nvSpPr>
+          <p:cNvPr id="77" name="TextBox 76">
+            <a:extLst>
+              <a:ext uri="{FF2B5EF4-FFF2-40B4-BE49-F238E27FC236}">
+                <a16:creationId xmlns:a16="http://schemas.microsoft.com/office/drawing/2014/main" id="{676859AF-9985-6A53-F6C3-650D85FDE841}"/>
+              </a:ext>
+            </a:extLst>
+          </p:cNvPr>
+          <p:cNvSpPr txBox="1"/>
+          <p:nvPr/>
+        </p:nvSpPr>
+        <p:spPr>
+          <a:xfrm>
+            <a:off x="6419826" y="5024291"/>
+            <a:ext cx="252031" cy="369332"/>
+          </a:xfrm>
+          <a:prstGeom prst="rect">
+            <a:avLst/>
+          </a:prstGeom>
+          <a:noFill/>
+        </p:spPr>
+        <p:txBody>
+          <a:bodyPr wrap="none" rtlCol="0">
+            <a:spAutoFit/>
+          </a:bodyPr>
+          <a:lstStyle/>
+          <a:p>
+            <a:pPr algn="ctr"/>
+            <a:r>
+              <a:rPr lang="en-US" dirty="0"/>
+              <a:t>2</a:t>
+            </a:r>
+          </a:p>
+        </p:txBody>
+      </p:sp>
+      <p:sp>
+        <p:nvSpPr>
+          <p:cNvPr id="84" name="TextBox 83">
+            <a:extLst>
+              <a:ext uri="{FF2B5EF4-FFF2-40B4-BE49-F238E27FC236}">
+                <a16:creationId xmlns:a16="http://schemas.microsoft.com/office/drawing/2014/main" id="{848498D6-A3B3-3A5C-7D2E-1992019A415A}"/>
+              </a:ext>
+            </a:extLst>
+          </p:cNvPr>
+          <p:cNvSpPr txBox="1"/>
+          <p:nvPr/>
+        </p:nvSpPr>
+        <p:spPr>
+          <a:xfrm>
+            <a:off x="2691516" y="2315319"/>
+            <a:ext cx="398000" cy="369332"/>
+          </a:xfrm>
+          <a:prstGeom prst="rect">
+            <a:avLst/>
+          </a:prstGeom>
+          <a:noFill/>
+        </p:spPr>
+        <p:txBody>
+          <a:bodyPr wrap="none" rtlCol="0">
+            <a:spAutoFit/>
+          </a:bodyPr>
+          <a:lstStyle/>
+          <a:p>
+            <a:r>
+              <a:rPr lang="en-US" dirty="0"/>
+              <a:t>1.5</a:t>
+            </a:r>
+          </a:p>
+        </p:txBody>
+      </p:sp>
+      <p:sp>
+        <p:nvSpPr>
+          <p:cNvPr id="85" name="TextBox 84">
+            <a:extLst>
+              <a:ext uri="{FF2B5EF4-FFF2-40B4-BE49-F238E27FC236}">
+                <a16:creationId xmlns:a16="http://schemas.microsoft.com/office/drawing/2014/main" id="{483BC349-4400-C425-999E-5D38D54E09D7}"/>
+              </a:ext>
+            </a:extLst>
+          </p:cNvPr>
+          <p:cNvSpPr txBox="1"/>
+          <p:nvPr/>
+        </p:nvSpPr>
+        <p:spPr>
+          <a:xfrm>
+            <a:off x="4477466" y="1255977"/>
+            <a:ext cx="851979" cy="369332"/>
+          </a:xfrm>
+          <a:prstGeom prst="rect">
+            <a:avLst/>
+          </a:prstGeom>
+          <a:noFill/>
+        </p:spPr>
+        <p:txBody>
+          <a:bodyPr wrap="none" rtlCol="0">
+            <a:spAutoFit/>
+          </a:bodyPr>
+          <a:lstStyle/>
+          <a:p>
+            <a:pPr algn="ctr"/>
+            <a:r>
+              <a:rPr lang="en-US" dirty="0"/>
+              <a:t>(1.0, 2.0)</a:t>
+            </a:r>
+          </a:p>
+        </p:txBody>
+      </p:sp>
+      <p:sp>
+        <p:nvSpPr>
+          <p:cNvPr id="86" name="TextBox 85">
+            <a:extLst>
+              <a:ext uri="{FF2B5EF4-FFF2-40B4-BE49-F238E27FC236}">
+                <a16:creationId xmlns:a16="http://schemas.microsoft.com/office/drawing/2014/main" id="{9FA10092-1F76-9877-8030-38FFAE286A7E}"/>
+              </a:ext>
+            </a:extLst>
+          </p:cNvPr>
+          <p:cNvSpPr txBox="1"/>
+          <p:nvPr/>
+        </p:nvSpPr>
+        <p:spPr>
+          <a:xfrm>
+            <a:off x="2076770" y="2667539"/>
+            <a:ext cx="851979" cy="369332"/>
+          </a:xfrm>
+          <a:prstGeom prst="rect">
+            <a:avLst/>
+          </a:prstGeom>
+          <a:noFill/>
+        </p:spPr>
+        <p:txBody>
+          <a:bodyPr wrap="none" rtlCol="0">
+            <a:spAutoFit/>
+          </a:bodyPr>
+          <a:lstStyle/>
+          <a:p>
+            <a:pPr algn="ctr"/>
+            <a:r>
+              <a:rPr lang="en-US" dirty="0"/>
+              <a:t>(0.0, 1.3)</a:t>
+            </a:r>
+          </a:p>
+        </p:txBody>
+      </p:sp>
+      <p:sp>
+        <p:nvSpPr>
+          <p:cNvPr id="87" name="TextBox 86">
+            <a:extLst>
+              <a:ext uri="{FF2B5EF4-FFF2-40B4-BE49-F238E27FC236}">
+                <a16:creationId xmlns:a16="http://schemas.microsoft.com/office/drawing/2014/main" id="{364CF57B-2F62-1A29-796F-3753977C4835}"/>
+              </a:ext>
+            </a:extLst>
+          </p:cNvPr>
+          <p:cNvSpPr txBox="1"/>
+          <p:nvPr/>
+        </p:nvSpPr>
+        <p:spPr>
+          <a:xfrm>
+            <a:off x="3802306" y="4212526"/>
+            <a:ext cx="851979" cy="369332"/>
+          </a:xfrm>
+          <a:prstGeom prst="rect">
+            <a:avLst/>
+          </a:prstGeom>
+          <a:noFill/>
+        </p:spPr>
+        <p:txBody>
+          <a:bodyPr wrap="none" rtlCol="0">
+            <a:spAutoFit/>
+          </a:bodyPr>
+          <a:lstStyle/>
+          <a:p>
+            <a:pPr algn="ctr"/>
+            <a:r>
+              <a:rPr lang="en-US" dirty="0"/>
+              <a:t>(0.4, 0.2)</a:t>
+            </a:r>
+          </a:p>
+        </p:txBody>
+      </p:sp>
+      <p:sp>
+        <p:nvSpPr>
+          <p:cNvPr id="88" name="TextBox 87">
+            <a:extLst>
+              <a:ext uri="{FF2B5EF4-FFF2-40B4-BE49-F238E27FC236}">
+                <a16:creationId xmlns:a16="http://schemas.microsoft.com/office/drawing/2014/main" id="{81E8A239-F25D-DF10-20FD-43AFF8580CA3}"/>
+              </a:ext>
+            </a:extLst>
+          </p:cNvPr>
+          <p:cNvSpPr txBox="1"/>
+          <p:nvPr/>
+        </p:nvSpPr>
+        <p:spPr>
+          <a:xfrm>
+            <a:off x="6087431" y="4433603"/>
+            <a:ext cx="851979" cy="369332"/>
+          </a:xfrm>
+          <a:prstGeom prst="rect">
+            <a:avLst/>
+          </a:prstGeom>
+          <a:noFill/>
+        </p:spPr>
+        <p:txBody>
+          <a:bodyPr wrap="none" rtlCol="0">
+            <a:spAutoFit/>
+          </a:bodyPr>
+          <a:lstStyle/>
+          <a:p>
+            <a:pPr algn="ctr"/>
+            <a:r>
+              <a:rPr lang="en-US" dirty="0"/>
+              <a:t>(1.6, 0.2)</a:t>
+            </a:r>
+          </a:p>
+        </p:txBody>
+      </p:sp>
+      <p:sp>
+        <p:nvSpPr>
+          <p:cNvPr id="89" name="TextBox 88">
+            <a:extLst>
+              <a:ext uri="{FF2B5EF4-FFF2-40B4-BE49-F238E27FC236}">
+                <a16:creationId xmlns:a16="http://schemas.microsoft.com/office/drawing/2014/main" id="{95C8D647-CAE9-5D63-29A6-E42CC640E410}"/>
+              </a:ext>
+            </a:extLst>
+          </p:cNvPr>
+          <p:cNvSpPr txBox="1"/>
+          <p:nvPr/>
+        </p:nvSpPr>
+        <p:spPr>
+          <a:xfrm>
+            <a:off x="6722765" y="2637816"/>
+            <a:ext cx="851979" cy="369332"/>
+          </a:xfrm>
+          <a:prstGeom prst="rect">
+            <a:avLst/>
+          </a:prstGeom>
+          <a:noFill/>
+        </p:spPr>
+        <p:txBody>
+          <a:bodyPr wrap="none" rtlCol="0">
+            <a:spAutoFit/>
+          </a:bodyPr>
+          <a:lstStyle/>
+          <a:p>
+            <a:pPr algn="ctr"/>
+            <a:r>
+              <a:rPr lang="en-US" dirty="0"/>
+              <a:t>(2.0, 1.3)</a:t>
+            </a:r>
+          </a:p>
+        </p:txBody>
+      </p:sp>
+    </p:spTree>
+    <p:extLst>
+      <p:ext uri="{BB962C8B-B14F-4D97-AF65-F5344CB8AC3E}">
+        <p14:creationId xmlns:p14="http://schemas.microsoft.com/office/powerpoint/2010/main" val="3650193500"/>
+      </p:ext>
+    </p:extLst>
+  </p:cSld>
+  <p:clrMapOvr>
+    <a:masterClrMapping/>
+  </p:clrMapOvr>
+</p:sld>
+</file>
+
+<file path=ppt/slides/slide6.xml><?xml version="1.0" encoding="utf-8"?>
+<p:sld xmlns:a="http://schemas.openxmlformats.org/drawingml/2006/main" xmlns:r="http://schemas.openxmlformats.org/officeDocument/2006/relationships" xmlns:p="http://schemas.openxmlformats.org/presentationml/2006/main">
+  <p:cSld>
+    <p:spTree>
+      <p:nvGrpSpPr>
+        <p:cNvPr id="1" name=""/>
+        <p:cNvGrpSpPr/>
+        <p:nvPr/>
+      </p:nvGrpSpPr>
+      <p:grpSpPr>
+        <a:xfrm>
+          <a:off x="0" y="0"/>
+          <a:ext cx="0" cy="0"/>
+          <a:chOff x="0" y="0"/>
+          <a:chExt cx="0" cy="0"/>
+        </a:xfrm>
+      </p:grpSpPr>
+      <p:grpSp>
+        <p:nvGrpSpPr>
+          <p:cNvPr id="60" name="Group 59">
+            <a:extLst>
+              <a:ext uri="{FF2B5EF4-FFF2-40B4-BE49-F238E27FC236}">
+                <a16:creationId xmlns:a16="http://schemas.microsoft.com/office/drawing/2014/main" id="{E5CC9504-0F22-DD72-7B06-DC0758C89427}"/>
+              </a:ext>
+            </a:extLst>
+          </p:cNvPr>
+          <p:cNvGrpSpPr/>
+          <p:nvPr/>
+        </p:nvGrpSpPr>
+        <p:grpSpPr>
+          <a:xfrm>
+            <a:off x="1915363" y="944631"/>
+            <a:ext cx="5902150" cy="4541768"/>
+            <a:chOff x="3096463" y="944631"/>
+            <a:chExt cx="5902150" cy="4541768"/>
+          </a:xfrm>
+        </p:grpSpPr>
+        <p:cxnSp>
+          <p:nvCxnSpPr>
+            <p:cNvPr id="18" name="Straight Connector 17">
+              <a:extLst>
+                <a:ext uri="{FF2B5EF4-FFF2-40B4-BE49-F238E27FC236}">
+                  <a16:creationId xmlns:a16="http://schemas.microsoft.com/office/drawing/2014/main" id="{02FAC97B-0BC3-0D24-6F53-EF7184BAF441}"/>
+                </a:ext>
+              </a:extLst>
+            </p:cNvPr>
+            <p:cNvCxnSpPr>
+              <a:cxnSpLocks/>
+              <a:stCxn id="35" idx="6"/>
+            </p:cNvCxnSpPr>
+            <p:nvPr/>
+          </p:nvCxnSpPr>
+          <p:spPr>
+            <a:xfrm>
+              <a:off x="4219328" y="2822474"/>
+              <a:ext cx="2653857" cy="1793192"/>
+            </a:xfrm>
+            <a:prstGeom prst="line">
+              <a:avLst/>
+            </a:prstGeom>
+            <a:ln w="19050">
+              <a:solidFill>
+                <a:schemeClr val="accent1"/>
+              </a:solidFill>
+            </a:ln>
+          </p:spPr>
+          <p:style>
+            <a:lnRef idx="1">
+              <a:schemeClr val="accent1"/>
+            </a:lnRef>
+            <a:fillRef idx="0">
+              <a:schemeClr val="accent1"/>
+            </a:fillRef>
+            <a:effectRef idx="0">
+              <a:schemeClr val="accent1"/>
+            </a:effectRef>
+            <a:fontRef idx="minor">
+              <a:schemeClr val="tx1"/>
+            </a:fontRef>
+          </p:style>
+        </p:cxnSp>
+        <p:cxnSp>
+          <p:nvCxnSpPr>
+            <p:cNvPr id="19" name="Straight Connector 18">
+              <a:extLst>
+                <a:ext uri="{FF2B5EF4-FFF2-40B4-BE49-F238E27FC236}">
+                  <a16:creationId xmlns:a16="http://schemas.microsoft.com/office/drawing/2014/main" id="{0674F5CD-E4FC-57BA-0438-5F4624E97D3C}"/>
+                </a:ext>
+              </a:extLst>
+            </p:cNvPr>
+            <p:cNvCxnSpPr>
+              <a:cxnSpLocks/>
+              <a:stCxn id="33" idx="2"/>
+              <a:endCxn id="31" idx="7"/>
+            </p:cNvCxnSpPr>
+            <p:nvPr/>
+          </p:nvCxnSpPr>
+          <p:spPr>
+            <a:xfrm flipH="1">
+              <a:off x="4909652" y="2822474"/>
+              <a:ext cx="2594015" cy="1734393"/>
+            </a:xfrm>
+            <a:prstGeom prst="line">
+              <a:avLst/>
+            </a:prstGeom>
+            <a:ln w="19050">
+              <a:solidFill>
+                <a:schemeClr val="accent1"/>
+              </a:solidFill>
+            </a:ln>
+          </p:spPr>
+          <p:style>
+            <a:lnRef idx="1">
+              <a:schemeClr val="accent1"/>
+            </a:lnRef>
+            <a:fillRef idx="0">
+              <a:schemeClr val="accent1"/>
+            </a:fillRef>
+            <a:effectRef idx="0">
+              <a:schemeClr val="accent1"/>
+            </a:effectRef>
+            <a:fontRef idx="minor">
+              <a:schemeClr val="tx1"/>
+            </a:fontRef>
+          </p:style>
+        </p:cxnSp>
+        <p:cxnSp>
+          <p:nvCxnSpPr>
+            <p:cNvPr id="20" name="Straight Connector 19">
+              <a:extLst>
+                <a:ext uri="{FF2B5EF4-FFF2-40B4-BE49-F238E27FC236}">
+                  <a16:creationId xmlns:a16="http://schemas.microsoft.com/office/drawing/2014/main" id="{C3287E46-D9C7-0883-9E1C-7ED1CCC802DE}"/>
+                </a:ext>
+              </a:extLst>
+            </p:cNvPr>
+            <p:cNvCxnSpPr>
+              <a:cxnSpLocks/>
+              <a:stCxn id="32" idx="1"/>
+              <a:endCxn id="34" idx="4"/>
+            </p:cNvCxnSpPr>
+            <p:nvPr/>
+          </p:nvCxnSpPr>
+          <p:spPr>
+            <a:xfrm flipH="1" flipV="1">
+              <a:off x="5863884" y="1797880"/>
+              <a:ext cx="961900" cy="2758987"/>
+            </a:xfrm>
+            <a:prstGeom prst="line">
+              <a:avLst/>
+            </a:prstGeom>
+            <a:ln w="19050">
+              <a:solidFill>
+                <a:schemeClr val="accent1"/>
+              </a:solidFill>
+            </a:ln>
+          </p:spPr>
+          <p:style>
+            <a:lnRef idx="1">
+              <a:schemeClr val="accent1"/>
+            </a:lnRef>
+            <a:fillRef idx="0">
+              <a:schemeClr val="accent1"/>
+            </a:fillRef>
+            <a:effectRef idx="0">
+              <a:schemeClr val="accent1"/>
+            </a:effectRef>
+            <a:fontRef idx="minor">
+              <a:schemeClr val="tx1"/>
+            </a:fontRef>
+          </p:style>
+        </p:cxnSp>
+        <p:cxnSp>
+          <p:nvCxnSpPr>
+            <p:cNvPr id="22" name="Straight Connector 21">
+              <a:extLst>
+                <a:ext uri="{FF2B5EF4-FFF2-40B4-BE49-F238E27FC236}">
+                  <a16:creationId xmlns:a16="http://schemas.microsoft.com/office/drawing/2014/main" id="{A233518B-23D7-6DE5-430D-372DE9B4EF34}"/>
+                </a:ext>
+              </a:extLst>
+            </p:cNvPr>
+            <p:cNvCxnSpPr>
+              <a:cxnSpLocks/>
+              <a:stCxn id="31" idx="7"/>
+              <a:endCxn id="34" idx="4"/>
+            </p:cNvCxnSpPr>
+            <p:nvPr/>
+          </p:nvCxnSpPr>
+          <p:spPr>
+            <a:xfrm flipV="1">
+              <a:off x="4909652" y="1797880"/>
+              <a:ext cx="954232" cy="2758987"/>
+            </a:xfrm>
+            <a:prstGeom prst="line">
+              <a:avLst/>
+            </a:prstGeom>
+            <a:ln w="19050">
+              <a:solidFill>
+                <a:schemeClr val="accent1"/>
+              </a:solidFill>
+            </a:ln>
+          </p:spPr>
+          <p:style>
+            <a:lnRef idx="1">
+              <a:schemeClr val="accent1"/>
+            </a:lnRef>
+            <a:fillRef idx="0">
+              <a:schemeClr val="accent1"/>
+            </a:fillRef>
+            <a:effectRef idx="0">
+              <a:schemeClr val="accent1"/>
+            </a:effectRef>
+            <a:fontRef idx="minor">
+              <a:schemeClr val="tx1"/>
+            </a:fontRef>
+          </p:style>
+        </p:cxnSp>
+        <p:cxnSp>
+          <p:nvCxnSpPr>
+            <p:cNvPr id="23" name="Straight Connector 22">
+              <a:extLst>
+                <a:ext uri="{FF2B5EF4-FFF2-40B4-BE49-F238E27FC236}">
+                  <a16:creationId xmlns:a16="http://schemas.microsoft.com/office/drawing/2014/main" id="{4D104064-CEFF-9467-A931-B95C9FBFFBD5}"/>
+                </a:ext>
+              </a:extLst>
+            </p:cNvPr>
+            <p:cNvCxnSpPr>
+              <a:cxnSpLocks/>
+              <a:endCxn id="33" idx="2"/>
+            </p:cNvCxnSpPr>
+            <p:nvPr/>
+          </p:nvCxnSpPr>
+          <p:spPr>
+            <a:xfrm>
+              <a:off x="4084945" y="2814625"/>
+              <a:ext cx="3418722" cy="7849"/>
+            </a:xfrm>
+            <a:prstGeom prst="line">
+              <a:avLst/>
+            </a:prstGeom>
+            <a:ln w="19050">
+              <a:solidFill>
+                <a:schemeClr val="accent1"/>
+              </a:solidFill>
+            </a:ln>
+          </p:spPr>
+          <p:style>
+            <a:lnRef idx="1">
+              <a:schemeClr val="accent1"/>
+            </a:lnRef>
+            <a:fillRef idx="0">
+              <a:schemeClr val="accent1"/>
+            </a:fillRef>
+            <a:effectRef idx="0">
+              <a:schemeClr val="accent1"/>
+            </a:effectRef>
+            <a:fontRef idx="minor">
+              <a:schemeClr val="tx1"/>
+            </a:fontRef>
+          </p:style>
+        </p:cxnSp>
+        <p:cxnSp>
+          <p:nvCxnSpPr>
+            <p:cNvPr id="24" name="Straight Arrow Connector 23">
+              <a:extLst>
+                <a:ext uri="{FF2B5EF4-FFF2-40B4-BE49-F238E27FC236}">
+                  <a16:creationId xmlns:a16="http://schemas.microsoft.com/office/drawing/2014/main" id="{B157E3BB-EF67-7C1C-BE2D-04876BD14740}"/>
+                </a:ext>
+              </a:extLst>
+            </p:cNvPr>
+            <p:cNvCxnSpPr>
+              <a:cxnSpLocks/>
+            </p:cNvCxnSpPr>
+            <p:nvPr/>
+          </p:nvCxnSpPr>
+          <p:spPr>
+            <a:xfrm>
+              <a:off x="3862371" y="4936031"/>
+              <a:ext cx="4940678" cy="0"/>
+            </a:xfrm>
+            <a:prstGeom prst="straightConnector1">
+              <a:avLst/>
+            </a:prstGeom>
+            <a:ln w="38100">
+              <a:solidFill>
+                <a:schemeClr val="tx1"/>
+              </a:solidFill>
+              <a:prstDash val="solid"/>
+              <a:tailEnd type="triangle"/>
+            </a:ln>
+          </p:spPr>
+          <p:style>
+            <a:lnRef idx="1">
+              <a:schemeClr val="dk1"/>
+            </a:lnRef>
+            <a:fillRef idx="0">
+              <a:schemeClr val="dk1"/>
+            </a:fillRef>
+            <a:effectRef idx="0">
+              <a:schemeClr val="dk1"/>
+            </a:effectRef>
+            <a:fontRef idx="minor">
+              <a:schemeClr val="tx1"/>
+            </a:fontRef>
+          </p:style>
+        </p:cxnSp>
+        <p:cxnSp>
+          <p:nvCxnSpPr>
+            <p:cNvPr id="25" name="Straight Arrow Connector 24">
+              <a:extLst>
+                <a:ext uri="{FF2B5EF4-FFF2-40B4-BE49-F238E27FC236}">
+                  <a16:creationId xmlns:a16="http://schemas.microsoft.com/office/drawing/2014/main" id="{9D815CD0-6EBB-740A-4444-DB3AF0164BFB}"/>
+                </a:ext>
+              </a:extLst>
+            </p:cNvPr>
+            <p:cNvCxnSpPr>
+              <a:cxnSpLocks/>
+            </p:cNvCxnSpPr>
+            <p:nvPr/>
+          </p:nvCxnSpPr>
+          <p:spPr>
+            <a:xfrm flipV="1">
+              <a:off x="4113713" y="1206241"/>
+              <a:ext cx="0" cy="4018548"/>
+            </a:xfrm>
+            <a:prstGeom prst="straightConnector1">
+              <a:avLst/>
+            </a:prstGeom>
+            <a:ln w="38100">
+              <a:tailEnd type="triangle"/>
+            </a:ln>
+          </p:spPr>
+          <p:style>
+            <a:lnRef idx="1">
+              <a:schemeClr val="dk1"/>
+            </a:lnRef>
+            <a:fillRef idx="0">
+              <a:schemeClr val="dk1"/>
+            </a:fillRef>
+            <a:effectRef idx="0">
+              <a:schemeClr val="dk1"/>
+            </a:effectRef>
+            <a:fontRef idx="minor">
+              <a:schemeClr val="tx1"/>
+            </a:fontRef>
+          </p:style>
+        </p:cxnSp>
+        <mc:AlternateContent xmlns:mc="http://schemas.openxmlformats.org/markup-compatibility/2006" xmlns:a14="http://schemas.microsoft.com/office/drawing/2010/main">
+          <mc:Choice Requires="a14">
+            <p:sp>
+              <p:nvSpPr>
+                <p:cNvPr id="26" name="TextBox 25">
+                  <a:extLst>
+                    <a:ext uri="{FF2B5EF4-FFF2-40B4-BE49-F238E27FC236}">
+                      <a16:creationId xmlns:a16="http://schemas.microsoft.com/office/drawing/2014/main" id="{F5A936B6-D63D-2B2F-DA92-B477E85DE295}"/>
+                    </a:ext>
+                  </a:extLst>
+                </p:cNvPr>
+                <p:cNvSpPr txBox="1"/>
+                <p:nvPr/>
+              </p:nvSpPr>
+              <p:spPr>
+                <a:xfrm>
+                  <a:off x="8607483" y="4963179"/>
+                  <a:ext cx="391130" cy="523220"/>
+                </a:xfrm>
+                <a:prstGeom prst="rect">
+                  <a:avLst/>
+                </a:prstGeom>
+                <a:noFill/>
+              </p:spPr>
+              <p:txBody>
+                <a:bodyPr wrap="none" rtlCol="0">
+                  <a:spAutoFit/>
+                </a:bodyPr>
+                <a:lstStyle/>
+                <a:p>
+                  <a:pPr/>
+                  <a14:m>
+                    <m:oMathPara xmlns:m="http://schemas.openxmlformats.org/officeDocument/2006/math">
+                      <m:oMathParaPr>
+                        <m:jc m:val="centerGroup"/>
+                      </m:oMathParaPr>
+                      <m:oMath xmlns:m="http://schemas.openxmlformats.org/officeDocument/2006/math">
+                        <m:r>
+                          <a:rPr lang="en-US" sz="2800" b="0" i="1" smtClean="0">
+                            <a:solidFill>
+                              <a:schemeClr val="tx1"/>
+                            </a:solidFill>
+                            <a:latin typeface="Cambria Math" panose="02040503050406030204" pitchFamily="18" charset="0"/>
+                          </a:rPr>
+                          <m:t>𝑥</m:t>
+                        </m:r>
+                      </m:oMath>
+                    </m:oMathPara>
+                  </a14:m>
+                  <a:endParaRPr lang="en-US" sz="2800" dirty="0">
+                    <a:solidFill>
+                      <a:schemeClr val="tx1"/>
+                    </a:solidFill>
+                  </a:endParaRPr>
+                </a:p>
+              </p:txBody>
+            </p:sp>
+          </mc:Choice>
+          <mc:Fallback xmlns="">
+            <p:sp>
+              <p:nvSpPr>
+                <p:cNvPr id="26" name="TextBox 25">
+                  <a:extLst>
+                    <a:ext uri="{FF2B5EF4-FFF2-40B4-BE49-F238E27FC236}">
+                      <a16:creationId xmlns:a16="http://schemas.microsoft.com/office/drawing/2014/main" id="{F5A936B6-D63D-2B2F-DA92-B477E85DE295}"/>
+                    </a:ext>
+                  </a:extLst>
+                </p:cNvPr>
+                <p:cNvSpPr txBox="1">
+                  <a:spLocks noRot="1" noChangeAspect="1" noMove="1" noResize="1" noEditPoints="1" noAdjustHandles="1" noChangeArrowheads="1" noChangeShapeType="1" noTextEdit="1"/>
+                </p:cNvSpPr>
+                <p:nvPr/>
+              </p:nvSpPr>
+              <p:spPr>
+                <a:xfrm>
+                  <a:off x="8607483" y="4963179"/>
+                  <a:ext cx="391130" cy="523220"/>
+                </a:xfrm>
+                <a:prstGeom prst="rect">
+                  <a:avLst/>
+                </a:prstGeom>
+                <a:blipFill>
+                  <a:blip r:embed="rId2"/>
+                  <a:stretch>
+                    <a:fillRect/>
+                  </a:stretch>
+                </a:blipFill>
+              </p:spPr>
+              <p:txBody>
+                <a:bodyPr/>
+                <a:lstStyle/>
+                <a:p>
+                  <a:r>
+                    <a:rPr lang="en-US">
+                      <a:noFill/>
+                    </a:rPr>
+                    <a:t> </a:t>
+                  </a:r>
+                </a:p>
+              </p:txBody>
+            </p:sp>
+          </mc:Fallback>
+        </mc:AlternateContent>
+        <mc:AlternateContent xmlns:mc="http://schemas.openxmlformats.org/markup-compatibility/2006" xmlns:a14="http://schemas.microsoft.com/office/drawing/2010/main">
+          <mc:Choice Requires="a14">
+            <p:sp>
+              <p:nvSpPr>
+                <p:cNvPr id="27" name="TextBox 26">
+                  <a:extLst>
+                    <a:ext uri="{FF2B5EF4-FFF2-40B4-BE49-F238E27FC236}">
+                      <a16:creationId xmlns:a16="http://schemas.microsoft.com/office/drawing/2014/main" id="{4B24ADA9-2576-C9F7-C7EA-A36983912C33}"/>
+                    </a:ext>
+                  </a:extLst>
+                </p:cNvPr>
+                <p:cNvSpPr txBox="1"/>
+                <p:nvPr/>
+              </p:nvSpPr>
+              <p:spPr>
+                <a:xfrm>
+                  <a:off x="3722584" y="4936031"/>
+                  <a:ext cx="391130" cy="523220"/>
+                </a:xfrm>
+                <a:prstGeom prst="rect">
+                  <a:avLst/>
+                </a:prstGeom>
+                <a:noFill/>
+              </p:spPr>
+              <p:txBody>
+                <a:bodyPr wrap="none" rtlCol="0">
+                  <a:spAutoFit/>
+                </a:bodyPr>
+                <a:lstStyle/>
+                <a:p>
+                  <a:pPr/>
+                  <a14:m>
+                    <m:oMathPara xmlns:m="http://schemas.openxmlformats.org/officeDocument/2006/math">
+                      <m:oMathParaPr>
+                        <m:jc m:val="centerGroup"/>
+                      </m:oMathParaPr>
+                      <m:oMath xmlns:m="http://schemas.openxmlformats.org/officeDocument/2006/math">
+                        <m:r>
+                          <a:rPr lang="en-US" sz="2800" b="0" i="1" smtClean="0">
+                            <a:latin typeface="Cambria Math" panose="02040503050406030204" pitchFamily="18" charset="0"/>
+                          </a:rPr>
+                          <m:t>0</m:t>
+                        </m:r>
+                      </m:oMath>
+                    </m:oMathPara>
+                  </a14:m>
+                  <a:endParaRPr lang="en-US" sz="2800" dirty="0"/>
+                </a:p>
+              </p:txBody>
+            </p:sp>
+          </mc:Choice>
+          <mc:Fallback xmlns="">
+            <p:sp>
+              <p:nvSpPr>
+                <p:cNvPr id="27" name="TextBox 26">
+                  <a:extLst>
+                    <a:ext uri="{FF2B5EF4-FFF2-40B4-BE49-F238E27FC236}">
+                      <a16:creationId xmlns:a16="http://schemas.microsoft.com/office/drawing/2014/main" id="{4B24ADA9-2576-C9F7-C7EA-A36983912C33}"/>
+                    </a:ext>
+                  </a:extLst>
+                </p:cNvPr>
+                <p:cNvSpPr txBox="1">
+                  <a:spLocks noRot="1" noChangeAspect="1" noMove="1" noResize="1" noEditPoints="1" noAdjustHandles="1" noChangeArrowheads="1" noChangeShapeType="1" noTextEdit="1"/>
+                </p:cNvSpPr>
+                <p:nvPr/>
+              </p:nvSpPr>
+              <p:spPr>
+                <a:xfrm>
+                  <a:off x="3722584" y="4936031"/>
+                  <a:ext cx="391130" cy="523220"/>
+                </a:xfrm>
+                <a:prstGeom prst="rect">
+                  <a:avLst/>
+                </a:prstGeom>
+                <a:blipFill>
+                  <a:blip r:embed="rId3"/>
+                  <a:stretch>
+                    <a:fillRect/>
+                  </a:stretch>
+                </a:blipFill>
+              </p:spPr>
+              <p:txBody>
+                <a:bodyPr/>
+                <a:lstStyle/>
+                <a:p>
+                  <a:r>
+                    <a:rPr lang="en-US">
+                      <a:noFill/>
+                    </a:rPr>
+                    <a:t> </a:t>
+                  </a:r>
+                </a:p>
+              </p:txBody>
+            </p:sp>
+          </mc:Fallback>
+        </mc:AlternateContent>
+        <mc:AlternateContent xmlns:mc="http://schemas.openxmlformats.org/markup-compatibility/2006" xmlns:a14="http://schemas.microsoft.com/office/drawing/2010/main">
+          <mc:Choice Requires="a14">
+            <p:sp>
+              <p:nvSpPr>
+                <p:cNvPr id="28" name="TextBox 27">
+                  <a:extLst>
+                    <a:ext uri="{FF2B5EF4-FFF2-40B4-BE49-F238E27FC236}">
+                      <a16:creationId xmlns:a16="http://schemas.microsoft.com/office/drawing/2014/main" id="{E2EF209D-83D6-1778-9557-7FB6C551FC2F}"/>
+                    </a:ext>
+                  </a:extLst>
+                </p:cNvPr>
+                <p:cNvSpPr txBox="1"/>
+                <p:nvPr/>
+              </p:nvSpPr>
+              <p:spPr>
+                <a:xfrm>
+                  <a:off x="3722584" y="944631"/>
+                  <a:ext cx="395202" cy="523220"/>
+                </a:xfrm>
+                <a:prstGeom prst="rect">
+                  <a:avLst/>
+                </a:prstGeom>
+                <a:noFill/>
+              </p:spPr>
+              <p:txBody>
+                <a:bodyPr wrap="none" rtlCol="0">
+                  <a:spAutoFit/>
+                </a:bodyPr>
+                <a:lstStyle/>
+                <a:p>
+                  <a:pPr/>
+                  <a14:m>
+                    <m:oMathPara xmlns:m="http://schemas.openxmlformats.org/officeDocument/2006/math">
+                      <m:oMathParaPr>
+                        <m:jc m:val="centerGroup"/>
+                      </m:oMathParaPr>
+                      <m:oMath xmlns:m="http://schemas.openxmlformats.org/officeDocument/2006/math">
+                        <m:r>
+                          <a:rPr lang="en-US" sz="2800" b="0" i="1" smtClean="0">
+                            <a:latin typeface="Cambria Math" panose="02040503050406030204" pitchFamily="18" charset="0"/>
+                          </a:rPr>
+                          <m:t>𝑦</m:t>
+                        </m:r>
+                      </m:oMath>
+                    </m:oMathPara>
+                  </a14:m>
+                  <a:endParaRPr lang="en-US" sz="2800" dirty="0"/>
+                </a:p>
+              </p:txBody>
+            </p:sp>
+          </mc:Choice>
+          <mc:Fallback xmlns="">
+            <p:sp>
+              <p:nvSpPr>
+                <p:cNvPr id="28" name="TextBox 27">
+                  <a:extLst>
+                    <a:ext uri="{FF2B5EF4-FFF2-40B4-BE49-F238E27FC236}">
+                      <a16:creationId xmlns:a16="http://schemas.microsoft.com/office/drawing/2014/main" id="{E2EF209D-83D6-1778-9557-7FB6C551FC2F}"/>
+                    </a:ext>
+                  </a:extLst>
+                </p:cNvPr>
+                <p:cNvSpPr txBox="1">
+                  <a:spLocks noRot="1" noChangeAspect="1" noMove="1" noResize="1" noEditPoints="1" noAdjustHandles="1" noChangeArrowheads="1" noChangeShapeType="1" noTextEdit="1"/>
+                </p:cNvSpPr>
+                <p:nvPr/>
+              </p:nvSpPr>
+              <p:spPr>
+                <a:xfrm>
+                  <a:off x="3722584" y="944631"/>
+                  <a:ext cx="395202" cy="523220"/>
+                </a:xfrm>
+                <a:prstGeom prst="rect">
+                  <a:avLst/>
+                </a:prstGeom>
+                <a:blipFill>
+                  <a:blip r:embed="rId4"/>
+                  <a:stretch>
+                    <a:fillRect/>
+                  </a:stretch>
+                </a:blipFill>
+              </p:spPr>
+              <p:txBody>
+                <a:bodyPr/>
+                <a:lstStyle/>
+                <a:p>
+                  <a:r>
+                    <a:rPr lang="en-US">
+                      <a:noFill/>
+                    </a:rPr>
+                    <a:t> </a:t>
+                  </a:r>
+                </a:p>
+              </p:txBody>
+            </p:sp>
+          </mc:Fallback>
+        </mc:AlternateContent>
+        <p:cxnSp>
+          <p:nvCxnSpPr>
+            <p:cNvPr id="29" name="Straight Connector 28">
+              <a:extLst>
+                <a:ext uri="{FF2B5EF4-FFF2-40B4-BE49-F238E27FC236}">
+                  <a16:creationId xmlns:a16="http://schemas.microsoft.com/office/drawing/2014/main" id="{BDE8F791-F698-0B95-FF06-BE9A475B4BF2}"/>
+                </a:ext>
+              </a:extLst>
+            </p:cNvPr>
+            <p:cNvCxnSpPr>
+              <a:cxnSpLocks/>
+            </p:cNvCxnSpPr>
+            <p:nvPr/>
+          </p:nvCxnSpPr>
+          <p:spPr>
+            <a:xfrm>
+              <a:off x="4081379" y="2487998"/>
+              <a:ext cx="72869" cy="0"/>
+            </a:xfrm>
+            <a:prstGeom prst="line">
+              <a:avLst/>
+            </a:prstGeom>
+            <a:ln w="28575"/>
+          </p:spPr>
+          <p:style>
+            <a:lnRef idx="1">
+              <a:schemeClr val="dk1"/>
+            </a:lnRef>
+            <a:fillRef idx="0">
+              <a:schemeClr val="dk1"/>
+            </a:fillRef>
+            <a:effectRef idx="0">
+              <a:schemeClr val="dk1"/>
+            </a:effectRef>
+            <a:fontRef idx="minor">
+              <a:schemeClr val="tx1"/>
+            </a:fontRef>
+          </p:style>
+        </p:cxnSp>
+        <p:sp>
+          <p:nvSpPr>
+            <p:cNvPr id="30" name="TextBox 29">
+              <a:extLst>
+                <a:ext uri="{FF2B5EF4-FFF2-40B4-BE49-F238E27FC236}">
+                  <a16:creationId xmlns:a16="http://schemas.microsoft.com/office/drawing/2014/main" id="{FA58E753-6EB2-7ADC-BC79-8917A53A34AA}"/>
+                </a:ext>
+              </a:extLst>
+            </p:cNvPr>
+            <p:cNvSpPr txBox="1"/>
+            <p:nvPr/>
+          </p:nvSpPr>
+          <p:spPr>
+            <a:xfrm>
+              <a:off x="8068750" y="5015343"/>
+              <a:ext cx="298974" cy="369332"/>
+            </a:xfrm>
+            <a:prstGeom prst="rect">
+              <a:avLst/>
+            </a:prstGeom>
+            <a:noFill/>
+          </p:spPr>
+          <p:txBody>
+            <a:bodyPr wrap="none" rtlCol="0">
+              <a:spAutoFit/>
+            </a:bodyPr>
+            <a:lstStyle/>
+            <a:p>
+              <a:pPr algn="ctr"/>
+              <a:r>
+                <a:rPr lang="en-US" dirty="0"/>
+                <a:t>...</a:t>
+              </a:r>
+            </a:p>
+          </p:txBody>
+        </p:sp>
+        <p:sp>
+          <p:nvSpPr>
+            <p:cNvPr id="31" name="Oval 30">
+              <a:extLst>
+                <a:ext uri="{FF2B5EF4-FFF2-40B4-BE49-F238E27FC236}">
+                  <a16:creationId xmlns:a16="http://schemas.microsoft.com/office/drawing/2014/main" id="{A73A85B2-BBA2-5895-6F3C-B6E2D54ED2A4}"/>
+                </a:ext>
+              </a:extLst>
+            </p:cNvPr>
+            <p:cNvSpPr/>
+            <p:nvPr/>
+          </p:nvSpPr>
+          <p:spPr>
+            <a:xfrm>
+              <a:off x="4749867" y="4529235"/>
+              <a:ext cx="187200" cy="188685"/>
+            </a:xfrm>
+            <a:prstGeom prst="ellipse">
+              <a:avLst/>
+            </a:prstGeom>
+            <a:solidFill>
+              <a:schemeClr val="bg1"/>
+            </a:solidFill>
+            <a:ln w="28575">
+              <a:solidFill>
+                <a:schemeClr val="tx1"/>
+              </a:solidFill>
+            </a:ln>
+          </p:spPr>
+          <p:style>
+            <a:lnRef idx="2">
+              <a:schemeClr val="accent1">
+                <a:shade val="50000"/>
+              </a:schemeClr>
+            </a:lnRef>
+            <a:fillRef idx="1">
+              <a:schemeClr val="accent1"/>
+            </a:fillRef>
+            <a:effectRef idx="0">
+              <a:schemeClr val="accent1"/>
+            </a:effectRef>
+            <a:fontRef idx="minor">
+              <a:schemeClr val="lt1"/>
+            </a:fontRef>
+          </p:style>
+          <p:txBody>
+            <a:bodyPr rtlCol="0" anchor="ctr"/>
+            <a:lstStyle/>
+            <a:p>
+              <a:pPr algn="ctr"/>
+              <a:endParaRPr lang="en-US"/>
+            </a:p>
+          </p:txBody>
+        </p:sp>
+        <p:sp>
+          <p:nvSpPr>
+            <p:cNvPr id="32" name="Oval 31">
+              <a:extLst>
+                <a:ext uri="{FF2B5EF4-FFF2-40B4-BE49-F238E27FC236}">
+                  <a16:creationId xmlns:a16="http://schemas.microsoft.com/office/drawing/2014/main" id="{E355E4D4-2EE1-18EC-44CC-908035756827}"/>
+                </a:ext>
+              </a:extLst>
+            </p:cNvPr>
+            <p:cNvSpPr/>
+            <p:nvPr/>
+          </p:nvSpPr>
+          <p:spPr>
+            <a:xfrm>
+              <a:off x="6798369" y="4529235"/>
+              <a:ext cx="187200" cy="188685"/>
+            </a:xfrm>
+            <a:prstGeom prst="ellipse">
+              <a:avLst/>
+            </a:prstGeom>
+            <a:solidFill>
+              <a:schemeClr val="bg1"/>
+            </a:solidFill>
+            <a:ln w="28575">
+              <a:solidFill>
+                <a:schemeClr val="tx1"/>
+              </a:solidFill>
+            </a:ln>
+          </p:spPr>
+          <p:style>
+            <a:lnRef idx="2">
+              <a:schemeClr val="accent1">
+                <a:shade val="50000"/>
+              </a:schemeClr>
+            </a:lnRef>
+            <a:fillRef idx="1">
+              <a:schemeClr val="accent1"/>
+            </a:fillRef>
+            <a:effectRef idx="0">
+              <a:schemeClr val="accent1"/>
+            </a:effectRef>
+            <a:fontRef idx="minor">
+              <a:schemeClr val="lt1"/>
+            </a:fontRef>
+          </p:style>
+          <p:txBody>
+            <a:bodyPr rtlCol="0" anchor="ctr"/>
+            <a:lstStyle/>
+            <a:p>
+              <a:pPr algn="ctr"/>
+              <a:endParaRPr lang="en-US"/>
+            </a:p>
+          </p:txBody>
+        </p:sp>
+        <p:sp>
+          <p:nvSpPr>
+            <p:cNvPr id="33" name="Oval 32">
+              <a:extLst>
+                <a:ext uri="{FF2B5EF4-FFF2-40B4-BE49-F238E27FC236}">
+                  <a16:creationId xmlns:a16="http://schemas.microsoft.com/office/drawing/2014/main" id="{691B25B4-3279-6F3B-4FC7-3B6C38DFAC9B}"/>
+                </a:ext>
+              </a:extLst>
+            </p:cNvPr>
+            <p:cNvSpPr/>
+            <p:nvPr/>
+          </p:nvSpPr>
+          <p:spPr>
+            <a:xfrm>
+              <a:off x="7503667" y="2728131"/>
+              <a:ext cx="187200" cy="188685"/>
+            </a:xfrm>
+            <a:prstGeom prst="ellipse">
+              <a:avLst/>
+            </a:prstGeom>
+            <a:solidFill>
+              <a:schemeClr val="bg1"/>
+            </a:solidFill>
+            <a:ln w="28575">
+              <a:solidFill>
+                <a:schemeClr val="tx1"/>
+              </a:solidFill>
+            </a:ln>
+          </p:spPr>
+          <p:style>
+            <a:lnRef idx="2">
+              <a:schemeClr val="accent1">
+                <a:shade val="50000"/>
+              </a:schemeClr>
+            </a:lnRef>
+            <a:fillRef idx="1">
+              <a:schemeClr val="accent1"/>
+            </a:fillRef>
+            <a:effectRef idx="0">
+              <a:schemeClr val="accent1"/>
+            </a:effectRef>
+            <a:fontRef idx="minor">
+              <a:schemeClr val="lt1"/>
+            </a:fontRef>
+          </p:style>
+          <p:txBody>
+            <a:bodyPr rtlCol="0" anchor="ctr"/>
+            <a:lstStyle/>
+            <a:p>
+              <a:pPr algn="ctr"/>
+              <a:endParaRPr lang="en-US"/>
+            </a:p>
+          </p:txBody>
+        </p:sp>
+        <p:sp>
+          <p:nvSpPr>
+            <p:cNvPr id="34" name="Oval 33">
+              <a:extLst>
+                <a:ext uri="{FF2B5EF4-FFF2-40B4-BE49-F238E27FC236}">
+                  <a16:creationId xmlns:a16="http://schemas.microsoft.com/office/drawing/2014/main" id="{0240FB5F-25B5-34A0-0DC4-3E7C83601F0C}"/>
+                </a:ext>
+              </a:extLst>
+            </p:cNvPr>
+            <p:cNvSpPr/>
+            <p:nvPr/>
+          </p:nvSpPr>
+          <p:spPr>
+            <a:xfrm>
+              <a:off x="5770284" y="1609195"/>
+              <a:ext cx="187200" cy="188685"/>
+            </a:xfrm>
+            <a:prstGeom prst="ellipse">
+              <a:avLst/>
+            </a:prstGeom>
+            <a:solidFill>
+              <a:schemeClr val="bg1"/>
+            </a:solidFill>
+            <a:ln w="28575">
+              <a:solidFill>
+                <a:schemeClr val="tx1"/>
+              </a:solidFill>
+            </a:ln>
+          </p:spPr>
+          <p:style>
+            <a:lnRef idx="2">
+              <a:schemeClr val="accent1">
+                <a:shade val="50000"/>
+              </a:schemeClr>
+            </a:lnRef>
+            <a:fillRef idx="1">
+              <a:schemeClr val="accent1"/>
+            </a:fillRef>
+            <a:effectRef idx="0">
+              <a:schemeClr val="accent1"/>
+            </a:effectRef>
+            <a:fontRef idx="minor">
+              <a:schemeClr val="lt1"/>
+            </a:fontRef>
+          </p:style>
+          <p:txBody>
+            <a:bodyPr rtlCol="0" anchor="ctr"/>
+            <a:lstStyle/>
+            <a:p>
+              <a:pPr algn="ctr"/>
+              <a:endParaRPr lang="en-US"/>
+            </a:p>
+          </p:txBody>
+        </p:sp>
+        <p:sp>
+          <p:nvSpPr>
+            <p:cNvPr id="35" name="Oval 34">
+              <a:extLst>
+                <a:ext uri="{FF2B5EF4-FFF2-40B4-BE49-F238E27FC236}">
+                  <a16:creationId xmlns:a16="http://schemas.microsoft.com/office/drawing/2014/main" id="{1EB07D1A-A918-4320-07DD-C1D1BC539F9C}"/>
+                </a:ext>
+              </a:extLst>
+            </p:cNvPr>
+            <p:cNvSpPr/>
+            <p:nvPr/>
+          </p:nvSpPr>
+          <p:spPr>
+            <a:xfrm>
+              <a:off x="4032128" y="2728131"/>
+              <a:ext cx="187200" cy="188685"/>
+            </a:xfrm>
+            <a:prstGeom prst="ellipse">
+              <a:avLst/>
+            </a:prstGeom>
+            <a:solidFill>
+              <a:schemeClr val="bg1"/>
+            </a:solidFill>
+            <a:ln w="28575">
+              <a:solidFill>
+                <a:schemeClr val="tx1"/>
+              </a:solidFill>
+            </a:ln>
+          </p:spPr>
+          <p:style>
+            <a:lnRef idx="2">
+              <a:schemeClr val="accent1">
+                <a:shade val="50000"/>
+              </a:schemeClr>
+            </a:lnRef>
+            <a:fillRef idx="1">
+              <a:schemeClr val="accent1"/>
+            </a:fillRef>
+            <a:effectRef idx="0">
+              <a:schemeClr val="accent1"/>
+            </a:effectRef>
+            <a:fontRef idx="minor">
+              <a:schemeClr val="lt1"/>
+            </a:fontRef>
+          </p:style>
+          <p:txBody>
+            <a:bodyPr rtlCol="0" anchor="ctr"/>
+            <a:lstStyle/>
+            <a:p>
+              <a:pPr algn="ctr"/>
+              <a:endParaRPr lang="en-US"/>
+            </a:p>
+          </p:txBody>
+        </p:sp>
+        <p:cxnSp>
+          <p:nvCxnSpPr>
+            <p:cNvPr id="36" name="Straight Connector 35">
+              <a:extLst>
+                <a:ext uri="{FF2B5EF4-FFF2-40B4-BE49-F238E27FC236}">
+                  <a16:creationId xmlns:a16="http://schemas.microsoft.com/office/drawing/2014/main" id="{8B09E2A8-E094-9DA1-5EFE-F53B011C8EA8}"/>
+                </a:ext>
+              </a:extLst>
+            </p:cNvPr>
+            <p:cNvCxnSpPr>
+              <a:cxnSpLocks/>
+            </p:cNvCxnSpPr>
+            <p:nvPr/>
+          </p:nvCxnSpPr>
+          <p:spPr>
+            <a:xfrm>
+              <a:off x="4081379" y="4099061"/>
+              <a:ext cx="72869" cy="0"/>
+            </a:xfrm>
+            <a:prstGeom prst="line">
+              <a:avLst/>
+            </a:prstGeom>
+            <a:ln w="28575"/>
+          </p:spPr>
+          <p:style>
+            <a:lnRef idx="1">
+              <a:schemeClr val="dk1"/>
+            </a:lnRef>
+            <a:fillRef idx="0">
+              <a:schemeClr val="dk1"/>
+            </a:fillRef>
+            <a:effectRef idx="0">
+              <a:schemeClr val="dk1"/>
+            </a:effectRef>
+            <a:fontRef idx="minor">
+              <a:schemeClr val="tx1"/>
+            </a:fontRef>
+          </p:style>
+        </p:cxnSp>
+        <p:cxnSp>
+          <p:nvCxnSpPr>
+            <p:cNvPr id="37" name="Straight Connector 36">
+              <a:extLst>
+                <a:ext uri="{FF2B5EF4-FFF2-40B4-BE49-F238E27FC236}">
+                  <a16:creationId xmlns:a16="http://schemas.microsoft.com/office/drawing/2014/main" id="{94F2C9AC-624A-5AFD-BC2C-D1A7E9CF28E0}"/>
+                </a:ext>
+              </a:extLst>
+            </p:cNvPr>
+            <p:cNvCxnSpPr>
+              <a:cxnSpLocks/>
+            </p:cNvCxnSpPr>
+            <p:nvPr/>
+          </p:nvCxnSpPr>
+          <p:spPr>
+            <a:xfrm>
+              <a:off x="4081379" y="3293103"/>
+              <a:ext cx="72869" cy="0"/>
+            </a:xfrm>
+            <a:prstGeom prst="line">
+              <a:avLst/>
+            </a:prstGeom>
+            <a:ln w="28575"/>
+          </p:spPr>
+          <p:style>
+            <a:lnRef idx="1">
+              <a:schemeClr val="dk1"/>
+            </a:lnRef>
+            <a:fillRef idx="0">
+              <a:schemeClr val="dk1"/>
+            </a:fillRef>
+            <a:effectRef idx="0">
+              <a:schemeClr val="dk1"/>
+            </a:effectRef>
+            <a:fontRef idx="minor">
+              <a:schemeClr val="tx1"/>
+            </a:fontRef>
+          </p:style>
+        </p:cxnSp>
+        <p:cxnSp>
+          <p:nvCxnSpPr>
+            <p:cNvPr id="38" name="Straight Connector 37">
+              <a:extLst>
+                <a:ext uri="{FF2B5EF4-FFF2-40B4-BE49-F238E27FC236}">
+                  <a16:creationId xmlns:a16="http://schemas.microsoft.com/office/drawing/2014/main" id="{D81271E7-6F09-DA89-13F0-9338762CA085}"/>
+                </a:ext>
+              </a:extLst>
+            </p:cNvPr>
+            <p:cNvCxnSpPr>
+              <a:cxnSpLocks/>
+            </p:cNvCxnSpPr>
+            <p:nvPr/>
+          </p:nvCxnSpPr>
+          <p:spPr>
+            <a:xfrm>
+              <a:off x="4081379" y="1682100"/>
+              <a:ext cx="72869" cy="0"/>
+            </a:xfrm>
+            <a:prstGeom prst="line">
+              <a:avLst/>
+            </a:prstGeom>
+            <a:ln w="28575"/>
+          </p:spPr>
+          <p:style>
+            <a:lnRef idx="1">
+              <a:schemeClr val="dk1"/>
+            </a:lnRef>
+            <a:fillRef idx="0">
+              <a:schemeClr val="dk1"/>
+            </a:fillRef>
+            <a:effectRef idx="0">
+              <a:schemeClr val="dk1"/>
+            </a:effectRef>
+            <a:fontRef idx="minor">
+              <a:schemeClr val="tx1"/>
+            </a:fontRef>
+          </p:style>
+        </p:cxnSp>
+        <p:sp>
+          <p:nvSpPr>
+            <p:cNvPr id="39" name="TextBox 38">
+              <a:extLst>
+                <a:ext uri="{FF2B5EF4-FFF2-40B4-BE49-F238E27FC236}">
+                  <a16:creationId xmlns:a16="http://schemas.microsoft.com/office/drawing/2014/main" id="{14BB415A-FD1D-D864-18EC-AA667570685D}"/>
+                </a:ext>
+              </a:extLst>
+            </p:cNvPr>
+            <p:cNvSpPr txBox="1"/>
+            <p:nvPr/>
+          </p:nvSpPr>
+          <p:spPr>
+            <a:xfrm>
+              <a:off x="3691212" y="3913278"/>
+              <a:ext cx="398095" cy="369332"/>
+            </a:xfrm>
+            <a:prstGeom prst="rect">
+              <a:avLst/>
+            </a:prstGeom>
+            <a:noFill/>
+          </p:spPr>
+          <p:txBody>
+            <a:bodyPr wrap="none" rtlCol="0">
+              <a:spAutoFit/>
+            </a:bodyPr>
+            <a:lstStyle/>
+            <a:p>
+              <a:r>
+                <a:rPr lang="en-US" dirty="0"/>
+                <a:t>0.5</a:t>
+              </a:r>
+            </a:p>
+          </p:txBody>
+        </p:sp>
+        <p:sp>
+          <p:nvSpPr>
+            <p:cNvPr id="40" name="TextBox 39">
+              <a:extLst>
+                <a:ext uri="{FF2B5EF4-FFF2-40B4-BE49-F238E27FC236}">
+                  <a16:creationId xmlns:a16="http://schemas.microsoft.com/office/drawing/2014/main" id="{F7220C19-1369-5113-7A0B-3BAFB9C54F18}"/>
+                </a:ext>
+              </a:extLst>
+            </p:cNvPr>
+            <p:cNvSpPr txBox="1"/>
+            <p:nvPr/>
+          </p:nvSpPr>
+          <p:spPr>
+            <a:xfrm>
+              <a:off x="3792102" y="3117824"/>
+              <a:ext cx="252092" cy="369332"/>
+            </a:xfrm>
+            <a:prstGeom prst="rect">
+              <a:avLst/>
+            </a:prstGeom>
+            <a:noFill/>
+          </p:spPr>
+          <p:txBody>
+            <a:bodyPr wrap="none" rtlCol="0">
+              <a:spAutoFit/>
+            </a:bodyPr>
+            <a:lstStyle/>
+            <a:p>
+              <a:r>
+                <a:rPr lang="en-US" dirty="0"/>
+                <a:t>1</a:t>
+              </a:r>
+            </a:p>
+          </p:txBody>
+        </p:sp>
+        <p:sp>
+          <p:nvSpPr>
+            <p:cNvPr id="41" name="TextBox 40">
+              <a:extLst>
+                <a:ext uri="{FF2B5EF4-FFF2-40B4-BE49-F238E27FC236}">
+                  <a16:creationId xmlns:a16="http://schemas.microsoft.com/office/drawing/2014/main" id="{7AEA55BA-E578-3017-4886-5CEFCD29D6AB}"/>
+                </a:ext>
+              </a:extLst>
+            </p:cNvPr>
+            <p:cNvSpPr txBox="1"/>
+            <p:nvPr/>
+          </p:nvSpPr>
+          <p:spPr>
+            <a:xfrm>
+              <a:off x="3792102" y="1468284"/>
+              <a:ext cx="252092" cy="369332"/>
+            </a:xfrm>
+            <a:prstGeom prst="rect">
+              <a:avLst/>
+            </a:prstGeom>
+            <a:noFill/>
+          </p:spPr>
+          <p:txBody>
+            <a:bodyPr wrap="none" rtlCol="0">
+              <a:spAutoFit/>
+            </a:bodyPr>
+            <a:lstStyle/>
+            <a:p>
+              <a:r>
+                <a:rPr lang="en-US" dirty="0"/>
+                <a:t>2</a:t>
+              </a:r>
+            </a:p>
+          </p:txBody>
+        </p:sp>
+        <p:cxnSp>
+          <p:nvCxnSpPr>
+            <p:cNvPr id="42" name="Straight Connector 41">
+              <a:extLst>
+                <a:ext uri="{FF2B5EF4-FFF2-40B4-BE49-F238E27FC236}">
+                  <a16:creationId xmlns:a16="http://schemas.microsoft.com/office/drawing/2014/main" id="{DAAB5979-4B86-F3E8-0846-2625C105F485}"/>
+                </a:ext>
+              </a:extLst>
+            </p:cNvPr>
+            <p:cNvCxnSpPr>
+              <a:cxnSpLocks/>
+            </p:cNvCxnSpPr>
+            <p:nvPr/>
+          </p:nvCxnSpPr>
+          <p:spPr>
+            <a:xfrm rot="5400000">
+              <a:off x="4884667" y="4933130"/>
+              <a:ext cx="188685" cy="0"/>
+            </a:xfrm>
+            <a:prstGeom prst="line">
+              <a:avLst/>
+            </a:prstGeom>
+            <a:ln w="28575">
+              <a:solidFill>
+                <a:schemeClr val="tx1"/>
+              </a:solidFill>
+            </a:ln>
+          </p:spPr>
+          <p:style>
+            <a:lnRef idx="1">
+              <a:schemeClr val="dk1"/>
+            </a:lnRef>
+            <a:fillRef idx="0">
+              <a:schemeClr val="dk1"/>
+            </a:fillRef>
+            <a:effectRef idx="0">
+              <a:schemeClr val="dk1"/>
+            </a:effectRef>
+            <a:fontRef idx="minor">
+              <a:schemeClr val="tx1"/>
+            </a:fontRef>
+          </p:style>
+        </p:cxnSp>
+        <p:cxnSp>
+          <p:nvCxnSpPr>
+            <p:cNvPr id="43" name="Straight Connector 42">
+              <a:extLst>
+                <a:ext uri="{FF2B5EF4-FFF2-40B4-BE49-F238E27FC236}">
+                  <a16:creationId xmlns:a16="http://schemas.microsoft.com/office/drawing/2014/main" id="{0378D4ED-8A6D-09A1-2054-F83AC0FD1719}"/>
+                </a:ext>
+              </a:extLst>
+            </p:cNvPr>
+            <p:cNvCxnSpPr>
+              <a:cxnSpLocks/>
+            </p:cNvCxnSpPr>
+            <p:nvPr/>
+          </p:nvCxnSpPr>
+          <p:spPr>
+            <a:xfrm rot="5400000">
+              <a:off x="5747285" y="4933130"/>
+              <a:ext cx="188685" cy="0"/>
+            </a:xfrm>
+            <a:prstGeom prst="line">
+              <a:avLst/>
+            </a:prstGeom>
+            <a:ln w="28575">
+              <a:solidFill>
+                <a:schemeClr val="tx1"/>
+              </a:solidFill>
+            </a:ln>
+          </p:spPr>
+          <p:style>
+            <a:lnRef idx="1">
+              <a:schemeClr val="dk1"/>
+            </a:lnRef>
+            <a:fillRef idx="0">
+              <a:schemeClr val="dk1"/>
+            </a:fillRef>
+            <a:effectRef idx="0">
+              <a:schemeClr val="dk1"/>
+            </a:effectRef>
+            <a:fontRef idx="minor">
+              <a:schemeClr val="tx1"/>
+            </a:fontRef>
+          </p:style>
+        </p:cxnSp>
+        <p:cxnSp>
+          <p:nvCxnSpPr>
+            <p:cNvPr id="44" name="Straight Connector 43">
+              <a:extLst>
+                <a:ext uri="{FF2B5EF4-FFF2-40B4-BE49-F238E27FC236}">
+                  <a16:creationId xmlns:a16="http://schemas.microsoft.com/office/drawing/2014/main" id="{A331C5BC-F051-EA27-BAE0-97A308991646}"/>
+                </a:ext>
+              </a:extLst>
+            </p:cNvPr>
+            <p:cNvCxnSpPr>
+              <a:cxnSpLocks/>
+            </p:cNvCxnSpPr>
+            <p:nvPr/>
+          </p:nvCxnSpPr>
+          <p:spPr>
+            <a:xfrm rot="5400000">
+              <a:off x="6594452" y="4933130"/>
+              <a:ext cx="188685" cy="0"/>
+            </a:xfrm>
+            <a:prstGeom prst="line">
+              <a:avLst/>
+            </a:prstGeom>
+            <a:ln w="28575">
+              <a:solidFill>
+                <a:schemeClr val="tx1"/>
+              </a:solidFill>
+            </a:ln>
+          </p:spPr>
+          <p:style>
+            <a:lnRef idx="1">
+              <a:schemeClr val="dk1"/>
+            </a:lnRef>
+            <a:fillRef idx="0">
+              <a:schemeClr val="dk1"/>
+            </a:fillRef>
+            <a:effectRef idx="0">
+              <a:schemeClr val="dk1"/>
+            </a:effectRef>
+            <a:fontRef idx="minor">
+              <a:schemeClr val="tx1"/>
+            </a:fontRef>
+          </p:style>
+        </p:cxnSp>
+        <p:cxnSp>
+          <p:nvCxnSpPr>
+            <p:cNvPr id="45" name="Straight Connector 44">
+              <a:extLst>
+                <a:ext uri="{FF2B5EF4-FFF2-40B4-BE49-F238E27FC236}">
+                  <a16:creationId xmlns:a16="http://schemas.microsoft.com/office/drawing/2014/main" id="{EB0BC357-54A1-2315-838F-E24DA976C087}"/>
+                </a:ext>
+              </a:extLst>
+            </p:cNvPr>
+            <p:cNvCxnSpPr>
+              <a:cxnSpLocks/>
+            </p:cNvCxnSpPr>
+            <p:nvPr/>
+          </p:nvCxnSpPr>
+          <p:spPr>
+            <a:xfrm rot="5400000">
+              <a:off x="7450642" y="4933130"/>
+              <a:ext cx="188685" cy="0"/>
+            </a:xfrm>
+            <a:prstGeom prst="line">
+              <a:avLst/>
+            </a:prstGeom>
+            <a:ln w="28575">
+              <a:solidFill>
+                <a:schemeClr val="tx1"/>
+              </a:solidFill>
+            </a:ln>
+          </p:spPr>
+          <p:style>
+            <a:lnRef idx="1">
+              <a:schemeClr val="dk1"/>
+            </a:lnRef>
+            <a:fillRef idx="0">
+              <a:schemeClr val="dk1"/>
+            </a:fillRef>
+            <a:effectRef idx="0">
+              <a:schemeClr val="dk1"/>
+            </a:effectRef>
+            <a:fontRef idx="minor">
+              <a:schemeClr val="tx1"/>
+            </a:fontRef>
+          </p:style>
+        </p:cxnSp>
+        <p:sp>
+          <p:nvSpPr>
+            <p:cNvPr id="47" name="TextBox 46">
+              <a:extLst>
+                <a:ext uri="{FF2B5EF4-FFF2-40B4-BE49-F238E27FC236}">
+                  <a16:creationId xmlns:a16="http://schemas.microsoft.com/office/drawing/2014/main" id="{5BA29146-BC1A-6E71-A11D-D871619C55EB}"/>
+                </a:ext>
+              </a:extLst>
+            </p:cNvPr>
+            <p:cNvSpPr txBox="1"/>
+            <p:nvPr/>
+          </p:nvSpPr>
+          <p:spPr>
+            <a:xfrm>
+              <a:off x="4791912" y="5015343"/>
+              <a:ext cx="398095" cy="369332"/>
+            </a:xfrm>
+            <a:prstGeom prst="rect">
+              <a:avLst/>
+            </a:prstGeom>
+            <a:noFill/>
+          </p:spPr>
+          <p:txBody>
+            <a:bodyPr wrap="none" rtlCol="0">
+              <a:spAutoFit/>
+            </a:bodyPr>
+            <a:lstStyle/>
+            <a:p>
+              <a:r>
+                <a:rPr lang="en-US" dirty="0"/>
+                <a:t>0.5</a:t>
+              </a:r>
+            </a:p>
+          </p:txBody>
+        </p:sp>
+        <p:sp>
+          <p:nvSpPr>
+            <p:cNvPr id="48" name="TextBox 47">
+              <a:extLst>
+                <a:ext uri="{FF2B5EF4-FFF2-40B4-BE49-F238E27FC236}">
+                  <a16:creationId xmlns:a16="http://schemas.microsoft.com/office/drawing/2014/main" id="{7382E601-881E-2CC2-7488-6F30174165B1}"/>
+                </a:ext>
+              </a:extLst>
+            </p:cNvPr>
+            <p:cNvSpPr txBox="1"/>
+            <p:nvPr/>
+          </p:nvSpPr>
+          <p:spPr>
+            <a:xfrm>
+              <a:off x="5711182" y="5015343"/>
+              <a:ext cx="252091" cy="369332"/>
+            </a:xfrm>
+            <a:prstGeom prst="rect">
+              <a:avLst/>
+            </a:prstGeom>
+            <a:noFill/>
+          </p:spPr>
+          <p:txBody>
+            <a:bodyPr wrap="none" rtlCol="0">
+              <a:spAutoFit/>
+            </a:bodyPr>
+            <a:lstStyle/>
+            <a:p>
+              <a:pPr algn="ctr"/>
+              <a:r>
+                <a:rPr lang="en-US" dirty="0"/>
+                <a:t>1</a:t>
+              </a:r>
+            </a:p>
+          </p:txBody>
+        </p:sp>
+        <p:sp>
+          <p:nvSpPr>
+            <p:cNvPr id="49" name="TextBox 48">
+              <a:extLst>
+                <a:ext uri="{FF2B5EF4-FFF2-40B4-BE49-F238E27FC236}">
+                  <a16:creationId xmlns:a16="http://schemas.microsoft.com/office/drawing/2014/main" id="{9592CE54-5B20-9EC1-26E6-656D74282291}"/>
+                </a:ext>
+              </a:extLst>
+            </p:cNvPr>
+            <p:cNvSpPr txBox="1"/>
+            <p:nvPr/>
+          </p:nvSpPr>
+          <p:spPr>
+            <a:xfrm>
+              <a:off x="6480858" y="5015343"/>
+              <a:ext cx="398095" cy="369332"/>
+            </a:xfrm>
+            <a:prstGeom prst="rect">
+              <a:avLst/>
+            </a:prstGeom>
+            <a:noFill/>
+          </p:spPr>
+          <p:txBody>
+            <a:bodyPr wrap="none" rtlCol="0">
+              <a:spAutoFit/>
+            </a:bodyPr>
+            <a:lstStyle/>
+            <a:p>
+              <a:pPr algn="ctr"/>
+              <a:r>
+                <a:rPr lang="en-US" dirty="0"/>
+                <a:t>1.5</a:t>
+              </a:r>
+            </a:p>
+          </p:txBody>
+        </p:sp>
+        <p:sp>
+          <p:nvSpPr>
+            <p:cNvPr id="50" name="TextBox 49">
+              <a:extLst>
+                <a:ext uri="{FF2B5EF4-FFF2-40B4-BE49-F238E27FC236}">
+                  <a16:creationId xmlns:a16="http://schemas.microsoft.com/office/drawing/2014/main" id="{4231538C-64EC-E4FB-E6F4-04A3C87DD257}"/>
+                </a:ext>
+              </a:extLst>
+            </p:cNvPr>
+            <p:cNvSpPr txBox="1"/>
+            <p:nvPr/>
+          </p:nvSpPr>
+          <p:spPr>
+            <a:xfrm>
+              <a:off x="7410050" y="5015343"/>
+              <a:ext cx="252091" cy="369332"/>
+            </a:xfrm>
+            <a:prstGeom prst="rect">
+              <a:avLst/>
+            </a:prstGeom>
+            <a:noFill/>
+          </p:spPr>
+          <p:txBody>
+            <a:bodyPr wrap="none" rtlCol="0">
+              <a:spAutoFit/>
+            </a:bodyPr>
+            <a:lstStyle/>
+            <a:p>
+              <a:pPr algn="ctr"/>
+              <a:r>
+                <a:rPr lang="en-US" dirty="0"/>
+                <a:t>2</a:t>
+              </a:r>
+            </a:p>
+          </p:txBody>
+        </p:sp>
+        <p:sp>
+          <p:nvSpPr>
+            <p:cNvPr id="51" name="TextBox 50">
+              <a:extLst>
+                <a:ext uri="{FF2B5EF4-FFF2-40B4-BE49-F238E27FC236}">
+                  <a16:creationId xmlns:a16="http://schemas.microsoft.com/office/drawing/2014/main" id="{26E16ED2-816A-D76D-BD7F-5F0D718CC19E}"/>
+                </a:ext>
+              </a:extLst>
+            </p:cNvPr>
+            <p:cNvSpPr txBox="1"/>
+            <p:nvPr/>
+          </p:nvSpPr>
+          <p:spPr>
+            <a:xfrm>
+              <a:off x="3680859" y="2306371"/>
+              <a:ext cx="398095" cy="369332"/>
+            </a:xfrm>
+            <a:prstGeom prst="rect">
+              <a:avLst/>
+            </a:prstGeom>
+            <a:noFill/>
+          </p:spPr>
+          <p:txBody>
+            <a:bodyPr wrap="none" rtlCol="0">
+              <a:spAutoFit/>
+            </a:bodyPr>
+            <a:lstStyle/>
+            <a:p>
+              <a:r>
+                <a:rPr lang="en-US" dirty="0"/>
+                <a:t>1.5</a:t>
+              </a:r>
+            </a:p>
+          </p:txBody>
+        </p:sp>
+        <p:sp>
+          <p:nvSpPr>
+            <p:cNvPr id="52" name="TextBox 51">
+              <a:extLst>
+                <a:ext uri="{FF2B5EF4-FFF2-40B4-BE49-F238E27FC236}">
+                  <a16:creationId xmlns:a16="http://schemas.microsoft.com/office/drawing/2014/main" id="{CE554040-A254-72C5-B643-6E9A58420034}"/>
+                </a:ext>
+              </a:extLst>
+            </p:cNvPr>
+            <p:cNvSpPr txBox="1"/>
+            <p:nvPr/>
+          </p:nvSpPr>
+          <p:spPr>
+            <a:xfrm>
+              <a:off x="5467232" y="1247029"/>
+              <a:ext cx="852181" cy="369332"/>
+            </a:xfrm>
+            <a:prstGeom prst="rect">
+              <a:avLst/>
+            </a:prstGeom>
+            <a:noFill/>
+          </p:spPr>
+          <p:txBody>
+            <a:bodyPr wrap="none" rtlCol="0">
+              <a:spAutoFit/>
+            </a:bodyPr>
+            <a:lstStyle/>
+            <a:p>
+              <a:pPr algn="ctr"/>
+              <a:r>
+                <a:rPr lang="en-US" dirty="0"/>
+                <a:t>(1.0, 2.0)</a:t>
+              </a:r>
+            </a:p>
+          </p:txBody>
+        </p:sp>
+        <p:sp>
+          <p:nvSpPr>
+            <p:cNvPr id="53" name="TextBox 52">
+              <a:extLst>
+                <a:ext uri="{FF2B5EF4-FFF2-40B4-BE49-F238E27FC236}">
+                  <a16:creationId xmlns:a16="http://schemas.microsoft.com/office/drawing/2014/main" id="{51619160-93E6-FCFB-E0A3-2E67055CB65F}"/>
+                </a:ext>
+              </a:extLst>
+            </p:cNvPr>
+            <p:cNvSpPr txBox="1"/>
+            <p:nvPr/>
+          </p:nvSpPr>
+          <p:spPr>
+            <a:xfrm>
+              <a:off x="3096463" y="2609348"/>
+              <a:ext cx="852181" cy="369332"/>
+            </a:xfrm>
+            <a:prstGeom prst="rect">
+              <a:avLst/>
+            </a:prstGeom>
+            <a:noFill/>
+          </p:spPr>
+          <p:txBody>
+            <a:bodyPr wrap="none" rtlCol="0">
+              <a:spAutoFit/>
+            </a:bodyPr>
+            <a:lstStyle/>
+            <a:p>
+              <a:pPr algn="ctr"/>
+              <a:r>
+                <a:rPr lang="en-US" dirty="0"/>
+                <a:t>(0.0, 1.3)</a:t>
+              </a:r>
+            </a:p>
+          </p:txBody>
+        </p:sp>
+        <p:sp>
+          <p:nvSpPr>
+            <p:cNvPr id="56" name="TextBox 55">
+              <a:extLst>
+                <a:ext uri="{FF2B5EF4-FFF2-40B4-BE49-F238E27FC236}">
+                  <a16:creationId xmlns:a16="http://schemas.microsoft.com/office/drawing/2014/main" id="{33862756-B869-BD72-A4C5-C6EF4F46F7B7}"/>
+                </a:ext>
+              </a:extLst>
+            </p:cNvPr>
+            <p:cNvSpPr txBox="1"/>
+            <p:nvPr/>
+          </p:nvSpPr>
+          <p:spPr>
+            <a:xfrm>
+              <a:off x="5014001" y="4431821"/>
+              <a:ext cx="852181" cy="369332"/>
+            </a:xfrm>
+            <a:prstGeom prst="rect">
+              <a:avLst/>
+            </a:prstGeom>
+            <a:noFill/>
+          </p:spPr>
+          <p:txBody>
+            <a:bodyPr wrap="none" rtlCol="0">
+              <a:spAutoFit/>
+            </a:bodyPr>
+            <a:lstStyle/>
+            <a:p>
+              <a:pPr algn="ctr"/>
+              <a:r>
+                <a:rPr lang="en-US" dirty="0"/>
+                <a:t>(0.4, 0.2)</a:t>
+              </a:r>
+            </a:p>
+          </p:txBody>
+        </p:sp>
+        <p:sp>
+          <p:nvSpPr>
+            <p:cNvPr id="58" name="TextBox 57">
+              <a:extLst>
+                <a:ext uri="{FF2B5EF4-FFF2-40B4-BE49-F238E27FC236}">
+                  <a16:creationId xmlns:a16="http://schemas.microsoft.com/office/drawing/2014/main" id="{40571055-42C6-21A7-28A1-7E7B2229A02A}"/>
+                </a:ext>
+              </a:extLst>
+            </p:cNvPr>
+            <p:cNvSpPr txBox="1"/>
+            <p:nvPr/>
+          </p:nvSpPr>
+          <p:spPr>
+            <a:xfrm>
+              <a:off x="7040891" y="4443032"/>
+              <a:ext cx="852181" cy="369332"/>
+            </a:xfrm>
+            <a:prstGeom prst="rect">
+              <a:avLst/>
+            </a:prstGeom>
+            <a:noFill/>
+          </p:spPr>
+          <p:txBody>
+            <a:bodyPr wrap="none" rtlCol="0">
+              <a:spAutoFit/>
+            </a:bodyPr>
+            <a:lstStyle/>
+            <a:p>
+              <a:pPr algn="ctr"/>
+              <a:r>
+                <a:rPr lang="en-US" dirty="0"/>
+                <a:t>(1.6, 0.2)</a:t>
+              </a:r>
+            </a:p>
+          </p:txBody>
+        </p:sp>
+        <p:sp>
+          <p:nvSpPr>
+            <p:cNvPr id="59" name="TextBox 58">
+              <a:extLst>
+                <a:ext uri="{FF2B5EF4-FFF2-40B4-BE49-F238E27FC236}">
+                  <a16:creationId xmlns:a16="http://schemas.microsoft.com/office/drawing/2014/main" id="{5CBCA752-92EC-BE29-6D69-057CBEE9422A}"/>
+                </a:ext>
+              </a:extLst>
+            </p:cNvPr>
+            <p:cNvSpPr txBox="1"/>
+            <p:nvPr/>
+          </p:nvSpPr>
+          <p:spPr>
+            <a:xfrm>
+              <a:off x="7755459" y="2629959"/>
+              <a:ext cx="852181" cy="369332"/>
+            </a:xfrm>
+            <a:prstGeom prst="rect">
+              <a:avLst/>
+            </a:prstGeom>
+            <a:noFill/>
+          </p:spPr>
+          <p:txBody>
+            <a:bodyPr wrap="none" rtlCol="0">
+              <a:spAutoFit/>
+            </a:bodyPr>
+            <a:lstStyle/>
+            <a:p>
+              <a:pPr algn="ctr"/>
+              <a:r>
+                <a:rPr lang="en-US" dirty="0"/>
+                <a:t>(2.0, 1.3)</a:t>
+              </a:r>
+            </a:p>
+          </p:txBody>
+        </p:sp>
+      </p:grpSp>
+    </p:spTree>
+    <p:extLst>
+      <p:ext uri="{BB962C8B-B14F-4D97-AF65-F5344CB8AC3E}">
+        <p14:creationId xmlns:p14="http://schemas.microsoft.com/office/powerpoint/2010/main" val="2627589207"/>
+      </p:ext>
+    </p:extLst>
+  </p:cSld>
+  <p:clrMapOvr>
+    <a:masterClrMapping/>
+  </p:clrMapOvr>
+</p:sld>
+</file>
+
+<file path=ppt/slides/slide7.xml><?xml version="1.0" encoding="utf-8"?>
 <p:sld xmlns:a="http://schemas.openxmlformats.org/drawingml/2006/main" xmlns:r="http://schemas.openxmlformats.org/officeDocument/2006/relationships" xmlns:p="http://schemas.openxmlformats.org/presentationml/2006/main">
   <p:cSld>
     <p:spTree>
@@ -11193,7 +14734,7 @@
 </p:sld>
 </file>
 
-<file path=ppt/slides/slide6.xml><?xml version="1.0" encoding="utf-8"?>
+<file path=ppt/slides/slide8.xml><?xml version="1.0" encoding="utf-8"?>
 <p:sld xmlns:a="http://schemas.openxmlformats.org/drawingml/2006/main" xmlns:r="http://schemas.openxmlformats.org/officeDocument/2006/relationships" xmlns:p="http://schemas.openxmlformats.org/presentationml/2006/main">
   <p:cSld>
     <p:spTree>
@@ -12909,7 +16450,7 @@
 </p:sld>
 </file>
 
-<file path=ppt/slides/slide7.xml><?xml version="1.0" encoding="utf-8"?>
+<file path=ppt/slides/slide9.xml><?xml version="1.0" encoding="utf-8"?>
 <p:sld xmlns:a="http://schemas.openxmlformats.org/drawingml/2006/main" xmlns:r="http://schemas.openxmlformats.org/officeDocument/2006/relationships" xmlns:p="http://schemas.openxmlformats.org/presentationml/2006/main">
   <p:cSld>
     <p:spTree>
@@ -14227,443 +17768,6 @@
 </p:sld>
 </file>
 
-<file path=ppt/slides/slide8.xml><?xml version="1.0" encoding="utf-8"?>
-<p:sld xmlns:a="http://schemas.openxmlformats.org/drawingml/2006/main" xmlns:r="http://schemas.openxmlformats.org/officeDocument/2006/relationships" xmlns:p="http://schemas.openxmlformats.org/presentationml/2006/main">
-  <p:cSld>
-    <p:spTree>
-      <p:nvGrpSpPr>
-        <p:cNvPr id="1" name=""/>
-        <p:cNvGrpSpPr/>
-        <p:nvPr/>
-      </p:nvGrpSpPr>
-      <p:grpSpPr>
-        <a:xfrm>
-          <a:off x="0" y="0"/>
-          <a:ext cx="0" cy="0"/>
-          <a:chOff x="0" y="0"/>
-          <a:chExt cx="0" cy="0"/>
-        </a:xfrm>
-      </p:grpSpPr>
-      <p:pic>
-        <p:nvPicPr>
-          <p:cNvPr id="2" name="그림 1">
-            <a:extLst>
-              <a:ext uri="{FF2B5EF4-FFF2-40B4-BE49-F238E27FC236}">
-                <a16:creationId xmlns:a16="http://schemas.microsoft.com/office/drawing/2014/main" id="{5624CE94-1F32-D6F7-8FBB-5942CB94793F}"/>
-              </a:ext>
-            </a:extLst>
-          </p:cNvPr>
-          <p:cNvPicPr>
-            <a:picLocks noChangeAspect="1"/>
-          </p:cNvPicPr>
-          <p:nvPr/>
-        </p:nvPicPr>
-        <p:blipFill>
-          <a:blip r:embed="rId2"/>
-          <a:stretch>
-            <a:fillRect/>
-          </a:stretch>
-        </p:blipFill>
-        <p:spPr>
-          <a:xfrm>
-            <a:off x="1709259" y="1682126"/>
-            <a:ext cx="3872754" cy="3493747"/>
-          </a:xfrm>
-          <a:prstGeom prst="rect">
-            <a:avLst/>
-          </a:prstGeom>
-        </p:spPr>
-      </p:pic>
-      <p:sp>
-        <p:nvSpPr>
-          <p:cNvPr id="8" name="TextBox 7">
-            <a:extLst>
-              <a:ext uri="{FF2B5EF4-FFF2-40B4-BE49-F238E27FC236}">
-                <a16:creationId xmlns:a16="http://schemas.microsoft.com/office/drawing/2014/main" id="{9B00D081-CBED-FB0E-E102-A0C4D856533B}"/>
-              </a:ext>
-            </a:extLst>
-          </p:cNvPr>
-          <p:cNvSpPr txBox="1"/>
-          <p:nvPr/>
-        </p:nvSpPr>
-        <p:spPr>
-          <a:xfrm>
-            <a:off x="2472078" y="1113108"/>
-            <a:ext cx="2347117" cy="584775"/>
-          </a:xfrm>
-          <a:prstGeom prst="rect">
-            <a:avLst/>
-          </a:prstGeom>
-          <a:noFill/>
-        </p:spPr>
-        <p:txBody>
-          <a:bodyPr wrap="none" rtlCol="0">
-            <a:spAutoFit/>
-          </a:bodyPr>
-          <a:lstStyle/>
-          <a:p>
-            <a:pPr algn="ctr"/>
-            <a:r>
-              <a:rPr lang="en-US" sz="3200" dirty="0"/>
-              <a:t>plot(x, y, ‘o-’)</a:t>
-            </a:r>
-          </a:p>
-        </p:txBody>
-      </p:sp>
-      <p:pic>
-        <p:nvPicPr>
-          <p:cNvPr id="10" name="그림 9">
-            <a:extLst>
-              <a:ext uri="{FF2B5EF4-FFF2-40B4-BE49-F238E27FC236}">
-                <a16:creationId xmlns:a16="http://schemas.microsoft.com/office/drawing/2014/main" id="{9CBF17A2-28AB-65E6-44D7-270D4B633A91}"/>
-              </a:ext>
-            </a:extLst>
-          </p:cNvPr>
-          <p:cNvPicPr>
-            <a:picLocks noChangeAspect="1"/>
-          </p:cNvPicPr>
-          <p:nvPr/>
-        </p:nvPicPr>
-        <p:blipFill>
-          <a:blip r:embed="rId3"/>
-          <a:stretch>
-            <a:fillRect/>
-          </a:stretch>
-        </p:blipFill>
-        <p:spPr>
-          <a:xfrm>
-            <a:off x="6488443" y="1682126"/>
-            <a:ext cx="3872753" cy="3493747"/>
-          </a:xfrm>
-          <a:prstGeom prst="rect">
-            <a:avLst/>
-          </a:prstGeom>
-        </p:spPr>
-      </p:pic>
-      <p:sp>
-        <p:nvSpPr>
-          <p:cNvPr id="11" name="TextBox 10">
-            <a:extLst>
-              <a:ext uri="{FF2B5EF4-FFF2-40B4-BE49-F238E27FC236}">
-                <a16:creationId xmlns:a16="http://schemas.microsoft.com/office/drawing/2014/main" id="{6A4F58D8-F233-645A-5656-791F70733C50}"/>
-              </a:ext>
-            </a:extLst>
-          </p:cNvPr>
-          <p:cNvSpPr txBox="1"/>
-          <p:nvPr/>
-        </p:nvSpPr>
-        <p:spPr>
-          <a:xfrm>
-            <a:off x="7170597" y="1113108"/>
-            <a:ext cx="2508444" cy="584775"/>
-          </a:xfrm>
-          <a:prstGeom prst="rect">
-            <a:avLst/>
-          </a:prstGeom>
-          <a:noFill/>
-        </p:spPr>
-        <p:txBody>
-          <a:bodyPr wrap="none" rtlCol="0">
-            <a:spAutoFit/>
-          </a:bodyPr>
-          <a:lstStyle/>
-          <a:p>
-            <a:pPr algn="ctr"/>
-            <a:r>
-              <a:rPr lang="en-US" sz="3200" dirty="0"/>
-              <a:t>plot(x, y, ‘ro-’)</a:t>
-            </a:r>
-          </a:p>
-        </p:txBody>
-      </p:sp>
-    </p:spTree>
-    <p:extLst>
-      <p:ext uri="{BB962C8B-B14F-4D97-AF65-F5344CB8AC3E}">
-        <p14:creationId xmlns:p14="http://schemas.microsoft.com/office/powerpoint/2010/main" val="1903139615"/>
-      </p:ext>
-    </p:extLst>
-  </p:cSld>
-  <p:clrMapOvr>
-    <a:masterClrMapping/>
-  </p:clrMapOvr>
-</p:sld>
-</file>
-
-<file path=ppt/slides/slide9.xml><?xml version="1.0" encoding="utf-8"?>
-<p:sld xmlns:a="http://schemas.openxmlformats.org/drawingml/2006/main" xmlns:r="http://schemas.openxmlformats.org/officeDocument/2006/relationships" xmlns:p="http://schemas.openxmlformats.org/presentationml/2006/main">
-  <p:cSld>
-    <p:spTree>
-      <p:nvGrpSpPr>
-        <p:cNvPr id="1" name=""/>
-        <p:cNvGrpSpPr/>
-        <p:nvPr/>
-      </p:nvGrpSpPr>
-      <p:grpSpPr>
-        <a:xfrm>
-          <a:off x="0" y="0"/>
-          <a:ext cx="0" cy="0"/>
-          <a:chOff x="0" y="0"/>
-          <a:chExt cx="0" cy="0"/>
-        </a:xfrm>
-      </p:grpSpPr>
-      <p:sp>
-        <p:nvSpPr>
-          <p:cNvPr id="8" name="TextBox 7">
-            <a:extLst>
-              <a:ext uri="{FF2B5EF4-FFF2-40B4-BE49-F238E27FC236}">
-                <a16:creationId xmlns:a16="http://schemas.microsoft.com/office/drawing/2014/main" id="{9B00D081-CBED-FB0E-E102-A0C4D856533B}"/>
-              </a:ext>
-            </a:extLst>
-          </p:cNvPr>
-          <p:cNvSpPr txBox="1"/>
-          <p:nvPr/>
-        </p:nvSpPr>
-        <p:spPr>
-          <a:xfrm>
-            <a:off x="2391415" y="1113108"/>
-            <a:ext cx="2508444" cy="584775"/>
-          </a:xfrm>
-          <a:prstGeom prst="rect">
-            <a:avLst/>
-          </a:prstGeom>
-          <a:noFill/>
-        </p:spPr>
-        <p:txBody>
-          <a:bodyPr wrap="none" rtlCol="0">
-            <a:spAutoFit/>
-          </a:bodyPr>
-          <a:lstStyle/>
-          <a:p>
-            <a:pPr algn="ctr"/>
-            <a:r>
-              <a:rPr lang="en-US" sz="3200" dirty="0"/>
-              <a:t>plot(x, y, ‘ro-’)</a:t>
-            </a:r>
-          </a:p>
-        </p:txBody>
-      </p:sp>
-      <p:sp>
-        <p:nvSpPr>
-          <p:cNvPr id="11" name="TextBox 10">
-            <a:extLst>
-              <a:ext uri="{FF2B5EF4-FFF2-40B4-BE49-F238E27FC236}">
-                <a16:creationId xmlns:a16="http://schemas.microsoft.com/office/drawing/2014/main" id="{6A4F58D8-F233-645A-5656-791F70733C50}"/>
-              </a:ext>
-            </a:extLst>
-          </p:cNvPr>
-          <p:cNvSpPr txBox="1"/>
-          <p:nvPr/>
-        </p:nvSpPr>
-        <p:spPr>
-          <a:xfrm>
-            <a:off x="7113406" y="574499"/>
-            <a:ext cx="2622834" cy="1077218"/>
-          </a:xfrm>
-          <a:prstGeom prst="rect">
-            <a:avLst/>
-          </a:prstGeom>
-          <a:noFill/>
-        </p:spPr>
-        <p:txBody>
-          <a:bodyPr wrap="none" rtlCol="0">
-            <a:spAutoFit/>
-          </a:bodyPr>
-          <a:lstStyle/>
-          <a:p>
-            <a:pPr algn="ctr"/>
-            <a:r>
-              <a:rPr lang="en-US" sz="3200" dirty="0"/>
-              <a:t>plot(x, y, ‘ro-’);</a:t>
-            </a:r>
-          </a:p>
-          <a:p>
-            <a:pPr algn="ctr"/>
-            <a:r>
-              <a:rPr lang="en-US" sz="3200" dirty="0"/>
-              <a:t>xlim([0, 2*pi]);</a:t>
-            </a:r>
-          </a:p>
-        </p:txBody>
-      </p:sp>
-      <p:pic>
-        <p:nvPicPr>
-          <p:cNvPr id="3" name="그림 2">
-            <a:extLst>
-              <a:ext uri="{FF2B5EF4-FFF2-40B4-BE49-F238E27FC236}">
-                <a16:creationId xmlns:a16="http://schemas.microsoft.com/office/drawing/2014/main" id="{91AD3CC4-E5ED-B403-DA9B-74650460BC63}"/>
-              </a:ext>
-            </a:extLst>
-          </p:cNvPr>
-          <p:cNvPicPr>
-            <a:picLocks noChangeAspect="1"/>
-          </p:cNvPicPr>
-          <p:nvPr/>
-        </p:nvPicPr>
-        <p:blipFill>
-          <a:blip r:embed="rId2"/>
-          <a:stretch>
-            <a:fillRect/>
-          </a:stretch>
-        </p:blipFill>
-        <p:spPr>
-          <a:xfrm>
-            <a:off x="1709260" y="1738224"/>
-            <a:ext cx="3872753" cy="3493747"/>
-          </a:xfrm>
-          <a:prstGeom prst="rect">
-            <a:avLst/>
-          </a:prstGeom>
-        </p:spPr>
-      </p:pic>
-      <p:pic>
-        <p:nvPicPr>
-          <p:cNvPr id="5" name="그림 4">
-            <a:extLst>
-              <a:ext uri="{FF2B5EF4-FFF2-40B4-BE49-F238E27FC236}">
-                <a16:creationId xmlns:a16="http://schemas.microsoft.com/office/drawing/2014/main" id="{13AC38B9-C7C5-F7A7-4914-8757656FA0DF}"/>
-              </a:ext>
-            </a:extLst>
-          </p:cNvPr>
-          <p:cNvPicPr>
-            <a:picLocks noChangeAspect="1"/>
-          </p:cNvPicPr>
-          <p:nvPr/>
-        </p:nvPicPr>
-        <p:blipFill>
-          <a:blip r:embed="rId3"/>
-          <a:stretch>
-            <a:fillRect/>
-          </a:stretch>
-        </p:blipFill>
-        <p:spPr>
-          <a:xfrm>
-            <a:off x="6466554" y="1697884"/>
-            <a:ext cx="3917471" cy="3534088"/>
-          </a:xfrm>
-          <a:prstGeom prst="rect">
-            <a:avLst/>
-          </a:prstGeom>
-        </p:spPr>
-      </p:pic>
-      <p:sp>
-        <p:nvSpPr>
-          <p:cNvPr id="6" name="타원 5">
-            <a:extLst>
-              <a:ext uri="{FF2B5EF4-FFF2-40B4-BE49-F238E27FC236}">
-                <a16:creationId xmlns:a16="http://schemas.microsoft.com/office/drawing/2014/main" id="{12DB89CA-F985-2D78-C4B4-867A9ECD9C4B}"/>
-              </a:ext>
-            </a:extLst>
-          </p:cNvPr>
-          <p:cNvSpPr/>
-          <p:nvPr/>
-        </p:nvSpPr>
-        <p:spPr>
-          <a:xfrm>
-            <a:off x="4437529" y="4303059"/>
-            <a:ext cx="1219200" cy="1219200"/>
-          </a:xfrm>
-          <a:prstGeom prst="ellipse">
-            <a:avLst/>
-          </a:prstGeom>
-          <a:noFill/>
-          <a:ln w="38100">
-            <a:solidFill>
-              <a:schemeClr val="accent1"/>
-            </a:solidFill>
-            <a:prstDash val="dash"/>
-          </a:ln>
-        </p:spPr>
-        <p:style>
-          <a:lnRef idx="2">
-            <a:schemeClr val="accent1">
-              <a:shade val="50000"/>
-            </a:schemeClr>
-          </a:lnRef>
-          <a:fillRef idx="1">
-            <a:schemeClr val="accent1"/>
-          </a:fillRef>
-          <a:effectRef idx="0">
-            <a:schemeClr val="accent1"/>
-          </a:effectRef>
-          <a:fontRef idx="minor">
-            <a:schemeClr val="lt1"/>
-          </a:fontRef>
-        </p:style>
-        <p:txBody>
-          <a:bodyPr rtlCol="0" anchor="ctr"/>
-          <a:lstStyle/>
-          <a:p>
-            <a:pPr algn="ctr"/>
-            <a:endParaRPr lang="en-US"/>
-          </a:p>
-        </p:txBody>
-      </p:sp>
-      <p:sp>
-        <p:nvSpPr>
-          <p:cNvPr id="7" name="타원 6">
-            <a:extLst>
-              <a:ext uri="{FF2B5EF4-FFF2-40B4-BE49-F238E27FC236}">
-                <a16:creationId xmlns:a16="http://schemas.microsoft.com/office/drawing/2014/main" id="{67A6AEAA-A22D-3293-6128-8E5A72C0CC14}"/>
-              </a:ext>
-            </a:extLst>
-          </p:cNvPr>
-          <p:cNvSpPr/>
-          <p:nvPr/>
-        </p:nvSpPr>
-        <p:spPr>
-          <a:xfrm>
-            <a:off x="9245507" y="4303059"/>
-            <a:ext cx="1219200" cy="1219200"/>
-          </a:xfrm>
-          <a:prstGeom prst="ellipse">
-            <a:avLst/>
-          </a:prstGeom>
-          <a:noFill/>
-          <a:ln w="38100">
-            <a:solidFill>
-              <a:schemeClr val="accent1"/>
-            </a:solidFill>
-            <a:prstDash val="dash"/>
-          </a:ln>
-        </p:spPr>
-        <p:style>
-          <a:lnRef idx="2">
-            <a:schemeClr val="accent1">
-              <a:shade val="50000"/>
-            </a:schemeClr>
-          </a:lnRef>
-          <a:fillRef idx="1">
-            <a:schemeClr val="accent1"/>
-          </a:fillRef>
-          <a:effectRef idx="0">
-            <a:schemeClr val="accent1"/>
-          </a:effectRef>
-          <a:fontRef idx="minor">
-            <a:schemeClr val="lt1"/>
-          </a:fontRef>
-        </p:style>
-        <p:txBody>
-          <a:bodyPr rtlCol="0" anchor="ctr"/>
-          <a:lstStyle/>
-          <a:p>
-            <a:pPr algn="ctr"/>
-            <a:endParaRPr lang="en-US"/>
-          </a:p>
-        </p:txBody>
-      </p:sp>
-    </p:spTree>
-    <p:extLst>
-      <p:ext uri="{BB962C8B-B14F-4D97-AF65-F5344CB8AC3E}">
-        <p14:creationId xmlns:p14="http://schemas.microsoft.com/office/powerpoint/2010/main" val="802828591"/>
-      </p:ext>
-    </p:extLst>
-  </p:cSld>
-  <p:clrMapOvr>
-    <a:masterClrMapping/>
-  </p:clrMapOvr>
-</p:sld>
-</file>
-
 <file path=ppt/theme/theme1.xml><?xml version="1.0" encoding="utf-8"?>
 <a:theme xmlns:a="http://schemas.openxmlformats.org/drawingml/2006/main" name="Office 테마">
   <a:themeElements>
